--- a/docs/Lectures/Week04/Week04_BivariateRegression.pptx
+++ b/docs/Lectures/Week04/Week04_BivariateRegression.pptx
@@ -6,15 +6,19 @@
     <p:sldMasterId id="2147483686" r:id="rId2"/>
   </p:sldMasterIdLst>
   <p:notesMasterIdLst>
-    <p:notesMasterId r:id="rId9"/>
+    <p:notesMasterId r:id="rId13"/>
   </p:notesMasterIdLst>
   <p:sldIdLst>
     <p:sldId id="256" r:id="rId3"/>
     <p:sldId id="323" r:id="rId4"/>
     <p:sldId id="854" r:id="rId5"/>
-    <p:sldId id="849" r:id="rId6"/>
-    <p:sldId id="853" r:id="rId7"/>
-    <p:sldId id="265" r:id="rId8"/>
+    <p:sldId id="858" r:id="rId6"/>
+    <p:sldId id="849" r:id="rId7"/>
+    <p:sldId id="853" r:id="rId8"/>
+    <p:sldId id="857" r:id="rId9"/>
+    <p:sldId id="856" r:id="rId10"/>
+    <p:sldId id="855" r:id="rId11"/>
+    <p:sldId id="265" r:id="rId12"/>
   </p:sldIdLst>
   <p:sldSz cx="12192000" cy="6858000"/>
   <p:notesSz cx="6858000" cy="9144000"/>
@@ -203,7 +207,7 @@
           <a:p>
             <a:fld id="{B696F2DA-24C0-4B85-B3DC-FA6F4BB684E2}" type="datetimeFigureOut">
               <a:rPr lang="en-US" smtClean="0"/>
-              <a:t>1/8/2025</a:t>
+              <a:t>1/28/2025</a:t>
             </a:fld>
             <a:endParaRPr lang="en-US"/>
           </a:p>
@@ -708,7 +712,7 @@
           <a:p>
             <a:fld id="{ED291B17-9318-49DB-B28B-6E5994AE9581}" type="datetime1">
               <a:rPr lang="en-US" smtClean="0"/>
-              <a:t>1/8/2025</a:t>
+              <a:t>1/28/2025</a:t>
             </a:fld>
             <a:endParaRPr lang="en-US" dirty="0"/>
           </a:p>
@@ -911,7 +915,7 @@
           <a:p>
             <a:fld id="{2CED4963-E985-44C4-B8C4-FDD613B7C2F8}" type="datetime1">
               <a:rPr lang="en-US" smtClean="0"/>
-              <a:t>1/8/2025</a:t>
+              <a:t>1/28/2025</a:t>
             </a:fld>
             <a:endParaRPr lang="en-US" dirty="0"/>
           </a:p>
@@ -1273,7 +1277,7 @@
           <a:p>
             <a:fld id="{ED291B17-9318-49DB-B28B-6E5994AE9581}" type="datetime1">
               <a:rPr lang="en-US" smtClean="0"/>
-              <a:t>1/8/2025</a:t>
+              <a:t>1/28/2025</a:t>
             </a:fld>
             <a:endParaRPr lang="en-US" dirty="0"/>
           </a:p>
@@ -1583,7 +1587,7 @@
           <a:p>
             <a:fld id="{ED291B17-9318-49DB-B28B-6E5994AE9581}" type="datetime1">
               <a:rPr lang="en-US" smtClean="0"/>
-              <a:t>1/8/2025</a:t>
+              <a:t>1/28/2025</a:t>
             </a:fld>
             <a:endParaRPr lang="en-US" dirty="0"/>
           </a:p>
@@ -1780,7 +1784,7 @@
           <a:p>
             <a:fld id="{78DD82B9-B8EE-4375-B6FF-88FA6ABB15D9}" type="datetime1">
               <a:rPr lang="en-US" smtClean="0"/>
-              <a:t>1/8/2025</a:t>
+              <a:t>1/28/2025</a:t>
             </a:fld>
             <a:endParaRPr lang="en-US" dirty="0"/>
           </a:p>
@@ -2091,7 +2095,7 @@
           <a:p>
             <a:fld id="{B2497495-0637-405E-AE64-5CC7506D51F5}" type="datetime1">
               <a:rPr lang="en-US" smtClean="0"/>
-              <a:t>1/8/2025</a:t>
+              <a:t>1/28/2025</a:t>
             </a:fld>
             <a:endParaRPr lang="en-US" dirty="0"/>
           </a:p>
@@ -2344,7 +2348,7 @@
           <a:p>
             <a:fld id="{7BFFD690-9426-415D-8B65-26881E07B2D4}" type="datetime1">
               <a:rPr lang="en-US" smtClean="0"/>
-              <a:t>1/8/2025</a:t>
+              <a:t>1/28/2025</a:t>
             </a:fld>
             <a:endParaRPr lang="en-US" dirty="0"/>
           </a:p>
@@ -2766,7 +2770,7 @@
           <a:p>
             <a:fld id="{04C4989A-474C-40DE-95B9-011C28B71673}" type="datetime1">
               <a:rPr lang="en-US" smtClean="0"/>
-              <a:t>1/8/2025</a:t>
+              <a:t>1/28/2025</a:t>
             </a:fld>
             <a:endParaRPr lang="en-US" dirty="0"/>
           </a:p>
@@ -2889,7 +2893,7 @@
           <a:p>
             <a:fld id="{5DB4ED54-5B5E-4A04-93D3-5772E3CE3818}" type="datetime1">
               <a:rPr lang="en-US" smtClean="0"/>
-              <a:t>1/8/2025</a:t>
+              <a:t>1/28/2025</a:t>
             </a:fld>
             <a:endParaRPr lang="en-US" dirty="0"/>
           </a:p>
@@ -2984,7 +2988,7 @@
           <a:p>
             <a:fld id="{4EDE50D6-574B-40AF-946F-D52A04ADE379}" type="datetime1">
               <a:rPr lang="en-US" smtClean="0"/>
-              <a:t>1/8/2025</a:t>
+              <a:t>1/28/2025</a:t>
             </a:fld>
             <a:endParaRPr lang="en-US" dirty="0"/>
           </a:p>
@@ -3360,7 +3364,7 @@
           <a:p>
             <a:fld id="{D82884F1-FFEA-405F-9602-3DCA865EDA4E}" type="datetime1">
               <a:rPr lang="en-US" smtClean="0"/>
-              <a:t>1/8/2025</a:t>
+              <a:t>1/28/2025</a:t>
             </a:fld>
             <a:endParaRPr lang="en-US" dirty="0"/>
           </a:p>
@@ -3567,7 +3571,7 @@
           <a:p>
             <a:fld id="{78DD82B9-B8EE-4375-B6FF-88FA6ABB15D9}" type="datetime1">
               <a:rPr lang="en-US" smtClean="0"/>
-              <a:t>1/8/2025</a:t>
+              <a:t>1/28/2025</a:t>
             </a:fld>
             <a:endParaRPr lang="en-US" dirty="0"/>
           </a:p>
@@ -3849,7 +3853,7 @@
           <a:p>
             <a:fld id="{7E18DB4A-8810-4A10-AD5C-D5E2C667F5B3}" type="datetime1">
               <a:rPr lang="en-US" smtClean="0"/>
-              <a:t>1/8/2025</a:t>
+              <a:t>1/28/2025</a:t>
             </a:fld>
             <a:endParaRPr lang="en-US" dirty="0"/>
           </a:p>
@@ -4041,7 +4045,7 @@
           <a:p>
             <a:fld id="{2CED4963-E985-44C4-B8C4-FDD613B7C2F8}" type="datetime1">
               <a:rPr lang="en-US" smtClean="0"/>
-              <a:t>1/8/2025</a:t>
+              <a:t>1/28/2025</a:t>
             </a:fld>
             <a:endParaRPr lang="en-US" dirty="0"/>
           </a:p>
@@ -4402,7 +4406,7 @@
           <a:p>
             <a:fld id="{ED291B17-9318-49DB-B28B-6E5994AE9581}" type="datetime1">
               <a:rPr lang="en-US" smtClean="0"/>
-              <a:t>1/8/2025</a:t>
+              <a:t>1/28/2025</a:t>
             </a:fld>
             <a:endParaRPr lang="en-US" dirty="0"/>
           </a:p>
@@ -4878,7 +4882,7 @@
           <a:p>
             <a:fld id="{B2497495-0637-405E-AE64-5CC7506D51F5}" type="datetime1">
               <a:rPr lang="en-US" smtClean="0"/>
-              <a:t>1/8/2025</a:t>
+              <a:t>1/28/2025</a:t>
             </a:fld>
             <a:endParaRPr lang="en-US" dirty="0"/>
           </a:p>
@@ -5129,7 +5133,7 @@
           <a:p>
             <a:fld id="{7BFFD690-9426-415D-8B65-26881E07B2D4}" type="datetime1">
               <a:rPr lang="en-US" smtClean="0"/>
-              <a:t>1/8/2025</a:t>
+              <a:t>1/28/2025</a:t>
             </a:fld>
             <a:endParaRPr lang="en-US" dirty="0"/>
           </a:p>
@@ -5549,7 +5553,7 @@
           <a:p>
             <a:fld id="{04C4989A-474C-40DE-95B9-011C28B71673}" type="datetime1">
               <a:rPr lang="en-US" smtClean="0"/>
-              <a:t>1/8/2025</a:t>
+              <a:t>1/28/2025</a:t>
             </a:fld>
             <a:endParaRPr lang="en-US" dirty="0"/>
           </a:p>
@@ -5672,7 +5676,7 @@
           <a:p>
             <a:fld id="{5DB4ED54-5B5E-4A04-93D3-5772E3CE3818}" type="datetime1">
               <a:rPr lang="en-US" smtClean="0"/>
-              <a:t>1/8/2025</a:t>
+              <a:t>1/28/2025</a:t>
             </a:fld>
             <a:endParaRPr lang="en-US" dirty="0"/>
           </a:p>
@@ -5767,7 +5771,7 @@
           <a:p>
             <a:fld id="{4EDE50D6-574B-40AF-946F-D52A04ADE379}" type="datetime1">
               <a:rPr lang="en-US" smtClean="0"/>
-              <a:t>1/8/2025</a:t>
+              <a:t>1/28/2025</a:t>
             </a:fld>
             <a:endParaRPr lang="en-US" dirty="0"/>
           </a:p>
@@ -6143,7 +6147,7 @@
           <a:p>
             <a:fld id="{D82884F1-FFEA-405F-9602-3DCA865EDA4E}" type="datetime1">
               <a:rPr lang="en-US" smtClean="0"/>
-              <a:t>1/8/2025</a:t>
+              <a:t>1/28/2025</a:t>
             </a:fld>
             <a:endParaRPr lang="en-US" dirty="0"/>
           </a:p>
@@ -6436,7 +6440,7 @@
           <a:p>
             <a:fld id="{7E18DB4A-8810-4A10-AD5C-D5E2C667F5B3}" type="datetime1">
               <a:rPr lang="en-US" smtClean="0"/>
-              <a:t>1/8/2025</a:t>
+              <a:t>1/28/2025</a:t>
             </a:fld>
             <a:endParaRPr lang="en-US" dirty="0"/>
           </a:p>
@@ -6651,7 +6655,7 @@
           <a:p>
             <a:fld id="{ED291B17-9318-49DB-B28B-6E5994AE9581}" type="datetime1">
               <a:rPr lang="en-US" smtClean="0"/>
-              <a:t>1/8/2025</a:t>
+              <a:t>1/28/2025</a:t>
             </a:fld>
             <a:endParaRPr lang="en-US" dirty="0"/>
           </a:p>
@@ -7430,7 +7434,7 @@
           <a:p>
             <a:fld id="{ED291B17-9318-49DB-B28B-6E5994AE9581}" type="datetime1">
               <a:rPr lang="en-US" smtClean="0"/>
-              <a:t>1/8/2025</a:t>
+              <a:t>1/28/2025</a:t>
             </a:fld>
             <a:endParaRPr lang="en-US" dirty="0"/>
           </a:p>
@@ -8454,6 +8458,423 @@
 </p:sld>
 </file>
 
+<file path=ppt/slides/slide10.xml><?xml version="1.0" encoding="utf-8"?>
+<p:sld xmlns:a="http://schemas.openxmlformats.org/drawingml/2006/main" xmlns:r="http://schemas.openxmlformats.org/officeDocument/2006/relationships" xmlns:p="http://schemas.openxmlformats.org/presentationml/2006/main">
+  <p:cSld>
+    <p:spTree>
+      <p:nvGrpSpPr>
+        <p:cNvPr id="1" name="">
+          <a:extLst>
+            <a:ext uri="{FF2B5EF4-FFF2-40B4-BE49-F238E27FC236}">
+              <a16:creationId xmlns:a16="http://schemas.microsoft.com/office/drawing/2014/main" id="{5AE1A827-5F7B-1C9B-DFDA-1A7B41DDD160}"/>
+            </a:ext>
+          </a:extLst>
+        </p:cNvPr>
+        <p:cNvGrpSpPr/>
+        <p:nvPr/>
+      </p:nvGrpSpPr>
+      <p:grpSpPr>
+        <a:xfrm>
+          <a:off x="0" y="0"/>
+          <a:ext cx="0" cy="0"/>
+          <a:chOff x="0" y="0"/>
+          <a:chExt cx="0" cy="0"/>
+        </a:xfrm>
+      </p:grpSpPr>
+      <p:pic>
+        <p:nvPicPr>
+          <p:cNvPr id="4" name="Picture 3" descr="A colorful background with waves&#10;&#10;Description automatically generated with medium confidence">
+            <a:extLst>
+              <a:ext uri="{FF2B5EF4-FFF2-40B4-BE49-F238E27FC236}">
+                <a16:creationId xmlns:a16="http://schemas.microsoft.com/office/drawing/2014/main" id="{80B863BA-C9D0-A0B2-5422-A717FE65BEA4}"/>
+              </a:ext>
+            </a:extLst>
+          </p:cNvPr>
+          <p:cNvPicPr>
+            <a:picLocks noChangeAspect="1"/>
+          </p:cNvPicPr>
+          <p:nvPr/>
+        </p:nvPicPr>
+        <p:blipFill>
+          <a:blip r:embed="rId2"/>
+          <a:srcRect r="11111"/>
+          <a:stretch/>
+        </p:blipFill>
+        <p:spPr>
+          <a:xfrm>
+            <a:off x="20" y="12"/>
+            <a:ext cx="12191980" cy="6857988"/>
+          </a:xfrm>
+          <a:prstGeom prst="rect">
+            <a:avLst/>
+          </a:prstGeom>
+        </p:spPr>
+      </p:pic>
+      <p:sp>
+        <p:nvSpPr>
+          <p:cNvPr id="2" name="Title 1">
+            <a:extLst>
+              <a:ext uri="{FF2B5EF4-FFF2-40B4-BE49-F238E27FC236}">
+                <a16:creationId xmlns:a16="http://schemas.microsoft.com/office/drawing/2014/main" id="{525F13AC-84C1-CB46-6321-DCE6853170D0}"/>
+              </a:ext>
+            </a:extLst>
+          </p:cNvPr>
+          <p:cNvSpPr>
+            <a:spLocks noGrp="1"/>
+          </p:cNvSpPr>
+          <p:nvPr>
+            <p:ph type="ctrTitle"/>
+          </p:nvPr>
+        </p:nvSpPr>
+        <p:spPr>
+          <a:xfrm>
+            <a:off x="837126" y="1693546"/>
+            <a:ext cx="4320227" cy="2009774"/>
+          </a:xfrm>
+        </p:spPr>
+        <p:txBody>
+          <a:bodyPr>
+            <a:normAutofit/>
+          </a:bodyPr>
+          <a:lstStyle/>
+          <a:p>
+            <a:r>
+              <a:rPr lang="en-US" sz="4000" dirty="0">
+                <a:solidFill>
+                  <a:srgbClr val="FFFFFF"/>
+                </a:solidFill>
+              </a:rPr>
+              <a:t>WEEK 03 </a:t>
+            </a:r>
+            <a:br>
+              <a:rPr lang="en-US" sz="4000" dirty="0">
+                <a:solidFill>
+                  <a:srgbClr val="FFFFFF"/>
+                </a:solidFill>
+              </a:rPr>
+            </a:br>
+            <a:br>
+              <a:rPr lang="en-US" sz="4000" dirty="0">
+                <a:solidFill>
+                  <a:srgbClr val="FFFFFF"/>
+                </a:solidFill>
+              </a:rPr>
+            </a:br>
+            <a:r>
+              <a:rPr lang="en-US" sz="4000" dirty="0">
+                <a:solidFill>
+                  <a:srgbClr val="FFFFFF"/>
+                </a:solidFill>
+              </a:rPr>
+              <a:t>Lab </a:t>
+            </a:r>
+            <a:r>
+              <a:rPr lang="en-US" altLang="zh-CN" sz="4000" dirty="0">
+                <a:solidFill>
+                  <a:srgbClr val="FFFFFF"/>
+                </a:solidFill>
+              </a:rPr>
+              <a:t>session</a:t>
+            </a:r>
+            <a:endParaRPr lang="en-US" sz="4000" dirty="0">
+              <a:solidFill>
+                <a:srgbClr val="FFFFFF"/>
+              </a:solidFill>
+            </a:endParaRPr>
+          </a:p>
+        </p:txBody>
+      </p:sp>
+      <p:sp>
+        <p:nvSpPr>
+          <p:cNvPr id="5" name="TextBox 4">
+            <a:extLst>
+              <a:ext uri="{FF2B5EF4-FFF2-40B4-BE49-F238E27FC236}">
+                <a16:creationId xmlns:a16="http://schemas.microsoft.com/office/drawing/2014/main" id="{9211D3B9-9728-4880-CDAB-01882AFA691F}"/>
+              </a:ext>
+            </a:extLst>
+          </p:cNvPr>
+          <p:cNvSpPr txBox="1"/>
+          <p:nvPr/>
+        </p:nvSpPr>
+        <p:spPr>
+          <a:xfrm>
+            <a:off x="837126" y="4289196"/>
+            <a:ext cx="3912124" cy="3046988"/>
+          </a:xfrm>
+          <a:prstGeom prst="rect">
+            <a:avLst/>
+          </a:prstGeom>
+          <a:noFill/>
+        </p:spPr>
+        <p:txBody>
+          <a:bodyPr wrap="square" rtlCol="0">
+            <a:spAutoFit/>
+          </a:bodyPr>
+          <a:lstStyle/>
+          <a:p>
+            <a:pPr marL="0" marR="0" lvl="0" indent="0" algn="l" defTabSz="457200" rtl="0" eaLnBrk="1" fontAlgn="auto" latinLnBrk="0" hangingPunct="1">
+              <a:lnSpc>
+                <a:spcPct val="100000"/>
+              </a:lnSpc>
+              <a:spcBef>
+                <a:spcPts val="0"/>
+              </a:spcBef>
+              <a:spcAft>
+                <a:spcPts val="0"/>
+              </a:spcAft>
+              <a:buClrTx/>
+              <a:buSzTx/>
+              <a:buFontTx/>
+              <a:buNone/>
+              <a:tabLst/>
+              <a:defRPr/>
+            </a:pPr>
+            <a:r>
+              <a:rPr kumimoji="0" lang="en-US" sz="3200" b="0" i="0" u="none" strike="noStrike" kern="1200" cap="none" spc="0" normalizeH="0" baseline="0" noProof="0" dirty="0">
+                <a:ln>
+                  <a:noFill/>
+                </a:ln>
+                <a:solidFill>
+                  <a:srgbClr val="FFFFFF">
+                    <a:alpha val="75000"/>
+                  </a:srgbClr>
+                </a:solidFill>
+                <a:effectLst/>
+                <a:uLnTx/>
+                <a:uFillTx/>
+                <a:latin typeface="Calibri"/>
+                <a:ea typeface="+mn-ea"/>
+                <a:cs typeface="+mn-cs"/>
+              </a:rPr>
+              <a:t>Instructor: Yanan Wu</a:t>
+            </a:r>
+          </a:p>
+          <a:p>
+            <a:pPr marL="0" marR="0" lvl="0" indent="0" algn="l" defTabSz="457200" rtl="0" eaLnBrk="1" fontAlgn="auto" latinLnBrk="0" hangingPunct="1">
+              <a:lnSpc>
+                <a:spcPct val="100000"/>
+              </a:lnSpc>
+              <a:spcBef>
+                <a:spcPts val="0"/>
+              </a:spcBef>
+              <a:spcAft>
+                <a:spcPts val="0"/>
+              </a:spcAft>
+              <a:buClrTx/>
+              <a:buSzTx/>
+              <a:buFontTx/>
+              <a:buNone/>
+              <a:tabLst/>
+              <a:defRPr/>
+            </a:pPr>
+            <a:r>
+              <a:rPr kumimoji="0" lang="en-US" sz="3200" b="0" i="0" u="none" strike="noStrike" kern="1200" cap="none" spc="0" normalizeH="0" baseline="0" noProof="0" dirty="0">
+                <a:ln>
+                  <a:noFill/>
+                </a:ln>
+                <a:solidFill>
+                  <a:srgbClr val="FFFFFF">
+                    <a:alpha val="75000"/>
+                  </a:srgbClr>
+                </a:solidFill>
+                <a:effectLst/>
+                <a:uLnTx/>
+                <a:uFillTx/>
+                <a:latin typeface="Calibri"/>
+                <a:ea typeface="+mn-ea"/>
+                <a:cs typeface="+mn-cs"/>
+              </a:rPr>
+              <a:t>TA: </a:t>
+            </a:r>
+            <a:r>
+              <a:rPr lang="en-US" sz="3200" dirty="0">
+                <a:solidFill>
+                  <a:srgbClr val="FFFFFF">
+                    <a:alpha val="75000"/>
+                  </a:srgbClr>
+                </a:solidFill>
+                <a:latin typeface="Calibri" panose="020F0502020204030204" pitchFamily="34" charset="0"/>
+                <a:ea typeface="Calibri" panose="020F0502020204030204" pitchFamily="34" charset="0"/>
+                <a:cs typeface="Calibri" panose="020F0502020204030204" pitchFamily="34" charset="0"/>
+              </a:rPr>
+              <a:t>Khadija Nisar </a:t>
+            </a:r>
+            <a:endParaRPr kumimoji="0" lang="en-US" sz="3200" b="0" i="0" u="none" strike="noStrike" kern="1200" cap="none" spc="0" normalizeH="0" baseline="0" noProof="0" dirty="0">
+              <a:ln>
+                <a:noFill/>
+              </a:ln>
+              <a:solidFill>
+                <a:srgbClr val="FFFFFF">
+                  <a:alpha val="75000"/>
+                </a:srgbClr>
+              </a:solidFill>
+              <a:effectLst/>
+              <a:uLnTx/>
+              <a:uFillTx/>
+              <a:latin typeface="Calibri"/>
+              <a:ea typeface="+mn-ea"/>
+              <a:cs typeface="+mn-cs"/>
+            </a:endParaRPr>
+          </a:p>
+          <a:p>
+            <a:pPr marL="0" marR="0" lvl="0" indent="0" algn="l" defTabSz="457200" rtl="0" eaLnBrk="1" fontAlgn="auto" latinLnBrk="0" hangingPunct="1">
+              <a:lnSpc>
+                <a:spcPct val="100000"/>
+              </a:lnSpc>
+              <a:spcBef>
+                <a:spcPts val="0"/>
+              </a:spcBef>
+              <a:spcAft>
+                <a:spcPts val="0"/>
+              </a:spcAft>
+              <a:buClrTx/>
+              <a:buSzTx/>
+              <a:buFontTx/>
+              <a:buNone/>
+              <a:tabLst/>
+              <a:defRPr/>
+            </a:pPr>
+            <a:r>
+              <a:rPr kumimoji="0" lang="en-US" sz="3200" b="0" i="0" u="none" strike="noStrike" kern="1200" cap="none" spc="0" normalizeH="0" baseline="0" noProof="0" dirty="0">
+                <a:ln>
+                  <a:noFill/>
+                </a:ln>
+                <a:solidFill>
+                  <a:srgbClr val="FFFFFF">
+                    <a:alpha val="75000"/>
+                  </a:srgbClr>
+                </a:solidFill>
+                <a:effectLst/>
+                <a:uLnTx/>
+                <a:uFillTx/>
+                <a:latin typeface="Calibri"/>
+                <a:ea typeface="+mn-ea"/>
+                <a:cs typeface="+mn-cs"/>
+              </a:rPr>
+              <a:t> </a:t>
+            </a:r>
+          </a:p>
+          <a:p>
+            <a:pPr marL="0" marR="0" lvl="0" indent="0" algn="l" defTabSz="457200" rtl="0" eaLnBrk="1" fontAlgn="auto" latinLnBrk="0" hangingPunct="1">
+              <a:lnSpc>
+                <a:spcPct val="100000"/>
+              </a:lnSpc>
+              <a:spcBef>
+                <a:spcPts val="0"/>
+              </a:spcBef>
+              <a:spcAft>
+                <a:spcPts val="0"/>
+              </a:spcAft>
+              <a:buClrTx/>
+              <a:buSzTx/>
+              <a:buFontTx/>
+              <a:buNone/>
+              <a:tabLst/>
+              <a:defRPr/>
+            </a:pPr>
+            <a:r>
+              <a:rPr kumimoji="0" lang="en-US" sz="3200" b="0" i="0" u="none" strike="noStrike" kern="1200" cap="none" spc="0" normalizeH="0" baseline="0" noProof="0" dirty="0">
+                <a:ln>
+                  <a:noFill/>
+                </a:ln>
+                <a:solidFill>
+                  <a:srgbClr val="FFFFFF">
+                    <a:alpha val="75000"/>
+                  </a:srgbClr>
+                </a:solidFill>
+                <a:effectLst/>
+                <a:uLnTx/>
+                <a:uFillTx/>
+                <a:latin typeface="Calibri"/>
+                <a:ea typeface="+mn-ea"/>
+                <a:cs typeface="+mn-cs"/>
+              </a:rPr>
+              <a:t>Spring 2025</a:t>
+            </a:r>
+          </a:p>
+          <a:p>
+            <a:pPr marL="0" marR="0" lvl="0" indent="0" algn="l" defTabSz="457200" rtl="0" eaLnBrk="1" fontAlgn="auto" latinLnBrk="0" hangingPunct="1">
+              <a:lnSpc>
+                <a:spcPct val="100000"/>
+              </a:lnSpc>
+              <a:spcBef>
+                <a:spcPts val="0"/>
+              </a:spcBef>
+              <a:spcAft>
+                <a:spcPts val="0"/>
+              </a:spcAft>
+              <a:buClrTx/>
+              <a:buSzTx/>
+              <a:buFontTx/>
+              <a:buNone/>
+              <a:tabLst/>
+              <a:defRPr/>
+            </a:pPr>
+            <a:endParaRPr kumimoji="0" lang="en-US" sz="3200" b="0" i="0" u="none" strike="noStrike" kern="1200" cap="none" spc="0" normalizeH="0" baseline="0" noProof="0" dirty="0">
+              <a:ln>
+                <a:noFill/>
+              </a:ln>
+              <a:solidFill>
+                <a:srgbClr val="FFFFFF">
+                  <a:alpha val="75000"/>
+                </a:srgbClr>
+              </a:solidFill>
+              <a:effectLst/>
+              <a:uLnTx/>
+              <a:uFillTx/>
+              <a:latin typeface="Calibri"/>
+              <a:ea typeface="+mn-ea"/>
+              <a:cs typeface="+mn-cs"/>
+            </a:endParaRPr>
+          </a:p>
+          <a:p>
+            <a:pPr marL="0" marR="0" lvl="0" indent="0" algn="l" defTabSz="457200" rtl="0" eaLnBrk="1" fontAlgn="auto" latinLnBrk="0" hangingPunct="1">
+              <a:lnSpc>
+                <a:spcPct val="100000"/>
+              </a:lnSpc>
+              <a:spcBef>
+                <a:spcPts val="0"/>
+              </a:spcBef>
+              <a:spcAft>
+                <a:spcPts val="0"/>
+              </a:spcAft>
+              <a:buClrTx/>
+              <a:buSzTx/>
+              <a:buFontTx/>
+              <a:buNone/>
+              <a:tabLst/>
+              <a:defRPr/>
+            </a:pPr>
+            <a:endParaRPr kumimoji="0" lang="en-US" sz="3200" b="0" i="0" u="none" strike="noStrike" kern="1200" cap="none" spc="0" normalizeH="0" baseline="0" noProof="0" dirty="0">
+              <a:ln>
+                <a:noFill/>
+              </a:ln>
+              <a:solidFill>
+                <a:srgbClr val="000000"/>
+              </a:solidFill>
+              <a:effectLst/>
+              <a:uLnTx/>
+              <a:uFillTx/>
+              <a:latin typeface="Calibri"/>
+              <a:ea typeface="+mn-ea"/>
+              <a:cs typeface="+mn-cs"/>
+            </a:endParaRPr>
+          </a:p>
+        </p:txBody>
+      </p:sp>
+    </p:spTree>
+    <p:extLst>
+      <p:ext uri="{BB962C8B-B14F-4D97-AF65-F5344CB8AC3E}">
+        <p14:creationId xmlns:p14="http://schemas.microsoft.com/office/powerpoint/2010/main" val="121643133"/>
+      </p:ext>
+    </p:extLst>
+  </p:cSld>
+  <p:clrMapOvr>
+    <a:masterClrMapping/>
+  </p:clrMapOvr>
+</p:sld>
+</file>
+
 <file path=ppt/slides/slide2.xml><?xml version="1.0" encoding="utf-8"?>
 <p:sld xmlns:a="http://schemas.openxmlformats.org/drawingml/2006/main" xmlns:r="http://schemas.openxmlformats.org/officeDocument/2006/relationships" xmlns:p="http://schemas.openxmlformats.org/presentationml/2006/main">
   <p:cSld>
@@ -9420,7 +9841,7 @@
           <a:p>
             <a:r>
               <a:rPr lang="en-US" dirty="0"/>
-              <a:t>regression</a:t>
+              <a:t>CAUSALITY &amp; REGRESSION</a:t>
             </a:r>
           </a:p>
         </p:txBody>
@@ -9443,23 +9864,49 @@
         </p:nvSpPr>
         <p:spPr>
           <a:xfrm>
-            <a:off x="581192" y="1307592"/>
-            <a:ext cx="11029615" cy="740664"/>
-          </a:xfrm>
-        </p:spPr>
-        <p:txBody>
-          <a:bodyPr/>
-          <a:lstStyle/>
-          <a:p>
-            <a:r>
-              <a:rPr lang="en-US" b="0" i="0" dirty="0">
+            <a:off x="581191" y="1157936"/>
+            <a:ext cx="11029615" cy="1747190"/>
+          </a:xfrm>
+        </p:spPr>
+        <p:txBody>
+          <a:bodyPr>
+            <a:normAutofit/>
+          </a:bodyPr>
+          <a:lstStyle/>
+          <a:p>
+            <a:r>
+              <a:rPr lang="en-US" dirty="0">
                 <a:solidFill>
                   <a:srgbClr val="1F1F1F"/>
                 </a:solidFill>
-                <a:effectLst/>
                 <a:latin typeface="ElsevierGulliver"/>
               </a:rPr>
-              <a:t>Regression models describe the change of a response variable in terms of other explanatory variables.</a:t>
+              <a:t>CAUSALITY</a:t>
+            </a:r>
+          </a:p>
+          <a:p>
+            <a:pPr marL="0" indent="0">
+              <a:buNone/>
+            </a:pPr>
+            <a:endParaRPr lang="en-US" dirty="0">
+              <a:solidFill>
+                <a:srgbClr val="1F1F1F"/>
+              </a:solidFill>
+              <a:latin typeface="ElsevierGulliver"/>
+            </a:endParaRPr>
+          </a:p>
+          <a:p>
+            <a:pPr marL="0" indent="0">
+              <a:buNone/>
+            </a:pPr>
+            <a:r>
+              <a:rPr lang="en-US" dirty="0">
+                <a:solidFill>
+                  <a:srgbClr val="1F1F1F"/>
+                </a:solidFill>
+                <a:latin typeface="ElsevierGulliver"/>
+              </a:rPr>
+              <a:t>The change in </a:t>
             </a:r>
             <a:endParaRPr lang="en-US" dirty="0"/>
           </a:p>
@@ -9479,6 +9926,223 @@
 </file>
 
 <file path=ppt/slides/slide4.xml><?xml version="1.0" encoding="utf-8"?>
+<p:sld xmlns:a="http://schemas.openxmlformats.org/drawingml/2006/main" xmlns:r="http://schemas.openxmlformats.org/officeDocument/2006/relationships" xmlns:p="http://schemas.openxmlformats.org/presentationml/2006/main">
+  <p:cSld>
+    <p:spTree>
+      <p:nvGrpSpPr>
+        <p:cNvPr id="1" name=""/>
+        <p:cNvGrpSpPr/>
+        <p:nvPr/>
+      </p:nvGrpSpPr>
+      <p:grpSpPr>
+        <a:xfrm>
+          <a:off x="0" y="0"/>
+          <a:ext cx="0" cy="0"/>
+          <a:chOff x="0" y="0"/>
+          <a:chExt cx="0" cy="0"/>
+        </a:xfrm>
+      </p:grpSpPr>
+      <p:sp>
+        <p:nvSpPr>
+          <p:cNvPr id="2" name="Title 1">
+            <a:extLst>
+              <a:ext uri="{FF2B5EF4-FFF2-40B4-BE49-F238E27FC236}">
+                <a16:creationId xmlns:a16="http://schemas.microsoft.com/office/drawing/2014/main" id="{0D9226C1-3672-882C-C096-6DC421F5F4DC}"/>
+              </a:ext>
+            </a:extLst>
+          </p:cNvPr>
+          <p:cNvSpPr>
+            <a:spLocks noGrp="1"/>
+          </p:cNvSpPr>
+          <p:nvPr>
+            <p:ph type="title"/>
+          </p:nvPr>
+        </p:nvSpPr>
+        <p:spPr>
+          <a:xfrm>
+            <a:off x="581192" y="608086"/>
+            <a:ext cx="11029616" cy="549128"/>
+          </a:xfrm>
+        </p:spPr>
+        <p:txBody>
+          <a:bodyPr/>
+          <a:lstStyle/>
+          <a:p>
+            <a:r>
+              <a:rPr lang="en-US" dirty="0"/>
+              <a:t>Spurious relationship</a:t>
+            </a:r>
+          </a:p>
+        </p:txBody>
+      </p:sp>
+      <p:pic>
+        <p:nvPicPr>
+          <p:cNvPr id="5" name="Content Placeholder 4">
+            <a:extLst>
+              <a:ext uri="{FF2B5EF4-FFF2-40B4-BE49-F238E27FC236}">
+                <a16:creationId xmlns:a16="http://schemas.microsoft.com/office/drawing/2014/main" id="{D0291776-4FCB-0766-8E34-10A3F1D78847}"/>
+              </a:ext>
+            </a:extLst>
+          </p:cNvPr>
+          <p:cNvPicPr>
+            <a:picLocks noGrp="1" noChangeAspect="1"/>
+          </p:cNvPicPr>
+          <p:nvPr>
+            <p:ph idx="1"/>
+          </p:nvPr>
+        </p:nvPicPr>
+        <p:blipFill>
+          <a:blip r:embed="rId2"/>
+          <a:stretch>
+            <a:fillRect/>
+          </a:stretch>
+        </p:blipFill>
+        <p:spPr>
+          <a:xfrm>
+            <a:off x="3463016" y="2341563"/>
+            <a:ext cx="5265968" cy="3633787"/>
+          </a:xfrm>
+        </p:spPr>
+      </p:pic>
+      <mc:AlternateContent xmlns:mc="http://schemas.openxmlformats.org/markup-compatibility/2006">
+        <mc:Choice xmlns:a14="http://schemas.microsoft.com/office/drawing/2010/main" Requires="a14">
+          <p:sp>
+            <p:nvSpPr>
+              <p:cNvPr id="6" name="TextBox 5">
+                <a:extLst>
+                  <a:ext uri="{FF2B5EF4-FFF2-40B4-BE49-F238E27FC236}">
+                    <a16:creationId xmlns:a16="http://schemas.microsoft.com/office/drawing/2014/main" id="{9F4E3A28-C94A-0527-ACDB-5457BE004063}"/>
+                  </a:ext>
+                </a:extLst>
+              </p:cNvPr>
+              <p:cNvSpPr txBox="1"/>
+              <p:nvPr/>
+            </p:nvSpPr>
+            <p:spPr>
+              <a:xfrm>
+                <a:off x="581192" y="1251284"/>
+                <a:ext cx="10537157" cy="646331"/>
+              </a:xfrm>
+              <a:prstGeom prst="rect">
+                <a:avLst/>
+              </a:prstGeom>
+              <a:noFill/>
+            </p:spPr>
+            <p:txBody>
+              <a:bodyPr wrap="square" rtlCol="0">
+                <a:spAutoFit/>
+              </a:bodyPr>
+              <a:lstStyle/>
+              <a:p>
+                <a:r>
+                  <a:rPr lang="en-US" dirty="0"/>
+                  <a:t>The covariation between </a:t>
+                </a:r>
+                <a14:m>
+                  <m:oMath xmlns:m="http://schemas.openxmlformats.org/officeDocument/2006/math">
+                    <m:r>
+                      <a:rPr lang="en-US" b="0" i="1" smtClean="0">
+                        <a:latin typeface="Cambria Math" panose="02040503050406030204" pitchFamily="18" charset="0"/>
+                      </a:rPr>
+                      <m:t>𝑋</m:t>
+                    </m:r>
+                  </m:oMath>
+                </a14:m>
+                <a:r>
+                  <a:rPr lang="en-US" dirty="0"/>
+                  <a:t> and </a:t>
+                </a:r>
+                <a14:m>
+                  <m:oMath xmlns:m="http://schemas.openxmlformats.org/officeDocument/2006/math">
+                    <m:r>
+                      <a:rPr lang="en-US" b="0" i="1" smtClean="0">
+                        <a:latin typeface="Cambria Math" panose="02040503050406030204" pitchFamily="18" charset="0"/>
+                      </a:rPr>
+                      <m:t>𝑌</m:t>
+                    </m:r>
+                  </m:oMath>
+                </a14:m>
+                <a:r>
+                  <a:rPr lang="en-US" dirty="0"/>
+                  <a:t> can be influenced by their join relationship to another variable </a:t>
+                </a:r>
+                <a14:m>
+                  <m:oMath xmlns:m="http://schemas.openxmlformats.org/officeDocument/2006/math">
+                    <m:r>
+                      <a:rPr lang="en-US" b="0" i="1" smtClean="0">
+                        <a:latin typeface="Cambria Math" panose="02040503050406030204" pitchFamily="18" charset="0"/>
+                      </a:rPr>
+                      <m:t>𝑍</m:t>
+                    </m:r>
+                  </m:oMath>
+                </a14:m>
+                <a:r>
+                  <a:rPr lang="en-US" dirty="0"/>
+                  <a:t> (or a set of variables)</a:t>
+                </a:r>
+              </a:p>
+            </p:txBody>
+          </p:sp>
+        </mc:Choice>
+        <mc:Fallback>
+          <p:sp>
+            <p:nvSpPr>
+              <p:cNvPr id="6" name="TextBox 5">
+                <a:extLst>
+                  <a:ext uri="{FF2B5EF4-FFF2-40B4-BE49-F238E27FC236}">
+                    <a16:creationId xmlns:a16="http://schemas.microsoft.com/office/drawing/2014/main" id="{9F4E3A28-C94A-0527-ACDB-5457BE004063}"/>
+                  </a:ext>
+                </a:extLst>
+              </p:cNvPr>
+              <p:cNvSpPr txBox="1">
+                <a:spLocks noRot="1" noChangeAspect="1" noMove="1" noResize="1" noEditPoints="1" noAdjustHandles="1" noChangeArrowheads="1" noChangeShapeType="1" noTextEdit="1"/>
+              </p:cNvSpPr>
+              <p:nvPr/>
+            </p:nvSpPr>
+            <p:spPr>
+              <a:xfrm>
+                <a:off x="581192" y="1251284"/>
+                <a:ext cx="10537157" cy="646331"/>
+              </a:xfrm>
+              <a:prstGeom prst="rect">
+                <a:avLst/>
+              </a:prstGeom>
+              <a:blipFill>
+                <a:blip r:embed="rId3"/>
+                <a:stretch>
+                  <a:fillRect l="-463" t="-4717" b="-14151"/>
+                </a:stretch>
+              </a:blipFill>
+            </p:spPr>
+            <p:txBody>
+              <a:bodyPr/>
+              <a:lstStyle/>
+              <a:p>
+                <a:r>
+                  <a:rPr lang="en-US">
+                    <a:noFill/>
+                  </a:rPr>
+                  <a:t> </a:t>
+                </a:r>
+              </a:p>
+            </p:txBody>
+          </p:sp>
+        </mc:Fallback>
+      </mc:AlternateContent>
+    </p:spTree>
+    <p:extLst>
+      <p:ext uri="{BB962C8B-B14F-4D97-AF65-F5344CB8AC3E}">
+        <p14:creationId xmlns:p14="http://schemas.microsoft.com/office/powerpoint/2010/main" val="497407936"/>
+      </p:ext>
+    </p:extLst>
+  </p:cSld>
+  <p:clrMapOvr>
+    <a:masterClrMapping/>
+  </p:clrMapOvr>
+</p:sld>
+</file>
+
+<file path=ppt/slides/slide5.xml><?xml version="1.0" encoding="utf-8"?>
 <p:sld xmlns:a="http://schemas.openxmlformats.org/drawingml/2006/main" xmlns:r="http://schemas.openxmlformats.org/officeDocument/2006/relationships" xmlns:p="http://schemas.openxmlformats.org/presentationml/2006/main">
   <p:cSld>
     <p:bg>
@@ -10181,7 +10845,7 @@
                 <a:ea typeface="+mj-ea"/>
                 <a:cs typeface="+mj-cs"/>
               </a:rPr>
-              <a:t>2.1.2 univariate variable distributions</a:t>
+              <a:t>2.1.2 bivariate regression analysis</a:t>
             </a:r>
           </a:p>
         </p:txBody>
@@ -10384,7 +11048,7 @@
 </p:sld>
 </file>
 
-<file path=ppt/slides/slide5.xml><?xml version="1.0" encoding="utf-8"?>
+<file path=ppt/slides/slide6.xml><?xml version="1.0" encoding="utf-8"?>
 <p:sld xmlns:a="http://schemas.openxmlformats.org/drawingml/2006/main" xmlns:r="http://schemas.openxmlformats.org/officeDocument/2006/relationships" xmlns:p="http://schemas.openxmlformats.org/presentationml/2006/main">
   <p:cSld>
     <p:bg>
@@ -11087,7 +11751,7 @@
                 <a:ea typeface="+mj-ea"/>
                 <a:cs typeface="+mj-cs"/>
               </a:rPr>
-              <a:t>2.1.3 data transformation</a:t>
+              <a:t>2.1.3 confidence interval</a:t>
             </a:r>
           </a:p>
         </p:txBody>
@@ -11290,15 +11954,23 @@
 </p:sld>
 </file>
 
-<file path=ppt/slides/slide6.xml><?xml version="1.0" encoding="utf-8"?>
+<file path=ppt/slides/slide7.xml><?xml version="1.0" encoding="utf-8"?>
 <p:sld xmlns:a="http://schemas.openxmlformats.org/drawingml/2006/main" xmlns:r="http://schemas.openxmlformats.org/officeDocument/2006/relationships" xmlns:p="http://schemas.openxmlformats.org/presentationml/2006/main">
   <p:cSld>
+    <p:bg>
+      <p:bgPr>
+        <a:solidFill>
+          <a:schemeClr val="bg1"/>
+        </a:solidFill>
+        <a:effectLst/>
+      </p:bgPr>
+    </p:bg>
     <p:spTree>
       <p:nvGrpSpPr>
         <p:cNvPr id="1" name="">
           <a:extLst>
             <a:ext uri="{FF2B5EF4-FFF2-40B4-BE49-F238E27FC236}">
-              <a16:creationId xmlns:a16="http://schemas.microsoft.com/office/drawing/2014/main" id="{5AE1A827-5F7B-1C9B-DFDA-1A7B41DDD160}"/>
+              <a16:creationId xmlns:a16="http://schemas.microsoft.com/office/drawing/2014/main" id="{30C80AF9-CEAC-E9E7-EE58-02C30FB500E0}"/>
             </a:ext>
           </a:extLst>
         </p:cNvPr>
@@ -11313,135 +11985,61 @@
           <a:chExt cx="0" cy="0"/>
         </a:xfrm>
       </p:grpSpPr>
-      <p:pic>
-        <p:nvPicPr>
-          <p:cNvPr id="4" name="Picture 3" descr="A colorful background with waves&#10;&#10;Description automatically generated with medium confidence">
+      <p:sp>
+        <p:nvSpPr>
+          <p:cNvPr id="36" name="Rectangle 35">
             <a:extLst>
               <a:ext uri="{FF2B5EF4-FFF2-40B4-BE49-F238E27FC236}">
-                <a16:creationId xmlns:a16="http://schemas.microsoft.com/office/drawing/2014/main" id="{80B863BA-C9D0-A0B2-5422-A717FE65BEA4}"/>
+                <a16:creationId xmlns:a16="http://schemas.microsoft.com/office/drawing/2014/main" id="{54B744F6-8839-076D-8745-F4FE628328DE}"/>
+              </a:ext>
+              <a:ext uri="{C183D7F6-B498-43B3-948B-1728B52AA6E4}">
+                <adec:decorative xmlns:adec="http://schemas.microsoft.com/office/drawing/2017/decorative" val="1"/>
               </a:ext>
             </a:extLst>
           </p:cNvPr>
-          <p:cNvPicPr>
-            <a:picLocks noChangeAspect="1"/>
-          </p:cNvPicPr>
-          <p:nvPr/>
-        </p:nvPicPr>
-        <p:blipFill>
-          <a:blip r:embed="rId2"/>
-          <a:srcRect r="11111"/>
-          <a:stretch/>
-        </p:blipFill>
-        <p:spPr>
-          <a:xfrm>
-            <a:off x="20" y="12"/>
-            <a:ext cx="12191980" cy="6857988"/>
+          <p:cNvSpPr>
+            <a:spLocks noGrp="1" noRot="1" noChangeAspect="1" noMove="1" noResize="1" noEditPoints="1" noAdjustHandles="1" noChangeArrowheads="1" noChangeShapeType="1" noTextEdit="1"/>
+          </p:cNvSpPr>
+          <p:nvPr>
+            <p:extLst>
+              <p:ext uri="{386F3935-93C4-4BCD-93E2-E3B085C9AB24}">
+                <p16:designElem xmlns:p16="http://schemas.microsoft.com/office/powerpoint/2015/main" val="1"/>
+              </p:ext>
+            </p:extLst>
+          </p:nvPr>
+        </p:nvSpPr>
+        <p:spPr>
+          <a:xfrm>
+            <a:off x="446534" y="457200"/>
+            <a:ext cx="3703320" cy="94997"/>
           </a:xfrm>
           <a:prstGeom prst="rect">
             <a:avLst/>
           </a:prstGeom>
-        </p:spPr>
-      </p:pic>
-      <p:sp>
-        <p:nvSpPr>
-          <p:cNvPr id="2" name="Title 1">
-            <a:extLst>
-              <a:ext uri="{FF2B5EF4-FFF2-40B4-BE49-F238E27FC236}">
-                <a16:creationId xmlns:a16="http://schemas.microsoft.com/office/drawing/2014/main" id="{525F13AC-84C1-CB46-6321-DCE6853170D0}"/>
-              </a:ext>
-            </a:extLst>
-          </p:cNvPr>
-          <p:cNvSpPr>
-            <a:spLocks noGrp="1"/>
-          </p:cNvSpPr>
-          <p:nvPr>
-            <p:ph type="ctrTitle"/>
-          </p:nvPr>
-        </p:nvSpPr>
-        <p:spPr>
-          <a:xfrm>
-            <a:off x="837126" y="1693546"/>
-            <a:ext cx="4320227" cy="2009774"/>
-          </a:xfrm>
-        </p:spPr>
-        <p:txBody>
-          <a:bodyPr>
-            <a:normAutofit/>
-          </a:bodyPr>
-          <a:lstStyle/>
-          <a:p>
-            <a:r>
-              <a:rPr lang="en-US" sz="4000" dirty="0">
-                <a:solidFill>
-                  <a:srgbClr val="FFFFFF"/>
-                </a:solidFill>
-              </a:rPr>
-              <a:t>WEEK 03 </a:t>
-            </a:r>
-            <a:br>
-              <a:rPr lang="en-US" sz="4000" dirty="0">
-                <a:solidFill>
-                  <a:srgbClr val="FFFFFF"/>
-                </a:solidFill>
-              </a:rPr>
-            </a:br>
-            <a:br>
-              <a:rPr lang="en-US" sz="4000" dirty="0">
-                <a:solidFill>
-                  <a:srgbClr val="FFFFFF"/>
-                </a:solidFill>
-              </a:rPr>
-            </a:br>
-            <a:r>
-              <a:rPr lang="en-US" sz="4000" dirty="0">
-                <a:solidFill>
-                  <a:srgbClr val="FFFFFF"/>
-                </a:solidFill>
-              </a:rPr>
-              <a:t>Lab </a:t>
-            </a:r>
-            <a:r>
-              <a:rPr lang="en-US" altLang="zh-CN" sz="4000" dirty="0">
-                <a:solidFill>
-                  <a:srgbClr val="FFFFFF"/>
-                </a:solidFill>
-              </a:rPr>
-              <a:t>session</a:t>
-            </a:r>
-            <a:endParaRPr lang="en-US" sz="4000" dirty="0">
-              <a:solidFill>
-                <a:srgbClr val="FFFFFF"/>
-              </a:solidFill>
-            </a:endParaRPr>
-          </a:p>
-        </p:txBody>
-      </p:sp>
-      <p:sp>
-        <p:nvSpPr>
-          <p:cNvPr id="5" name="TextBox 4">
-            <a:extLst>
-              <a:ext uri="{FF2B5EF4-FFF2-40B4-BE49-F238E27FC236}">
-                <a16:creationId xmlns:a16="http://schemas.microsoft.com/office/drawing/2014/main" id="{9211D3B9-9728-4880-CDAB-01882AFA691F}"/>
-              </a:ext>
-            </a:extLst>
-          </p:cNvPr>
-          <p:cNvSpPr txBox="1"/>
-          <p:nvPr/>
-        </p:nvSpPr>
-        <p:spPr>
-          <a:xfrm>
-            <a:off x="837126" y="4289196"/>
-            <a:ext cx="3912124" cy="3046988"/>
-          </a:xfrm>
-          <a:prstGeom prst="rect">
-            <a:avLst/>
-          </a:prstGeom>
-          <a:noFill/>
-        </p:spPr>
-        <p:txBody>
-          <a:bodyPr wrap="square" rtlCol="0">
-            <a:spAutoFit/>
-          </a:bodyPr>
+          <a:solidFill>
+            <a:srgbClr val="465359"/>
+          </a:solidFill>
+          <a:ln>
+            <a:noFill/>
+          </a:ln>
+          <a:effectLst/>
+        </p:spPr>
+        <p:style>
+          <a:lnRef idx="1">
+            <a:schemeClr val="accent1"/>
+          </a:lnRef>
+          <a:fillRef idx="3">
+            <a:schemeClr val="accent1"/>
+          </a:fillRef>
+          <a:effectRef idx="2">
+            <a:schemeClr val="accent1"/>
+          </a:effectRef>
+          <a:fontRef idx="minor">
+            <a:schemeClr val="lt1"/>
+          </a:fontRef>
+        </p:style>
+        <p:txBody>
+          <a:bodyPr/>
           <a:lstStyle/>
           <a:p>
             <a:pPr marL="0" marR="0" lvl="0" indent="0" algn="l" defTabSz="457200" rtl="0" eaLnBrk="1" fontAlgn="auto" latinLnBrk="0" hangingPunct="1">
@@ -11461,26 +12059,79 @@
               <a:tabLst/>
               <a:defRPr/>
             </a:pPr>
-            <a:r>
-              <a:rPr kumimoji="0" lang="en-US" sz="3200" b="0" i="0" u="none" strike="noStrike" kern="1200" cap="none" spc="0" normalizeH="0" baseline="0" noProof="0" dirty="0">
-                <a:ln>
-                  <a:noFill/>
-                </a:ln>
-                <a:solidFill>
-                  <a:srgbClr val="FFFFFF">
-                    <a:alpha val="75000"/>
-                  </a:srgbClr>
-                </a:solidFill>
-                <a:effectLst/>
-                <a:uLnTx/>
-                <a:uFillTx/>
-                <a:latin typeface="Calibri"/>
-                <a:ea typeface="+mn-ea"/>
-                <a:cs typeface="+mn-cs"/>
-              </a:rPr>
-              <a:t>Instructor: Yanan Wu</a:t>
-            </a:r>
-          </a:p>
+            <a:endParaRPr kumimoji="0" lang="en-US" sz="1800" b="0" i="0" u="none" strike="noStrike" kern="1200" cap="none" spc="0" normalizeH="0" baseline="0" noProof="0">
+              <a:ln>
+                <a:noFill/>
+              </a:ln>
+              <a:solidFill>
+                <a:srgbClr val="FFFFFF"/>
+              </a:solidFill>
+              <a:effectLst/>
+              <a:uLnTx/>
+              <a:uFillTx/>
+              <a:latin typeface="Calibri"/>
+              <a:ea typeface="+mn-ea"/>
+              <a:cs typeface="+mn-cs"/>
+            </a:endParaRPr>
+          </a:p>
+        </p:txBody>
+      </p:sp>
+      <p:sp>
+        <p:nvSpPr>
+          <p:cNvPr id="38" name="Rectangle 37">
+            <a:extLst>
+              <a:ext uri="{FF2B5EF4-FFF2-40B4-BE49-F238E27FC236}">
+                <a16:creationId xmlns:a16="http://schemas.microsoft.com/office/drawing/2014/main" id="{25F6329E-41CD-091A-19FA-6F133FC6F26E}"/>
+              </a:ext>
+              <a:ext uri="{C183D7F6-B498-43B3-948B-1728B52AA6E4}">
+                <adec:decorative xmlns:adec="http://schemas.microsoft.com/office/drawing/2017/decorative" val="1"/>
+              </a:ext>
+            </a:extLst>
+          </p:cNvPr>
+          <p:cNvSpPr>
+            <a:spLocks noGrp="1" noRot="1" noChangeAspect="1" noMove="1" noResize="1" noEditPoints="1" noAdjustHandles="1" noChangeArrowheads="1" noChangeShapeType="1" noTextEdit="1"/>
+          </p:cNvSpPr>
+          <p:nvPr>
+            <p:extLst>
+              <p:ext uri="{386F3935-93C4-4BCD-93E2-E3B085C9AB24}">
+                <p16:designElem xmlns:p16="http://schemas.microsoft.com/office/powerpoint/2015/main" val="1"/>
+              </p:ext>
+            </p:extLst>
+          </p:nvPr>
+        </p:nvSpPr>
+        <p:spPr>
+          <a:xfrm>
+            <a:off x="8042147" y="453643"/>
+            <a:ext cx="3703320" cy="98554"/>
+          </a:xfrm>
+          <a:prstGeom prst="rect">
+            <a:avLst/>
+          </a:prstGeom>
+          <a:solidFill>
+            <a:srgbClr val="969FA7"/>
+          </a:solidFill>
+          <a:ln>
+            <a:noFill/>
+          </a:ln>
+          <a:effectLst/>
+        </p:spPr>
+        <p:style>
+          <a:lnRef idx="1">
+            <a:schemeClr val="accent1"/>
+          </a:lnRef>
+          <a:fillRef idx="3">
+            <a:schemeClr val="accent1"/>
+          </a:fillRef>
+          <a:effectRef idx="2">
+            <a:schemeClr val="accent1"/>
+          </a:effectRef>
+          <a:fontRef idx="minor">
+            <a:schemeClr val="lt1"/>
+          </a:fontRef>
+        </p:style>
+        <p:txBody>
+          <a:bodyPr/>
+          <a:lstStyle/>
           <a:p>
             <a:pPr marL="0" marR="0" lvl="0" indent="0" algn="l" defTabSz="457200" rtl="0" eaLnBrk="1" fontAlgn="auto" latinLnBrk="0" hangingPunct="1">
               <a:lnSpc>
@@ -11499,46 +12150,12 @@
               <a:tabLst/>
               <a:defRPr/>
             </a:pPr>
-            <a:r>
-              <a:rPr kumimoji="0" lang="en-US" sz="3200" b="0" i="0" u="none" strike="noStrike" kern="1200" cap="none" spc="0" normalizeH="0" baseline="0" noProof="0" dirty="0">
-                <a:ln>
-                  <a:noFill/>
-                </a:ln>
-                <a:solidFill>
-                  <a:srgbClr val="FFFFFF">
-                    <a:alpha val="75000"/>
-                  </a:srgbClr>
-                </a:solidFill>
-                <a:effectLst/>
-                <a:uLnTx/>
-                <a:uFillTx/>
-                <a:latin typeface="Calibri"/>
-                <a:ea typeface="+mn-ea"/>
-                <a:cs typeface="+mn-cs"/>
-              </a:rPr>
-              <a:t>TA: </a:t>
-            </a:r>
-            <a:r>
-              <a:rPr lang="en-US" sz="3200" dirty="0">
-                <a:solidFill>
-                  <a:srgbClr val="FFFFFF">
-                    <a:alpha val="75000"/>
-                  </a:srgbClr>
-                </a:solidFill>
-                <a:latin typeface="Calibri" panose="020F0502020204030204" pitchFamily="34" charset="0"/>
-                <a:ea typeface="Calibri" panose="020F0502020204030204" pitchFamily="34" charset="0"/>
-                <a:cs typeface="Calibri" panose="020F0502020204030204" pitchFamily="34" charset="0"/>
-              </a:rPr>
-              <a:t>Khadija Nisar </a:t>
-            </a:r>
-            <a:endParaRPr kumimoji="0" lang="en-US" sz="3200" b="0" i="0" u="none" strike="noStrike" kern="1200" cap="none" spc="0" normalizeH="0" baseline="0" noProof="0" dirty="0">
+            <a:endParaRPr kumimoji="0" lang="en-US" sz="1800" b="0" i="0" u="none" strike="noStrike" kern="1200" cap="none" spc="0" normalizeH="0" baseline="0" noProof="0">
               <a:ln>
                 <a:noFill/>
               </a:ln>
               <a:solidFill>
-                <a:srgbClr val="FFFFFF">
-                  <a:alpha val="75000"/>
-                </a:srgbClr>
+                <a:srgbClr val="FFFFFF"/>
               </a:solidFill>
               <a:effectLst/>
               <a:uLnTx/>
@@ -11548,6 +12165,64 @@
               <a:cs typeface="+mn-cs"/>
             </a:endParaRPr>
           </a:p>
+        </p:txBody>
+      </p:sp>
+      <p:sp>
+        <p:nvSpPr>
+          <p:cNvPr id="40" name="Rectangle 39">
+            <a:extLst>
+              <a:ext uri="{FF2B5EF4-FFF2-40B4-BE49-F238E27FC236}">
+                <a16:creationId xmlns:a16="http://schemas.microsoft.com/office/drawing/2014/main" id="{43FDABB0-A263-9EAD-24EC-95B7129EAACD}"/>
+              </a:ext>
+              <a:ext uri="{C183D7F6-B498-43B3-948B-1728B52AA6E4}">
+                <adec:decorative xmlns:adec="http://schemas.microsoft.com/office/drawing/2017/decorative" val="1"/>
+              </a:ext>
+            </a:extLst>
+          </p:cNvPr>
+          <p:cNvSpPr>
+            <a:spLocks noGrp="1" noRot="1" noChangeAspect="1" noMove="1" noResize="1" noEditPoints="1" noAdjustHandles="1" noChangeArrowheads="1" noChangeShapeType="1" noTextEdit="1"/>
+          </p:cNvSpPr>
+          <p:nvPr>
+            <p:extLst>
+              <p:ext uri="{386F3935-93C4-4BCD-93E2-E3B085C9AB24}">
+                <p16:designElem xmlns:p16="http://schemas.microsoft.com/office/powerpoint/2015/main" val="1"/>
+              </p:ext>
+            </p:extLst>
+          </p:nvPr>
+        </p:nvSpPr>
+        <p:spPr>
+          <a:xfrm>
+            <a:off x="4241830" y="457200"/>
+            <a:ext cx="3703320" cy="91440"/>
+          </a:xfrm>
+          <a:prstGeom prst="rect">
+            <a:avLst/>
+          </a:prstGeom>
+          <a:solidFill>
+            <a:schemeClr val="accent1"/>
+          </a:solidFill>
+          <a:ln>
+            <a:noFill/>
+          </a:ln>
+          <a:effectLst/>
+        </p:spPr>
+        <p:style>
+          <a:lnRef idx="1">
+            <a:schemeClr val="accent1"/>
+          </a:lnRef>
+          <a:fillRef idx="3">
+            <a:schemeClr val="accent1"/>
+          </a:fillRef>
+          <a:effectRef idx="2">
+            <a:schemeClr val="accent1"/>
+          </a:effectRef>
+          <a:fontRef idx="minor">
+            <a:schemeClr val="lt1"/>
+          </a:fontRef>
+        </p:style>
+        <p:txBody>
+          <a:bodyPr/>
+          <a:lstStyle/>
           <a:p>
             <a:pPr marL="0" marR="0" lvl="0" indent="0" algn="l" defTabSz="457200" rtl="0" eaLnBrk="1" fontAlgn="auto" latinLnBrk="0" hangingPunct="1">
               <a:lnSpc>
@@ -11566,26 +12241,79 @@
               <a:tabLst/>
               <a:defRPr/>
             </a:pPr>
-            <a:r>
-              <a:rPr kumimoji="0" lang="en-US" sz="3200" b="0" i="0" u="none" strike="noStrike" kern="1200" cap="none" spc="0" normalizeH="0" baseline="0" noProof="0" dirty="0">
-                <a:ln>
-                  <a:noFill/>
-                </a:ln>
-                <a:solidFill>
-                  <a:srgbClr val="FFFFFF">
-                    <a:alpha val="75000"/>
-                  </a:srgbClr>
-                </a:solidFill>
-                <a:effectLst/>
-                <a:uLnTx/>
-                <a:uFillTx/>
-                <a:latin typeface="Calibri"/>
-                <a:ea typeface="+mn-ea"/>
-                <a:cs typeface="+mn-cs"/>
-              </a:rPr>
-              <a:t> </a:t>
-            </a:r>
-          </a:p>
+            <a:endParaRPr kumimoji="0" lang="en-US" sz="1800" b="0" i="0" u="none" strike="noStrike" kern="1200" cap="none" spc="0" normalizeH="0" baseline="0" noProof="0">
+              <a:ln>
+                <a:noFill/>
+              </a:ln>
+              <a:solidFill>
+                <a:srgbClr val="FFFFFF"/>
+              </a:solidFill>
+              <a:effectLst/>
+              <a:uLnTx/>
+              <a:uFillTx/>
+              <a:latin typeface="Calibri"/>
+              <a:ea typeface="+mn-ea"/>
+              <a:cs typeface="+mn-cs"/>
+            </a:endParaRPr>
+          </a:p>
+        </p:txBody>
+      </p:sp>
+      <p:sp>
+        <p:nvSpPr>
+          <p:cNvPr id="42" name="Rectangle 41">
+            <a:extLst>
+              <a:ext uri="{FF2B5EF4-FFF2-40B4-BE49-F238E27FC236}">
+                <a16:creationId xmlns:a16="http://schemas.microsoft.com/office/drawing/2014/main" id="{0345D31F-C993-9943-A688-E669A0AFF57C}"/>
+              </a:ext>
+              <a:ext uri="{C183D7F6-B498-43B3-948B-1728B52AA6E4}">
+                <adec:decorative xmlns:adec="http://schemas.microsoft.com/office/drawing/2017/decorative" val="1"/>
+              </a:ext>
+            </a:extLst>
+          </p:cNvPr>
+          <p:cNvSpPr>
+            <a:spLocks noGrp="1" noRot="1" noChangeAspect="1" noMove="1" noResize="1" noEditPoints="1" noAdjustHandles="1" noChangeArrowheads="1" noChangeShapeType="1" noTextEdit="1"/>
+          </p:cNvSpPr>
+          <p:nvPr>
+            <p:extLst>
+              <p:ext uri="{386F3935-93C4-4BCD-93E2-E3B085C9AB24}">
+                <p16:designElem xmlns:p16="http://schemas.microsoft.com/office/powerpoint/2015/main" val="1"/>
+              </p:ext>
+            </p:extLst>
+          </p:nvPr>
+        </p:nvSpPr>
+        <p:spPr>
+          <a:xfrm>
+            <a:off x="446534" y="3085764"/>
+            <a:ext cx="11298932" cy="3338149"/>
+          </a:xfrm>
+          <a:prstGeom prst="rect">
+            <a:avLst/>
+          </a:prstGeom>
+          <a:solidFill>
+            <a:srgbClr val="465359"/>
+          </a:solidFill>
+          <a:ln>
+            <a:noFill/>
+          </a:ln>
+          <a:effectLst/>
+        </p:spPr>
+        <p:style>
+          <a:lnRef idx="1">
+            <a:schemeClr val="accent1"/>
+          </a:lnRef>
+          <a:fillRef idx="3">
+            <a:schemeClr val="accent1"/>
+          </a:fillRef>
+          <a:effectRef idx="2">
+            <a:schemeClr val="accent1"/>
+          </a:effectRef>
+          <a:fontRef idx="minor">
+            <a:schemeClr val="lt1"/>
+          </a:fontRef>
+        </p:style>
+        <p:txBody>
+          <a:bodyPr/>
+          <a:lstStyle/>
           <a:p>
             <a:pPr marL="0" marR="0" lvl="0" indent="0" algn="l" defTabSz="457200" rtl="0" eaLnBrk="1" fontAlgn="auto" latinLnBrk="0" hangingPunct="1">
               <a:lnSpc>
@@ -11604,26 +12332,168 @@
               <a:tabLst/>
               <a:defRPr/>
             </a:pPr>
-            <a:r>
-              <a:rPr kumimoji="0" lang="en-US" sz="3200" b="0" i="0" u="none" strike="noStrike" kern="1200" cap="none" spc="0" normalizeH="0" baseline="0" noProof="0" dirty="0">
-                <a:ln>
-                  <a:noFill/>
-                </a:ln>
-                <a:solidFill>
-                  <a:srgbClr val="FFFFFF">
-                    <a:alpha val="75000"/>
-                  </a:srgbClr>
-                </a:solidFill>
-                <a:effectLst/>
-                <a:uLnTx/>
-                <a:uFillTx/>
-                <a:latin typeface="Calibri"/>
-                <a:ea typeface="+mn-ea"/>
-                <a:cs typeface="+mn-cs"/>
-              </a:rPr>
-              <a:t>Spring 2025</a:t>
-            </a:r>
-          </a:p>
+            <a:endParaRPr kumimoji="0" lang="en-US" sz="1800" b="0" i="0" u="none" strike="noStrike" kern="1200" cap="none" spc="0" normalizeH="0" baseline="0" noProof="0">
+              <a:ln>
+                <a:noFill/>
+              </a:ln>
+              <a:solidFill>
+                <a:srgbClr val="FFFFFF"/>
+              </a:solidFill>
+              <a:effectLst/>
+              <a:uLnTx/>
+              <a:uFillTx/>
+              <a:latin typeface="Calibri"/>
+              <a:ea typeface="+mn-ea"/>
+              <a:cs typeface="+mn-cs"/>
+            </a:endParaRPr>
+          </a:p>
+        </p:txBody>
+      </p:sp>
+      <p:sp useBgFill="1">
+        <p:nvSpPr>
+          <p:cNvPr id="44" name="Rectangle 43">
+            <a:extLst>
+              <a:ext uri="{FF2B5EF4-FFF2-40B4-BE49-F238E27FC236}">
+                <a16:creationId xmlns:a16="http://schemas.microsoft.com/office/drawing/2014/main" id="{CDCB8611-4505-C38F-6DE1-AC9F71907D3F}"/>
+              </a:ext>
+              <a:ext uri="{C183D7F6-B498-43B3-948B-1728B52AA6E4}">
+                <adec:decorative xmlns:adec="http://schemas.microsoft.com/office/drawing/2017/decorative" val="1"/>
+              </a:ext>
+            </a:extLst>
+          </p:cNvPr>
+          <p:cNvSpPr>
+            <a:spLocks noGrp="1" noRot="1" noChangeAspect="1" noMove="1" noResize="1" noEditPoints="1" noAdjustHandles="1" noChangeArrowheads="1" noChangeShapeType="1" noTextEdit="1"/>
+          </p:cNvSpPr>
+          <p:nvPr>
+            <p:extLst>
+              <p:ext uri="{386F3935-93C4-4BCD-93E2-E3B085C9AB24}">
+                <p16:designElem xmlns:p16="http://schemas.microsoft.com/office/powerpoint/2015/main" val="1"/>
+              </p:ext>
+            </p:extLst>
+          </p:nvPr>
+        </p:nvSpPr>
+        <p:spPr>
+          <a:xfrm>
+            <a:off x="0" y="0"/>
+            <a:ext cx="12192000" cy="6858000"/>
+          </a:xfrm>
+          <a:prstGeom prst="rect">
+            <a:avLst/>
+          </a:prstGeom>
+          <a:ln>
+            <a:noFill/>
+          </a:ln>
+        </p:spPr>
+        <p:style>
+          <a:lnRef idx="2">
+            <a:schemeClr val="accent1">
+              <a:shade val="50000"/>
+            </a:schemeClr>
+          </a:lnRef>
+          <a:fillRef idx="1">
+            <a:schemeClr val="accent1"/>
+          </a:fillRef>
+          <a:effectRef idx="0">
+            <a:schemeClr val="accent1"/>
+          </a:effectRef>
+          <a:fontRef idx="minor">
+            <a:schemeClr val="lt1"/>
+          </a:fontRef>
+        </p:style>
+        <p:txBody>
+          <a:bodyPr rtlCol="0" anchor="ctr"/>
+          <a:lstStyle/>
+          <a:p>
+            <a:pPr marL="0" marR="0" lvl="0" indent="0" algn="ctr" defTabSz="457200" rtl="0" eaLnBrk="1" fontAlgn="auto" latinLnBrk="0" hangingPunct="1">
+              <a:lnSpc>
+                <a:spcPct val="100000"/>
+              </a:lnSpc>
+              <a:spcBef>
+                <a:spcPts val="0"/>
+              </a:spcBef>
+              <a:spcAft>
+                <a:spcPts val="0"/>
+              </a:spcAft>
+              <a:buClrTx/>
+              <a:buSzTx/>
+              <a:buFontTx/>
+              <a:buNone/>
+              <a:tabLst/>
+              <a:defRPr/>
+            </a:pPr>
+            <a:endParaRPr kumimoji="0" lang="en-US" sz="1800" b="0" i="0" u="none" strike="noStrike" kern="1200" cap="none" spc="0" normalizeH="0" baseline="0" noProof="0">
+              <a:ln>
+                <a:noFill/>
+              </a:ln>
+              <a:solidFill>
+                <a:srgbClr val="FFFFFF"/>
+              </a:solidFill>
+              <a:effectLst/>
+              <a:uLnTx/>
+              <a:uFillTx/>
+              <a:latin typeface="Calibri"/>
+              <a:ea typeface="+mn-ea"/>
+              <a:cs typeface="+mn-cs"/>
+            </a:endParaRPr>
+          </a:p>
+        </p:txBody>
+      </p:sp>
+      <p:sp>
+        <p:nvSpPr>
+          <p:cNvPr id="46" name="Rectangle 45">
+            <a:extLst>
+              <a:ext uri="{FF2B5EF4-FFF2-40B4-BE49-F238E27FC236}">
+                <a16:creationId xmlns:a16="http://schemas.microsoft.com/office/drawing/2014/main" id="{0EB42D87-8C15-FD2F-FEA4-5496B5879A82}"/>
+              </a:ext>
+              <a:ext uri="{C183D7F6-B498-43B3-948B-1728B52AA6E4}">
+                <adec:decorative xmlns:adec="http://schemas.microsoft.com/office/drawing/2017/decorative" val="1"/>
+              </a:ext>
+            </a:extLst>
+          </p:cNvPr>
+          <p:cNvSpPr>
+            <a:spLocks noGrp="1" noRot="1" noChangeAspect="1" noMove="1" noResize="1" noEditPoints="1" noAdjustHandles="1" noChangeArrowheads="1" noChangeShapeType="1" noTextEdit="1"/>
+          </p:cNvSpPr>
+          <p:nvPr>
+            <p:extLst>
+              <p:ext uri="{386F3935-93C4-4BCD-93E2-E3B085C9AB24}">
+                <p16:designElem xmlns:p16="http://schemas.microsoft.com/office/powerpoint/2015/main" val="1"/>
+              </p:ext>
+            </p:extLst>
+          </p:nvPr>
+        </p:nvSpPr>
+        <p:spPr>
+          <a:xfrm>
+            <a:off x="509628" y="496959"/>
+            <a:ext cx="1106164" cy="5859735"/>
+          </a:xfrm>
+          <a:prstGeom prst="rect">
+            <a:avLst/>
+          </a:prstGeom>
+          <a:solidFill>
+            <a:srgbClr val="465359"/>
+          </a:solidFill>
+          <a:ln>
+            <a:noFill/>
+          </a:ln>
+          <a:effectLst/>
+        </p:spPr>
+        <p:style>
+          <a:lnRef idx="1">
+            <a:schemeClr val="accent1"/>
+          </a:lnRef>
+          <a:fillRef idx="3">
+            <a:schemeClr val="accent1"/>
+          </a:fillRef>
+          <a:effectRef idx="2">
+            <a:schemeClr val="accent1"/>
+          </a:effectRef>
+          <a:fontRef idx="minor">
+            <a:schemeClr val="lt1"/>
+          </a:fontRef>
+        </p:style>
+        <p:txBody>
+          <a:bodyPr/>
+          <a:lstStyle/>
           <a:p>
             <a:pPr marL="0" marR="0" lvl="0" indent="0" algn="l" defTabSz="457200" rtl="0" eaLnBrk="1" fontAlgn="auto" latinLnBrk="0" hangingPunct="1">
               <a:lnSpc>
@@ -11642,14 +12512,12 @@
               <a:tabLst/>
               <a:defRPr/>
             </a:pPr>
-            <a:endParaRPr kumimoji="0" lang="en-US" sz="3200" b="0" i="0" u="none" strike="noStrike" kern="1200" cap="none" spc="0" normalizeH="0" baseline="0" noProof="0" dirty="0">
+            <a:endParaRPr kumimoji="0" lang="en-US" sz="1800" b="0" i="0" u="none" strike="noStrike" kern="1200" cap="none" spc="0" normalizeH="0" baseline="0" noProof="0">
               <a:ln>
                 <a:noFill/>
               </a:ln>
               <a:solidFill>
-                <a:srgbClr val="FFFFFF">
-                  <a:alpha val="75000"/>
-                </a:srgbClr>
+                <a:srgbClr val="FFFFFF"/>
               </a:solidFill>
               <a:effectLst/>
               <a:uLnTx/>
@@ -11659,6 +12527,64 @@
               <a:cs typeface="+mn-cs"/>
             </a:endParaRPr>
           </a:p>
+        </p:txBody>
+      </p:sp>
+      <p:sp>
+        <p:nvSpPr>
+          <p:cNvPr id="48" name="Rectangle 47">
+            <a:extLst>
+              <a:ext uri="{FF2B5EF4-FFF2-40B4-BE49-F238E27FC236}">
+                <a16:creationId xmlns:a16="http://schemas.microsoft.com/office/drawing/2014/main" id="{93B862DD-278B-0512-D575-ADF35962BC72}"/>
+              </a:ext>
+              <a:ext uri="{C183D7F6-B498-43B3-948B-1728B52AA6E4}">
+                <adec:decorative xmlns:adec="http://schemas.microsoft.com/office/drawing/2017/decorative" val="1"/>
+              </a:ext>
+            </a:extLst>
+          </p:cNvPr>
+          <p:cNvSpPr>
+            <a:spLocks noGrp="1" noRot="1" noChangeAspect="1" noMove="1" noResize="1" noEditPoints="1" noAdjustHandles="1" noChangeArrowheads="1" noChangeShapeType="1" noTextEdit="1"/>
+          </p:cNvSpPr>
+          <p:nvPr>
+            <p:extLst>
+              <p:ext uri="{386F3935-93C4-4BCD-93E2-E3B085C9AB24}">
+                <p16:designElem xmlns:p16="http://schemas.microsoft.com/office/powerpoint/2015/main" val="1"/>
+              </p:ext>
+            </p:extLst>
+          </p:nvPr>
+        </p:nvSpPr>
+        <p:spPr>
+          <a:xfrm>
+            <a:off x="1712856" y="496958"/>
+            <a:ext cx="9961047" cy="3678072"/>
+          </a:xfrm>
+          <a:prstGeom prst="rect">
+            <a:avLst/>
+          </a:prstGeom>
+          <a:solidFill>
+            <a:schemeClr val="accent1"/>
+          </a:solidFill>
+          <a:ln>
+            <a:noFill/>
+          </a:ln>
+          <a:effectLst/>
+        </p:spPr>
+        <p:style>
+          <a:lnRef idx="1">
+            <a:schemeClr val="accent1"/>
+          </a:lnRef>
+          <a:fillRef idx="3">
+            <a:schemeClr val="accent1"/>
+          </a:fillRef>
+          <a:effectRef idx="2">
+            <a:schemeClr val="accent1"/>
+          </a:effectRef>
+          <a:fontRef idx="minor">
+            <a:schemeClr val="lt1"/>
+          </a:fontRef>
+        </p:style>
+        <p:txBody>
+          <a:bodyPr/>
+          <a:lstStyle/>
           <a:p>
             <a:pPr marL="0" marR="0" lvl="0" indent="0" algn="l" defTabSz="457200" rtl="0" eaLnBrk="1" fontAlgn="auto" latinLnBrk="0" hangingPunct="1">
               <a:lnSpc>
@@ -11677,12 +12603,12 @@
               <a:tabLst/>
               <a:defRPr/>
             </a:pPr>
-            <a:endParaRPr kumimoji="0" lang="en-US" sz="3200" b="0" i="0" u="none" strike="noStrike" kern="1200" cap="none" spc="0" normalizeH="0" baseline="0" noProof="0" dirty="0">
+            <a:endParaRPr kumimoji="0" lang="en-US" sz="1800" b="0" i="0" u="none" strike="noStrike" kern="1200" cap="none" spc="0" normalizeH="0" baseline="0" noProof="0">
               <a:ln>
                 <a:noFill/>
               </a:ln>
               <a:solidFill>
-                <a:srgbClr val="000000"/>
+                <a:srgbClr val="FFFFFF"/>
               </a:solidFill>
               <a:effectLst/>
               <a:uLnTx/>
@@ -11694,10 +12620,487 @@
           </a:p>
         </p:txBody>
       </p:sp>
+      <p:sp>
+        <p:nvSpPr>
+          <p:cNvPr id="2" name="Title 1">
+            <a:extLst>
+              <a:ext uri="{FF2B5EF4-FFF2-40B4-BE49-F238E27FC236}">
+                <a16:creationId xmlns:a16="http://schemas.microsoft.com/office/drawing/2014/main" id="{983DECD6-2770-70E2-5591-66E438DC1D4B}"/>
+              </a:ext>
+            </a:extLst>
+          </p:cNvPr>
+          <p:cNvSpPr>
+            <a:spLocks noGrp="1"/>
+          </p:cNvSpPr>
+          <p:nvPr>
+            <p:ph type="title"/>
+          </p:nvPr>
+        </p:nvSpPr>
+        <p:spPr>
+          <a:xfrm>
+            <a:off x="1893715" y="708498"/>
+            <a:ext cx="9691733" cy="3330055"/>
+          </a:xfrm>
+        </p:spPr>
+        <p:txBody>
+          <a:bodyPr vert="horz" lIns="91440" tIns="45720" rIns="91440" bIns="45720" rtlCol="0" anchor="ctr">
+            <a:normAutofit/>
+          </a:bodyPr>
+          <a:lstStyle/>
+          <a:p>
+            <a:r>
+              <a:rPr lang="en-US" sz="6000" b="0" kern="1200" cap="all" dirty="0">
+                <a:solidFill>
+                  <a:srgbClr val="FFFFFF"/>
+                </a:solidFill>
+                <a:latin typeface="+mj-lt"/>
+                <a:ea typeface="+mj-ea"/>
+                <a:cs typeface="+mj-cs"/>
+              </a:rPr>
+              <a:t>2.1.3 TRANSFORMATION</a:t>
+            </a:r>
+          </a:p>
+        </p:txBody>
+      </p:sp>
+      <p:sp>
+        <p:nvSpPr>
+          <p:cNvPr id="50" name="Rectangle 49">
+            <a:extLst>
+              <a:ext uri="{FF2B5EF4-FFF2-40B4-BE49-F238E27FC236}">
+                <a16:creationId xmlns:a16="http://schemas.microsoft.com/office/drawing/2014/main" id="{3F180155-DCCB-CEDA-22CD-FF6EB27CC8F2}"/>
+              </a:ext>
+              <a:ext uri="{C183D7F6-B498-43B3-948B-1728B52AA6E4}">
+                <adec:decorative xmlns:adec="http://schemas.microsoft.com/office/drawing/2017/decorative" val="1"/>
+              </a:ext>
+            </a:extLst>
+          </p:cNvPr>
+          <p:cNvSpPr>
+            <a:spLocks noGrp="1" noRot="1" noChangeAspect="1" noMove="1" noResize="1" noEditPoints="1" noAdjustHandles="1" noChangeArrowheads="1" noChangeShapeType="1" noTextEdit="1"/>
+          </p:cNvSpPr>
+          <p:nvPr>
+            <p:extLst>
+              <p:ext uri="{386F3935-93C4-4BCD-93E2-E3B085C9AB24}">
+                <p16:designElem xmlns:p16="http://schemas.microsoft.com/office/powerpoint/2015/main" val="1"/>
+              </p:ext>
+            </p:extLst>
+          </p:nvPr>
+        </p:nvSpPr>
+        <p:spPr>
+          <a:xfrm>
+            <a:off x="1712789" y="4284212"/>
+            <a:ext cx="9961115" cy="2072481"/>
+          </a:xfrm>
+          <a:prstGeom prst="rect">
+            <a:avLst/>
+          </a:prstGeom>
+          <a:solidFill>
+            <a:srgbClr val="6C7781">
+              <a:alpha val="80000"/>
+            </a:srgbClr>
+          </a:solidFill>
+          <a:ln>
+            <a:noFill/>
+          </a:ln>
+          <a:effectLst/>
+        </p:spPr>
+        <p:style>
+          <a:lnRef idx="1">
+            <a:schemeClr val="accent1"/>
+          </a:lnRef>
+          <a:fillRef idx="3">
+            <a:schemeClr val="accent1"/>
+          </a:fillRef>
+          <a:effectRef idx="2">
+            <a:schemeClr val="accent1"/>
+          </a:effectRef>
+          <a:fontRef idx="minor">
+            <a:schemeClr val="lt1"/>
+          </a:fontRef>
+        </p:style>
+        <p:txBody>
+          <a:bodyPr/>
+          <a:lstStyle/>
+          <a:p>
+            <a:pPr marL="0" marR="0" lvl="0" indent="0" algn="l" defTabSz="457200" rtl="0" eaLnBrk="1" fontAlgn="auto" latinLnBrk="0" hangingPunct="1">
+              <a:lnSpc>
+                <a:spcPct val="100000"/>
+              </a:lnSpc>
+              <a:spcBef>
+                <a:spcPts val="0"/>
+              </a:spcBef>
+              <a:spcAft>
+                <a:spcPts val="0"/>
+              </a:spcAft>
+              <a:buClrTx/>
+              <a:buSzTx/>
+              <a:buFontTx/>
+              <a:buNone/>
+              <a:tabLst/>
+              <a:defRPr/>
+            </a:pPr>
+            <a:endParaRPr kumimoji="0" lang="en-US" sz="1800" b="0" i="0" u="none" strike="noStrike" kern="1200" cap="none" spc="0" normalizeH="0" baseline="0" noProof="0">
+              <a:ln>
+                <a:noFill/>
+              </a:ln>
+              <a:solidFill>
+                <a:srgbClr val="FFFFFF"/>
+              </a:solidFill>
+              <a:effectLst/>
+              <a:uLnTx/>
+              <a:uFillTx/>
+              <a:latin typeface="Calibri"/>
+              <a:ea typeface="+mn-ea"/>
+              <a:cs typeface="+mn-cs"/>
+            </a:endParaRPr>
+          </a:p>
+        </p:txBody>
+      </p:sp>
     </p:spTree>
     <p:extLst>
       <p:ext uri="{BB962C8B-B14F-4D97-AF65-F5344CB8AC3E}">
-        <p14:creationId xmlns:p14="http://schemas.microsoft.com/office/powerpoint/2010/main" val="121643133"/>
+        <p14:creationId xmlns:p14="http://schemas.microsoft.com/office/powerpoint/2010/main" val="2778497478"/>
+      </p:ext>
+    </p:extLst>
+  </p:cSld>
+  <p:clrMapOvr>
+    <a:masterClrMapping/>
+  </p:clrMapOvr>
+  <p:timing>
+    <p:tnLst>
+      <p:par>
+        <p:cTn id="1" dur="indefinite" restart="never" nodeType="tmRoot">
+          <p:childTnLst>
+            <p:seq concurrent="1" nextAc="seek">
+              <p:cTn id="2" dur="indefinite" nodeType="mainSeq">
+                <p:childTnLst>
+                  <p:par>
+                    <p:cTn id="3" fill="hold">
+                      <p:stCondLst>
+                        <p:cond delay="indefinite"/>
+                        <p:cond evt="onBegin" delay="0">
+                          <p:tn val="2"/>
+                        </p:cond>
+                      </p:stCondLst>
+                      <p:childTnLst>
+                        <p:par>
+                          <p:cTn id="4" fill="hold">
+                            <p:stCondLst>
+                              <p:cond delay="0"/>
+                            </p:stCondLst>
+                            <p:childTnLst>
+                              <p:par>
+                                <p:cTn id="5" presetID="10" presetClass="entr" presetSubtype="0" fill="hold" grpId="0" nodeType="withEffect">
+                                  <p:stCondLst>
+                                    <p:cond delay="500"/>
+                                  </p:stCondLst>
+                                  <p:iterate type="wd">
+                                    <p:tmPct val="15000"/>
+                                  </p:iterate>
+                                  <p:childTnLst>
+                                    <p:set>
+                                      <p:cBhvr>
+                                        <p:cTn id="6" dur="1" fill="hold">
+                                          <p:stCondLst>
+                                            <p:cond delay="0"/>
+                                          </p:stCondLst>
+                                        </p:cTn>
+                                        <p:tgtEl>
+                                          <p:spTgt spid="2"/>
+                                        </p:tgtEl>
+                                        <p:attrNameLst>
+                                          <p:attrName>style.visibility</p:attrName>
+                                        </p:attrNameLst>
+                                      </p:cBhvr>
+                                      <p:to>
+                                        <p:strVal val="visible"/>
+                                      </p:to>
+                                    </p:set>
+                                    <p:animEffect transition="in" filter="fade">
+                                      <p:cBhvr>
+                                        <p:cTn id="7" dur="1000"/>
+                                        <p:tgtEl>
+                                          <p:spTgt spid="2"/>
+                                        </p:tgtEl>
+                                      </p:cBhvr>
+                                    </p:animEffect>
+                                  </p:childTnLst>
+                                </p:cTn>
+                              </p:par>
+                            </p:childTnLst>
+                          </p:cTn>
+                        </p:par>
+                      </p:childTnLst>
+                    </p:cTn>
+                  </p:par>
+                </p:childTnLst>
+              </p:cTn>
+              <p:prevCondLst>
+                <p:cond evt="onPrev" delay="0">
+                  <p:tgtEl>
+                    <p:sldTgt/>
+                  </p:tgtEl>
+                </p:cond>
+              </p:prevCondLst>
+              <p:nextCondLst>
+                <p:cond evt="onNext" delay="0">
+                  <p:tgtEl>
+                    <p:sldTgt/>
+                  </p:tgtEl>
+                </p:cond>
+              </p:nextCondLst>
+            </p:seq>
+          </p:childTnLst>
+        </p:cTn>
+      </p:par>
+    </p:tnLst>
+    <p:bldLst>
+      <p:bldP spid="2" grpId="0"/>
+    </p:bldLst>
+  </p:timing>
+</p:sld>
+</file>
+
+<file path=ppt/slides/slide8.xml><?xml version="1.0" encoding="utf-8"?>
+<p:sld xmlns:a="http://schemas.openxmlformats.org/drawingml/2006/main" xmlns:r="http://schemas.openxmlformats.org/officeDocument/2006/relationships" xmlns:p="http://schemas.openxmlformats.org/presentationml/2006/main">
+  <p:cSld>
+    <p:spTree>
+      <p:nvGrpSpPr>
+        <p:cNvPr id="1" name="">
+          <a:extLst>
+            <a:ext uri="{FF2B5EF4-FFF2-40B4-BE49-F238E27FC236}">
+              <a16:creationId xmlns:a16="http://schemas.microsoft.com/office/drawing/2014/main" id="{86E4F858-AF1D-8F97-8822-33EF92A839D2}"/>
+            </a:ext>
+          </a:extLst>
+        </p:cNvPr>
+        <p:cNvGrpSpPr/>
+        <p:nvPr/>
+      </p:nvGrpSpPr>
+      <p:grpSpPr>
+        <a:xfrm>
+          <a:off x="0" y="0"/>
+          <a:ext cx="0" cy="0"/>
+          <a:chOff x="0" y="0"/>
+          <a:chExt cx="0" cy="0"/>
+        </a:xfrm>
+      </p:grpSpPr>
+      <p:sp>
+        <p:nvSpPr>
+          <p:cNvPr id="2" name="Title 1">
+            <a:extLst>
+              <a:ext uri="{FF2B5EF4-FFF2-40B4-BE49-F238E27FC236}">
+                <a16:creationId xmlns:a16="http://schemas.microsoft.com/office/drawing/2014/main" id="{DAD75043-D212-3471-4DB7-D02201854E6E}"/>
+              </a:ext>
+            </a:extLst>
+          </p:cNvPr>
+          <p:cNvSpPr>
+            <a:spLocks noGrp="1"/>
+          </p:cNvSpPr>
+          <p:nvPr>
+            <p:ph type="title"/>
+          </p:nvPr>
+        </p:nvSpPr>
+        <p:spPr>
+          <a:xfrm>
+            <a:off x="1893715" y="708498"/>
+            <a:ext cx="9691733" cy="3330055"/>
+          </a:xfrm>
+        </p:spPr>
+        <p:txBody>
+          <a:bodyPr vert="horz" lIns="91440" tIns="45720" rIns="91440" bIns="45720" rtlCol="0" anchor="ctr">
+            <a:normAutofit/>
+          </a:bodyPr>
+          <a:lstStyle/>
+          <a:p>
+            <a:r>
+              <a:rPr lang="en-US" sz="6000" b="0" kern="1200" cap="all" dirty="0">
+                <a:solidFill>
+                  <a:srgbClr val="FFFFFF"/>
+                </a:solidFill>
+                <a:latin typeface="+mj-lt"/>
+                <a:ea typeface="+mj-ea"/>
+                <a:cs typeface="+mj-cs"/>
+              </a:rPr>
+              <a:t>2.1.3 confidence interval</a:t>
+            </a:r>
+          </a:p>
+        </p:txBody>
+      </p:sp>
+    </p:spTree>
+    <p:extLst>
+      <p:ext uri="{BB962C8B-B14F-4D97-AF65-F5344CB8AC3E}">
+        <p14:creationId xmlns:p14="http://schemas.microsoft.com/office/powerpoint/2010/main" val="4203810979"/>
+      </p:ext>
+    </p:extLst>
+  </p:cSld>
+  <p:clrMapOvr>
+    <a:masterClrMapping/>
+  </p:clrMapOvr>
+  <p:timing>
+    <p:tnLst>
+      <p:par>
+        <p:cTn id="1" dur="indefinite" restart="never" nodeType="tmRoot">
+          <p:childTnLst>
+            <p:seq concurrent="1" nextAc="seek">
+              <p:cTn id="2" dur="indefinite" nodeType="mainSeq">
+                <p:childTnLst>
+                  <p:par>
+                    <p:cTn id="3" fill="hold">
+                      <p:stCondLst>
+                        <p:cond delay="indefinite"/>
+                        <p:cond evt="onBegin" delay="0">
+                          <p:tn val="2"/>
+                        </p:cond>
+                      </p:stCondLst>
+                      <p:childTnLst>
+                        <p:par>
+                          <p:cTn id="4" fill="hold">
+                            <p:stCondLst>
+                              <p:cond delay="0"/>
+                            </p:stCondLst>
+                            <p:childTnLst>
+                              <p:par>
+                                <p:cTn id="5" presetID="10" presetClass="entr" presetSubtype="0" fill="hold" grpId="0" nodeType="withEffect">
+                                  <p:stCondLst>
+                                    <p:cond delay="500"/>
+                                  </p:stCondLst>
+                                  <p:iterate type="wd">
+                                    <p:tmPct val="15000"/>
+                                  </p:iterate>
+                                  <p:childTnLst>
+                                    <p:set>
+                                      <p:cBhvr>
+                                        <p:cTn id="6" dur="1" fill="hold">
+                                          <p:stCondLst>
+                                            <p:cond delay="0"/>
+                                          </p:stCondLst>
+                                        </p:cTn>
+                                        <p:tgtEl>
+                                          <p:spTgt spid="2"/>
+                                        </p:tgtEl>
+                                        <p:attrNameLst>
+                                          <p:attrName>style.visibility</p:attrName>
+                                        </p:attrNameLst>
+                                      </p:cBhvr>
+                                      <p:to>
+                                        <p:strVal val="visible"/>
+                                      </p:to>
+                                    </p:set>
+                                    <p:animEffect transition="in" filter="fade">
+                                      <p:cBhvr>
+                                        <p:cTn id="7" dur="1000"/>
+                                        <p:tgtEl>
+                                          <p:spTgt spid="2"/>
+                                        </p:tgtEl>
+                                      </p:cBhvr>
+                                    </p:animEffect>
+                                  </p:childTnLst>
+                                </p:cTn>
+                              </p:par>
+                            </p:childTnLst>
+                          </p:cTn>
+                        </p:par>
+                      </p:childTnLst>
+                    </p:cTn>
+                  </p:par>
+                </p:childTnLst>
+              </p:cTn>
+              <p:prevCondLst>
+                <p:cond evt="onPrev" delay="0">
+                  <p:tgtEl>
+                    <p:sldTgt/>
+                  </p:tgtEl>
+                </p:cond>
+              </p:prevCondLst>
+              <p:nextCondLst>
+                <p:cond evt="onNext" delay="0">
+                  <p:tgtEl>
+                    <p:sldTgt/>
+                  </p:tgtEl>
+                </p:cond>
+              </p:nextCondLst>
+            </p:seq>
+          </p:childTnLst>
+        </p:cTn>
+      </p:par>
+    </p:tnLst>
+    <p:bldLst>
+      <p:bldP spid="2" grpId="0"/>
+    </p:bldLst>
+  </p:timing>
+</p:sld>
+</file>
+
+<file path=ppt/slides/slide9.xml><?xml version="1.0" encoding="utf-8"?>
+<p:sld xmlns:a="http://schemas.openxmlformats.org/drawingml/2006/main" xmlns:r="http://schemas.openxmlformats.org/officeDocument/2006/relationships" xmlns:p="http://schemas.openxmlformats.org/presentationml/2006/main">
+  <p:cSld>
+    <p:spTree>
+      <p:nvGrpSpPr>
+        <p:cNvPr id="1" name=""/>
+        <p:cNvGrpSpPr/>
+        <p:nvPr/>
+      </p:nvGrpSpPr>
+      <p:grpSpPr>
+        <a:xfrm>
+          <a:off x="0" y="0"/>
+          <a:ext cx="0" cy="0"/>
+          <a:chOff x="0" y="0"/>
+          <a:chExt cx="0" cy="0"/>
+        </a:xfrm>
+      </p:grpSpPr>
+      <p:sp>
+        <p:nvSpPr>
+          <p:cNvPr id="2" name="Title 1">
+            <a:extLst>
+              <a:ext uri="{FF2B5EF4-FFF2-40B4-BE49-F238E27FC236}">
+                <a16:creationId xmlns:a16="http://schemas.microsoft.com/office/drawing/2014/main" id="{6B03AAA5-60FF-E775-2453-ECF6A8E0C959}"/>
+              </a:ext>
+            </a:extLst>
+          </p:cNvPr>
+          <p:cNvSpPr>
+            <a:spLocks noGrp="1"/>
+          </p:cNvSpPr>
+          <p:nvPr>
+            <p:ph type="title"/>
+          </p:nvPr>
+        </p:nvSpPr>
+        <p:spPr/>
+        <p:txBody>
+          <a:bodyPr/>
+          <a:lstStyle/>
+          <a:p>
+            <a:endParaRPr lang="en-US"/>
+          </a:p>
+        </p:txBody>
+      </p:sp>
+      <p:sp>
+        <p:nvSpPr>
+          <p:cNvPr id="3" name="Content Placeholder 2">
+            <a:extLst>
+              <a:ext uri="{FF2B5EF4-FFF2-40B4-BE49-F238E27FC236}">
+                <a16:creationId xmlns:a16="http://schemas.microsoft.com/office/drawing/2014/main" id="{2F808057-8A25-9D6B-E2A1-899A0083B76C}"/>
+              </a:ext>
+            </a:extLst>
+          </p:cNvPr>
+          <p:cNvSpPr>
+            <a:spLocks noGrp="1"/>
+          </p:cNvSpPr>
+          <p:nvPr>
+            <p:ph idx="1"/>
+          </p:nvPr>
+        </p:nvSpPr>
+        <p:spPr/>
+        <p:txBody>
+          <a:bodyPr/>
+          <a:lstStyle/>
+          <a:p>
+            <a:endParaRPr lang="en-US"/>
+          </a:p>
+        </p:txBody>
+      </p:sp>
+    </p:spTree>
+    <p:extLst>
+      <p:ext uri="{BB962C8B-B14F-4D97-AF65-F5344CB8AC3E}">
+        <p14:creationId xmlns:p14="http://schemas.microsoft.com/office/powerpoint/2010/main" val="2396917302"/>
       </p:ext>
     </p:extLst>
   </p:cSld>

--- a/docs/Lectures/Week04/Week04_BivariateRegression.pptx
+++ b/docs/Lectures/Week04/Week04_BivariateRegression.pptx
@@ -6,19 +6,20 @@
     <p:sldMasterId id="2147483686" r:id="rId2"/>
   </p:sldMasterIdLst>
   <p:notesMasterIdLst>
-    <p:notesMasterId r:id="rId13"/>
+    <p:notesMasterId r:id="rId14"/>
   </p:notesMasterIdLst>
   <p:sldIdLst>
     <p:sldId id="256" r:id="rId3"/>
     <p:sldId id="323" r:id="rId4"/>
     <p:sldId id="854" r:id="rId5"/>
     <p:sldId id="858" r:id="rId6"/>
-    <p:sldId id="849" r:id="rId7"/>
-    <p:sldId id="853" r:id="rId8"/>
-    <p:sldId id="857" r:id="rId9"/>
-    <p:sldId id="856" r:id="rId10"/>
-    <p:sldId id="855" r:id="rId11"/>
-    <p:sldId id="265" r:id="rId12"/>
+    <p:sldId id="859" r:id="rId7"/>
+    <p:sldId id="849" r:id="rId8"/>
+    <p:sldId id="853" r:id="rId9"/>
+    <p:sldId id="857" r:id="rId10"/>
+    <p:sldId id="856" r:id="rId11"/>
+    <p:sldId id="855" r:id="rId12"/>
+    <p:sldId id="265" r:id="rId13"/>
   </p:sldIdLst>
   <p:sldSz cx="12192000" cy="6858000"/>
   <p:notesSz cx="6858000" cy="9144000"/>
@@ -8463,6 +8464,86 @@
   <p:cSld>
     <p:spTree>
       <p:nvGrpSpPr>
+        <p:cNvPr id="1" name=""/>
+        <p:cNvGrpSpPr/>
+        <p:nvPr/>
+      </p:nvGrpSpPr>
+      <p:grpSpPr>
+        <a:xfrm>
+          <a:off x="0" y="0"/>
+          <a:ext cx="0" cy="0"/>
+          <a:chOff x="0" y="0"/>
+          <a:chExt cx="0" cy="0"/>
+        </a:xfrm>
+      </p:grpSpPr>
+      <p:sp>
+        <p:nvSpPr>
+          <p:cNvPr id="2" name="Title 1">
+            <a:extLst>
+              <a:ext uri="{FF2B5EF4-FFF2-40B4-BE49-F238E27FC236}">
+                <a16:creationId xmlns:a16="http://schemas.microsoft.com/office/drawing/2014/main" id="{6B03AAA5-60FF-E775-2453-ECF6A8E0C959}"/>
+              </a:ext>
+            </a:extLst>
+          </p:cNvPr>
+          <p:cNvSpPr>
+            <a:spLocks noGrp="1"/>
+          </p:cNvSpPr>
+          <p:nvPr>
+            <p:ph type="title"/>
+          </p:nvPr>
+        </p:nvSpPr>
+        <p:spPr/>
+        <p:txBody>
+          <a:bodyPr/>
+          <a:lstStyle/>
+          <a:p>
+            <a:endParaRPr lang="en-US"/>
+          </a:p>
+        </p:txBody>
+      </p:sp>
+      <p:sp>
+        <p:nvSpPr>
+          <p:cNvPr id="3" name="Content Placeholder 2">
+            <a:extLst>
+              <a:ext uri="{FF2B5EF4-FFF2-40B4-BE49-F238E27FC236}">
+                <a16:creationId xmlns:a16="http://schemas.microsoft.com/office/drawing/2014/main" id="{2F808057-8A25-9D6B-E2A1-899A0083B76C}"/>
+              </a:ext>
+            </a:extLst>
+          </p:cNvPr>
+          <p:cNvSpPr>
+            <a:spLocks noGrp="1"/>
+          </p:cNvSpPr>
+          <p:nvPr>
+            <p:ph idx="1"/>
+          </p:nvPr>
+        </p:nvSpPr>
+        <p:spPr/>
+        <p:txBody>
+          <a:bodyPr/>
+          <a:lstStyle/>
+          <a:p>
+            <a:endParaRPr lang="en-US"/>
+          </a:p>
+        </p:txBody>
+      </p:sp>
+    </p:spTree>
+    <p:extLst>
+      <p:ext uri="{BB962C8B-B14F-4D97-AF65-F5344CB8AC3E}">
+        <p14:creationId xmlns:p14="http://schemas.microsoft.com/office/powerpoint/2010/main" val="2396917302"/>
+      </p:ext>
+    </p:extLst>
+  </p:cSld>
+  <p:clrMapOvr>
+    <a:masterClrMapping/>
+  </p:clrMapOvr>
+</p:sld>
+</file>
+
+<file path=ppt/slides/slide11.xml><?xml version="1.0" encoding="utf-8"?>
+<p:sld xmlns:a="http://schemas.openxmlformats.org/drawingml/2006/main" xmlns:r="http://schemas.openxmlformats.org/officeDocument/2006/relationships" xmlns:p="http://schemas.openxmlformats.org/presentationml/2006/main">
+  <p:cSld>
+    <p:spTree>
+      <p:nvGrpSpPr>
         <p:cNvPr id="1" name="">
           <a:extLst>
             <a:ext uri="{FF2B5EF4-FFF2-40B4-BE49-F238E27FC236}">
@@ -9865,30 +9946,30 @@
         <p:spPr>
           <a:xfrm>
             <a:off x="581191" y="1157936"/>
-            <a:ext cx="11029615" cy="1747190"/>
+            <a:ext cx="11029615" cy="2756256"/>
           </a:xfrm>
         </p:spPr>
         <p:txBody>
           <a:bodyPr>
-            <a:normAutofit/>
+            <a:noAutofit/>
           </a:bodyPr>
           <a:lstStyle/>
           <a:p>
             <a:r>
-              <a:rPr lang="en-US" dirty="0">
+              <a:rPr lang="en-US" sz="2000" dirty="0">
                 <a:solidFill>
                   <a:srgbClr val="1F1F1F"/>
                 </a:solidFill>
                 <a:latin typeface="ElsevierGulliver"/>
               </a:rPr>
-              <a:t>CAUSALITY</a:t>
+              <a:t>Causality</a:t>
             </a:r>
           </a:p>
           <a:p>
             <a:pPr marL="0" indent="0">
               <a:buNone/>
             </a:pPr>
-            <a:endParaRPr lang="en-US" dirty="0">
+            <a:endParaRPr lang="en-US" sz="2000" dirty="0">
               <a:solidFill>
                 <a:srgbClr val="1F1F1F"/>
               </a:solidFill>
@@ -9900,7 +9981,7 @@
               <a:buNone/>
             </a:pPr>
             <a:r>
-              <a:rPr lang="en-US" dirty="0">
+              <a:rPr lang="en-US" sz="2000" dirty="0">
                 <a:solidFill>
                   <a:srgbClr val="1F1F1F"/>
                 </a:solidFill>
@@ -9908,7 +9989,28 @@
               </a:rPr>
               <a:t>The change in </a:t>
             </a:r>
-            <a:endParaRPr lang="en-US" dirty="0"/>
+          </a:p>
+          <a:p>
+            <a:pPr marL="0" indent="0">
+              <a:buNone/>
+            </a:pPr>
+            <a:endParaRPr lang="en-US" sz="2000" dirty="0">
+              <a:solidFill>
+                <a:srgbClr val="1F1F1F"/>
+              </a:solidFill>
+              <a:latin typeface="ElsevierGulliver"/>
+            </a:endParaRPr>
+          </a:p>
+          <a:p>
+            <a:r>
+              <a:rPr lang="en-US" sz="2000" dirty="0">
+                <a:solidFill>
+                  <a:srgbClr val="1F1F1F"/>
+                </a:solidFill>
+                <a:latin typeface="ElsevierGulliver"/>
+              </a:rPr>
+              <a:t>Co-variation</a:t>
+            </a:r>
           </a:p>
         </p:txBody>
       </p:sp>
@@ -9999,8 +10101,8 @@
         </p:blipFill>
         <p:spPr>
           <a:xfrm>
-            <a:off x="3463016" y="2341563"/>
-            <a:ext cx="5265968" cy="3633787"/>
+            <a:off x="3024476" y="2332654"/>
+            <a:ext cx="5833267" cy="4025252"/>
           </a:xfrm>
         </p:spPr>
       </p:pic>
@@ -10021,7 +10123,7 @@
             <p:spPr>
               <a:xfrm>
                 <a:off x="581192" y="1251284"/>
-                <a:ext cx="10537157" cy="646331"/>
+                <a:ext cx="10537157" cy="830997"/>
               </a:xfrm>
               <a:prstGeom prst="rect">
                 <a:avLst/>
@@ -10035,13 +10137,13 @@
               <a:lstStyle/>
               <a:p>
                 <a:r>
-                  <a:rPr lang="en-US" dirty="0"/>
+                  <a:rPr lang="en-US" sz="2400" dirty="0"/>
                   <a:t>The covariation between </a:t>
                 </a:r>
                 <a14:m>
                   <m:oMath xmlns:m="http://schemas.openxmlformats.org/officeDocument/2006/math">
                     <m:r>
-                      <a:rPr lang="en-US" b="0" i="1" smtClean="0">
+                      <a:rPr lang="en-US" sz="2400" b="0" i="1" smtClean="0">
                         <a:latin typeface="Cambria Math" panose="02040503050406030204" pitchFamily="18" charset="0"/>
                       </a:rPr>
                       <m:t>𝑋</m:t>
@@ -10049,13 +10151,13 @@
                   </m:oMath>
                 </a14:m>
                 <a:r>
-                  <a:rPr lang="en-US" dirty="0"/>
+                  <a:rPr lang="en-US" sz="2400" dirty="0"/>
                   <a:t> and </a:t>
                 </a:r>
                 <a14:m>
                   <m:oMath xmlns:m="http://schemas.openxmlformats.org/officeDocument/2006/math">
                     <m:r>
-                      <a:rPr lang="en-US" b="0" i="1" smtClean="0">
+                      <a:rPr lang="en-US" sz="2400" b="0" i="1" smtClean="0">
                         <a:latin typeface="Cambria Math" panose="02040503050406030204" pitchFamily="18" charset="0"/>
                       </a:rPr>
                       <m:t>𝑌</m:t>
@@ -10063,13 +10165,13 @@
                   </m:oMath>
                 </a14:m>
                 <a:r>
-                  <a:rPr lang="en-US" dirty="0"/>
-                  <a:t> can be influenced by their join relationship to another variable </a:t>
+                  <a:rPr lang="en-US" sz="2400" dirty="0"/>
+                  <a:t> can be influenced by their joint relationship to another variable </a:t>
                 </a:r>
                 <a14:m>
                   <m:oMath xmlns:m="http://schemas.openxmlformats.org/officeDocument/2006/math">
                     <m:r>
-                      <a:rPr lang="en-US" b="0" i="1" smtClean="0">
+                      <a:rPr lang="en-US" sz="2400" b="0" i="1" smtClean="0">
                         <a:latin typeface="Cambria Math" panose="02040503050406030204" pitchFamily="18" charset="0"/>
                       </a:rPr>
                       <m:t>𝑍</m:t>
@@ -10077,7 +10179,7 @@
                   </m:oMath>
                 </a14:m>
                 <a:r>
-                  <a:rPr lang="en-US" dirty="0"/>
+                  <a:rPr lang="en-US" sz="2400" dirty="0"/>
                   <a:t> (or a set of variables)</a:t>
                 </a:r>
               </a:p>
@@ -10102,7 +10204,7 @@
             <p:spPr>
               <a:xfrm>
                 <a:off x="581192" y="1251284"/>
-                <a:ext cx="10537157" cy="646331"/>
+                <a:ext cx="10537157" cy="830997"/>
               </a:xfrm>
               <a:prstGeom prst="rect">
                 <a:avLst/>
@@ -10110,7 +10212,7 @@
               <a:blipFill>
                 <a:blip r:embed="rId3"/>
                 <a:stretch>
-                  <a:fillRect l="-463" t="-4717" b="-14151"/>
+                  <a:fillRect l="-868" t="-5839" b="-15328"/>
                 </a:stretch>
               </a:blipFill>
             </p:spPr>
@@ -10145,6 +10247,94 @@
 <file path=ppt/slides/slide5.xml><?xml version="1.0" encoding="utf-8"?>
 <p:sld xmlns:a="http://schemas.openxmlformats.org/drawingml/2006/main" xmlns:r="http://schemas.openxmlformats.org/officeDocument/2006/relationships" xmlns:p="http://schemas.openxmlformats.org/presentationml/2006/main">
   <p:cSld>
+    <p:spTree>
+      <p:nvGrpSpPr>
+        <p:cNvPr id="1" name=""/>
+        <p:cNvGrpSpPr/>
+        <p:nvPr/>
+      </p:nvGrpSpPr>
+      <p:grpSpPr>
+        <a:xfrm>
+          <a:off x="0" y="0"/>
+          <a:ext cx="0" cy="0"/>
+          <a:chOff x="0" y="0"/>
+          <a:chExt cx="0" cy="0"/>
+        </a:xfrm>
+      </p:grpSpPr>
+      <p:sp>
+        <p:nvSpPr>
+          <p:cNvPr id="2" name="Title 1">
+            <a:extLst>
+              <a:ext uri="{FF2B5EF4-FFF2-40B4-BE49-F238E27FC236}">
+                <a16:creationId xmlns:a16="http://schemas.microsoft.com/office/drawing/2014/main" id="{41BCD718-3E93-F77E-5FED-244ED3EFD82A}"/>
+              </a:ext>
+            </a:extLst>
+          </p:cNvPr>
+          <p:cNvSpPr>
+            <a:spLocks noGrp="1"/>
+          </p:cNvSpPr>
+          <p:nvPr>
+            <p:ph type="title"/>
+          </p:nvPr>
+        </p:nvSpPr>
+        <p:spPr>
+          <a:xfrm>
+            <a:off x="581192" y="702156"/>
+            <a:ext cx="11029616" cy="534150"/>
+          </a:xfrm>
+        </p:spPr>
+        <p:txBody>
+          <a:bodyPr/>
+          <a:lstStyle/>
+          <a:p>
+            <a:r>
+              <a:rPr lang="en-US" dirty="0"/>
+              <a:t>Conditional distribution</a:t>
+            </a:r>
+          </a:p>
+        </p:txBody>
+      </p:sp>
+      <p:sp>
+        <p:nvSpPr>
+          <p:cNvPr id="3" name="Content Placeholder 2">
+            <a:extLst>
+              <a:ext uri="{FF2B5EF4-FFF2-40B4-BE49-F238E27FC236}">
+                <a16:creationId xmlns:a16="http://schemas.microsoft.com/office/drawing/2014/main" id="{DCC289CC-098B-88C7-F7A3-21722C988A91}"/>
+              </a:ext>
+            </a:extLst>
+          </p:cNvPr>
+          <p:cNvSpPr>
+            <a:spLocks noGrp="1"/>
+          </p:cNvSpPr>
+          <p:nvPr>
+            <p:ph idx="1"/>
+          </p:nvPr>
+        </p:nvSpPr>
+        <p:spPr/>
+        <p:txBody>
+          <a:bodyPr/>
+          <a:lstStyle/>
+          <a:p>
+            <a:endParaRPr lang="en-US"/>
+          </a:p>
+        </p:txBody>
+      </p:sp>
+    </p:spTree>
+    <p:extLst>
+      <p:ext uri="{BB962C8B-B14F-4D97-AF65-F5344CB8AC3E}">
+        <p14:creationId xmlns:p14="http://schemas.microsoft.com/office/powerpoint/2010/main" val="3871140132"/>
+      </p:ext>
+    </p:extLst>
+  </p:cSld>
+  <p:clrMapOvr>
+    <a:masterClrMapping/>
+  </p:clrMapOvr>
+</p:sld>
+</file>
+
+<file path=ppt/slides/slide6.xml><?xml version="1.0" encoding="utf-8"?>
+<p:sld xmlns:a="http://schemas.openxmlformats.org/drawingml/2006/main" xmlns:r="http://schemas.openxmlformats.org/officeDocument/2006/relationships" xmlns:p="http://schemas.openxmlformats.org/presentationml/2006/main">
+  <p:cSld>
     <p:bg>
       <p:bgPr>
         <a:solidFill>
@@ -10845,7 +11035,7 @@
                 <a:ea typeface="+mj-ea"/>
                 <a:cs typeface="+mj-cs"/>
               </a:rPr>
-              <a:t>2.1.2 bivariate regression analysis</a:t>
+              <a:t>2.1.2 bivariate regression </a:t>
             </a:r>
           </a:p>
         </p:txBody>
@@ -10947,912 +11137,6 @@
     <p:extLst>
       <p:ext uri="{BB962C8B-B14F-4D97-AF65-F5344CB8AC3E}">
         <p14:creationId xmlns:p14="http://schemas.microsoft.com/office/powerpoint/2010/main" val="1950418663"/>
-      </p:ext>
-    </p:extLst>
-  </p:cSld>
-  <p:clrMapOvr>
-    <a:masterClrMapping/>
-  </p:clrMapOvr>
-  <p:timing>
-    <p:tnLst>
-      <p:par>
-        <p:cTn id="1" dur="indefinite" restart="never" nodeType="tmRoot">
-          <p:childTnLst>
-            <p:seq concurrent="1" nextAc="seek">
-              <p:cTn id="2" dur="indefinite" nodeType="mainSeq">
-                <p:childTnLst>
-                  <p:par>
-                    <p:cTn id="3" fill="hold">
-                      <p:stCondLst>
-                        <p:cond delay="indefinite"/>
-                        <p:cond evt="onBegin" delay="0">
-                          <p:tn val="2"/>
-                        </p:cond>
-                      </p:stCondLst>
-                      <p:childTnLst>
-                        <p:par>
-                          <p:cTn id="4" fill="hold">
-                            <p:stCondLst>
-                              <p:cond delay="0"/>
-                            </p:stCondLst>
-                            <p:childTnLst>
-                              <p:par>
-                                <p:cTn id="5" presetID="10" presetClass="entr" presetSubtype="0" fill="hold" grpId="0" nodeType="withEffect">
-                                  <p:stCondLst>
-                                    <p:cond delay="500"/>
-                                  </p:stCondLst>
-                                  <p:iterate type="wd">
-                                    <p:tmPct val="15000"/>
-                                  </p:iterate>
-                                  <p:childTnLst>
-                                    <p:set>
-                                      <p:cBhvr>
-                                        <p:cTn id="6" dur="1" fill="hold">
-                                          <p:stCondLst>
-                                            <p:cond delay="0"/>
-                                          </p:stCondLst>
-                                        </p:cTn>
-                                        <p:tgtEl>
-                                          <p:spTgt spid="2"/>
-                                        </p:tgtEl>
-                                        <p:attrNameLst>
-                                          <p:attrName>style.visibility</p:attrName>
-                                        </p:attrNameLst>
-                                      </p:cBhvr>
-                                      <p:to>
-                                        <p:strVal val="visible"/>
-                                      </p:to>
-                                    </p:set>
-                                    <p:animEffect transition="in" filter="fade">
-                                      <p:cBhvr>
-                                        <p:cTn id="7" dur="1000"/>
-                                        <p:tgtEl>
-                                          <p:spTgt spid="2"/>
-                                        </p:tgtEl>
-                                      </p:cBhvr>
-                                    </p:animEffect>
-                                  </p:childTnLst>
-                                </p:cTn>
-                              </p:par>
-                            </p:childTnLst>
-                          </p:cTn>
-                        </p:par>
-                      </p:childTnLst>
-                    </p:cTn>
-                  </p:par>
-                </p:childTnLst>
-              </p:cTn>
-              <p:prevCondLst>
-                <p:cond evt="onPrev" delay="0">
-                  <p:tgtEl>
-                    <p:sldTgt/>
-                  </p:tgtEl>
-                </p:cond>
-              </p:prevCondLst>
-              <p:nextCondLst>
-                <p:cond evt="onNext" delay="0">
-                  <p:tgtEl>
-                    <p:sldTgt/>
-                  </p:tgtEl>
-                </p:cond>
-              </p:nextCondLst>
-            </p:seq>
-          </p:childTnLst>
-        </p:cTn>
-      </p:par>
-    </p:tnLst>
-    <p:bldLst>
-      <p:bldP spid="2" grpId="0"/>
-    </p:bldLst>
-  </p:timing>
-</p:sld>
-</file>
-
-<file path=ppt/slides/slide6.xml><?xml version="1.0" encoding="utf-8"?>
-<p:sld xmlns:a="http://schemas.openxmlformats.org/drawingml/2006/main" xmlns:r="http://schemas.openxmlformats.org/officeDocument/2006/relationships" xmlns:p="http://schemas.openxmlformats.org/presentationml/2006/main">
-  <p:cSld>
-    <p:bg>
-      <p:bgPr>
-        <a:solidFill>
-          <a:schemeClr val="bg1"/>
-        </a:solidFill>
-        <a:effectLst/>
-      </p:bgPr>
-    </p:bg>
-    <p:spTree>
-      <p:nvGrpSpPr>
-        <p:cNvPr id="1" name="">
-          <a:extLst>
-            <a:ext uri="{FF2B5EF4-FFF2-40B4-BE49-F238E27FC236}">
-              <a16:creationId xmlns:a16="http://schemas.microsoft.com/office/drawing/2014/main" id="{BF83C15D-8B95-AC10-65D2-2DC27259BC24}"/>
-            </a:ext>
-          </a:extLst>
-        </p:cNvPr>
-        <p:cNvGrpSpPr/>
-        <p:nvPr/>
-      </p:nvGrpSpPr>
-      <p:grpSpPr>
-        <a:xfrm>
-          <a:off x="0" y="0"/>
-          <a:ext cx="0" cy="0"/>
-          <a:chOff x="0" y="0"/>
-          <a:chExt cx="0" cy="0"/>
-        </a:xfrm>
-      </p:grpSpPr>
-      <p:sp>
-        <p:nvSpPr>
-          <p:cNvPr id="36" name="Rectangle 35">
-            <a:extLst>
-              <a:ext uri="{FF2B5EF4-FFF2-40B4-BE49-F238E27FC236}">
-                <a16:creationId xmlns:a16="http://schemas.microsoft.com/office/drawing/2014/main" id="{B6C43044-361C-219A-C061-6323BD36CA1A}"/>
-              </a:ext>
-              <a:ext uri="{C183D7F6-B498-43B3-948B-1728B52AA6E4}">
-                <adec:decorative xmlns:adec="http://schemas.microsoft.com/office/drawing/2017/decorative" val="1"/>
-              </a:ext>
-            </a:extLst>
-          </p:cNvPr>
-          <p:cNvSpPr>
-            <a:spLocks noGrp="1" noRot="1" noChangeAspect="1" noMove="1" noResize="1" noEditPoints="1" noAdjustHandles="1" noChangeArrowheads="1" noChangeShapeType="1" noTextEdit="1"/>
-          </p:cNvSpPr>
-          <p:nvPr>
-            <p:extLst>
-              <p:ext uri="{386F3935-93C4-4BCD-93E2-E3B085C9AB24}">
-                <p16:designElem xmlns:p16="http://schemas.microsoft.com/office/powerpoint/2015/main" val="1"/>
-              </p:ext>
-            </p:extLst>
-          </p:nvPr>
-        </p:nvSpPr>
-        <p:spPr>
-          <a:xfrm>
-            <a:off x="446534" y="457200"/>
-            <a:ext cx="3703320" cy="94997"/>
-          </a:xfrm>
-          <a:prstGeom prst="rect">
-            <a:avLst/>
-          </a:prstGeom>
-          <a:solidFill>
-            <a:srgbClr val="465359"/>
-          </a:solidFill>
-          <a:ln>
-            <a:noFill/>
-          </a:ln>
-          <a:effectLst/>
-        </p:spPr>
-        <p:style>
-          <a:lnRef idx="1">
-            <a:schemeClr val="accent1"/>
-          </a:lnRef>
-          <a:fillRef idx="3">
-            <a:schemeClr val="accent1"/>
-          </a:fillRef>
-          <a:effectRef idx="2">
-            <a:schemeClr val="accent1"/>
-          </a:effectRef>
-          <a:fontRef idx="minor">
-            <a:schemeClr val="lt1"/>
-          </a:fontRef>
-        </p:style>
-        <p:txBody>
-          <a:bodyPr/>
-          <a:lstStyle/>
-          <a:p>
-            <a:pPr marL="0" marR="0" lvl="0" indent="0" algn="l" defTabSz="457200" rtl="0" eaLnBrk="1" fontAlgn="auto" latinLnBrk="0" hangingPunct="1">
-              <a:lnSpc>
-                <a:spcPct val="100000"/>
-              </a:lnSpc>
-              <a:spcBef>
-                <a:spcPts val="0"/>
-              </a:spcBef>
-              <a:spcAft>
-                <a:spcPts val="0"/>
-              </a:spcAft>
-              <a:buClrTx/>
-              <a:buSzTx/>
-              <a:buFontTx/>
-              <a:buNone/>
-              <a:tabLst/>
-              <a:defRPr/>
-            </a:pPr>
-            <a:endParaRPr kumimoji="0" lang="en-US" sz="1800" b="0" i="0" u="none" strike="noStrike" kern="1200" cap="none" spc="0" normalizeH="0" baseline="0" noProof="0">
-              <a:ln>
-                <a:noFill/>
-              </a:ln>
-              <a:solidFill>
-                <a:srgbClr val="FFFFFF"/>
-              </a:solidFill>
-              <a:effectLst/>
-              <a:uLnTx/>
-              <a:uFillTx/>
-              <a:latin typeface="Calibri"/>
-              <a:ea typeface="+mn-ea"/>
-              <a:cs typeface="+mn-cs"/>
-            </a:endParaRPr>
-          </a:p>
-        </p:txBody>
-      </p:sp>
-      <p:sp>
-        <p:nvSpPr>
-          <p:cNvPr id="38" name="Rectangle 37">
-            <a:extLst>
-              <a:ext uri="{FF2B5EF4-FFF2-40B4-BE49-F238E27FC236}">
-                <a16:creationId xmlns:a16="http://schemas.microsoft.com/office/drawing/2014/main" id="{AD073451-463F-3B7E-B0BA-530F3E0F6CEC}"/>
-              </a:ext>
-              <a:ext uri="{C183D7F6-B498-43B3-948B-1728B52AA6E4}">
-                <adec:decorative xmlns:adec="http://schemas.microsoft.com/office/drawing/2017/decorative" val="1"/>
-              </a:ext>
-            </a:extLst>
-          </p:cNvPr>
-          <p:cNvSpPr>
-            <a:spLocks noGrp="1" noRot="1" noChangeAspect="1" noMove="1" noResize="1" noEditPoints="1" noAdjustHandles="1" noChangeArrowheads="1" noChangeShapeType="1" noTextEdit="1"/>
-          </p:cNvSpPr>
-          <p:nvPr>
-            <p:extLst>
-              <p:ext uri="{386F3935-93C4-4BCD-93E2-E3B085C9AB24}">
-                <p16:designElem xmlns:p16="http://schemas.microsoft.com/office/powerpoint/2015/main" val="1"/>
-              </p:ext>
-            </p:extLst>
-          </p:nvPr>
-        </p:nvSpPr>
-        <p:spPr>
-          <a:xfrm>
-            <a:off x="8042147" y="453643"/>
-            <a:ext cx="3703320" cy="98554"/>
-          </a:xfrm>
-          <a:prstGeom prst="rect">
-            <a:avLst/>
-          </a:prstGeom>
-          <a:solidFill>
-            <a:srgbClr val="969FA7"/>
-          </a:solidFill>
-          <a:ln>
-            <a:noFill/>
-          </a:ln>
-          <a:effectLst/>
-        </p:spPr>
-        <p:style>
-          <a:lnRef idx="1">
-            <a:schemeClr val="accent1"/>
-          </a:lnRef>
-          <a:fillRef idx="3">
-            <a:schemeClr val="accent1"/>
-          </a:fillRef>
-          <a:effectRef idx="2">
-            <a:schemeClr val="accent1"/>
-          </a:effectRef>
-          <a:fontRef idx="minor">
-            <a:schemeClr val="lt1"/>
-          </a:fontRef>
-        </p:style>
-        <p:txBody>
-          <a:bodyPr/>
-          <a:lstStyle/>
-          <a:p>
-            <a:pPr marL="0" marR="0" lvl="0" indent="0" algn="l" defTabSz="457200" rtl="0" eaLnBrk="1" fontAlgn="auto" latinLnBrk="0" hangingPunct="1">
-              <a:lnSpc>
-                <a:spcPct val="100000"/>
-              </a:lnSpc>
-              <a:spcBef>
-                <a:spcPts val="0"/>
-              </a:spcBef>
-              <a:spcAft>
-                <a:spcPts val="0"/>
-              </a:spcAft>
-              <a:buClrTx/>
-              <a:buSzTx/>
-              <a:buFontTx/>
-              <a:buNone/>
-              <a:tabLst/>
-              <a:defRPr/>
-            </a:pPr>
-            <a:endParaRPr kumimoji="0" lang="en-US" sz="1800" b="0" i="0" u="none" strike="noStrike" kern="1200" cap="none" spc="0" normalizeH="0" baseline="0" noProof="0">
-              <a:ln>
-                <a:noFill/>
-              </a:ln>
-              <a:solidFill>
-                <a:srgbClr val="FFFFFF"/>
-              </a:solidFill>
-              <a:effectLst/>
-              <a:uLnTx/>
-              <a:uFillTx/>
-              <a:latin typeface="Calibri"/>
-              <a:ea typeface="+mn-ea"/>
-              <a:cs typeface="+mn-cs"/>
-            </a:endParaRPr>
-          </a:p>
-        </p:txBody>
-      </p:sp>
-      <p:sp>
-        <p:nvSpPr>
-          <p:cNvPr id="40" name="Rectangle 39">
-            <a:extLst>
-              <a:ext uri="{FF2B5EF4-FFF2-40B4-BE49-F238E27FC236}">
-                <a16:creationId xmlns:a16="http://schemas.microsoft.com/office/drawing/2014/main" id="{BBABCD27-CFAB-E2DE-9E8D-FA99686BF6C7}"/>
-              </a:ext>
-              <a:ext uri="{C183D7F6-B498-43B3-948B-1728B52AA6E4}">
-                <adec:decorative xmlns:adec="http://schemas.microsoft.com/office/drawing/2017/decorative" val="1"/>
-              </a:ext>
-            </a:extLst>
-          </p:cNvPr>
-          <p:cNvSpPr>
-            <a:spLocks noGrp="1" noRot="1" noChangeAspect="1" noMove="1" noResize="1" noEditPoints="1" noAdjustHandles="1" noChangeArrowheads="1" noChangeShapeType="1" noTextEdit="1"/>
-          </p:cNvSpPr>
-          <p:nvPr>
-            <p:extLst>
-              <p:ext uri="{386F3935-93C4-4BCD-93E2-E3B085C9AB24}">
-                <p16:designElem xmlns:p16="http://schemas.microsoft.com/office/powerpoint/2015/main" val="1"/>
-              </p:ext>
-            </p:extLst>
-          </p:nvPr>
-        </p:nvSpPr>
-        <p:spPr>
-          <a:xfrm>
-            <a:off x="4241830" y="457200"/>
-            <a:ext cx="3703320" cy="91440"/>
-          </a:xfrm>
-          <a:prstGeom prst="rect">
-            <a:avLst/>
-          </a:prstGeom>
-          <a:solidFill>
-            <a:schemeClr val="accent1"/>
-          </a:solidFill>
-          <a:ln>
-            <a:noFill/>
-          </a:ln>
-          <a:effectLst/>
-        </p:spPr>
-        <p:style>
-          <a:lnRef idx="1">
-            <a:schemeClr val="accent1"/>
-          </a:lnRef>
-          <a:fillRef idx="3">
-            <a:schemeClr val="accent1"/>
-          </a:fillRef>
-          <a:effectRef idx="2">
-            <a:schemeClr val="accent1"/>
-          </a:effectRef>
-          <a:fontRef idx="minor">
-            <a:schemeClr val="lt1"/>
-          </a:fontRef>
-        </p:style>
-        <p:txBody>
-          <a:bodyPr/>
-          <a:lstStyle/>
-          <a:p>
-            <a:pPr marL="0" marR="0" lvl="0" indent="0" algn="l" defTabSz="457200" rtl="0" eaLnBrk="1" fontAlgn="auto" latinLnBrk="0" hangingPunct="1">
-              <a:lnSpc>
-                <a:spcPct val="100000"/>
-              </a:lnSpc>
-              <a:spcBef>
-                <a:spcPts val="0"/>
-              </a:spcBef>
-              <a:spcAft>
-                <a:spcPts val="0"/>
-              </a:spcAft>
-              <a:buClrTx/>
-              <a:buSzTx/>
-              <a:buFontTx/>
-              <a:buNone/>
-              <a:tabLst/>
-              <a:defRPr/>
-            </a:pPr>
-            <a:endParaRPr kumimoji="0" lang="en-US" sz="1800" b="0" i="0" u="none" strike="noStrike" kern="1200" cap="none" spc="0" normalizeH="0" baseline="0" noProof="0">
-              <a:ln>
-                <a:noFill/>
-              </a:ln>
-              <a:solidFill>
-                <a:srgbClr val="FFFFFF"/>
-              </a:solidFill>
-              <a:effectLst/>
-              <a:uLnTx/>
-              <a:uFillTx/>
-              <a:latin typeface="Calibri"/>
-              <a:ea typeface="+mn-ea"/>
-              <a:cs typeface="+mn-cs"/>
-            </a:endParaRPr>
-          </a:p>
-        </p:txBody>
-      </p:sp>
-      <p:sp>
-        <p:nvSpPr>
-          <p:cNvPr id="42" name="Rectangle 41">
-            <a:extLst>
-              <a:ext uri="{FF2B5EF4-FFF2-40B4-BE49-F238E27FC236}">
-                <a16:creationId xmlns:a16="http://schemas.microsoft.com/office/drawing/2014/main" id="{CE2D3D5A-EBD9-BEB2-AD86-D7C93505DE0C}"/>
-              </a:ext>
-              <a:ext uri="{C183D7F6-B498-43B3-948B-1728B52AA6E4}">
-                <adec:decorative xmlns:adec="http://schemas.microsoft.com/office/drawing/2017/decorative" val="1"/>
-              </a:ext>
-            </a:extLst>
-          </p:cNvPr>
-          <p:cNvSpPr>
-            <a:spLocks noGrp="1" noRot="1" noChangeAspect="1" noMove="1" noResize="1" noEditPoints="1" noAdjustHandles="1" noChangeArrowheads="1" noChangeShapeType="1" noTextEdit="1"/>
-          </p:cNvSpPr>
-          <p:nvPr>
-            <p:extLst>
-              <p:ext uri="{386F3935-93C4-4BCD-93E2-E3B085C9AB24}">
-                <p16:designElem xmlns:p16="http://schemas.microsoft.com/office/powerpoint/2015/main" val="1"/>
-              </p:ext>
-            </p:extLst>
-          </p:nvPr>
-        </p:nvSpPr>
-        <p:spPr>
-          <a:xfrm>
-            <a:off x="446534" y="3085764"/>
-            <a:ext cx="11298932" cy="3338149"/>
-          </a:xfrm>
-          <a:prstGeom prst="rect">
-            <a:avLst/>
-          </a:prstGeom>
-          <a:solidFill>
-            <a:srgbClr val="465359"/>
-          </a:solidFill>
-          <a:ln>
-            <a:noFill/>
-          </a:ln>
-          <a:effectLst/>
-        </p:spPr>
-        <p:style>
-          <a:lnRef idx="1">
-            <a:schemeClr val="accent1"/>
-          </a:lnRef>
-          <a:fillRef idx="3">
-            <a:schemeClr val="accent1"/>
-          </a:fillRef>
-          <a:effectRef idx="2">
-            <a:schemeClr val="accent1"/>
-          </a:effectRef>
-          <a:fontRef idx="minor">
-            <a:schemeClr val="lt1"/>
-          </a:fontRef>
-        </p:style>
-        <p:txBody>
-          <a:bodyPr/>
-          <a:lstStyle/>
-          <a:p>
-            <a:pPr marL="0" marR="0" lvl="0" indent="0" algn="l" defTabSz="457200" rtl="0" eaLnBrk="1" fontAlgn="auto" latinLnBrk="0" hangingPunct="1">
-              <a:lnSpc>
-                <a:spcPct val="100000"/>
-              </a:lnSpc>
-              <a:spcBef>
-                <a:spcPts val="0"/>
-              </a:spcBef>
-              <a:spcAft>
-                <a:spcPts val="0"/>
-              </a:spcAft>
-              <a:buClrTx/>
-              <a:buSzTx/>
-              <a:buFontTx/>
-              <a:buNone/>
-              <a:tabLst/>
-              <a:defRPr/>
-            </a:pPr>
-            <a:endParaRPr kumimoji="0" lang="en-US" sz="1800" b="0" i="0" u="none" strike="noStrike" kern="1200" cap="none" spc="0" normalizeH="0" baseline="0" noProof="0">
-              <a:ln>
-                <a:noFill/>
-              </a:ln>
-              <a:solidFill>
-                <a:srgbClr val="FFFFFF"/>
-              </a:solidFill>
-              <a:effectLst/>
-              <a:uLnTx/>
-              <a:uFillTx/>
-              <a:latin typeface="Calibri"/>
-              <a:ea typeface="+mn-ea"/>
-              <a:cs typeface="+mn-cs"/>
-            </a:endParaRPr>
-          </a:p>
-        </p:txBody>
-      </p:sp>
-      <p:sp useBgFill="1">
-        <p:nvSpPr>
-          <p:cNvPr id="44" name="Rectangle 43">
-            <a:extLst>
-              <a:ext uri="{FF2B5EF4-FFF2-40B4-BE49-F238E27FC236}">
-                <a16:creationId xmlns:a16="http://schemas.microsoft.com/office/drawing/2014/main" id="{E9208CB4-8B8E-AAF5-570B-6FB36772F455}"/>
-              </a:ext>
-              <a:ext uri="{C183D7F6-B498-43B3-948B-1728B52AA6E4}">
-                <adec:decorative xmlns:adec="http://schemas.microsoft.com/office/drawing/2017/decorative" val="1"/>
-              </a:ext>
-            </a:extLst>
-          </p:cNvPr>
-          <p:cNvSpPr>
-            <a:spLocks noGrp="1" noRot="1" noChangeAspect="1" noMove="1" noResize="1" noEditPoints="1" noAdjustHandles="1" noChangeArrowheads="1" noChangeShapeType="1" noTextEdit="1"/>
-          </p:cNvSpPr>
-          <p:nvPr>
-            <p:extLst>
-              <p:ext uri="{386F3935-93C4-4BCD-93E2-E3B085C9AB24}">
-                <p16:designElem xmlns:p16="http://schemas.microsoft.com/office/powerpoint/2015/main" val="1"/>
-              </p:ext>
-            </p:extLst>
-          </p:nvPr>
-        </p:nvSpPr>
-        <p:spPr>
-          <a:xfrm>
-            <a:off x="0" y="0"/>
-            <a:ext cx="12192000" cy="6858000"/>
-          </a:xfrm>
-          <a:prstGeom prst="rect">
-            <a:avLst/>
-          </a:prstGeom>
-          <a:ln>
-            <a:noFill/>
-          </a:ln>
-        </p:spPr>
-        <p:style>
-          <a:lnRef idx="2">
-            <a:schemeClr val="accent1">
-              <a:shade val="50000"/>
-            </a:schemeClr>
-          </a:lnRef>
-          <a:fillRef idx="1">
-            <a:schemeClr val="accent1"/>
-          </a:fillRef>
-          <a:effectRef idx="0">
-            <a:schemeClr val="accent1"/>
-          </a:effectRef>
-          <a:fontRef idx="minor">
-            <a:schemeClr val="lt1"/>
-          </a:fontRef>
-        </p:style>
-        <p:txBody>
-          <a:bodyPr rtlCol="0" anchor="ctr"/>
-          <a:lstStyle/>
-          <a:p>
-            <a:pPr marL="0" marR="0" lvl="0" indent="0" algn="ctr" defTabSz="457200" rtl="0" eaLnBrk="1" fontAlgn="auto" latinLnBrk="0" hangingPunct="1">
-              <a:lnSpc>
-                <a:spcPct val="100000"/>
-              </a:lnSpc>
-              <a:spcBef>
-                <a:spcPts val="0"/>
-              </a:spcBef>
-              <a:spcAft>
-                <a:spcPts val="0"/>
-              </a:spcAft>
-              <a:buClrTx/>
-              <a:buSzTx/>
-              <a:buFontTx/>
-              <a:buNone/>
-              <a:tabLst/>
-              <a:defRPr/>
-            </a:pPr>
-            <a:endParaRPr kumimoji="0" lang="en-US" sz="1800" b="0" i="0" u="none" strike="noStrike" kern="1200" cap="none" spc="0" normalizeH="0" baseline="0" noProof="0">
-              <a:ln>
-                <a:noFill/>
-              </a:ln>
-              <a:solidFill>
-                <a:srgbClr val="FFFFFF"/>
-              </a:solidFill>
-              <a:effectLst/>
-              <a:uLnTx/>
-              <a:uFillTx/>
-              <a:latin typeface="Calibri"/>
-              <a:ea typeface="+mn-ea"/>
-              <a:cs typeface="+mn-cs"/>
-            </a:endParaRPr>
-          </a:p>
-        </p:txBody>
-      </p:sp>
-      <p:sp>
-        <p:nvSpPr>
-          <p:cNvPr id="46" name="Rectangle 45">
-            <a:extLst>
-              <a:ext uri="{FF2B5EF4-FFF2-40B4-BE49-F238E27FC236}">
-                <a16:creationId xmlns:a16="http://schemas.microsoft.com/office/drawing/2014/main" id="{EDB67913-CF45-5205-D2F7-20034A319254}"/>
-              </a:ext>
-              <a:ext uri="{C183D7F6-B498-43B3-948B-1728B52AA6E4}">
-                <adec:decorative xmlns:adec="http://schemas.microsoft.com/office/drawing/2017/decorative" val="1"/>
-              </a:ext>
-            </a:extLst>
-          </p:cNvPr>
-          <p:cNvSpPr>
-            <a:spLocks noGrp="1" noRot="1" noChangeAspect="1" noMove="1" noResize="1" noEditPoints="1" noAdjustHandles="1" noChangeArrowheads="1" noChangeShapeType="1" noTextEdit="1"/>
-          </p:cNvSpPr>
-          <p:nvPr>
-            <p:extLst>
-              <p:ext uri="{386F3935-93C4-4BCD-93E2-E3B085C9AB24}">
-                <p16:designElem xmlns:p16="http://schemas.microsoft.com/office/powerpoint/2015/main" val="1"/>
-              </p:ext>
-            </p:extLst>
-          </p:nvPr>
-        </p:nvSpPr>
-        <p:spPr>
-          <a:xfrm>
-            <a:off x="509628" y="496959"/>
-            <a:ext cx="1106164" cy="5859735"/>
-          </a:xfrm>
-          <a:prstGeom prst="rect">
-            <a:avLst/>
-          </a:prstGeom>
-          <a:solidFill>
-            <a:srgbClr val="465359"/>
-          </a:solidFill>
-          <a:ln>
-            <a:noFill/>
-          </a:ln>
-          <a:effectLst/>
-        </p:spPr>
-        <p:style>
-          <a:lnRef idx="1">
-            <a:schemeClr val="accent1"/>
-          </a:lnRef>
-          <a:fillRef idx="3">
-            <a:schemeClr val="accent1"/>
-          </a:fillRef>
-          <a:effectRef idx="2">
-            <a:schemeClr val="accent1"/>
-          </a:effectRef>
-          <a:fontRef idx="minor">
-            <a:schemeClr val="lt1"/>
-          </a:fontRef>
-        </p:style>
-        <p:txBody>
-          <a:bodyPr/>
-          <a:lstStyle/>
-          <a:p>
-            <a:pPr marL="0" marR="0" lvl="0" indent="0" algn="l" defTabSz="457200" rtl="0" eaLnBrk="1" fontAlgn="auto" latinLnBrk="0" hangingPunct="1">
-              <a:lnSpc>
-                <a:spcPct val="100000"/>
-              </a:lnSpc>
-              <a:spcBef>
-                <a:spcPts val="0"/>
-              </a:spcBef>
-              <a:spcAft>
-                <a:spcPts val="0"/>
-              </a:spcAft>
-              <a:buClrTx/>
-              <a:buSzTx/>
-              <a:buFontTx/>
-              <a:buNone/>
-              <a:tabLst/>
-              <a:defRPr/>
-            </a:pPr>
-            <a:endParaRPr kumimoji="0" lang="en-US" sz="1800" b="0" i="0" u="none" strike="noStrike" kern="1200" cap="none" spc="0" normalizeH="0" baseline="0" noProof="0">
-              <a:ln>
-                <a:noFill/>
-              </a:ln>
-              <a:solidFill>
-                <a:srgbClr val="FFFFFF"/>
-              </a:solidFill>
-              <a:effectLst/>
-              <a:uLnTx/>
-              <a:uFillTx/>
-              <a:latin typeface="Calibri"/>
-              <a:ea typeface="+mn-ea"/>
-              <a:cs typeface="+mn-cs"/>
-            </a:endParaRPr>
-          </a:p>
-        </p:txBody>
-      </p:sp>
-      <p:sp>
-        <p:nvSpPr>
-          <p:cNvPr id="48" name="Rectangle 47">
-            <a:extLst>
-              <a:ext uri="{FF2B5EF4-FFF2-40B4-BE49-F238E27FC236}">
-                <a16:creationId xmlns:a16="http://schemas.microsoft.com/office/drawing/2014/main" id="{78F5C4C6-8ADE-7DD0-C518-C988313AD944}"/>
-              </a:ext>
-              <a:ext uri="{C183D7F6-B498-43B3-948B-1728B52AA6E4}">
-                <adec:decorative xmlns:adec="http://schemas.microsoft.com/office/drawing/2017/decorative" val="1"/>
-              </a:ext>
-            </a:extLst>
-          </p:cNvPr>
-          <p:cNvSpPr>
-            <a:spLocks noGrp="1" noRot="1" noChangeAspect="1" noMove="1" noResize="1" noEditPoints="1" noAdjustHandles="1" noChangeArrowheads="1" noChangeShapeType="1" noTextEdit="1"/>
-          </p:cNvSpPr>
-          <p:nvPr>
-            <p:extLst>
-              <p:ext uri="{386F3935-93C4-4BCD-93E2-E3B085C9AB24}">
-                <p16:designElem xmlns:p16="http://schemas.microsoft.com/office/powerpoint/2015/main" val="1"/>
-              </p:ext>
-            </p:extLst>
-          </p:nvPr>
-        </p:nvSpPr>
-        <p:spPr>
-          <a:xfrm>
-            <a:off x="1712856" y="496958"/>
-            <a:ext cx="9961047" cy="3678072"/>
-          </a:xfrm>
-          <a:prstGeom prst="rect">
-            <a:avLst/>
-          </a:prstGeom>
-          <a:solidFill>
-            <a:schemeClr val="accent1"/>
-          </a:solidFill>
-          <a:ln>
-            <a:noFill/>
-          </a:ln>
-          <a:effectLst/>
-        </p:spPr>
-        <p:style>
-          <a:lnRef idx="1">
-            <a:schemeClr val="accent1"/>
-          </a:lnRef>
-          <a:fillRef idx="3">
-            <a:schemeClr val="accent1"/>
-          </a:fillRef>
-          <a:effectRef idx="2">
-            <a:schemeClr val="accent1"/>
-          </a:effectRef>
-          <a:fontRef idx="minor">
-            <a:schemeClr val="lt1"/>
-          </a:fontRef>
-        </p:style>
-        <p:txBody>
-          <a:bodyPr/>
-          <a:lstStyle/>
-          <a:p>
-            <a:pPr marL="0" marR="0" lvl="0" indent="0" algn="l" defTabSz="457200" rtl="0" eaLnBrk="1" fontAlgn="auto" latinLnBrk="0" hangingPunct="1">
-              <a:lnSpc>
-                <a:spcPct val="100000"/>
-              </a:lnSpc>
-              <a:spcBef>
-                <a:spcPts val="0"/>
-              </a:spcBef>
-              <a:spcAft>
-                <a:spcPts val="0"/>
-              </a:spcAft>
-              <a:buClrTx/>
-              <a:buSzTx/>
-              <a:buFontTx/>
-              <a:buNone/>
-              <a:tabLst/>
-              <a:defRPr/>
-            </a:pPr>
-            <a:endParaRPr kumimoji="0" lang="en-US" sz="1800" b="0" i="0" u="none" strike="noStrike" kern="1200" cap="none" spc="0" normalizeH="0" baseline="0" noProof="0">
-              <a:ln>
-                <a:noFill/>
-              </a:ln>
-              <a:solidFill>
-                <a:srgbClr val="FFFFFF"/>
-              </a:solidFill>
-              <a:effectLst/>
-              <a:uLnTx/>
-              <a:uFillTx/>
-              <a:latin typeface="Calibri"/>
-              <a:ea typeface="+mn-ea"/>
-              <a:cs typeface="+mn-cs"/>
-            </a:endParaRPr>
-          </a:p>
-        </p:txBody>
-      </p:sp>
-      <p:sp>
-        <p:nvSpPr>
-          <p:cNvPr id="2" name="Title 1">
-            <a:extLst>
-              <a:ext uri="{FF2B5EF4-FFF2-40B4-BE49-F238E27FC236}">
-                <a16:creationId xmlns:a16="http://schemas.microsoft.com/office/drawing/2014/main" id="{70E705E6-5260-A735-42E3-2067248795A9}"/>
-              </a:ext>
-            </a:extLst>
-          </p:cNvPr>
-          <p:cNvSpPr>
-            <a:spLocks noGrp="1"/>
-          </p:cNvSpPr>
-          <p:nvPr>
-            <p:ph type="title"/>
-          </p:nvPr>
-        </p:nvSpPr>
-        <p:spPr>
-          <a:xfrm>
-            <a:off x="1893715" y="708498"/>
-            <a:ext cx="9691733" cy="3330055"/>
-          </a:xfrm>
-        </p:spPr>
-        <p:txBody>
-          <a:bodyPr vert="horz" lIns="91440" tIns="45720" rIns="91440" bIns="45720" rtlCol="0" anchor="ctr">
-            <a:normAutofit/>
-          </a:bodyPr>
-          <a:lstStyle/>
-          <a:p>
-            <a:r>
-              <a:rPr lang="en-US" sz="6000" b="0" kern="1200" cap="all" dirty="0">
-                <a:solidFill>
-                  <a:srgbClr val="FFFFFF"/>
-                </a:solidFill>
-                <a:latin typeface="+mj-lt"/>
-                <a:ea typeface="+mj-ea"/>
-                <a:cs typeface="+mj-cs"/>
-              </a:rPr>
-              <a:t>2.1.3 confidence interval</a:t>
-            </a:r>
-          </a:p>
-        </p:txBody>
-      </p:sp>
-      <p:sp>
-        <p:nvSpPr>
-          <p:cNvPr id="50" name="Rectangle 49">
-            <a:extLst>
-              <a:ext uri="{FF2B5EF4-FFF2-40B4-BE49-F238E27FC236}">
-                <a16:creationId xmlns:a16="http://schemas.microsoft.com/office/drawing/2014/main" id="{D20B62D5-0439-5A91-CB0E-6C26D80D1BF1}"/>
-              </a:ext>
-              <a:ext uri="{C183D7F6-B498-43B3-948B-1728B52AA6E4}">
-                <adec:decorative xmlns:adec="http://schemas.microsoft.com/office/drawing/2017/decorative" val="1"/>
-              </a:ext>
-            </a:extLst>
-          </p:cNvPr>
-          <p:cNvSpPr>
-            <a:spLocks noGrp="1" noRot="1" noChangeAspect="1" noMove="1" noResize="1" noEditPoints="1" noAdjustHandles="1" noChangeArrowheads="1" noChangeShapeType="1" noTextEdit="1"/>
-          </p:cNvSpPr>
-          <p:nvPr>
-            <p:extLst>
-              <p:ext uri="{386F3935-93C4-4BCD-93E2-E3B085C9AB24}">
-                <p16:designElem xmlns:p16="http://schemas.microsoft.com/office/powerpoint/2015/main" val="1"/>
-              </p:ext>
-            </p:extLst>
-          </p:nvPr>
-        </p:nvSpPr>
-        <p:spPr>
-          <a:xfrm>
-            <a:off x="1712789" y="4284212"/>
-            <a:ext cx="9961115" cy="2072481"/>
-          </a:xfrm>
-          <a:prstGeom prst="rect">
-            <a:avLst/>
-          </a:prstGeom>
-          <a:solidFill>
-            <a:srgbClr val="6C7781">
-              <a:alpha val="80000"/>
-            </a:srgbClr>
-          </a:solidFill>
-          <a:ln>
-            <a:noFill/>
-          </a:ln>
-          <a:effectLst/>
-        </p:spPr>
-        <p:style>
-          <a:lnRef idx="1">
-            <a:schemeClr val="accent1"/>
-          </a:lnRef>
-          <a:fillRef idx="3">
-            <a:schemeClr val="accent1"/>
-          </a:fillRef>
-          <a:effectRef idx="2">
-            <a:schemeClr val="accent1"/>
-          </a:effectRef>
-          <a:fontRef idx="minor">
-            <a:schemeClr val="lt1"/>
-          </a:fontRef>
-        </p:style>
-        <p:txBody>
-          <a:bodyPr/>
-          <a:lstStyle/>
-          <a:p>
-            <a:pPr marL="0" marR="0" lvl="0" indent="0" algn="l" defTabSz="457200" rtl="0" eaLnBrk="1" fontAlgn="auto" latinLnBrk="0" hangingPunct="1">
-              <a:lnSpc>
-                <a:spcPct val="100000"/>
-              </a:lnSpc>
-              <a:spcBef>
-                <a:spcPts val="0"/>
-              </a:spcBef>
-              <a:spcAft>
-                <a:spcPts val="0"/>
-              </a:spcAft>
-              <a:buClrTx/>
-              <a:buSzTx/>
-              <a:buFontTx/>
-              <a:buNone/>
-              <a:tabLst/>
-              <a:defRPr/>
-            </a:pPr>
-            <a:endParaRPr kumimoji="0" lang="en-US" sz="1800" b="0" i="0" u="none" strike="noStrike" kern="1200" cap="none" spc="0" normalizeH="0" baseline="0" noProof="0">
-              <a:ln>
-                <a:noFill/>
-              </a:ln>
-              <a:solidFill>
-                <a:srgbClr val="FFFFFF"/>
-              </a:solidFill>
-              <a:effectLst/>
-              <a:uLnTx/>
-              <a:uFillTx/>
-              <a:latin typeface="Calibri"/>
-              <a:ea typeface="+mn-ea"/>
-              <a:cs typeface="+mn-cs"/>
-            </a:endParaRPr>
-          </a:p>
-        </p:txBody>
-      </p:sp>
-    </p:spTree>
-    <p:extLst>
-      <p:ext uri="{BB962C8B-B14F-4D97-AF65-F5344CB8AC3E}">
-        <p14:creationId xmlns:p14="http://schemas.microsoft.com/office/powerpoint/2010/main" val="3622518874"/>
       </p:ext>
     </p:extLst>
   </p:cSld>
@@ -11970,7 +11254,7 @@
         <p:cNvPr id="1" name="">
           <a:extLst>
             <a:ext uri="{FF2B5EF4-FFF2-40B4-BE49-F238E27FC236}">
-              <a16:creationId xmlns:a16="http://schemas.microsoft.com/office/drawing/2014/main" id="{30C80AF9-CEAC-E9E7-EE58-02C30FB500E0}"/>
+              <a16:creationId xmlns:a16="http://schemas.microsoft.com/office/drawing/2014/main" id="{BF83C15D-8B95-AC10-65D2-2DC27259BC24}"/>
             </a:ext>
           </a:extLst>
         </p:cNvPr>
@@ -11990,7 +11274,7 @@
           <p:cNvPr id="36" name="Rectangle 35">
             <a:extLst>
               <a:ext uri="{FF2B5EF4-FFF2-40B4-BE49-F238E27FC236}">
-                <a16:creationId xmlns:a16="http://schemas.microsoft.com/office/drawing/2014/main" id="{54B744F6-8839-076D-8745-F4FE628328DE}"/>
+                <a16:creationId xmlns:a16="http://schemas.microsoft.com/office/drawing/2014/main" id="{B6C43044-361C-219A-C061-6323BD36CA1A}"/>
               </a:ext>
               <a:ext uri="{C183D7F6-B498-43B3-948B-1728B52AA6E4}">
                 <adec:decorative xmlns:adec="http://schemas.microsoft.com/office/drawing/2017/decorative" val="1"/>
@@ -12081,7 +11365,7 @@
           <p:cNvPr id="38" name="Rectangle 37">
             <a:extLst>
               <a:ext uri="{FF2B5EF4-FFF2-40B4-BE49-F238E27FC236}">
-                <a16:creationId xmlns:a16="http://schemas.microsoft.com/office/drawing/2014/main" id="{25F6329E-41CD-091A-19FA-6F133FC6F26E}"/>
+                <a16:creationId xmlns:a16="http://schemas.microsoft.com/office/drawing/2014/main" id="{AD073451-463F-3B7E-B0BA-530F3E0F6CEC}"/>
               </a:ext>
               <a:ext uri="{C183D7F6-B498-43B3-948B-1728B52AA6E4}">
                 <adec:decorative xmlns:adec="http://schemas.microsoft.com/office/drawing/2017/decorative" val="1"/>
@@ -12172,7 +11456,7 @@
           <p:cNvPr id="40" name="Rectangle 39">
             <a:extLst>
               <a:ext uri="{FF2B5EF4-FFF2-40B4-BE49-F238E27FC236}">
-                <a16:creationId xmlns:a16="http://schemas.microsoft.com/office/drawing/2014/main" id="{43FDABB0-A263-9EAD-24EC-95B7129EAACD}"/>
+                <a16:creationId xmlns:a16="http://schemas.microsoft.com/office/drawing/2014/main" id="{BBABCD27-CFAB-E2DE-9E8D-FA99686BF6C7}"/>
               </a:ext>
               <a:ext uri="{C183D7F6-B498-43B3-948B-1728B52AA6E4}">
                 <adec:decorative xmlns:adec="http://schemas.microsoft.com/office/drawing/2017/decorative" val="1"/>
@@ -12263,7 +11547,7 @@
           <p:cNvPr id="42" name="Rectangle 41">
             <a:extLst>
               <a:ext uri="{FF2B5EF4-FFF2-40B4-BE49-F238E27FC236}">
-                <a16:creationId xmlns:a16="http://schemas.microsoft.com/office/drawing/2014/main" id="{0345D31F-C993-9943-A688-E669A0AFF57C}"/>
+                <a16:creationId xmlns:a16="http://schemas.microsoft.com/office/drawing/2014/main" id="{CE2D3D5A-EBD9-BEB2-AD86-D7C93505DE0C}"/>
               </a:ext>
               <a:ext uri="{C183D7F6-B498-43B3-948B-1728B52AA6E4}">
                 <adec:decorative xmlns:adec="http://schemas.microsoft.com/office/drawing/2017/decorative" val="1"/>
@@ -12354,7 +11638,7 @@
           <p:cNvPr id="44" name="Rectangle 43">
             <a:extLst>
               <a:ext uri="{FF2B5EF4-FFF2-40B4-BE49-F238E27FC236}">
-                <a16:creationId xmlns:a16="http://schemas.microsoft.com/office/drawing/2014/main" id="{CDCB8611-4505-C38F-6DE1-AC9F71907D3F}"/>
+                <a16:creationId xmlns:a16="http://schemas.microsoft.com/office/drawing/2014/main" id="{E9208CB4-8B8E-AAF5-570B-6FB36772F455}"/>
               </a:ext>
               <a:ext uri="{C183D7F6-B498-43B3-948B-1728B52AA6E4}">
                 <adec:decorative xmlns:adec="http://schemas.microsoft.com/office/drawing/2017/decorative" val="1"/>
@@ -12443,7 +11727,7 @@
           <p:cNvPr id="46" name="Rectangle 45">
             <a:extLst>
               <a:ext uri="{FF2B5EF4-FFF2-40B4-BE49-F238E27FC236}">
-                <a16:creationId xmlns:a16="http://schemas.microsoft.com/office/drawing/2014/main" id="{0EB42D87-8C15-FD2F-FEA4-5496B5879A82}"/>
+                <a16:creationId xmlns:a16="http://schemas.microsoft.com/office/drawing/2014/main" id="{EDB67913-CF45-5205-D2F7-20034A319254}"/>
               </a:ext>
               <a:ext uri="{C183D7F6-B498-43B3-948B-1728B52AA6E4}">
                 <adec:decorative xmlns:adec="http://schemas.microsoft.com/office/drawing/2017/decorative" val="1"/>
@@ -12534,7 +11818,7 @@
           <p:cNvPr id="48" name="Rectangle 47">
             <a:extLst>
               <a:ext uri="{FF2B5EF4-FFF2-40B4-BE49-F238E27FC236}">
-                <a16:creationId xmlns:a16="http://schemas.microsoft.com/office/drawing/2014/main" id="{93B862DD-278B-0512-D575-ADF35962BC72}"/>
+                <a16:creationId xmlns:a16="http://schemas.microsoft.com/office/drawing/2014/main" id="{78F5C4C6-8ADE-7DD0-C518-C988313AD944}"/>
               </a:ext>
               <a:ext uri="{C183D7F6-B498-43B3-948B-1728B52AA6E4}">
                 <adec:decorative xmlns:adec="http://schemas.microsoft.com/office/drawing/2017/decorative" val="1"/>
@@ -12625,7 +11909,7 @@
           <p:cNvPr id="2" name="Title 1">
             <a:extLst>
               <a:ext uri="{FF2B5EF4-FFF2-40B4-BE49-F238E27FC236}">
-                <a16:creationId xmlns:a16="http://schemas.microsoft.com/office/drawing/2014/main" id="{983DECD6-2770-70E2-5591-66E438DC1D4B}"/>
+                <a16:creationId xmlns:a16="http://schemas.microsoft.com/office/drawing/2014/main" id="{70E705E6-5260-A735-42E3-2067248795A9}"/>
               </a:ext>
             </a:extLst>
           </p:cNvPr>
@@ -12657,7 +11941,7 @@
                 <a:ea typeface="+mj-ea"/>
                 <a:cs typeface="+mj-cs"/>
               </a:rPr>
-              <a:t>2.1.3 TRANSFORMATION</a:t>
+              <a:t>2.1.3 confidence interval</a:t>
             </a:r>
           </a:p>
         </p:txBody>
@@ -12667,7 +11951,7 @@
           <p:cNvPr id="50" name="Rectangle 49">
             <a:extLst>
               <a:ext uri="{FF2B5EF4-FFF2-40B4-BE49-F238E27FC236}">
-                <a16:creationId xmlns:a16="http://schemas.microsoft.com/office/drawing/2014/main" id="{3F180155-DCCB-CEDA-22CD-FF6EB27CC8F2}"/>
+                <a16:creationId xmlns:a16="http://schemas.microsoft.com/office/drawing/2014/main" id="{D20B62D5-0439-5A91-CB0E-6C26D80D1BF1}"/>
               </a:ext>
               <a:ext uri="{C183D7F6-B498-43B3-948B-1728B52AA6E4}">
                 <adec:decorative xmlns:adec="http://schemas.microsoft.com/office/drawing/2017/decorative" val="1"/>
@@ -12758,7 +12042,7 @@
     </p:spTree>
     <p:extLst>
       <p:ext uri="{BB962C8B-B14F-4D97-AF65-F5344CB8AC3E}">
-        <p14:creationId xmlns:p14="http://schemas.microsoft.com/office/powerpoint/2010/main" val="2778497478"/>
+        <p14:creationId xmlns:p14="http://schemas.microsoft.com/office/powerpoint/2010/main" val="3622518874"/>
       </p:ext>
     </p:extLst>
   </p:cSld>
@@ -12863,12 +12147,20 @@
 <file path=ppt/slides/slide8.xml><?xml version="1.0" encoding="utf-8"?>
 <p:sld xmlns:a="http://schemas.openxmlformats.org/drawingml/2006/main" xmlns:r="http://schemas.openxmlformats.org/officeDocument/2006/relationships" xmlns:p="http://schemas.openxmlformats.org/presentationml/2006/main">
   <p:cSld>
+    <p:bg>
+      <p:bgPr>
+        <a:solidFill>
+          <a:schemeClr val="bg1"/>
+        </a:solidFill>
+        <a:effectLst/>
+      </p:bgPr>
+    </p:bg>
     <p:spTree>
       <p:nvGrpSpPr>
         <p:cNvPr id="1" name="">
           <a:extLst>
             <a:ext uri="{FF2B5EF4-FFF2-40B4-BE49-F238E27FC236}">
-              <a16:creationId xmlns:a16="http://schemas.microsoft.com/office/drawing/2014/main" id="{86E4F858-AF1D-8F97-8822-33EF92A839D2}"/>
+              <a16:creationId xmlns:a16="http://schemas.microsoft.com/office/drawing/2014/main" id="{30C80AF9-CEAC-E9E7-EE58-02C30FB500E0}"/>
             </a:ext>
           </a:extLst>
         </p:cNvPr>
@@ -12885,10 +12177,645 @@
       </p:grpSpPr>
       <p:sp>
         <p:nvSpPr>
+          <p:cNvPr id="36" name="Rectangle 35">
+            <a:extLst>
+              <a:ext uri="{FF2B5EF4-FFF2-40B4-BE49-F238E27FC236}">
+                <a16:creationId xmlns:a16="http://schemas.microsoft.com/office/drawing/2014/main" id="{54B744F6-8839-076D-8745-F4FE628328DE}"/>
+              </a:ext>
+              <a:ext uri="{C183D7F6-B498-43B3-948B-1728B52AA6E4}">
+                <adec:decorative xmlns:adec="http://schemas.microsoft.com/office/drawing/2017/decorative" val="1"/>
+              </a:ext>
+            </a:extLst>
+          </p:cNvPr>
+          <p:cNvSpPr>
+            <a:spLocks noGrp="1" noRot="1" noChangeAspect="1" noMove="1" noResize="1" noEditPoints="1" noAdjustHandles="1" noChangeArrowheads="1" noChangeShapeType="1" noTextEdit="1"/>
+          </p:cNvSpPr>
+          <p:nvPr>
+            <p:extLst>
+              <p:ext uri="{386F3935-93C4-4BCD-93E2-E3B085C9AB24}">
+                <p16:designElem xmlns:p16="http://schemas.microsoft.com/office/powerpoint/2015/main" val="1"/>
+              </p:ext>
+            </p:extLst>
+          </p:nvPr>
+        </p:nvSpPr>
+        <p:spPr>
+          <a:xfrm>
+            <a:off x="446534" y="457200"/>
+            <a:ext cx="3703320" cy="94997"/>
+          </a:xfrm>
+          <a:prstGeom prst="rect">
+            <a:avLst/>
+          </a:prstGeom>
+          <a:solidFill>
+            <a:srgbClr val="465359"/>
+          </a:solidFill>
+          <a:ln>
+            <a:noFill/>
+          </a:ln>
+          <a:effectLst/>
+        </p:spPr>
+        <p:style>
+          <a:lnRef idx="1">
+            <a:schemeClr val="accent1"/>
+          </a:lnRef>
+          <a:fillRef idx="3">
+            <a:schemeClr val="accent1"/>
+          </a:fillRef>
+          <a:effectRef idx="2">
+            <a:schemeClr val="accent1"/>
+          </a:effectRef>
+          <a:fontRef idx="minor">
+            <a:schemeClr val="lt1"/>
+          </a:fontRef>
+        </p:style>
+        <p:txBody>
+          <a:bodyPr/>
+          <a:lstStyle/>
+          <a:p>
+            <a:pPr marL="0" marR="0" lvl="0" indent="0" algn="l" defTabSz="457200" rtl="0" eaLnBrk="1" fontAlgn="auto" latinLnBrk="0" hangingPunct="1">
+              <a:lnSpc>
+                <a:spcPct val="100000"/>
+              </a:lnSpc>
+              <a:spcBef>
+                <a:spcPts val="0"/>
+              </a:spcBef>
+              <a:spcAft>
+                <a:spcPts val="0"/>
+              </a:spcAft>
+              <a:buClrTx/>
+              <a:buSzTx/>
+              <a:buFontTx/>
+              <a:buNone/>
+              <a:tabLst/>
+              <a:defRPr/>
+            </a:pPr>
+            <a:endParaRPr kumimoji="0" lang="en-US" sz="1800" b="0" i="0" u="none" strike="noStrike" kern="1200" cap="none" spc="0" normalizeH="0" baseline="0" noProof="0">
+              <a:ln>
+                <a:noFill/>
+              </a:ln>
+              <a:solidFill>
+                <a:srgbClr val="FFFFFF"/>
+              </a:solidFill>
+              <a:effectLst/>
+              <a:uLnTx/>
+              <a:uFillTx/>
+              <a:latin typeface="Calibri"/>
+              <a:ea typeface="+mn-ea"/>
+              <a:cs typeface="+mn-cs"/>
+            </a:endParaRPr>
+          </a:p>
+        </p:txBody>
+      </p:sp>
+      <p:sp>
+        <p:nvSpPr>
+          <p:cNvPr id="38" name="Rectangle 37">
+            <a:extLst>
+              <a:ext uri="{FF2B5EF4-FFF2-40B4-BE49-F238E27FC236}">
+                <a16:creationId xmlns:a16="http://schemas.microsoft.com/office/drawing/2014/main" id="{25F6329E-41CD-091A-19FA-6F133FC6F26E}"/>
+              </a:ext>
+              <a:ext uri="{C183D7F6-B498-43B3-948B-1728B52AA6E4}">
+                <adec:decorative xmlns:adec="http://schemas.microsoft.com/office/drawing/2017/decorative" val="1"/>
+              </a:ext>
+            </a:extLst>
+          </p:cNvPr>
+          <p:cNvSpPr>
+            <a:spLocks noGrp="1" noRot="1" noChangeAspect="1" noMove="1" noResize="1" noEditPoints="1" noAdjustHandles="1" noChangeArrowheads="1" noChangeShapeType="1" noTextEdit="1"/>
+          </p:cNvSpPr>
+          <p:nvPr>
+            <p:extLst>
+              <p:ext uri="{386F3935-93C4-4BCD-93E2-E3B085C9AB24}">
+                <p16:designElem xmlns:p16="http://schemas.microsoft.com/office/powerpoint/2015/main" val="1"/>
+              </p:ext>
+            </p:extLst>
+          </p:nvPr>
+        </p:nvSpPr>
+        <p:spPr>
+          <a:xfrm>
+            <a:off x="8042147" y="453643"/>
+            <a:ext cx="3703320" cy="98554"/>
+          </a:xfrm>
+          <a:prstGeom prst="rect">
+            <a:avLst/>
+          </a:prstGeom>
+          <a:solidFill>
+            <a:srgbClr val="969FA7"/>
+          </a:solidFill>
+          <a:ln>
+            <a:noFill/>
+          </a:ln>
+          <a:effectLst/>
+        </p:spPr>
+        <p:style>
+          <a:lnRef idx="1">
+            <a:schemeClr val="accent1"/>
+          </a:lnRef>
+          <a:fillRef idx="3">
+            <a:schemeClr val="accent1"/>
+          </a:fillRef>
+          <a:effectRef idx="2">
+            <a:schemeClr val="accent1"/>
+          </a:effectRef>
+          <a:fontRef idx="minor">
+            <a:schemeClr val="lt1"/>
+          </a:fontRef>
+        </p:style>
+        <p:txBody>
+          <a:bodyPr/>
+          <a:lstStyle/>
+          <a:p>
+            <a:pPr marL="0" marR="0" lvl="0" indent="0" algn="l" defTabSz="457200" rtl="0" eaLnBrk="1" fontAlgn="auto" latinLnBrk="0" hangingPunct="1">
+              <a:lnSpc>
+                <a:spcPct val="100000"/>
+              </a:lnSpc>
+              <a:spcBef>
+                <a:spcPts val="0"/>
+              </a:spcBef>
+              <a:spcAft>
+                <a:spcPts val="0"/>
+              </a:spcAft>
+              <a:buClrTx/>
+              <a:buSzTx/>
+              <a:buFontTx/>
+              <a:buNone/>
+              <a:tabLst/>
+              <a:defRPr/>
+            </a:pPr>
+            <a:endParaRPr kumimoji="0" lang="en-US" sz="1800" b="0" i="0" u="none" strike="noStrike" kern="1200" cap="none" spc="0" normalizeH="0" baseline="0" noProof="0">
+              <a:ln>
+                <a:noFill/>
+              </a:ln>
+              <a:solidFill>
+                <a:srgbClr val="FFFFFF"/>
+              </a:solidFill>
+              <a:effectLst/>
+              <a:uLnTx/>
+              <a:uFillTx/>
+              <a:latin typeface="Calibri"/>
+              <a:ea typeface="+mn-ea"/>
+              <a:cs typeface="+mn-cs"/>
+            </a:endParaRPr>
+          </a:p>
+        </p:txBody>
+      </p:sp>
+      <p:sp>
+        <p:nvSpPr>
+          <p:cNvPr id="40" name="Rectangle 39">
+            <a:extLst>
+              <a:ext uri="{FF2B5EF4-FFF2-40B4-BE49-F238E27FC236}">
+                <a16:creationId xmlns:a16="http://schemas.microsoft.com/office/drawing/2014/main" id="{43FDABB0-A263-9EAD-24EC-95B7129EAACD}"/>
+              </a:ext>
+              <a:ext uri="{C183D7F6-B498-43B3-948B-1728B52AA6E4}">
+                <adec:decorative xmlns:adec="http://schemas.microsoft.com/office/drawing/2017/decorative" val="1"/>
+              </a:ext>
+            </a:extLst>
+          </p:cNvPr>
+          <p:cNvSpPr>
+            <a:spLocks noGrp="1" noRot="1" noChangeAspect="1" noMove="1" noResize="1" noEditPoints="1" noAdjustHandles="1" noChangeArrowheads="1" noChangeShapeType="1" noTextEdit="1"/>
+          </p:cNvSpPr>
+          <p:nvPr>
+            <p:extLst>
+              <p:ext uri="{386F3935-93C4-4BCD-93E2-E3B085C9AB24}">
+                <p16:designElem xmlns:p16="http://schemas.microsoft.com/office/powerpoint/2015/main" val="1"/>
+              </p:ext>
+            </p:extLst>
+          </p:nvPr>
+        </p:nvSpPr>
+        <p:spPr>
+          <a:xfrm>
+            <a:off x="4241830" y="457200"/>
+            <a:ext cx="3703320" cy="91440"/>
+          </a:xfrm>
+          <a:prstGeom prst="rect">
+            <a:avLst/>
+          </a:prstGeom>
+          <a:solidFill>
+            <a:schemeClr val="accent1"/>
+          </a:solidFill>
+          <a:ln>
+            <a:noFill/>
+          </a:ln>
+          <a:effectLst/>
+        </p:spPr>
+        <p:style>
+          <a:lnRef idx="1">
+            <a:schemeClr val="accent1"/>
+          </a:lnRef>
+          <a:fillRef idx="3">
+            <a:schemeClr val="accent1"/>
+          </a:fillRef>
+          <a:effectRef idx="2">
+            <a:schemeClr val="accent1"/>
+          </a:effectRef>
+          <a:fontRef idx="minor">
+            <a:schemeClr val="lt1"/>
+          </a:fontRef>
+        </p:style>
+        <p:txBody>
+          <a:bodyPr/>
+          <a:lstStyle/>
+          <a:p>
+            <a:pPr marL="0" marR="0" lvl="0" indent="0" algn="l" defTabSz="457200" rtl="0" eaLnBrk="1" fontAlgn="auto" latinLnBrk="0" hangingPunct="1">
+              <a:lnSpc>
+                <a:spcPct val="100000"/>
+              </a:lnSpc>
+              <a:spcBef>
+                <a:spcPts val="0"/>
+              </a:spcBef>
+              <a:spcAft>
+                <a:spcPts val="0"/>
+              </a:spcAft>
+              <a:buClrTx/>
+              <a:buSzTx/>
+              <a:buFontTx/>
+              <a:buNone/>
+              <a:tabLst/>
+              <a:defRPr/>
+            </a:pPr>
+            <a:endParaRPr kumimoji="0" lang="en-US" sz="1800" b="0" i="0" u="none" strike="noStrike" kern="1200" cap="none" spc="0" normalizeH="0" baseline="0" noProof="0">
+              <a:ln>
+                <a:noFill/>
+              </a:ln>
+              <a:solidFill>
+                <a:srgbClr val="FFFFFF"/>
+              </a:solidFill>
+              <a:effectLst/>
+              <a:uLnTx/>
+              <a:uFillTx/>
+              <a:latin typeface="Calibri"/>
+              <a:ea typeface="+mn-ea"/>
+              <a:cs typeface="+mn-cs"/>
+            </a:endParaRPr>
+          </a:p>
+        </p:txBody>
+      </p:sp>
+      <p:sp>
+        <p:nvSpPr>
+          <p:cNvPr id="42" name="Rectangle 41">
+            <a:extLst>
+              <a:ext uri="{FF2B5EF4-FFF2-40B4-BE49-F238E27FC236}">
+                <a16:creationId xmlns:a16="http://schemas.microsoft.com/office/drawing/2014/main" id="{0345D31F-C993-9943-A688-E669A0AFF57C}"/>
+              </a:ext>
+              <a:ext uri="{C183D7F6-B498-43B3-948B-1728B52AA6E4}">
+                <adec:decorative xmlns:adec="http://schemas.microsoft.com/office/drawing/2017/decorative" val="1"/>
+              </a:ext>
+            </a:extLst>
+          </p:cNvPr>
+          <p:cNvSpPr>
+            <a:spLocks noGrp="1" noRot="1" noChangeAspect="1" noMove="1" noResize="1" noEditPoints="1" noAdjustHandles="1" noChangeArrowheads="1" noChangeShapeType="1" noTextEdit="1"/>
+          </p:cNvSpPr>
+          <p:nvPr>
+            <p:extLst>
+              <p:ext uri="{386F3935-93C4-4BCD-93E2-E3B085C9AB24}">
+                <p16:designElem xmlns:p16="http://schemas.microsoft.com/office/powerpoint/2015/main" val="1"/>
+              </p:ext>
+            </p:extLst>
+          </p:nvPr>
+        </p:nvSpPr>
+        <p:spPr>
+          <a:xfrm>
+            <a:off x="446534" y="3085764"/>
+            <a:ext cx="11298932" cy="3338149"/>
+          </a:xfrm>
+          <a:prstGeom prst="rect">
+            <a:avLst/>
+          </a:prstGeom>
+          <a:solidFill>
+            <a:srgbClr val="465359"/>
+          </a:solidFill>
+          <a:ln>
+            <a:noFill/>
+          </a:ln>
+          <a:effectLst/>
+        </p:spPr>
+        <p:style>
+          <a:lnRef idx="1">
+            <a:schemeClr val="accent1"/>
+          </a:lnRef>
+          <a:fillRef idx="3">
+            <a:schemeClr val="accent1"/>
+          </a:fillRef>
+          <a:effectRef idx="2">
+            <a:schemeClr val="accent1"/>
+          </a:effectRef>
+          <a:fontRef idx="minor">
+            <a:schemeClr val="lt1"/>
+          </a:fontRef>
+        </p:style>
+        <p:txBody>
+          <a:bodyPr/>
+          <a:lstStyle/>
+          <a:p>
+            <a:pPr marL="0" marR="0" lvl="0" indent="0" algn="l" defTabSz="457200" rtl="0" eaLnBrk="1" fontAlgn="auto" latinLnBrk="0" hangingPunct="1">
+              <a:lnSpc>
+                <a:spcPct val="100000"/>
+              </a:lnSpc>
+              <a:spcBef>
+                <a:spcPts val="0"/>
+              </a:spcBef>
+              <a:spcAft>
+                <a:spcPts val="0"/>
+              </a:spcAft>
+              <a:buClrTx/>
+              <a:buSzTx/>
+              <a:buFontTx/>
+              <a:buNone/>
+              <a:tabLst/>
+              <a:defRPr/>
+            </a:pPr>
+            <a:endParaRPr kumimoji="0" lang="en-US" sz="1800" b="0" i="0" u="none" strike="noStrike" kern="1200" cap="none" spc="0" normalizeH="0" baseline="0" noProof="0">
+              <a:ln>
+                <a:noFill/>
+              </a:ln>
+              <a:solidFill>
+                <a:srgbClr val="FFFFFF"/>
+              </a:solidFill>
+              <a:effectLst/>
+              <a:uLnTx/>
+              <a:uFillTx/>
+              <a:latin typeface="Calibri"/>
+              <a:ea typeface="+mn-ea"/>
+              <a:cs typeface="+mn-cs"/>
+            </a:endParaRPr>
+          </a:p>
+        </p:txBody>
+      </p:sp>
+      <p:sp useBgFill="1">
+        <p:nvSpPr>
+          <p:cNvPr id="44" name="Rectangle 43">
+            <a:extLst>
+              <a:ext uri="{FF2B5EF4-FFF2-40B4-BE49-F238E27FC236}">
+                <a16:creationId xmlns:a16="http://schemas.microsoft.com/office/drawing/2014/main" id="{CDCB8611-4505-C38F-6DE1-AC9F71907D3F}"/>
+              </a:ext>
+              <a:ext uri="{C183D7F6-B498-43B3-948B-1728B52AA6E4}">
+                <adec:decorative xmlns:adec="http://schemas.microsoft.com/office/drawing/2017/decorative" val="1"/>
+              </a:ext>
+            </a:extLst>
+          </p:cNvPr>
+          <p:cNvSpPr>
+            <a:spLocks noGrp="1" noRot="1" noChangeAspect="1" noMove="1" noResize="1" noEditPoints="1" noAdjustHandles="1" noChangeArrowheads="1" noChangeShapeType="1" noTextEdit="1"/>
+          </p:cNvSpPr>
+          <p:nvPr>
+            <p:extLst>
+              <p:ext uri="{386F3935-93C4-4BCD-93E2-E3B085C9AB24}">
+                <p16:designElem xmlns:p16="http://schemas.microsoft.com/office/powerpoint/2015/main" val="1"/>
+              </p:ext>
+            </p:extLst>
+          </p:nvPr>
+        </p:nvSpPr>
+        <p:spPr>
+          <a:xfrm>
+            <a:off x="0" y="0"/>
+            <a:ext cx="12192000" cy="6858000"/>
+          </a:xfrm>
+          <a:prstGeom prst="rect">
+            <a:avLst/>
+          </a:prstGeom>
+          <a:ln>
+            <a:noFill/>
+          </a:ln>
+        </p:spPr>
+        <p:style>
+          <a:lnRef idx="2">
+            <a:schemeClr val="accent1">
+              <a:shade val="50000"/>
+            </a:schemeClr>
+          </a:lnRef>
+          <a:fillRef idx="1">
+            <a:schemeClr val="accent1"/>
+          </a:fillRef>
+          <a:effectRef idx="0">
+            <a:schemeClr val="accent1"/>
+          </a:effectRef>
+          <a:fontRef idx="minor">
+            <a:schemeClr val="lt1"/>
+          </a:fontRef>
+        </p:style>
+        <p:txBody>
+          <a:bodyPr rtlCol="0" anchor="ctr"/>
+          <a:lstStyle/>
+          <a:p>
+            <a:pPr marL="0" marR="0" lvl="0" indent="0" algn="ctr" defTabSz="457200" rtl="0" eaLnBrk="1" fontAlgn="auto" latinLnBrk="0" hangingPunct="1">
+              <a:lnSpc>
+                <a:spcPct val="100000"/>
+              </a:lnSpc>
+              <a:spcBef>
+                <a:spcPts val="0"/>
+              </a:spcBef>
+              <a:spcAft>
+                <a:spcPts val="0"/>
+              </a:spcAft>
+              <a:buClrTx/>
+              <a:buSzTx/>
+              <a:buFontTx/>
+              <a:buNone/>
+              <a:tabLst/>
+              <a:defRPr/>
+            </a:pPr>
+            <a:endParaRPr kumimoji="0" lang="en-US" sz="1800" b="0" i="0" u="none" strike="noStrike" kern="1200" cap="none" spc="0" normalizeH="0" baseline="0" noProof="0">
+              <a:ln>
+                <a:noFill/>
+              </a:ln>
+              <a:solidFill>
+                <a:srgbClr val="FFFFFF"/>
+              </a:solidFill>
+              <a:effectLst/>
+              <a:uLnTx/>
+              <a:uFillTx/>
+              <a:latin typeface="Calibri"/>
+              <a:ea typeface="+mn-ea"/>
+              <a:cs typeface="+mn-cs"/>
+            </a:endParaRPr>
+          </a:p>
+        </p:txBody>
+      </p:sp>
+      <p:sp>
+        <p:nvSpPr>
+          <p:cNvPr id="46" name="Rectangle 45">
+            <a:extLst>
+              <a:ext uri="{FF2B5EF4-FFF2-40B4-BE49-F238E27FC236}">
+                <a16:creationId xmlns:a16="http://schemas.microsoft.com/office/drawing/2014/main" id="{0EB42D87-8C15-FD2F-FEA4-5496B5879A82}"/>
+              </a:ext>
+              <a:ext uri="{C183D7F6-B498-43B3-948B-1728B52AA6E4}">
+                <adec:decorative xmlns:adec="http://schemas.microsoft.com/office/drawing/2017/decorative" val="1"/>
+              </a:ext>
+            </a:extLst>
+          </p:cNvPr>
+          <p:cNvSpPr>
+            <a:spLocks noGrp="1" noRot="1" noChangeAspect="1" noMove="1" noResize="1" noEditPoints="1" noAdjustHandles="1" noChangeArrowheads="1" noChangeShapeType="1" noTextEdit="1"/>
+          </p:cNvSpPr>
+          <p:nvPr>
+            <p:extLst>
+              <p:ext uri="{386F3935-93C4-4BCD-93E2-E3B085C9AB24}">
+                <p16:designElem xmlns:p16="http://schemas.microsoft.com/office/powerpoint/2015/main" val="1"/>
+              </p:ext>
+            </p:extLst>
+          </p:nvPr>
+        </p:nvSpPr>
+        <p:spPr>
+          <a:xfrm>
+            <a:off x="509628" y="496959"/>
+            <a:ext cx="1106164" cy="5859735"/>
+          </a:xfrm>
+          <a:prstGeom prst="rect">
+            <a:avLst/>
+          </a:prstGeom>
+          <a:solidFill>
+            <a:srgbClr val="465359"/>
+          </a:solidFill>
+          <a:ln>
+            <a:noFill/>
+          </a:ln>
+          <a:effectLst/>
+        </p:spPr>
+        <p:style>
+          <a:lnRef idx="1">
+            <a:schemeClr val="accent1"/>
+          </a:lnRef>
+          <a:fillRef idx="3">
+            <a:schemeClr val="accent1"/>
+          </a:fillRef>
+          <a:effectRef idx="2">
+            <a:schemeClr val="accent1"/>
+          </a:effectRef>
+          <a:fontRef idx="minor">
+            <a:schemeClr val="lt1"/>
+          </a:fontRef>
+        </p:style>
+        <p:txBody>
+          <a:bodyPr/>
+          <a:lstStyle/>
+          <a:p>
+            <a:pPr marL="0" marR="0" lvl="0" indent="0" algn="l" defTabSz="457200" rtl="0" eaLnBrk="1" fontAlgn="auto" latinLnBrk="0" hangingPunct="1">
+              <a:lnSpc>
+                <a:spcPct val="100000"/>
+              </a:lnSpc>
+              <a:spcBef>
+                <a:spcPts val="0"/>
+              </a:spcBef>
+              <a:spcAft>
+                <a:spcPts val="0"/>
+              </a:spcAft>
+              <a:buClrTx/>
+              <a:buSzTx/>
+              <a:buFontTx/>
+              <a:buNone/>
+              <a:tabLst/>
+              <a:defRPr/>
+            </a:pPr>
+            <a:endParaRPr kumimoji="0" lang="en-US" sz="1800" b="0" i="0" u="none" strike="noStrike" kern="1200" cap="none" spc="0" normalizeH="0" baseline="0" noProof="0">
+              <a:ln>
+                <a:noFill/>
+              </a:ln>
+              <a:solidFill>
+                <a:srgbClr val="FFFFFF"/>
+              </a:solidFill>
+              <a:effectLst/>
+              <a:uLnTx/>
+              <a:uFillTx/>
+              <a:latin typeface="Calibri"/>
+              <a:ea typeface="+mn-ea"/>
+              <a:cs typeface="+mn-cs"/>
+            </a:endParaRPr>
+          </a:p>
+        </p:txBody>
+      </p:sp>
+      <p:sp>
+        <p:nvSpPr>
+          <p:cNvPr id="48" name="Rectangle 47">
+            <a:extLst>
+              <a:ext uri="{FF2B5EF4-FFF2-40B4-BE49-F238E27FC236}">
+                <a16:creationId xmlns:a16="http://schemas.microsoft.com/office/drawing/2014/main" id="{93B862DD-278B-0512-D575-ADF35962BC72}"/>
+              </a:ext>
+              <a:ext uri="{C183D7F6-B498-43B3-948B-1728B52AA6E4}">
+                <adec:decorative xmlns:adec="http://schemas.microsoft.com/office/drawing/2017/decorative" val="1"/>
+              </a:ext>
+            </a:extLst>
+          </p:cNvPr>
+          <p:cNvSpPr>
+            <a:spLocks noGrp="1" noRot="1" noChangeAspect="1" noMove="1" noResize="1" noEditPoints="1" noAdjustHandles="1" noChangeArrowheads="1" noChangeShapeType="1" noTextEdit="1"/>
+          </p:cNvSpPr>
+          <p:nvPr>
+            <p:extLst>
+              <p:ext uri="{386F3935-93C4-4BCD-93E2-E3B085C9AB24}">
+                <p16:designElem xmlns:p16="http://schemas.microsoft.com/office/powerpoint/2015/main" val="1"/>
+              </p:ext>
+            </p:extLst>
+          </p:nvPr>
+        </p:nvSpPr>
+        <p:spPr>
+          <a:xfrm>
+            <a:off x="1712856" y="496958"/>
+            <a:ext cx="9961047" cy="3678072"/>
+          </a:xfrm>
+          <a:prstGeom prst="rect">
+            <a:avLst/>
+          </a:prstGeom>
+          <a:solidFill>
+            <a:schemeClr val="accent1"/>
+          </a:solidFill>
+          <a:ln>
+            <a:noFill/>
+          </a:ln>
+          <a:effectLst/>
+        </p:spPr>
+        <p:style>
+          <a:lnRef idx="1">
+            <a:schemeClr val="accent1"/>
+          </a:lnRef>
+          <a:fillRef idx="3">
+            <a:schemeClr val="accent1"/>
+          </a:fillRef>
+          <a:effectRef idx="2">
+            <a:schemeClr val="accent1"/>
+          </a:effectRef>
+          <a:fontRef idx="minor">
+            <a:schemeClr val="lt1"/>
+          </a:fontRef>
+        </p:style>
+        <p:txBody>
+          <a:bodyPr/>
+          <a:lstStyle/>
+          <a:p>
+            <a:pPr marL="0" marR="0" lvl="0" indent="0" algn="l" defTabSz="457200" rtl="0" eaLnBrk="1" fontAlgn="auto" latinLnBrk="0" hangingPunct="1">
+              <a:lnSpc>
+                <a:spcPct val="100000"/>
+              </a:lnSpc>
+              <a:spcBef>
+                <a:spcPts val="0"/>
+              </a:spcBef>
+              <a:spcAft>
+                <a:spcPts val="0"/>
+              </a:spcAft>
+              <a:buClrTx/>
+              <a:buSzTx/>
+              <a:buFontTx/>
+              <a:buNone/>
+              <a:tabLst/>
+              <a:defRPr/>
+            </a:pPr>
+            <a:endParaRPr kumimoji="0" lang="en-US" sz="1800" b="0" i="0" u="none" strike="noStrike" kern="1200" cap="none" spc="0" normalizeH="0" baseline="0" noProof="0">
+              <a:ln>
+                <a:noFill/>
+              </a:ln>
+              <a:solidFill>
+                <a:srgbClr val="FFFFFF"/>
+              </a:solidFill>
+              <a:effectLst/>
+              <a:uLnTx/>
+              <a:uFillTx/>
+              <a:latin typeface="Calibri"/>
+              <a:ea typeface="+mn-ea"/>
+              <a:cs typeface="+mn-cs"/>
+            </a:endParaRPr>
+          </a:p>
+        </p:txBody>
+      </p:sp>
+      <p:sp>
+        <p:nvSpPr>
           <p:cNvPr id="2" name="Title 1">
             <a:extLst>
               <a:ext uri="{FF2B5EF4-FFF2-40B4-BE49-F238E27FC236}">
-                <a16:creationId xmlns:a16="http://schemas.microsoft.com/office/drawing/2014/main" id="{DAD75043-D212-3471-4DB7-D02201854E6E}"/>
+                <a16:creationId xmlns:a16="http://schemas.microsoft.com/office/drawing/2014/main" id="{983DECD6-2770-70E2-5591-66E438DC1D4B}"/>
               </a:ext>
             </a:extLst>
           </p:cNvPr>
@@ -12920,15 +12847,108 @@
                 <a:ea typeface="+mj-ea"/>
                 <a:cs typeface="+mj-cs"/>
               </a:rPr>
-              <a:t>2.1.3 confidence interval</a:t>
-            </a:r>
+              <a:t>2.1.3 TRANSFORMATION</a:t>
+            </a:r>
+          </a:p>
+        </p:txBody>
+      </p:sp>
+      <p:sp>
+        <p:nvSpPr>
+          <p:cNvPr id="50" name="Rectangle 49">
+            <a:extLst>
+              <a:ext uri="{FF2B5EF4-FFF2-40B4-BE49-F238E27FC236}">
+                <a16:creationId xmlns:a16="http://schemas.microsoft.com/office/drawing/2014/main" id="{3F180155-DCCB-CEDA-22CD-FF6EB27CC8F2}"/>
+              </a:ext>
+              <a:ext uri="{C183D7F6-B498-43B3-948B-1728B52AA6E4}">
+                <adec:decorative xmlns:adec="http://schemas.microsoft.com/office/drawing/2017/decorative" val="1"/>
+              </a:ext>
+            </a:extLst>
+          </p:cNvPr>
+          <p:cNvSpPr>
+            <a:spLocks noGrp="1" noRot="1" noChangeAspect="1" noMove="1" noResize="1" noEditPoints="1" noAdjustHandles="1" noChangeArrowheads="1" noChangeShapeType="1" noTextEdit="1"/>
+          </p:cNvSpPr>
+          <p:nvPr>
+            <p:extLst>
+              <p:ext uri="{386F3935-93C4-4BCD-93E2-E3B085C9AB24}">
+                <p16:designElem xmlns:p16="http://schemas.microsoft.com/office/powerpoint/2015/main" val="1"/>
+              </p:ext>
+            </p:extLst>
+          </p:nvPr>
+        </p:nvSpPr>
+        <p:spPr>
+          <a:xfrm>
+            <a:off x="1712789" y="4284212"/>
+            <a:ext cx="9961115" cy="2072481"/>
+          </a:xfrm>
+          <a:prstGeom prst="rect">
+            <a:avLst/>
+          </a:prstGeom>
+          <a:solidFill>
+            <a:srgbClr val="6C7781">
+              <a:alpha val="80000"/>
+            </a:srgbClr>
+          </a:solidFill>
+          <a:ln>
+            <a:noFill/>
+          </a:ln>
+          <a:effectLst/>
+        </p:spPr>
+        <p:style>
+          <a:lnRef idx="1">
+            <a:schemeClr val="accent1"/>
+          </a:lnRef>
+          <a:fillRef idx="3">
+            <a:schemeClr val="accent1"/>
+          </a:fillRef>
+          <a:effectRef idx="2">
+            <a:schemeClr val="accent1"/>
+          </a:effectRef>
+          <a:fontRef idx="minor">
+            <a:schemeClr val="lt1"/>
+          </a:fontRef>
+        </p:style>
+        <p:txBody>
+          <a:bodyPr/>
+          <a:lstStyle/>
+          <a:p>
+            <a:pPr marL="0" marR="0" lvl="0" indent="0" algn="l" defTabSz="457200" rtl="0" eaLnBrk="1" fontAlgn="auto" latinLnBrk="0" hangingPunct="1">
+              <a:lnSpc>
+                <a:spcPct val="100000"/>
+              </a:lnSpc>
+              <a:spcBef>
+                <a:spcPts val="0"/>
+              </a:spcBef>
+              <a:spcAft>
+                <a:spcPts val="0"/>
+              </a:spcAft>
+              <a:buClrTx/>
+              <a:buSzTx/>
+              <a:buFontTx/>
+              <a:buNone/>
+              <a:tabLst/>
+              <a:defRPr/>
+            </a:pPr>
+            <a:endParaRPr kumimoji="0" lang="en-US" sz="1800" b="0" i="0" u="none" strike="noStrike" kern="1200" cap="none" spc="0" normalizeH="0" baseline="0" noProof="0">
+              <a:ln>
+                <a:noFill/>
+              </a:ln>
+              <a:solidFill>
+                <a:srgbClr val="FFFFFF"/>
+              </a:solidFill>
+              <a:effectLst/>
+              <a:uLnTx/>
+              <a:uFillTx/>
+              <a:latin typeface="Calibri"/>
+              <a:ea typeface="+mn-ea"/>
+              <a:cs typeface="+mn-cs"/>
+            </a:endParaRPr>
           </a:p>
         </p:txBody>
       </p:sp>
     </p:spTree>
     <p:extLst>
       <p:ext uri="{BB962C8B-B14F-4D97-AF65-F5344CB8AC3E}">
-        <p14:creationId xmlns:p14="http://schemas.microsoft.com/office/powerpoint/2010/main" val="4203810979"/>
+        <p14:creationId xmlns:p14="http://schemas.microsoft.com/office/powerpoint/2010/main" val="2778497478"/>
       </p:ext>
     </p:extLst>
   </p:cSld>
@@ -13035,7 +13055,13 @@
   <p:cSld>
     <p:spTree>
       <p:nvGrpSpPr>
-        <p:cNvPr id="1" name=""/>
+        <p:cNvPr id="1" name="">
+          <a:extLst>
+            <a:ext uri="{FF2B5EF4-FFF2-40B4-BE49-F238E27FC236}">
+              <a16:creationId xmlns:a16="http://schemas.microsoft.com/office/drawing/2014/main" id="{86E4F858-AF1D-8F97-8822-33EF92A839D2}"/>
+            </a:ext>
+          </a:extLst>
+        </p:cNvPr>
         <p:cNvGrpSpPr/>
         <p:nvPr/>
       </p:nvGrpSpPr>
@@ -13052,7 +13078,7 @@
           <p:cNvPr id="2" name="Title 1">
             <a:extLst>
               <a:ext uri="{FF2B5EF4-FFF2-40B4-BE49-F238E27FC236}">
-                <a16:creationId xmlns:a16="http://schemas.microsoft.com/office/drawing/2014/main" id="{6B03AAA5-60FF-E775-2453-ECF6A8E0C959}"/>
+                <a16:creationId xmlns:a16="http://schemas.microsoft.com/office/drawing/2014/main" id="{DAD75043-D212-3471-4DB7-D02201854E6E}"/>
               </a:ext>
             </a:extLst>
           </p:cNvPr>
@@ -13063,50 +13089,134 @@
             <p:ph type="title"/>
           </p:nvPr>
         </p:nvSpPr>
-        <p:spPr/>
-        <p:txBody>
-          <a:bodyPr/>
-          <a:lstStyle/>
-          <a:p>
-            <a:endParaRPr lang="en-US"/>
-          </a:p>
-        </p:txBody>
-      </p:sp>
-      <p:sp>
-        <p:nvSpPr>
-          <p:cNvPr id="3" name="Content Placeholder 2">
-            <a:extLst>
-              <a:ext uri="{FF2B5EF4-FFF2-40B4-BE49-F238E27FC236}">
-                <a16:creationId xmlns:a16="http://schemas.microsoft.com/office/drawing/2014/main" id="{2F808057-8A25-9D6B-E2A1-899A0083B76C}"/>
-              </a:ext>
-            </a:extLst>
-          </p:cNvPr>
-          <p:cNvSpPr>
-            <a:spLocks noGrp="1"/>
-          </p:cNvSpPr>
-          <p:nvPr>
-            <p:ph idx="1"/>
-          </p:nvPr>
-        </p:nvSpPr>
-        <p:spPr/>
-        <p:txBody>
-          <a:bodyPr/>
-          <a:lstStyle/>
-          <a:p>
-            <a:endParaRPr lang="en-US"/>
+        <p:spPr>
+          <a:xfrm>
+            <a:off x="1893715" y="708498"/>
+            <a:ext cx="9691733" cy="3330055"/>
+          </a:xfrm>
+        </p:spPr>
+        <p:txBody>
+          <a:bodyPr vert="horz" lIns="91440" tIns="45720" rIns="91440" bIns="45720" rtlCol="0" anchor="ctr">
+            <a:normAutofit/>
+          </a:bodyPr>
+          <a:lstStyle/>
+          <a:p>
+            <a:r>
+              <a:rPr lang="en-US" sz="6000" b="0" kern="1200" cap="all" dirty="0">
+                <a:solidFill>
+                  <a:srgbClr val="FFFFFF"/>
+                </a:solidFill>
+                <a:latin typeface="+mj-lt"/>
+                <a:ea typeface="+mj-ea"/>
+                <a:cs typeface="+mj-cs"/>
+              </a:rPr>
+              <a:t>2.1.3 confidence interval</a:t>
+            </a:r>
           </a:p>
         </p:txBody>
       </p:sp>
     </p:spTree>
     <p:extLst>
       <p:ext uri="{BB962C8B-B14F-4D97-AF65-F5344CB8AC3E}">
-        <p14:creationId xmlns:p14="http://schemas.microsoft.com/office/powerpoint/2010/main" val="2396917302"/>
+        <p14:creationId xmlns:p14="http://schemas.microsoft.com/office/powerpoint/2010/main" val="4203810979"/>
       </p:ext>
     </p:extLst>
   </p:cSld>
   <p:clrMapOvr>
     <a:masterClrMapping/>
   </p:clrMapOvr>
+  <p:timing>
+    <p:tnLst>
+      <p:par>
+        <p:cTn id="1" dur="indefinite" restart="never" nodeType="tmRoot">
+          <p:childTnLst>
+            <p:seq concurrent="1" nextAc="seek">
+              <p:cTn id="2" dur="indefinite" nodeType="mainSeq">
+                <p:childTnLst>
+                  <p:par>
+                    <p:cTn id="3" fill="hold">
+                      <p:stCondLst>
+                        <p:cond delay="indefinite"/>
+                        <p:cond evt="onBegin" delay="0">
+                          <p:tn val="2"/>
+                        </p:cond>
+                      </p:stCondLst>
+                      <p:childTnLst>
+                        <p:par>
+                          <p:cTn id="4" fill="hold">
+                            <p:stCondLst>
+                              <p:cond delay="0"/>
+                            </p:stCondLst>
+                            <p:childTnLst>
+                              <p:par>
+                                <p:cTn id="5" presetID="10" presetClass="entr" presetSubtype="0" fill="hold" grpId="0" nodeType="withEffect">
+                                  <p:stCondLst>
+                                    <p:cond delay="500"/>
+                                  </p:stCondLst>
+                                  <p:iterate type="wd">
+                                    <p:tmPct val="15000"/>
+                                  </p:iterate>
+                                  <p:childTnLst>
+                                    <p:set>
+                                      <p:cBhvr>
+                                        <p:cTn id="6" dur="1" fill="hold">
+                                          <p:stCondLst>
+                                            <p:cond delay="0"/>
+                                          </p:stCondLst>
+                                        </p:cTn>
+                                        <p:tgtEl>
+                                          <p:spTgt spid="2"/>
+                                        </p:tgtEl>
+                                        <p:attrNameLst>
+                                          <p:attrName>style.visibility</p:attrName>
+                                        </p:attrNameLst>
+                                      </p:cBhvr>
+                                      <p:to>
+                                        <p:strVal val="visible"/>
+                                      </p:to>
+                                    </p:set>
+                                    <p:animEffect transition="in" filter="fade">
+                                      <p:cBhvr>
+                                        <p:cTn id="7" dur="1000"/>
+                                        <p:tgtEl>
+                                          <p:spTgt spid="2"/>
+                                        </p:tgtEl>
+                                      </p:cBhvr>
+                                    </p:animEffect>
+                                  </p:childTnLst>
+                                </p:cTn>
+                              </p:par>
+                            </p:childTnLst>
+                          </p:cTn>
+                        </p:par>
+                      </p:childTnLst>
+                    </p:cTn>
+                  </p:par>
+                </p:childTnLst>
+              </p:cTn>
+              <p:prevCondLst>
+                <p:cond evt="onPrev" delay="0">
+                  <p:tgtEl>
+                    <p:sldTgt/>
+                  </p:tgtEl>
+                </p:cond>
+              </p:prevCondLst>
+              <p:nextCondLst>
+                <p:cond evt="onNext" delay="0">
+                  <p:tgtEl>
+                    <p:sldTgt/>
+                  </p:tgtEl>
+                </p:cond>
+              </p:nextCondLst>
+            </p:seq>
+          </p:childTnLst>
+        </p:cTn>
+      </p:par>
+    </p:tnLst>
+    <p:bldLst>
+      <p:bldP spid="2" grpId="0"/>
+    </p:bldLst>
+  </p:timing>
 </p:sld>
 </file>
 

--- a/docs/Lectures/Week04/Week04_BivariateRegression.pptx
+++ b/docs/Lectures/Week04/Week04_BivariateRegression.pptx
@@ -6,7 +6,7 @@
     <p:sldMasterId id="2147483686" r:id="rId2"/>
   </p:sldMasterIdLst>
   <p:notesMasterIdLst>
-    <p:notesMasterId r:id="rId28"/>
+    <p:notesMasterId r:id="rId34"/>
   </p:notesMasterIdLst>
   <p:sldIdLst>
     <p:sldId id="256" r:id="rId3"/>
@@ -31,9 +31,15 @@
     <p:sldId id="873" r:id="rId22"/>
     <p:sldId id="871" r:id="rId23"/>
     <p:sldId id="874" r:id="rId24"/>
-    <p:sldId id="870" r:id="rId25"/>
-    <p:sldId id="869" r:id="rId26"/>
-    <p:sldId id="265" r:id="rId27"/>
+    <p:sldId id="875" r:id="rId25"/>
+    <p:sldId id="876" r:id="rId26"/>
+    <p:sldId id="877" r:id="rId27"/>
+    <p:sldId id="878" r:id="rId28"/>
+    <p:sldId id="879" r:id="rId29"/>
+    <p:sldId id="880" r:id="rId30"/>
+    <p:sldId id="870" r:id="rId31"/>
+    <p:sldId id="869" r:id="rId32"/>
+    <p:sldId id="265" r:id="rId33"/>
   </p:sldIdLst>
   <p:sldSz cx="12192000" cy="6858000"/>
   <p:notesSz cx="6858000" cy="9144000"/>
@@ -8757,13 +8763,7 @@
                       <a:rPr lang="en-US" sz="2800" b="0" i="1" smtClean="0">
                         <a:latin typeface="Cambria Math" panose="02040503050406030204" pitchFamily="18" charset="0"/>
                       </a:rPr>
-                      <m:t>=</m:t>
-                    </m:r>
-                    <m:r>
-                      <a:rPr lang="en-US" sz="2800" b="0" i="1" smtClean="0">
-                        <a:latin typeface="Cambria Math" panose="02040503050406030204" pitchFamily="18" charset="0"/>
-                      </a:rPr>
-                      <m:t>0</m:t>
+                      <m:t>=0</m:t>
                     </m:r>
                   </m:oMath>
                 </a14:m>
@@ -11658,8 +11658,8 @@
           </a:prstGeom>
         </p:spPr>
       </p:pic>
-      <mc:AlternateContent xmlns:mc="http://schemas.openxmlformats.org/markup-compatibility/2006">
-        <mc:Choice xmlns:a14="http://schemas.microsoft.com/office/drawing/2010/main" Requires="a14">
+      <mc:AlternateContent xmlns:mc="http://schemas.openxmlformats.org/markup-compatibility/2006" xmlns:a14="http://schemas.microsoft.com/office/drawing/2010/main">
+        <mc:Choice Requires="a14">
           <p:sp>
             <p:nvSpPr>
               <p:cNvPr id="6" name="TextBox 5">
@@ -12200,13 +12200,7 @@
                                   <a:rPr lang="en-US" b="0" i="1" smtClean="0">
                                     <a:latin typeface="Cambria Math" panose="02040503050406030204" pitchFamily="18" charset="0"/>
                                   </a:rPr>
-                                  <m:t> </m:t>
-                                </m:r>
-                                <m:r>
-                                  <a:rPr lang="en-US" b="0" i="1" smtClean="0">
-                                    <a:latin typeface="Cambria Math" panose="02040503050406030204" pitchFamily="18" charset="0"/>
-                                  </a:rPr>
-                                  <m:t> </m:t>
+                                  <m:t>  </m:t>
                                 </m:r>
                               </m:e>
                             </m:d>
@@ -12281,7 +12275,7 @@
             </p:txBody>
           </p:sp>
         </mc:Choice>
-        <mc:Fallback>
+        <mc:Fallback xmlns="">
           <p:sp>
             <p:nvSpPr>
               <p:cNvPr id="6" name="TextBox 5">
@@ -12389,8 +12383,8 @@
           </a:p>
         </p:txBody>
       </p:sp>
-      <mc:AlternateContent xmlns:mc="http://schemas.openxmlformats.org/markup-compatibility/2006">
-        <mc:Choice xmlns:a14="http://schemas.microsoft.com/office/drawing/2010/main" Requires="a14">
+      <mc:AlternateContent xmlns:mc="http://schemas.openxmlformats.org/markup-compatibility/2006" xmlns:a14="http://schemas.microsoft.com/office/drawing/2010/main">
+        <mc:Choice Requires="a14">
           <p:sp>
             <p:nvSpPr>
               <p:cNvPr id="3" name="Content Placeholder 2">
@@ -12431,7 +12425,9 @@
                     <m:sSub>
                       <m:sSubPr>
                         <m:ctrlPr>
-                          <a:rPr lang="en-US" sz="2400" b="0" smtClean="0"/>
+                          <a:rPr lang="en-US" sz="2400" b="0" i="1" smtClean="0">
+                            <a:latin typeface="Cambria Math" panose="02040503050406030204" pitchFamily="18" charset="0"/>
+                          </a:rPr>
                         </m:ctrlPr>
                       </m:sSubPr>
                       <m:e>
@@ -12439,13 +12435,17 @@
                           <m:rPr>
                             <m:sty m:val="p"/>
                           </m:rPr>
-                          <a:rPr lang="en-US" sz="2400" b="0" i="0" smtClean="0"/>
+                          <a:rPr lang="en-US" sz="2400" b="0" i="0" smtClean="0">
+                            <a:latin typeface="Cambria Math" panose="02040503050406030204" pitchFamily="18" charset="0"/>
+                          </a:rPr>
                           <m:t>b</m:t>
                         </m:r>
                       </m:e>
                       <m:sub>
                         <m:r>
-                          <a:rPr lang="en-US" sz="2400" b="0" i="0" smtClean="0"/>
+                          <a:rPr lang="en-US" sz="2400" b="0" i="0" smtClean="0">
+                            <a:latin typeface="Cambria Math" panose="02040503050406030204" pitchFamily="18" charset="0"/>
+                          </a:rPr>
                           <m:t>0</m:t>
                         </m:r>
                       </m:sub>
@@ -12461,7 +12461,9 @@
                     <m:sSub>
                       <m:sSubPr>
                         <m:ctrlPr>
-                          <a:rPr lang="en-US" sz="2400" b="0" smtClean="0"/>
+                          <a:rPr lang="en-US" sz="2400" b="0" i="1" smtClean="0">
+                            <a:latin typeface="Cambria Math" panose="02040503050406030204" pitchFamily="18" charset="0"/>
+                          </a:rPr>
                         </m:ctrlPr>
                       </m:sSubPr>
                       <m:e>
@@ -12469,13 +12471,17 @@
                           <m:rPr>
                             <m:sty m:val="p"/>
                           </m:rPr>
-                          <a:rPr lang="en-US" sz="2400" b="0" i="0" smtClean="0"/>
+                          <a:rPr lang="en-US" sz="2400" b="0" i="0" smtClean="0">
+                            <a:latin typeface="Cambria Math" panose="02040503050406030204" pitchFamily="18" charset="0"/>
+                          </a:rPr>
                           <m:t>b</m:t>
                         </m:r>
                       </m:e>
                       <m:sub>
                         <m:r>
-                          <a:rPr lang="en-US" sz="2400" b="0" i="0" smtClean="0"/>
+                          <a:rPr lang="en-US" sz="2400" b="0" i="0" smtClean="0">
+                            <a:latin typeface="Cambria Math" panose="02040503050406030204" pitchFamily="18" charset="0"/>
+                          </a:rPr>
                           <m:t>1</m:t>
                         </m:r>
                       </m:sub>
@@ -13033,7 +13039,13 @@
                                 <a:rPr lang="en-US" i="1">
                                   <a:latin typeface="Cambria Math" panose="02040503050406030204" pitchFamily="18" charset="0"/>
                                 </a:rPr>
-                                <m:t>=1</m:t>
+                                <m:t>=</m:t>
+                              </m:r>
+                              <m:r>
+                                <a:rPr lang="en-US" i="1">
+                                  <a:latin typeface="Cambria Math" panose="02040503050406030204" pitchFamily="18" charset="0"/>
+                                </a:rPr>
+                                <m:t>1</m:t>
                               </m:r>
                             </m:sub>
                             <m:sup>
@@ -13436,7 +13448,7 @@
             </p:txBody>
           </p:sp>
         </mc:Choice>
-        <mc:Fallback>
+        <mc:Fallback xmlns="">
           <p:sp>
             <p:nvSpPr>
               <p:cNvPr id="3" name="Content Placeholder 2">
@@ -13510,8 +13522,8 @@
           <a:chExt cx="0" cy="0"/>
         </a:xfrm>
       </p:grpSpPr>
-      <mc:AlternateContent xmlns:mc="http://schemas.openxmlformats.org/markup-compatibility/2006">
-        <mc:Choice xmlns:a14="http://schemas.microsoft.com/office/drawing/2010/main" Requires="a14">
+      <mc:AlternateContent xmlns:mc="http://schemas.openxmlformats.org/markup-compatibility/2006" xmlns:a14="http://schemas.microsoft.com/office/drawing/2010/main">
+        <mc:Choice Requires="a14">
           <p:sp>
             <p:nvSpPr>
               <p:cNvPr id="2" name="Title 1">
@@ -13609,7 +13621,7 @@
             </p:txBody>
           </p:sp>
         </mc:Choice>
-        <mc:Fallback>
+        <mc:Fallback xmlns="">
           <p:sp>
             <p:nvSpPr>
               <p:cNvPr id="2" name="Title 1">
@@ -13682,8 +13694,8 @@
           </a:xfrm>
         </p:spPr>
       </p:pic>
-      <mc:AlternateContent xmlns:mc="http://schemas.openxmlformats.org/markup-compatibility/2006">
-        <mc:Choice xmlns:a14="http://schemas.microsoft.com/office/drawing/2010/main" Requires="a14">
+      <mc:AlternateContent xmlns:mc="http://schemas.openxmlformats.org/markup-compatibility/2006" xmlns:a14="http://schemas.microsoft.com/office/drawing/2010/main">
+        <mc:Choice Requires="a14">
           <p:sp>
             <p:nvSpPr>
               <p:cNvPr id="6" name="TextBox 5">
@@ -13712,6 +13724,7 @@
               </a:bodyPr>
               <a:lstStyle/>
               <a:p>
+                <a:pPr/>
                 <a14:m>
                   <m:oMathPara xmlns:m="http://schemas.openxmlformats.org/officeDocument/2006/math">
                     <m:oMathParaPr>
@@ -13747,7 +13760,31 @@
                         <a:rPr lang="en-US" b="0" i="1" smtClean="0">
                           <a:latin typeface="Cambria Math" panose="02040503050406030204" pitchFamily="18" charset="0"/>
                         </a:rPr>
-                        <m:t>=7.03, </m:t>
+                        <m:t>=</m:t>
+                      </m:r>
+                      <m:r>
+                        <a:rPr lang="en-US" b="0" i="1" smtClean="0">
+                          <a:latin typeface="Cambria Math" panose="02040503050406030204" pitchFamily="18" charset="0"/>
+                        </a:rPr>
+                        <m:t>7</m:t>
+                      </m:r>
+                      <m:r>
+                        <a:rPr lang="en-US" b="0" i="1" smtClean="0">
+                          <a:latin typeface="Cambria Math" panose="02040503050406030204" pitchFamily="18" charset="0"/>
+                        </a:rPr>
+                        <m:t>.</m:t>
+                      </m:r>
+                      <m:r>
+                        <a:rPr lang="en-US" b="0" i="1" smtClean="0">
+                          <a:latin typeface="Cambria Math" panose="02040503050406030204" pitchFamily="18" charset="0"/>
+                        </a:rPr>
+                        <m:t>03</m:t>
+                      </m:r>
+                      <m:r>
+                        <a:rPr lang="en-US" b="0" i="1" smtClean="0">
+                          <a:latin typeface="Cambria Math" panose="02040503050406030204" pitchFamily="18" charset="0"/>
+                        </a:rPr>
+                        <m:t>, </m:t>
                       </m:r>
                       <m:sSub>
                         <m:sSubPr>
@@ -13778,7 +13815,25 @@
                         <a:rPr lang="en-US" b="0" i="1" smtClean="0">
                           <a:latin typeface="Cambria Math" panose="02040503050406030204" pitchFamily="18" charset="0"/>
                         </a:rPr>
-                        <m:t>=0.0475</m:t>
+                        <m:t>=</m:t>
+                      </m:r>
+                      <m:r>
+                        <a:rPr lang="en-US" b="0" i="1" smtClean="0">
+                          <a:latin typeface="Cambria Math" panose="02040503050406030204" pitchFamily="18" charset="0"/>
+                        </a:rPr>
+                        <m:t>0</m:t>
+                      </m:r>
+                      <m:r>
+                        <a:rPr lang="en-US" b="0" i="1" smtClean="0">
+                          <a:latin typeface="Cambria Math" panose="02040503050406030204" pitchFamily="18" charset="0"/>
+                        </a:rPr>
+                        <m:t>.</m:t>
+                      </m:r>
+                      <m:r>
+                        <a:rPr lang="en-US" b="0" i="1" smtClean="0">
+                          <a:latin typeface="Cambria Math" panose="02040503050406030204" pitchFamily="18" charset="0"/>
+                        </a:rPr>
+                        <m:t>0475</m:t>
                       </m:r>
                     </m:oMath>
                   </m:oMathPara>
@@ -13788,7 +13843,7 @@
             </p:txBody>
           </p:sp>
         </mc:Choice>
-        <mc:Fallback>
+        <mc:Fallback xmlns="">
           <p:sp>
             <p:nvSpPr>
               <p:cNvPr id="6" name="TextBox 5">
@@ -15433,8 +15488,8 @@
           </a:p>
         </p:txBody>
       </p:sp>
-      <mc:AlternateContent xmlns:mc="http://schemas.openxmlformats.org/markup-compatibility/2006">
-        <mc:Choice xmlns:a14="http://schemas.microsoft.com/office/drawing/2010/main" Requires="a14">
+      <mc:AlternateContent xmlns:mc="http://schemas.openxmlformats.org/markup-compatibility/2006" xmlns:a14="http://schemas.microsoft.com/office/drawing/2010/main">
+        <mc:Choice Requires="a14">
           <p:sp>
             <p:nvSpPr>
               <p:cNvPr id="2" name="Title 1">
@@ -15585,7 +15640,7 @@
             </p:txBody>
           </p:sp>
         </mc:Choice>
-        <mc:Fallback>
+        <mc:Fallback xmlns="">
           <p:sp>
             <p:nvSpPr>
               <p:cNvPr id="2" name="Title 1">
@@ -15844,8 +15899,8 @@
           <a:chExt cx="0" cy="0"/>
         </a:xfrm>
       </p:grpSpPr>
-      <mc:AlternateContent xmlns:mc="http://schemas.openxmlformats.org/markup-compatibility/2006">
-        <mc:Choice xmlns:a14="http://schemas.microsoft.com/office/drawing/2010/main" Requires="a14">
+      <mc:AlternateContent xmlns:mc="http://schemas.openxmlformats.org/markup-compatibility/2006" xmlns:a14="http://schemas.microsoft.com/office/drawing/2010/main">
+        <mc:Choice Requires="a14">
           <p:sp>
             <p:nvSpPr>
               <p:cNvPr id="3" name="Content Placeholder 2">
@@ -15886,18 +15941,24 @@
                     <m:sSub>
                       <m:sSubPr>
                         <m:ctrlPr>
-                          <a:rPr lang="en-US" sz="2400" b="0" i="1" smtClean="0"/>
+                          <a:rPr lang="en-US" sz="2400" b="0" i="1" smtClean="0">
+                            <a:latin typeface="Cambria Math" panose="02040503050406030204" pitchFamily="18" charset="0"/>
+                          </a:rPr>
                         </m:ctrlPr>
                       </m:sSubPr>
                       <m:e>
                         <m:r>
-                          <a:rPr lang="en-US" sz="2400" b="0" i="1" smtClean="0"/>
+                          <a:rPr lang="en-US" sz="2400" b="0" i="1" smtClean="0">
+                            <a:latin typeface="Cambria Math" panose="02040503050406030204" pitchFamily="18" charset="0"/>
+                          </a:rPr>
                           <m:t>𝑏</m:t>
                         </m:r>
                       </m:e>
                       <m:sub>
                         <m:r>
-                          <a:rPr lang="en-US" sz="2400" b="0" i="1" smtClean="0"/>
+                          <a:rPr lang="en-US" sz="2400" b="0" i="1" smtClean="0">
+                            <a:latin typeface="Cambria Math" panose="02040503050406030204" pitchFamily="18" charset="0"/>
+                          </a:rPr>
                           <m:t>0</m:t>
                         </m:r>
                       </m:sub>
@@ -15913,18 +15974,24 @@
                     <m:sSub>
                       <m:sSubPr>
                         <m:ctrlPr>
-                          <a:rPr lang="en-US" sz="2400" b="0" i="1" smtClean="0"/>
+                          <a:rPr lang="en-US" sz="2400" b="0" i="1" smtClean="0">
+                            <a:latin typeface="Cambria Math" panose="02040503050406030204" pitchFamily="18" charset="0"/>
+                          </a:rPr>
                         </m:ctrlPr>
                       </m:sSubPr>
                       <m:e>
                         <m:r>
-                          <a:rPr lang="en-US" sz="2400" b="0" i="1" smtClean="0"/>
+                          <a:rPr lang="en-US" sz="2400" b="0" i="1" smtClean="0">
+                            <a:latin typeface="Cambria Math" panose="02040503050406030204" pitchFamily="18" charset="0"/>
+                          </a:rPr>
                           <m:t>𝑏</m:t>
                         </m:r>
                       </m:e>
                       <m:sub>
                         <m:r>
-                          <a:rPr lang="en-US" sz="2400" b="0" i="1" smtClean="0"/>
+                          <a:rPr lang="en-US" sz="2400" b="0" i="1" smtClean="0">
+                            <a:latin typeface="Cambria Math" panose="02040503050406030204" pitchFamily="18" charset="0"/>
+                          </a:rPr>
                           <m:t>1</m:t>
                         </m:r>
                       </m:sub>
@@ -15939,7 +16006,7 @@
             </p:txBody>
           </p:sp>
         </mc:Choice>
-        <mc:Fallback>
+        <mc:Fallback xmlns="">
           <p:sp>
             <p:nvSpPr>
               <p:cNvPr id="3" name="Content Placeholder 2">
@@ -16089,6 +16156,155 @@
           </a:p>
         </p:txBody>
       </p:sp>
+      <mc:AlternateContent xmlns:mc="http://schemas.openxmlformats.org/markup-compatibility/2006">
+        <mc:Choice xmlns:a14="http://schemas.microsoft.com/office/drawing/2010/main" Requires="a14">
+          <p:sp>
+            <p:nvSpPr>
+              <p:cNvPr id="2" name="TextBox 1">
+                <a:extLst>
+                  <a:ext uri="{FF2B5EF4-FFF2-40B4-BE49-F238E27FC236}">
+                    <a16:creationId xmlns:a16="http://schemas.microsoft.com/office/drawing/2014/main" id="{F790F3CC-5FA2-FF24-A2B9-1504C3557C6E}"/>
+                  </a:ext>
+                </a:extLst>
+              </p:cNvPr>
+              <p:cNvSpPr txBox="1"/>
+              <p:nvPr/>
+            </p:nvSpPr>
+            <p:spPr>
+              <a:xfrm>
+                <a:off x="8499912" y="3062514"/>
+                <a:ext cx="3110895" cy="646331"/>
+              </a:xfrm>
+              <a:prstGeom prst="rect">
+                <a:avLst/>
+              </a:prstGeom>
+              <a:noFill/>
+            </p:spPr>
+            <p:txBody>
+              <a:bodyPr wrap="square" rtlCol="0">
+                <a:spAutoFit/>
+              </a:bodyPr>
+              <a:lstStyle/>
+              <a:p>
+                <a:r>
+                  <a:rPr lang="en-US" dirty="0"/>
+                  <a:t>How accuracy of the </a:t>
+                </a:r>
+                <a14:m>
+                  <m:oMath xmlns:m="http://schemas.openxmlformats.org/officeDocument/2006/math">
+                    <m:sSub>
+                      <m:sSubPr>
+                        <m:ctrlPr>
+                          <a:rPr lang="en-US" b="0" i="1" smtClean="0">
+                            <a:latin typeface="Cambria Math" panose="02040503050406030204" pitchFamily="18" charset="0"/>
+                          </a:rPr>
+                        </m:ctrlPr>
+                      </m:sSubPr>
+                      <m:e>
+                        <m:r>
+                          <a:rPr lang="en-US" b="0" i="1" smtClean="0">
+                            <a:latin typeface="Cambria Math" panose="02040503050406030204" pitchFamily="18" charset="0"/>
+                          </a:rPr>
+                          <m:t>𝑏</m:t>
+                        </m:r>
+                      </m:e>
+                      <m:sub>
+                        <m:r>
+                          <a:rPr lang="en-US" b="0" i="1" smtClean="0">
+                            <a:latin typeface="Cambria Math" panose="02040503050406030204" pitchFamily="18" charset="0"/>
+                          </a:rPr>
+                          <m:t>0</m:t>
+                        </m:r>
+                      </m:sub>
+                    </m:sSub>
+                  </m:oMath>
+                </a14:m>
+                <a:r>
+                  <a:rPr lang="en-US" dirty="0"/>
+                  <a:t> and </a:t>
+                </a:r>
+                <a14:m>
+                  <m:oMath xmlns:m="http://schemas.openxmlformats.org/officeDocument/2006/math">
+                    <m:sSub>
+                      <m:sSubPr>
+                        <m:ctrlPr>
+                          <a:rPr lang="en-US" b="0" i="1" smtClean="0">
+                            <a:latin typeface="Cambria Math" panose="02040503050406030204" pitchFamily="18" charset="0"/>
+                          </a:rPr>
+                        </m:ctrlPr>
+                      </m:sSubPr>
+                      <m:e>
+                        <m:r>
+                          <a:rPr lang="en-US" b="0" i="1" smtClean="0">
+                            <a:latin typeface="Cambria Math" panose="02040503050406030204" pitchFamily="18" charset="0"/>
+                          </a:rPr>
+                          <m:t>𝑏</m:t>
+                        </m:r>
+                      </m:e>
+                      <m:sub>
+                        <m:r>
+                          <a:rPr lang="en-US" b="0" i="1" smtClean="0">
+                            <a:latin typeface="Cambria Math" panose="02040503050406030204" pitchFamily="18" charset="0"/>
+                          </a:rPr>
+                          <m:t>1</m:t>
+                        </m:r>
+                      </m:sub>
+                    </m:sSub>
+                  </m:oMath>
+                </a14:m>
+                <a:r>
+                  <a:rPr lang="en-US" dirty="0"/>
+                  <a:t> ?</a:t>
+                </a:r>
+              </a:p>
+            </p:txBody>
+          </p:sp>
+        </mc:Choice>
+        <mc:Fallback>
+          <p:sp>
+            <p:nvSpPr>
+              <p:cNvPr id="2" name="TextBox 1">
+                <a:extLst>
+                  <a:ext uri="{FF2B5EF4-FFF2-40B4-BE49-F238E27FC236}">
+                    <a16:creationId xmlns:a16="http://schemas.microsoft.com/office/drawing/2014/main" id="{F790F3CC-5FA2-FF24-A2B9-1504C3557C6E}"/>
+                  </a:ext>
+                </a:extLst>
+              </p:cNvPr>
+              <p:cNvSpPr txBox="1">
+                <a:spLocks noRot="1" noChangeAspect="1" noMove="1" noResize="1" noEditPoints="1" noAdjustHandles="1" noChangeArrowheads="1" noChangeShapeType="1" noTextEdit="1"/>
+              </p:cNvSpPr>
+              <p:nvPr/>
+            </p:nvSpPr>
+            <p:spPr>
+              <a:xfrm>
+                <a:off x="8499912" y="3062514"/>
+                <a:ext cx="3110895" cy="646331"/>
+              </a:xfrm>
+              <a:prstGeom prst="rect">
+                <a:avLst/>
+              </a:prstGeom>
+              <a:blipFill>
+                <a:blip r:embed="rId4"/>
+                <a:stretch>
+                  <a:fillRect l="-1566" t="-4717" r="-978" b="-14151"/>
+                </a:stretch>
+              </a:blipFill>
+            </p:spPr>
+            <p:txBody>
+              <a:bodyPr/>
+              <a:lstStyle/>
+              <a:p>
+                <a:r>
+                  <a:rPr lang="en-US">
+                    <a:noFill/>
+                  </a:rPr>
+                  <a:t> </a:t>
+                </a:r>
+              </a:p>
+            </p:txBody>
+          </p:sp>
+        </mc:Fallback>
+      </mc:AlternateContent>
     </p:spTree>
     <p:extLst>
       <p:ext uri="{BB962C8B-B14F-4D97-AF65-F5344CB8AC3E}">
@@ -16135,12 +16351,794 @@
             <p:ph type="title"/>
           </p:nvPr>
         </p:nvSpPr>
+        <p:spPr>
+          <a:xfrm>
+            <a:off x="581192" y="702156"/>
+            <a:ext cx="11029616" cy="570263"/>
+          </a:xfrm>
+        </p:spPr>
+        <p:txBody>
+          <a:bodyPr>
+            <a:normAutofit/>
+          </a:bodyPr>
+          <a:lstStyle/>
+          <a:p>
+            <a:r>
+              <a:rPr lang="en-US" dirty="0"/>
+              <a:t>Standard error</a:t>
+            </a:r>
+          </a:p>
+        </p:txBody>
+      </p:sp>
+      <mc:AlternateContent xmlns:mc="http://schemas.openxmlformats.org/markup-compatibility/2006">
+        <mc:Choice xmlns:a14="http://schemas.microsoft.com/office/drawing/2010/main" Requires="a14">
+          <p:sp>
+            <p:nvSpPr>
+              <p:cNvPr id="3" name="Content Placeholder 2">
+                <a:extLst>
+                  <a:ext uri="{FF2B5EF4-FFF2-40B4-BE49-F238E27FC236}">
+                    <a16:creationId xmlns:a16="http://schemas.microsoft.com/office/drawing/2014/main" id="{44E5E5DD-701E-3402-BE42-7CB7EE817F0F}"/>
+                  </a:ext>
+                </a:extLst>
+              </p:cNvPr>
+              <p:cNvSpPr>
+                <a:spLocks noGrp="1"/>
+              </p:cNvSpPr>
+              <p:nvPr>
+                <p:ph idx="1"/>
+              </p:nvPr>
+            </p:nvSpPr>
+            <p:spPr>
+              <a:xfrm>
+                <a:off x="581192" y="1416787"/>
+                <a:ext cx="11029615" cy="2623022"/>
+              </a:xfrm>
+            </p:spPr>
+            <p:txBody>
+              <a:bodyPr>
+                <a:normAutofit/>
+              </a:bodyPr>
+              <a:lstStyle/>
+              <a:p>
+                <a:r>
+                  <a:rPr lang="en-US" sz="2400" dirty="0"/>
+                  <a:t>Standard error of </a:t>
+                </a:r>
+                <a14:m>
+                  <m:oMath xmlns:m="http://schemas.openxmlformats.org/officeDocument/2006/math">
+                    <m:sSub>
+                      <m:sSubPr>
+                        <m:ctrlPr>
+                          <a:rPr lang="en-US" sz="2400" b="0" i="1" smtClean="0">
+                            <a:latin typeface="Cambria Math" panose="02040503050406030204" pitchFamily="18" charset="0"/>
+                          </a:rPr>
+                        </m:ctrlPr>
+                      </m:sSubPr>
+                      <m:e>
+                        <m:r>
+                          <a:rPr lang="en-US" sz="2400" b="0" i="1" smtClean="0">
+                            <a:latin typeface="Cambria Math" panose="02040503050406030204" pitchFamily="18" charset="0"/>
+                          </a:rPr>
+                          <m:t>𝑏</m:t>
+                        </m:r>
+                      </m:e>
+                      <m:sub>
+                        <m:r>
+                          <a:rPr lang="en-US" sz="2400" b="0" i="1" smtClean="0">
+                            <a:latin typeface="Cambria Math" panose="02040503050406030204" pitchFamily="18" charset="0"/>
+                          </a:rPr>
+                          <m:t>0</m:t>
+                        </m:r>
+                      </m:sub>
+                    </m:sSub>
+                  </m:oMath>
+                </a14:m>
+                <a:r>
+                  <a:rPr lang="en-US" sz="2400" dirty="0"/>
+                  <a:t> measure the uncertainty</a:t>
+                </a:r>
+              </a:p>
+              <a:p>
+                <a14:m>
+                  <m:oMath xmlns:m="http://schemas.openxmlformats.org/officeDocument/2006/math">
+                    <m:r>
+                      <a:rPr lang="en-US" sz="2400" b="0" i="1" smtClean="0">
+                        <a:latin typeface="Cambria Math" panose="02040503050406030204" pitchFamily="18" charset="0"/>
+                      </a:rPr>
+                      <m:t>𝑆𝐸</m:t>
+                    </m:r>
+                    <m:d>
+                      <m:dPr>
+                        <m:ctrlPr>
+                          <a:rPr lang="en-US" sz="2400" b="0" i="1" smtClean="0">
+                            <a:latin typeface="Cambria Math" panose="02040503050406030204" pitchFamily="18" charset="0"/>
+                          </a:rPr>
+                        </m:ctrlPr>
+                      </m:dPr>
+                      <m:e>
+                        <m:sSub>
+                          <m:sSubPr>
+                            <m:ctrlPr>
+                              <a:rPr lang="en-US" sz="2400" b="0" i="1" smtClean="0">
+                                <a:latin typeface="Cambria Math" panose="02040503050406030204" pitchFamily="18" charset="0"/>
+                              </a:rPr>
+                            </m:ctrlPr>
+                          </m:sSubPr>
+                          <m:e>
+                            <m:r>
+                              <a:rPr lang="en-US" sz="2400" b="0" i="1" smtClean="0">
+                                <a:latin typeface="Cambria Math" panose="02040503050406030204" pitchFamily="18" charset="0"/>
+                              </a:rPr>
+                              <m:t>𝑏</m:t>
+                            </m:r>
+                          </m:e>
+                          <m:sub>
+                            <m:r>
+                              <a:rPr lang="en-US" sz="2400" b="0" i="1" smtClean="0">
+                                <a:latin typeface="Cambria Math" panose="02040503050406030204" pitchFamily="18" charset="0"/>
+                              </a:rPr>
+                              <m:t>0</m:t>
+                            </m:r>
+                          </m:sub>
+                        </m:sSub>
+                      </m:e>
+                    </m:d>
+                    <m:r>
+                      <a:rPr lang="en-US" sz="2400" b="0" i="1" smtClean="0">
+                        <a:latin typeface="Cambria Math" panose="02040503050406030204" pitchFamily="18" charset="0"/>
+                      </a:rPr>
+                      <m:t>= </m:t>
+                    </m:r>
+                  </m:oMath>
+                </a14:m>
+                <a:endParaRPr lang="en-US" sz="2400" dirty="0"/>
+              </a:p>
+              <a:p>
+                <a:r>
+                  <a:rPr lang="en-US" sz="2400" dirty="0"/>
+                  <a:t>Standard error of </a:t>
+                </a:r>
+                <a14:m>
+                  <m:oMath xmlns:m="http://schemas.openxmlformats.org/officeDocument/2006/math">
+                    <m:sSub>
+                      <m:sSubPr>
+                        <m:ctrlPr>
+                          <a:rPr lang="en-US" sz="2400" b="0" i="1" smtClean="0">
+                            <a:latin typeface="Cambria Math" panose="02040503050406030204" pitchFamily="18" charset="0"/>
+                          </a:rPr>
+                        </m:ctrlPr>
+                      </m:sSubPr>
+                      <m:e>
+                        <m:r>
+                          <a:rPr lang="en-US" sz="2400" b="0" i="1" smtClean="0">
+                            <a:latin typeface="Cambria Math" panose="02040503050406030204" pitchFamily="18" charset="0"/>
+                          </a:rPr>
+                          <m:t>𝑏</m:t>
+                        </m:r>
+                      </m:e>
+                      <m:sub>
+                        <m:r>
+                          <a:rPr lang="en-US" sz="2400" b="0" i="1" smtClean="0">
+                            <a:latin typeface="Cambria Math" panose="02040503050406030204" pitchFamily="18" charset="0"/>
+                          </a:rPr>
+                          <m:t>1</m:t>
+                        </m:r>
+                      </m:sub>
+                    </m:sSub>
+                  </m:oMath>
+                </a14:m>
+                <a:r>
+                  <a:rPr lang="en-US" sz="2400" dirty="0"/>
+                  <a:t> </a:t>
+                </a:r>
+              </a:p>
+            </p:txBody>
+          </p:sp>
+        </mc:Choice>
+        <mc:Fallback>
+          <p:sp>
+            <p:nvSpPr>
+              <p:cNvPr id="3" name="Content Placeholder 2">
+                <a:extLst>
+                  <a:ext uri="{FF2B5EF4-FFF2-40B4-BE49-F238E27FC236}">
+                    <a16:creationId xmlns:a16="http://schemas.microsoft.com/office/drawing/2014/main" id="{44E5E5DD-701E-3402-BE42-7CB7EE817F0F}"/>
+                  </a:ext>
+                </a:extLst>
+              </p:cNvPr>
+              <p:cNvSpPr>
+                <a:spLocks noGrp="1" noRot="1" noChangeAspect="1" noMove="1" noResize="1" noEditPoints="1" noAdjustHandles="1" noChangeArrowheads="1" noChangeShapeType="1" noTextEdit="1"/>
+              </p:cNvSpPr>
+              <p:nvPr>
+                <p:ph idx="1"/>
+              </p:nvPr>
+            </p:nvSpPr>
+            <p:spPr>
+              <a:xfrm>
+                <a:off x="581192" y="1416787"/>
+                <a:ext cx="11029615" cy="2623022"/>
+              </a:xfrm>
+              <a:blipFill>
+                <a:blip r:embed="rId2"/>
+                <a:stretch>
+                  <a:fillRect l="-552"/>
+                </a:stretch>
+              </a:blipFill>
+            </p:spPr>
+            <p:txBody>
+              <a:bodyPr/>
+              <a:lstStyle/>
+              <a:p>
+                <a:r>
+                  <a:rPr lang="en-US">
+                    <a:noFill/>
+                  </a:rPr>
+                  <a:t> </a:t>
+                </a:r>
+              </a:p>
+            </p:txBody>
+          </p:sp>
+        </mc:Fallback>
+      </mc:AlternateContent>
+    </p:spTree>
+    <p:extLst>
+      <p:ext uri="{BB962C8B-B14F-4D97-AF65-F5344CB8AC3E}">
+        <p14:creationId xmlns:p14="http://schemas.microsoft.com/office/powerpoint/2010/main" val="247445492"/>
+      </p:ext>
+    </p:extLst>
+  </p:cSld>
+  <p:clrMapOvr>
+    <a:masterClrMapping/>
+  </p:clrMapOvr>
+</p:sld>
+</file>
+
+<file path=ppt/slides/slide23.xml><?xml version="1.0" encoding="utf-8"?>
+<p:sld xmlns:a="http://schemas.openxmlformats.org/drawingml/2006/main" xmlns:r="http://schemas.openxmlformats.org/officeDocument/2006/relationships" xmlns:p="http://schemas.openxmlformats.org/presentationml/2006/main">
+  <p:cSld>
+    <p:spTree>
+      <p:nvGrpSpPr>
+        <p:cNvPr id="1" name=""/>
+        <p:cNvGrpSpPr/>
+        <p:nvPr/>
+      </p:nvGrpSpPr>
+      <p:grpSpPr>
+        <a:xfrm>
+          <a:off x="0" y="0"/>
+          <a:ext cx="0" cy="0"/>
+          <a:chOff x="0" y="0"/>
+          <a:chExt cx="0" cy="0"/>
+        </a:xfrm>
+      </p:grpSpPr>
+      <p:pic>
+        <p:nvPicPr>
+          <p:cNvPr id="5" name="Content Placeholder 4">
+            <a:extLst>
+              <a:ext uri="{FF2B5EF4-FFF2-40B4-BE49-F238E27FC236}">
+                <a16:creationId xmlns:a16="http://schemas.microsoft.com/office/drawing/2014/main" id="{149AF00C-B33B-F62E-1C0C-7FC9F1938069}"/>
+              </a:ext>
+            </a:extLst>
+          </p:cNvPr>
+          <p:cNvPicPr>
+            <a:picLocks noGrp="1" noChangeAspect="1"/>
+          </p:cNvPicPr>
+          <p:nvPr>
+            <p:ph idx="1"/>
+          </p:nvPr>
+        </p:nvPicPr>
+        <p:blipFill>
+          <a:blip r:embed="rId2"/>
+          <a:stretch>
+            <a:fillRect/>
+          </a:stretch>
+        </p:blipFill>
+        <p:spPr>
+          <a:xfrm>
+            <a:off x="1967784" y="2120500"/>
+            <a:ext cx="8256431" cy="4340591"/>
+          </a:xfrm>
+        </p:spPr>
+      </p:pic>
+      <mc:AlternateContent xmlns:mc="http://schemas.openxmlformats.org/markup-compatibility/2006">
+        <mc:Choice xmlns:a14="http://schemas.microsoft.com/office/drawing/2010/main" Requires="a14">
+          <p:sp>
+            <p:nvSpPr>
+              <p:cNvPr id="7" name="Content Placeholder 2">
+                <a:extLst>
+                  <a:ext uri="{FF2B5EF4-FFF2-40B4-BE49-F238E27FC236}">
+                    <a16:creationId xmlns:a16="http://schemas.microsoft.com/office/drawing/2014/main" id="{C31BB266-307F-2692-2FF4-2B9B5017DFB8}"/>
+                  </a:ext>
+                </a:extLst>
+              </p:cNvPr>
+              <p:cNvSpPr txBox="1">
+                <a:spLocks/>
+              </p:cNvSpPr>
+              <p:nvPr/>
+            </p:nvSpPr>
+            <p:spPr>
+              <a:xfrm>
+                <a:off x="581192" y="707650"/>
+                <a:ext cx="11029615" cy="845637"/>
+              </a:xfrm>
+              <a:prstGeom prst="rect">
+                <a:avLst/>
+              </a:prstGeom>
+            </p:spPr>
+            <p:txBody>
+              <a:bodyPr vert="horz" lIns="91440" tIns="45720" rIns="91440" bIns="45720" rtlCol="0" anchor="ctr">
+                <a:normAutofit/>
+              </a:bodyPr>
+              <a:lstStyle>
+                <a:lvl1pPr marL="306000" indent="-306000" algn="l" defTabSz="457200" rtl="0" eaLnBrk="1" latinLnBrk="0" hangingPunct="1">
+                  <a:lnSpc>
+                    <a:spcPct val="100000"/>
+                  </a:lnSpc>
+                  <a:spcBef>
+                    <a:spcPct val="20000"/>
+                  </a:spcBef>
+                  <a:spcAft>
+                    <a:spcPts val="600"/>
+                  </a:spcAft>
+                  <a:buClr>
+                    <a:schemeClr val="accent1"/>
+                  </a:buClr>
+                  <a:buSzPct val="92000"/>
+                  <a:buFont typeface="Wingdings 2" panose="05020102010507070707" pitchFamily="18" charset="2"/>
+                  <a:buChar char=""/>
+                  <a:defRPr sz="1800" kern="1200">
+                    <a:solidFill>
+                      <a:schemeClr val="tx1">
+                        <a:lumMod val="75000"/>
+                        <a:lumOff val="25000"/>
+                      </a:schemeClr>
+                    </a:solidFill>
+                    <a:latin typeface="+mn-lt"/>
+                    <a:ea typeface="+mn-ea"/>
+                    <a:cs typeface="+mn-cs"/>
+                  </a:defRPr>
+                </a:lvl1pPr>
+                <a:lvl2pPr marL="630000" indent="-306000" algn="l" defTabSz="457200" rtl="0" eaLnBrk="1" latinLnBrk="0" hangingPunct="1">
+                  <a:lnSpc>
+                    <a:spcPct val="100000"/>
+                  </a:lnSpc>
+                  <a:spcBef>
+                    <a:spcPct val="20000"/>
+                  </a:spcBef>
+                  <a:spcAft>
+                    <a:spcPts val="600"/>
+                  </a:spcAft>
+                  <a:buClr>
+                    <a:schemeClr val="accent1"/>
+                  </a:buClr>
+                  <a:buSzPct val="92000"/>
+                  <a:buFont typeface="Wingdings 2" panose="05020102010507070707" pitchFamily="18" charset="2"/>
+                  <a:buChar char=""/>
+                  <a:defRPr sz="1600" kern="1200">
+                    <a:solidFill>
+                      <a:schemeClr val="tx1">
+                        <a:lumMod val="75000"/>
+                        <a:lumOff val="25000"/>
+                      </a:schemeClr>
+                    </a:solidFill>
+                    <a:latin typeface="+mn-lt"/>
+                    <a:ea typeface="+mn-ea"/>
+                    <a:cs typeface="+mn-cs"/>
+                  </a:defRPr>
+                </a:lvl2pPr>
+                <a:lvl3pPr marL="900000" indent="-270000" algn="l" defTabSz="457200" rtl="0" eaLnBrk="1" latinLnBrk="0" hangingPunct="1">
+                  <a:lnSpc>
+                    <a:spcPct val="100000"/>
+                  </a:lnSpc>
+                  <a:spcBef>
+                    <a:spcPct val="20000"/>
+                  </a:spcBef>
+                  <a:spcAft>
+                    <a:spcPts val="600"/>
+                  </a:spcAft>
+                  <a:buClr>
+                    <a:schemeClr val="accent1"/>
+                  </a:buClr>
+                  <a:buSzPct val="92000"/>
+                  <a:buFont typeface="Wingdings 2" panose="05020102010507070707" pitchFamily="18" charset="2"/>
+                  <a:buChar char=""/>
+                  <a:defRPr sz="1400" kern="1200">
+                    <a:solidFill>
+                      <a:schemeClr val="tx1">
+                        <a:lumMod val="75000"/>
+                        <a:lumOff val="25000"/>
+                      </a:schemeClr>
+                    </a:solidFill>
+                    <a:latin typeface="+mn-lt"/>
+                    <a:ea typeface="+mn-ea"/>
+                    <a:cs typeface="+mn-cs"/>
+                  </a:defRPr>
+                </a:lvl3pPr>
+                <a:lvl4pPr marL="1242000" indent="-234000" algn="l" defTabSz="457200" rtl="0" eaLnBrk="1" latinLnBrk="0" hangingPunct="1">
+                  <a:lnSpc>
+                    <a:spcPct val="100000"/>
+                  </a:lnSpc>
+                  <a:spcBef>
+                    <a:spcPct val="20000"/>
+                  </a:spcBef>
+                  <a:spcAft>
+                    <a:spcPts val="600"/>
+                  </a:spcAft>
+                  <a:buClr>
+                    <a:schemeClr val="accent1"/>
+                  </a:buClr>
+                  <a:buSzPct val="92000"/>
+                  <a:buFont typeface="Wingdings 2" panose="05020102010507070707" pitchFamily="18" charset="2"/>
+                  <a:buChar char=""/>
+                  <a:defRPr sz="1200" kern="1200">
+                    <a:solidFill>
+                      <a:schemeClr val="tx1">
+                        <a:lumMod val="75000"/>
+                        <a:lumOff val="25000"/>
+                      </a:schemeClr>
+                    </a:solidFill>
+                    <a:latin typeface="+mn-lt"/>
+                    <a:ea typeface="+mn-ea"/>
+                    <a:cs typeface="+mn-cs"/>
+                  </a:defRPr>
+                </a:lvl4pPr>
+                <a:lvl5pPr marL="1602000" indent="-234000" algn="l" defTabSz="457200" rtl="0" eaLnBrk="1" latinLnBrk="0" hangingPunct="1">
+                  <a:lnSpc>
+                    <a:spcPct val="100000"/>
+                  </a:lnSpc>
+                  <a:spcBef>
+                    <a:spcPct val="20000"/>
+                  </a:spcBef>
+                  <a:spcAft>
+                    <a:spcPts val="600"/>
+                  </a:spcAft>
+                  <a:buClr>
+                    <a:schemeClr val="accent1"/>
+                  </a:buClr>
+                  <a:buSzPct val="92000"/>
+                  <a:buFont typeface="Wingdings 2" panose="05020102010507070707" pitchFamily="18" charset="2"/>
+                  <a:buChar char=""/>
+                  <a:defRPr sz="1200" kern="1200">
+                    <a:solidFill>
+                      <a:schemeClr val="tx1">
+                        <a:lumMod val="75000"/>
+                        <a:lumOff val="25000"/>
+                      </a:schemeClr>
+                    </a:solidFill>
+                    <a:latin typeface="+mn-lt"/>
+                    <a:ea typeface="+mn-ea"/>
+                    <a:cs typeface="+mn-cs"/>
+                  </a:defRPr>
+                </a:lvl5pPr>
+                <a:lvl6pPr marL="1900000" indent="-228600" algn="l" defTabSz="457200" rtl="0" eaLnBrk="1" latinLnBrk="0" hangingPunct="1">
+                  <a:spcBef>
+                    <a:spcPct val="20000"/>
+                  </a:spcBef>
+                  <a:spcAft>
+                    <a:spcPts val="600"/>
+                  </a:spcAft>
+                  <a:buClr>
+                    <a:schemeClr val="accent2"/>
+                  </a:buClr>
+                  <a:buSzPct val="92000"/>
+                  <a:buFont typeface="Wingdings 2" panose="05020102010507070707" pitchFamily="18" charset="2"/>
+                  <a:buChar char=""/>
+                  <a:defRPr sz="1200" kern="1200">
+                    <a:solidFill>
+                      <a:schemeClr val="tx2"/>
+                    </a:solidFill>
+                    <a:latin typeface="+mn-lt"/>
+                    <a:ea typeface="+mn-ea"/>
+                    <a:cs typeface="+mn-cs"/>
+                  </a:defRPr>
+                </a:lvl6pPr>
+                <a:lvl7pPr marL="2200000" indent="-228600" algn="l" defTabSz="457200" rtl="0" eaLnBrk="1" latinLnBrk="0" hangingPunct="1">
+                  <a:spcBef>
+                    <a:spcPct val="20000"/>
+                  </a:spcBef>
+                  <a:spcAft>
+                    <a:spcPts val="600"/>
+                  </a:spcAft>
+                  <a:buClr>
+                    <a:schemeClr val="accent2"/>
+                  </a:buClr>
+                  <a:buSzPct val="92000"/>
+                  <a:buFont typeface="Wingdings 2" panose="05020102010507070707" pitchFamily="18" charset="2"/>
+                  <a:buChar char=""/>
+                  <a:defRPr sz="1200" kern="1200">
+                    <a:solidFill>
+                      <a:schemeClr val="tx2"/>
+                    </a:solidFill>
+                    <a:latin typeface="+mn-lt"/>
+                    <a:ea typeface="+mn-ea"/>
+                    <a:cs typeface="+mn-cs"/>
+                  </a:defRPr>
+                </a:lvl7pPr>
+                <a:lvl8pPr marL="2500000" indent="-228600" algn="l" defTabSz="457200" rtl="0" eaLnBrk="1" latinLnBrk="0" hangingPunct="1">
+                  <a:spcBef>
+                    <a:spcPct val="20000"/>
+                  </a:spcBef>
+                  <a:spcAft>
+                    <a:spcPts val="600"/>
+                  </a:spcAft>
+                  <a:buClr>
+                    <a:schemeClr val="accent2"/>
+                  </a:buClr>
+                  <a:buSzPct val="92000"/>
+                  <a:buFont typeface="Wingdings 2" panose="05020102010507070707" pitchFamily="18" charset="2"/>
+                  <a:buChar char=""/>
+                  <a:defRPr sz="1200" kern="1200">
+                    <a:solidFill>
+                      <a:schemeClr val="tx2"/>
+                    </a:solidFill>
+                    <a:latin typeface="+mn-lt"/>
+                    <a:ea typeface="+mn-ea"/>
+                    <a:cs typeface="+mn-cs"/>
+                  </a:defRPr>
+                </a:lvl8pPr>
+                <a:lvl9pPr marL="2800000" indent="-228600" algn="l" defTabSz="457200" rtl="0" eaLnBrk="1" latinLnBrk="0" hangingPunct="1">
+                  <a:spcBef>
+                    <a:spcPct val="20000"/>
+                  </a:spcBef>
+                  <a:spcAft>
+                    <a:spcPts val="600"/>
+                  </a:spcAft>
+                  <a:buClr>
+                    <a:schemeClr val="accent2"/>
+                  </a:buClr>
+                  <a:buSzPct val="92000"/>
+                  <a:buFont typeface="Wingdings 2" panose="05020102010507070707" pitchFamily="18" charset="2"/>
+                  <a:buChar char=""/>
+                  <a:defRPr sz="1200" kern="1200">
+                    <a:solidFill>
+                      <a:schemeClr val="tx2"/>
+                    </a:solidFill>
+                    <a:latin typeface="+mn-lt"/>
+                    <a:ea typeface="+mn-ea"/>
+                    <a:cs typeface="+mn-cs"/>
+                  </a:defRPr>
+                </a:lvl9pPr>
+              </a:lstStyle>
+              <a:p>
+                <a:pPr marL="0" indent="0">
+                  <a:buFont typeface="Wingdings 2" panose="05020102010507070707" pitchFamily="18" charset="2"/>
+                  <a:buNone/>
+                </a:pPr>
+                <a:r>
+                  <a:rPr lang="en-US" sz="2400" dirty="0"/>
+                  <a:t>Influence of Dispersion of </a:t>
+                </a:r>
+                <a14:m>
+                  <m:oMath xmlns:m="http://schemas.openxmlformats.org/officeDocument/2006/math">
+                    <m:sSub>
+                      <m:sSubPr>
+                        <m:ctrlPr>
+                          <a:rPr lang="en-US" sz="2400" b="0" i="1" smtClean="0">
+                            <a:latin typeface="Cambria Math" panose="02040503050406030204" pitchFamily="18" charset="0"/>
+                          </a:rPr>
+                        </m:ctrlPr>
+                      </m:sSubPr>
+                      <m:e>
+                        <m:r>
+                          <a:rPr lang="en-US" sz="2400" b="0" i="1" smtClean="0">
+                            <a:latin typeface="Cambria Math" panose="02040503050406030204" pitchFamily="18" charset="0"/>
+                          </a:rPr>
+                          <m:t>𝑥</m:t>
+                        </m:r>
+                      </m:e>
+                      <m:sub>
+                        <m:r>
+                          <a:rPr lang="en-US" sz="2400" b="0" i="1" smtClean="0">
+                            <a:latin typeface="Cambria Math" panose="02040503050406030204" pitchFamily="18" charset="0"/>
+                          </a:rPr>
+                          <m:t>𝑖</m:t>
+                        </m:r>
+                      </m:sub>
+                    </m:sSub>
+                  </m:oMath>
+                </a14:m>
+                <a:r>
+                  <a:rPr lang="en-US" sz="2400" dirty="0"/>
+                  <a:t> on </a:t>
+                </a:r>
+                <a14:m>
+                  <m:oMath xmlns:m="http://schemas.openxmlformats.org/officeDocument/2006/math">
+                    <m:r>
+                      <a:rPr lang="en-US" sz="2400" b="0" i="1" smtClean="0">
+                        <a:latin typeface="Cambria Math" panose="02040503050406030204" pitchFamily="18" charset="0"/>
+                      </a:rPr>
+                      <m:t>𝑆𝐸</m:t>
+                    </m:r>
+                    <m:r>
+                      <a:rPr lang="en-US" sz="2400" b="0" i="1" smtClean="0">
+                        <a:latin typeface="Cambria Math" panose="02040503050406030204" pitchFamily="18" charset="0"/>
+                      </a:rPr>
+                      <m:t>(</m:t>
+                    </m:r>
+                    <m:sSub>
+                      <m:sSubPr>
+                        <m:ctrlPr>
+                          <a:rPr lang="en-US" sz="2400" b="0" i="1" smtClean="0">
+                            <a:latin typeface="Cambria Math" panose="02040503050406030204" pitchFamily="18" charset="0"/>
+                          </a:rPr>
+                        </m:ctrlPr>
+                      </m:sSubPr>
+                      <m:e>
+                        <m:r>
+                          <a:rPr lang="en-US" sz="2400" b="0" i="1" smtClean="0">
+                            <a:latin typeface="Cambria Math" panose="02040503050406030204" pitchFamily="18" charset="0"/>
+                          </a:rPr>
+                          <m:t>𝑏</m:t>
+                        </m:r>
+                      </m:e>
+                      <m:sub>
+                        <m:r>
+                          <a:rPr lang="en-US" sz="2400" b="0" i="1" smtClean="0">
+                            <a:latin typeface="Cambria Math" panose="02040503050406030204" pitchFamily="18" charset="0"/>
+                          </a:rPr>
+                          <m:t>0</m:t>
+                        </m:r>
+                      </m:sub>
+                    </m:sSub>
+                    <m:r>
+                      <a:rPr lang="en-US" sz="2400" b="0" i="1" smtClean="0">
+                        <a:latin typeface="Cambria Math" panose="02040503050406030204" pitchFamily="18" charset="0"/>
+                      </a:rPr>
+                      <m:t>)</m:t>
+                    </m:r>
+                  </m:oMath>
+                </a14:m>
+                <a:r>
+                  <a:rPr lang="en-US" sz="2400" dirty="0"/>
+                  <a:t> and </a:t>
+                </a:r>
+                <a14:m>
+                  <m:oMath xmlns:m="http://schemas.openxmlformats.org/officeDocument/2006/math">
+                    <m:r>
+                      <a:rPr lang="en-US" sz="2400" b="0" i="1" smtClean="0">
+                        <a:latin typeface="Cambria Math" panose="02040503050406030204" pitchFamily="18" charset="0"/>
+                      </a:rPr>
+                      <m:t>𝑆𝐸</m:t>
+                    </m:r>
+                    <m:r>
+                      <a:rPr lang="en-US" sz="2400" b="0" i="1" smtClean="0">
+                        <a:latin typeface="Cambria Math" panose="02040503050406030204" pitchFamily="18" charset="0"/>
+                      </a:rPr>
+                      <m:t>(</m:t>
+                    </m:r>
+                    <m:sSub>
+                      <m:sSubPr>
+                        <m:ctrlPr>
+                          <a:rPr lang="en-US" sz="2400" b="0" i="1" smtClean="0">
+                            <a:latin typeface="Cambria Math" panose="02040503050406030204" pitchFamily="18" charset="0"/>
+                          </a:rPr>
+                        </m:ctrlPr>
+                      </m:sSubPr>
+                      <m:e>
+                        <m:r>
+                          <a:rPr lang="en-US" sz="2400" b="0" i="1" smtClean="0">
+                            <a:latin typeface="Cambria Math" panose="02040503050406030204" pitchFamily="18" charset="0"/>
+                          </a:rPr>
+                          <m:t>𝑏</m:t>
+                        </m:r>
+                      </m:e>
+                      <m:sub>
+                        <m:r>
+                          <a:rPr lang="en-US" sz="2400" b="0" i="1" smtClean="0">
+                            <a:latin typeface="Cambria Math" panose="02040503050406030204" pitchFamily="18" charset="0"/>
+                          </a:rPr>
+                          <m:t>1</m:t>
+                        </m:r>
+                      </m:sub>
+                    </m:sSub>
+                    <m:r>
+                      <a:rPr lang="en-US" sz="2400" b="0" i="1" smtClean="0">
+                        <a:latin typeface="Cambria Math" panose="02040503050406030204" pitchFamily="18" charset="0"/>
+                      </a:rPr>
+                      <m:t>)</m:t>
+                    </m:r>
+                  </m:oMath>
+                </a14:m>
+                <a:endParaRPr lang="en-US" sz="2400" dirty="0"/>
+              </a:p>
+            </p:txBody>
+          </p:sp>
+        </mc:Choice>
+        <mc:Fallback>
+          <p:sp>
+            <p:nvSpPr>
+              <p:cNvPr id="7" name="Content Placeholder 2">
+                <a:extLst>
+                  <a:ext uri="{FF2B5EF4-FFF2-40B4-BE49-F238E27FC236}">
+                    <a16:creationId xmlns:a16="http://schemas.microsoft.com/office/drawing/2014/main" id="{C31BB266-307F-2692-2FF4-2B9B5017DFB8}"/>
+                  </a:ext>
+                </a:extLst>
+              </p:cNvPr>
+              <p:cNvSpPr txBox="1">
+                <a:spLocks noRot="1" noChangeAspect="1" noMove="1" noResize="1" noEditPoints="1" noAdjustHandles="1" noChangeArrowheads="1" noChangeShapeType="1" noTextEdit="1"/>
+              </p:cNvSpPr>
+              <p:nvPr/>
+            </p:nvSpPr>
+            <p:spPr>
+              <a:xfrm>
+                <a:off x="581192" y="707650"/>
+                <a:ext cx="11029615" cy="845637"/>
+              </a:xfrm>
+              <a:prstGeom prst="rect">
+                <a:avLst/>
+              </a:prstGeom>
+              <a:blipFill>
+                <a:blip r:embed="rId3"/>
+                <a:stretch>
+                  <a:fillRect l="-829"/>
+                </a:stretch>
+              </a:blipFill>
+            </p:spPr>
+            <p:txBody>
+              <a:bodyPr/>
+              <a:lstStyle/>
+              <a:p>
+                <a:r>
+                  <a:rPr lang="en-US">
+                    <a:noFill/>
+                  </a:rPr>
+                  <a:t> </a:t>
+                </a:r>
+              </a:p>
+            </p:txBody>
+          </p:sp>
+        </mc:Fallback>
+      </mc:AlternateContent>
+    </p:spTree>
+    <p:extLst>
+      <p:ext uri="{BB962C8B-B14F-4D97-AF65-F5344CB8AC3E}">
+        <p14:creationId xmlns:p14="http://schemas.microsoft.com/office/powerpoint/2010/main" val="4051004968"/>
+      </p:ext>
+    </p:extLst>
+  </p:cSld>
+  <p:clrMapOvr>
+    <a:masterClrMapping/>
+  </p:clrMapOvr>
+</p:sld>
+</file>
+
+<file path=ppt/slides/slide24.xml><?xml version="1.0" encoding="utf-8"?>
+<p:sld xmlns:a="http://schemas.openxmlformats.org/drawingml/2006/main" xmlns:r="http://schemas.openxmlformats.org/officeDocument/2006/relationships" xmlns:p="http://schemas.openxmlformats.org/presentationml/2006/main">
+  <p:cSld>
+    <p:spTree>
+      <p:nvGrpSpPr>
+        <p:cNvPr id="1" name=""/>
+        <p:cNvGrpSpPr/>
+        <p:nvPr/>
+      </p:nvGrpSpPr>
+      <p:grpSpPr>
+        <a:xfrm>
+          <a:off x="0" y="0"/>
+          <a:ext cx="0" cy="0"/>
+          <a:chOff x="0" y="0"/>
+          <a:chExt cx="0" cy="0"/>
+        </a:xfrm>
+      </p:grpSpPr>
+      <p:sp>
+        <p:nvSpPr>
+          <p:cNvPr id="2" name="Title 1">
+            <a:extLst>
+              <a:ext uri="{FF2B5EF4-FFF2-40B4-BE49-F238E27FC236}">
+                <a16:creationId xmlns:a16="http://schemas.microsoft.com/office/drawing/2014/main" id="{98273316-F9B0-CB00-4B27-035E0583D518}"/>
+              </a:ext>
+            </a:extLst>
+          </p:cNvPr>
+          <p:cNvSpPr>
+            <a:spLocks noGrp="1"/>
+          </p:cNvSpPr>
+          <p:nvPr>
+            <p:ph type="title"/>
+          </p:nvPr>
+        </p:nvSpPr>
         <p:spPr/>
         <p:txBody>
           <a:bodyPr/>
           <a:lstStyle/>
           <a:p>
-            <a:endParaRPr lang="en-US" dirty="0"/>
+            <a:endParaRPr lang="en-US"/>
           </a:p>
         </p:txBody>
       </p:sp>
@@ -16149,7 +17147,7 @@
           <p:cNvPr id="3" name="Content Placeholder 2">
             <a:extLst>
               <a:ext uri="{FF2B5EF4-FFF2-40B4-BE49-F238E27FC236}">
-                <a16:creationId xmlns:a16="http://schemas.microsoft.com/office/drawing/2014/main" id="{44E5E5DD-701E-3402-BE42-7CB7EE817F0F}"/>
+                <a16:creationId xmlns:a16="http://schemas.microsoft.com/office/drawing/2014/main" id="{49319F08-31B7-4EB4-056C-61536BBAB906}"/>
               </a:ext>
             </a:extLst>
           </p:cNvPr>
@@ -16172,7 +17170,7 @@
     </p:spTree>
     <p:extLst>
       <p:ext uri="{BB962C8B-B14F-4D97-AF65-F5344CB8AC3E}">
-        <p14:creationId xmlns:p14="http://schemas.microsoft.com/office/powerpoint/2010/main" val="247445492"/>
+        <p14:creationId xmlns:p14="http://schemas.microsoft.com/office/powerpoint/2010/main" val="358408302"/>
       </p:ext>
     </p:extLst>
   </p:cSld>
@@ -16182,7 +17180,1917 @@
 </p:sld>
 </file>
 
-<file path=ppt/slides/slide23.xml><?xml version="1.0" encoding="utf-8"?>
+<file path=ppt/slides/slide25.xml><?xml version="1.0" encoding="utf-8"?>
+<p:sld xmlns:a="http://schemas.openxmlformats.org/drawingml/2006/main" xmlns:r="http://schemas.openxmlformats.org/officeDocument/2006/relationships" xmlns:p="http://schemas.openxmlformats.org/presentationml/2006/main">
+  <p:cSld>
+    <p:bg>
+      <p:bgPr>
+        <a:solidFill>
+          <a:schemeClr val="bg1"/>
+        </a:solidFill>
+        <a:effectLst/>
+      </p:bgPr>
+    </p:bg>
+    <p:spTree>
+      <p:nvGrpSpPr>
+        <p:cNvPr id="1" name="">
+          <a:extLst>
+            <a:ext uri="{FF2B5EF4-FFF2-40B4-BE49-F238E27FC236}">
+              <a16:creationId xmlns:a16="http://schemas.microsoft.com/office/drawing/2014/main" id="{89DFF0D9-9DDD-0845-B919-42E20BCBCD56}"/>
+            </a:ext>
+          </a:extLst>
+        </p:cNvPr>
+        <p:cNvGrpSpPr/>
+        <p:nvPr/>
+      </p:nvGrpSpPr>
+      <p:grpSpPr>
+        <a:xfrm>
+          <a:off x="0" y="0"/>
+          <a:ext cx="0" cy="0"/>
+          <a:chOff x="0" y="0"/>
+          <a:chExt cx="0" cy="0"/>
+        </a:xfrm>
+      </p:grpSpPr>
+      <p:sp>
+        <p:nvSpPr>
+          <p:cNvPr id="36" name="Rectangle 35">
+            <a:extLst>
+              <a:ext uri="{FF2B5EF4-FFF2-40B4-BE49-F238E27FC236}">
+                <a16:creationId xmlns:a16="http://schemas.microsoft.com/office/drawing/2014/main" id="{5D2272F1-D2E6-309A-7927-AE9F48FDAEA8}"/>
+              </a:ext>
+              <a:ext uri="{C183D7F6-B498-43B3-948B-1728B52AA6E4}">
+                <adec:decorative xmlns:adec="http://schemas.microsoft.com/office/drawing/2017/decorative" val="1"/>
+              </a:ext>
+            </a:extLst>
+          </p:cNvPr>
+          <p:cNvSpPr>
+            <a:spLocks noGrp="1" noRot="1" noChangeAspect="1" noMove="1" noResize="1" noEditPoints="1" noAdjustHandles="1" noChangeArrowheads="1" noChangeShapeType="1" noTextEdit="1"/>
+          </p:cNvSpPr>
+          <p:nvPr>
+            <p:extLst>
+              <p:ext uri="{386F3935-93C4-4BCD-93E2-E3B085C9AB24}">
+                <p16:designElem xmlns:p16="http://schemas.microsoft.com/office/powerpoint/2015/main" val="1"/>
+              </p:ext>
+            </p:extLst>
+          </p:nvPr>
+        </p:nvSpPr>
+        <p:spPr>
+          <a:xfrm>
+            <a:off x="446534" y="457200"/>
+            <a:ext cx="3703320" cy="94997"/>
+          </a:xfrm>
+          <a:prstGeom prst="rect">
+            <a:avLst/>
+          </a:prstGeom>
+          <a:solidFill>
+            <a:srgbClr val="465359"/>
+          </a:solidFill>
+          <a:ln>
+            <a:noFill/>
+          </a:ln>
+          <a:effectLst/>
+        </p:spPr>
+        <p:style>
+          <a:lnRef idx="1">
+            <a:schemeClr val="accent1"/>
+          </a:lnRef>
+          <a:fillRef idx="3">
+            <a:schemeClr val="accent1"/>
+          </a:fillRef>
+          <a:effectRef idx="2">
+            <a:schemeClr val="accent1"/>
+          </a:effectRef>
+          <a:fontRef idx="minor">
+            <a:schemeClr val="lt1"/>
+          </a:fontRef>
+        </p:style>
+        <p:txBody>
+          <a:bodyPr/>
+          <a:lstStyle/>
+          <a:p>
+            <a:pPr marL="0" marR="0" lvl="0" indent="0" algn="l" defTabSz="457200" rtl="0" eaLnBrk="1" fontAlgn="auto" latinLnBrk="0" hangingPunct="1">
+              <a:lnSpc>
+                <a:spcPct val="100000"/>
+              </a:lnSpc>
+              <a:spcBef>
+                <a:spcPts val="0"/>
+              </a:spcBef>
+              <a:spcAft>
+                <a:spcPts val="0"/>
+              </a:spcAft>
+              <a:buClrTx/>
+              <a:buSzTx/>
+              <a:buFontTx/>
+              <a:buNone/>
+              <a:tabLst/>
+              <a:defRPr/>
+            </a:pPr>
+            <a:endParaRPr kumimoji="0" lang="en-US" sz="1800" b="0" i="0" u="none" strike="noStrike" kern="1200" cap="none" spc="0" normalizeH="0" baseline="0" noProof="0">
+              <a:ln>
+                <a:noFill/>
+              </a:ln>
+              <a:solidFill>
+                <a:srgbClr val="FFFFFF"/>
+              </a:solidFill>
+              <a:effectLst/>
+              <a:uLnTx/>
+              <a:uFillTx/>
+              <a:latin typeface="Calibri"/>
+              <a:ea typeface="+mn-ea"/>
+              <a:cs typeface="+mn-cs"/>
+            </a:endParaRPr>
+          </a:p>
+        </p:txBody>
+      </p:sp>
+      <p:sp>
+        <p:nvSpPr>
+          <p:cNvPr id="38" name="Rectangle 37">
+            <a:extLst>
+              <a:ext uri="{FF2B5EF4-FFF2-40B4-BE49-F238E27FC236}">
+                <a16:creationId xmlns:a16="http://schemas.microsoft.com/office/drawing/2014/main" id="{90965267-B781-6F73-FC37-3D3B4E4AD1AC}"/>
+              </a:ext>
+              <a:ext uri="{C183D7F6-B498-43B3-948B-1728B52AA6E4}">
+                <adec:decorative xmlns:adec="http://schemas.microsoft.com/office/drawing/2017/decorative" val="1"/>
+              </a:ext>
+            </a:extLst>
+          </p:cNvPr>
+          <p:cNvSpPr>
+            <a:spLocks noGrp="1" noRot="1" noChangeAspect="1" noMove="1" noResize="1" noEditPoints="1" noAdjustHandles="1" noChangeArrowheads="1" noChangeShapeType="1" noTextEdit="1"/>
+          </p:cNvSpPr>
+          <p:nvPr>
+            <p:extLst>
+              <p:ext uri="{386F3935-93C4-4BCD-93E2-E3B085C9AB24}">
+                <p16:designElem xmlns:p16="http://schemas.microsoft.com/office/powerpoint/2015/main" val="1"/>
+              </p:ext>
+            </p:extLst>
+          </p:nvPr>
+        </p:nvSpPr>
+        <p:spPr>
+          <a:xfrm>
+            <a:off x="8042147" y="453643"/>
+            <a:ext cx="3703320" cy="98554"/>
+          </a:xfrm>
+          <a:prstGeom prst="rect">
+            <a:avLst/>
+          </a:prstGeom>
+          <a:solidFill>
+            <a:srgbClr val="969FA7"/>
+          </a:solidFill>
+          <a:ln>
+            <a:noFill/>
+          </a:ln>
+          <a:effectLst/>
+        </p:spPr>
+        <p:style>
+          <a:lnRef idx="1">
+            <a:schemeClr val="accent1"/>
+          </a:lnRef>
+          <a:fillRef idx="3">
+            <a:schemeClr val="accent1"/>
+          </a:fillRef>
+          <a:effectRef idx="2">
+            <a:schemeClr val="accent1"/>
+          </a:effectRef>
+          <a:fontRef idx="minor">
+            <a:schemeClr val="lt1"/>
+          </a:fontRef>
+        </p:style>
+        <p:txBody>
+          <a:bodyPr/>
+          <a:lstStyle/>
+          <a:p>
+            <a:pPr marL="0" marR="0" lvl="0" indent="0" algn="l" defTabSz="457200" rtl="0" eaLnBrk="1" fontAlgn="auto" latinLnBrk="0" hangingPunct="1">
+              <a:lnSpc>
+                <a:spcPct val="100000"/>
+              </a:lnSpc>
+              <a:spcBef>
+                <a:spcPts val="0"/>
+              </a:spcBef>
+              <a:spcAft>
+                <a:spcPts val="0"/>
+              </a:spcAft>
+              <a:buClrTx/>
+              <a:buSzTx/>
+              <a:buFontTx/>
+              <a:buNone/>
+              <a:tabLst/>
+              <a:defRPr/>
+            </a:pPr>
+            <a:endParaRPr kumimoji="0" lang="en-US" sz="1800" b="0" i="0" u="none" strike="noStrike" kern="1200" cap="none" spc="0" normalizeH="0" baseline="0" noProof="0">
+              <a:ln>
+                <a:noFill/>
+              </a:ln>
+              <a:solidFill>
+                <a:srgbClr val="FFFFFF"/>
+              </a:solidFill>
+              <a:effectLst/>
+              <a:uLnTx/>
+              <a:uFillTx/>
+              <a:latin typeface="Calibri"/>
+              <a:ea typeface="+mn-ea"/>
+              <a:cs typeface="+mn-cs"/>
+            </a:endParaRPr>
+          </a:p>
+        </p:txBody>
+      </p:sp>
+      <p:sp>
+        <p:nvSpPr>
+          <p:cNvPr id="40" name="Rectangle 39">
+            <a:extLst>
+              <a:ext uri="{FF2B5EF4-FFF2-40B4-BE49-F238E27FC236}">
+                <a16:creationId xmlns:a16="http://schemas.microsoft.com/office/drawing/2014/main" id="{36934458-E4D3-AF20-96A0-27A057CD5908}"/>
+              </a:ext>
+              <a:ext uri="{C183D7F6-B498-43B3-948B-1728B52AA6E4}">
+                <adec:decorative xmlns:adec="http://schemas.microsoft.com/office/drawing/2017/decorative" val="1"/>
+              </a:ext>
+            </a:extLst>
+          </p:cNvPr>
+          <p:cNvSpPr>
+            <a:spLocks noGrp="1" noRot="1" noChangeAspect="1" noMove="1" noResize="1" noEditPoints="1" noAdjustHandles="1" noChangeArrowheads="1" noChangeShapeType="1" noTextEdit="1"/>
+          </p:cNvSpPr>
+          <p:nvPr>
+            <p:extLst>
+              <p:ext uri="{386F3935-93C4-4BCD-93E2-E3B085C9AB24}">
+                <p16:designElem xmlns:p16="http://schemas.microsoft.com/office/powerpoint/2015/main" val="1"/>
+              </p:ext>
+            </p:extLst>
+          </p:nvPr>
+        </p:nvSpPr>
+        <p:spPr>
+          <a:xfrm>
+            <a:off x="4241830" y="457200"/>
+            <a:ext cx="3703320" cy="91440"/>
+          </a:xfrm>
+          <a:prstGeom prst="rect">
+            <a:avLst/>
+          </a:prstGeom>
+          <a:solidFill>
+            <a:schemeClr val="accent1"/>
+          </a:solidFill>
+          <a:ln>
+            <a:noFill/>
+          </a:ln>
+          <a:effectLst/>
+        </p:spPr>
+        <p:style>
+          <a:lnRef idx="1">
+            <a:schemeClr val="accent1"/>
+          </a:lnRef>
+          <a:fillRef idx="3">
+            <a:schemeClr val="accent1"/>
+          </a:fillRef>
+          <a:effectRef idx="2">
+            <a:schemeClr val="accent1"/>
+          </a:effectRef>
+          <a:fontRef idx="minor">
+            <a:schemeClr val="lt1"/>
+          </a:fontRef>
+        </p:style>
+        <p:txBody>
+          <a:bodyPr/>
+          <a:lstStyle/>
+          <a:p>
+            <a:pPr marL="0" marR="0" lvl="0" indent="0" algn="l" defTabSz="457200" rtl="0" eaLnBrk="1" fontAlgn="auto" latinLnBrk="0" hangingPunct="1">
+              <a:lnSpc>
+                <a:spcPct val="100000"/>
+              </a:lnSpc>
+              <a:spcBef>
+                <a:spcPts val="0"/>
+              </a:spcBef>
+              <a:spcAft>
+                <a:spcPts val="0"/>
+              </a:spcAft>
+              <a:buClrTx/>
+              <a:buSzTx/>
+              <a:buFontTx/>
+              <a:buNone/>
+              <a:tabLst/>
+              <a:defRPr/>
+            </a:pPr>
+            <a:endParaRPr kumimoji="0" lang="en-US" sz="1800" b="0" i="0" u="none" strike="noStrike" kern="1200" cap="none" spc="0" normalizeH="0" baseline="0" noProof="0">
+              <a:ln>
+                <a:noFill/>
+              </a:ln>
+              <a:solidFill>
+                <a:srgbClr val="FFFFFF"/>
+              </a:solidFill>
+              <a:effectLst/>
+              <a:uLnTx/>
+              <a:uFillTx/>
+              <a:latin typeface="Calibri"/>
+              <a:ea typeface="+mn-ea"/>
+              <a:cs typeface="+mn-cs"/>
+            </a:endParaRPr>
+          </a:p>
+        </p:txBody>
+      </p:sp>
+      <p:sp>
+        <p:nvSpPr>
+          <p:cNvPr id="42" name="Rectangle 41">
+            <a:extLst>
+              <a:ext uri="{FF2B5EF4-FFF2-40B4-BE49-F238E27FC236}">
+                <a16:creationId xmlns:a16="http://schemas.microsoft.com/office/drawing/2014/main" id="{85328CE8-FE64-A0AD-BDE5-C7C361066BE2}"/>
+              </a:ext>
+              <a:ext uri="{C183D7F6-B498-43B3-948B-1728B52AA6E4}">
+                <adec:decorative xmlns:adec="http://schemas.microsoft.com/office/drawing/2017/decorative" val="1"/>
+              </a:ext>
+            </a:extLst>
+          </p:cNvPr>
+          <p:cNvSpPr>
+            <a:spLocks noGrp="1" noRot="1" noChangeAspect="1" noMove="1" noResize="1" noEditPoints="1" noAdjustHandles="1" noChangeArrowheads="1" noChangeShapeType="1" noTextEdit="1"/>
+          </p:cNvSpPr>
+          <p:nvPr>
+            <p:extLst>
+              <p:ext uri="{386F3935-93C4-4BCD-93E2-E3B085C9AB24}">
+                <p16:designElem xmlns:p16="http://schemas.microsoft.com/office/powerpoint/2015/main" val="1"/>
+              </p:ext>
+            </p:extLst>
+          </p:nvPr>
+        </p:nvSpPr>
+        <p:spPr>
+          <a:xfrm>
+            <a:off x="446534" y="3085764"/>
+            <a:ext cx="11298932" cy="3338149"/>
+          </a:xfrm>
+          <a:prstGeom prst="rect">
+            <a:avLst/>
+          </a:prstGeom>
+          <a:solidFill>
+            <a:srgbClr val="465359"/>
+          </a:solidFill>
+          <a:ln>
+            <a:noFill/>
+          </a:ln>
+          <a:effectLst/>
+        </p:spPr>
+        <p:style>
+          <a:lnRef idx="1">
+            <a:schemeClr val="accent1"/>
+          </a:lnRef>
+          <a:fillRef idx="3">
+            <a:schemeClr val="accent1"/>
+          </a:fillRef>
+          <a:effectRef idx="2">
+            <a:schemeClr val="accent1"/>
+          </a:effectRef>
+          <a:fontRef idx="minor">
+            <a:schemeClr val="lt1"/>
+          </a:fontRef>
+        </p:style>
+        <p:txBody>
+          <a:bodyPr/>
+          <a:lstStyle/>
+          <a:p>
+            <a:pPr marL="0" marR="0" lvl="0" indent="0" algn="l" defTabSz="457200" rtl="0" eaLnBrk="1" fontAlgn="auto" latinLnBrk="0" hangingPunct="1">
+              <a:lnSpc>
+                <a:spcPct val="100000"/>
+              </a:lnSpc>
+              <a:spcBef>
+                <a:spcPts val="0"/>
+              </a:spcBef>
+              <a:spcAft>
+                <a:spcPts val="0"/>
+              </a:spcAft>
+              <a:buClrTx/>
+              <a:buSzTx/>
+              <a:buFontTx/>
+              <a:buNone/>
+              <a:tabLst/>
+              <a:defRPr/>
+            </a:pPr>
+            <a:endParaRPr kumimoji="0" lang="en-US" sz="1800" b="0" i="0" u="none" strike="noStrike" kern="1200" cap="none" spc="0" normalizeH="0" baseline="0" noProof="0">
+              <a:ln>
+                <a:noFill/>
+              </a:ln>
+              <a:solidFill>
+                <a:srgbClr val="FFFFFF"/>
+              </a:solidFill>
+              <a:effectLst/>
+              <a:uLnTx/>
+              <a:uFillTx/>
+              <a:latin typeface="Calibri"/>
+              <a:ea typeface="+mn-ea"/>
+              <a:cs typeface="+mn-cs"/>
+            </a:endParaRPr>
+          </a:p>
+        </p:txBody>
+      </p:sp>
+      <p:sp useBgFill="1">
+        <p:nvSpPr>
+          <p:cNvPr id="44" name="Rectangle 43">
+            <a:extLst>
+              <a:ext uri="{FF2B5EF4-FFF2-40B4-BE49-F238E27FC236}">
+                <a16:creationId xmlns:a16="http://schemas.microsoft.com/office/drawing/2014/main" id="{4FB4E5CE-9EC1-1907-D6EF-DCDF87B75DFB}"/>
+              </a:ext>
+              <a:ext uri="{C183D7F6-B498-43B3-948B-1728B52AA6E4}">
+                <adec:decorative xmlns:adec="http://schemas.microsoft.com/office/drawing/2017/decorative" val="1"/>
+              </a:ext>
+            </a:extLst>
+          </p:cNvPr>
+          <p:cNvSpPr>
+            <a:spLocks noGrp="1" noRot="1" noChangeAspect="1" noMove="1" noResize="1" noEditPoints="1" noAdjustHandles="1" noChangeArrowheads="1" noChangeShapeType="1" noTextEdit="1"/>
+          </p:cNvSpPr>
+          <p:nvPr>
+            <p:extLst>
+              <p:ext uri="{386F3935-93C4-4BCD-93E2-E3B085C9AB24}">
+                <p16:designElem xmlns:p16="http://schemas.microsoft.com/office/powerpoint/2015/main" val="1"/>
+              </p:ext>
+            </p:extLst>
+          </p:nvPr>
+        </p:nvSpPr>
+        <p:spPr>
+          <a:xfrm>
+            <a:off x="0" y="0"/>
+            <a:ext cx="12192000" cy="6858000"/>
+          </a:xfrm>
+          <a:prstGeom prst="rect">
+            <a:avLst/>
+          </a:prstGeom>
+          <a:ln>
+            <a:noFill/>
+          </a:ln>
+        </p:spPr>
+        <p:style>
+          <a:lnRef idx="2">
+            <a:schemeClr val="accent1">
+              <a:shade val="50000"/>
+            </a:schemeClr>
+          </a:lnRef>
+          <a:fillRef idx="1">
+            <a:schemeClr val="accent1"/>
+          </a:fillRef>
+          <a:effectRef idx="0">
+            <a:schemeClr val="accent1"/>
+          </a:effectRef>
+          <a:fontRef idx="minor">
+            <a:schemeClr val="lt1"/>
+          </a:fontRef>
+        </p:style>
+        <p:txBody>
+          <a:bodyPr rtlCol="0" anchor="ctr"/>
+          <a:lstStyle/>
+          <a:p>
+            <a:pPr marL="0" marR="0" lvl="0" indent="0" algn="ctr" defTabSz="457200" rtl="0" eaLnBrk="1" fontAlgn="auto" latinLnBrk="0" hangingPunct="1">
+              <a:lnSpc>
+                <a:spcPct val="100000"/>
+              </a:lnSpc>
+              <a:spcBef>
+                <a:spcPts val="0"/>
+              </a:spcBef>
+              <a:spcAft>
+                <a:spcPts val="0"/>
+              </a:spcAft>
+              <a:buClrTx/>
+              <a:buSzTx/>
+              <a:buFontTx/>
+              <a:buNone/>
+              <a:tabLst/>
+              <a:defRPr/>
+            </a:pPr>
+            <a:endParaRPr kumimoji="0" lang="en-US" sz="1800" b="0" i="0" u="none" strike="noStrike" kern="1200" cap="none" spc="0" normalizeH="0" baseline="0" noProof="0">
+              <a:ln>
+                <a:noFill/>
+              </a:ln>
+              <a:solidFill>
+                <a:srgbClr val="FFFFFF"/>
+              </a:solidFill>
+              <a:effectLst/>
+              <a:uLnTx/>
+              <a:uFillTx/>
+              <a:latin typeface="Calibri"/>
+              <a:ea typeface="+mn-ea"/>
+              <a:cs typeface="+mn-cs"/>
+            </a:endParaRPr>
+          </a:p>
+        </p:txBody>
+      </p:sp>
+      <p:sp>
+        <p:nvSpPr>
+          <p:cNvPr id="46" name="Rectangle 45">
+            <a:extLst>
+              <a:ext uri="{FF2B5EF4-FFF2-40B4-BE49-F238E27FC236}">
+                <a16:creationId xmlns:a16="http://schemas.microsoft.com/office/drawing/2014/main" id="{74511468-446B-DB7A-929A-0E4F824FA5EA}"/>
+              </a:ext>
+              <a:ext uri="{C183D7F6-B498-43B3-948B-1728B52AA6E4}">
+                <adec:decorative xmlns:adec="http://schemas.microsoft.com/office/drawing/2017/decorative" val="1"/>
+              </a:ext>
+            </a:extLst>
+          </p:cNvPr>
+          <p:cNvSpPr>
+            <a:spLocks noGrp="1" noRot="1" noChangeAspect="1" noMove="1" noResize="1" noEditPoints="1" noAdjustHandles="1" noChangeArrowheads="1" noChangeShapeType="1" noTextEdit="1"/>
+          </p:cNvSpPr>
+          <p:nvPr>
+            <p:extLst>
+              <p:ext uri="{386F3935-93C4-4BCD-93E2-E3B085C9AB24}">
+                <p16:designElem xmlns:p16="http://schemas.microsoft.com/office/powerpoint/2015/main" val="1"/>
+              </p:ext>
+            </p:extLst>
+          </p:nvPr>
+        </p:nvSpPr>
+        <p:spPr>
+          <a:xfrm>
+            <a:off x="509628" y="496959"/>
+            <a:ext cx="1106164" cy="5859735"/>
+          </a:xfrm>
+          <a:prstGeom prst="rect">
+            <a:avLst/>
+          </a:prstGeom>
+          <a:solidFill>
+            <a:srgbClr val="465359"/>
+          </a:solidFill>
+          <a:ln>
+            <a:noFill/>
+          </a:ln>
+          <a:effectLst/>
+        </p:spPr>
+        <p:style>
+          <a:lnRef idx="1">
+            <a:schemeClr val="accent1"/>
+          </a:lnRef>
+          <a:fillRef idx="3">
+            <a:schemeClr val="accent1"/>
+          </a:fillRef>
+          <a:effectRef idx="2">
+            <a:schemeClr val="accent1"/>
+          </a:effectRef>
+          <a:fontRef idx="minor">
+            <a:schemeClr val="lt1"/>
+          </a:fontRef>
+        </p:style>
+        <p:txBody>
+          <a:bodyPr/>
+          <a:lstStyle/>
+          <a:p>
+            <a:pPr marL="0" marR="0" lvl="0" indent="0" algn="l" defTabSz="457200" rtl="0" eaLnBrk="1" fontAlgn="auto" latinLnBrk="0" hangingPunct="1">
+              <a:lnSpc>
+                <a:spcPct val="100000"/>
+              </a:lnSpc>
+              <a:spcBef>
+                <a:spcPts val="0"/>
+              </a:spcBef>
+              <a:spcAft>
+                <a:spcPts val="0"/>
+              </a:spcAft>
+              <a:buClrTx/>
+              <a:buSzTx/>
+              <a:buFontTx/>
+              <a:buNone/>
+              <a:tabLst/>
+              <a:defRPr/>
+            </a:pPr>
+            <a:endParaRPr kumimoji="0" lang="en-US" sz="1800" b="0" i="0" u="none" strike="noStrike" kern="1200" cap="none" spc="0" normalizeH="0" baseline="0" noProof="0">
+              <a:ln>
+                <a:noFill/>
+              </a:ln>
+              <a:solidFill>
+                <a:srgbClr val="FFFFFF"/>
+              </a:solidFill>
+              <a:effectLst/>
+              <a:uLnTx/>
+              <a:uFillTx/>
+              <a:latin typeface="Calibri"/>
+              <a:ea typeface="+mn-ea"/>
+              <a:cs typeface="+mn-cs"/>
+            </a:endParaRPr>
+          </a:p>
+        </p:txBody>
+      </p:sp>
+      <p:sp>
+        <p:nvSpPr>
+          <p:cNvPr id="48" name="Rectangle 47">
+            <a:extLst>
+              <a:ext uri="{FF2B5EF4-FFF2-40B4-BE49-F238E27FC236}">
+                <a16:creationId xmlns:a16="http://schemas.microsoft.com/office/drawing/2014/main" id="{A8F3AE38-FFD1-9C19-700D-AA4A1E201F18}"/>
+              </a:ext>
+              <a:ext uri="{C183D7F6-B498-43B3-948B-1728B52AA6E4}">
+                <adec:decorative xmlns:adec="http://schemas.microsoft.com/office/drawing/2017/decorative" val="1"/>
+              </a:ext>
+            </a:extLst>
+          </p:cNvPr>
+          <p:cNvSpPr>
+            <a:spLocks noGrp="1" noRot="1" noChangeAspect="1" noMove="1" noResize="1" noEditPoints="1" noAdjustHandles="1" noChangeArrowheads="1" noChangeShapeType="1" noTextEdit="1"/>
+          </p:cNvSpPr>
+          <p:nvPr>
+            <p:extLst>
+              <p:ext uri="{386F3935-93C4-4BCD-93E2-E3B085C9AB24}">
+                <p16:designElem xmlns:p16="http://schemas.microsoft.com/office/powerpoint/2015/main" val="1"/>
+              </p:ext>
+            </p:extLst>
+          </p:nvPr>
+        </p:nvSpPr>
+        <p:spPr>
+          <a:xfrm>
+            <a:off x="1712856" y="496958"/>
+            <a:ext cx="9961047" cy="3678072"/>
+          </a:xfrm>
+          <a:prstGeom prst="rect">
+            <a:avLst/>
+          </a:prstGeom>
+          <a:solidFill>
+            <a:schemeClr val="accent1"/>
+          </a:solidFill>
+          <a:ln>
+            <a:noFill/>
+          </a:ln>
+          <a:effectLst/>
+        </p:spPr>
+        <p:style>
+          <a:lnRef idx="1">
+            <a:schemeClr val="accent1"/>
+          </a:lnRef>
+          <a:fillRef idx="3">
+            <a:schemeClr val="accent1"/>
+          </a:fillRef>
+          <a:effectRef idx="2">
+            <a:schemeClr val="accent1"/>
+          </a:effectRef>
+          <a:fontRef idx="minor">
+            <a:schemeClr val="lt1"/>
+          </a:fontRef>
+        </p:style>
+        <p:txBody>
+          <a:bodyPr/>
+          <a:lstStyle/>
+          <a:p>
+            <a:pPr marL="0" marR="0" lvl="0" indent="0" algn="l" defTabSz="457200" rtl="0" eaLnBrk="1" fontAlgn="auto" latinLnBrk="0" hangingPunct="1">
+              <a:lnSpc>
+                <a:spcPct val="100000"/>
+              </a:lnSpc>
+              <a:spcBef>
+                <a:spcPts val="0"/>
+              </a:spcBef>
+              <a:spcAft>
+                <a:spcPts val="0"/>
+              </a:spcAft>
+              <a:buClrTx/>
+              <a:buSzTx/>
+              <a:buFontTx/>
+              <a:buNone/>
+              <a:tabLst/>
+              <a:defRPr/>
+            </a:pPr>
+            <a:endParaRPr kumimoji="0" lang="en-US" sz="1800" b="0" i="0" u="none" strike="noStrike" kern="1200" cap="none" spc="0" normalizeH="0" baseline="0" noProof="0">
+              <a:ln>
+                <a:noFill/>
+              </a:ln>
+              <a:solidFill>
+                <a:srgbClr val="FFFFFF"/>
+              </a:solidFill>
+              <a:effectLst/>
+              <a:uLnTx/>
+              <a:uFillTx/>
+              <a:latin typeface="Calibri"/>
+              <a:ea typeface="+mn-ea"/>
+              <a:cs typeface="+mn-cs"/>
+            </a:endParaRPr>
+          </a:p>
+        </p:txBody>
+      </p:sp>
+      <p:sp>
+        <p:nvSpPr>
+          <p:cNvPr id="2" name="Title 1">
+            <a:extLst>
+              <a:ext uri="{FF2B5EF4-FFF2-40B4-BE49-F238E27FC236}">
+                <a16:creationId xmlns:a16="http://schemas.microsoft.com/office/drawing/2014/main" id="{9D7A9A2B-5554-1EBD-BE9A-856330E1CA73}"/>
+              </a:ext>
+            </a:extLst>
+          </p:cNvPr>
+          <p:cNvSpPr>
+            <a:spLocks noGrp="1"/>
+          </p:cNvSpPr>
+          <p:nvPr>
+            <p:ph type="title"/>
+          </p:nvPr>
+        </p:nvSpPr>
+        <p:spPr>
+          <a:xfrm>
+            <a:off x="1893715" y="708498"/>
+            <a:ext cx="9691733" cy="3330055"/>
+          </a:xfrm>
+        </p:spPr>
+        <p:txBody>
+          <a:bodyPr vert="horz" lIns="91440" tIns="45720" rIns="91440" bIns="45720" rtlCol="0" anchor="ctr">
+            <a:normAutofit/>
+          </a:bodyPr>
+          <a:lstStyle/>
+          <a:p>
+            <a:r>
+              <a:rPr lang="en-US" sz="6000" b="0" kern="1200" cap="all" dirty="0">
+                <a:solidFill>
+                  <a:srgbClr val="FFFFFF"/>
+                </a:solidFill>
+                <a:latin typeface="+mj-lt"/>
+                <a:ea typeface="+mj-ea"/>
+                <a:cs typeface="+mj-cs"/>
+              </a:rPr>
+              <a:t>2.1.3confidence interval</a:t>
+            </a:r>
+          </a:p>
+        </p:txBody>
+      </p:sp>
+      <p:sp>
+        <p:nvSpPr>
+          <p:cNvPr id="50" name="Rectangle 49">
+            <a:extLst>
+              <a:ext uri="{FF2B5EF4-FFF2-40B4-BE49-F238E27FC236}">
+                <a16:creationId xmlns:a16="http://schemas.microsoft.com/office/drawing/2014/main" id="{9FC7B9C9-B376-12DE-B600-5380FE9316A0}"/>
+              </a:ext>
+              <a:ext uri="{C183D7F6-B498-43B3-948B-1728B52AA6E4}">
+                <adec:decorative xmlns:adec="http://schemas.microsoft.com/office/drawing/2017/decorative" val="1"/>
+              </a:ext>
+            </a:extLst>
+          </p:cNvPr>
+          <p:cNvSpPr>
+            <a:spLocks noGrp="1" noRot="1" noChangeAspect="1" noMove="1" noResize="1" noEditPoints="1" noAdjustHandles="1" noChangeArrowheads="1" noChangeShapeType="1" noTextEdit="1"/>
+          </p:cNvSpPr>
+          <p:nvPr>
+            <p:extLst>
+              <p:ext uri="{386F3935-93C4-4BCD-93E2-E3B085C9AB24}">
+                <p16:designElem xmlns:p16="http://schemas.microsoft.com/office/powerpoint/2015/main" val="1"/>
+              </p:ext>
+            </p:extLst>
+          </p:nvPr>
+        </p:nvSpPr>
+        <p:spPr>
+          <a:xfrm>
+            <a:off x="1712789" y="4284212"/>
+            <a:ext cx="9961115" cy="2072481"/>
+          </a:xfrm>
+          <a:prstGeom prst="rect">
+            <a:avLst/>
+          </a:prstGeom>
+          <a:solidFill>
+            <a:srgbClr val="6C7781">
+              <a:alpha val="80000"/>
+            </a:srgbClr>
+          </a:solidFill>
+          <a:ln>
+            <a:noFill/>
+          </a:ln>
+          <a:effectLst/>
+        </p:spPr>
+        <p:style>
+          <a:lnRef idx="1">
+            <a:schemeClr val="accent1"/>
+          </a:lnRef>
+          <a:fillRef idx="3">
+            <a:schemeClr val="accent1"/>
+          </a:fillRef>
+          <a:effectRef idx="2">
+            <a:schemeClr val="accent1"/>
+          </a:effectRef>
+          <a:fontRef idx="minor">
+            <a:schemeClr val="lt1"/>
+          </a:fontRef>
+        </p:style>
+        <p:txBody>
+          <a:bodyPr/>
+          <a:lstStyle/>
+          <a:p>
+            <a:pPr marL="0" marR="0" lvl="0" indent="0" algn="l" defTabSz="457200" rtl="0" eaLnBrk="1" fontAlgn="auto" latinLnBrk="0" hangingPunct="1">
+              <a:lnSpc>
+                <a:spcPct val="100000"/>
+              </a:lnSpc>
+              <a:spcBef>
+                <a:spcPts val="0"/>
+              </a:spcBef>
+              <a:spcAft>
+                <a:spcPts val="0"/>
+              </a:spcAft>
+              <a:buClrTx/>
+              <a:buSzTx/>
+              <a:buFontTx/>
+              <a:buNone/>
+              <a:tabLst/>
+              <a:defRPr/>
+            </a:pPr>
+            <a:endParaRPr kumimoji="0" lang="en-US" sz="1800" b="0" i="0" u="none" strike="noStrike" kern="1200" cap="none" spc="0" normalizeH="0" baseline="0" noProof="0">
+              <a:ln>
+                <a:noFill/>
+              </a:ln>
+              <a:solidFill>
+                <a:srgbClr val="FFFFFF"/>
+              </a:solidFill>
+              <a:effectLst/>
+              <a:uLnTx/>
+              <a:uFillTx/>
+              <a:latin typeface="Calibri"/>
+              <a:ea typeface="+mn-ea"/>
+              <a:cs typeface="+mn-cs"/>
+            </a:endParaRPr>
+          </a:p>
+        </p:txBody>
+      </p:sp>
+    </p:spTree>
+    <p:extLst>
+      <p:ext uri="{BB962C8B-B14F-4D97-AF65-F5344CB8AC3E}">
+        <p14:creationId xmlns:p14="http://schemas.microsoft.com/office/powerpoint/2010/main" val="2151588563"/>
+      </p:ext>
+    </p:extLst>
+  </p:cSld>
+  <p:clrMapOvr>
+    <a:masterClrMapping/>
+  </p:clrMapOvr>
+  <p:timing>
+    <p:tnLst>
+      <p:par>
+        <p:cTn id="1" dur="indefinite" restart="never" nodeType="tmRoot">
+          <p:childTnLst>
+            <p:seq concurrent="1" nextAc="seek">
+              <p:cTn id="2" dur="indefinite" nodeType="mainSeq">
+                <p:childTnLst>
+                  <p:par>
+                    <p:cTn id="3" fill="hold">
+                      <p:stCondLst>
+                        <p:cond delay="indefinite"/>
+                        <p:cond evt="onBegin" delay="0">
+                          <p:tn val="2"/>
+                        </p:cond>
+                      </p:stCondLst>
+                      <p:childTnLst>
+                        <p:par>
+                          <p:cTn id="4" fill="hold">
+                            <p:stCondLst>
+                              <p:cond delay="0"/>
+                            </p:stCondLst>
+                            <p:childTnLst>
+                              <p:par>
+                                <p:cTn id="5" presetID="10" presetClass="entr" presetSubtype="0" fill="hold" grpId="0" nodeType="withEffect">
+                                  <p:stCondLst>
+                                    <p:cond delay="500"/>
+                                  </p:stCondLst>
+                                  <p:iterate type="wd">
+                                    <p:tmPct val="15000"/>
+                                  </p:iterate>
+                                  <p:childTnLst>
+                                    <p:set>
+                                      <p:cBhvr>
+                                        <p:cTn id="6" dur="1" fill="hold">
+                                          <p:stCondLst>
+                                            <p:cond delay="0"/>
+                                          </p:stCondLst>
+                                        </p:cTn>
+                                        <p:tgtEl>
+                                          <p:spTgt spid="2"/>
+                                        </p:tgtEl>
+                                        <p:attrNameLst>
+                                          <p:attrName>style.visibility</p:attrName>
+                                        </p:attrNameLst>
+                                      </p:cBhvr>
+                                      <p:to>
+                                        <p:strVal val="visible"/>
+                                      </p:to>
+                                    </p:set>
+                                    <p:animEffect transition="in" filter="fade">
+                                      <p:cBhvr>
+                                        <p:cTn id="7" dur="1000"/>
+                                        <p:tgtEl>
+                                          <p:spTgt spid="2"/>
+                                        </p:tgtEl>
+                                      </p:cBhvr>
+                                    </p:animEffect>
+                                  </p:childTnLst>
+                                </p:cTn>
+                              </p:par>
+                            </p:childTnLst>
+                          </p:cTn>
+                        </p:par>
+                      </p:childTnLst>
+                    </p:cTn>
+                  </p:par>
+                </p:childTnLst>
+              </p:cTn>
+              <p:prevCondLst>
+                <p:cond evt="onPrev" delay="0">
+                  <p:tgtEl>
+                    <p:sldTgt/>
+                  </p:tgtEl>
+                </p:cond>
+              </p:prevCondLst>
+              <p:nextCondLst>
+                <p:cond evt="onNext" delay="0">
+                  <p:tgtEl>
+                    <p:sldTgt/>
+                  </p:tgtEl>
+                </p:cond>
+              </p:nextCondLst>
+            </p:seq>
+          </p:childTnLst>
+        </p:cTn>
+      </p:par>
+    </p:tnLst>
+    <p:bldLst>
+      <p:bldP spid="2" grpId="0"/>
+    </p:bldLst>
+  </p:timing>
+</p:sld>
+</file>
+
+<file path=ppt/slides/slide26.xml><?xml version="1.0" encoding="utf-8"?>
+<p:sld xmlns:a="http://schemas.openxmlformats.org/drawingml/2006/main" xmlns:r="http://schemas.openxmlformats.org/officeDocument/2006/relationships" xmlns:p="http://schemas.openxmlformats.org/presentationml/2006/main">
+  <p:cSld>
+    <p:spTree>
+      <p:nvGrpSpPr>
+        <p:cNvPr id="1" name=""/>
+        <p:cNvGrpSpPr/>
+        <p:nvPr/>
+      </p:nvGrpSpPr>
+      <p:grpSpPr>
+        <a:xfrm>
+          <a:off x="0" y="0"/>
+          <a:ext cx="0" cy="0"/>
+          <a:chOff x="0" y="0"/>
+          <a:chExt cx="0" cy="0"/>
+        </a:xfrm>
+      </p:grpSpPr>
+      <mc:AlternateContent xmlns:mc="http://schemas.openxmlformats.org/markup-compatibility/2006">
+        <mc:Choice xmlns:a14="http://schemas.microsoft.com/office/drawing/2010/main" Requires="a14">
+          <p:sp>
+            <p:nvSpPr>
+              <p:cNvPr id="2" name="Title 1">
+                <a:extLst>
+                  <a:ext uri="{FF2B5EF4-FFF2-40B4-BE49-F238E27FC236}">
+                    <a16:creationId xmlns:a16="http://schemas.microsoft.com/office/drawing/2014/main" id="{428E7204-BE58-A2A8-E83A-130D8651BD74}"/>
+                  </a:ext>
+                </a:extLst>
+              </p:cNvPr>
+              <p:cNvSpPr>
+                <a:spLocks noGrp="1"/>
+              </p:cNvSpPr>
+              <p:nvPr>
+                <p:ph type="title"/>
+              </p:nvPr>
+            </p:nvSpPr>
+            <p:spPr>
+              <a:xfrm>
+                <a:off x="581192" y="702156"/>
+                <a:ext cx="11029616" cy="662187"/>
+              </a:xfrm>
+            </p:spPr>
+            <p:txBody>
+              <a:bodyPr/>
+              <a:lstStyle/>
+              <a:p>
+                <a:r>
+                  <a:rPr lang="en-US" dirty="0"/>
+                  <a:t>Confidence interval for </a:t>
+                </a:r>
+                <a14:m>
+                  <m:oMath xmlns:m="http://schemas.openxmlformats.org/officeDocument/2006/math">
+                    <m:sSub>
+                      <m:sSubPr>
+                        <m:ctrlPr>
+                          <a:rPr lang="en-US" b="0" i="1" smtClean="0">
+                            <a:latin typeface="Cambria Math" panose="02040503050406030204" pitchFamily="18" charset="0"/>
+                          </a:rPr>
+                        </m:ctrlPr>
+                      </m:sSubPr>
+                      <m:e>
+                        <m:r>
+                          <a:rPr lang="en-US" b="0" i="1" smtClean="0">
+                            <a:latin typeface="Cambria Math" panose="02040503050406030204" pitchFamily="18" charset="0"/>
+                          </a:rPr>
+                          <m:t>𝑏</m:t>
+                        </m:r>
+                      </m:e>
+                      <m:sub>
+                        <m:r>
+                          <a:rPr lang="en-US" b="0" i="1" smtClean="0">
+                            <a:latin typeface="Cambria Math" panose="02040503050406030204" pitchFamily="18" charset="0"/>
+                          </a:rPr>
+                          <m:t>0</m:t>
+                        </m:r>
+                      </m:sub>
+                    </m:sSub>
+                  </m:oMath>
+                </a14:m>
+                <a:endParaRPr lang="en-US" dirty="0"/>
+              </a:p>
+            </p:txBody>
+          </p:sp>
+        </mc:Choice>
+        <mc:Fallback>
+          <p:sp>
+            <p:nvSpPr>
+              <p:cNvPr id="2" name="Title 1">
+                <a:extLst>
+                  <a:ext uri="{FF2B5EF4-FFF2-40B4-BE49-F238E27FC236}">
+                    <a16:creationId xmlns:a16="http://schemas.microsoft.com/office/drawing/2014/main" id="{428E7204-BE58-A2A8-E83A-130D8651BD74}"/>
+                  </a:ext>
+                </a:extLst>
+              </p:cNvPr>
+              <p:cNvSpPr>
+                <a:spLocks noGrp="1" noRot="1" noChangeAspect="1" noMove="1" noResize="1" noEditPoints="1" noAdjustHandles="1" noChangeArrowheads="1" noChangeShapeType="1" noTextEdit="1"/>
+              </p:cNvSpPr>
+              <p:nvPr>
+                <p:ph type="title"/>
+              </p:nvPr>
+            </p:nvSpPr>
+            <p:spPr>
+              <a:xfrm>
+                <a:off x="581192" y="702156"/>
+                <a:ext cx="11029616" cy="662187"/>
+              </a:xfrm>
+              <a:blipFill>
+                <a:blip r:embed="rId2"/>
+                <a:stretch>
+                  <a:fillRect l="-1105" b="-26606"/>
+                </a:stretch>
+              </a:blipFill>
+            </p:spPr>
+            <p:txBody>
+              <a:bodyPr/>
+              <a:lstStyle/>
+              <a:p>
+                <a:r>
+                  <a:rPr lang="en-US">
+                    <a:noFill/>
+                  </a:rPr>
+                  <a:t> </a:t>
+                </a:r>
+              </a:p>
+            </p:txBody>
+          </p:sp>
+        </mc:Fallback>
+      </mc:AlternateContent>
+      <mc:AlternateContent xmlns:mc="http://schemas.openxmlformats.org/markup-compatibility/2006">
+        <mc:Choice xmlns:a14="http://schemas.microsoft.com/office/drawing/2010/main" Requires="a14">
+          <p:sp>
+            <p:nvSpPr>
+              <p:cNvPr id="3" name="Content Placeholder 2">
+                <a:extLst>
+                  <a:ext uri="{FF2B5EF4-FFF2-40B4-BE49-F238E27FC236}">
+                    <a16:creationId xmlns:a16="http://schemas.microsoft.com/office/drawing/2014/main" id="{949C0728-9139-7971-2974-D429CDFF14CE}"/>
+                  </a:ext>
+                </a:extLst>
+              </p:cNvPr>
+              <p:cNvSpPr>
+                <a:spLocks noGrp="1"/>
+              </p:cNvSpPr>
+              <p:nvPr>
+                <p:ph idx="1"/>
+              </p:nvPr>
+            </p:nvSpPr>
+            <p:spPr>
+              <a:xfrm>
+                <a:off x="581191" y="1639339"/>
+                <a:ext cx="11029615" cy="3584667"/>
+              </a:xfrm>
+            </p:spPr>
+            <p:txBody>
+              <a:bodyPr>
+                <a:normAutofit/>
+              </a:bodyPr>
+              <a:lstStyle/>
+              <a:p>
+                <a:pPr marL="0" indent="0" algn="l">
+                  <a:buNone/>
+                </a:pPr>
+                <a:r>
+                  <a:rPr lang="en-US" sz="2400" b="0" i="0" u="none" strike="noStrike" baseline="0" dirty="0">
+                    <a:solidFill>
+                      <a:srgbClr val="131413"/>
+                    </a:solidFill>
+                  </a:rPr>
+                  <a:t>A 95% confidence interval is defined as a range of values such that with 95% probability, the range will contain the true unknown value of the parameter.</a:t>
+                </a:r>
+              </a:p>
+              <a:p>
+                <a:pPr marL="0" indent="0" algn="l">
+                  <a:buNone/>
+                </a:pPr>
+                <a:endParaRPr lang="en-US" sz="2400" dirty="0">
+                  <a:solidFill>
+                    <a:srgbClr val="131413"/>
+                  </a:solidFill>
+                </a:endParaRPr>
+              </a:p>
+              <a:p>
+                <a:pPr marL="0" indent="0">
+                  <a:buNone/>
+                </a:pPr>
+                <a14:m>
+                  <m:oMathPara xmlns:m="http://schemas.openxmlformats.org/officeDocument/2006/math">
+                    <m:oMathParaPr>
+                      <m:jc m:val="centerGroup"/>
+                    </m:oMathParaPr>
+                    <m:oMath xmlns:m="http://schemas.openxmlformats.org/officeDocument/2006/math">
+                      <m:r>
+                        <a:rPr lang="en-US" sz="2400" b="0" i="1" smtClean="0">
+                          <a:latin typeface="Cambria Math" panose="02040503050406030204" pitchFamily="18" charset="0"/>
+                        </a:rPr>
+                        <m:t>[</m:t>
+                      </m:r>
+                      <m:sSub>
+                        <m:sSubPr>
+                          <m:ctrlPr>
+                            <a:rPr lang="en-US" sz="2400" b="0" i="0" smtClean="0">
+                              <a:latin typeface="Cambria Math" panose="02040503050406030204" pitchFamily="18" charset="0"/>
+                            </a:rPr>
+                          </m:ctrlPr>
+                        </m:sSubPr>
+                        <m:e>
+                          <m:r>
+                            <m:rPr>
+                              <m:sty m:val="p"/>
+                            </m:rPr>
+                            <a:rPr lang="en-US" sz="2400" b="0" i="0" smtClean="0">
+                              <a:latin typeface="Cambria Math" panose="02040503050406030204" pitchFamily="18" charset="0"/>
+                            </a:rPr>
+                            <m:t>b</m:t>
+                          </m:r>
+                        </m:e>
+                        <m:sub>
+                          <m:r>
+                            <a:rPr lang="en-US" sz="2400" b="0" i="0" smtClean="0">
+                              <a:latin typeface="Cambria Math" panose="02040503050406030204" pitchFamily="18" charset="0"/>
+                            </a:rPr>
+                            <m:t>0</m:t>
+                          </m:r>
+                        </m:sub>
+                      </m:sSub>
+                      <m:r>
+                        <a:rPr lang="en-US" sz="2400" b="0" i="0" smtClean="0">
+                          <a:latin typeface="Cambria Math" panose="02040503050406030204" pitchFamily="18" charset="0"/>
+                        </a:rPr>
+                        <m:t>+2∗</m:t>
+                      </m:r>
+                      <m:r>
+                        <a:rPr lang="en-US" sz="2400" b="0" i="1" smtClean="0">
+                          <a:latin typeface="Cambria Math" panose="02040503050406030204" pitchFamily="18" charset="0"/>
+                        </a:rPr>
+                        <m:t>𝑆𝐸</m:t>
+                      </m:r>
+                      <m:d>
+                        <m:dPr>
+                          <m:ctrlPr>
+                            <a:rPr lang="en-US" sz="2400" b="0" i="1" smtClean="0">
+                              <a:latin typeface="Cambria Math" panose="02040503050406030204" pitchFamily="18" charset="0"/>
+                            </a:rPr>
+                          </m:ctrlPr>
+                        </m:dPr>
+                        <m:e>
+                          <m:sSub>
+                            <m:sSubPr>
+                              <m:ctrlPr>
+                                <a:rPr lang="en-US" sz="2400" b="0" i="1" smtClean="0">
+                                  <a:latin typeface="Cambria Math" panose="02040503050406030204" pitchFamily="18" charset="0"/>
+                                </a:rPr>
+                              </m:ctrlPr>
+                            </m:sSubPr>
+                            <m:e>
+                              <m:r>
+                                <a:rPr lang="en-US" sz="2400" b="0" i="1" smtClean="0">
+                                  <a:latin typeface="Cambria Math" panose="02040503050406030204" pitchFamily="18" charset="0"/>
+                                </a:rPr>
+                                <m:t>𝑏</m:t>
+                              </m:r>
+                            </m:e>
+                            <m:sub>
+                              <m:r>
+                                <a:rPr lang="en-US" sz="2400" b="0" i="1" smtClean="0">
+                                  <a:latin typeface="Cambria Math" panose="02040503050406030204" pitchFamily="18" charset="0"/>
+                                </a:rPr>
+                                <m:t>0</m:t>
+                              </m:r>
+                            </m:sub>
+                          </m:sSub>
+                        </m:e>
+                      </m:d>
+                      <m:r>
+                        <a:rPr lang="en-US" sz="2400" b="0" i="1" smtClean="0">
+                          <a:latin typeface="Cambria Math" panose="02040503050406030204" pitchFamily="18" charset="0"/>
+                        </a:rPr>
+                        <m:t>,</m:t>
+                      </m:r>
+                      <m:sSub>
+                        <m:sSubPr>
+                          <m:ctrlPr>
+                            <a:rPr lang="en-US" sz="2400" i="1">
+                              <a:latin typeface="Cambria Math" panose="02040503050406030204" pitchFamily="18" charset="0"/>
+                            </a:rPr>
+                          </m:ctrlPr>
+                        </m:sSubPr>
+                        <m:e>
+                          <m:r>
+                            <m:rPr>
+                              <m:sty m:val="p"/>
+                            </m:rPr>
+                            <a:rPr lang="en-US" sz="2400">
+                              <a:latin typeface="Cambria Math" panose="02040503050406030204" pitchFamily="18" charset="0"/>
+                            </a:rPr>
+                            <m:t>b</m:t>
+                          </m:r>
+                        </m:e>
+                        <m:sub>
+                          <m:r>
+                            <a:rPr lang="en-US" sz="2400">
+                              <a:latin typeface="Cambria Math" panose="02040503050406030204" pitchFamily="18" charset="0"/>
+                            </a:rPr>
+                            <m:t>0</m:t>
+                          </m:r>
+                        </m:sub>
+                      </m:sSub>
+                      <m:r>
+                        <a:rPr lang="en-US" sz="2400" b="0" i="0" smtClean="0">
+                          <a:latin typeface="Cambria Math" panose="02040503050406030204" pitchFamily="18" charset="0"/>
+                        </a:rPr>
+                        <m:t>−</m:t>
+                      </m:r>
+                      <m:r>
+                        <a:rPr lang="en-US" sz="2400">
+                          <a:latin typeface="Cambria Math" panose="02040503050406030204" pitchFamily="18" charset="0"/>
+                        </a:rPr>
+                        <m:t>2∗</m:t>
+                      </m:r>
+                      <m:r>
+                        <a:rPr lang="en-US" sz="2400" i="1">
+                          <a:latin typeface="Cambria Math" panose="02040503050406030204" pitchFamily="18" charset="0"/>
+                        </a:rPr>
+                        <m:t>𝑆𝐸</m:t>
+                      </m:r>
+                      <m:d>
+                        <m:dPr>
+                          <m:ctrlPr>
+                            <a:rPr lang="en-US" sz="2400" i="1">
+                              <a:latin typeface="Cambria Math" panose="02040503050406030204" pitchFamily="18" charset="0"/>
+                            </a:rPr>
+                          </m:ctrlPr>
+                        </m:dPr>
+                        <m:e>
+                          <m:sSub>
+                            <m:sSubPr>
+                              <m:ctrlPr>
+                                <a:rPr lang="en-US" sz="2400" i="1">
+                                  <a:latin typeface="Cambria Math" panose="02040503050406030204" pitchFamily="18" charset="0"/>
+                                </a:rPr>
+                              </m:ctrlPr>
+                            </m:sSubPr>
+                            <m:e>
+                              <m:r>
+                                <a:rPr lang="en-US" sz="2400" i="1">
+                                  <a:latin typeface="Cambria Math" panose="02040503050406030204" pitchFamily="18" charset="0"/>
+                                </a:rPr>
+                                <m:t>𝑏</m:t>
+                              </m:r>
+                            </m:e>
+                            <m:sub>
+                              <m:r>
+                                <a:rPr lang="en-US" sz="2400" i="1">
+                                  <a:latin typeface="Cambria Math" panose="02040503050406030204" pitchFamily="18" charset="0"/>
+                                </a:rPr>
+                                <m:t>0</m:t>
+                              </m:r>
+                            </m:sub>
+                          </m:sSub>
+                        </m:e>
+                      </m:d>
+                      <m:r>
+                        <a:rPr lang="en-US" sz="2400" b="0" i="1" smtClean="0">
+                          <a:latin typeface="Cambria Math" panose="02040503050406030204" pitchFamily="18" charset="0"/>
+                        </a:rPr>
+                        <m:t>]</m:t>
+                      </m:r>
+                    </m:oMath>
+                  </m:oMathPara>
+                </a14:m>
+                <a:endParaRPr lang="en-US" sz="2400" dirty="0"/>
+              </a:p>
+            </p:txBody>
+          </p:sp>
+        </mc:Choice>
+        <mc:Fallback>
+          <p:sp>
+            <p:nvSpPr>
+              <p:cNvPr id="3" name="Content Placeholder 2">
+                <a:extLst>
+                  <a:ext uri="{FF2B5EF4-FFF2-40B4-BE49-F238E27FC236}">
+                    <a16:creationId xmlns:a16="http://schemas.microsoft.com/office/drawing/2014/main" id="{949C0728-9139-7971-2974-D429CDFF14CE}"/>
+                  </a:ext>
+                </a:extLst>
+              </p:cNvPr>
+              <p:cNvSpPr>
+                <a:spLocks noGrp="1" noRot="1" noChangeAspect="1" noMove="1" noResize="1" noEditPoints="1" noAdjustHandles="1" noChangeArrowheads="1" noChangeShapeType="1" noTextEdit="1"/>
+              </p:cNvSpPr>
+              <p:nvPr>
+                <p:ph idx="1"/>
+              </p:nvPr>
+            </p:nvSpPr>
+            <p:spPr>
+              <a:xfrm>
+                <a:off x="581191" y="1639339"/>
+                <a:ext cx="11029615" cy="3584667"/>
+              </a:xfrm>
+              <a:blipFill>
+                <a:blip r:embed="rId3"/>
+                <a:stretch>
+                  <a:fillRect l="-829"/>
+                </a:stretch>
+              </a:blipFill>
+            </p:spPr>
+            <p:txBody>
+              <a:bodyPr/>
+              <a:lstStyle/>
+              <a:p>
+                <a:r>
+                  <a:rPr lang="en-US">
+                    <a:noFill/>
+                  </a:rPr>
+                  <a:t> </a:t>
+                </a:r>
+              </a:p>
+            </p:txBody>
+          </p:sp>
+        </mc:Fallback>
+      </mc:AlternateContent>
+    </p:spTree>
+    <p:extLst>
+      <p:ext uri="{BB962C8B-B14F-4D97-AF65-F5344CB8AC3E}">
+        <p14:creationId xmlns:p14="http://schemas.microsoft.com/office/powerpoint/2010/main" val="2651253403"/>
+      </p:ext>
+    </p:extLst>
+  </p:cSld>
+  <p:clrMapOvr>
+    <a:masterClrMapping/>
+  </p:clrMapOvr>
+</p:sld>
+</file>
+
+<file path=ppt/slides/slide27.xml><?xml version="1.0" encoding="utf-8"?>
+<p:sld xmlns:a="http://schemas.openxmlformats.org/drawingml/2006/main" xmlns:r="http://schemas.openxmlformats.org/officeDocument/2006/relationships" xmlns:p="http://schemas.openxmlformats.org/presentationml/2006/main">
+  <p:cSld>
+    <p:spTree>
+      <p:nvGrpSpPr>
+        <p:cNvPr id="1" name="">
+          <a:extLst>
+            <a:ext uri="{FF2B5EF4-FFF2-40B4-BE49-F238E27FC236}">
+              <a16:creationId xmlns:a16="http://schemas.microsoft.com/office/drawing/2014/main" id="{BEE0F682-7347-D560-359C-7937B93F8BF9}"/>
+            </a:ext>
+          </a:extLst>
+        </p:cNvPr>
+        <p:cNvGrpSpPr/>
+        <p:nvPr/>
+      </p:nvGrpSpPr>
+      <p:grpSpPr>
+        <a:xfrm>
+          <a:off x="0" y="0"/>
+          <a:ext cx="0" cy="0"/>
+          <a:chOff x="0" y="0"/>
+          <a:chExt cx="0" cy="0"/>
+        </a:xfrm>
+      </p:grpSpPr>
+      <mc:AlternateContent xmlns:mc="http://schemas.openxmlformats.org/markup-compatibility/2006">
+        <mc:Choice xmlns:a14="http://schemas.microsoft.com/office/drawing/2010/main" Requires="a14">
+          <p:sp>
+            <p:nvSpPr>
+              <p:cNvPr id="3" name="Title 1">
+                <a:extLst>
+                  <a:ext uri="{FF2B5EF4-FFF2-40B4-BE49-F238E27FC236}">
+                    <a16:creationId xmlns:a16="http://schemas.microsoft.com/office/drawing/2014/main" id="{41806203-D193-2DE9-561A-89F7B9FD3A9A}"/>
+                  </a:ext>
+                </a:extLst>
+              </p:cNvPr>
+              <p:cNvSpPr txBox="1">
+                <a:spLocks/>
+              </p:cNvSpPr>
+              <p:nvPr/>
+            </p:nvSpPr>
+            <p:spPr>
+              <a:xfrm>
+                <a:off x="581192" y="702156"/>
+                <a:ext cx="11029616" cy="662187"/>
+              </a:xfrm>
+              <a:prstGeom prst="rect">
+                <a:avLst/>
+              </a:prstGeom>
+            </p:spPr>
+            <p:txBody>
+              <a:bodyPr vert="horz" lIns="91440" tIns="45720" rIns="91440" bIns="45720" rtlCol="0" anchor="b">
+                <a:normAutofit/>
+              </a:bodyPr>
+              <a:lstStyle>
+                <a:lvl1pPr algn="l" defTabSz="457200" rtl="0" eaLnBrk="1" latinLnBrk="0" hangingPunct="1">
+                  <a:lnSpc>
+                    <a:spcPct val="100000"/>
+                  </a:lnSpc>
+                  <a:spcBef>
+                    <a:spcPct val="0"/>
+                  </a:spcBef>
+                  <a:buNone/>
+                  <a:defRPr sz="2800" b="0" kern="1200" cap="all">
+                    <a:solidFill>
+                      <a:schemeClr val="tx1">
+                        <a:lumMod val="75000"/>
+                        <a:lumOff val="25000"/>
+                      </a:schemeClr>
+                    </a:solidFill>
+                    <a:latin typeface="+mj-lt"/>
+                    <a:ea typeface="+mj-ea"/>
+                    <a:cs typeface="+mj-cs"/>
+                  </a:defRPr>
+                </a:lvl1pPr>
+                <a:lvl2pPr eaLnBrk="1" hangingPunct="1">
+                  <a:defRPr>
+                    <a:solidFill>
+                      <a:schemeClr val="tx2"/>
+                    </a:solidFill>
+                  </a:defRPr>
+                </a:lvl2pPr>
+                <a:lvl3pPr eaLnBrk="1" hangingPunct="1">
+                  <a:defRPr>
+                    <a:solidFill>
+                      <a:schemeClr val="tx2"/>
+                    </a:solidFill>
+                  </a:defRPr>
+                </a:lvl3pPr>
+                <a:lvl4pPr eaLnBrk="1" hangingPunct="1">
+                  <a:defRPr>
+                    <a:solidFill>
+                      <a:schemeClr val="tx2"/>
+                    </a:solidFill>
+                  </a:defRPr>
+                </a:lvl4pPr>
+                <a:lvl5pPr eaLnBrk="1" hangingPunct="1">
+                  <a:defRPr>
+                    <a:solidFill>
+                      <a:schemeClr val="tx2"/>
+                    </a:solidFill>
+                  </a:defRPr>
+                </a:lvl5pPr>
+                <a:lvl6pPr eaLnBrk="1" hangingPunct="1">
+                  <a:defRPr>
+                    <a:solidFill>
+                      <a:schemeClr val="tx2"/>
+                    </a:solidFill>
+                  </a:defRPr>
+                </a:lvl6pPr>
+                <a:lvl7pPr eaLnBrk="1" hangingPunct="1">
+                  <a:defRPr>
+                    <a:solidFill>
+                      <a:schemeClr val="tx2"/>
+                    </a:solidFill>
+                  </a:defRPr>
+                </a:lvl7pPr>
+                <a:lvl8pPr eaLnBrk="1" hangingPunct="1">
+                  <a:defRPr>
+                    <a:solidFill>
+                      <a:schemeClr val="tx2"/>
+                    </a:solidFill>
+                  </a:defRPr>
+                </a:lvl8pPr>
+                <a:lvl9pPr eaLnBrk="1" hangingPunct="1">
+                  <a:defRPr>
+                    <a:solidFill>
+                      <a:schemeClr val="tx2"/>
+                    </a:solidFill>
+                  </a:defRPr>
+                </a:lvl9pPr>
+              </a:lstStyle>
+              <a:p>
+                <a:r>
+                  <a:rPr lang="en-US" dirty="0"/>
+                  <a:t>Confidence interval for </a:t>
+                </a:r>
+                <a14:m>
+                  <m:oMath xmlns:m="http://schemas.openxmlformats.org/officeDocument/2006/math">
+                    <m:sSub>
+                      <m:sSubPr>
+                        <m:ctrlPr>
+                          <a:rPr lang="en-US" i="1" smtClean="0">
+                            <a:latin typeface="Cambria Math" panose="02040503050406030204" pitchFamily="18" charset="0"/>
+                          </a:rPr>
+                        </m:ctrlPr>
+                      </m:sSubPr>
+                      <m:e>
+                        <m:r>
+                          <a:rPr lang="en-US" i="1" smtClean="0">
+                            <a:latin typeface="Cambria Math" panose="02040503050406030204" pitchFamily="18" charset="0"/>
+                          </a:rPr>
+                          <m:t>𝑏</m:t>
+                        </m:r>
+                      </m:e>
+                      <m:sub>
+                        <m:r>
+                          <a:rPr lang="en-US" b="0" i="1" smtClean="0">
+                            <a:latin typeface="Cambria Math" panose="02040503050406030204" pitchFamily="18" charset="0"/>
+                          </a:rPr>
+                          <m:t>1</m:t>
+                        </m:r>
+                      </m:sub>
+                    </m:sSub>
+                  </m:oMath>
+                </a14:m>
+                <a:endParaRPr lang="en-US" dirty="0"/>
+              </a:p>
+            </p:txBody>
+          </p:sp>
+        </mc:Choice>
+        <mc:Fallback>
+          <p:sp>
+            <p:nvSpPr>
+              <p:cNvPr id="3" name="Title 1">
+                <a:extLst>
+                  <a:ext uri="{FF2B5EF4-FFF2-40B4-BE49-F238E27FC236}">
+                    <a16:creationId xmlns:a16="http://schemas.microsoft.com/office/drawing/2014/main" id="{41806203-D193-2DE9-561A-89F7B9FD3A9A}"/>
+                  </a:ext>
+                </a:extLst>
+              </p:cNvPr>
+              <p:cNvSpPr txBox="1">
+                <a:spLocks noRot="1" noChangeAspect="1" noMove="1" noResize="1" noEditPoints="1" noAdjustHandles="1" noChangeArrowheads="1" noChangeShapeType="1" noTextEdit="1"/>
+              </p:cNvSpPr>
+              <p:nvPr/>
+            </p:nvSpPr>
+            <p:spPr>
+              <a:xfrm>
+                <a:off x="581192" y="702156"/>
+                <a:ext cx="11029616" cy="662187"/>
+              </a:xfrm>
+              <a:prstGeom prst="rect">
+                <a:avLst/>
+              </a:prstGeom>
+              <a:blipFill>
+                <a:blip r:embed="rId2"/>
+                <a:stretch>
+                  <a:fillRect l="-1105" b="-26606"/>
+                </a:stretch>
+              </a:blipFill>
+            </p:spPr>
+            <p:txBody>
+              <a:bodyPr/>
+              <a:lstStyle/>
+              <a:p>
+                <a:r>
+                  <a:rPr lang="en-US">
+                    <a:noFill/>
+                  </a:rPr>
+                  <a:t> </a:t>
+                </a:r>
+              </a:p>
+            </p:txBody>
+          </p:sp>
+        </mc:Fallback>
+      </mc:AlternateContent>
+      <mc:AlternateContent xmlns:mc="http://schemas.openxmlformats.org/markup-compatibility/2006">
+        <mc:Choice xmlns:a14="http://schemas.microsoft.com/office/drawing/2010/main" Requires="a14">
+          <p:sp>
+            <p:nvSpPr>
+              <p:cNvPr id="8" name="TextBox 7">
+                <a:extLst>
+                  <a:ext uri="{FF2B5EF4-FFF2-40B4-BE49-F238E27FC236}">
+                    <a16:creationId xmlns:a16="http://schemas.microsoft.com/office/drawing/2014/main" id="{213997E3-6EF7-3F21-5BED-BB2F60088CBC}"/>
+                  </a:ext>
+                </a:extLst>
+              </p:cNvPr>
+              <p:cNvSpPr txBox="1"/>
+              <p:nvPr/>
+            </p:nvSpPr>
+            <p:spPr>
+              <a:xfrm>
+                <a:off x="648305" y="1951316"/>
+                <a:ext cx="10474476" cy="1569660"/>
+              </a:xfrm>
+              <a:prstGeom prst="rect">
+                <a:avLst/>
+              </a:prstGeom>
+              <a:noFill/>
+            </p:spPr>
+            <p:txBody>
+              <a:bodyPr wrap="square">
+                <a:spAutoFit/>
+              </a:bodyPr>
+              <a:lstStyle/>
+              <a:p>
+                <a:pPr marL="0" indent="0" algn="l">
+                  <a:buNone/>
+                </a:pPr>
+                <a:r>
+                  <a:rPr lang="en-US" sz="2400" b="0" i="0" u="none" strike="noStrike" baseline="0" dirty="0">
+                    <a:solidFill>
+                      <a:srgbClr val="131413"/>
+                    </a:solidFill>
+                  </a:rPr>
+                  <a:t>A 95% confidence interval is defined as a range of values such that with 95% probability, the range will contain the true unknown value of the parameter.</a:t>
+                </a:r>
+              </a:p>
+              <a:p>
+                <a:pPr marL="0" indent="0" algn="l">
+                  <a:buNone/>
+                </a:pPr>
+                <a:endParaRPr lang="en-US" sz="2400" dirty="0">
+                  <a:solidFill>
+                    <a:srgbClr val="131413"/>
+                  </a:solidFill>
+                </a:endParaRPr>
+              </a:p>
+              <a:p>
+                <a:pPr marL="0" indent="0">
+                  <a:buNone/>
+                </a:pPr>
+                <a14:m>
+                  <m:oMathPara xmlns:m="http://schemas.openxmlformats.org/officeDocument/2006/math">
+                    <m:oMathParaPr>
+                      <m:jc m:val="centerGroup"/>
+                    </m:oMathParaPr>
+                    <m:oMath xmlns:m="http://schemas.openxmlformats.org/officeDocument/2006/math">
+                      <m:r>
+                        <a:rPr lang="en-US" sz="2400" b="0" i="1" smtClean="0"/>
+                        <m:t>[</m:t>
+                      </m:r>
+                      <m:sSub>
+                        <m:sSubPr>
+                          <m:ctrlPr>
+                            <a:rPr lang="en-US" sz="2400" b="0" i="0" smtClean="0">
+                              <a:latin typeface="Cambria Math" panose="02040503050406030204" pitchFamily="18" charset="0"/>
+                            </a:rPr>
+                          </m:ctrlPr>
+                        </m:sSubPr>
+                        <m:e>
+                          <m:r>
+                            <m:rPr>
+                              <m:sty m:val="p"/>
+                            </m:rPr>
+                            <a:rPr lang="en-US" sz="2400" b="0" i="0" smtClean="0">
+                              <a:latin typeface="Cambria Math" panose="02040503050406030204" pitchFamily="18" charset="0"/>
+                            </a:rPr>
+                            <m:t>b</m:t>
+                          </m:r>
+                        </m:e>
+                        <m:sub>
+                          <m:r>
+                            <a:rPr lang="en-US" sz="2400" b="0" i="0" smtClean="0">
+                              <a:latin typeface="Cambria Math" panose="02040503050406030204" pitchFamily="18" charset="0"/>
+                            </a:rPr>
+                            <m:t>1</m:t>
+                          </m:r>
+                        </m:sub>
+                      </m:sSub>
+                      <m:r>
+                        <a:rPr lang="en-US" sz="2400" b="0" i="0" smtClean="0"/>
+                        <m:t>+2∗</m:t>
+                      </m:r>
+                      <m:r>
+                        <a:rPr lang="en-US" sz="2400" b="0" i="1" smtClean="0"/>
+                        <m:t>𝑆𝐸</m:t>
+                      </m:r>
+                      <m:d>
+                        <m:dPr>
+                          <m:ctrlPr>
+                            <a:rPr lang="en-US" sz="2400" b="0" i="1" smtClean="0"/>
+                          </m:ctrlPr>
+                        </m:dPr>
+                        <m:e>
+                          <m:sSub>
+                            <m:sSubPr>
+                              <m:ctrlPr>
+                                <a:rPr lang="en-US" sz="2400" b="0" i="1" smtClean="0"/>
+                              </m:ctrlPr>
+                            </m:sSubPr>
+                            <m:e>
+                              <m:r>
+                                <a:rPr lang="en-US" sz="2400" b="0" i="1" smtClean="0"/>
+                                <m:t>𝑏</m:t>
+                              </m:r>
+                            </m:e>
+                            <m:sub>
+                              <m:r>
+                                <a:rPr lang="en-US" sz="2400" b="0" i="1" smtClean="0">
+                                  <a:latin typeface="Cambria Math" panose="02040503050406030204" pitchFamily="18" charset="0"/>
+                                </a:rPr>
+                                <m:t>1</m:t>
+                              </m:r>
+                            </m:sub>
+                          </m:sSub>
+                        </m:e>
+                      </m:d>
+                      <m:r>
+                        <a:rPr lang="en-US" sz="2400" b="0" i="1" smtClean="0"/>
+                        <m:t>,</m:t>
+                      </m:r>
+                      <m:sSub>
+                        <m:sSubPr>
+                          <m:ctrlPr>
+                            <a:rPr lang="en-US" sz="2400" i="1"/>
+                          </m:ctrlPr>
+                        </m:sSubPr>
+                        <m:e>
+                          <m:r>
+                            <m:rPr>
+                              <m:sty m:val="p"/>
+                            </m:rPr>
+                            <a:rPr lang="en-US" sz="2400"/>
+                            <m:t>b</m:t>
+                          </m:r>
+                        </m:e>
+                        <m:sub>
+                          <m:r>
+                            <a:rPr lang="en-US" sz="2400" b="0" i="0" smtClean="0">
+                              <a:latin typeface="Cambria Math" panose="02040503050406030204" pitchFamily="18" charset="0"/>
+                            </a:rPr>
+                            <m:t>1</m:t>
+                          </m:r>
+                        </m:sub>
+                      </m:sSub>
+                      <m:r>
+                        <a:rPr lang="en-US" sz="2400" b="0" i="0" smtClean="0"/>
+                        <m:t>−</m:t>
+                      </m:r>
+                      <m:r>
+                        <a:rPr lang="en-US" sz="2400"/>
+                        <m:t>2∗</m:t>
+                      </m:r>
+                      <m:r>
+                        <a:rPr lang="en-US" sz="2400" i="1"/>
+                        <m:t>𝑆𝐸</m:t>
+                      </m:r>
+                      <m:d>
+                        <m:dPr>
+                          <m:ctrlPr>
+                            <a:rPr lang="en-US" sz="2400" i="1"/>
+                          </m:ctrlPr>
+                        </m:dPr>
+                        <m:e>
+                          <m:sSub>
+                            <m:sSubPr>
+                              <m:ctrlPr>
+                                <a:rPr lang="en-US" sz="2400" i="1"/>
+                              </m:ctrlPr>
+                            </m:sSubPr>
+                            <m:e>
+                              <m:r>
+                                <a:rPr lang="en-US" sz="2400" i="1"/>
+                                <m:t>𝑏</m:t>
+                              </m:r>
+                            </m:e>
+                            <m:sub>
+                              <m:r>
+                                <a:rPr lang="en-US" sz="2400" b="0" i="1" smtClean="0">
+                                  <a:latin typeface="Cambria Math" panose="02040503050406030204" pitchFamily="18" charset="0"/>
+                                </a:rPr>
+                                <m:t>1</m:t>
+                              </m:r>
+                            </m:sub>
+                          </m:sSub>
+                        </m:e>
+                      </m:d>
+                      <m:r>
+                        <a:rPr lang="en-US" sz="2400" b="0" i="1" smtClean="0"/>
+                        <m:t>]</m:t>
+                      </m:r>
+                    </m:oMath>
+                  </m:oMathPara>
+                </a14:m>
+                <a:endParaRPr lang="en-US" sz="2400" dirty="0"/>
+              </a:p>
+            </p:txBody>
+          </p:sp>
+        </mc:Choice>
+        <mc:Fallback>
+          <p:sp>
+            <p:nvSpPr>
+              <p:cNvPr id="8" name="TextBox 7">
+                <a:extLst>
+                  <a:ext uri="{FF2B5EF4-FFF2-40B4-BE49-F238E27FC236}">
+                    <a16:creationId xmlns:a16="http://schemas.microsoft.com/office/drawing/2014/main" id="{213997E3-6EF7-3F21-5BED-BB2F60088CBC}"/>
+                  </a:ext>
+                </a:extLst>
+              </p:cNvPr>
+              <p:cNvSpPr txBox="1">
+                <a:spLocks noRot="1" noChangeAspect="1" noMove="1" noResize="1" noEditPoints="1" noAdjustHandles="1" noChangeArrowheads="1" noChangeShapeType="1" noTextEdit="1"/>
+              </p:cNvSpPr>
+              <p:nvPr/>
+            </p:nvSpPr>
+            <p:spPr>
+              <a:xfrm>
+                <a:off x="648305" y="1951316"/>
+                <a:ext cx="10474476" cy="1569660"/>
+              </a:xfrm>
+              <a:prstGeom prst="rect">
+                <a:avLst/>
+              </a:prstGeom>
+              <a:blipFill>
+                <a:blip r:embed="rId3"/>
+                <a:stretch>
+                  <a:fillRect l="-873" t="-3101" b="-4264"/>
+                </a:stretch>
+              </a:blipFill>
+            </p:spPr>
+            <p:txBody>
+              <a:bodyPr/>
+              <a:lstStyle/>
+              <a:p>
+                <a:r>
+                  <a:rPr lang="en-US">
+                    <a:noFill/>
+                  </a:rPr>
+                  <a:t> </a:t>
+                </a:r>
+              </a:p>
+            </p:txBody>
+          </p:sp>
+        </mc:Fallback>
+      </mc:AlternateContent>
+    </p:spTree>
+    <p:extLst>
+      <p:ext uri="{BB962C8B-B14F-4D97-AF65-F5344CB8AC3E}">
+        <p14:creationId xmlns:p14="http://schemas.microsoft.com/office/powerpoint/2010/main" val="2636677861"/>
+      </p:ext>
+    </p:extLst>
+  </p:cSld>
+  <p:clrMapOvr>
+    <a:masterClrMapping/>
+  </p:clrMapOvr>
+</p:sld>
+</file>
+
+<file path=ppt/slides/slide28.xml><?xml version="1.0" encoding="utf-8"?>
+<p:sld xmlns:a="http://schemas.openxmlformats.org/drawingml/2006/main" xmlns:r="http://schemas.openxmlformats.org/officeDocument/2006/relationships" xmlns:p="http://schemas.openxmlformats.org/presentationml/2006/main">
+  <p:cSld>
+    <p:spTree>
+      <p:nvGrpSpPr>
+        <p:cNvPr id="1" name=""/>
+        <p:cNvGrpSpPr/>
+        <p:nvPr/>
+      </p:nvGrpSpPr>
+      <p:grpSpPr>
+        <a:xfrm>
+          <a:off x="0" y="0"/>
+          <a:ext cx="0" cy="0"/>
+          <a:chOff x="0" y="0"/>
+          <a:chExt cx="0" cy="0"/>
+        </a:xfrm>
+      </p:grpSpPr>
+      <p:sp>
+        <p:nvSpPr>
+          <p:cNvPr id="2" name="Title 1">
+            <a:extLst>
+              <a:ext uri="{FF2B5EF4-FFF2-40B4-BE49-F238E27FC236}">
+                <a16:creationId xmlns:a16="http://schemas.microsoft.com/office/drawing/2014/main" id="{5EC602A7-9647-11A1-CA3E-1865B740398D}"/>
+              </a:ext>
+            </a:extLst>
+          </p:cNvPr>
+          <p:cNvSpPr>
+            <a:spLocks noGrp="1"/>
+          </p:cNvSpPr>
+          <p:nvPr>
+            <p:ph type="title"/>
+          </p:nvPr>
+        </p:nvSpPr>
+        <p:spPr>
+          <a:xfrm>
+            <a:off x="581192" y="702155"/>
+            <a:ext cx="11029616" cy="671863"/>
+          </a:xfrm>
+        </p:spPr>
+        <p:txBody>
+          <a:bodyPr/>
+          <a:lstStyle/>
+          <a:p>
+            <a:r>
+              <a:rPr lang="en-US" dirty="0"/>
+              <a:t>Two confidence interval</a:t>
+            </a:r>
+          </a:p>
+        </p:txBody>
+      </p:sp>
+      <p:sp>
+        <p:nvSpPr>
+          <p:cNvPr id="3" name="Content Placeholder 2">
+            <a:extLst>
+              <a:ext uri="{FF2B5EF4-FFF2-40B4-BE49-F238E27FC236}">
+                <a16:creationId xmlns:a16="http://schemas.microsoft.com/office/drawing/2014/main" id="{A79FED69-34E6-BA95-2080-80FD088FB8A8}"/>
+              </a:ext>
+            </a:extLst>
+          </p:cNvPr>
+          <p:cNvSpPr>
+            <a:spLocks noGrp="1"/>
+          </p:cNvSpPr>
+          <p:nvPr>
+            <p:ph idx="1"/>
+          </p:nvPr>
+        </p:nvSpPr>
+        <p:spPr/>
+        <p:txBody>
+          <a:bodyPr/>
+          <a:lstStyle/>
+          <a:p>
+            <a:endParaRPr lang="en-US"/>
+          </a:p>
+        </p:txBody>
+      </p:sp>
+    </p:spTree>
+    <p:extLst>
+      <p:ext uri="{BB962C8B-B14F-4D97-AF65-F5344CB8AC3E}">
+        <p14:creationId xmlns:p14="http://schemas.microsoft.com/office/powerpoint/2010/main" val="2829002380"/>
+      </p:ext>
+    </p:extLst>
+  </p:cSld>
+  <p:clrMapOvr>
+    <a:masterClrMapping/>
+  </p:clrMapOvr>
+</p:sld>
+</file>
+
+<file path=ppt/slides/slide29.xml><?xml version="1.0" encoding="utf-8"?>
 <p:sld xmlns:a="http://schemas.openxmlformats.org/drawingml/2006/main" xmlns:r="http://schemas.openxmlformats.org/officeDocument/2006/relationships" xmlns:p="http://schemas.openxmlformats.org/presentationml/2006/main">
   <p:cSld>
     <p:bg>
@@ -16848,8 +19756,8 @@
           </a:p>
         </p:txBody>
       </p:sp>
-      <mc:AlternateContent xmlns:mc="http://schemas.openxmlformats.org/markup-compatibility/2006">
-        <mc:Choice xmlns:a14="http://schemas.microsoft.com/office/drawing/2010/main" Requires="a14">
+      <mc:AlternateContent xmlns:mc="http://schemas.openxmlformats.org/markup-compatibility/2006" xmlns:a14="http://schemas.microsoft.com/office/drawing/2010/main">
+        <mc:Choice Requires="a14">
           <p:sp>
             <p:nvSpPr>
               <p:cNvPr id="2" name="Title 1">
@@ -17031,7 +19939,7 @@
             </p:txBody>
           </p:sp>
         </mc:Choice>
-        <mc:Fallback>
+        <mc:Fallback xmlns="">
           <p:sp>
             <p:nvSpPr>
               <p:cNvPr id="2" name="Title 1">
@@ -17273,7 +20181,157 @@
 </p:sld>
 </file>
 
-<file path=ppt/slides/slide24.xml><?xml version="1.0" encoding="utf-8"?>
+<file path=ppt/slides/slide3.xml><?xml version="1.0" encoding="utf-8"?>
+<p:sld xmlns:a="http://schemas.openxmlformats.org/drawingml/2006/main" xmlns:r="http://schemas.openxmlformats.org/officeDocument/2006/relationships" xmlns:p="http://schemas.openxmlformats.org/presentationml/2006/main">
+  <p:cSld>
+    <p:spTree>
+      <p:nvGrpSpPr>
+        <p:cNvPr id="1" name=""/>
+        <p:cNvGrpSpPr/>
+        <p:nvPr/>
+      </p:nvGrpSpPr>
+      <p:grpSpPr>
+        <a:xfrm>
+          <a:off x="0" y="0"/>
+          <a:ext cx="0" cy="0"/>
+          <a:chOff x="0" y="0"/>
+          <a:chExt cx="0" cy="0"/>
+        </a:xfrm>
+      </p:grpSpPr>
+      <p:sp>
+        <p:nvSpPr>
+          <p:cNvPr id="2" name="Title 1">
+            <a:extLst>
+              <a:ext uri="{FF2B5EF4-FFF2-40B4-BE49-F238E27FC236}">
+                <a16:creationId xmlns:a16="http://schemas.microsoft.com/office/drawing/2014/main" id="{36CD3810-3DE1-B063-D560-BC3A9D9A022C}"/>
+              </a:ext>
+            </a:extLst>
+          </p:cNvPr>
+          <p:cNvSpPr>
+            <a:spLocks noGrp="1"/>
+          </p:cNvSpPr>
+          <p:nvPr>
+            <p:ph type="title"/>
+          </p:nvPr>
+        </p:nvSpPr>
+        <p:spPr>
+          <a:xfrm>
+            <a:off x="581191" y="607364"/>
+            <a:ext cx="11029616" cy="550572"/>
+          </a:xfrm>
+        </p:spPr>
+        <p:txBody>
+          <a:bodyPr/>
+          <a:lstStyle/>
+          <a:p>
+            <a:r>
+              <a:rPr lang="en-US" dirty="0"/>
+              <a:t>CAUSALITY &amp; REGRESSION</a:t>
+            </a:r>
+          </a:p>
+        </p:txBody>
+      </p:sp>
+      <p:sp>
+        <p:nvSpPr>
+          <p:cNvPr id="3" name="Content Placeholder 2">
+            <a:extLst>
+              <a:ext uri="{FF2B5EF4-FFF2-40B4-BE49-F238E27FC236}">
+                <a16:creationId xmlns:a16="http://schemas.microsoft.com/office/drawing/2014/main" id="{AAFA8653-FD86-8AF8-2083-96AC63865D20}"/>
+              </a:ext>
+            </a:extLst>
+          </p:cNvPr>
+          <p:cNvSpPr>
+            <a:spLocks noGrp="1"/>
+          </p:cNvSpPr>
+          <p:nvPr>
+            <p:ph idx="1"/>
+          </p:nvPr>
+        </p:nvSpPr>
+        <p:spPr>
+          <a:xfrm>
+            <a:off x="581191" y="1157936"/>
+            <a:ext cx="11029615" cy="2756256"/>
+          </a:xfrm>
+        </p:spPr>
+        <p:txBody>
+          <a:bodyPr>
+            <a:noAutofit/>
+          </a:bodyPr>
+          <a:lstStyle/>
+          <a:p>
+            <a:r>
+              <a:rPr lang="en-US" sz="2000" dirty="0">
+                <a:solidFill>
+                  <a:srgbClr val="1F1F1F"/>
+                </a:solidFill>
+                <a:latin typeface="ElsevierGulliver"/>
+              </a:rPr>
+              <a:t>Causality</a:t>
+            </a:r>
+          </a:p>
+          <a:p>
+            <a:pPr marL="0" indent="0">
+              <a:buNone/>
+            </a:pPr>
+            <a:endParaRPr lang="en-US" sz="2000" dirty="0">
+              <a:solidFill>
+                <a:srgbClr val="1F1F1F"/>
+              </a:solidFill>
+              <a:latin typeface="ElsevierGulliver"/>
+            </a:endParaRPr>
+          </a:p>
+          <a:p>
+            <a:pPr marL="0" indent="0">
+              <a:buNone/>
+            </a:pPr>
+            <a:r>
+              <a:rPr lang="en-US" sz="2000" dirty="0">
+                <a:solidFill>
+                  <a:srgbClr val="1F1F1F"/>
+                </a:solidFill>
+                <a:latin typeface="ElsevierGulliver"/>
+              </a:rPr>
+              <a:t>The change in </a:t>
+            </a:r>
+          </a:p>
+          <a:p>
+            <a:pPr marL="0" indent="0">
+              <a:buNone/>
+            </a:pPr>
+            <a:endParaRPr lang="en-US" sz="2000" dirty="0">
+              <a:solidFill>
+                <a:srgbClr val="1F1F1F"/>
+              </a:solidFill>
+              <a:latin typeface="ElsevierGulliver"/>
+            </a:endParaRPr>
+          </a:p>
+          <a:p>
+            <a:r>
+              <a:rPr lang="en-US" sz="2000" dirty="0">
+                <a:solidFill>
+                  <a:srgbClr val="1F1F1F"/>
+                </a:solidFill>
+                <a:latin typeface="ElsevierGulliver"/>
+              </a:rPr>
+              <a:t>Co-variation</a:t>
+            </a:r>
+          </a:p>
+        </p:txBody>
+      </p:sp>
+    </p:spTree>
+    <p:extLst>
+      <p:ext uri="{BB962C8B-B14F-4D97-AF65-F5344CB8AC3E}">
+        <p14:creationId xmlns:p14="http://schemas.microsoft.com/office/powerpoint/2010/main" val="128340750"/>
+      </p:ext>
+    </p:extLst>
+  </p:cSld>
+  <p:clrMapOvr>
+    <a:masterClrMapping/>
+  </p:clrMapOvr>
+</p:sld>
+</file>
+
+<file path=ppt/slides/slide30.xml><?xml version="1.0" encoding="utf-8"?>
 <p:sld xmlns:a="http://schemas.openxmlformats.org/drawingml/2006/main" xmlns:r="http://schemas.openxmlformats.org/officeDocument/2006/relationships" xmlns:p="http://schemas.openxmlformats.org/presentationml/2006/main">
   <p:cSld>
     <p:spTree>
@@ -17296,64 +20354,336 @@
           <a:chExt cx="0" cy="0"/>
         </a:xfrm>
       </p:grpSpPr>
-      <p:sp>
-        <p:nvSpPr>
-          <p:cNvPr id="2" name="Title 1">
-            <a:extLst>
-              <a:ext uri="{FF2B5EF4-FFF2-40B4-BE49-F238E27FC236}">
-                <a16:creationId xmlns:a16="http://schemas.microsoft.com/office/drawing/2014/main" id="{F44F6A57-1DC2-11B5-35DE-FEE5BB3E6146}"/>
-              </a:ext>
-            </a:extLst>
-          </p:cNvPr>
-          <p:cNvSpPr>
-            <a:spLocks noGrp="1"/>
-          </p:cNvSpPr>
-          <p:nvPr>
-            <p:ph type="title"/>
-          </p:nvPr>
-        </p:nvSpPr>
-        <p:spPr>
-          <a:xfrm>
-            <a:off x="1893715" y="708498"/>
-            <a:ext cx="9691733" cy="3330055"/>
-          </a:xfrm>
-        </p:spPr>
-        <p:txBody>
-          <a:bodyPr vert="horz" lIns="91440" tIns="45720" rIns="91440" bIns="45720" rtlCol="0" anchor="ctr">
-            <a:normAutofit/>
-          </a:bodyPr>
-          <a:lstStyle/>
-          <a:p>
-            <a:r>
-              <a:rPr lang="en-US" sz="6000" b="0" kern="1200" cap="all" dirty="0">
-                <a:solidFill>
-                  <a:srgbClr val="FFFFFF"/>
-                </a:solidFill>
-                <a:latin typeface="+mj-lt"/>
-                <a:ea typeface="+mj-ea"/>
-                <a:cs typeface="+mj-cs"/>
-              </a:rPr>
-              <a:t>2.1.3 </a:t>
-            </a:r>
-            <a:r>
-              <a:rPr lang="en-US" sz="6000" dirty="0">
-                <a:solidFill>
-                  <a:srgbClr val="FFFFFF"/>
-                </a:solidFill>
-              </a:rPr>
-              <a:t>ordinary least squares estimation</a:t>
-            </a:r>
-            <a:endParaRPr lang="en-US" sz="6000" b="0" kern="1200" cap="all" dirty="0">
-              <a:solidFill>
-                <a:srgbClr val="FFFFFF"/>
-              </a:solidFill>
-              <a:latin typeface="+mj-lt"/>
-              <a:ea typeface="+mj-ea"/>
-              <a:cs typeface="+mj-cs"/>
-            </a:endParaRPr>
-          </a:p>
-        </p:txBody>
-      </p:sp>
+      <mc:AlternateContent xmlns:mc="http://schemas.openxmlformats.org/markup-compatibility/2006">
+        <mc:Choice xmlns:a14="http://schemas.microsoft.com/office/drawing/2010/main" Requires="a14">
+          <p:sp>
+            <p:nvSpPr>
+              <p:cNvPr id="5" name="TextBox 4">
+                <a:extLst>
+                  <a:ext uri="{FF2B5EF4-FFF2-40B4-BE49-F238E27FC236}">
+                    <a16:creationId xmlns:a16="http://schemas.microsoft.com/office/drawing/2014/main" id="{6E4E4739-BE4B-23D0-1C13-762F1C3D9104}"/>
+                  </a:ext>
+                </a:extLst>
+              </p:cNvPr>
+              <p:cNvSpPr txBox="1"/>
+              <p:nvPr/>
+            </p:nvSpPr>
+            <p:spPr>
+              <a:xfrm>
+                <a:off x="2758009" y="1630438"/>
+                <a:ext cx="7841080" cy="3403047"/>
+              </a:xfrm>
+              <a:prstGeom prst="rect">
+                <a:avLst/>
+              </a:prstGeom>
+              <a:noFill/>
+            </p:spPr>
+            <p:txBody>
+              <a:bodyPr wrap="square" rtlCol="0">
+                <a:spAutoFit/>
+              </a:bodyPr>
+              <a:lstStyle/>
+              <a:p>
+                <a:r>
+                  <a:rPr lang="en-US" dirty="0"/>
+                  <a:t>The goodness of fit</a:t>
+                </a:r>
+              </a:p>
+              <a:p>
+                <a:endParaRPr lang="en-US" dirty="0"/>
+              </a:p>
+              <a:p>
+                <a14:m>
+                  <m:oMathPara xmlns:m="http://schemas.openxmlformats.org/officeDocument/2006/math">
+                    <m:oMathParaPr>
+                      <m:jc m:val="centerGroup"/>
+                    </m:oMathParaPr>
+                    <m:oMath xmlns:m="http://schemas.openxmlformats.org/officeDocument/2006/math">
+                      <m:sSup>
+                        <m:sSupPr>
+                          <m:ctrlPr>
+                            <a:rPr lang="en-US" b="0" i="1" smtClean="0">
+                              <a:latin typeface="Cambria Math" panose="02040503050406030204" pitchFamily="18" charset="0"/>
+                            </a:rPr>
+                          </m:ctrlPr>
+                        </m:sSupPr>
+                        <m:e>
+                          <m:r>
+                            <a:rPr lang="en-US" b="0" i="1" smtClean="0">
+                              <a:latin typeface="Cambria Math" panose="02040503050406030204" pitchFamily="18" charset="0"/>
+                            </a:rPr>
+                            <m:t>𝑅</m:t>
+                          </m:r>
+                        </m:e>
+                        <m:sup>
+                          <m:r>
+                            <a:rPr lang="en-US" b="0" i="1" smtClean="0">
+                              <a:latin typeface="Cambria Math" panose="02040503050406030204" pitchFamily="18" charset="0"/>
+                            </a:rPr>
+                            <m:t>2</m:t>
+                          </m:r>
+                        </m:sup>
+                      </m:sSup>
+                      <m:r>
+                        <a:rPr lang="en-US" b="0" i="1" smtClean="0">
+                          <a:latin typeface="Cambria Math" panose="02040503050406030204" pitchFamily="18" charset="0"/>
+                        </a:rPr>
+                        <m:t>=</m:t>
+                      </m:r>
+                      <m:f>
+                        <m:fPr>
+                          <m:ctrlPr>
+                            <a:rPr lang="en-US" b="0" i="1" smtClean="0">
+                              <a:latin typeface="Cambria Math" panose="02040503050406030204" pitchFamily="18" charset="0"/>
+                            </a:rPr>
+                          </m:ctrlPr>
+                        </m:fPr>
+                        <m:num>
+                          <m:r>
+                            <a:rPr lang="en-US" b="0" i="1" smtClean="0">
+                              <a:latin typeface="Cambria Math" panose="02040503050406030204" pitchFamily="18" charset="0"/>
+                            </a:rPr>
+                            <m:t>𝐸𝑆𝑆</m:t>
+                          </m:r>
+                        </m:num>
+                        <m:den>
+                          <m:r>
+                            <a:rPr lang="en-US" b="0" i="1" smtClean="0">
+                              <a:latin typeface="Cambria Math" panose="02040503050406030204" pitchFamily="18" charset="0"/>
+                            </a:rPr>
+                            <m:t>𝑇𝑆𝑆</m:t>
+                          </m:r>
+                        </m:den>
+                      </m:f>
+                      <m:r>
+                        <a:rPr lang="en-US" b="0" i="1" smtClean="0">
+                          <a:latin typeface="Cambria Math" panose="02040503050406030204" pitchFamily="18" charset="0"/>
+                        </a:rPr>
+                        <m:t>=1−</m:t>
+                      </m:r>
+                      <m:f>
+                        <m:fPr>
+                          <m:ctrlPr>
+                            <a:rPr lang="en-US" b="0" i="1" smtClean="0">
+                              <a:latin typeface="Cambria Math" panose="02040503050406030204" pitchFamily="18" charset="0"/>
+                            </a:rPr>
+                          </m:ctrlPr>
+                        </m:fPr>
+                        <m:num>
+                          <m:r>
+                            <a:rPr lang="en-US" b="0" i="1" smtClean="0">
+                              <a:latin typeface="Cambria Math" panose="02040503050406030204" pitchFamily="18" charset="0"/>
+                            </a:rPr>
+                            <m:t>𝑅𝑆𝑆</m:t>
+                          </m:r>
+                        </m:num>
+                        <m:den>
+                          <m:r>
+                            <a:rPr lang="en-US" b="0" i="1" smtClean="0">
+                              <a:latin typeface="Cambria Math" panose="02040503050406030204" pitchFamily="18" charset="0"/>
+                            </a:rPr>
+                            <m:t>𝑇𝑆𝑆</m:t>
+                          </m:r>
+                        </m:den>
+                      </m:f>
+                    </m:oMath>
+                  </m:oMathPara>
+                </a14:m>
+                <a:endParaRPr lang="en-US" b="0" dirty="0"/>
+              </a:p>
+              <a:p>
+                <a:endParaRPr lang="en-US" dirty="0"/>
+              </a:p>
+              <a:p>
+                <a:r>
+                  <a:rPr lang="en-US" dirty="0"/>
+                  <a:t>The adjusted goodness of fit</a:t>
+                </a:r>
+              </a:p>
+              <a:p>
+                <a:endParaRPr lang="en-US" dirty="0"/>
+              </a:p>
+              <a:p>
+                <a:r>
+                  <a:rPr lang="en-US" dirty="0"/>
+                  <a:t>More variables are considered into the regression equation, the better the fit of the model will be </a:t>
+                </a:r>
+              </a:p>
+              <a:p>
+                <a:endParaRPr lang="en-US" dirty="0"/>
+              </a:p>
+              <a:p>
+                <a14:m>
+                  <m:oMathPara xmlns:m="http://schemas.openxmlformats.org/officeDocument/2006/math">
+                    <m:oMathParaPr>
+                      <m:jc m:val="centerGroup"/>
+                    </m:oMathParaPr>
+                    <m:oMath xmlns:m="http://schemas.openxmlformats.org/officeDocument/2006/math">
+                      <m:sSubSup>
+                        <m:sSubSupPr>
+                          <m:ctrlPr>
+                            <a:rPr lang="en-US" b="0" i="1" smtClean="0">
+                              <a:latin typeface="Cambria Math" panose="02040503050406030204" pitchFamily="18" charset="0"/>
+                            </a:rPr>
+                          </m:ctrlPr>
+                        </m:sSubSupPr>
+                        <m:e>
+                          <m:r>
+                            <a:rPr lang="en-US" b="0" i="1" smtClean="0">
+                              <a:latin typeface="Cambria Math" panose="02040503050406030204" pitchFamily="18" charset="0"/>
+                            </a:rPr>
+                            <m:t>𝑅</m:t>
+                          </m:r>
+                        </m:e>
+                        <m:sub>
+                          <m:r>
+                            <a:rPr lang="en-US" b="0" i="1" smtClean="0">
+                              <a:latin typeface="Cambria Math" panose="02040503050406030204" pitchFamily="18" charset="0"/>
+                            </a:rPr>
+                            <m:t>𝑎𝑑𝑗</m:t>
+                          </m:r>
+                        </m:sub>
+                        <m:sup>
+                          <m:r>
+                            <a:rPr lang="en-US" b="0" i="1" smtClean="0">
+                              <a:latin typeface="Cambria Math" panose="02040503050406030204" pitchFamily="18" charset="0"/>
+                            </a:rPr>
+                            <m:t>2</m:t>
+                          </m:r>
+                        </m:sup>
+                      </m:sSubSup>
+                      <m:r>
+                        <a:rPr lang="en-US" b="0" i="1" smtClean="0">
+                          <a:latin typeface="Cambria Math" panose="02040503050406030204" pitchFamily="18" charset="0"/>
+                        </a:rPr>
+                        <m:t>=1 −</m:t>
+                      </m:r>
+                      <m:f>
+                        <m:fPr>
+                          <m:ctrlPr>
+                            <a:rPr lang="en-US" b="0" i="1" smtClean="0">
+                              <a:latin typeface="Cambria Math" panose="02040503050406030204" pitchFamily="18" charset="0"/>
+                            </a:rPr>
+                          </m:ctrlPr>
+                        </m:fPr>
+                        <m:num>
+                          <m:r>
+                            <a:rPr lang="en-US" b="0" i="1" smtClean="0">
+                              <a:latin typeface="Cambria Math" panose="02040503050406030204" pitchFamily="18" charset="0"/>
+                            </a:rPr>
+                            <m:t>𝑅𝑆𝑆</m:t>
+                          </m:r>
+                          <m:r>
+                            <a:rPr lang="en-US" b="0" i="1" smtClean="0">
+                              <a:latin typeface="Cambria Math" panose="02040503050406030204" pitchFamily="18" charset="0"/>
+                            </a:rPr>
+                            <m:t>/(</m:t>
+                          </m:r>
+                          <m:r>
+                            <a:rPr lang="en-US" b="0" i="1" smtClean="0">
+                              <a:latin typeface="Cambria Math" panose="02040503050406030204" pitchFamily="18" charset="0"/>
+                            </a:rPr>
+                            <m:t>𝑛</m:t>
+                          </m:r>
+                          <m:r>
+                            <a:rPr lang="en-US" b="0" i="1" smtClean="0">
+                              <a:latin typeface="Cambria Math" panose="02040503050406030204" pitchFamily="18" charset="0"/>
+                            </a:rPr>
+                            <m:t>−</m:t>
+                          </m:r>
+                          <m:r>
+                            <a:rPr lang="en-US" b="0" i="1" smtClean="0">
+                              <a:latin typeface="Cambria Math" panose="02040503050406030204" pitchFamily="18" charset="0"/>
+                            </a:rPr>
+                            <m:t>𝐾</m:t>
+                          </m:r>
+                          <m:r>
+                            <a:rPr lang="en-US" b="0" i="1" smtClean="0">
+                              <a:latin typeface="Cambria Math" panose="02040503050406030204" pitchFamily="18" charset="0"/>
+                            </a:rPr>
+                            <m:t>)</m:t>
+                          </m:r>
+                        </m:num>
+                        <m:den>
+                          <m:r>
+                            <a:rPr lang="en-US" b="0" i="1" smtClean="0">
+                              <a:latin typeface="Cambria Math" panose="02040503050406030204" pitchFamily="18" charset="0"/>
+                            </a:rPr>
+                            <m:t>𝑇𝑆𝑆</m:t>
+                          </m:r>
+                          <m:r>
+                            <a:rPr lang="en-US" b="0" i="1" smtClean="0">
+                              <a:latin typeface="Cambria Math" panose="02040503050406030204" pitchFamily="18" charset="0"/>
+                            </a:rPr>
+                            <m:t>/(</m:t>
+                          </m:r>
+                          <m:r>
+                            <a:rPr lang="en-US" b="0" i="1" smtClean="0">
+                              <a:latin typeface="Cambria Math" panose="02040503050406030204" pitchFamily="18" charset="0"/>
+                            </a:rPr>
+                            <m:t>𝑛</m:t>
+                          </m:r>
+                          <m:r>
+                            <a:rPr lang="en-US" b="0" i="1" smtClean="0">
+                              <a:latin typeface="Cambria Math" panose="02040503050406030204" pitchFamily="18" charset="0"/>
+                            </a:rPr>
+                            <m:t>−1)</m:t>
+                          </m:r>
+                        </m:den>
+                      </m:f>
+                    </m:oMath>
+                  </m:oMathPara>
+                </a14:m>
+                <a:endParaRPr lang="en-US" dirty="0"/>
+              </a:p>
+            </p:txBody>
+          </p:sp>
+        </mc:Choice>
+        <mc:Fallback>
+          <p:sp>
+            <p:nvSpPr>
+              <p:cNvPr id="5" name="TextBox 4">
+                <a:extLst>
+                  <a:ext uri="{FF2B5EF4-FFF2-40B4-BE49-F238E27FC236}">
+                    <a16:creationId xmlns:a16="http://schemas.microsoft.com/office/drawing/2014/main" id="{6E4E4739-BE4B-23D0-1C13-762F1C3D9104}"/>
+                  </a:ext>
+                </a:extLst>
+              </p:cNvPr>
+              <p:cNvSpPr txBox="1">
+                <a:spLocks noRot="1" noChangeAspect="1" noMove="1" noResize="1" noEditPoints="1" noAdjustHandles="1" noChangeArrowheads="1" noChangeShapeType="1" noTextEdit="1"/>
+              </p:cNvSpPr>
+              <p:nvPr/>
+            </p:nvSpPr>
+            <p:spPr>
+              <a:xfrm>
+                <a:off x="2758009" y="1630438"/>
+                <a:ext cx="7841080" cy="3403047"/>
+              </a:xfrm>
+              <a:prstGeom prst="rect">
+                <a:avLst/>
+              </a:prstGeom>
+              <a:blipFill>
+                <a:blip r:embed="rId2"/>
+                <a:stretch>
+                  <a:fillRect l="-622" t="-894"/>
+                </a:stretch>
+              </a:blipFill>
+            </p:spPr>
+            <p:txBody>
+              <a:bodyPr/>
+              <a:lstStyle/>
+              <a:p>
+                <a:r>
+                  <a:rPr lang="en-US">
+                    <a:noFill/>
+                  </a:rPr>
+                  <a:t> </a:t>
+                </a:r>
+              </a:p>
+            </p:txBody>
+          </p:sp>
+        </mc:Fallback>
+      </mc:AlternateContent>
     </p:spTree>
     <p:extLst>
       <p:ext uri="{BB962C8B-B14F-4D97-AF65-F5344CB8AC3E}">
@@ -17364,102 +20694,10 @@
   <p:clrMapOvr>
     <a:masterClrMapping/>
   </p:clrMapOvr>
-  <p:timing>
-    <p:tnLst>
-      <p:par>
-        <p:cTn id="1" dur="indefinite" restart="never" nodeType="tmRoot">
-          <p:childTnLst>
-            <p:seq concurrent="1" nextAc="seek">
-              <p:cTn id="2" dur="indefinite" nodeType="mainSeq">
-                <p:childTnLst>
-                  <p:par>
-                    <p:cTn id="3" fill="hold">
-                      <p:stCondLst>
-                        <p:cond delay="indefinite"/>
-                        <p:cond evt="onBegin" delay="0">
-                          <p:tn val="2"/>
-                        </p:cond>
-                      </p:stCondLst>
-                      <p:childTnLst>
-                        <p:par>
-                          <p:cTn id="4" fill="hold">
-                            <p:stCondLst>
-                              <p:cond delay="0"/>
-                            </p:stCondLst>
-                            <p:childTnLst>
-                              <p:par>
-                                <p:cTn id="5" presetID="10" presetClass="entr" presetSubtype="0" fill="hold" grpId="0" nodeType="withEffect">
-                                  <p:stCondLst>
-                                    <p:cond delay="500"/>
-                                  </p:stCondLst>
-                                  <p:iterate type="wd">
-                                    <p:tmPct val="15000"/>
-                                  </p:iterate>
-                                  <p:childTnLst>
-                                    <p:set>
-                                      <p:cBhvr>
-                                        <p:cTn id="6" dur="1" fill="hold">
-                                          <p:stCondLst>
-                                            <p:cond delay="0"/>
-                                          </p:stCondLst>
-                                        </p:cTn>
-                                        <p:tgtEl>
-                                          <p:spTgt spid="2"/>
-                                        </p:tgtEl>
-                                        <p:attrNameLst>
-                                          <p:attrName>style.visibility</p:attrName>
-                                        </p:attrNameLst>
-                                      </p:cBhvr>
-                                      <p:to>
-                                        <p:strVal val="visible"/>
-                                      </p:to>
-                                    </p:set>
-                                    <p:animEffect transition="in" filter="fade">
-                                      <p:cBhvr>
-                                        <p:cTn id="7" dur="1000"/>
-                                        <p:tgtEl>
-                                          <p:spTgt spid="2"/>
-                                        </p:tgtEl>
-                                      </p:cBhvr>
-                                    </p:animEffect>
-                                  </p:childTnLst>
-                                </p:cTn>
-                              </p:par>
-                            </p:childTnLst>
-                          </p:cTn>
-                        </p:par>
-                      </p:childTnLst>
-                    </p:cTn>
-                  </p:par>
-                </p:childTnLst>
-              </p:cTn>
-              <p:prevCondLst>
-                <p:cond evt="onPrev" delay="0">
-                  <p:tgtEl>
-                    <p:sldTgt/>
-                  </p:tgtEl>
-                </p:cond>
-              </p:prevCondLst>
-              <p:nextCondLst>
-                <p:cond evt="onNext" delay="0">
-                  <p:tgtEl>
-                    <p:sldTgt/>
-                  </p:tgtEl>
-                </p:cond>
-              </p:nextCondLst>
-            </p:seq>
-          </p:childTnLst>
-        </p:cTn>
-      </p:par>
-    </p:tnLst>
-    <p:bldLst>
-      <p:bldP spid="2" grpId="0"/>
-    </p:bldLst>
-  </p:timing>
 </p:sld>
 </file>
 
-<file path=ppt/slides/slide25.xml><?xml version="1.0" encoding="utf-8"?>
+<file path=ppt/slides/slide31.xml><?xml version="1.0" encoding="utf-8"?>
 <p:sld xmlns:a="http://schemas.openxmlformats.org/drawingml/2006/main" xmlns:r="http://schemas.openxmlformats.org/officeDocument/2006/relationships" xmlns:p="http://schemas.openxmlformats.org/presentationml/2006/main">
   <p:cSld>
     <p:spTree>
@@ -17867,156 +21105,6 @@
     <p:extLst>
       <p:ext uri="{BB962C8B-B14F-4D97-AF65-F5344CB8AC3E}">
         <p14:creationId xmlns:p14="http://schemas.microsoft.com/office/powerpoint/2010/main" val="121643133"/>
-      </p:ext>
-    </p:extLst>
-  </p:cSld>
-  <p:clrMapOvr>
-    <a:masterClrMapping/>
-  </p:clrMapOvr>
-</p:sld>
-</file>
-
-<file path=ppt/slides/slide3.xml><?xml version="1.0" encoding="utf-8"?>
-<p:sld xmlns:a="http://schemas.openxmlformats.org/drawingml/2006/main" xmlns:r="http://schemas.openxmlformats.org/officeDocument/2006/relationships" xmlns:p="http://schemas.openxmlformats.org/presentationml/2006/main">
-  <p:cSld>
-    <p:spTree>
-      <p:nvGrpSpPr>
-        <p:cNvPr id="1" name=""/>
-        <p:cNvGrpSpPr/>
-        <p:nvPr/>
-      </p:nvGrpSpPr>
-      <p:grpSpPr>
-        <a:xfrm>
-          <a:off x="0" y="0"/>
-          <a:ext cx="0" cy="0"/>
-          <a:chOff x="0" y="0"/>
-          <a:chExt cx="0" cy="0"/>
-        </a:xfrm>
-      </p:grpSpPr>
-      <p:sp>
-        <p:nvSpPr>
-          <p:cNvPr id="2" name="Title 1">
-            <a:extLst>
-              <a:ext uri="{FF2B5EF4-FFF2-40B4-BE49-F238E27FC236}">
-                <a16:creationId xmlns:a16="http://schemas.microsoft.com/office/drawing/2014/main" id="{36CD3810-3DE1-B063-D560-BC3A9D9A022C}"/>
-              </a:ext>
-            </a:extLst>
-          </p:cNvPr>
-          <p:cNvSpPr>
-            <a:spLocks noGrp="1"/>
-          </p:cNvSpPr>
-          <p:nvPr>
-            <p:ph type="title"/>
-          </p:nvPr>
-        </p:nvSpPr>
-        <p:spPr>
-          <a:xfrm>
-            <a:off x="581191" y="607364"/>
-            <a:ext cx="11029616" cy="550572"/>
-          </a:xfrm>
-        </p:spPr>
-        <p:txBody>
-          <a:bodyPr/>
-          <a:lstStyle/>
-          <a:p>
-            <a:r>
-              <a:rPr lang="en-US" dirty="0"/>
-              <a:t>CAUSALITY &amp; REGRESSION</a:t>
-            </a:r>
-          </a:p>
-        </p:txBody>
-      </p:sp>
-      <p:sp>
-        <p:nvSpPr>
-          <p:cNvPr id="3" name="Content Placeholder 2">
-            <a:extLst>
-              <a:ext uri="{FF2B5EF4-FFF2-40B4-BE49-F238E27FC236}">
-                <a16:creationId xmlns:a16="http://schemas.microsoft.com/office/drawing/2014/main" id="{AAFA8653-FD86-8AF8-2083-96AC63865D20}"/>
-              </a:ext>
-            </a:extLst>
-          </p:cNvPr>
-          <p:cNvSpPr>
-            <a:spLocks noGrp="1"/>
-          </p:cNvSpPr>
-          <p:nvPr>
-            <p:ph idx="1"/>
-          </p:nvPr>
-        </p:nvSpPr>
-        <p:spPr>
-          <a:xfrm>
-            <a:off x="581191" y="1157936"/>
-            <a:ext cx="11029615" cy="2756256"/>
-          </a:xfrm>
-        </p:spPr>
-        <p:txBody>
-          <a:bodyPr>
-            <a:noAutofit/>
-          </a:bodyPr>
-          <a:lstStyle/>
-          <a:p>
-            <a:r>
-              <a:rPr lang="en-US" sz="2000" dirty="0">
-                <a:solidFill>
-                  <a:srgbClr val="1F1F1F"/>
-                </a:solidFill>
-                <a:latin typeface="ElsevierGulliver"/>
-              </a:rPr>
-              <a:t>Causality</a:t>
-            </a:r>
-          </a:p>
-          <a:p>
-            <a:pPr marL="0" indent="0">
-              <a:buNone/>
-            </a:pPr>
-            <a:endParaRPr lang="en-US" sz="2000" dirty="0">
-              <a:solidFill>
-                <a:srgbClr val="1F1F1F"/>
-              </a:solidFill>
-              <a:latin typeface="ElsevierGulliver"/>
-            </a:endParaRPr>
-          </a:p>
-          <a:p>
-            <a:pPr marL="0" indent="0">
-              <a:buNone/>
-            </a:pPr>
-            <a:r>
-              <a:rPr lang="en-US" sz="2000" dirty="0">
-                <a:solidFill>
-                  <a:srgbClr val="1F1F1F"/>
-                </a:solidFill>
-                <a:latin typeface="ElsevierGulliver"/>
-              </a:rPr>
-              <a:t>The change in </a:t>
-            </a:r>
-          </a:p>
-          <a:p>
-            <a:pPr marL="0" indent="0">
-              <a:buNone/>
-            </a:pPr>
-            <a:endParaRPr lang="en-US" sz="2000" dirty="0">
-              <a:solidFill>
-                <a:srgbClr val="1F1F1F"/>
-              </a:solidFill>
-              <a:latin typeface="ElsevierGulliver"/>
-            </a:endParaRPr>
-          </a:p>
-          <a:p>
-            <a:r>
-              <a:rPr lang="en-US" sz="2000" dirty="0">
-                <a:solidFill>
-                  <a:srgbClr val="1F1F1F"/>
-                </a:solidFill>
-                <a:latin typeface="ElsevierGulliver"/>
-              </a:rPr>
-              <a:t>Co-variation</a:t>
-            </a:r>
-          </a:p>
-        </p:txBody>
-      </p:sp>
-    </p:spTree>
-    <p:extLst>
-      <p:ext uri="{BB962C8B-B14F-4D97-AF65-F5344CB8AC3E}">
-        <p14:creationId xmlns:p14="http://schemas.microsoft.com/office/powerpoint/2010/main" val="128340750"/>
       </p:ext>
     </p:extLst>
   </p:cSld>

--- a/docs/Lectures/Week04/Week04_BivariateRegression.pptx
+++ b/docs/Lectures/Week04/Week04_BivariateRegression.pptx
@@ -6,7 +6,7 @@
     <p:sldMasterId id="2147483686" r:id="rId2"/>
   </p:sldMasterIdLst>
   <p:notesMasterIdLst>
-    <p:notesMasterId r:id="rId34"/>
+    <p:notesMasterId r:id="rId37"/>
   </p:notesMasterIdLst>
   <p:sldIdLst>
     <p:sldId id="256" r:id="rId3"/>
@@ -15,31 +15,34 @@
     <p:sldId id="858" r:id="rId6"/>
     <p:sldId id="849" r:id="rId7"/>
     <p:sldId id="860" r:id="rId8"/>
-    <p:sldId id="861" r:id="rId9"/>
-    <p:sldId id="867" r:id="rId10"/>
-    <p:sldId id="853" r:id="rId11"/>
-    <p:sldId id="859" r:id="rId12"/>
-    <p:sldId id="862" r:id="rId13"/>
-    <p:sldId id="863" r:id="rId14"/>
-    <p:sldId id="864" r:id="rId15"/>
-    <p:sldId id="857" r:id="rId16"/>
-    <p:sldId id="856" r:id="rId17"/>
-    <p:sldId id="855" r:id="rId18"/>
-    <p:sldId id="865" r:id="rId19"/>
-    <p:sldId id="866" r:id="rId20"/>
-    <p:sldId id="868" r:id="rId21"/>
-    <p:sldId id="873" r:id="rId22"/>
-    <p:sldId id="871" r:id="rId23"/>
-    <p:sldId id="874" r:id="rId24"/>
-    <p:sldId id="875" r:id="rId25"/>
-    <p:sldId id="876" r:id="rId26"/>
-    <p:sldId id="877" r:id="rId27"/>
-    <p:sldId id="878" r:id="rId28"/>
-    <p:sldId id="879" r:id="rId29"/>
-    <p:sldId id="880" r:id="rId30"/>
+    <p:sldId id="867" r:id="rId9"/>
+    <p:sldId id="853" r:id="rId10"/>
+    <p:sldId id="859" r:id="rId11"/>
+    <p:sldId id="862" r:id="rId12"/>
+    <p:sldId id="863" r:id="rId13"/>
+    <p:sldId id="864" r:id="rId14"/>
+    <p:sldId id="857" r:id="rId15"/>
+    <p:sldId id="856" r:id="rId16"/>
+    <p:sldId id="855" r:id="rId17"/>
+    <p:sldId id="865" r:id="rId18"/>
+    <p:sldId id="866" r:id="rId19"/>
+    <p:sldId id="868" r:id="rId20"/>
+    <p:sldId id="873" r:id="rId21"/>
+    <p:sldId id="871" r:id="rId22"/>
+    <p:sldId id="874" r:id="rId23"/>
+    <p:sldId id="875" r:id="rId24"/>
+    <p:sldId id="877" r:id="rId25"/>
+    <p:sldId id="878" r:id="rId26"/>
+    <p:sldId id="879" r:id="rId27"/>
+    <p:sldId id="883" r:id="rId28"/>
+    <p:sldId id="881" r:id="rId29"/>
+    <p:sldId id="884" r:id="rId30"/>
     <p:sldId id="870" r:id="rId31"/>
     <p:sldId id="869" r:id="rId32"/>
     <p:sldId id="265" r:id="rId33"/>
+    <p:sldId id="885" r:id="rId34"/>
+    <p:sldId id="886" r:id="rId35"/>
+    <p:sldId id="887" r:id="rId36"/>
   </p:sldIdLst>
   <p:sldSz cx="12192000" cy="6858000"/>
   <p:notesSz cx="6858000" cy="9144000"/>
@@ -8496,183 +8499,6 @@
           <a:chExt cx="0" cy="0"/>
         </a:xfrm>
       </p:grpSpPr>
-      <p:sp>
-        <p:nvSpPr>
-          <p:cNvPr id="3" name="Content Placeholder 2">
-            <a:extLst>
-              <a:ext uri="{FF2B5EF4-FFF2-40B4-BE49-F238E27FC236}">
-                <a16:creationId xmlns:a16="http://schemas.microsoft.com/office/drawing/2014/main" id="{DCC289CC-098B-88C7-F7A3-21722C988A91}"/>
-              </a:ext>
-            </a:extLst>
-          </p:cNvPr>
-          <p:cNvSpPr>
-            <a:spLocks noGrp="1"/>
-          </p:cNvSpPr>
-          <p:nvPr>
-            <p:ph idx="1"/>
-          </p:nvPr>
-        </p:nvSpPr>
-        <p:spPr>
-          <a:xfrm>
-            <a:off x="504993" y="899990"/>
-            <a:ext cx="11029615" cy="1389553"/>
-          </a:xfrm>
-        </p:spPr>
-        <p:txBody>
-          <a:bodyPr>
-            <a:noAutofit/>
-          </a:bodyPr>
-          <a:lstStyle/>
-          <a:p>
-            <a:pPr marL="342900" indent="-342900">
-              <a:buFont typeface="+mj-lt"/>
-              <a:buAutoNum type="arabicPeriod"/>
-            </a:pPr>
-            <a:r>
-              <a:rPr lang="en-US" sz="2800" dirty="0"/>
-              <a:t>Linearity: The relationship between the independent variable and dependent variable is </a:t>
-            </a:r>
-            <a:r>
-              <a:rPr lang="en-US" sz="2800" b="1" dirty="0"/>
-              <a:t>linear</a:t>
-            </a:r>
-            <a:r>
-              <a:rPr lang="en-US" sz="2800" dirty="0"/>
-              <a:t>, if there is a nonlinear trend, an advanced regression method should be applied</a:t>
-            </a:r>
-          </a:p>
-        </p:txBody>
-      </p:sp>
-      <p:pic>
-        <p:nvPicPr>
-          <p:cNvPr id="7" name="Picture 6">
-            <a:extLst>
-              <a:ext uri="{FF2B5EF4-FFF2-40B4-BE49-F238E27FC236}">
-                <a16:creationId xmlns:a16="http://schemas.microsoft.com/office/drawing/2014/main" id="{6047A1FA-1398-0F3A-B122-EEDC59F2F6BB}"/>
-              </a:ext>
-            </a:extLst>
-          </p:cNvPr>
-          <p:cNvPicPr>
-            <a:picLocks noChangeAspect="1"/>
-          </p:cNvPicPr>
-          <p:nvPr/>
-        </p:nvPicPr>
-        <p:blipFill>
-          <a:blip r:embed="rId2"/>
-          <a:stretch>
-            <a:fillRect/>
-          </a:stretch>
-        </p:blipFill>
-        <p:spPr>
-          <a:xfrm>
-            <a:off x="2432398" y="2421848"/>
-            <a:ext cx="3506529" cy="4032508"/>
-          </a:xfrm>
-          <a:prstGeom prst="rect">
-            <a:avLst/>
-          </a:prstGeom>
-        </p:spPr>
-      </p:pic>
-      <p:sp>
-        <p:nvSpPr>
-          <p:cNvPr id="8" name="TextBox 7">
-            <a:extLst>
-              <a:ext uri="{FF2B5EF4-FFF2-40B4-BE49-F238E27FC236}">
-                <a16:creationId xmlns:a16="http://schemas.microsoft.com/office/drawing/2014/main" id="{DDEFDC08-B60D-02FF-C0DA-F1E6FC32492F}"/>
-              </a:ext>
-            </a:extLst>
-          </p:cNvPr>
-          <p:cNvSpPr txBox="1"/>
-          <p:nvPr/>
-        </p:nvSpPr>
-        <p:spPr>
-          <a:xfrm>
-            <a:off x="6096000" y="3574473"/>
-            <a:ext cx="2992581" cy="369332"/>
-          </a:xfrm>
-          <a:prstGeom prst="rect">
-            <a:avLst/>
-          </a:prstGeom>
-          <a:noFill/>
-        </p:spPr>
-        <p:txBody>
-          <a:bodyPr wrap="square" rtlCol="0">
-            <a:spAutoFit/>
-          </a:bodyPr>
-          <a:lstStyle/>
-          <a:p>
-            <a:r>
-              <a:rPr lang="en-US" dirty="0"/>
-              <a:t>Liner regression line</a:t>
-            </a:r>
-          </a:p>
-        </p:txBody>
-      </p:sp>
-      <p:sp>
-        <p:nvSpPr>
-          <p:cNvPr id="9" name="TextBox 8">
-            <a:extLst>
-              <a:ext uri="{FF2B5EF4-FFF2-40B4-BE49-F238E27FC236}">
-                <a16:creationId xmlns:a16="http://schemas.microsoft.com/office/drawing/2014/main" id="{DC851CA1-7393-1814-70C1-661DB9323FB2}"/>
-              </a:ext>
-            </a:extLst>
-          </p:cNvPr>
-          <p:cNvSpPr txBox="1"/>
-          <p:nvPr/>
-        </p:nvSpPr>
-        <p:spPr>
-          <a:xfrm>
-            <a:off x="6096000" y="5389417"/>
-            <a:ext cx="5652656" cy="646331"/>
-          </a:xfrm>
-          <a:prstGeom prst="rect">
-            <a:avLst/>
-          </a:prstGeom>
-          <a:noFill/>
-        </p:spPr>
-        <p:txBody>
-          <a:bodyPr wrap="square" rtlCol="0">
-            <a:spAutoFit/>
-          </a:bodyPr>
-          <a:lstStyle/>
-          <a:p>
-            <a:r>
-              <a:rPr lang="en-US" dirty="0"/>
-              <a:t>Residual plot is a useful graphical tool for identifying non-linearity. </a:t>
-            </a:r>
-          </a:p>
-        </p:txBody>
-      </p:sp>
-    </p:spTree>
-    <p:extLst>
-      <p:ext uri="{BB962C8B-B14F-4D97-AF65-F5344CB8AC3E}">
-        <p14:creationId xmlns:p14="http://schemas.microsoft.com/office/powerpoint/2010/main" val="3871140132"/>
-      </p:ext>
-    </p:extLst>
-  </p:cSld>
-  <p:clrMapOvr>
-    <a:masterClrMapping/>
-  </p:clrMapOvr>
-</p:sld>
-</file>
-
-<file path=ppt/slides/slide11.xml><?xml version="1.0" encoding="utf-8"?>
-<p:sld xmlns:a="http://schemas.openxmlformats.org/drawingml/2006/main" xmlns:r="http://schemas.openxmlformats.org/officeDocument/2006/relationships" xmlns:p="http://schemas.openxmlformats.org/presentationml/2006/main">
-  <p:cSld>
-    <p:spTree>
-      <p:nvGrpSpPr>
-        <p:cNvPr id="1" name=""/>
-        <p:cNvGrpSpPr/>
-        <p:nvPr/>
-      </p:nvGrpSpPr>
-      <p:grpSpPr>
-        <a:xfrm>
-          <a:off x="0" y="0"/>
-          <a:ext cx="0" cy="0"/>
-          <a:chOff x="0" y="0"/>
-          <a:chExt cx="0" cy="0"/>
-        </a:xfrm>
-      </p:grpSpPr>
       <mc:AlternateContent xmlns:mc="http://schemas.openxmlformats.org/markup-compatibility/2006" xmlns:a14="http://schemas.microsoft.com/office/drawing/2010/main">
         <mc:Choice Requires="a14">
           <p:sp>
@@ -8862,7 +8688,7 @@
 </p:sld>
 </file>
 
-<file path=ppt/slides/slide12.xml><?xml version="1.0" encoding="utf-8"?>
+<file path=ppt/slides/slide11.xml><?xml version="1.0" encoding="utf-8"?>
 <p:sld xmlns:a="http://schemas.openxmlformats.org/drawingml/2006/main" xmlns:r="http://schemas.openxmlformats.org/officeDocument/2006/relationships" xmlns:p="http://schemas.openxmlformats.org/presentationml/2006/main">
   <p:cSld>
     <p:spTree>
@@ -9199,7 +9025,7 @@
 </p:sld>
 </file>
 
-<file path=ppt/slides/slide13.xml><?xml version="1.0" encoding="utf-8"?>
+<file path=ppt/slides/slide12.xml><?xml version="1.0" encoding="utf-8"?>
 <p:sld xmlns:a="http://schemas.openxmlformats.org/drawingml/2006/main" xmlns:r="http://schemas.openxmlformats.org/officeDocument/2006/relationships" xmlns:p="http://schemas.openxmlformats.org/presentationml/2006/main">
   <p:cSld>
     <p:spTree>
@@ -9624,21 +9450,7 @@
                         <a:latin typeface="Cambria Math" panose="02040503050406030204" pitchFamily="18" charset="0"/>
                         <a:ea typeface="Cambria Math" panose="02040503050406030204" pitchFamily="18" charset="0"/>
                       </a:rPr>
-                      <m:t>(</m:t>
-                    </m:r>
-                    <m:r>
-                      <a:rPr lang="en-US" sz="2000" b="0" i="1" smtClean="0">
-                        <a:latin typeface="Cambria Math" panose="02040503050406030204" pitchFamily="18" charset="0"/>
-                        <a:ea typeface="Cambria Math" panose="02040503050406030204" pitchFamily="18" charset="0"/>
-                      </a:rPr>
-                      <m:t>0</m:t>
-                    </m:r>
-                    <m:r>
-                      <a:rPr lang="en-US" sz="2000" b="0" i="1" smtClean="0">
-                        <a:latin typeface="Cambria Math" panose="02040503050406030204" pitchFamily="18" charset="0"/>
-                        <a:ea typeface="Cambria Math" panose="02040503050406030204" pitchFamily="18" charset="0"/>
-                      </a:rPr>
-                      <m:t>,</m:t>
+                      <m:t>(0,</m:t>
                     </m:r>
                     <m:sSup>
                       <m:sSupPr>
@@ -9782,7 +9594,7 @@
 </p:sld>
 </file>
 
-<file path=ppt/slides/slide14.xml><?xml version="1.0" encoding="utf-8"?>
+<file path=ppt/slides/slide13.xml><?xml version="1.0" encoding="utf-8"?>
 <p:sld xmlns:a="http://schemas.openxmlformats.org/drawingml/2006/main" xmlns:r="http://schemas.openxmlformats.org/officeDocument/2006/relationships" xmlns:p="http://schemas.openxmlformats.org/presentationml/2006/main">
   <p:cSld>
     <p:bg>
@@ -10704,7 +10516,7 @@
 </p:sld>
 </file>
 
-<file path=ppt/slides/slide15.xml><?xml version="1.0" encoding="utf-8"?>
+<file path=ppt/slides/slide14.xml><?xml version="1.0" encoding="utf-8"?>
 <p:sld xmlns:a="http://schemas.openxmlformats.org/drawingml/2006/main" xmlns:r="http://schemas.openxmlformats.org/officeDocument/2006/relationships" xmlns:p="http://schemas.openxmlformats.org/presentationml/2006/main">
   <p:cSld>
     <p:spTree>
@@ -10998,41 +10810,167 @@
           </a:p>
         </p:txBody>
       </p:sp>
-      <p:sp>
-        <p:nvSpPr>
-          <p:cNvPr id="7" name="TextBox 6">
-            <a:extLst>
-              <a:ext uri="{FF2B5EF4-FFF2-40B4-BE49-F238E27FC236}">
-                <a16:creationId xmlns:a16="http://schemas.microsoft.com/office/drawing/2014/main" id="{68052173-E19C-C319-6EB2-7FB3A596C83F}"/>
-              </a:ext>
-            </a:extLst>
-          </p:cNvPr>
-          <p:cNvSpPr txBox="1"/>
-          <p:nvPr/>
-        </p:nvSpPr>
-        <p:spPr>
-          <a:xfrm>
-            <a:off x="755073" y="1614055"/>
-            <a:ext cx="10855902" cy="461665"/>
-          </a:xfrm>
-          <a:prstGeom prst="rect">
-            <a:avLst/>
-          </a:prstGeom>
-          <a:noFill/>
-        </p:spPr>
-        <p:txBody>
-          <a:bodyPr wrap="square" rtlCol="0">
-            <a:spAutoFit/>
-          </a:bodyPr>
-          <a:lstStyle/>
-          <a:p>
-            <a:r>
-              <a:rPr lang="en-US" sz="2400" dirty="0"/>
-              <a:t>1. A straight line can minimize the residual sum of squares (RSS)</a:t>
-            </a:r>
-          </a:p>
-        </p:txBody>
-      </p:sp>
+      <mc:AlternateContent xmlns:mc="http://schemas.openxmlformats.org/markup-compatibility/2006">
+        <mc:Choice xmlns:a14="http://schemas.microsoft.com/office/drawing/2010/main" Requires="a14">
+          <p:sp>
+            <p:nvSpPr>
+              <p:cNvPr id="7" name="TextBox 6">
+                <a:extLst>
+                  <a:ext uri="{FF2B5EF4-FFF2-40B4-BE49-F238E27FC236}">
+                    <a16:creationId xmlns:a16="http://schemas.microsoft.com/office/drawing/2014/main" id="{68052173-E19C-C319-6EB2-7FB3A596C83F}"/>
+                  </a:ext>
+                </a:extLst>
+              </p:cNvPr>
+              <p:cNvSpPr txBox="1"/>
+              <p:nvPr/>
+            </p:nvSpPr>
+            <p:spPr>
+              <a:xfrm>
+                <a:off x="755073" y="1614055"/>
+                <a:ext cx="10855902" cy="461665"/>
+              </a:xfrm>
+              <a:prstGeom prst="rect">
+                <a:avLst/>
+              </a:prstGeom>
+              <a:noFill/>
+            </p:spPr>
+            <p:txBody>
+              <a:bodyPr wrap="square" rtlCol="0">
+                <a:spAutoFit/>
+              </a:bodyPr>
+              <a:lstStyle/>
+              <a:p>
+                <a:r>
+                  <a:rPr lang="en-US" sz="2400" dirty="0"/>
+                  <a:t>1. A straight line can minimize the error (the difference between </a:t>
+                </a:r>
+                <a14:m>
+                  <m:oMath xmlns:m="http://schemas.openxmlformats.org/officeDocument/2006/math">
+                    <m:sSub>
+                      <m:sSubPr>
+                        <m:ctrlPr>
+                          <a:rPr lang="en-US" sz="2400" b="0" i="1" smtClean="0">
+                            <a:latin typeface="Cambria Math" panose="02040503050406030204" pitchFamily="18" charset="0"/>
+                          </a:rPr>
+                        </m:ctrlPr>
+                      </m:sSubPr>
+                      <m:e>
+                        <m:r>
+                          <a:rPr lang="en-US" sz="2400" b="0" i="1" smtClean="0">
+                            <a:latin typeface="Cambria Math" panose="02040503050406030204" pitchFamily="18" charset="0"/>
+                          </a:rPr>
+                          <m:t>𝑦</m:t>
+                        </m:r>
+                      </m:e>
+                      <m:sub>
+                        <m:r>
+                          <a:rPr lang="en-US" sz="2400" b="0" i="1" smtClean="0">
+                            <a:latin typeface="Cambria Math" panose="02040503050406030204" pitchFamily="18" charset="0"/>
+                          </a:rPr>
+                          <m:t>𝑖</m:t>
+                        </m:r>
+                      </m:sub>
+                    </m:sSub>
+                  </m:oMath>
+                </a14:m>
+                <a:r>
+                  <a:rPr lang="en-US" sz="2400" dirty="0"/>
+                  <a:t> and </a:t>
+                </a:r>
+                <a14:m>
+                  <m:oMath xmlns:m="http://schemas.openxmlformats.org/officeDocument/2006/math">
+                    <m:acc>
+                      <m:accPr>
+                        <m:chr m:val="̂"/>
+                        <m:ctrlPr>
+                          <a:rPr lang="en-US" sz="2400" i="1">
+                            <a:latin typeface="Cambria Math" panose="02040503050406030204" pitchFamily="18" charset="0"/>
+                          </a:rPr>
+                        </m:ctrlPr>
+                      </m:accPr>
+                      <m:e>
+                        <m:sSub>
+                          <m:sSubPr>
+                            <m:ctrlPr>
+                              <a:rPr lang="en-US" sz="2400" i="1">
+                                <a:latin typeface="Cambria Math" panose="02040503050406030204" pitchFamily="18" charset="0"/>
+                              </a:rPr>
+                            </m:ctrlPr>
+                          </m:sSubPr>
+                          <m:e>
+                            <m:r>
+                              <a:rPr lang="en-US" sz="2400" i="1">
+                                <a:latin typeface="Cambria Math" panose="02040503050406030204" pitchFamily="18" charset="0"/>
+                              </a:rPr>
+                              <m:t>𝑦</m:t>
+                            </m:r>
+                          </m:e>
+                          <m:sub>
+                            <m:r>
+                              <a:rPr lang="en-US" sz="2400" i="1">
+                                <a:latin typeface="Cambria Math" panose="02040503050406030204" pitchFamily="18" charset="0"/>
+                              </a:rPr>
+                              <m:t>𝑖</m:t>
+                            </m:r>
+                          </m:sub>
+                        </m:sSub>
+                      </m:e>
+                    </m:acc>
+                  </m:oMath>
+                </a14:m>
+                <a:r>
+                  <a:rPr lang="en-US" sz="2400" dirty="0"/>
+                  <a:t>)</a:t>
+                </a:r>
+              </a:p>
+            </p:txBody>
+          </p:sp>
+        </mc:Choice>
+        <mc:Fallback>
+          <p:sp>
+            <p:nvSpPr>
+              <p:cNvPr id="7" name="TextBox 6">
+                <a:extLst>
+                  <a:ext uri="{FF2B5EF4-FFF2-40B4-BE49-F238E27FC236}">
+                    <a16:creationId xmlns:a16="http://schemas.microsoft.com/office/drawing/2014/main" id="{68052173-E19C-C319-6EB2-7FB3A596C83F}"/>
+                  </a:ext>
+                </a:extLst>
+              </p:cNvPr>
+              <p:cNvSpPr txBox="1">
+                <a:spLocks noRot="1" noChangeAspect="1" noMove="1" noResize="1" noEditPoints="1" noAdjustHandles="1" noChangeArrowheads="1" noChangeShapeType="1" noTextEdit="1"/>
+              </p:cNvSpPr>
+              <p:nvPr/>
+            </p:nvSpPr>
+            <p:spPr>
+              <a:xfrm>
+                <a:off x="755073" y="1614055"/>
+                <a:ext cx="10855902" cy="461665"/>
+              </a:xfrm>
+              <a:prstGeom prst="rect">
+                <a:avLst/>
+              </a:prstGeom>
+              <a:blipFill>
+                <a:blip r:embed="rId2"/>
+                <a:stretch>
+                  <a:fillRect l="-898" t="-10526" b="-28947"/>
+                </a:stretch>
+              </a:blipFill>
+            </p:spPr>
+            <p:txBody>
+              <a:bodyPr/>
+              <a:lstStyle/>
+              <a:p>
+                <a:r>
+                  <a:rPr lang="en-US">
+                    <a:noFill/>
+                  </a:rPr>
+                  <a:t> </a:t>
+                </a:r>
+              </a:p>
+            </p:txBody>
+          </p:sp>
+        </mc:Fallback>
+      </mc:AlternateContent>
       <p:pic>
         <p:nvPicPr>
           <p:cNvPr id="8" name="Google Shape;149;p29">
@@ -11046,7 +10984,7 @@
           <p:nvPr/>
         </p:nvPicPr>
         <p:blipFill>
-          <a:blip r:embed="rId2">
+          <a:blip r:embed="rId3">
             <a:alphaModFix/>
           </a:blip>
           <a:stretch>
@@ -11067,8 +11005,8 @@
           </a:ln>
         </p:spPr>
       </p:pic>
-      <mc:AlternateContent xmlns:mc="http://schemas.openxmlformats.org/markup-compatibility/2006" xmlns:a14="http://schemas.microsoft.com/office/drawing/2010/main">
-        <mc:Choice Requires="a14">
+      <mc:AlternateContent xmlns:mc="http://schemas.openxmlformats.org/markup-compatibility/2006">
+        <mc:Choice xmlns:a14="http://schemas.microsoft.com/office/drawing/2010/main" Requires="a14">
           <p:sp>
             <p:nvSpPr>
               <p:cNvPr id="9" name="TextBox 8">
@@ -11083,7 +11021,7 @@
             </p:nvSpPr>
             <p:spPr>
               <a:xfrm>
-                <a:off x="7155873" y="2860964"/>
+                <a:off x="7710054" y="2824608"/>
                 <a:ext cx="2265218" cy="374654"/>
               </a:xfrm>
               <a:prstGeom prst="rect">
@@ -11211,7 +11149,7 @@
             </p:txBody>
           </p:sp>
         </mc:Choice>
-        <mc:Fallback xmlns="">
+        <mc:Fallback>
           <p:sp>
             <p:nvSpPr>
               <p:cNvPr id="9" name="TextBox 8">
@@ -11228,14 +11166,14 @@
             </p:nvSpPr>
             <p:spPr>
               <a:xfrm>
-                <a:off x="7155873" y="2860964"/>
+                <a:off x="7710054" y="2824608"/>
                 <a:ext cx="2265218" cy="374654"/>
               </a:xfrm>
               <a:prstGeom prst="rect">
                 <a:avLst/>
               </a:prstGeom>
               <a:blipFill>
-                <a:blip r:embed="rId3"/>
+                <a:blip r:embed="rId4"/>
                 <a:stretch>
                   <a:fillRect t="-6452" b="-4839"/>
                 </a:stretch>
@@ -11256,6 +11194,41 @@
           </p:sp>
         </mc:Fallback>
       </mc:AlternateContent>
+      <p:sp>
+        <p:nvSpPr>
+          <p:cNvPr id="2" name="TextBox 1">
+            <a:extLst>
+              <a:ext uri="{FF2B5EF4-FFF2-40B4-BE49-F238E27FC236}">
+                <a16:creationId xmlns:a16="http://schemas.microsoft.com/office/drawing/2014/main" id="{C5709585-EDAA-01F1-0E1E-2B0E4FB75609}"/>
+              </a:ext>
+            </a:extLst>
+          </p:cNvPr>
+          <p:cNvSpPr txBox="1"/>
+          <p:nvPr/>
+        </p:nvSpPr>
+        <p:spPr>
+          <a:xfrm>
+            <a:off x="7502236" y="3865418"/>
+            <a:ext cx="3456710" cy="646331"/>
+          </a:xfrm>
+          <a:prstGeom prst="rect">
+            <a:avLst/>
+          </a:prstGeom>
+          <a:noFill/>
+        </p:spPr>
+        <p:txBody>
+          <a:bodyPr wrap="square" rtlCol="0">
+            <a:spAutoFit/>
+          </a:bodyPr>
+          <a:lstStyle/>
+          <a:p>
+            <a:r>
+              <a:rPr lang="en-US" dirty="0"/>
+              <a:t>Do you want a smaller error or larger error? 🤔</a:t>
+            </a:r>
+          </a:p>
+        </p:txBody>
+      </p:sp>
     </p:spTree>
     <p:extLst>
       <p:ext uri="{BB962C8B-B14F-4D97-AF65-F5344CB8AC3E}">
@@ -11269,7 +11242,7 @@
 </p:sld>
 </file>
 
-<file path=ppt/slides/slide16.xml><?xml version="1.0" encoding="utf-8"?>
+<file path=ppt/slides/slide15.xml><?xml version="1.0" encoding="utf-8"?>
 <p:sld xmlns:a="http://schemas.openxmlformats.org/drawingml/2006/main" xmlns:r="http://schemas.openxmlformats.org/officeDocument/2006/relationships" xmlns:p="http://schemas.openxmlformats.org/presentationml/2006/main">
   <p:cSld>
     <p:spTree>
@@ -11286,8 +11259,8 @@
           <a:chExt cx="0" cy="0"/>
         </a:xfrm>
       </p:grpSpPr>
-      <mc:AlternateContent xmlns:mc="http://schemas.openxmlformats.org/markup-compatibility/2006" xmlns:a14="http://schemas.microsoft.com/office/drawing/2010/main">
-        <mc:Choice Requires="a14">
+      <mc:AlternateContent xmlns:mc="http://schemas.openxmlformats.org/markup-compatibility/2006">
+        <mc:Choice xmlns:a14="http://schemas.microsoft.com/office/drawing/2010/main" Requires="a14">
           <p:sp>
             <p:nvSpPr>
               <p:cNvPr id="4" name="TextBox 3">
@@ -11302,7 +11275,7 @@
             </p:nvSpPr>
             <p:spPr>
               <a:xfrm>
-                <a:off x="581192" y="651817"/>
+                <a:off x="581192" y="762654"/>
                 <a:ext cx="10855902" cy="461665"/>
               </a:xfrm>
               <a:prstGeom prst="rect">
@@ -11383,7 +11356,7 @@
             </p:txBody>
           </p:sp>
         </mc:Choice>
-        <mc:Fallback xmlns="">
+        <mc:Fallback>
           <p:sp>
             <p:nvSpPr>
               <p:cNvPr id="4" name="TextBox 3">
@@ -11400,7 +11373,7 @@
             </p:nvSpPr>
             <p:spPr>
               <a:xfrm>
-                <a:off x="581192" y="651817"/>
+                <a:off x="581192" y="762654"/>
                 <a:ext cx="10855902" cy="461665"/>
               </a:xfrm>
               <a:prstGeom prst="rect">
@@ -11574,7 +11547,7 @@
 </p:sld>
 </file>
 
-<file path=ppt/slides/slide17.xml><?xml version="1.0" encoding="utf-8"?>
+<file path=ppt/slides/slide16.xml><?xml version="1.0" encoding="utf-8"?>
 <p:sld xmlns:a="http://schemas.openxmlformats.org/drawingml/2006/main" xmlns:r="http://schemas.openxmlformats.org/officeDocument/2006/relationships" xmlns:p="http://schemas.openxmlformats.org/presentationml/2006/main">
   <p:cSld>
     <p:spTree>
@@ -11658,8 +11631,8 @@
           </a:prstGeom>
         </p:spPr>
       </p:pic>
-      <mc:AlternateContent xmlns:mc="http://schemas.openxmlformats.org/markup-compatibility/2006" xmlns:a14="http://schemas.microsoft.com/office/drawing/2010/main">
-        <mc:Choice Requires="a14">
+      <mc:AlternateContent xmlns:mc="http://schemas.openxmlformats.org/markup-compatibility/2006">
+        <mc:Choice xmlns:a14="http://schemas.microsoft.com/office/drawing/2010/main" Requires="a14">
           <p:sp>
             <p:nvSpPr>
               <p:cNvPr id="6" name="TextBox 5">
@@ -11939,36 +11912,48 @@
                                 </m:ctrlPr>
                               </m:dPr>
                               <m:e>
-                                <m:sSub>
-                                  <m:sSubPr>
+                                <m:acc>
+                                  <m:accPr>
+                                    <m:chr m:val="̂"/>
                                     <m:ctrlPr>
-                                      <a:rPr lang="en-US" b="0" i="1" smtClean="0">
+                                      <a:rPr lang="en-US" i="1">
                                         <a:latin typeface="Cambria Math" panose="02040503050406030204" pitchFamily="18" charset="0"/>
                                       </a:rPr>
                                     </m:ctrlPr>
-                                  </m:sSubPr>
+                                  </m:accPr>
                                   <m:e>
-                                    <m:r>
-                                      <a:rPr lang="en-US" b="0" i="1" smtClean="0">
-                                        <a:latin typeface="Cambria Math" panose="02040503050406030204" pitchFamily="18" charset="0"/>
-                                      </a:rPr>
-                                      <m:t>𝑦</m:t>
-                                    </m:r>
+                                    <m:sSub>
+                                      <m:sSubPr>
+                                        <m:ctrlPr>
+                                          <a:rPr lang="en-US" i="1">
+                                            <a:latin typeface="Cambria Math" panose="02040503050406030204" pitchFamily="18" charset="0"/>
+                                          </a:rPr>
+                                        </m:ctrlPr>
+                                      </m:sSubPr>
+                                      <m:e>
+                                        <m:r>
+                                          <a:rPr lang="en-US" i="1">
+                                            <a:latin typeface="Cambria Math" panose="02040503050406030204" pitchFamily="18" charset="0"/>
+                                          </a:rPr>
+                                          <m:t>𝑦</m:t>
+                                        </m:r>
+                                      </m:e>
+                                      <m:sub>
+                                        <m:r>
+                                          <a:rPr lang="en-US" i="1">
+                                            <a:latin typeface="Cambria Math" panose="02040503050406030204" pitchFamily="18" charset="0"/>
+                                          </a:rPr>
+                                          <m:t>𝑖</m:t>
+                                        </m:r>
+                                      </m:sub>
+                                    </m:sSub>
                                   </m:e>
-                                  <m:sub>
-                                    <m:r>
-                                      <a:rPr lang="en-US" b="0" i="1" smtClean="0">
-                                        <a:latin typeface="Cambria Math" panose="02040503050406030204" pitchFamily="18" charset="0"/>
-                                      </a:rPr>
-                                      <m:t>𝑖</m:t>
-                                    </m:r>
-                                  </m:sub>
-                                </m:sSub>
+                                </m:acc>
                                 <m:r>
                                   <a:rPr lang="en-US" b="0" i="1" smtClean="0">
                                     <a:latin typeface="Cambria Math" panose="02040503050406030204" pitchFamily="18" charset="0"/>
                                   </a:rPr>
-                                  <m:t> −</m:t>
+                                  <m:t>−</m:t>
                                 </m:r>
                                 <m:acc>
                                   <m:accPr>
@@ -12275,7 +12260,7 @@
             </p:txBody>
           </p:sp>
         </mc:Choice>
-        <mc:Fallback xmlns="">
+        <mc:Fallback>
           <p:sp>
             <p:nvSpPr>
               <p:cNvPr id="6" name="TextBox 5">
@@ -12333,7 +12318,7 @@
 </p:sld>
 </file>
 
-<file path=ppt/slides/slide18.xml><?xml version="1.0" encoding="utf-8"?>
+<file path=ppt/slides/slide17.xml><?xml version="1.0" encoding="utf-8"?>
 <p:sld xmlns:a="http://schemas.openxmlformats.org/drawingml/2006/main" xmlns:r="http://schemas.openxmlformats.org/officeDocument/2006/relationships" xmlns:p="http://schemas.openxmlformats.org/presentationml/2006/main">
   <p:cSld>
     <p:spTree>
@@ -12383,8 +12368,8 @@
           </a:p>
         </p:txBody>
       </p:sp>
-      <mc:AlternateContent xmlns:mc="http://schemas.openxmlformats.org/markup-compatibility/2006" xmlns:a14="http://schemas.microsoft.com/office/drawing/2010/main">
-        <mc:Choice Requires="a14">
+      <mc:AlternateContent xmlns:mc="http://schemas.openxmlformats.org/markup-compatibility/2006">
+        <mc:Choice xmlns:a14="http://schemas.microsoft.com/office/drawing/2010/main" Requires="a14">
           <p:sp>
             <p:nvSpPr>
               <p:cNvPr id="3" name="Content Placeholder 2">
@@ -12403,13 +12388,13 @@
             </p:nvSpPr>
             <p:spPr>
               <a:xfrm>
-                <a:off x="581193" y="1606573"/>
-                <a:ext cx="11029615" cy="3192255"/>
+                <a:off x="671946" y="1488721"/>
+                <a:ext cx="11312236" cy="1122861"/>
               </a:xfrm>
             </p:spPr>
             <p:txBody>
               <a:bodyPr>
-                <a:normAutofit fontScale="92500" lnSpcReduction="10000"/>
+                <a:normAutofit/>
               </a:bodyPr>
               <a:lstStyle/>
               <a:p>
@@ -12418,7 +12403,7 @@
                 </a:pPr>
                 <a:r>
                   <a:rPr lang="en-US" sz="2400" dirty="0"/>
-                  <a:t>The lest square approach choose </a:t>
+                  <a:t>The lest square approach use </a:t>
                 </a:r>
                 <a14:m>
                   <m:oMath xmlns:m="http://schemas.openxmlformats.org/officeDocument/2006/math">
@@ -12492,15 +12477,7 @@
                   <a:rPr lang="en-US" sz="2400" b="0" dirty="0"/>
                   <a:t> to minimize the RSS</a:t>
                 </a:r>
-              </a:p>
-              <a:p>
-                <a:pPr marL="0" indent="0">
-                  <a:buNone/>
-                </a:pPr>
-                <a:r>
-                  <a:rPr lang="en-US" sz="2800" b="0" dirty="0"/>
-                  <a:t> </a:t>
-                </a:r>
+                <a:endParaRPr lang="en-US" sz="2800" b="0" dirty="0"/>
               </a:p>
               <a:p>
                 <a:pPr marL="0" indent="0">
@@ -12784,25 +12761,25 @@
                     <m:sSub>
                       <m:sSubPr>
                         <m:ctrlPr>
-                          <a:rPr lang="en-US" b="0" i="1" smtClean="0">
+                          <a:rPr lang="en-US" b="1" i="1" smtClean="0">
                             <a:latin typeface="Cambria Math" panose="02040503050406030204" pitchFamily="18" charset="0"/>
                           </a:rPr>
                         </m:ctrlPr>
                       </m:sSubPr>
                       <m:e>
                         <m:r>
-                          <a:rPr lang="en-US" b="0" i="1" smtClean="0">
+                          <a:rPr lang="en-US" b="1" i="1" smtClean="0">
                             <a:latin typeface="Cambria Math" panose="02040503050406030204" pitchFamily="18" charset="0"/>
                           </a:rPr>
-                          <m:t>𝑏</m:t>
+                          <m:t>𝒃</m:t>
                         </m:r>
                       </m:e>
                       <m:sub>
                         <m:r>
-                          <a:rPr lang="en-US" b="0" i="1" smtClean="0">
+                          <a:rPr lang="en-US" b="1" i="1" smtClean="0">
                             <a:latin typeface="Cambria Math" panose="02040503050406030204" pitchFamily="18" charset="0"/>
                           </a:rPr>
-                          <m:t>0</m:t>
+                          <m:t>𝟎</m:t>
                         </m:r>
                       </m:sub>
                     </m:sSub>
@@ -12815,25 +12792,25 @@
                     <m:sSub>
                       <m:sSubPr>
                         <m:ctrlPr>
-                          <a:rPr lang="en-US" b="0" i="1" smtClean="0">
+                          <a:rPr lang="en-US" b="1" i="1" smtClean="0">
                             <a:latin typeface="Cambria Math" panose="02040503050406030204" pitchFamily="18" charset="0"/>
                           </a:rPr>
                         </m:ctrlPr>
                       </m:sSubPr>
                       <m:e>
                         <m:r>
-                          <a:rPr lang="en-US" b="0" i="1" smtClean="0">
+                          <a:rPr lang="en-US" b="1" i="1" smtClean="0">
                             <a:latin typeface="Cambria Math" panose="02040503050406030204" pitchFamily="18" charset="0"/>
                           </a:rPr>
-                          <m:t>𝑏</m:t>
+                          <m:t>𝒃</m:t>
                         </m:r>
                       </m:e>
                       <m:sub>
                         <m:r>
-                          <a:rPr lang="en-US" b="0" i="1" smtClean="0">
+                          <a:rPr lang="en-US" b="1" i="1" smtClean="0">
                             <a:latin typeface="Cambria Math" panose="02040503050406030204" pitchFamily="18" charset="0"/>
                           </a:rPr>
-                          <m:t>1</m:t>
+                          <m:t>𝟏</m:t>
                         </m:r>
                       </m:sub>
                     </m:sSub>
@@ -12884,571 +12861,10 @@
                 </a14:m>
                 <a:endParaRPr lang="en-US" dirty="0"/>
               </a:p>
-              <a:p>
-                <a:pPr marL="0" indent="0">
-                  <a:buNone/>
-                </a:pPr>
-                <a:endParaRPr lang="en-US" dirty="0"/>
-              </a:p>
-              <a:p>
-                <a:pPr marL="0" indent="0">
-                  <a:buNone/>
-                </a:pPr>
-                <a:r>
-                  <a:rPr lang="en-US" dirty="0"/>
-                  <a:t>Based on some calculus, the </a:t>
-                </a:r>
-                <a14:m>
-                  <m:oMath xmlns:m="http://schemas.openxmlformats.org/officeDocument/2006/math">
-                    <m:sSub>
-                      <m:sSubPr>
-                        <m:ctrlPr>
-                          <a:rPr lang="en-US" b="0" i="1" smtClean="0">
-                            <a:latin typeface="Cambria Math" panose="02040503050406030204" pitchFamily="18" charset="0"/>
-                          </a:rPr>
-                        </m:ctrlPr>
-                      </m:sSubPr>
-                      <m:e>
-                        <m:r>
-                          <a:rPr lang="en-US" b="0" i="1" smtClean="0">
-                            <a:latin typeface="Cambria Math" panose="02040503050406030204" pitchFamily="18" charset="0"/>
-                          </a:rPr>
-                          <m:t>𝑏</m:t>
-                        </m:r>
-                      </m:e>
-                      <m:sub>
-                        <m:r>
-                          <a:rPr lang="en-US" b="0" i="1" smtClean="0">
-                            <a:latin typeface="Cambria Math" panose="02040503050406030204" pitchFamily="18" charset="0"/>
-                          </a:rPr>
-                          <m:t>0</m:t>
-                        </m:r>
-                      </m:sub>
-                    </m:sSub>
-                  </m:oMath>
-                </a14:m>
-                <a:r>
-                  <a:rPr lang="en-US" dirty="0"/>
-                  <a:t> and </a:t>
-                </a:r>
-                <a14:m>
-                  <m:oMath xmlns:m="http://schemas.openxmlformats.org/officeDocument/2006/math">
-                    <m:sSub>
-                      <m:sSubPr>
-                        <m:ctrlPr>
-                          <a:rPr lang="en-US" b="0" i="1" smtClean="0">
-                            <a:latin typeface="Cambria Math" panose="02040503050406030204" pitchFamily="18" charset="0"/>
-                          </a:rPr>
-                        </m:ctrlPr>
-                      </m:sSubPr>
-                      <m:e>
-                        <m:r>
-                          <a:rPr lang="en-US" b="0" i="1" smtClean="0">
-                            <a:latin typeface="Cambria Math" panose="02040503050406030204" pitchFamily="18" charset="0"/>
-                          </a:rPr>
-                          <m:t>𝑏</m:t>
-                        </m:r>
-                      </m:e>
-                      <m:sub>
-                        <m:r>
-                          <a:rPr lang="en-US" b="0" i="1" smtClean="0">
-                            <a:latin typeface="Cambria Math" panose="02040503050406030204" pitchFamily="18" charset="0"/>
-                          </a:rPr>
-                          <m:t>1</m:t>
-                        </m:r>
-                      </m:sub>
-                    </m:sSub>
-                  </m:oMath>
-                </a14:m>
-                <a:r>
-                  <a:rPr lang="en-US" dirty="0"/>
-                  <a:t> are:</a:t>
-                </a:r>
-              </a:p>
-              <a:p>
-                <a:pPr marL="0" indent="0">
-                  <a:buNone/>
-                </a:pPr>
-                <a14:m>
-                  <m:oMathPara xmlns:m="http://schemas.openxmlformats.org/officeDocument/2006/math">
-                    <m:oMathParaPr>
-                      <m:jc m:val="centerGroup"/>
-                    </m:oMathParaPr>
-                    <m:oMath xmlns:m="http://schemas.openxmlformats.org/officeDocument/2006/math">
-                      <m:sSub>
-                        <m:sSubPr>
-                          <m:ctrlPr>
-                            <a:rPr lang="en-US" b="0" i="1" smtClean="0">
-                              <a:latin typeface="Cambria Math" panose="02040503050406030204" pitchFamily="18" charset="0"/>
-                            </a:rPr>
-                          </m:ctrlPr>
-                        </m:sSubPr>
-                        <m:e>
-                          <m:r>
-                            <a:rPr lang="en-US" b="0" i="1" smtClean="0">
-                              <a:latin typeface="Cambria Math" panose="02040503050406030204" pitchFamily="18" charset="0"/>
-                            </a:rPr>
-                            <m:t>𝑏</m:t>
-                          </m:r>
-                        </m:e>
-                        <m:sub>
-                          <m:r>
-                            <a:rPr lang="en-US" b="0" i="1" smtClean="0">
-                              <a:latin typeface="Cambria Math" panose="02040503050406030204" pitchFamily="18" charset="0"/>
-                            </a:rPr>
-                            <m:t>0</m:t>
-                          </m:r>
-                        </m:sub>
-                      </m:sSub>
-                      <m:r>
-                        <a:rPr lang="en-US" b="0" i="1" smtClean="0">
-                          <a:latin typeface="Cambria Math" panose="02040503050406030204" pitchFamily="18" charset="0"/>
-                        </a:rPr>
-                        <m:t>=</m:t>
-                      </m:r>
-                      <m:f>
-                        <m:fPr>
-                          <m:ctrlPr>
-                            <a:rPr lang="en-US" b="0" i="1" smtClean="0">
-                              <a:latin typeface="Cambria Math" panose="02040503050406030204" pitchFamily="18" charset="0"/>
-                            </a:rPr>
-                          </m:ctrlPr>
-                        </m:fPr>
-                        <m:num>
-                          <m:nary>
-                            <m:naryPr>
-                              <m:chr m:val="∑"/>
-                              <m:limLoc m:val="subSup"/>
-                              <m:ctrlPr>
-                                <a:rPr lang="en-US" i="1">
-                                  <a:latin typeface="Cambria Math" panose="02040503050406030204" pitchFamily="18" charset="0"/>
-                                </a:rPr>
-                              </m:ctrlPr>
-                            </m:naryPr>
-                            <m:sub>
-                              <m:r>
-                                <m:rPr>
-                                  <m:brk m:alnAt="25"/>
-                                </m:rPr>
-                                <a:rPr lang="en-US" i="1">
-                                  <a:latin typeface="Cambria Math" panose="02040503050406030204" pitchFamily="18" charset="0"/>
-                                </a:rPr>
-                                <m:t>𝑖</m:t>
-                              </m:r>
-                              <m:r>
-                                <a:rPr lang="en-US" i="1">
-                                  <a:latin typeface="Cambria Math" panose="02040503050406030204" pitchFamily="18" charset="0"/>
-                                </a:rPr>
-                                <m:t>=</m:t>
-                              </m:r>
-                              <m:r>
-                                <a:rPr lang="en-US" i="1">
-                                  <a:latin typeface="Cambria Math" panose="02040503050406030204" pitchFamily="18" charset="0"/>
-                                </a:rPr>
-                                <m:t>1</m:t>
-                              </m:r>
-                            </m:sub>
-                            <m:sup>
-                              <m:r>
-                                <a:rPr lang="en-US" i="1">
-                                  <a:latin typeface="Cambria Math" panose="02040503050406030204" pitchFamily="18" charset="0"/>
-                                </a:rPr>
-                                <m:t>𝑛</m:t>
-                              </m:r>
-                            </m:sup>
-                            <m:e>
-                              <m:d>
-                                <m:dPr>
-                                  <m:ctrlPr>
-                                    <a:rPr lang="en-US" i="1">
-                                      <a:latin typeface="Cambria Math" panose="02040503050406030204" pitchFamily="18" charset="0"/>
-                                    </a:rPr>
-                                  </m:ctrlPr>
-                                </m:dPr>
-                                <m:e>
-                                  <m:sSub>
-                                    <m:sSubPr>
-                                      <m:ctrlPr>
-                                        <a:rPr lang="en-US" i="1">
-                                          <a:latin typeface="Cambria Math" panose="02040503050406030204" pitchFamily="18" charset="0"/>
-                                        </a:rPr>
-                                      </m:ctrlPr>
-                                    </m:sSubPr>
-                                    <m:e>
-                                      <m:r>
-                                        <a:rPr lang="en-US" i="1">
-                                          <a:latin typeface="Cambria Math" panose="02040503050406030204" pitchFamily="18" charset="0"/>
-                                        </a:rPr>
-                                        <m:t>𝑥</m:t>
-                                      </m:r>
-                                    </m:e>
-                                    <m:sub>
-                                      <m:r>
-                                        <a:rPr lang="en-US" i="1">
-                                          <a:latin typeface="Cambria Math" panose="02040503050406030204" pitchFamily="18" charset="0"/>
-                                        </a:rPr>
-                                        <m:t>𝑖</m:t>
-                                      </m:r>
-                                    </m:sub>
-                                  </m:sSub>
-                                  <m:r>
-                                    <a:rPr lang="en-US" i="1">
-                                      <a:latin typeface="Cambria Math" panose="02040503050406030204" pitchFamily="18" charset="0"/>
-                                    </a:rPr>
-                                    <m:t> −</m:t>
-                                  </m:r>
-                                  <m:bar>
-                                    <m:barPr>
-                                      <m:pos m:val="top"/>
-                                      <m:ctrlPr>
-                                        <a:rPr lang="en-US" i="1">
-                                          <a:latin typeface="Cambria Math" panose="02040503050406030204" pitchFamily="18" charset="0"/>
-                                        </a:rPr>
-                                      </m:ctrlPr>
-                                    </m:barPr>
-                                    <m:e>
-                                      <m:r>
-                                        <a:rPr lang="en-US" i="1">
-                                          <a:latin typeface="Cambria Math" panose="02040503050406030204" pitchFamily="18" charset="0"/>
-                                        </a:rPr>
-                                        <m:t>𝑥</m:t>
-                                      </m:r>
-                                    </m:e>
-                                  </m:bar>
-                                  <m:r>
-                                    <a:rPr lang="en-US" i="1">
-                                      <a:latin typeface="Cambria Math" panose="02040503050406030204" pitchFamily="18" charset="0"/>
-                                    </a:rPr>
-                                    <m:t> </m:t>
-                                  </m:r>
-                                </m:e>
-                              </m:d>
-                              <m:d>
-                                <m:dPr>
-                                  <m:ctrlPr>
-                                    <a:rPr lang="en-US" i="1">
-                                      <a:latin typeface="Cambria Math" panose="02040503050406030204" pitchFamily="18" charset="0"/>
-                                    </a:rPr>
-                                  </m:ctrlPr>
-                                </m:dPr>
-                                <m:e>
-                                  <m:sSub>
-                                    <m:sSubPr>
-                                      <m:ctrlPr>
-                                        <a:rPr lang="en-US" i="1">
-                                          <a:latin typeface="Cambria Math" panose="02040503050406030204" pitchFamily="18" charset="0"/>
-                                        </a:rPr>
-                                      </m:ctrlPr>
-                                    </m:sSubPr>
-                                    <m:e>
-                                      <m:r>
-                                        <a:rPr lang="en-US" i="1">
-                                          <a:latin typeface="Cambria Math" panose="02040503050406030204" pitchFamily="18" charset="0"/>
-                                        </a:rPr>
-                                        <m:t>𝑦</m:t>
-                                      </m:r>
-                                    </m:e>
-                                    <m:sub>
-                                      <m:r>
-                                        <a:rPr lang="en-US" i="1">
-                                          <a:latin typeface="Cambria Math" panose="02040503050406030204" pitchFamily="18" charset="0"/>
-                                        </a:rPr>
-                                        <m:t>𝑖</m:t>
-                                      </m:r>
-                                    </m:sub>
-                                  </m:sSub>
-                                  <m:r>
-                                    <a:rPr lang="en-US" i="1">
-                                      <a:latin typeface="Cambria Math" panose="02040503050406030204" pitchFamily="18" charset="0"/>
-                                    </a:rPr>
-                                    <m:t> −</m:t>
-                                  </m:r>
-                                  <m:bar>
-                                    <m:barPr>
-                                      <m:pos m:val="top"/>
-                                      <m:ctrlPr>
-                                        <a:rPr lang="en-US" i="1">
-                                          <a:latin typeface="Cambria Math" panose="02040503050406030204" pitchFamily="18" charset="0"/>
-                                        </a:rPr>
-                                      </m:ctrlPr>
-                                    </m:barPr>
-                                    <m:e>
-                                      <m:r>
-                                        <a:rPr lang="en-US" i="1">
-                                          <a:latin typeface="Cambria Math" panose="02040503050406030204" pitchFamily="18" charset="0"/>
-                                        </a:rPr>
-                                        <m:t>𝑦</m:t>
-                                      </m:r>
-                                    </m:e>
-                                  </m:bar>
-                                </m:e>
-                              </m:d>
-                            </m:e>
-                          </m:nary>
-                        </m:num>
-                        <m:den>
-                          <m:nary>
-                            <m:naryPr>
-                              <m:chr m:val="∑"/>
-                              <m:limLoc m:val="subSup"/>
-                              <m:ctrlPr>
-                                <a:rPr lang="en-US" i="1">
-                                  <a:latin typeface="Cambria Math" panose="02040503050406030204" pitchFamily="18" charset="0"/>
-                                </a:rPr>
-                              </m:ctrlPr>
-                            </m:naryPr>
-                            <m:sub>
-                              <m:r>
-                                <m:rPr>
-                                  <m:brk m:alnAt="25"/>
-                                </m:rPr>
-                                <a:rPr lang="en-US" i="1">
-                                  <a:latin typeface="Cambria Math" panose="02040503050406030204" pitchFamily="18" charset="0"/>
-                                </a:rPr>
-                                <m:t>𝑖</m:t>
-                              </m:r>
-                              <m:r>
-                                <a:rPr lang="en-US" i="1">
-                                  <a:latin typeface="Cambria Math" panose="02040503050406030204" pitchFamily="18" charset="0"/>
-                                </a:rPr>
-                                <m:t>=</m:t>
-                              </m:r>
-                              <m:r>
-                                <m:rPr>
-                                  <m:brk m:alnAt="25"/>
-                                </m:rPr>
-                                <a:rPr lang="en-US" i="1">
-                                  <a:latin typeface="Cambria Math" panose="02040503050406030204" pitchFamily="18" charset="0"/>
-                                </a:rPr>
-                                <m:t>1</m:t>
-                              </m:r>
-                            </m:sub>
-                            <m:sup>
-                              <m:r>
-                                <a:rPr lang="en-US" i="1">
-                                  <a:latin typeface="Cambria Math" panose="02040503050406030204" pitchFamily="18" charset="0"/>
-                                </a:rPr>
-                                <m:t>𝑛</m:t>
-                              </m:r>
-                            </m:sup>
-                            <m:e>
-                              <m:sSup>
-                                <m:sSupPr>
-                                  <m:ctrlPr>
-                                    <a:rPr lang="en-US" b="0" i="1" smtClean="0">
-                                      <a:latin typeface="Cambria Math" panose="02040503050406030204" pitchFamily="18" charset="0"/>
-                                    </a:rPr>
-                                  </m:ctrlPr>
-                                </m:sSupPr>
-                                <m:e>
-                                  <m:d>
-                                    <m:dPr>
-                                      <m:ctrlPr>
-                                        <a:rPr lang="en-US" b="0" i="1" smtClean="0">
-                                          <a:latin typeface="Cambria Math" panose="02040503050406030204" pitchFamily="18" charset="0"/>
-                                        </a:rPr>
-                                      </m:ctrlPr>
-                                    </m:dPr>
-                                    <m:e>
-                                      <m:sSub>
-                                        <m:sSubPr>
-                                          <m:ctrlPr>
-                                            <a:rPr lang="en-US" b="0" i="1" smtClean="0">
-                                              <a:latin typeface="Cambria Math" panose="02040503050406030204" pitchFamily="18" charset="0"/>
-                                            </a:rPr>
-                                          </m:ctrlPr>
-                                        </m:sSubPr>
-                                        <m:e>
-                                          <m:r>
-                                            <a:rPr lang="en-US" b="0" i="1" smtClean="0">
-                                              <a:latin typeface="Cambria Math" panose="02040503050406030204" pitchFamily="18" charset="0"/>
-                                            </a:rPr>
-                                            <m:t>𝑥</m:t>
-                                          </m:r>
-                                        </m:e>
-                                        <m:sub>
-                                          <m:r>
-                                            <a:rPr lang="en-US" b="0" i="1" smtClean="0">
-                                              <a:latin typeface="Cambria Math" panose="02040503050406030204" pitchFamily="18" charset="0"/>
-                                            </a:rPr>
-                                            <m:t>𝑖</m:t>
-                                          </m:r>
-                                        </m:sub>
-                                      </m:sSub>
-                                      <m:r>
-                                        <a:rPr lang="en-US" b="0" i="1" smtClean="0">
-                                          <a:latin typeface="Cambria Math" panose="02040503050406030204" pitchFamily="18" charset="0"/>
-                                        </a:rPr>
-                                        <m:t> −</m:t>
-                                      </m:r>
-                                      <m:bar>
-                                        <m:barPr>
-                                          <m:pos m:val="top"/>
-                                          <m:ctrlPr>
-                                            <a:rPr lang="en-US" b="0" i="1" smtClean="0">
-                                              <a:latin typeface="Cambria Math" panose="02040503050406030204" pitchFamily="18" charset="0"/>
-                                            </a:rPr>
-                                          </m:ctrlPr>
-                                        </m:barPr>
-                                        <m:e>
-                                          <m:r>
-                                            <a:rPr lang="en-US" b="0" i="1" smtClean="0">
-                                              <a:latin typeface="Cambria Math" panose="02040503050406030204" pitchFamily="18" charset="0"/>
-                                            </a:rPr>
-                                            <m:t>𝑥</m:t>
-                                          </m:r>
-                                        </m:e>
-                                      </m:bar>
-                                    </m:e>
-                                  </m:d>
-                                </m:e>
-                                <m:sup>
-                                  <m:r>
-                                    <a:rPr lang="en-US" b="0" i="1" smtClean="0">
-                                      <a:latin typeface="Cambria Math" panose="02040503050406030204" pitchFamily="18" charset="0"/>
-                                    </a:rPr>
-                                    <m:t>2</m:t>
-                                  </m:r>
-                                </m:sup>
-                              </m:sSup>
-                            </m:e>
-                          </m:nary>
-                        </m:den>
-                      </m:f>
-                      <m:r>
-                        <a:rPr lang="en-US" b="0" i="1" smtClean="0">
-                          <a:latin typeface="Cambria Math" panose="02040503050406030204" pitchFamily="18" charset="0"/>
-                        </a:rPr>
-                        <m:t> </m:t>
-                      </m:r>
-                    </m:oMath>
-                  </m:oMathPara>
-                </a14:m>
-                <a:endParaRPr lang="en-US" b="0" dirty="0"/>
-              </a:p>
-              <a:p>
-                <a:pPr marL="0" indent="0">
-                  <a:buNone/>
-                </a:pPr>
-                <a14:m>
-                  <m:oMathPara xmlns:m="http://schemas.openxmlformats.org/officeDocument/2006/math">
-                    <m:oMathParaPr>
-                      <m:jc m:val="centerGroup"/>
-                    </m:oMathParaPr>
-                    <m:oMath xmlns:m="http://schemas.openxmlformats.org/officeDocument/2006/math">
-                      <m:sSub>
-                        <m:sSubPr>
-                          <m:ctrlPr>
-                            <a:rPr lang="en-US" b="0" i="1" smtClean="0">
-                              <a:latin typeface="Cambria Math" panose="02040503050406030204" pitchFamily="18" charset="0"/>
-                            </a:rPr>
-                          </m:ctrlPr>
-                        </m:sSubPr>
-                        <m:e>
-                          <m:r>
-                            <a:rPr lang="en-US" b="0" i="1" smtClean="0">
-                              <a:latin typeface="Cambria Math" panose="02040503050406030204" pitchFamily="18" charset="0"/>
-                            </a:rPr>
-                            <m:t>𝑏</m:t>
-                          </m:r>
-                        </m:e>
-                        <m:sub>
-                          <m:r>
-                            <a:rPr lang="en-US" b="0" i="1" smtClean="0">
-                              <a:latin typeface="Cambria Math" panose="02040503050406030204" pitchFamily="18" charset="0"/>
-                            </a:rPr>
-                            <m:t>1</m:t>
-                          </m:r>
-                        </m:sub>
-                      </m:sSub>
-                      <m:r>
-                        <a:rPr lang="en-US" b="0" i="1" smtClean="0">
-                          <a:latin typeface="Cambria Math" panose="02040503050406030204" pitchFamily="18" charset="0"/>
-                        </a:rPr>
-                        <m:t>=</m:t>
-                      </m:r>
-                      <m:bar>
-                        <m:barPr>
-                          <m:pos m:val="top"/>
-                          <m:ctrlPr>
-                            <a:rPr lang="en-US" b="0" i="1" smtClean="0">
-                              <a:latin typeface="Cambria Math" panose="02040503050406030204" pitchFamily="18" charset="0"/>
-                            </a:rPr>
-                          </m:ctrlPr>
-                        </m:barPr>
-                        <m:e>
-                          <m:r>
-                            <a:rPr lang="en-US" b="0" i="1" smtClean="0">
-                              <a:latin typeface="Cambria Math" panose="02040503050406030204" pitchFamily="18" charset="0"/>
-                            </a:rPr>
-                            <m:t>𝑦</m:t>
-                          </m:r>
-                        </m:e>
-                      </m:bar>
-                      <m:r>
-                        <a:rPr lang="en-US" b="0" i="1" smtClean="0">
-                          <a:latin typeface="Cambria Math" panose="02040503050406030204" pitchFamily="18" charset="0"/>
-                        </a:rPr>
-                        <m:t> −</m:t>
-                      </m:r>
-                      <m:sSub>
-                        <m:sSubPr>
-                          <m:ctrlPr>
-                            <a:rPr lang="en-US" b="0" i="1" smtClean="0">
-                              <a:latin typeface="Cambria Math" panose="02040503050406030204" pitchFamily="18" charset="0"/>
-                            </a:rPr>
-                          </m:ctrlPr>
-                        </m:sSubPr>
-                        <m:e>
-                          <m:r>
-                            <a:rPr lang="en-US" b="0" i="1" smtClean="0">
-                              <a:latin typeface="Cambria Math" panose="02040503050406030204" pitchFamily="18" charset="0"/>
-                            </a:rPr>
-                            <m:t>𝑏</m:t>
-                          </m:r>
-                        </m:e>
-                        <m:sub>
-                          <m:r>
-                            <a:rPr lang="en-US" b="0" i="1" smtClean="0">
-                              <a:latin typeface="Cambria Math" panose="02040503050406030204" pitchFamily="18" charset="0"/>
-                            </a:rPr>
-                            <m:t>0</m:t>
-                          </m:r>
-                        </m:sub>
-                      </m:sSub>
-                      <m:bar>
-                        <m:barPr>
-                          <m:pos m:val="top"/>
-                          <m:ctrlPr>
-                            <a:rPr lang="en-US" b="0" i="1" smtClean="0">
-                              <a:latin typeface="Cambria Math" panose="02040503050406030204" pitchFamily="18" charset="0"/>
-                            </a:rPr>
-                          </m:ctrlPr>
-                        </m:barPr>
-                        <m:e>
-                          <m:r>
-                            <a:rPr lang="en-US" b="0" i="1" smtClean="0">
-                              <a:latin typeface="Cambria Math" panose="02040503050406030204" pitchFamily="18" charset="0"/>
-                            </a:rPr>
-                            <m:t>𝑥</m:t>
-                          </m:r>
-                        </m:e>
-                      </m:bar>
-                    </m:oMath>
-                  </m:oMathPara>
-                </a14:m>
-                <a:endParaRPr lang="en-US" b="0" dirty="0"/>
-              </a:p>
-              <a:p>
-                <a:pPr marL="0" indent="0">
-                  <a:buNone/>
-                </a:pPr>
-                <a:endParaRPr lang="en-US" dirty="0"/>
-              </a:p>
             </p:txBody>
           </p:sp>
         </mc:Choice>
-        <mc:Fallback xmlns="">
+        <mc:Fallback>
           <p:sp>
             <p:nvSpPr>
               <p:cNvPr id="3" name="Content Placeholder 2">
@@ -13467,13 +12883,13 @@
             </p:nvSpPr>
             <p:spPr>
               <a:xfrm>
-                <a:off x="581193" y="1606573"/>
-                <a:ext cx="11029615" cy="3192255"/>
+                <a:off x="671946" y="1488721"/>
+                <a:ext cx="11312236" cy="1122861"/>
               </a:xfrm>
               <a:blipFill>
                 <a:blip r:embed="rId2"/>
                 <a:stretch>
-                  <a:fillRect l="-718" t="-4589"/>
+                  <a:fillRect l="-808"/>
                 </a:stretch>
               </a:blipFill>
             </p:spPr>
@@ -13492,6 +12908,36 @@
           </p:sp>
         </mc:Fallback>
       </mc:AlternateContent>
+      <p:pic>
+        <p:nvPicPr>
+          <p:cNvPr id="5" name="Picture 4">
+            <a:extLst>
+              <a:ext uri="{FF2B5EF4-FFF2-40B4-BE49-F238E27FC236}">
+                <a16:creationId xmlns:a16="http://schemas.microsoft.com/office/drawing/2014/main" id="{FF9832C6-D089-E37F-2697-92A647FA3EAE}"/>
+              </a:ext>
+            </a:extLst>
+          </p:cNvPr>
+          <p:cNvPicPr>
+            <a:picLocks noChangeAspect="1"/>
+          </p:cNvPicPr>
+          <p:nvPr/>
+        </p:nvPicPr>
+        <p:blipFill>
+          <a:blip r:embed="rId3"/>
+          <a:stretch>
+            <a:fillRect/>
+          </a:stretch>
+        </p:blipFill>
+        <p:spPr>
+          <a:xfrm>
+            <a:off x="4176446" y="2888234"/>
+            <a:ext cx="4600408" cy="3532320"/>
+          </a:xfrm>
+          <a:prstGeom prst="rect">
+            <a:avLst/>
+          </a:prstGeom>
+        </p:spPr>
+      </p:pic>
     </p:spTree>
     <p:extLst>
       <p:ext uri="{BB962C8B-B14F-4D97-AF65-F5344CB8AC3E}">
@@ -13505,7 +12951,7 @@
 </p:sld>
 </file>
 
-<file path=ppt/slides/slide19.xml><?xml version="1.0" encoding="utf-8"?>
+<file path=ppt/slides/slide18.xml><?xml version="1.0" encoding="utf-8"?>
 <p:sld xmlns:a="http://schemas.openxmlformats.org/drawingml/2006/main" xmlns:r="http://schemas.openxmlformats.org/officeDocument/2006/relationships" xmlns:p="http://schemas.openxmlformats.org/presentationml/2006/main">
   <p:cSld>
     <p:spTree>
@@ -13689,13 +13135,13 @@
         </p:blipFill>
         <p:spPr>
           <a:xfrm>
-            <a:off x="3023330" y="1473720"/>
+            <a:off x="127730" y="1716175"/>
             <a:ext cx="6284851" cy="3633787"/>
           </a:xfrm>
         </p:spPr>
       </p:pic>
-      <mc:AlternateContent xmlns:mc="http://schemas.openxmlformats.org/markup-compatibility/2006" xmlns:a14="http://schemas.microsoft.com/office/drawing/2010/main">
-        <mc:Choice Requires="a14">
+      <mc:AlternateContent xmlns:mc="http://schemas.openxmlformats.org/markup-compatibility/2006">
+        <mc:Choice xmlns:a14="http://schemas.microsoft.com/office/drawing/2010/main" Requires="a14">
           <p:sp>
             <p:nvSpPr>
               <p:cNvPr id="6" name="TextBox 5">
@@ -13710,7 +13156,7 @@
             </p:nvSpPr>
             <p:spPr>
               <a:xfrm>
-                <a:off x="4704424" y="5384280"/>
+                <a:off x="6560933" y="2925099"/>
                 <a:ext cx="3601376" cy="369332"/>
               </a:xfrm>
               <a:prstGeom prst="rect">
@@ -13760,31 +13206,7 @@
                         <a:rPr lang="en-US" b="0" i="1" smtClean="0">
                           <a:latin typeface="Cambria Math" panose="02040503050406030204" pitchFamily="18" charset="0"/>
                         </a:rPr>
-                        <m:t>=</m:t>
-                      </m:r>
-                      <m:r>
-                        <a:rPr lang="en-US" b="0" i="1" smtClean="0">
-                          <a:latin typeface="Cambria Math" panose="02040503050406030204" pitchFamily="18" charset="0"/>
-                        </a:rPr>
-                        <m:t>7</m:t>
-                      </m:r>
-                      <m:r>
-                        <a:rPr lang="en-US" b="0" i="1" smtClean="0">
-                          <a:latin typeface="Cambria Math" panose="02040503050406030204" pitchFamily="18" charset="0"/>
-                        </a:rPr>
-                        <m:t>.</m:t>
-                      </m:r>
-                      <m:r>
-                        <a:rPr lang="en-US" b="0" i="1" smtClean="0">
-                          <a:latin typeface="Cambria Math" panose="02040503050406030204" pitchFamily="18" charset="0"/>
-                        </a:rPr>
-                        <m:t>03</m:t>
-                      </m:r>
-                      <m:r>
-                        <a:rPr lang="en-US" b="0" i="1" smtClean="0">
-                          <a:latin typeface="Cambria Math" panose="02040503050406030204" pitchFamily="18" charset="0"/>
-                        </a:rPr>
-                        <m:t>, </m:t>
+                        <m:t>=7.03, </m:t>
                       </m:r>
                       <m:sSub>
                         <m:sSubPr>
@@ -13815,25 +13237,7 @@
                         <a:rPr lang="en-US" b="0" i="1" smtClean="0">
                           <a:latin typeface="Cambria Math" panose="02040503050406030204" pitchFamily="18" charset="0"/>
                         </a:rPr>
-                        <m:t>=</m:t>
-                      </m:r>
-                      <m:r>
-                        <a:rPr lang="en-US" b="0" i="1" smtClean="0">
-                          <a:latin typeface="Cambria Math" panose="02040503050406030204" pitchFamily="18" charset="0"/>
-                        </a:rPr>
-                        <m:t>0</m:t>
-                      </m:r>
-                      <m:r>
-                        <a:rPr lang="en-US" b="0" i="1" smtClean="0">
-                          <a:latin typeface="Cambria Math" panose="02040503050406030204" pitchFamily="18" charset="0"/>
-                        </a:rPr>
-                        <m:t>.</m:t>
-                      </m:r>
-                      <m:r>
-                        <a:rPr lang="en-US" b="0" i="1" smtClean="0">
-                          <a:latin typeface="Cambria Math" panose="02040503050406030204" pitchFamily="18" charset="0"/>
-                        </a:rPr>
-                        <m:t>0475</m:t>
+                        <m:t>=0.0475</m:t>
                       </m:r>
                     </m:oMath>
                   </m:oMathPara>
@@ -13843,7 +13247,7 @@
             </p:txBody>
           </p:sp>
         </mc:Choice>
-        <mc:Fallback xmlns="">
+        <mc:Fallback>
           <p:sp>
             <p:nvSpPr>
               <p:cNvPr id="6" name="TextBox 5">
@@ -13860,7 +13264,7 @@
             </p:nvSpPr>
             <p:spPr>
               <a:xfrm>
-                <a:off x="4704424" y="5384280"/>
+                <a:off x="6560933" y="2925099"/>
                 <a:ext cx="3601376" cy="369332"/>
               </a:xfrm>
               <a:prstGeom prst="rect">
@@ -13870,6 +13274,127 @@
                 <a:blip r:embed="rId4"/>
                 <a:stretch>
                   <a:fillRect/>
+                </a:stretch>
+              </a:blipFill>
+            </p:spPr>
+            <p:txBody>
+              <a:bodyPr/>
+              <a:lstStyle/>
+              <a:p>
+                <a:r>
+                  <a:rPr lang="en-US">
+                    <a:noFill/>
+                  </a:rPr>
+                  <a:t> </a:t>
+                </a:r>
+              </a:p>
+            </p:txBody>
+          </p:sp>
+        </mc:Fallback>
+      </mc:AlternateContent>
+      <mc:AlternateContent xmlns:mc="http://schemas.openxmlformats.org/markup-compatibility/2006">
+        <mc:Choice xmlns:a14="http://schemas.microsoft.com/office/drawing/2010/main" Requires="a14">
+          <p:sp>
+            <p:nvSpPr>
+              <p:cNvPr id="3" name="TextBox 2">
+                <a:extLst>
+                  <a:ext uri="{FF2B5EF4-FFF2-40B4-BE49-F238E27FC236}">
+                    <a16:creationId xmlns:a16="http://schemas.microsoft.com/office/drawing/2014/main" id="{45E2FD89-63DA-20B0-812E-993D87D4FC4A}"/>
+                  </a:ext>
+                </a:extLst>
+              </p:cNvPr>
+              <p:cNvSpPr txBox="1"/>
+              <p:nvPr/>
+            </p:nvSpPr>
+            <p:spPr>
+              <a:xfrm>
+                <a:off x="6480737" y="1296718"/>
+                <a:ext cx="5130071" cy="646331"/>
+              </a:xfrm>
+              <a:prstGeom prst="rect">
+                <a:avLst/>
+              </a:prstGeom>
+              <a:noFill/>
+            </p:spPr>
+            <p:txBody>
+              <a:bodyPr wrap="square" rtlCol="0">
+                <a:spAutoFit/>
+              </a:bodyPr>
+              <a:lstStyle/>
+              <a:p>
+                <a14:m>
+                  <m:oMath xmlns:m="http://schemas.openxmlformats.org/officeDocument/2006/math">
+                    <m:r>
+                      <a:rPr lang="en-US" b="0" i="1" smtClean="0">
+                        <a:latin typeface="Cambria Math" panose="02040503050406030204" pitchFamily="18" charset="0"/>
+                      </a:rPr>
+                      <m:t>𝑥</m:t>
+                    </m:r>
+                    <m:r>
+                      <a:rPr lang="en-US" b="0" i="1" smtClean="0">
+                        <a:latin typeface="Cambria Math" panose="02040503050406030204" pitchFamily="18" charset="0"/>
+                      </a:rPr>
+                      <m:t>:</m:t>
+                    </m:r>
+                  </m:oMath>
+                </a14:m>
+                <a:r>
+                  <a:rPr lang="en-US" dirty="0"/>
+                  <a:t> The advertising budget on TV (unit: $1000)</a:t>
+                </a:r>
+              </a:p>
+              <a:p>
+                <a14:m>
+                  <m:oMath xmlns:m="http://schemas.openxmlformats.org/officeDocument/2006/math">
+                    <m:r>
+                      <a:rPr lang="en-US" b="0" i="1" smtClean="0">
+                        <a:latin typeface="Cambria Math" panose="02040503050406030204" pitchFamily="18" charset="0"/>
+                      </a:rPr>
+                      <m:t>𝑦</m:t>
+                    </m:r>
+                    <m:r>
+                      <a:rPr lang="en-US" b="0" i="1" smtClean="0">
+                        <a:latin typeface="Cambria Math" panose="02040503050406030204" pitchFamily="18" charset="0"/>
+                      </a:rPr>
+                      <m:t>:</m:t>
+                    </m:r>
+                  </m:oMath>
+                </a14:m>
+                <a:r>
+                  <a:rPr lang="en-US" dirty="0"/>
+                  <a:t> The sales of the product (unit:)</a:t>
+                </a:r>
+              </a:p>
+            </p:txBody>
+          </p:sp>
+        </mc:Choice>
+        <mc:Fallback>
+          <p:sp>
+            <p:nvSpPr>
+              <p:cNvPr id="3" name="TextBox 2">
+                <a:extLst>
+                  <a:ext uri="{FF2B5EF4-FFF2-40B4-BE49-F238E27FC236}">
+                    <a16:creationId xmlns:a16="http://schemas.microsoft.com/office/drawing/2014/main" id="{45E2FD89-63DA-20B0-812E-993D87D4FC4A}"/>
+                  </a:ext>
+                </a:extLst>
+              </p:cNvPr>
+              <p:cNvSpPr txBox="1">
+                <a:spLocks noRot="1" noChangeAspect="1" noMove="1" noResize="1" noEditPoints="1" noAdjustHandles="1" noChangeArrowheads="1" noChangeShapeType="1" noTextEdit="1"/>
+              </p:cNvSpPr>
+              <p:nvPr/>
+            </p:nvSpPr>
+            <p:spPr>
+              <a:xfrm>
+                <a:off x="6480737" y="1296718"/>
+                <a:ext cx="5130071" cy="646331"/>
+              </a:xfrm>
+              <a:prstGeom prst="rect">
+                <a:avLst/>
+              </a:prstGeom>
+              <a:blipFill>
+                <a:blip r:embed="rId5"/>
+                <a:stretch>
+                  <a:fillRect t="-5660" b="-14151"/>
                 </a:stretch>
               </a:blipFill>
             </p:spPr>
@@ -13901,928 +13426,7 @@
 </p:sld>
 </file>
 
-<file path=ppt/slides/slide2.xml><?xml version="1.0" encoding="utf-8"?>
-<p:sld xmlns:a="http://schemas.openxmlformats.org/drawingml/2006/main" xmlns:r="http://schemas.openxmlformats.org/officeDocument/2006/relationships" xmlns:p="http://schemas.openxmlformats.org/presentationml/2006/main">
-  <p:cSld>
-    <p:bg>
-      <p:bgPr>
-        <a:solidFill>
-          <a:schemeClr val="bg1"/>
-        </a:solidFill>
-        <a:effectLst/>
-      </p:bgPr>
-    </p:bg>
-    <p:spTree>
-      <p:nvGrpSpPr>
-        <p:cNvPr id="1" name=""/>
-        <p:cNvGrpSpPr/>
-        <p:nvPr/>
-      </p:nvGrpSpPr>
-      <p:grpSpPr>
-        <a:xfrm>
-          <a:off x="0" y="0"/>
-          <a:ext cx="0" cy="0"/>
-          <a:chOff x="0" y="0"/>
-          <a:chExt cx="0" cy="0"/>
-        </a:xfrm>
-      </p:grpSpPr>
-      <p:sp>
-        <p:nvSpPr>
-          <p:cNvPr id="36" name="Rectangle 35">
-            <a:extLst>
-              <a:ext uri="{FF2B5EF4-FFF2-40B4-BE49-F238E27FC236}">
-                <a16:creationId xmlns:a16="http://schemas.microsoft.com/office/drawing/2014/main" id="{DCF4EB5C-ED25-4675-8255-2F5B12CFFCF0}"/>
-              </a:ext>
-              <a:ext uri="{C183D7F6-B498-43B3-948B-1728B52AA6E4}">
-                <adec:decorative xmlns:adec="http://schemas.microsoft.com/office/drawing/2017/decorative" val="1"/>
-              </a:ext>
-            </a:extLst>
-          </p:cNvPr>
-          <p:cNvSpPr>
-            <a:spLocks noGrp="1" noRot="1" noChangeAspect="1" noMove="1" noResize="1" noEditPoints="1" noAdjustHandles="1" noChangeArrowheads="1" noChangeShapeType="1" noTextEdit="1"/>
-          </p:cNvSpPr>
-          <p:nvPr>
-            <p:extLst>
-              <p:ext uri="{386F3935-93C4-4BCD-93E2-E3B085C9AB24}">
-                <p16:designElem xmlns:p16="http://schemas.microsoft.com/office/powerpoint/2015/main" val="1"/>
-              </p:ext>
-            </p:extLst>
-          </p:nvPr>
-        </p:nvSpPr>
-        <p:spPr>
-          <a:xfrm>
-            <a:off x="446534" y="457200"/>
-            <a:ext cx="3703320" cy="94997"/>
-          </a:xfrm>
-          <a:prstGeom prst="rect">
-            <a:avLst/>
-          </a:prstGeom>
-          <a:solidFill>
-            <a:srgbClr val="465359"/>
-          </a:solidFill>
-          <a:ln>
-            <a:noFill/>
-          </a:ln>
-          <a:effectLst/>
-        </p:spPr>
-        <p:style>
-          <a:lnRef idx="1">
-            <a:schemeClr val="accent1"/>
-          </a:lnRef>
-          <a:fillRef idx="3">
-            <a:schemeClr val="accent1"/>
-          </a:fillRef>
-          <a:effectRef idx="2">
-            <a:schemeClr val="accent1"/>
-          </a:effectRef>
-          <a:fontRef idx="minor">
-            <a:schemeClr val="lt1"/>
-          </a:fontRef>
-        </p:style>
-        <p:txBody>
-          <a:bodyPr/>
-          <a:lstStyle/>
-          <a:p>
-            <a:pPr marL="0" marR="0" lvl="0" indent="0" algn="l" defTabSz="457200" rtl="0" eaLnBrk="1" fontAlgn="auto" latinLnBrk="0" hangingPunct="1">
-              <a:lnSpc>
-                <a:spcPct val="100000"/>
-              </a:lnSpc>
-              <a:spcBef>
-                <a:spcPts val="0"/>
-              </a:spcBef>
-              <a:spcAft>
-                <a:spcPts val="0"/>
-              </a:spcAft>
-              <a:buClrTx/>
-              <a:buSzTx/>
-              <a:buFontTx/>
-              <a:buNone/>
-              <a:tabLst/>
-              <a:defRPr/>
-            </a:pPr>
-            <a:endParaRPr kumimoji="0" lang="en-US" sz="1800" b="0" i="0" u="none" strike="noStrike" kern="1200" cap="none" spc="0" normalizeH="0" baseline="0" noProof="0">
-              <a:ln>
-                <a:noFill/>
-              </a:ln>
-              <a:solidFill>
-                <a:srgbClr val="FFFFFF"/>
-              </a:solidFill>
-              <a:effectLst/>
-              <a:uLnTx/>
-              <a:uFillTx/>
-              <a:latin typeface="Calibri"/>
-              <a:ea typeface="+mn-ea"/>
-              <a:cs typeface="+mn-cs"/>
-            </a:endParaRPr>
-          </a:p>
-        </p:txBody>
-      </p:sp>
-      <p:sp>
-        <p:nvSpPr>
-          <p:cNvPr id="38" name="Rectangle 37">
-            <a:extLst>
-              <a:ext uri="{FF2B5EF4-FFF2-40B4-BE49-F238E27FC236}">
-                <a16:creationId xmlns:a16="http://schemas.microsoft.com/office/drawing/2014/main" id="{9514EC6E-A557-42A2-BCDC-3ABFFC5E564D}"/>
-              </a:ext>
-              <a:ext uri="{C183D7F6-B498-43B3-948B-1728B52AA6E4}">
-                <adec:decorative xmlns:adec="http://schemas.microsoft.com/office/drawing/2017/decorative" val="1"/>
-              </a:ext>
-            </a:extLst>
-          </p:cNvPr>
-          <p:cNvSpPr>
-            <a:spLocks noGrp="1" noRot="1" noChangeAspect="1" noMove="1" noResize="1" noEditPoints="1" noAdjustHandles="1" noChangeArrowheads="1" noChangeShapeType="1" noTextEdit="1"/>
-          </p:cNvSpPr>
-          <p:nvPr>
-            <p:extLst>
-              <p:ext uri="{386F3935-93C4-4BCD-93E2-E3B085C9AB24}">
-                <p16:designElem xmlns:p16="http://schemas.microsoft.com/office/powerpoint/2015/main" val="1"/>
-              </p:ext>
-            </p:extLst>
-          </p:nvPr>
-        </p:nvSpPr>
-        <p:spPr>
-          <a:xfrm>
-            <a:off x="8042147" y="453643"/>
-            <a:ext cx="3703320" cy="98554"/>
-          </a:xfrm>
-          <a:prstGeom prst="rect">
-            <a:avLst/>
-          </a:prstGeom>
-          <a:solidFill>
-            <a:srgbClr val="969FA7"/>
-          </a:solidFill>
-          <a:ln>
-            <a:noFill/>
-          </a:ln>
-          <a:effectLst/>
-        </p:spPr>
-        <p:style>
-          <a:lnRef idx="1">
-            <a:schemeClr val="accent1"/>
-          </a:lnRef>
-          <a:fillRef idx="3">
-            <a:schemeClr val="accent1"/>
-          </a:fillRef>
-          <a:effectRef idx="2">
-            <a:schemeClr val="accent1"/>
-          </a:effectRef>
-          <a:fontRef idx="minor">
-            <a:schemeClr val="lt1"/>
-          </a:fontRef>
-        </p:style>
-        <p:txBody>
-          <a:bodyPr/>
-          <a:lstStyle/>
-          <a:p>
-            <a:pPr marL="0" marR="0" lvl="0" indent="0" algn="l" defTabSz="457200" rtl="0" eaLnBrk="1" fontAlgn="auto" latinLnBrk="0" hangingPunct="1">
-              <a:lnSpc>
-                <a:spcPct val="100000"/>
-              </a:lnSpc>
-              <a:spcBef>
-                <a:spcPts val="0"/>
-              </a:spcBef>
-              <a:spcAft>
-                <a:spcPts val="0"/>
-              </a:spcAft>
-              <a:buClrTx/>
-              <a:buSzTx/>
-              <a:buFontTx/>
-              <a:buNone/>
-              <a:tabLst/>
-              <a:defRPr/>
-            </a:pPr>
-            <a:endParaRPr kumimoji="0" lang="en-US" sz="1800" b="0" i="0" u="none" strike="noStrike" kern="1200" cap="none" spc="0" normalizeH="0" baseline="0" noProof="0">
-              <a:ln>
-                <a:noFill/>
-              </a:ln>
-              <a:solidFill>
-                <a:srgbClr val="FFFFFF"/>
-              </a:solidFill>
-              <a:effectLst/>
-              <a:uLnTx/>
-              <a:uFillTx/>
-              <a:latin typeface="Calibri"/>
-              <a:ea typeface="+mn-ea"/>
-              <a:cs typeface="+mn-cs"/>
-            </a:endParaRPr>
-          </a:p>
-        </p:txBody>
-      </p:sp>
-      <p:sp>
-        <p:nvSpPr>
-          <p:cNvPr id="40" name="Rectangle 39">
-            <a:extLst>
-              <a:ext uri="{FF2B5EF4-FFF2-40B4-BE49-F238E27FC236}">
-                <a16:creationId xmlns:a16="http://schemas.microsoft.com/office/drawing/2014/main" id="{905482C9-EB42-4BFE-95BF-7FD661F07657}"/>
-              </a:ext>
-              <a:ext uri="{C183D7F6-B498-43B3-948B-1728B52AA6E4}">
-                <adec:decorative xmlns:adec="http://schemas.microsoft.com/office/drawing/2017/decorative" val="1"/>
-              </a:ext>
-            </a:extLst>
-          </p:cNvPr>
-          <p:cNvSpPr>
-            <a:spLocks noGrp="1" noRot="1" noChangeAspect="1" noMove="1" noResize="1" noEditPoints="1" noAdjustHandles="1" noChangeArrowheads="1" noChangeShapeType="1" noTextEdit="1"/>
-          </p:cNvSpPr>
-          <p:nvPr>
-            <p:extLst>
-              <p:ext uri="{386F3935-93C4-4BCD-93E2-E3B085C9AB24}">
-                <p16:designElem xmlns:p16="http://schemas.microsoft.com/office/powerpoint/2015/main" val="1"/>
-              </p:ext>
-            </p:extLst>
-          </p:nvPr>
-        </p:nvSpPr>
-        <p:spPr>
-          <a:xfrm>
-            <a:off x="4241830" y="457200"/>
-            <a:ext cx="3703320" cy="91440"/>
-          </a:xfrm>
-          <a:prstGeom prst="rect">
-            <a:avLst/>
-          </a:prstGeom>
-          <a:solidFill>
-            <a:schemeClr val="accent1"/>
-          </a:solidFill>
-          <a:ln>
-            <a:noFill/>
-          </a:ln>
-          <a:effectLst/>
-        </p:spPr>
-        <p:style>
-          <a:lnRef idx="1">
-            <a:schemeClr val="accent1"/>
-          </a:lnRef>
-          <a:fillRef idx="3">
-            <a:schemeClr val="accent1"/>
-          </a:fillRef>
-          <a:effectRef idx="2">
-            <a:schemeClr val="accent1"/>
-          </a:effectRef>
-          <a:fontRef idx="minor">
-            <a:schemeClr val="lt1"/>
-          </a:fontRef>
-        </p:style>
-        <p:txBody>
-          <a:bodyPr/>
-          <a:lstStyle/>
-          <a:p>
-            <a:pPr marL="0" marR="0" lvl="0" indent="0" algn="l" defTabSz="457200" rtl="0" eaLnBrk="1" fontAlgn="auto" latinLnBrk="0" hangingPunct="1">
-              <a:lnSpc>
-                <a:spcPct val="100000"/>
-              </a:lnSpc>
-              <a:spcBef>
-                <a:spcPts val="0"/>
-              </a:spcBef>
-              <a:spcAft>
-                <a:spcPts val="0"/>
-              </a:spcAft>
-              <a:buClrTx/>
-              <a:buSzTx/>
-              <a:buFontTx/>
-              <a:buNone/>
-              <a:tabLst/>
-              <a:defRPr/>
-            </a:pPr>
-            <a:endParaRPr kumimoji="0" lang="en-US" sz="1800" b="0" i="0" u="none" strike="noStrike" kern="1200" cap="none" spc="0" normalizeH="0" baseline="0" noProof="0">
-              <a:ln>
-                <a:noFill/>
-              </a:ln>
-              <a:solidFill>
-                <a:srgbClr val="FFFFFF"/>
-              </a:solidFill>
-              <a:effectLst/>
-              <a:uLnTx/>
-              <a:uFillTx/>
-              <a:latin typeface="Calibri"/>
-              <a:ea typeface="+mn-ea"/>
-              <a:cs typeface="+mn-cs"/>
-            </a:endParaRPr>
-          </a:p>
-        </p:txBody>
-      </p:sp>
-      <p:sp>
-        <p:nvSpPr>
-          <p:cNvPr id="42" name="Rectangle 41">
-            <a:extLst>
-              <a:ext uri="{FF2B5EF4-FFF2-40B4-BE49-F238E27FC236}">
-                <a16:creationId xmlns:a16="http://schemas.microsoft.com/office/drawing/2014/main" id="{7539E646-A625-4A26-86ED-BD90EDD329F7}"/>
-              </a:ext>
-              <a:ext uri="{C183D7F6-B498-43B3-948B-1728B52AA6E4}">
-                <adec:decorative xmlns:adec="http://schemas.microsoft.com/office/drawing/2017/decorative" val="1"/>
-              </a:ext>
-            </a:extLst>
-          </p:cNvPr>
-          <p:cNvSpPr>
-            <a:spLocks noGrp="1" noRot="1" noChangeAspect="1" noMove="1" noResize="1" noEditPoints="1" noAdjustHandles="1" noChangeArrowheads="1" noChangeShapeType="1" noTextEdit="1"/>
-          </p:cNvSpPr>
-          <p:nvPr>
-            <p:extLst>
-              <p:ext uri="{386F3935-93C4-4BCD-93E2-E3B085C9AB24}">
-                <p16:designElem xmlns:p16="http://schemas.microsoft.com/office/powerpoint/2015/main" val="1"/>
-              </p:ext>
-            </p:extLst>
-          </p:nvPr>
-        </p:nvSpPr>
-        <p:spPr>
-          <a:xfrm>
-            <a:off x="446534" y="3085764"/>
-            <a:ext cx="11298932" cy="3338149"/>
-          </a:xfrm>
-          <a:prstGeom prst="rect">
-            <a:avLst/>
-          </a:prstGeom>
-          <a:solidFill>
-            <a:srgbClr val="465359"/>
-          </a:solidFill>
-          <a:ln>
-            <a:noFill/>
-          </a:ln>
-          <a:effectLst/>
-        </p:spPr>
-        <p:style>
-          <a:lnRef idx="1">
-            <a:schemeClr val="accent1"/>
-          </a:lnRef>
-          <a:fillRef idx="3">
-            <a:schemeClr val="accent1"/>
-          </a:fillRef>
-          <a:effectRef idx="2">
-            <a:schemeClr val="accent1"/>
-          </a:effectRef>
-          <a:fontRef idx="minor">
-            <a:schemeClr val="lt1"/>
-          </a:fontRef>
-        </p:style>
-        <p:txBody>
-          <a:bodyPr/>
-          <a:lstStyle/>
-          <a:p>
-            <a:pPr marL="0" marR="0" lvl="0" indent="0" algn="l" defTabSz="457200" rtl="0" eaLnBrk="1" fontAlgn="auto" latinLnBrk="0" hangingPunct="1">
-              <a:lnSpc>
-                <a:spcPct val="100000"/>
-              </a:lnSpc>
-              <a:spcBef>
-                <a:spcPts val="0"/>
-              </a:spcBef>
-              <a:spcAft>
-                <a:spcPts val="0"/>
-              </a:spcAft>
-              <a:buClrTx/>
-              <a:buSzTx/>
-              <a:buFontTx/>
-              <a:buNone/>
-              <a:tabLst/>
-              <a:defRPr/>
-            </a:pPr>
-            <a:endParaRPr kumimoji="0" lang="en-US" sz="1800" b="0" i="0" u="none" strike="noStrike" kern="1200" cap="none" spc="0" normalizeH="0" baseline="0" noProof="0">
-              <a:ln>
-                <a:noFill/>
-              </a:ln>
-              <a:solidFill>
-                <a:srgbClr val="FFFFFF"/>
-              </a:solidFill>
-              <a:effectLst/>
-              <a:uLnTx/>
-              <a:uFillTx/>
-              <a:latin typeface="Calibri"/>
-              <a:ea typeface="+mn-ea"/>
-              <a:cs typeface="+mn-cs"/>
-            </a:endParaRPr>
-          </a:p>
-        </p:txBody>
-      </p:sp>
-      <p:sp useBgFill="1">
-        <p:nvSpPr>
-          <p:cNvPr id="44" name="Rectangle 43">
-            <a:extLst>
-              <a:ext uri="{FF2B5EF4-FFF2-40B4-BE49-F238E27FC236}">
-                <a16:creationId xmlns:a16="http://schemas.microsoft.com/office/drawing/2014/main" id="{39171204-6A50-40E1-B631-84CEDFC9396A}"/>
-              </a:ext>
-              <a:ext uri="{C183D7F6-B498-43B3-948B-1728B52AA6E4}">
-                <adec:decorative xmlns:adec="http://schemas.microsoft.com/office/drawing/2017/decorative" val="1"/>
-              </a:ext>
-            </a:extLst>
-          </p:cNvPr>
-          <p:cNvSpPr>
-            <a:spLocks noGrp="1" noRot="1" noChangeAspect="1" noMove="1" noResize="1" noEditPoints="1" noAdjustHandles="1" noChangeArrowheads="1" noChangeShapeType="1" noTextEdit="1"/>
-          </p:cNvSpPr>
-          <p:nvPr>
-            <p:extLst>
-              <p:ext uri="{386F3935-93C4-4BCD-93E2-E3B085C9AB24}">
-                <p16:designElem xmlns:p16="http://schemas.microsoft.com/office/powerpoint/2015/main" val="1"/>
-              </p:ext>
-            </p:extLst>
-          </p:nvPr>
-        </p:nvSpPr>
-        <p:spPr>
-          <a:xfrm>
-            <a:off x="0" y="0"/>
-            <a:ext cx="12192000" cy="6858000"/>
-          </a:xfrm>
-          <a:prstGeom prst="rect">
-            <a:avLst/>
-          </a:prstGeom>
-          <a:ln>
-            <a:noFill/>
-          </a:ln>
-        </p:spPr>
-        <p:style>
-          <a:lnRef idx="2">
-            <a:schemeClr val="accent1">
-              <a:shade val="50000"/>
-            </a:schemeClr>
-          </a:lnRef>
-          <a:fillRef idx="1">
-            <a:schemeClr val="accent1"/>
-          </a:fillRef>
-          <a:effectRef idx="0">
-            <a:schemeClr val="accent1"/>
-          </a:effectRef>
-          <a:fontRef idx="minor">
-            <a:schemeClr val="lt1"/>
-          </a:fontRef>
-        </p:style>
-        <p:txBody>
-          <a:bodyPr rtlCol="0" anchor="ctr"/>
-          <a:lstStyle/>
-          <a:p>
-            <a:pPr marL="0" marR="0" lvl="0" indent="0" algn="ctr" defTabSz="457200" rtl="0" eaLnBrk="1" fontAlgn="auto" latinLnBrk="0" hangingPunct="1">
-              <a:lnSpc>
-                <a:spcPct val="100000"/>
-              </a:lnSpc>
-              <a:spcBef>
-                <a:spcPts val="0"/>
-              </a:spcBef>
-              <a:spcAft>
-                <a:spcPts val="0"/>
-              </a:spcAft>
-              <a:buClrTx/>
-              <a:buSzTx/>
-              <a:buFontTx/>
-              <a:buNone/>
-              <a:tabLst/>
-              <a:defRPr/>
-            </a:pPr>
-            <a:endParaRPr kumimoji="0" lang="en-US" sz="1800" b="0" i="0" u="none" strike="noStrike" kern="1200" cap="none" spc="0" normalizeH="0" baseline="0" noProof="0">
-              <a:ln>
-                <a:noFill/>
-              </a:ln>
-              <a:solidFill>
-                <a:srgbClr val="FFFFFF"/>
-              </a:solidFill>
-              <a:effectLst/>
-              <a:uLnTx/>
-              <a:uFillTx/>
-              <a:latin typeface="Calibri"/>
-              <a:ea typeface="+mn-ea"/>
-              <a:cs typeface="+mn-cs"/>
-            </a:endParaRPr>
-          </a:p>
-        </p:txBody>
-      </p:sp>
-      <p:sp>
-        <p:nvSpPr>
-          <p:cNvPr id="46" name="Rectangle 45">
-            <a:extLst>
-              <a:ext uri="{FF2B5EF4-FFF2-40B4-BE49-F238E27FC236}">
-                <a16:creationId xmlns:a16="http://schemas.microsoft.com/office/drawing/2014/main" id="{06C973F6-5187-412F-AACC-6E3FF8A6A12C}"/>
-              </a:ext>
-              <a:ext uri="{C183D7F6-B498-43B3-948B-1728B52AA6E4}">
-                <adec:decorative xmlns:adec="http://schemas.microsoft.com/office/drawing/2017/decorative" val="1"/>
-              </a:ext>
-            </a:extLst>
-          </p:cNvPr>
-          <p:cNvSpPr>
-            <a:spLocks noGrp="1" noRot="1" noChangeAspect="1" noMove="1" noResize="1" noEditPoints="1" noAdjustHandles="1" noChangeArrowheads="1" noChangeShapeType="1" noTextEdit="1"/>
-          </p:cNvSpPr>
-          <p:nvPr>
-            <p:extLst>
-              <p:ext uri="{386F3935-93C4-4BCD-93E2-E3B085C9AB24}">
-                <p16:designElem xmlns:p16="http://schemas.microsoft.com/office/powerpoint/2015/main" val="1"/>
-              </p:ext>
-            </p:extLst>
-          </p:nvPr>
-        </p:nvSpPr>
-        <p:spPr>
-          <a:xfrm>
-            <a:off x="509628" y="496959"/>
-            <a:ext cx="1106164" cy="5859735"/>
-          </a:xfrm>
-          <a:prstGeom prst="rect">
-            <a:avLst/>
-          </a:prstGeom>
-          <a:solidFill>
-            <a:srgbClr val="465359"/>
-          </a:solidFill>
-          <a:ln>
-            <a:noFill/>
-          </a:ln>
-          <a:effectLst/>
-        </p:spPr>
-        <p:style>
-          <a:lnRef idx="1">
-            <a:schemeClr val="accent1"/>
-          </a:lnRef>
-          <a:fillRef idx="3">
-            <a:schemeClr val="accent1"/>
-          </a:fillRef>
-          <a:effectRef idx="2">
-            <a:schemeClr val="accent1"/>
-          </a:effectRef>
-          <a:fontRef idx="minor">
-            <a:schemeClr val="lt1"/>
-          </a:fontRef>
-        </p:style>
-        <p:txBody>
-          <a:bodyPr/>
-          <a:lstStyle/>
-          <a:p>
-            <a:pPr marL="0" marR="0" lvl="0" indent="0" algn="l" defTabSz="457200" rtl="0" eaLnBrk="1" fontAlgn="auto" latinLnBrk="0" hangingPunct="1">
-              <a:lnSpc>
-                <a:spcPct val="100000"/>
-              </a:lnSpc>
-              <a:spcBef>
-                <a:spcPts val="0"/>
-              </a:spcBef>
-              <a:spcAft>
-                <a:spcPts val="0"/>
-              </a:spcAft>
-              <a:buClrTx/>
-              <a:buSzTx/>
-              <a:buFontTx/>
-              <a:buNone/>
-              <a:tabLst/>
-              <a:defRPr/>
-            </a:pPr>
-            <a:endParaRPr kumimoji="0" lang="en-US" sz="1800" b="0" i="0" u="none" strike="noStrike" kern="1200" cap="none" spc="0" normalizeH="0" baseline="0" noProof="0">
-              <a:ln>
-                <a:noFill/>
-              </a:ln>
-              <a:solidFill>
-                <a:srgbClr val="FFFFFF"/>
-              </a:solidFill>
-              <a:effectLst/>
-              <a:uLnTx/>
-              <a:uFillTx/>
-              <a:latin typeface="Calibri"/>
-              <a:ea typeface="+mn-ea"/>
-              <a:cs typeface="+mn-cs"/>
-            </a:endParaRPr>
-          </a:p>
-        </p:txBody>
-      </p:sp>
-      <p:sp>
-        <p:nvSpPr>
-          <p:cNvPr id="48" name="Rectangle 47">
-            <a:extLst>
-              <a:ext uri="{FF2B5EF4-FFF2-40B4-BE49-F238E27FC236}">
-                <a16:creationId xmlns:a16="http://schemas.microsoft.com/office/drawing/2014/main" id="{D11AE14F-1B7E-41E6-B579-2F71D135036C}"/>
-              </a:ext>
-              <a:ext uri="{C183D7F6-B498-43B3-948B-1728B52AA6E4}">
-                <adec:decorative xmlns:adec="http://schemas.microsoft.com/office/drawing/2017/decorative" val="1"/>
-              </a:ext>
-            </a:extLst>
-          </p:cNvPr>
-          <p:cNvSpPr>
-            <a:spLocks noGrp="1" noRot="1" noChangeAspect="1" noMove="1" noResize="1" noEditPoints="1" noAdjustHandles="1" noChangeArrowheads="1" noChangeShapeType="1" noTextEdit="1"/>
-          </p:cNvSpPr>
-          <p:nvPr>
-            <p:extLst>
-              <p:ext uri="{386F3935-93C4-4BCD-93E2-E3B085C9AB24}">
-                <p16:designElem xmlns:p16="http://schemas.microsoft.com/office/powerpoint/2015/main" val="1"/>
-              </p:ext>
-            </p:extLst>
-          </p:nvPr>
-        </p:nvSpPr>
-        <p:spPr>
-          <a:xfrm>
-            <a:off x="1712856" y="496958"/>
-            <a:ext cx="9961047" cy="3678072"/>
-          </a:xfrm>
-          <a:prstGeom prst="rect">
-            <a:avLst/>
-          </a:prstGeom>
-          <a:solidFill>
-            <a:schemeClr val="accent1"/>
-          </a:solidFill>
-          <a:ln>
-            <a:noFill/>
-          </a:ln>
-          <a:effectLst/>
-        </p:spPr>
-        <p:style>
-          <a:lnRef idx="1">
-            <a:schemeClr val="accent1"/>
-          </a:lnRef>
-          <a:fillRef idx="3">
-            <a:schemeClr val="accent1"/>
-          </a:fillRef>
-          <a:effectRef idx="2">
-            <a:schemeClr val="accent1"/>
-          </a:effectRef>
-          <a:fontRef idx="minor">
-            <a:schemeClr val="lt1"/>
-          </a:fontRef>
-        </p:style>
-        <p:txBody>
-          <a:bodyPr/>
-          <a:lstStyle/>
-          <a:p>
-            <a:pPr marL="0" marR="0" lvl="0" indent="0" algn="l" defTabSz="457200" rtl="0" eaLnBrk="1" fontAlgn="auto" latinLnBrk="0" hangingPunct="1">
-              <a:lnSpc>
-                <a:spcPct val="100000"/>
-              </a:lnSpc>
-              <a:spcBef>
-                <a:spcPts val="0"/>
-              </a:spcBef>
-              <a:spcAft>
-                <a:spcPts val="0"/>
-              </a:spcAft>
-              <a:buClrTx/>
-              <a:buSzTx/>
-              <a:buFontTx/>
-              <a:buNone/>
-              <a:tabLst/>
-              <a:defRPr/>
-            </a:pPr>
-            <a:endParaRPr kumimoji="0" lang="en-US" sz="1800" b="0" i="0" u="none" strike="noStrike" kern="1200" cap="none" spc="0" normalizeH="0" baseline="0" noProof="0">
-              <a:ln>
-                <a:noFill/>
-              </a:ln>
-              <a:solidFill>
-                <a:srgbClr val="FFFFFF"/>
-              </a:solidFill>
-              <a:effectLst/>
-              <a:uLnTx/>
-              <a:uFillTx/>
-              <a:latin typeface="Calibri"/>
-              <a:ea typeface="+mn-ea"/>
-              <a:cs typeface="+mn-cs"/>
-            </a:endParaRPr>
-          </a:p>
-        </p:txBody>
-      </p:sp>
-      <p:sp>
-        <p:nvSpPr>
-          <p:cNvPr id="2" name="Title 1">
-            <a:extLst>
-              <a:ext uri="{FF2B5EF4-FFF2-40B4-BE49-F238E27FC236}">
-                <a16:creationId xmlns:a16="http://schemas.microsoft.com/office/drawing/2014/main" id="{3778BAB5-C1DE-8DAD-E76F-BECA6F24C1F4}"/>
-              </a:ext>
-            </a:extLst>
-          </p:cNvPr>
-          <p:cNvSpPr>
-            <a:spLocks noGrp="1"/>
-          </p:cNvSpPr>
-          <p:nvPr>
-            <p:ph type="title"/>
-          </p:nvPr>
-        </p:nvSpPr>
-        <p:spPr>
-          <a:xfrm>
-            <a:off x="1893715" y="708498"/>
-            <a:ext cx="9618581" cy="3330055"/>
-          </a:xfrm>
-        </p:spPr>
-        <p:txBody>
-          <a:bodyPr vert="horz" lIns="91440" tIns="45720" rIns="91440" bIns="45720" rtlCol="0" anchor="ctr">
-            <a:normAutofit/>
-          </a:bodyPr>
-          <a:lstStyle/>
-          <a:p>
-            <a:r>
-              <a:rPr lang="en-US" sz="6000" b="0" kern="1200" cap="all" dirty="0">
-                <a:solidFill>
-                  <a:srgbClr val="FFFFFF"/>
-                </a:solidFill>
-                <a:latin typeface="+mj-lt"/>
-                <a:ea typeface="+mj-ea"/>
-                <a:cs typeface="+mj-cs"/>
-              </a:rPr>
-              <a:t>2.1.1 </a:t>
-            </a:r>
-            <a:br>
-              <a:rPr lang="en-US" sz="6000" b="0" kern="1200" cap="all" dirty="0">
-                <a:solidFill>
-                  <a:srgbClr val="FFFFFF"/>
-                </a:solidFill>
-                <a:latin typeface="+mj-lt"/>
-                <a:ea typeface="+mj-ea"/>
-                <a:cs typeface="+mj-cs"/>
-              </a:rPr>
-            </a:br>
-            <a:r>
-              <a:rPr lang="en-US" sz="6000" b="0" kern="1200" cap="all" dirty="0">
-                <a:solidFill>
-                  <a:srgbClr val="FFFFFF"/>
-                </a:solidFill>
-                <a:latin typeface="+mj-lt"/>
-                <a:ea typeface="+mj-ea"/>
-                <a:cs typeface="+mj-cs"/>
-              </a:rPr>
-              <a:t>regression</a:t>
-            </a:r>
-          </a:p>
-        </p:txBody>
-      </p:sp>
-      <p:sp>
-        <p:nvSpPr>
-          <p:cNvPr id="50" name="Rectangle 49">
-            <a:extLst>
-              <a:ext uri="{FF2B5EF4-FFF2-40B4-BE49-F238E27FC236}">
-                <a16:creationId xmlns:a16="http://schemas.microsoft.com/office/drawing/2014/main" id="{752BB805-F7B7-4B80-A1C5-385D4DAF74D0}"/>
-              </a:ext>
-              <a:ext uri="{C183D7F6-B498-43B3-948B-1728B52AA6E4}">
-                <adec:decorative xmlns:adec="http://schemas.microsoft.com/office/drawing/2017/decorative" val="1"/>
-              </a:ext>
-            </a:extLst>
-          </p:cNvPr>
-          <p:cNvSpPr>
-            <a:spLocks noGrp="1" noRot="1" noChangeAspect="1" noMove="1" noResize="1" noEditPoints="1" noAdjustHandles="1" noChangeArrowheads="1" noChangeShapeType="1" noTextEdit="1"/>
-          </p:cNvSpPr>
-          <p:nvPr>
-            <p:extLst>
-              <p:ext uri="{386F3935-93C4-4BCD-93E2-E3B085C9AB24}">
-                <p16:designElem xmlns:p16="http://schemas.microsoft.com/office/powerpoint/2015/main" val="1"/>
-              </p:ext>
-            </p:extLst>
-          </p:nvPr>
-        </p:nvSpPr>
-        <p:spPr>
-          <a:xfrm>
-            <a:off x="1712789" y="4284212"/>
-            <a:ext cx="9961115" cy="2072481"/>
-          </a:xfrm>
-          <a:prstGeom prst="rect">
-            <a:avLst/>
-          </a:prstGeom>
-          <a:solidFill>
-            <a:srgbClr val="6C7781">
-              <a:alpha val="80000"/>
-            </a:srgbClr>
-          </a:solidFill>
-          <a:ln>
-            <a:noFill/>
-          </a:ln>
-          <a:effectLst/>
-        </p:spPr>
-        <p:style>
-          <a:lnRef idx="1">
-            <a:schemeClr val="accent1"/>
-          </a:lnRef>
-          <a:fillRef idx="3">
-            <a:schemeClr val="accent1"/>
-          </a:fillRef>
-          <a:effectRef idx="2">
-            <a:schemeClr val="accent1"/>
-          </a:effectRef>
-          <a:fontRef idx="minor">
-            <a:schemeClr val="lt1"/>
-          </a:fontRef>
-        </p:style>
-        <p:txBody>
-          <a:bodyPr/>
-          <a:lstStyle/>
-          <a:p>
-            <a:pPr marL="0" marR="0" lvl="0" indent="0" algn="l" defTabSz="457200" rtl="0" eaLnBrk="1" fontAlgn="auto" latinLnBrk="0" hangingPunct="1">
-              <a:lnSpc>
-                <a:spcPct val="100000"/>
-              </a:lnSpc>
-              <a:spcBef>
-                <a:spcPts val="0"/>
-              </a:spcBef>
-              <a:spcAft>
-                <a:spcPts val="0"/>
-              </a:spcAft>
-              <a:buClrTx/>
-              <a:buSzTx/>
-              <a:buFontTx/>
-              <a:buNone/>
-              <a:tabLst/>
-              <a:defRPr/>
-            </a:pPr>
-            <a:endParaRPr kumimoji="0" lang="en-US" sz="1800" b="0" i="0" u="none" strike="noStrike" kern="1200" cap="none" spc="0" normalizeH="0" baseline="0" noProof="0">
-              <a:ln>
-                <a:noFill/>
-              </a:ln>
-              <a:solidFill>
-                <a:srgbClr val="FFFFFF"/>
-              </a:solidFill>
-              <a:effectLst/>
-              <a:uLnTx/>
-              <a:uFillTx/>
-              <a:latin typeface="Calibri"/>
-              <a:ea typeface="+mn-ea"/>
-              <a:cs typeface="+mn-cs"/>
-            </a:endParaRPr>
-          </a:p>
-        </p:txBody>
-      </p:sp>
-    </p:spTree>
-    <p:extLst>
-      <p:ext uri="{BB962C8B-B14F-4D97-AF65-F5344CB8AC3E}">
-        <p14:creationId xmlns:p14="http://schemas.microsoft.com/office/powerpoint/2010/main" val="1586883875"/>
-      </p:ext>
-    </p:extLst>
-  </p:cSld>
-  <p:clrMapOvr>
-    <a:masterClrMapping/>
-  </p:clrMapOvr>
-  <p:timing>
-    <p:tnLst>
-      <p:par>
-        <p:cTn id="1" dur="indefinite" restart="never" nodeType="tmRoot">
-          <p:childTnLst>
-            <p:seq concurrent="1" nextAc="seek">
-              <p:cTn id="2" dur="indefinite" nodeType="mainSeq">
-                <p:childTnLst>
-                  <p:par>
-                    <p:cTn id="3" fill="hold">
-                      <p:stCondLst>
-                        <p:cond delay="indefinite"/>
-                        <p:cond evt="onBegin" delay="0">
-                          <p:tn val="2"/>
-                        </p:cond>
-                      </p:stCondLst>
-                      <p:childTnLst>
-                        <p:par>
-                          <p:cTn id="4" fill="hold">
-                            <p:stCondLst>
-                              <p:cond delay="0"/>
-                            </p:stCondLst>
-                            <p:childTnLst>
-                              <p:par>
-                                <p:cTn id="5" presetID="10" presetClass="entr" presetSubtype="0" fill="hold" grpId="0" nodeType="withEffect">
-                                  <p:stCondLst>
-                                    <p:cond delay="500"/>
-                                  </p:stCondLst>
-                                  <p:iterate type="wd">
-                                    <p:tmPct val="15000"/>
-                                  </p:iterate>
-                                  <p:childTnLst>
-                                    <p:set>
-                                      <p:cBhvr>
-                                        <p:cTn id="6" dur="1" fill="hold">
-                                          <p:stCondLst>
-                                            <p:cond delay="0"/>
-                                          </p:stCondLst>
-                                        </p:cTn>
-                                        <p:tgtEl>
-                                          <p:spTgt spid="2"/>
-                                        </p:tgtEl>
-                                        <p:attrNameLst>
-                                          <p:attrName>style.visibility</p:attrName>
-                                        </p:attrNameLst>
-                                      </p:cBhvr>
-                                      <p:to>
-                                        <p:strVal val="visible"/>
-                                      </p:to>
-                                    </p:set>
-                                    <p:animEffect transition="in" filter="fade">
-                                      <p:cBhvr>
-                                        <p:cTn id="7" dur="1000"/>
-                                        <p:tgtEl>
-                                          <p:spTgt spid="2"/>
-                                        </p:tgtEl>
-                                      </p:cBhvr>
-                                    </p:animEffect>
-                                  </p:childTnLst>
-                                </p:cTn>
-                              </p:par>
-                            </p:childTnLst>
-                          </p:cTn>
-                        </p:par>
-                      </p:childTnLst>
-                    </p:cTn>
-                  </p:par>
-                </p:childTnLst>
-              </p:cTn>
-              <p:prevCondLst>
-                <p:cond evt="onPrev" delay="0">
-                  <p:tgtEl>
-                    <p:sldTgt/>
-                  </p:tgtEl>
-                </p:cond>
-              </p:prevCondLst>
-              <p:nextCondLst>
-                <p:cond evt="onNext" delay="0">
-                  <p:tgtEl>
-                    <p:sldTgt/>
-                  </p:tgtEl>
-                </p:cond>
-              </p:nextCondLst>
-            </p:seq>
-          </p:childTnLst>
-        </p:cTn>
-      </p:par>
-    </p:tnLst>
-    <p:bldLst>
-      <p:bldP spid="2" grpId="0"/>
-    </p:bldLst>
-  </p:timing>
-</p:sld>
-</file>
-
-<file path=ppt/slides/slide20.xml><?xml version="1.0" encoding="utf-8"?>
+<file path=ppt/slides/slide19.xml><?xml version="1.0" encoding="utf-8"?>
 <p:sld xmlns:a="http://schemas.openxmlformats.org/drawingml/2006/main" xmlns:r="http://schemas.openxmlformats.org/officeDocument/2006/relationships" xmlns:p="http://schemas.openxmlformats.org/presentationml/2006/main">
   <p:cSld>
     <p:bg>
@@ -15882,7 +14486,928 @@
 </p:sld>
 </file>
 
-<file path=ppt/slides/slide21.xml><?xml version="1.0" encoding="utf-8"?>
+<file path=ppt/slides/slide2.xml><?xml version="1.0" encoding="utf-8"?>
+<p:sld xmlns:a="http://schemas.openxmlformats.org/drawingml/2006/main" xmlns:r="http://schemas.openxmlformats.org/officeDocument/2006/relationships" xmlns:p="http://schemas.openxmlformats.org/presentationml/2006/main">
+  <p:cSld>
+    <p:bg>
+      <p:bgPr>
+        <a:solidFill>
+          <a:schemeClr val="bg1"/>
+        </a:solidFill>
+        <a:effectLst/>
+      </p:bgPr>
+    </p:bg>
+    <p:spTree>
+      <p:nvGrpSpPr>
+        <p:cNvPr id="1" name=""/>
+        <p:cNvGrpSpPr/>
+        <p:nvPr/>
+      </p:nvGrpSpPr>
+      <p:grpSpPr>
+        <a:xfrm>
+          <a:off x="0" y="0"/>
+          <a:ext cx="0" cy="0"/>
+          <a:chOff x="0" y="0"/>
+          <a:chExt cx="0" cy="0"/>
+        </a:xfrm>
+      </p:grpSpPr>
+      <p:sp>
+        <p:nvSpPr>
+          <p:cNvPr id="36" name="Rectangle 35">
+            <a:extLst>
+              <a:ext uri="{FF2B5EF4-FFF2-40B4-BE49-F238E27FC236}">
+                <a16:creationId xmlns:a16="http://schemas.microsoft.com/office/drawing/2014/main" id="{DCF4EB5C-ED25-4675-8255-2F5B12CFFCF0}"/>
+              </a:ext>
+              <a:ext uri="{C183D7F6-B498-43B3-948B-1728B52AA6E4}">
+                <adec:decorative xmlns:adec="http://schemas.microsoft.com/office/drawing/2017/decorative" val="1"/>
+              </a:ext>
+            </a:extLst>
+          </p:cNvPr>
+          <p:cNvSpPr>
+            <a:spLocks noGrp="1" noRot="1" noChangeAspect="1" noMove="1" noResize="1" noEditPoints="1" noAdjustHandles="1" noChangeArrowheads="1" noChangeShapeType="1" noTextEdit="1"/>
+          </p:cNvSpPr>
+          <p:nvPr>
+            <p:extLst>
+              <p:ext uri="{386F3935-93C4-4BCD-93E2-E3B085C9AB24}">
+                <p16:designElem xmlns:p16="http://schemas.microsoft.com/office/powerpoint/2015/main" val="1"/>
+              </p:ext>
+            </p:extLst>
+          </p:nvPr>
+        </p:nvSpPr>
+        <p:spPr>
+          <a:xfrm>
+            <a:off x="446534" y="457200"/>
+            <a:ext cx="3703320" cy="94997"/>
+          </a:xfrm>
+          <a:prstGeom prst="rect">
+            <a:avLst/>
+          </a:prstGeom>
+          <a:solidFill>
+            <a:srgbClr val="465359"/>
+          </a:solidFill>
+          <a:ln>
+            <a:noFill/>
+          </a:ln>
+          <a:effectLst/>
+        </p:spPr>
+        <p:style>
+          <a:lnRef idx="1">
+            <a:schemeClr val="accent1"/>
+          </a:lnRef>
+          <a:fillRef idx="3">
+            <a:schemeClr val="accent1"/>
+          </a:fillRef>
+          <a:effectRef idx="2">
+            <a:schemeClr val="accent1"/>
+          </a:effectRef>
+          <a:fontRef idx="minor">
+            <a:schemeClr val="lt1"/>
+          </a:fontRef>
+        </p:style>
+        <p:txBody>
+          <a:bodyPr/>
+          <a:lstStyle/>
+          <a:p>
+            <a:pPr marL="0" marR="0" lvl="0" indent="0" algn="l" defTabSz="457200" rtl="0" eaLnBrk="1" fontAlgn="auto" latinLnBrk="0" hangingPunct="1">
+              <a:lnSpc>
+                <a:spcPct val="100000"/>
+              </a:lnSpc>
+              <a:spcBef>
+                <a:spcPts val="0"/>
+              </a:spcBef>
+              <a:spcAft>
+                <a:spcPts val="0"/>
+              </a:spcAft>
+              <a:buClrTx/>
+              <a:buSzTx/>
+              <a:buFontTx/>
+              <a:buNone/>
+              <a:tabLst/>
+              <a:defRPr/>
+            </a:pPr>
+            <a:endParaRPr kumimoji="0" lang="en-US" sz="1800" b="0" i="0" u="none" strike="noStrike" kern="1200" cap="none" spc="0" normalizeH="0" baseline="0" noProof="0">
+              <a:ln>
+                <a:noFill/>
+              </a:ln>
+              <a:solidFill>
+                <a:srgbClr val="FFFFFF"/>
+              </a:solidFill>
+              <a:effectLst/>
+              <a:uLnTx/>
+              <a:uFillTx/>
+              <a:latin typeface="Calibri"/>
+              <a:ea typeface="+mn-ea"/>
+              <a:cs typeface="+mn-cs"/>
+            </a:endParaRPr>
+          </a:p>
+        </p:txBody>
+      </p:sp>
+      <p:sp>
+        <p:nvSpPr>
+          <p:cNvPr id="38" name="Rectangle 37">
+            <a:extLst>
+              <a:ext uri="{FF2B5EF4-FFF2-40B4-BE49-F238E27FC236}">
+                <a16:creationId xmlns:a16="http://schemas.microsoft.com/office/drawing/2014/main" id="{9514EC6E-A557-42A2-BCDC-3ABFFC5E564D}"/>
+              </a:ext>
+              <a:ext uri="{C183D7F6-B498-43B3-948B-1728B52AA6E4}">
+                <adec:decorative xmlns:adec="http://schemas.microsoft.com/office/drawing/2017/decorative" val="1"/>
+              </a:ext>
+            </a:extLst>
+          </p:cNvPr>
+          <p:cNvSpPr>
+            <a:spLocks noGrp="1" noRot="1" noChangeAspect="1" noMove="1" noResize="1" noEditPoints="1" noAdjustHandles="1" noChangeArrowheads="1" noChangeShapeType="1" noTextEdit="1"/>
+          </p:cNvSpPr>
+          <p:nvPr>
+            <p:extLst>
+              <p:ext uri="{386F3935-93C4-4BCD-93E2-E3B085C9AB24}">
+                <p16:designElem xmlns:p16="http://schemas.microsoft.com/office/powerpoint/2015/main" val="1"/>
+              </p:ext>
+            </p:extLst>
+          </p:nvPr>
+        </p:nvSpPr>
+        <p:spPr>
+          <a:xfrm>
+            <a:off x="8042147" y="453643"/>
+            <a:ext cx="3703320" cy="98554"/>
+          </a:xfrm>
+          <a:prstGeom prst="rect">
+            <a:avLst/>
+          </a:prstGeom>
+          <a:solidFill>
+            <a:srgbClr val="969FA7"/>
+          </a:solidFill>
+          <a:ln>
+            <a:noFill/>
+          </a:ln>
+          <a:effectLst/>
+        </p:spPr>
+        <p:style>
+          <a:lnRef idx="1">
+            <a:schemeClr val="accent1"/>
+          </a:lnRef>
+          <a:fillRef idx="3">
+            <a:schemeClr val="accent1"/>
+          </a:fillRef>
+          <a:effectRef idx="2">
+            <a:schemeClr val="accent1"/>
+          </a:effectRef>
+          <a:fontRef idx="minor">
+            <a:schemeClr val="lt1"/>
+          </a:fontRef>
+        </p:style>
+        <p:txBody>
+          <a:bodyPr/>
+          <a:lstStyle/>
+          <a:p>
+            <a:pPr marL="0" marR="0" lvl="0" indent="0" algn="l" defTabSz="457200" rtl="0" eaLnBrk="1" fontAlgn="auto" latinLnBrk="0" hangingPunct="1">
+              <a:lnSpc>
+                <a:spcPct val="100000"/>
+              </a:lnSpc>
+              <a:spcBef>
+                <a:spcPts val="0"/>
+              </a:spcBef>
+              <a:spcAft>
+                <a:spcPts val="0"/>
+              </a:spcAft>
+              <a:buClrTx/>
+              <a:buSzTx/>
+              <a:buFontTx/>
+              <a:buNone/>
+              <a:tabLst/>
+              <a:defRPr/>
+            </a:pPr>
+            <a:endParaRPr kumimoji="0" lang="en-US" sz="1800" b="0" i="0" u="none" strike="noStrike" kern="1200" cap="none" spc="0" normalizeH="0" baseline="0" noProof="0">
+              <a:ln>
+                <a:noFill/>
+              </a:ln>
+              <a:solidFill>
+                <a:srgbClr val="FFFFFF"/>
+              </a:solidFill>
+              <a:effectLst/>
+              <a:uLnTx/>
+              <a:uFillTx/>
+              <a:latin typeface="Calibri"/>
+              <a:ea typeface="+mn-ea"/>
+              <a:cs typeface="+mn-cs"/>
+            </a:endParaRPr>
+          </a:p>
+        </p:txBody>
+      </p:sp>
+      <p:sp>
+        <p:nvSpPr>
+          <p:cNvPr id="40" name="Rectangle 39">
+            <a:extLst>
+              <a:ext uri="{FF2B5EF4-FFF2-40B4-BE49-F238E27FC236}">
+                <a16:creationId xmlns:a16="http://schemas.microsoft.com/office/drawing/2014/main" id="{905482C9-EB42-4BFE-95BF-7FD661F07657}"/>
+              </a:ext>
+              <a:ext uri="{C183D7F6-B498-43B3-948B-1728B52AA6E4}">
+                <adec:decorative xmlns:adec="http://schemas.microsoft.com/office/drawing/2017/decorative" val="1"/>
+              </a:ext>
+            </a:extLst>
+          </p:cNvPr>
+          <p:cNvSpPr>
+            <a:spLocks noGrp="1" noRot="1" noChangeAspect="1" noMove="1" noResize="1" noEditPoints="1" noAdjustHandles="1" noChangeArrowheads="1" noChangeShapeType="1" noTextEdit="1"/>
+          </p:cNvSpPr>
+          <p:nvPr>
+            <p:extLst>
+              <p:ext uri="{386F3935-93C4-4BCD-93E2-E3B085C9AB24}">
+                <p16:designElem xmlns:p16="http://schemas.microsoft.com/office/powerpoint/2015/main" val="1"/>
+              </p:ext>
+            </p:extLst>
+          </p:nvPr>
+        </p:nvSpPr>
+        <p:spPr>
+          <a:xfrm>
+            <a:off x="4241830" y="457200"/>
+            <a:ext cx="3703320" cy="91440"/>
+          </a:xfrm>
+          <a:prstGeom prst="rect">
+            <a:avLst/>
+          </a:prstGeom>
+          <a:solidFill>
+            <a:schemeClr val="accent1"/>
+          </a:solidFill>
+          <a:ln>
+            <a:noFill/>
+          </a:ln>
+          <a:effectLst/>
+        </p:spPr>
+        <p:style>
+          <a:lnRef idx="1">
+            <a:schemeClr val="accent1"/>
+          </a:lnRef>
+          <a:fillRef idx="3">
+            <a:schemeClr val="accent1"/>
+          </a:fillRef>
+          <a:effectRef idx="2">
+            <a:schemeClr val="accent1"/>
+          </a:effectRef>
+          <a:fontRef idx="minor">
+            <a:schemeClr val="lt1"/>
+          </a:fontRef>
+        </p:style>
+        <p:txBody>
+          <a:bodyPr/>
+          <a:lstStyle/>
+          <a:p>
+            <a:pPr marL="0" marR="0" lvl="0" indent="0" algn="l" defTabSz="457200" rtl="0" eaLnBrk="1" fontAlgn="auto" latinLnBrk="0" hangingPunct="1">
+              <a:lnSpc>
+                <a:spcPct val="100000"/>
+              </a:lnSpc>
+              <a:spcBef>
+                <a:spcPts val="0"/>
+              </a:spcBef>
+              <a:spcAft>
+                <a:spcPts val="0"/>
+              </a:spcAft>
+              <a:buClrTx/>
+              <a:buSzTx/>
+              <a:buFontTx/>
+              <a:buNone/>
+              <a:tabLst/>
+              <a:defRPr/>
+            </a:pPr>
+            <a:endParaRPr kumimoji="0" lang="en-US" sz="1800" b="0" i="0" u="none" strike="noStrike" kern="1200" cap="none" spc="0" normalizeH="0" baseline="0" noProof="0">
+              <a:ln>
+                <a:noFill/>
+              </a:ln>
+              <a:solidFill>
+                <a:srgbClr val="FFFFFF"/>
+              </a:solidFill>
+              <a:effectLst/>
+              <a:uLnTx/>
+              <a:uFillTx/>
+              <a:latin typeface="Calibri"/>
+              <a:ea typeface="+mn-ea"/>
+              <a:cs typeface="+mn-cs"/>
+            </a:endParaRPr>
+          </a:p>
+        </p:txBody>
+      </p:sp>
+      <p:sp>
+        <p:nvSpPr>
+          <p:cNvPr id="42" name="Rectangle 41">
+            <a:extLst>
+              <a:ext uri="{FF2B5EF4-FFF2-40B4-BE49-F238E27FC236}">
+                <a16:creationId xmlns:a16="http://schemas.microsoft.com/office/drawing/2014/main" id="{7539E646-A625-4A26-86ED-BD90EDD329F7}"/>
+              </a:ext>
+              <a:ext uri="{C183D7F6-B498-43B3-948B-1728B52AA6E4}">
+                <adec:decorative xmlns:adec="http://schemas.microsoft.com/office/drawing/2017/decorative" val="1"/>
+              </a:ext>
+            </a:extLst>
+          </p:cNvPr>
+          <p:cNvSpPr>
+            <a:spLocks noGrp="1" noRot="1" noChangeAspect="1" noMove="1" noResize="1" noEditPoints="1" noAdjustHandles="1" noChangeArrowheads="1" noChangeShapeType="1" noTextEdit="1"/>
+          </p:cNvSpPr>
+          <p:nvPr>
+            <p:extLst>
+              <p:ext uri="{386F3935-93C4-4BCD-93E2-E3B085C9AB24}">
+                <p16:designElem xmlns:p16="http://schemas.microsoft.com/office/powerpoint/2015/main" val="1"/>
+              </p:ext>
+            </p:extLst>
+          </p:nvPr>
+        </p:nvSpPr>
+        <p:spPr>
+          <a:xfrm>
+            <a:off x="446534" y="3085764"/>
+            <a:ext cx="11298932" cy="3338149"/>
+          </a:xfrm>
+          <a:prstGeom prst="rect">
+            <a:avLst/>
+          </a:prstGeom>
+          <a:solidFill>
+            <a:srgbClr val="465359"/>
+          </a:solidFill>
+          <a:ln>
+            <a:noFill/>
+          </a:ln>
+          <a:effectLst/>
+        </p:spPr>
+        <p:style>
+          <a:lnRef idx="1">
+            <a:schemeClr val="accent1"/>
+          </a:lnRef>
+          <a:fillRef idx="3">
+            <a:schemeClr val="accent1"/>
+          </a:fillRef>
+          <a:effectRef idx="2">
+            <a:schemeClr val="accent1"/>
+          </a:effectRef>
+          <a:fontRef idx="minor">
+            <a:schemeClr val="lt1"/>
+          </a:fontRef>
+        </p:style>
+        <p:txBody>
+          <a:bodyPr/>
+          <a:lstStyle/>
+          <a:p>
+            <a:pPr marL="0" marR="0" lvl="0" indent="0" algn="l" defTabSz="457200" rtl="0" eaLnBrk="1" fontAlgn="auto" latinLnBrk="0" hangingPunct="1">
+              <a:lnSpc>
+                <a:spcPct val="100000"/>
+              </a:lnSpc>
+              <a:spcBef>
+                <a:spcPts val="0"/>
+              </a:spcBef>
+              <a:spcAft>
+                <a:spcPts val="0"/>
+              </a:spcAft>
+              <a:buClrTx/>
+              <a:buSzTx/>
+              <a:buFontTx/>
+              <a:buNone/>
+              <a:tabLst/>
+              <a:defRPr/>
+            </a:pPr>
+            <a:endParaRPr kumimoji="0" lang="en-US" sz="1800" b="0" i="0" u="none" strike="noStrike" kern="1200" cap="none" spc="0" normalizeH="0" baseline="0" noProof="0">
+              <a:ln>
+                <a:noFill/>
+              </a:ln>
+              <a:solidFill>
+                <a:srgbClr val="FFFFFF"/>
+              </a:solidFill>
+              <a:effectLst/>
+              <a:uLnTx/>
+              <a:uFillTx/>
+              <a:latin typeface="Calibri"/>
+              <a:ea typeface="+mn-ea"/>
+              <a:cs typeface="+mn-cs"/>
+            </a:endParaRPr>
+          </a:p>
+        </p:txBody>
+      </p:sp>
+      <p:sp useBgFill="1">
+        <p:nvSpPr>
+          <p:cNvPr id="44" name="Rectangle 43">
+            <a:extLst>
+              <a:ext uri="{FF2B5EF4-FFF2-40B4-BE49-F238E27FC236}">
+                <a16:creationId xmlns:a16="http://schemas.microsoft.com/office/drawing/2014/main" id="{39171204-6A50-40E1-B631-84CEDFC9396A}"/>
+              </a:ext>
+              <a:ext uri="{C183D7F6-B498-43B3-948B-1728B52AA6E4}">
+                <adec:decorative xmlns:adec="http://schemas.microsoft.com/office/drawing/2017/decorative" val="1"/>
+              </a:ext>
+            </a:extLst>
+          </p:cNvPr>
+          <p:cNvSpPr>
+            <a:spLocks noGrp="1" noRot="1" noChangeAspect="1" noMove="1" noResize="1" noEditPoints="1" noAdjustHandles="1" noChangeArrowheads="1" noChangeShapeType="1" noTextEdit="1"/>
+          </p:cNvSpPr>
+          <p:nvPr>
+            <p:extLst>
+              <p:ext uri="{386F3935-93C4-4BCD-93E2-E3B085C9AB24}">
+                <p16:designElem xmlns:p16="http://schemas.microsoft.com/office/powerpoint/2015/main" val="1"/>
+              </p:ext>
+            </p:extLst>
+          </p:nvPr>
+        </p:nvSpPr>
+        <p:spPr>
+          <a:xfrm>
+            <a:off x="0" y="0"/>
+            <a:ext cx="12192000" cy="6858000"/>
+          </a:xfrm>
+          <a:prstGeom prst="rect">
+            <a:avLst/>
+          </a:prstGeom>
+          <a:ln>
+            <a:noFill/>
+          </a:ln>
+        </p:spPr>
+        <p:style>
+          <a:lnRef idx="2">
+            <a:schemeClr val="accent1">
+              <a:shade val="50000"/>
+            </a:schemeClr>
+          </a:lnRef>
+          <a:fillRef idx="1">
+            <a:schemeClr val="accent1"/>
+          </a:fillRef>
+          <a:effectRef idx="0">
+            <a:schemeClr val="accent1"/>
+          </a:effectRef>
+          <a:fontRef idx="minor">
+            <a:schemeClr val="lt1"/>
+          </a:fontRef>
+        </p:style>
+        <p:txBody>
+          <a:bodyPr rtlCol="0" anchor="ctr"/>
+          <a:lstStyle/>
+          <a:p>
+            <a:pPr marL="0" marR="0" lvl="0" indent="0" algn="ctr" defTabSz="457200" rtl="0" eaLnBrk="1" fontAlgn="auto" latinLnBrk="0" hangingPunct="1">
+              <a:lnSpc>
+                <a:spcPct val="100000"/>
+              </a:lnSpc>
+              <a:spcBef>
+                <a:spcPts val="0"/>
+              </a:spcBef>
+              <a:spcAft>
+                <a:spcPts val="0"/>
+              </a:spcAft>
+              <a:buClrTx/>
+              <a:buSzTx/>
+              <a:buFontTx/>
+              <a:buNone/>
+              <a:tabLst/>
+              <a:defRPr/>
+            </a:pPr>
+            <a:endParaRPr kumimoji="0" lang="en-US" sz="1800" b="0" i="0" u="none" strike="noStrike" kern="1200" cap="none" spc="0" normalizeH="0" baseline="0" noProof="0">
+              <a:ln>
+                <a:noFill/>
+              </a:ln>
+              <a:solidFill>
+                <a:srgbClr val="FFFFFF"/>
+              </a:solidFill>
+              <a:effectLst/>
+              <a:uLnTx/>
+              <a:uFillTx/>
+              <a:latin typeface="Calibri"/>
+              <a:ea typeface="+mn-ea"/>
+              <a:cs typeface="+mn-cs"/>
+            </a:endParaRPr>
+          </a:p>
+        </p:txBody>
+      </p:sp>
+      <p:sp>
+        <p:nvSpPr>
+          <p:cNvPr id="46" name="Rectangle 45">
+            <a:extLst>
+              <a:ext uri="{FF2B5EF4-FFF2-40B4-BE49-F238E27FC236}">
+                <a16:creationId xmlns:a16="http://schemas.microsoft.com/office/drawing/2014/main" id="{06C973F6-5187-412F-AACC-6E3FF8A6A12C}"/>
+              </a:ext>
+              <a:ext uri="{C183D7F6-B498-43B3-948B-1728B52AA6E4}">
+                <adec:decorative xmlns:adec="http://schemas.microsoft.com/office/drawing/2017/decorative" val="1"/>
+              </a:ext>
+            </a:extLst>
+          </p:cNvPr>
+          <p:cNvSpPr>
+            <a:spLocks noGrp="1" noRot="1" noChangeAspect="1" noMove="1" noResize="1" noEditPoints="1" noAdjustHandles="1" noChangeArrowheads="1" noChangeShapeType="1" noTextEdit="1"/>
+          </p:cNvSpPr>
+          <p:nvPr>
+            <p:extLst>
+              <p:ext uri="{386F3935-93C4-4BCD-93E2-E3B085C9AB24}">
+                <p16:designElem xmlns:p16="http://schemas.microsoft.com/office/powerpoint/2015/main" val="1"/>
+              </p:ext>
+            </p:extLst>
+          </p:nvPr>
+        </p:nvSpPr>
+        <p:spPr>
+          <a:xfrm>
+            <a:off x="509628" y="496959"/>
+            <a:ext cx="1106164" cy="5859735"/>
+          </a:xfrm>
+          <a:prstGeom prst="rect">
+            <a:avLst/>
+          </a:prstGeom>
+          <a:solidFill>
+            <a:srgbClr val="465359"/>
+          </a:solidFill>
+          <a:ln>
+            <a:noFill/>
+          </a:ln>
+          <a:effectLst/>
+        </p:spPr>
+        <p:style>
+          <a:lnRef idx="1">
+            <a:schemeClr val="accent1"/>
+          </a:lnRef>
+          <a:fillRef idx="3">
+            <a:schemeClr val="accent1"/>
+          </a:fillRef>
+          <a:effectRef idx="2">
+            <a:schemeClr val="accent1"/>
+          </a:effectRef>
+          <a:fontRef idx="minor">
+            <a:schemeClr val="lt1"/>
+          </a:fontRef>
+        </p:style>
+        <p:txBody>
+          <a:bodyPr/>
+          <a:lstStyle/>
+          <a:p>
+            <a:pPr marL="0" marR="0" lvl="0" indent="0" algn="l" defTabSz="457200" rtl="0" eaLnBrk="1" fontAlgn="auto" latinLnBrk="0" hangingPunct="1">
+              <a:lnSpc>
+                <a:spcPct val="100000"/>
+              </a:lnSpc>
+              <a:spcBef>
+                <a:spcPts val="0"/>
+              </a:spcBef>
+              <a:spcAft>
+                <a:spcPts val="0"/>
+              </a:spcAft>
+              <a:buClrTx/>
+              <a:buSzTx/>
+              <a:buFontTx/>
+              <a:buNone/>
+              <a:tabLst/>
+              <a:defRPr/>
+            </a:pPr>
+            <a:endParaRPr kumimoji="0" lang="en-US" sz="1800" b="0" i="0" u="none" strike="noStrike" kern="1200" cap="none" spc="0" normalizeH="0" baseline="0" noProof="0">
+              <a:ln>
+                <a:noFill/>
+              </a:ln>
+              <a:solidFill>
+                <a:srgbClr val="FFFFFF"/>
+              </a:solidFill>
+              <a:effectLst/>
+              <a:uLnTx/>
+              <a:uFillTx/>
+              <a:latin typeface="Calibri"/>
+              <a:ea typeface="+mn-ea"/>
+              <a:cs typeface="+mn-cs"/>
+            </a:endParaRPr>
+          </a:p>
+        </p:txBody>
+      </p:sp>
+      <p:sp>
+        <p:nvSpPr>
+          <p:cNvPr id="48" name="Rectangle 47">
+            <a:extLst>
+              <a:ext uri="{FF2B5EF4-FFF2-40B4-BE49-F238E27FC236}">
+                <a16:creationId xmlns:a16="http://schemas.microsoft.com/office/drawing/2014/main" id="{D11AE14F-1B7E-41E6-B579-2F71D135036C}"/>
+              </a:ext>
+              <a:ext uri="{C183D7F6-B498-43B3-948B-1728B52AA6E4}">
+                <adec:decorative xmlns:adec="http://schemas.microsoft.com/office/drawing/2017/decorative" val="1"/>
+              </a:ext>
+            </a:extLst>
+          </p:cNvPr>
+          <p:cNvSpPr>
+            <a:spLocks noGrp="1" noRot="1" noChangeAspect="1" noMove="1" noResize="1" noEditPoints="1" noAdjustHandles="1" noChangeArrowheads="1" noChangeShapeType="1" noTextEdit="1"/>
+          </p:cNvSpPr>
+          <p:nvPr>
+            <p:extLst>
+              <p:ext uri="{386F3935-93C4-4BCD-93E2-E3B085C9AB24}">
+                <p16:designElem xmlns:p16="http://schemas.microsoft.com/office/powerpoint/2015/main" val="1"/>
+              </p:ext>
+            </p:extLst>
+          </p:nvPr>
+        </p:nvSpPr>
+        <p:spPr>
+          <a:xfrm>
+            <a:off x="1712856" y="496958"/>
+            <a:ext cx="9961047" cy="3678072"/>
+          </a:xfrm>
+          <a:prstGeom prst="rect">
+            <a:avLst/>
+          </a:prstGeom>
+          <a:solidFill>
+            <a:schemeClr val="accent1"/>
+          </a:solidFill>
+          <a:ln>
+            <a:noFill/>
+          </a:ln>
+          <a:effectLst/>
+        </p:spPr>
+        <p:style>
+          <a:lnRef idx="1">
+            <a:schemeClr val="accent1"/>
+          </a:lnRef>
+          <a:fillRef idx="3">
+            <a:schemeClr val="accent1"/>
+          </a:fillRef>
+          <a:effectRef idx="2">
+            <a:schemeClr val="accent1"/>
+          </a:effectRef>
+          <a:fontRef idx="minor">
+            <a:schemeClr val="lt1"/>
+          </a:fontRef>
+        </p:style>
+        <p:txBody>
+          <a:bodyPr/>
+          <a:lstStyle/>
+          <a:p>
+            <a:pPr marL="0" marR="0" lvl="0" indent="0" algn="l" defTabSz="457200" rtl="0" eaLnBrk="1" fontAlgn="auto" latinLnBrk="0" hangingPunct="1">
+              <a:lnSpc>
+                <a:spcPct val="100000"/>
+              </a:lnSpc>
+              <a:spcBef>
+                <a:spcPts val="0"/>
+              </a:spcBef>
+              <a:spcAft>
+                <a:spcPts val="0"/>
+              </a:spcAft>
+              <a:buClrTx/>
+              <a:buSzTx/>
+              <a:buFontTx/>
+              <a:buNone/>
+              <a:tabLst/>
+              <a:defRPr/>
+            </a:pPr>
+            <a:endParaRPr kumimoji="0" lang="en-US" sz="1800" b="0" i="0" u="none" strike="noStrike" kern="1200" cap="none" spc="0" normalizeH="0" baseline="0" noProof="0">
+              <a:ln>
+                <a:noFill/>
+              </a:ln>
+              <a:solidFill>
+                <a:srgbClr val="FFFFFF"/>
+              </a:solidFill>
+              <a:effectLst/>
+              <a:uLnTx/>
+              <a:uFillTx/>
+              <a:latin typeface="Calibri"/>
+              <a:ea typeface="+mn-ea"/>
+              <a:cs typeface="+mn-cs"/>
+            </a:endParaRPr>
+          </a:p>
+        </p:txBody>
+      </p:sp>
+      <p:sp>
+        <p:nvSpPr>
+          <p:cNvPr id="2" name="Title 1">
+            <a:extLst>
+              <a:ext uri="{FF2B5EF4-FFF2-40B4-BE49-F238E27FC236}">
+                <a16:creationId xmlns:a16="http://schemas.microsoft.com/office/drawing/2014/main" id="{3778BAB5-C1DE-8DAD-E76F-BECA6F24C1F4}"/>
+              </a:ext>
+            </a:extLst>
+          </p:cNvPr>
+          <p:cNvSpPr>
+            <a:spLocks noGrp="1"/>
+          </p:cNvSpPr>
+          <p:nvPr>
+            <p:ph type="title"/>
+          </p:nvPr>
+        </p:nvSpPr>
+        <p:spPr>
+          <a:xfrm>
+            <a:off x="1893715" y="708498"/>
+            <a:ext cx="9618581" cy="3330055"/>
+          </a:xfrm>
+        </p:spPr>
+        <p:txBody>
+          <a:bodyPr vert="horz" lIns="91440" tIns="45720" rIns="91440" bIns="45720" rtlCol="0" anchor="ctr">
+            <a:normAutofit/>
+          </a:bodyPr>
+          <a:lstStyle/>
+          <a:p>
+            <a:r>
+              <a:rPr lang="en-US" sz="6000" b="0" kern="1200" cap="all" dirty="0">
+                <a:solidFill>
+                  <a:srgbClr val="FFFFFF"/>
+                </a:solidFill>
+                <a:latin typeface="+mj-lt"/>
+                <a:ea typeface="+mj-ea"/>
+                <a:cs typeface="+mj-cs"/>
+              </a:rPr>
+              <a:t>2.1.1 </a:t>
+            </a:r>
+            <a:br>
+              <a:rPr lang="en-US" sz="6000" b="0" kern="1200" cap="all" dirty="0">
+                <a:solidFill>
+                  <a:srgbClr val="FFFFFF"/>
+                </a:solidFill>
+                <a:latin typeface="+mj-lt"/>
+                <a:ea typeface="+mj-ea"/>
+                <a:cs typeface="+mj-cs"/>
+              </a:rPr>
+            </a:br>
+            <a:r>
+              <a:rPr lang="en-US" sz="6000" b="0" kern="1200" cap="all" dirty="0">
+                <a:solidFill>
+                  <a:srgbClr val="FFFFFF"/>
+                </a:solidFill>
+                <a:latin typeface="+mj-lt"/>
+                <a:ea typeface="+mj-ea"/>
+                <a:cs typeface="+mj-cs"/>
+              </a:rPr>
+              <a:t>regression</a:t>
+            </a:r>
+          </a:p>
+        </p:txBody>
+      </p:sp>
+      <p:sp>
+        <p:nvSpPr>
+          <p:cNvPr id="50" name="Rectangle 49">
+            <a:extLst>
+              <a:ext uri="{FF2B5EF4-FFF2-40B4-BE49-F238E27FC236}">
+                <a16:creationId xmlns:a16="http://schemas.microsoft.com/office/drawing/2014/main" id="{752BB805-F7B7-4B80-A1C5-385D4DAF74D0}"/>
+              </a:ext>
+              <a:ext uri="{C183D7F6-B498-43B3-948B-1728B52AA6E4}">
+                <adec:decorative xmlns:adec="http://schemas.microsoft.com/office/drawing/2017/decorative" val="1"/>
+              </a:ext>
+            </a:extLst>
+          </p:cNvPr>
+          <p:cNvSpPr>
+            <a:spLocks noGrp="1" noRot="1" noChangeAspect="1" noMove="1" noResize="1" noEditPoints="1" noAdjustHandles="1" noChangeArrowheads="1" noChangeShapeType="1" noTextEdit="1"/>
+          </p:cNvSpPr>
+          <p:nvPr>
+            <p:extLst>
+              <p:ext uri="{386F3935-93C4-4BCD-93E2-E3B085C9AB24}">
+                <p16:designElem xmlns:p16="http://schemas.microsoft.com/office/powerpoint/2015/main" val="1"/>
+              </p:ext>
+            </p:extLst>
+          </p:nvPr>
+        </p:nvSpPr>
+        <p:spPr>
+          <a:xfrm>
+            <a:off x="1712789" y="4284212"/>
+            <a:ext cx="9961115" cy="2072481"/>
+          </a:xfrm>
+          <a:prstGeom prst="rect">
+            <a:avLst/>
+          </a:prstGeom>
+          <a:solidFill>
+            <a:srgbClr val="6C7781">
+              <a:alpha val="80000"/>
+            </a:srgbClr>
+          </a:solidFill>
+          <a:ln>
+            <a:noFill/>
+          </a:ln>
+          <a:effectLst/>
+        </p:spPr>
+        <p:style>
+          <a:lnRef idx="1">
+            <a:schemeClr val="accent1"/>
+          </a:lnRef>
+          <a:fillRef idx="3">
+            <a:schemeClr val="accent1"/>
+          </a:fillRef>
+          <a:effectRef idx="2">
+            <a:schemeClr val="accent1"/>
+          </a:effectRef>
+          <a:fontRef idx="minor">
+            <a:schemeClr val="lt1"/>
+          </a:fontRef>
+        </p:style>
+        <p:txBody>
+          <a:bodyPr/>
+          <a:lstStyle/>
+          <a:p>
+            <a:pPr marL="0" marR="0" lvl="0" indent="0" algn="l" defTabSz="457200" rtl="0" eaLnBrk="1" fontAlgn="auto" latinLnBrk="0" hangingPunct="1">
+              <a:lnSpc>
+                <a:spcPct val="100000"/>
+              </a:lnSpc>
+              <a:spcBef>
+                <a:spcPts val="0"/>
+              </a:spcBef>
+              <a:spcAft>
+                <a:spcPts val="0"/>
+              </a:spcAft>
+              <a:buClrTx/>
+              <a:buSzTx/>
+              <a:buFontTx/>
+              <a:buNone/>
+              <a:tabLst/>
+              <a:defRPr/>
+            </a:pPr>
+            <a:endParaRPr kumimoji="0" lang="en-US" sz="1800" b="0" i="0" u="none" strike="noStrike" kern="1200" cap="none" spc="0" normalizeH="0" baseline="0" noProof="0">
+              <a:ln>
+                <a:noFill/>
+              </a:ln>
+              <a:solidFill>
+                <a:srgbClr val="FFFFFF"/>
+              </a:solidFill>
+              <a:effectLst/>
+              <a:uLnTx/>
+              <a:uFillTx/>
+              <a:latin typeface="Calibri"/>
+              <a:ea typeface="+mn-ea"/>
+              <a:cs typeface="+mn-cs"/>
+            </a:endParaRPr>
+          </a:p>
+        </p:txBody>
+      </p:sp>
+    </p:spTree>
+    <p:extLst>
+      <p:ext uri="{BB962C8B-B14F-4D97-AF65-F5344CB8AC3E}">
+        <p14:creationId xmlns:p14="http://schemas.microsoft.com/office/powerpoint/2010/main" val="1586883875"/>
+      </p:ext>
+    </p:extLst>
+  </p:cSld>
+  <p:clrMapOvr>
+    <a:masterClrMapping/>
+  </p:clrMapOvr>
+  <p:timing>
+    <p:tnLst>
+      <p:par>
+        <p:cTn id="1" dur="indefinite" restart="never" nodeType="tmRoot">
+          <p:childTnLst>
+            <p:seq concurrent="1" nextAc="seek">
+              <p:cTn id="2" dur="indefinite" nodeType="mainSeq">
+                <p:childTnLst>
+                  <p:par>
+                    <p:cTn id="3" fill="hold">
+                      <p:stCondLst>
+                        <p:cond delay="indefinite"/>
+                        <p:cond evt="onBegin" delay="0">
+                          <p:tn val="2"/>
+                        </p:cond>
+                      </p:stCondLst>
+                      <p:childTnLst>
+                        <p:par>
+                          <p:cTn id="4" fill="hold">
+                            <p:stCondLst>
+                              <p:cond delay="0"/>
+                            </p:stCondLst>
+                            <p:childTnLst>
+                              <p:par>
+                                <p:cTn id="5" presetID="10" presetClass="entr" presetSubtype="0" fill="hold" grpId="0" nodeType="withEffect">
+                                  <p:stCondLst>
+                                    <p:cond delay="500"/>
+                                  </p:stCondLst>
+                                  <p:iterate type="wd">
+                                    <p:tmPct val="15000"/>
+                                  </p:iterate>
+                                  <p:childTnLst>
+                                    <p:set>
+                                      <p:cBhvr>
+                                        <p:cTn id="6" dur="1" fill="hold">
+                                          <p:stCondLst>
+                                            <p:cond delay="0"/>
+                                          </p:stCondLst>
+                                        </p:cTn>
+                                        <p:tgtEl>
+                                          <p:spTgt spid="2"/>
+                                        </p:tgtEl>
+                                        <p:attrNameLst>
+                                          <p:attrName>style.visibility</p:attrName>
+                                        </p:attrNameLst>
+                                      </p:cBhvr>
+                                      <p:to>
+                                        <p:strVal val="visible"/>
+                                      </p:to>
+                                    </p:set>
+                                    <p:animEffect transition="in" filter="fade">
+                                      <p:cBhvr>
+                                        <p:cTn id="7" dur="1000"/>
+                                        <p:tgtEl>
+                                          <p:spTgt spid="2"/>
+                                        </p:tgtEl>
+                                      </p:cBhvr>
+                                    </p:animEffect>
+                                  </p:childTnLst>
+                                </p:cTn>
+                              </p:par>
+                            </p:childTnLst>
+                          </p:cTn>
+                        </p:par>
+                      </p:childTnLst>
+                    </p:cTn>
+                  </p:par>
+                </p:childTnLst>
+              </p:cTn>
+              <p:prevCondLst>
+                <p:cond evt="onPrev" delay="0">
+                  <p:tgtEl>
+                    <p:sldTgt/>
+                  </p:tgtEl>
+                </p:cond>
+              </p:prevCondLst>
+              <p:nextCondLst>
+                <p:cond evt="onNext" delay="0">
+                  <p:tgtEl>
+                    <p:sldTgt/>
+                  </p:tgtEl>
+                </p:cond>
+              </p:nextCondLst>
+            </p:seq>
+          </p:childTnLst>
+        </p:cTn>
+      </p:par>
+    </p:tnLst>
+    <p:bldLst>
+      <p:bldP spid="2" grpId="0"/>
+    </p:bldLst>
+  </p:timing>
+</p:sld>
+</file>
+
+<file path=ppt/slides/slide20.xml><?xml version="1.0" encoding="utf-8"?>
 <p:sld xmlns:a="http://schemas.openxmlformats.org/drawingml/2006/main" xmlns:r="http://schemas.openxmlformats.org/officeDocument/2006/relationships" xmlns:p="http://schemas.openxmlformats.org/presentationml/2006/main">
   <p:cSld>
     <p:spTree>
@@ -15899,8 +15424,8 @@
           <a:chExt cx="0" cy="0"/>
         </a:xfrm>
       </p:grpSpPr>
-      <mc:AlternateContent xmlns:mc="http://schemas.openxmlformats.org/markup-compatibility/2006" xmlns:a14="http://schemas.microsoft.com/office/drawing/2010/main">
-        <mc:Choice Requires="a14">
+      <mc:AlternateContent xmlns:mc="http://schemas.openxmlformats.org/markup-compatibility/2006">
+        <mc:Choice xmlns:a14="http://schemas.microsoft.com/office/drawing/2010/main" Requires="a14">
           <p:sp>
             <p:nvSpPr>
               <p:cNvPr id="3" name="Content Placeholder 2">
@@ -15920,7 +15445,7 @@
             <p:spPr>
               <a:xfrm>
                 <a:off x="581192" y="707650"/>
-                <a:ext cx="11029615" cy="845637"/>
+                <a:ext cx="11029615" cy="733223"/>
               </a:xfrm>
             </p:spPr>
             <p:txBody>
@@ -16000,13 +15525,13 @@
                 </a14:m>
                 <a:r>
                   <a:rPr lang="en-US" sz="2400" dirty="0"/>
-                  <a:t>) differ from sample to sample and therefore will have a distribution</a:t>
+                  <a:t>) differ from sample to sample</a:t>
                 </a:r>
               </a:p>
             </p:txBody>
           </p:sp>
         </mc:Choice>
-        <mc:Fallback xmlns="">
+        <mc:Fallback>
           <p:sp>
             <p:nvSpPr>
               <p:cNvPr id="3" name="Content Placeholder 2">
@@ -16026,12 +15551,12 @@
             <p:spPr>
               <a:xfrm>
                 <a:off x="581192" y="707650"/>
-                <a:ext cx="11029615" cy="845637"/>
+                <a:ext cx="11029615" cy="733223"/>
               </a:xfrm>
               <a:blipFill>
                 <a:blip r:embed="rId2"/>
                 <a:stretch>
-                  <a:fillRect l="-829" t="-4317" b="-15108"/>
+                  <a:fillRect l="-829" b="-833"/>
                 </a:stretch>
               </a:blipFill>
             </p:spPr>
@@ -16109,14 +15634,30 @@
           <a:lstStyle/>
           <a:p>
             <a:r>
-              <a:rPr lang="en-US" dirty="0"/>
-              <a:t>Red line: population regression line</a:t>
+              <a:rPr lang="en-US" dirty="0">
+                <a:solidFill>
+                  <a:srgbClr val="C00000"/>
+                </a:solidFill>
+              </a:rPr>
+              <a:t>Red line: </a:t>
             </a:r>
-          </a:p>
-          <a:p>
             <a:r>
               <a:rPr lang="en-US" dirty="0"/>
-              <a:t>Dark blue: sample regression line </a:t>
+              <a:t>population regression line</a:t>
+            </a:r>
+          </a:p>
+          <a:p>
+            <a:r>
+              <a:rPr lang="en-US" dirty="0">
+                <a:solidFill>
+                  <a:srgbClr val="0070C0"/>
+                </a:solidFill>
+              </a:rPr>
+              <a:t>Dark blue: </a:t>
+            </a:r>
+            <a:r>
+              <a:rPr lang="en-US" dirty="0"/>
+              <a:t>sample regression line </a:t>
             </a:r>
           </a:p>
         </p:txBody>
@@ -16150,8 +15691,16 @@
           <a:lstStyle/>
           <a:p>
             <a:r>
+              <a:rPr lang="en-US" dirty="0">
+                <a:solidFill>
+                  <a:srgbClr val="00B0F0"/>
+                </a:solidFill>
+              </a:rPr>
+              <a:t>Light blue: </a:t>
+            </a:r>
+            <a:r>
               <a:rPr lang="en-US" dirty="0"/>
-              <a:t>Light blue: sample regression line based on different samples</a:t>
+              <a:t>sample regression line based on different samples</a:t>
             </a:r>
           </a:p>
         </p:txBody>
@@ -16172,8 +15721,8 @@
             </p:nvSpPr>
             <p:spPr>
               <a:xfrm>
-                <a:off x="8499912" y="3062514"/>
-                <a:ext cx="3110895" cy="646331"/>
+                <a:off x="8520693" y="3561278"/>
+                <a:ext cx="3338797" cy="646331"/>
               </a:xfrm>
               <a:prstGeom prst="rect">
                 <a:avLst/>
@@ -16188,7 +15737,7 @@
               <a:p>
                 <a:r>
                   <a:rPr lang="en-US" dirty="0"/>
-                  <a:t>How accuracy of the </a:t>
+                  <a:t>How close the </a:t>
                 </a:r>
                 <a14:m>
                   <m:oMath xmlns:m="http://schemas.openxmlformats.org/officeDocument/2006/math">
@@ -16254,6 +15803,72 @@
                 </a14:m>
                 <a:r>
                   <a:rPr lang="en-US" dirty="0"/>
+                  <a:t> are to the true values </a:t>
+                </a:r>
+                <a14:m>
+                  <m:oMath xmlns:m="http://schemas.openxmlformats.org/officeDocument/2006/math">
+                    <m:sSub>
+                      <m:sSubPr>
+                        <m:ctrlPr>
+                          <a:rPr lang="en-US" b="0" i="1" smtClean="0">
+                            <a:latin typeface="Cambria Math" panose="02040503050406030204" pitchFamily="18" charset="0"/>
+                          </a:rPr>
+                        </m:ctrlPr>
+                      </m:sSubPr>
+                      <m:e>
+                        <m:r>
+                          <a:rPr lang="en-US" b="0" i="1" smtClean="0">
+                            <a:latin typeface="Cambria Math" panose="02040503050406030204" pitchFamily="18" charset="0"/>
+                          </a:rPr>
+                          <m:t>𝛽</m:t>
+                        </m:r>
+                      </m:e>
+                      <m:sub>
+                        <m:r>
+                          <a:rPr lang="en-US" b="0" i="1" smtClean="0">
+                            <a:latin typeface="Cambria Math" panose="02040503050406030204" pitchFamily="18" charset="0"/>
+                          </a:rPr>
+                          <m:t>0</m:t>
+                        </m:r>
+                      </m:sub>
+                    </m:sSub>
+                  </m:oMath>
+                </a14:m>
+                <a:r>
+                  <a:rPr lang="en-US" dirty="0"/>
+                  <a:t> and </a:t>
+                </a:r>
+                <a14:m>
+                  <m:oMath xmlns:m="http://schemas.openxmlformats.org/officeDocument/2006/math">
+                    <m:sSub>
+                      <m:sSubPr>
+                        <m:ctrlPr>
+                          <a:rPr lang="en-US" b="0" i="1" smtClean="0">
+                            <a:latin typeface="Cambria Math" panose="02040503050406030204" pitchFamily="18" charset="0"/>
+                          </a:rPr>
+                        </m:ctrlPr>
+                      </m:sSubPr>
+                      <m:e>
+                        <m:r>
+                          <a:rPr lang="en-US" b="0" i="1" smtClean="0">
+                            <a:latin typeface="Cambria Math" panose="02040503050406030204" pitchFamily="18" charset="0"/>
+                          </a:rPr>
+                          <m:t>𝛽</m:t>
+                        </m:r>
+                      </m:e>
+                      <m:sub>
+                        <m:r>
+                          <a:rPr lang="en-US" b="0" i="1" smtClean="0">
+                            <a:latin typeface="Cambria Math" panose="02040503050406030204" pitchFamily="18" charset="0"/>
+                          </a:rPr>
+                          <m:t>1</m:t>
+                        </m:r>
+                      </m:sub>
+                    </m:sSub>
+                  </m:oMath>
+                </a14:m>
+                <a:r>
+                  <a:rPr lang="en-US" dirty="0"/>
                   <a:t> ?</a:t>
                 </a:r>
               </a:p>
@@ -16277,8 +15892,8 @@
             </p:nvSpPr>
             <p:spPr>
               <a:xfrm>
-                <a:off x="8499912" y="3062514"/>
-                <a:ext cx="3110895" cy="646331"/>
+                <a:off x="8520693" y="3561278"/>
+                <a:ext cx="3338797" cy="646331"/>
               </a:xfrm>
               <a:prstGeom prst="rect">
                 <a:avLst/>
@@ -16286,7 +15901,7 @@
               <a:blipFill>
                 <a:blip r:embed="rId4"/>
                 <a:stretch>
-                  <a:fillRect l="-1566" t="-4717" r="-978" b="-14151"/>
+                  <a:fillRect l="-1645" t="-4717" b="-14151"/>
                 </a:stretch>
               </a:blipFill>
             </p:spPr>
@@ -16318,7 +15933,7 @@
 </p:sld>
 </file>
 
-<file path=ppt/slides/slide22.xml><?xml version="1.0" encoding="utf-8"?>
+<file path=ppt/slides/slide21.xml><?xml version="1.0" encoding="utf-8"?>
 <p:sld xmlns:a="http://schemas.openxmlformats.org/drawingml/2006/main" xmlns:r="http://schemas.openxmlformats.org/officeDocument/2006/relationships" xmlns:p="http://schemas.openxmlformats.org/presentationml/2006/main">
   <p:cSld>
     <p:spTree>
@@ -16391,7 +16006,7 @@
             <p:spPr>
               <a:xfrm>
                 <a:off x="581192" y="1416787"/>
-                <a:ext cx="11029615" cy="2623022"/>
+                <a:ext cx="11029615" cy="2379358"/>
               </a:xfrm>
             </p:spPr>
             <p:txBody>
@@ -16402,7 +16017,7 @@
               <a:p>
                 <a:r>
                   <a:rPr lang="en-US" sz="2400" dirty="0"/>
-                  <a:t>Standard error of </a:t>
+                  <a:t>Standard error measure the uncertainty of the estimated parameter, </a:t>
                 </a:r>
                 <a14:m>
                   <m:oMath xmlns:m="http://schemas.openxmlformats.org/officeDocument/2006/math">
@@ -16435,68 +16050,7 @@
                 </a14:m>
                 <a:r>
                   <a:rPr lang="en-US" sz="2400" dirty="0"/>
-                  <a:t> measure the uncertainty</a:t>
-                </a:r>
-              </a:p>
-              <a:p>
-                <a14:m>
-                  <m:oMath xmlns:m="http://schemas.openxmlformats.org/officeDocument/2006/math">
-                    <m:r>
-                      <a:rPr lang="en-US" sz="2400" b="0" i="1" smtClean="0">
-                        <a:latin typeface="Cambria Math" panose="02040503050406030204" pitchFamily="18" charset="0"/>
-                      </a:rPr>
-                      <m:t>𝑆𝐸</m:t>
-                    </m:r>
-                    <m:d>
-                      <m:dPr>
-                        <m:ctrlPr>
-                          <a:rPr lang="en-US" sz="2400" b="0" i="1" smtClean="0">
-                            <a:latin typeface="Cambria Math" panose="02040503050406030204" pitchFamily="18" charset="0"/>
-                          </a:rPr>
-                        </m:ctrlPr>
-                      </m:dPr>
-                      <m:e>
-                        <m:sSub>
-                          <m:sSubPr>
-                            <m:ctrlPr>
-                              <a:rPr lang="en-US" sz="2400" b="0" i="1" smtClean="0">
-                                <a:latin typeface="Cambria Math" panose="02040503050406030204" pitchFamily="18" charset="0"/>
-                              </a:rPr>
-                            </m:ctrlPr>
-                          </m:sSubPr>
-                          <m:e>
-                            <m:r>
-                              <a:rPr lang="en-US" sz="2400" b="0" i="1" smtClean="0">
-                                <a:latin typeface="Cambria Math" panose="02040503050406030204" pitchFamily="18" charset="0"/>
-                              </a:rPr>
-                              <m:t>𝑏</m:t>
-                            </m:r>
-                          </m:e>
-                          <m:sub>
-                            <m:r>
-                              <a:rPr lang="en-US" sz="2400" b="0" i="1" smtClean="0">
-                                <a:latin typeface="Cambria Math" panose="02040503050406030204" pitchFamily="18" charset="0"/>
-                              </a:rPr>
-                              <m:t>0</m:t>
-                            </m:r>
-                          </m:sub>
-                        </m:sSub>
-                      </m:e>
-                    </m:d>
-                    <m:r>
-                      <a:rPr lang="en-US" sz="2400" b="0" i="1" smtClean="0">
-                        <a:latin typeface="Cambria Math" panose="02040503050406030204" pitchFamily="18" charset="0"/>
-                      </a:rPr>
-                      <m:t>= </m:t>
-                    </m:r>
-                  </m:oMath>
-                </a14:m>
-                <a:endParaRPr lang="en-US" sz="2400" dirty="0"/>
-              </a:p>
-              <a:p>
-                <a:r>
-                  <a:rPr lang="en-US" sz="2400" dirty="0"/>
-                  <a:t>Standard error of </a:t>
+                  <a:t> and </a:t>
                 </a:r>
                 <a14:m>
                   <m:oMath xmlns:m="http://schemas.openxmlformats.org/officeDocument/2006/math">
@@ -16527,10 +16081,488 @@
                     </m:sSub>
                   </m:oMath>
                 </a14:m>
+                <a:endParaRPr lang="en-US" sz="2400" dirty="0"/>
+              </a:p>
+              <a:p>
+                <a:pPr marL="324000" lvl="1" indent="0">
+                  <a:buNone/>
+                </a:pPr>
                 <a:r>
-                  <a:rPr lang="en-US" sz="2400" dirty="0"/>
+                  <a:rPr lang="en-US" sz="2200" b="0" dirty="0"/>
+                  <a:t>	</a:t>
+                </a:r>
+                <a14:m>
+                  <m:oMath xmlns:m="http://schemas.openxmlformats.org/officeDocument/2006/math">
+                    <m:rad>
+                      <m:radPr>
+                        <m:degHide m:val="on"/>
+                        <m:ctrlPr>
+                          <a:rPr lang="en-US" sz="2200" b="0" i="1" smtClean="0">
+                            <a:latin typeface="Cambria Math" panose="02040503050406030204" pitchFamily="18" charset="0"/>
+                          </a:rPr>
+                        </m:ctrlPr>
+                      </m:radPr>
+                      <m:deg/>
+                      <m:e>
+                        <m:r>
+                          <a:rPr lang="en-US" sz="2200" b="0" i="1" smtClean="0">
+                            <a:latin typeface="Cambria Math" panose="02040503050406030204" pitchFamily="18" charset="0"/>
+                          </a:rPr>
+                          <m:t>𝑉𝑎𝑟</m:t>
+                        </m:r>
+                        <m:d>
+                          <m:dPr>
+                            <m:ctrlPr>
+                              <a:rPr lang="en-US" sz="2200" b="0" i="1" smtClean="0">
+                                <a:latin typeface="Cambria Math" panose="02040503050406030204" pitchFamily="18" charset="0"/>
+                              </a:rPr>
+                            </m:ctrlPr>
+                          </m:dPr>
+                          <m:e>
+                            <m:sSub>
+                              <m:sSubPr>
+                                <m:ctrlPr>
+                                  <a:rPr lang="en-US" sz="2200" b="0" i="1" smtClean="0">
+                                    <a:latin typeface="Cambria Math" panose="02040503050406030204" pitchFamily="18" charset="0"/>
+                                  </a:rPr>
+                                </m:ctrlPr>
+                              </m:sSubPr>
+                              <m:e>
+                                <m:r>
+                                  <a:rPr lang="en-US" sz="2200" b="0" i="1" smtClean="0">
+                                    <a:latin typeface="Cambria Math" panose="02040503050406030204" pitchFamily="18" charset="0"/>
+                                  </a:rPr>
+                                  <m:t>𝑏</m:t>
+                                </m:r>
+                              </m:e>
+                              <m:sub>
+                                <m:r>
+                                  <a:rPr lang="en-US" sz="2200" b="0" i="1" smtClean="0">
+                                    <a:latin typeface="Cambria Math" panose="02040503050406030204" pitchFamily="18" charset="0"/>
+                                  </a:rPr>
+                                  <m:t>1</m:t>
+                                </m:r>
+                              </m:sub>
+                            </m:sSub>
+                          </m:e>
+                        </m:d>
+                      </m:e>
+                    </m:rad>
+                    <m:r>
+                      <a:rPr lang="en-US" sz="2200" b="0" i="1" smtClean="0">
+                        <a:latin typeface="Cambria Math" panose="02040503050406030204" pitchFamily="18" charset="0"/>
+                      </a:rPr>
+                      <m:t>=</m:t>
+                    </m:r>
+                    <m:r>
+                      <a:rPr lang="en-US" sz="2200" b="0" i="1" smtClean="0">
+                        <a:latin typeface="Cambria Math" panose="02040503050406030204" pitchFamily="18" charset="0"/>
+                      </a:rPr>
+                      <m:t>𝑆</m:t>
+                    </m:r>
+                    <m:sSub>
+                      <m:sSubPr>
+                        <m:ctrlPr>
+                          <a:rPr lang="en-US" sz="2200" b="0" i="1" smtClean="0">
+                            <a:latin typeface="Cambria Math" panose="02040503050406030204" pitchFamily="18" charset="0"/>
+                          </a:rPr>
+                        </m:ctrlPr>
+                      </m:sSubPr>
+                      <m:e>
+                        <m:r>
+                          <a:rPr lang="en-US" sz="2200" b="0" i="1" smtClean="0">
+                            <a:latin typeface="Cambria Math" panose="02040503050406030204" pitchFamily="18" charset="0"/>
+                          </a:rPr>
+                          <m:t>𝐸</m:t>
+                        </m:r>
+                      </m:e>
+                      <m:sub>
+                        <m:sSub>
+                          <m:sSubPr>
+                            <m:ctrlPr>
+                              <a:rPr lang="en-US" sz="2200" b="0" i="1" smtClean="0">
+                                <a:latin typeface="Cambria Math" panose="02040503050406030204" pitchFamily="18" charset="0"/>
+                              </a:rPr>
+                            </m:ctrlPr>
+                          </m:sSubPr>
+                          <m:e>
+                            <m:r>
+                              <a:rPr lang="en-US" sz="2200" b="0" i="1" smtClean="0">
+                                <a:latin typeface="Cambria Math" panose="02040503050406030204" pitchFamily="18" charset="0"/>
+                              </a:rPr>
+                              <m:t>𝑏</m:t>
+                            </m:r>
+                          </m:e>
+                          <m:sub>
+                            <m:r>
+                              <a:rPr lang="en-US" sz="2200" b="0" i="1" smtClean="0">
+                                <a:latin typeface="Cambria Math" panose="02040503050406030204" pitchFamily="18" charset="0"/>
+                              </a:rPr>
+                              <m:t>1</m:t>
+                            </m:r>
+                          </m:sub>
+                        </m:sSub>
+                      </m:sub>
+                    </m:sSub>
+                    <m:r>
+                      <a:rPr lang="en-US" sz="2200" b="0" i="1" smtClean="0">
+                        <a:latin typeface="Cambria Math" panose="02040503050406030204" pitchFamily="18" charset="0"/>
+                      </a:rPr>
+                      <m:t>=</m:t>
+                    </m:r>
+                    <m:f>
+                      <m:fPr>
+                        <m:ctrlPr>
+                          <a:rPr lang="en-US" sz="2200" b="0" i="1" smtClean="0">
+                            <a:latin typeface="Cambria Math" panose="02040503050406030204" pitchFamily="18" charset="0"/>
+                          </a:rPr>
+                        </m:ctrlPr>
+                      </m:fPr>
+                      <m:num>
+                        <m:sSub>
+                          <m:sSubPr>
+                            <m:ctrlPr>
+                              <a:rPr lang="en-US" sz="2200" b="0" i="1" smtClean="0">
+                                <a:latin typeface="Cambria Math" panose="02040503050406030204" pitchFamily="18" charset="0"/>
+                              </a:rPr>
+                            </m:ctrlPr>
+                          </m:sSubPr>
+                          <m:e>
+                            <m:r>
+                              <a:rPr lang="en-US" sz="2200" b="0" i="1" smtClean="0">
+                                <a:latin typeface="Cambria Math" panose="02040503050406030204" pitchFamily="18" charset="0"/>
+                              </a:rPr>
+                              <m:t>𝑠</m:t>
+                            </m:r>
+                          </m:e>
+                          <m:sub>
+                            <m:r>
+                              <a:rPr lang="en-US" sz="2200" b="0" i="1" smtClean="0">
+                                <a:latin typeface="Cambria Math" panose="02040503050406030204" pitchFamily="18" charset="0"/>
+                              </a:rPr>
+                              <m:t>𝑒</m:t>
+                            </m:r>
+                          </m:sub>
+                        </m:sSub>
+                      </m:num>
+                      <m:den>
+                        <m:rad>
+                          <m:radPr>
+                            <m:degHide m:val="on"/>
+                            <m:ctrlPr>
+                              <a:rPr lang="en-US" sz="2200" b="0" i="1" smtClean="0">
+                                <a:latin typeface="Cambria Math" panose="02040503050406030204" pitchFamily="18" charset="0"/>
+                              </a:rPr>
+                            </m:ctrlPr>
+                          </m:radPr>
+                          <m:deg/>
+                          <m:e>
+                            <m:r>
+                              <a:rPr lang="en-US" sz="2200" b="0" i="1" smtClean="0">
+                                <a:latin typeface="Cambria Math" panose="02040503050406030204" pitchFamily="18" charset="0"/>
+                              </a:rPr>
+                              <m:t>𝑇𝑆</m:t>
+                            </m:r>
+                            <m:sSub>
+                              <m:sSubPr>
+                                <m:ctrlPr>
+                                  <a:rPr lang="en-US" sz="2200" b="0" i="1" smtClean="0">
+                                    <a:latin typeface="Cambria Math" panose="02040503050406030204" pitchFamily="18" charset="0"/>
+                                  </a:rPr>
+                                </m:ctrlPr>
+                              </m:sSubPr>
+                              <m:e>
+                                <m:r>
+                                  <a:rPr lang="en-US" sz="2200" b="0" i="1" smtClean="0">
+                                    <a:latin typeface="Cambria Math" panose="02040503050406030204" pitchFamily="18" charset="0"/>
+                                  </a:rPr>
+                                  <m:t>𝑆</m:t>
+                                </m:r>
+                              </m:e>
+                              <m:sub>
+                                <m:r>
+                                  <a:rPr lang="en-US" sz="2200" b="0" i="1" smtClean="0">
+                                    <a:latin typeface="Cambria Math" panose="02040503050406030204" pitchFamily="18" charset="0"/>
+                                  </a:rPr>
+                                  <m:t>𝑋</m:t>
+                                </m:r>
+                              </m:sub>
+                            </m:sSub>
+                          </m:e>
+                        </m:rad>
+                      </m:den>
+                    </m:f>
+                  </m:oMath>
+                </a14:m>
+                <a:endParaRPr lang="en-US" sz="2200" b="0" dirty="0"/>
+              </a:p>
+              <a:p>
+                <a:pPr marL="324000" lvl="1" indent="0">
+                  <a:buNone/>
+                </a:pPr>
+                <a:r>
+                  <a:rPr lang="en-US" sz="2200" dirty="0"/>
                   <a:t> </a:t>
                 </a:r>
+                <a14:m>
+                  <m:oMath xmlns:m="http://schemas.openxmlformats.org/officeDocument/2006/math">
+                    <m:rad>
+                      <m:radPr>
+                        <m:degHide m:val="on"/>
+                        <m:ctrlPr>
+                          <a:rPr lang="en-US" sz="2200" b="0" i="1" smtClean="0">
+                            <a:latin typeface="Cambria Math" panose="02040503050406030204" pitchFamily="18" charset="0"/>
+                          </a:rPr>
+                        </m:ctrlPr>
+                      </m:radPr>
+                      <m:deg/>
+                      <m:e>
+                        <m:r>
+                          <a:rPr lang="en-US" sz="2200" b="0" i="1" smtClean="0">
+                            <a:latin typeface="Cambria Math" panose="02040503050406030204" pitchFamily="18" charset="0"/>
+                          </a:rPr>
+                          <m:t>𝑉𝑎𝑟</m:t>
+                        </m:r>
+                        <m:d>
+                          <m:dPr>
+                            <m:ctrlPr>
+                              <a:rPr lang="en-US" sz="2200" b="0" i="1" smtClean="0">
+                                <a:latin typeface="Cambria Math" panose="02040503050406030204" pitchFamily="18" charset="0"/>
+                              </a:rPr>
+                            </m:ctrlPr>
+                          </m:dPr>
+                          <m:e>
+                            <m:sSub>
+                              <m:sSubPr>
+                                <m:ctrlPr>
+                                  <a:rPr lang="en-US" sz="2200" b="0" i="1" smtClean="0">
+                                    <a:latin typeface="Cambria Math" panose="02040503050406030204" pitchFamily="18" charset="0"/>
+                                  </a:rPr>
+                                </m:ctrlPr>
+                              </m:sSubPr>
+                              <m:e>
+                                <m:r>
+                                  <a:rPr lang="en-US" sz="2200" b="0" i="1" smtClean="0">
+                                    <a:latin typeface="Cambria Math" panose="02040503050406030204" pitchFamily="18" charset="0"/>
+                                  </a:rPr>
+                                  <m:t>𝑏</m:t>
+                                </m:r>
+                              </m:e>
+                              <m:sub>
+                                <m:r>
+                                  <a:rPr lang="en-US" sz="2200" b="0" i="1" smtClean="0">
+                                    <a:latin typeface="Cambria Math" panose="02040503050406030204" pitchFamily="18" charset="0"/>
+                                  </a:rPr>
+                                  <m:t>0</m:t>
+                                </m:r>
+                              </m:sub>
+                            </m:sSub>
+                          </m:e>
+                        </m:d>
+                      </m:e>
+                    </m:rad>
+                    <m:r>
+                      <a:rPr lang="en-US" sz="2200" b="0" i="1" smtClean="0">
+                        <a:latin typeface="Cambria Math" panose="02040503050406030204" pitchFamily="18" charset="0"/>
+                      </a:rPr>
+                      <m:t>=</m:t>
+                    </m:r>
+                    <m:r>
+                      <a:rPr lang="en-US" sz="2200" b="0" i="1" smtClean="0">
+                        <a:latin typeface="Cambria Math" panose="02040503050406030204" pitchFamily="18" charset="0"/>
+                      </a:rPr>
+                      <m:t>𝑆</m:t>
+                    </m:r>
+                    <m:sSub>
+                      <m:sSubPr>
+                        <m:ctrlPr>
+                          <a:rPr lang="en-US" sz="2200" b="0" i="1" smtClean="0">
+                            <a:latin typeface="Cambria Math" panose="02040503050406030204" pitchFamily="18" charset="0"/>
+                          </a:rPr>
+                        </m:ctrlPr>
+                      </m:sSubPr>
+                      <m:e>
+                        <m:r>
+                          <a:rPr lang="en-US" sz="2200" b="0" i="1" smtClean="0">
+                            <a:latin typeface="Cambria Math" panose="02040503050406030204" pitchFamily="18" charset="0"/>
+                          </a:rPr>
+                          <m:t>𝐸</m:t>
+                        </m:r>
+                      </m:e>
+                      <m:sub>
+                        <m:sSub>
+                          <m:sSubPr>
+                            <m:ctrlPr>
+                              <a:rPr lang="en-US" sz="2200" b="0" i="1" smtClean="0">
+                                <a:latin typeface="Cambria Math" panose="02040503050406030204" pitchFamily="18" charset="0"/>
+                              </a:rPr>
+                            </m:ctrlPr>
+                          </m:sSubPr>
+                          <m:e>
+                            <m:r>
+                              <a:rPr lang="en-US" sz="2200" b="0" i="1" smtClean="0">
+                                <a:latin typeface="Cambria Math" panose="02040503050406030204" pitchFamily="18" charset="0"/>
+                              </a:rPr>
+                              <m:t>𝑏</m:t>
+                            </m:r>
+                          </m:e>
+                          <m:sub>
+                            <m:r>
+                              <a:rPr lang="en-US" sz="2200" b="0" i="1" smtClean="0">
+                                <a:latin typeface="Cambria Math" panose="02040503050406030204" pitchFamily="18" charset="0"/>
+                              </a:rPr>
+                              <m:t>0</m:t>
+                            </m:r>
+                          </m:sub>
+                        </m:sSub>
+                      </m:sub>
+                    </m:sSub>
+                    <m:r>
+                      <a:rPr lang="en-US" sz="2200" b="0" i="1" smtClean="0">
+                        <a:latin typeface="Cambria Math" panose="02040503050406030204" pitchFamily="18" charset="0"/>
+                      </a:rPr>
+                      <m:t>=</m:t>
+                    </m:r>
+                    <m:r>
+                      <a:rPr lang="en-US" sz="2200" b="0" i="1" smtClean="0">
+                        <a:latin typeface="Cambria Math" panose="02040503050406030204" pitchFamily="18" charset="0"/>
+                      </a:rPr>
+                      <m:t>𝑠𝑒</m:t>
+                    </m:r>
+                    <m:r>
+                      <a:rPr lang="en-US" sz="2200" b="0" i="1" smtClean="0">
+                        <a:latin typeface="Cambria Math" panose="02040503050406030204" pitchFamily="18" charset="0"/>
+                      </a:rPr>
+                      <m:t>∗</m:t>
+                    </m:r>
+                    <m:rad>
+                      <m:radPr>
+                        <m:degHide m:val="on"/>
+                        <m:ctrlPr>
+                          <a:rPr lang="en-US" sz="2200" b="0" i="1" smtClean="0">
+                            <a:latin typeface="Cambria Math" panose="02040503050406030204" pitchFamily="18" charset="0"/>
+                          </a:rPr>
+                        </m:ctrlPr>
+                      </m:radPr>
+                      <m:deg/>
+                      <m:e>
+                        <m:f>
+                          <m:fPr>
+                            <m:ctrlPr>
+                              <a:rPr lang="en-US" sz="2200" b="0" i="1" smtClean="0">
+                                <a:latin typeface="Cambria Math" panose="02040503050406030204" pitchFamily="18" charset="0"/>
+                              </a:rPr>
+                            </m:ctrlPr>
+                          </m:fPr>
+                          <m:num>
+                            <m:r>
+                              <a:rPr lang="en-US" sz="2200" b="0" i="1" smtClean="0">
+                                <a:latin typeface="Cambria Math" panose="02040503050406030204" pitchFamily="18" charset="0"/>
+                              </a:rPr>
+                              <m:t>1</m:t>
+                            </m:r>
+                          </m:num>
+                          <m:den>
+                            <m:r>
+                              <a:rPr lang="en-US" sz="2200" b="0" i="1" smtClean="0">
+                                <a:latin typeface="Cambria Math" panose="02040503050406030204" pitchFamily="18" charset="0"/>
+                              </a:rPr>
+                              <m:t>𝑛</m:t>
+                            </m:r>
+                          </m:den>
+                        </m:f>
+                        <m:r>
+                          <a:rPr lang="en-US" sz="2200" b="0" i="1" smtClean="0">
+                            <a:latin typeface="Cambria Math" panose="02040503050406030204" pitchFamily="18" charset="0"/>
+                          </a:rPr>
+                          <m:t>+</m:t>
+                        </m:r>
+                        <m:f>
+                          <m:fPr>
+                            <m:ctrlPr>
+                              <a:rPr lang="en-US" sz="2200" b="0" i="1" smtClean="0">
+                                <a:latin typeface="Cambria Math" panose="02040503050406030204" pitchFamily="18" charset="0"/>
+                              </a:rPr>
+                            </m:ctrlPr>
+                          </m:fPr>
+                          <m:num>
+                            <m:sSup>
+                              <m:sSupPr>
+                                <m:ctrlPr>
+                                  <a:rPr lang="en-US" sz="2200" b="0" i="1" smtClean="0">
+                                    <a:latin typeface="Cambria Math" panose="02040503050406030204" pitchFamily="18" charset="0"/>
+                                  </a:rPr>
+                                </m:ctrlPr>
+                              </m:sSupPr>
+                              <m:e>
+                                <m:acc>
+                                  <m:accPr>
+                                    <m:chr m:val="̅"/>
+                                    <m:ctrlPr>
+                                      <a:rPr lang="en-US" sz="2200" b="0" i="1" smtClean="0">
+                                        <a:latin typeface="Cambria Math" panose="02040503050406030204" pitchFamily="18" charset="0"/>
+                                      </a:rPr>
+                                    </m:ctrlPr>
+                                  </m:accPr>
+                                  <m:e>
+                                    <m:r>
+                                      <a:rPr lang="en-US" sz="2200" b="0" i="1" smtClean="0">
+                                        <a:latin typeface="Cambria Math" panose="02040503050406030204" pitchFamily="18" charset="0"/>
+                                      </a:rPr>
+                                      <m:t>𝑥</m:t>
+                                    </m:r>
+                                  </m:e>
+                                </m:acc>
+                              </m:e>
+                              <m:sup>
+                                <m:r>
+                                  <a:rPr lang="en-US" sz="2200" b="0" i="1" smtClean="0">
+                                    <a:latin typeface="Cambria Math" panose="02040503050406030204" pitchFamily="18" charset="0"/>
+                                  </a:rPr>
+                                  <m:t>2</m:t>
+                                </m:r>
+                              </m:sup>
+                            </m:sSup>
+                          </m:num>
+                          <m:den>
+                            <m:r>
+                              <a:rPr lang="en-US" sz="2200" b="0" i="1" smtClean="0">
+                                <a:latin typeface="Cambria Math" panose="02040503050406030204" pitchFamily="18" charset="0"/>
+                              </a:rPr>
+                              <m:t>𝑇𝑆</m:t>
+                            </m:r>
+                            <m:sSub>
+                              <m:sSubPr>
+                                <m:ctrlPr>
+                                  <a:rPr lang="en-US" sz="2200" b="0" i="1" smtClean="0">
+                                    <a:latin typeface="Cambria Math" panose="02040503050406030204" pitchFamily="18" charset="0"/>
+                                  </a:rPr>
+                                </m:ctrlPr>
+                              </m:sSubPr>
+                              <m:e>
+                                <m:r>
+                                  <a:rPr lang="en-US" sz="2200" b="0" i="1" smtClean="0">
+                                    <a:latin typeface="Cambria Math" panose="02040503050406030204" pitchFamily="18" charset="0"/>
+                                  </a:rPr>
+                                  <m:t>𝑆</m:t>
+                                </m:r>
+                              </m:e>
+                              <m:sub>
+                                <m:r>
+                                  <a:rPr lang="en-US" sz="2200" b="0" i="1" smtClean="0">
+                                    <a:latin typeface="Cambria Math" panose="02040503050406030204" pitchFamily="18" charset="0"/>
+                                  </a:rPr>
+                                  <m:t>𝑋</m:t>
+                                </m:r>
+                              </m:sub>
+                            </m:sSub>
+                          </m:den>
+                        </m:f>
+                      </m:e>
+                    </m:rad>
+                  </m:oMath>
+                </a14:m>
+                <a:endParaRPr lang="en-US" sz="2200" dirty="0"/>
               </a:p>
             </p:txBody>
           </p:sp>
@@ -16555,7 +16587,7 @@
             <p:spPr>
               <a:xfrm>
                 <a:off x="581192" y="1416787"/>
-                <a:ext cx="11029615" cy="2623022"/>
+                <a:ext cx="11029615" cy="2379358"/>
               </a:xfrm>
               <a:blipFill>
                 <a:blip r:embed="rId2"/>
@@ -16592,7 +16624,7 @@
 </p:sld>
 </file>
 
-<file path=ppt/slides/slide23.xml><?xml version="1.0" encoding="utf-8"?>
+<file path=ppt/slides/slide22.xml><?xml version="1.0" encoding="utf-8"?>
 <p:sld xmlns:a="http://schemas.openxmlformats.org/drawingml/2006/main" xmlns:r="http://schemas.openxmlformats.org/officeDocument/2006/relationships" xmlns:p="http://schemas.openxmlformats.org/presentationml/2006/main">
   <p:cSld>
     <p:spTree>
@@ -16638,8 +16670,8 @@
           </a:xfrm>
         </p:spPr>
       </p:pic>
-      <mc:AlternateContent xmlns:mc="http://schemas.openxmlformats.org/markup-compatibility/2006">
-        <mc:Choice xmlns:a14="http://schemas.microsoft.com/office/drawing/2010/main" Requires="a14">
+      <mc:AlternateContent xmlns:mc="http://schemas.openxmlformats.org/markup-compatibility/2006" xmlns:a14="http://schemas.microsoft.com/office/drawing/2010/main">
+        <mc:Choice Requires="a14">
           <p:sp>
             <p:nvSpPr>
               <p:cNvPr id="7" name="Content Placeholder 2">
@@ -17042,7 +17074,7 @@
             </p:txBody>
           </p:sp>
         </mc:Choice>
-        <mc:Fallback>
+        <mc:Fallback xmlns="">
           <p:sp>
             <p:nvSpPr>
               <p:cNvPr id="7" name="Content Placeholder 2">
@@ -17100,87 +17132,7 @@
 </p:sld>
 </file>
 
-<file path=ppt/slides/slide24.xml><?xml version="1.0" encoding="utf-8"?>
-<p:sld xmlns:a="http://schemas.openxmlformats.org/drawingml/2006/main" xmlns:r="http://schemas.openxmlformats.org/officeDocument/2006/relationships" xmlns:p="http://schemas.openxmlformats.org/presentationml/2006/main">
-  <p:cSld>
-    <p:spTree>
-      <p:nvGrpSpPr>
-        <p:cNvPr id="1" name=""/>
-        <p:cNvGrpSpPr/>
-        <p:nvPr/>
-      </p:nvGrpSpPr>
-      <p:grpSpPr>
-        <a:xfrm>
-          <a:off x="0" y="0"/>
-          <a:ext cx="0" cy="0"/>
-          <a:chOff x="0" y="0"/>
-          <a:chExt cx="0" cy="0"/>
-        </a:xfrm>
-      </p:grpSpPr>
-      <p:sp>
-        <p:nvSpPr>
-          <p:cNvPr id="2" name="Title 1">
-            <a:extLst>
-              <a:ext uri="{FF2B5EF4-FFF2-40B4-BE49-F238E27FC236}">
-                <a16:creationId xmlns:a16="http://schemas.microsoft.com/office/drawing/2014/main" id="{98273316-F9B0-CB00-4B27-035E0583D518}"/>
-              </a:ext>
-            </a:extLst>
-          </p:cNvPr>
-          <p:cNvSpPr>
-            <a:spLocks noGrp="1"/>
-          </p:cNvSpPr>
-          <p:nvPr>
-            <p:ph type="title"/>
-          </p:nvPr>
-        </p:nvSpPr>
-        <p:spPr/>
-        <p:txBody>
-          <a:bodyPr/>
-          <a:lstStyle/>
-          <a:p>
-            <a:endParaRPr lang="en-US"/>
-          </a:p>
-        </p:txBody>
-      </p:sp>
-      <p:sp>
-        <p:nvSpPr>
-          <p:cNvPr id="3" name="Content Placeholder 2">
-            <a:extLst>
-              <a:ext uri="{FF2B5EF4-FFF2-40B4-BE49-F238E27FC236}">
-                <a16:creationId xmlns:a16="http://schemas.microsoft.com/office/drawing/2014/main" id="{49319F08-31B7-4EB4-056C-61536BBAB906}"/>
-              </a:ext>
-            </a:extLst>
-          </p:cNvPr>
-          <p:cNvSpPr>
-            <a:spLocks noGrp="1"/>
-          </p:cNvSpPr>
-          <p:nvPr>
-            <p:ph idx="1"/>
-          </p:nvPr>
-        </p:nvSpPr>
-        <p:spPr/>
-        <p:txBody>
-          <a:bodyPr/>
-          <a:lstStyle/>
-          <a:p>
-            <a:endParaRPr lang="en-US"/>
-          </a:p>
-        </p:txBody>
-      </p:sp>
-    </p:spTree>
-    <p:extLst>
-      <p:ext uri="{BB962C8B-B14F-4D97-AF65-F5344CB8AC3E}">
-        <p14:creationId xmlns:p14="http://schemas.microsoft.com/office/powerpoint/2010/main" val="358408302"/>
-      </p:ext>
-    </p:extLst>
-  </p:cSld>
-  <p:clrMapOvr>
-    <a:masterClrMapping/>
-  </p:clrMapOvr>
-</p:sld>
-</file>
-
-<file path=ppt/slides/slide25.xml><?xml version="1.0" encoding="utf-8"?>
+<file path=ppt/slides/slide23.xml><?xml version="1.0" encoding="utf-8"?>
 <p:sld xmlns:a="http://schemas.openxmlformats.org/drawingml/2006/main" xmlns:r="http://schemas.openxmlformats.org/officeDocument/2006/relationships" xmlns:p="http://schemas.openxmlformats.org/presentationml/2006/main">
   <p:cSld>
     <p:bg>
@@ -18086,7 +18038,7 @@
 </p:sld>
 </file>
 
-<file path=ppt/slides/slide26.xml><?xml version="1.0" encoding="utf-8"?>
+<file path=ppt/slides/slide24.xml><?xml version="1.0" encoding="utf-8"?>
 <p:sld xmlns:a="http://schemas.openxmlformats.org/drawingml/2006/main" xmlns:r="http://schemas.openxmlformats.org/officeDocument/2006/relationships" xmlns:p="http://schemas.openxmlformats.org/presentationml/2006/main">
   <p:cSld>
     <p:spTree>
@@ -18103,8 +18055,8 @@
           <a:chExt cx="0" cy="0"/>
         </a:xfrm>
       </p:grpSpPr>
-      <mc:AlternateContent xmlns:mc="http://schemas.openxmlformats.org/markup-compatibility/2006">
-        <mc:Choice xmlns:a14="http://schemas.microsoft.com/office/drawing/2010/main" Requires="a14">
+      <mc:AlternateContent xmlns:mc="http://schemas.openxmlformats.org/markup-compatibility/2006" xmlns:a14="http://schemas.microsoft.com/office/drawing/2010/main">
+        <mc:Choice Requires="a14">
           <p:sp>
             <p:nvSpPr>
               <p:cNvPr id="2" name="Title 1">
@@ -18169,7 +18121,7 @@
             </p:txBody>
           </p:sp>
         </mc:Choice>
-        <mc:Fallback>
+        <mc:Fallback xmlns="">
           <p:sp>
             <p:nvSpPr>
               <p:cNvPr id="2" name="Title 1">
@@ -18234,7 +18186,7 @@
             <p:spPr>
               <a:xfrm>
                 <a:off x="581191" y="1639339"/>
-                <a:ext cx="11029615" cy="3584667"/>
+                <a:ext cx="11029615" cy="2627861"/>
               </a:xfrm>
             </p:spPr>
             <p:txBody>
@@ -18281,28 +18233,31 @@
                         </a:rPr>
                         <m:t>[</m:t>
                       </m:r>
+                      <m:r>
+                        <a:rPr lang="en-US" sz="2400" b="0" i="1" smtClean="0">
+                          <a:latin typeface="Cambria Math" panose="02040503050406030204" pitchFamily="18" charset="0"/>
+                        </a:rPr>
+                        <m:t> </m:t>
+                      </m:r>
                       <m:sSub>
                         <m:sSubPr>
                           <m:ctrlPr>
-                            <a:rPr lang="en-US" sz="2400" b="0" i="0" smtClean="0">
+                            <a:rPr lang="en-US" sz="2400" b="0" i="1" smtClean="0">
                               <a:latin typeface="Cambria Math" panose="02040503050406030204" pitchFamily="18" charset="0"/>
                             </a:rPr>
                           </m:ctrlPr>
                         </m:sSubPr>
                         <m:e>
                           <m:r>
-                            <m:rPr>
-                              <m:sty m:val="p"/>
-                            </m:rPr>
-                            <a:rPr lang="en-US" sz="2400" b="0" i="0" smtClean="0">
+                            <a:rPr lang="en-US" sz="2400" b="0" i="1" smtClean="0">
                               <a:latin typeface="Cambria Math" panose="02040503050406030204" pitchFamily="18" charset="0"/>
                             </a:rPr>
-                            <m:t>b</m:t>
+                            <m:t>𝑏</m:t>
                           </m:r>
                         </m:e>
                         <m:sub>
                           <m:r>
-                            <a:rPr lang="en-US" sz="2400" b="0" i="0" smtClean="0">
+                            <a:rPr lang="en-US" sz="2400" b="0" i="1" smtClean="0">
                               <a:latin typeface="Cambria Math" panose="02040503050406030204" pitchFamily="18" charset="0"/>
                             </a:rPr>
                             <m:t>0</m:t>
@@ -18479,7 +18434,7 @@
             <p:spPr>
               <a:xfrm>
                 <a:off x="581191" y="1639339"/>
-                <a:ext cx="11029615" cy="3584667"/>
+                <a:ext cx="11029615" cy="2627861"/>
               </a:xfrm>
               <a:blipFill>
                 <a:blip r:embed="rId3"/>
@@ -18516,7 +18471,7 @@
 </p:sld>
 </file>
 
-<file path=ppt/slides/slide27.xml><?xml version="1.0" encoding="utf-8"?>
+<file path=ppt/slides/slide25.xml><?xml version="1.0" encoding="utf-8"?>
 <p:sld xmlns:a="http://schemas.openxmlformats.org/drawingml/2006/main" xmlns:r="http://schemas.openxmlformats.org/officeDocument/2006/relationships" xmlns:p="http://schemas.openxmlformats.org/presentationml/2006/main">
   <p:cSld>
     <p:spTree>
@@ -18539,8 +18494,8 @@
           <a:chExt cx="0" cy="0"/>
         </a:xfrm>
       </p:grpSpPr>
-      <mc:AlternateContent xmlns:mc="http://schemas.openxmlformats.org/markup-compatibility/2006">
-        <mc:Choice xmlns:a14="http://schemas.microsoft.com/office/drawing/2010/main" Requires="a14">
+      <mc:AlternateContent xmlns:mc="http://schemas.openxmlformats.org/markup-compatibility/2006" xmlns:a14="http://schemas.microsoft.com/office/drawing/2010/main">
+        <mc:Choice Requires="a14">
           <p:sp>
             <p:nvSpPr>
               <p:cNvPr id="3" name="Title 1">
@@ -18685,7 +18640,7 @@
             </p:txBody>
           </p:sp>
         </mc:Choice>
-        <mc:Fallback>
+        <mc:Fallback xmlns="">
           <p:sp>
             <p:nvSpPr>
               <p:cNvPr id="3" name="Title 1">
@@ -18783,9 +18738,6 @@
                 </a:endParaRPr>
               </a:p>
               <a:p>
-                <a:pPr marL="0" indent="0">
-                  <a:buNone/>
-                </a:pPr>
                 <a14:m>
                   <m:oMathPara xmlns:m="http://schemas.openxmlformats.org/officeDocument/2006/math">
                     <m:oMathParaPr>
@@ -18793,31 +18745,30 @@
                     </m:oMathParaPr>
                     <m:oMath xmlns:m="http://schemas.openxmlformats.org/officeDocument/2006/math">
                       <m:r>
-                        <a:rPr lang="en-US" sz="2400" b="0" i="1" smtClean="0"/>
+                        <a:rPr lang="en-US" sz="2400" b="0" i="1" smtClean="0">
+                          <a:latin typeface="Cambria Math" panose="02040503050406030204" pitchFamily="18" charset="0"/>
+                        </a:rPr>
                         <m:t>[</m:t>
                       </m:r>
                       <m:sSub>
                         <m:sSubPr>
                           <m:ctrlPr>
-                            <a:rPr lang="en-US" sz="2400" b="0" i="0" smtClean="0">
+                            <a:rPr lang="en-US" sz="2400" i="1">
                               <a:latin typeface="Cambria Math" panose="02040503050406030204" pitchFamily="18" charset="0"/>
                             </a:rPr>
                           </m:ctrlPr>
                         </m:sSubPr>
                         <m:e>
                           <m:r>
-                            <m:rPr>
-                              <m:sty m:val="p"/>
-                            </m:rPr>
-                            <a:rPr lang="en-US" sz="2400" b="0" i="0" smtClean="0">
+                            <a:rPr lang="en-US" sz="2400" i="1">
                               <a:latin typeface="Cambria Math" panose="02040503050406030204" pitchFamily="18" charset="0"/>
                             </a:rPr>
-                            <m:t>b</m:t>
+                            <m:t>𝑏</m:t>
                           </m:r>
                         </m:e>
                         <m:sub>
                           <m:r>
-                            <a:rPr lang="en-US" sz="2400" b="0" i="0" smtClean="0">
+                            <a:rPr lang="en-US" sz="2400" i="1">
                               <a:latin typeface="Cambria Math" panose="02040503050406030204" pitchFamily="18" charset="0"/>
                             </a:rPr>
                             <m:t>1</m:t>
@@ -18825,29 +18776,45 @@
                         </m:sub>
                       </m:sSub>
                       <m:r>
-                        <a:rPr lang="en-US" sz="2400" b="0" i="0" smtClean="0"/>
-                        <m:t>+2∗</m:t>
+                        <a:rPr lang="en-US" sz="2400" b="0" i="0" smtClean="0">
+                          <a:latin typeface="Cambria Math" panose="02040503050406030204" pitchFamily="18" charset="0"/>
+                        </a:rPr>
+                        <m:t>+ </m:t>
                       </m:r>
                       <m:r>
-                        <a:rPr lang="en-US" sz="2400" b="0" i="1" smtClean="0"/>
+                        <a:rPr lang="en-US" sz="2400" b="0" i="0" smtClean="0">
+                          <a:latin typeface="Cambria Math" panose="02040503050406030204" pitchFamily="18" charset="0"/>
+                        </a:rPr>
+                        <m:t>2∗</m:t>
+                      </m:r>
+                      <m:r>
+                        <a:rPr lang="en-US" sz="2400" b="0" i="1" smtClean="0">
+                          <a:latin typeface="Cambria Math" panose="02040503050406030204" pitchFamily="18" charset="0"/>
+                        </a:rPr>
                         <m:t>𝑆𝐸</m:t>
                       </m:r>
                       <m:d>
                         <m:dPr>
                           <m:ctrlPr>
-                            <a:rPr lang="en-US" sz="2400" b="0" i="1" smtClean="0"/>
+                            <a:rPr lang="en-US" sz="2400" b="0" i="1" smtClean="0">
+                              <a:latin typeface="Cambria Math" panose="02040503050406030204" pitchFamily="18" charset="0"/>
+                            </a:rPr>
                           </m:ctrlPr>
                         </m:dPr>
                         <m:e>
                           <m:sSub>
                             <m:sSubPr>
                               <m:ctrlPr>
-                                <a:rPr lang="en-US" sz="2400" b="0" i="1" smtClean="0"/>
+                                <a:rPr lang="en-US" sz="2400" b="0" i="1" smtClean="0">
+                                  <a:latin typeface="Cambria Math" panose="02040503050406030204" pitchFamily="18" charset="0"/>
+                                </a:rPr>
                               </m:ctrlPr>
                             </m:sSubPr>
                             <m:e>
                               <m:r>
-                                <a:rPr lang="en-US" sz="2400" b="0" i="1" smtClean="0"/>
+                                <a:rPr lang="en-US" sz="2400" b="0" i="1" smtClean="0">
+                                  <a:latin typeface="Cambria Math" panose="02040503050406030204" pitchFamily="18" charset="0"/>
+                                </a:rPr>
                                 <m:t>𝑏</m:t>
                               </m:r>
                             </m:e>
@@ -18863,27 +18830,30 @@
                         </m:e>
                       </m:d>
                       <m:r>
-                        <a:rPr lang="en-US" sz="2400" b="0" i="1" smtClean="0"/>
+                        <a:rPr lang="en-US" sz="2400" b="0" i="1" smtClean="0">
+                          <a:latin typeface="Cambria Math" panose="02040503050406030204" pitchFamily="18" charset="0"/>
+                        </a:rPr>
                         <m:t>,</m:t>
                       </m:r>
                       <m:sSub>
                         <m:sSubPr>
                           <m:ctrlPr>
-                            <a:rPr lang="en-US" sz="2400" i="1"/>
+                            <a:rPr lang="en-US" sz="2400" i="1">
+                              <a:latin typeface="Cambria Math" panose="02040503050406030204" pitchFamily="18" charset="0"/>
+                            </a:rPr>
                           </m:ctrlPr>
                         </m:sSubPr>
                         <m:e>
                           <m:r>
-                            <m:rPr>
-                              <m:sty m:val="p"/>
-                            </m:rPr>
-                            <a:rPr lang="en-US" sz="2400"/>
-                            <m:t>b</m:t>
+                            <a:rPr lang="en-US" sz="2400" i="1">
+                              <a:latin typeface="Cambria Math" panose="02040503050406030204" pitchFamily="18" charset="0"/>
+                            </a:rPr>
+                            <m:t>𝑏</m:t>
                           </m:r>
                         </m:e>
                         <m:sub>
                           <m:r>
-                            <a:rPr lang="en-US" sz="2400" b="0" i="0" smtClean="0">
+                            <a:rPr lang="en-US" sz="2400" i="1">
                               <a:latin typeface="Cambria Math" panose="02040503050406030204" pitchFamily="18" charset="0"/>
                             </a:rPr>
                             <m:t>1</m:t>
@@ -18891,33 +18861,45 @@
                         </m:sub>
                       </m:sSub>
                       <m:r>
-                        <a:rPr lang="en-US" sz="2400" b="0" i="0" smtClean="0"/>
+                        <a:rPr lang="en-US" sz="2400" b="0" i="0" smtClean="0">
+                          <a:latin typeface="Cambria Math" panose="02040503050406030204" pitchFamily="18" charset="0"/>
+                        </a:rPr>
                         <m:t>−</m:t>
                       </m:r>
                       <m:r>
-                        <a:rPr lang="en-US" sz="2400"/>
+                        <a:rPr lang="en-US" sz="2400">
+                          <a:latin typeface="Cambria Math" panose="02040503050406030204" pitchFamily="18" charset="0"/>
+                        </a:rPr>
                         <m:t>2∗</m:t>
                       </m:r>
                       <m:r>
-                        <a:rPr lang="en-US" sz="2400" i="1"/>
+                        <a:rPr lang="en-US" sz="2400" i="1">
+                          <a:latin typeface="Cambria Math" panose="02040503050406030204" pitchFamily="18" charset="0"/>
+                        </a:rPr>
                         <m:t>𝑆𝐸</m:t>
                       </m:r>
                       <m:d>
                         <m:dPr>
                           <m:ctrlPr>
-                            <a:rPr lang="en-US" sz="2400" i="1"/>
+                            <a:rPr lang="en-US" sz="2400" i="1">
+                              <a:latin typeface="Cambria Math" panose="02040503050406030204" pitchFamily="18" charset="0"/>
+                            </a:rPr>
                           </m:ctrlPr>
                         </m:dPr>
                         <m:e>
                           <m:sSub>
                             <m:sSubPr>
                               <m:ctrlPr>
-                                <a:rPr lang="en-US" sz="2400" i="1"/>
+                                <a:rPr lang="en-US" sz="2400" i="1">
+                                  <a:latin typeface="Cambria Math" panose="02040503050406030204" pitchFamily="18" charset="0"/>
+                                </a:rPr>
                               </m:ctrlPr>
                             </m:sSubPr>
                             <m:e>
                               <m:r>
-                                <a:rPr lang="en-US" sz="2400" i="1"/>
+                                <a:rPr lang="en-US" sz="2400" i="1">
+                                  <a:latin typeface="Cambria Math" panose="02040503050406030204" pitchFamily="18" charset="0"/>
+                                </a:rPr>
                                 <m:t>𝑏</m:t>
                               </m:r>
                             </m:e>
@@ -18933,7 +18915,9 @@
                         </m:e>
                       </m:d>
                       <m:r>
-                        <a:rPr lang="en-US" sz="2400" b="0" i="1" smtClean="0"/>
+                        <a:rPr lang="en-US" sz="2400" b="0" i="1" smtClean="0">
+                          <a:latin typeface="Cambria Math" panose="02040503050406030204" pitchFamily="18" charset="0"/>
+                        </a:rPr>
                         <m:t>]</m:t>
                       </m:r>
                     </m:oMath>
@@ -19002,6 +18986,1666 @@
 </p:sld>
 </file>
 
+<file path=ppt/slides/slide26.xml><?xml version="1.0" encoding="utf-8"?>
+<p:sld xmlns:a="http://schemas.openxmlformats.org/drawingml/2006/main" xmlns:r="http://schemas.openxmlformats.org/officeDocument/2006/relationships" xmlns:p="http://schemas.openxmlformats.org/presentationml/2006/main">
+  <p:cSld>
+    <p:bg>
+      <p:bgPr>
+        <a:solidFill>
+          <a:schemeClr val="bg1"/>
+        </a:solidFill>
+        <a:effectLst/>
+      </p:bgPr>
+    </p:bg>
+    <p:spTree>
+      <p:nvGrpSpPr>
+        <p:cNvPr id="1" name="">
+          <a:extLst>
+            <a:ext uri="{FF2B5EF4-FFF2-40B4-BE49-F238E27FC236}">
+              <a16:creationId xmlns:a16="http://schemas.microsoft.com/office/drawing/2014/main" id="{9DE587AD-5262-2937-9DF8-6AFCC1016C7A}"/>
+            </a:ext>
+          </a:extLst>
+        </p:cNvPr>
+        <p:cNvGrpSpPr/>
+        <p:nvPr/>
+      </p:nvGrpSpPr>
+      <p:grpSpPr>
+        <a:xfrm>
+          <a:off x="0" y="0"/>
+          <a:ext cx="0" cy="0"/>
+          <a:chOff x="0" y="0"/>
+          <a:chExt cx="0" cy="0"/>
+        </a:xfrm>
+      </p:grpSpPr>
+      <p:sp>
+        <p:nvSpPr>
+          <p:cNvPr id="36" name="Rectangle 35">
+            <a:extLst>
+              <a:ext uri="{FF2B5EF4-FFF2-40B4-BE49-F238E27FC236}">
+                <a16:creationId xmlns:a16="http://schemas.microsoft.com/office/drawing/2014/main" id="{B5FDEB71-C19D-5932-59BE-7E9017239489}"/>
+              </a:ext>
+              <a:ext uri="{C183D7F6-B498-43B3-948B-1728B52AA6E4}">
+                <adec:decorative xmlns:adec="http://schemas.microsoft.com/office/drawing/2017/decorative" val="1"/>
+              </a:ext>
+            </a:extLst>
+          </p:cNvPr>
+          <p:cNvSpPr>
+            <a:spLocks noGrp="1" noRot="1" noChangeAspect="1" noMove="1" noResize="1" noEditPoints="1" noAdjustHandles="1" noChangeArrowheads="1" noChangeShapeType="1" noTextEdit="1"/>
+          </p:cNvSpPr>
+          <p:nvPr>
+            <p:extLst>
+              <p:ext uri="{386F3935-93C4-4BCD-93E2-E3B085C9AB24}">
+                <p16:designElem xmlns:p16="http://schemas.microsoft.com/office/powerpoint/2015/main" val="1"/>
+              </p:ext>
+            </p:extLst>
+          </p:nvPr>
+        </p:nvSpPr>
+        <p:spPr>
+          <a:xfrm>
+            <a:off x="446534" y="457200"/>
+            <a:ext cx="3703320" cy="94997"/>
+          </a:xfrm>
+          <a:prstGeom prst="rect">
+            <a:avLst/>
+          </a:prstGeom>
+          <a:solidFill>
+            <a:srgbClr val="465359"/>
+          </a:solidFill>
+          <a:ln>
+            <a:noFill/>
+          </a:ln>
+          <a:effectLst/>
+        </p:spPr>
+        <p:style>
+          <a:lnRef idx="1">
+            <a:schemeClr val="accent1"/>
+          </a:lnRef>
+          <a:fillRef idx="3">
+            <a:schemeClr val="accent1"/>
+          </a:fillRef>
+          <a:effectRef idx="2">
+            <a:schemeClr val="accent1"/>
+          </a:effectRef>
+          <a:fontRef idx="minor">
+            <a:schemeClr val="lt1"/>
+          </a:fontRef>
+        </p:style>
+        <p:txBody>
+          <a:bodyPr/>
+          <a:lstStyle/>
+          <a:p>
+            <a:pPr marL="0" marR="0" lvl="0" indent="0" algn="l" defTabSz="457200" rtl="0" eaLnBrk="1" fontAlgn="auto" latinLnBrk="0" hangingPunct="1">
+              <a:lnSpc>
+                <a:spcPct val="100000"/>
+              </a:lnSpc>
+              <a:spcBef>
+                <a:spcPts val="0"/>
+              </a:spcBef>
+              <a:spcAft>
+                <a:spcPts val="0"/>
+              </a:spcAft>
+              <a:buClrTx/>
+              <a:buSzTx/>
+              <a:buFontTx/>
+              <a:buNone/>
+              <a:tabLst/>
+              <a:defRPr/>
+            </a:pPr>
+            <a:endParaRPr kumimoji="0" lang="en-US" sz="1800" b="0" i="0" u="none" strike="noStrike" kern="1200" cap="none" spc="0" normalizeH="0" baseline="0" noProof="0">
+              <a:ln>
+                <a:noFill/>
+              </a:ln>
+              <a:solidFill>
+                <a:srgbClr val="FFFFFF"/>
+              </a:solidFill>
+              <a:effectLst/>
+              <a:uLnTx/>
+              <a:uFillTx/>
+              <a:latin typeface="Calibri"/>
+              <a:ea typeface="+mn-ea"/>
+              <a:cs typeface="+mn-cs"/>
+            </a:endParaRPr>
+          </a:p>
+        </p:txBody>
+      </p:sp>
+      <p:sp>
+        <p:nvSpPr>
+          <p:cNvPr id="38" name="Rectangle 37">
+            <a:extLst>
+              <a:ext uri="{FF2B5EF4-FFF2-40B4-BE49-F238E27FC236}">
+                <a16:creationId xmlns:a16="http://schemas.microsoft.com/office/drawing/2014/main" id="{9B830D11-9E80-D9E2-0936-7D62FE1F20AD}"/>
+              </a:ext>
+              <a:ext uri="{C183D7F6-B498-43B3-948B-1728B52AA6E4}">
+                <adec:decorative xmlns:adec="http://schemas.microsoft.com/office/drawing/2017/decorative" val="1"/>
+              </a:ext>
+            </a:extLst>
+          </p:cNvPr>
+          <p:cNvSpPr>
+            <a:spLocks noGrp="1" noRot="1" noChangeAspect="1" noMove="1" noResize="1" noEditPoints="1" noAdjustHandles="1" noChangeArrowheads="1" noChangeShapeType="1" noTextEdit="1"/>
+          </p:cNvSpPr>
+          <p:nvPr>
+            <p:extLst>
+              <p:ext uri="{386F3935-93C4-4BCD-93E2-E3B085C9AB24}">
+                <p16:designElem xmlns:p16="http://schemas.microsoft.com/office/powerpoint/2015/main" val="1"/>
+              </p:ext>
+            </p:extLst>
+          </p:nvPr>
+        </p:nvSpPr>
+        <p:spPr>
+          <a:xfrm>
+            <a:off x="8042147" y="453643"/>
+            <a:ext cx="3703320" cy="98554"/>
+          </a:xfrm>
+          <a:prstGeom prst="rect">
+            <a:avLst/>
+          </a:prstGeom>
+          <a:solidFill>
+            <a:srgbClr val="969FA7"/>
+          </a:solidFill>
+          <a:ln>
+            <a:noFill/>
+          </a:ln>
+          <a:effectLst/>
+        </p:spPr>
+        <p:style>
+          <a:lnRef idx="1">
+            <a:schemeClr val="accent1"/>
+          </a:lnRef>
+          <a:fillRef idx="3">
+            <a:schemeClr val="accent1"/>
+          </a:fillRef>
+          <a:effectRef idx="2">
+            <a:schemeClr val="accent1"/>
+          </a:effectRef>
+          <a:fontRef idx="minor">
+            <a:schemeClr val="lt1"/>
+          </a:fontRef>
+        </p:style>
+        <p:txBody>
+          <a:bodyPr/>
+          <a:lstStyle/>
+          <a:p>
+            <a:pPr marL="0" marR="0" lvl="0" indent="0" algn="l" defTabSz="457200" rtl="0" eaLnBrk="1" fontAlgn="auto" latinLnBrk="0" hangingPunct="1">
+              <a:lnSpc>
+                <a:spcPct val="100000"/>
+              </a:lnSpc>
+              <a:spcBef>
+                <a:spcPts val="0"/>
+              </a:spcBef>
+              <a:spcAft>
+                <a:spcPts val="0"/>
+              </a:spcAft>
+              <a:buClrTx/>
+              <a:buSzTx/>
+              <a:buFontTx/>
+              <a:buNone/>
+              <a:tabLst/>
+              <a:defRPr/>
+            </a:pPr>
+            <a:endParaRPr kumimoji="0" lang="en-US" sz="1800" b="0" i="0" u="none" strike="noStrike" kern="1200" cap="none" spc="0" normalizeH="0" baseline="0" noProof="0">
+              <a:ln>
+                <a:noFill/>
+              </a:ln>
+              <a:solidFill>
+                <a:srgbClr val="FFFFFF"/>
+              </a:solidFill>
+              <a:effectLst/>
+              <a:uLnTx/>
+              <a:uFillTx/>
+              <a:latin typeface="Calibri"/>
+              <a:ea typeface="+mn-ea"/>
+              <a:cs typeface="+mn-cs"/>
+            </a:endParaRPr>
+          </a:p>
+        </p:txBody>
+      </p:sp>
+      <p:sp>
+        <p:nvSpPr>
+          <p:cNvPr id="40" name="Rectangle 39">
+            <a:extLst>
+              <a:ext uri="{FF2B5EF4-FFF2-40B4-BE49-F238E27FC236}">
+                <a16:creationId xmlns:a16="http://schemas.microsoft.com/office/drawing/2014/main" id="{D0E45599-3270-B9EC-E7B3-96B11C9CCB1F}"/>
+              </a:ext>
+              <a:ext uri="{C183D7F6-B498-43B3-948B-1728B52AA6E4}">
+                <adec:decorative xmlns:adec="http://schemas.microsoft.com/office/drawing/2017/decorative" val="1"/>
+              </a:ext>
+            </a:extLst>
+          </p:cNvPr>
+          <p:cNvSpPr>
+            <a:spLocks noGrp="1" noRot="1" noChangeAspect="1" noMove="1" noResize="1" noEditPoints="1" noAdjustHandles="1" noChangeArrowheads="1" noChangeShapeType="1" noTextEdit="1"/>
+          </p:cNvSpPr>
+          <p:nvPr>
+            <p:extLst>
+              <p:ext uri="{386F3935-93C4-4BCD-93E2-E3B085C9AB24}">
+                <p16:designElem xmlns:p16="http://schemas.microsoft.com/office/powerpoint/2015/main" val="1"/>
+              </p:ext>
+            </p:extLst>
+          </p:nvPr>
+        </p:nvSpPr>
+        <p:spPr>
+          <a:xfrm>
+            <a:off x="4241830" y="457200"/>
+            <a:ext cx="3703320" cy="91440"/>
+          </a:xfrm>
+          <a:prstGeom prst="rect">
+            <a:avLst/>
+          </a:prstGeom>
+          <a:solidFill>
+            <a:schemeClr val="accent1"/>
+          </a:solidFill>
+          <a:ln>
+            <a:noFill/>
+          </a:ln>
+          <a:effectLst/>
+        </p:spPr>
+        <p:style>
+          <a:lnRef idx="1">
+            <a:schemeClr val="accent1"/>
+          </a:lnRef>
+          <a:fillRef idx="3">
+            <a:schemeClr val="accent1"/>
+          </a:fillRef>
+          <a:effectRef idx="2">
+            <a:schemeClr val="accent1"/>
+          </a:effectRef>
+          <a:fontRef idx="minor">
+            <a:schemeClr val="lt1"/>
+          </a:fontRef>
+        </p:style>
+        <p:txBody>
+          <a:bodyPr/>
+          <a:lstStyle/>
+          <a:p>
+            <a:pPr marL="0" marR="0" lvl="0" indent="0" algn="l" defTabSz="457200" rtl="0" eaLnBrk="1" fontAlgn="auto" latinLnBrk="0" hangingPunct="1">
+              <a:lnSpc>
+                <a:spcPct val="100000"/>
+              </a:lnSpc>
+              <a:spcBef>
+                <a:spcPts val="0"/>
+              </a:spcBef>
+              <a:spcAft>
+                <a:spcPts val="0"/>
+              </a:spcAft>
+              <a:buClrTx/>
+              <a:buSzTx/>
+              <a:buFontTx/>
+              <a:buNone/>
+              <a:tabLst/>
+              <a:defRPr/>
+            </a:pPr>
+            <a:endParaRPr kumimoji="0" lang="en-US" sz="1800" b="0" i="0" u="none" strike="noStrike" kern="1200" cap="none" spc="0" normalizeH="0" baseline="0" noProof="0">
+              <a:ln>
+                <a:noFill/>
+              </a:ln>
+              <a:solidFill>
+                <a:srgbClr val="FFFFFF"/>
+              </a:solidFill>
+              <a:effectLst/>
+              <a:uLnTx/>
+              <a:uFillTx/>
+              <a:latin typeface="Calibri"/>
+              <a:ea typeface="+mn-ea"/>
+              <a:cs typeface="+mn-cs"/>
+            </a:endParaRPr>
+          </a:p>
+        </p:txBody>
+      </p:sp>
+      <p:sp>
+        <p:nvSpPr>
+          <p:cNvPr id="42" name="Rectangle 41">
+            <a:extLst>
+              <a:ext uri="{FF2B5EF4-FFF2-40B4-BE49-F238E27FC236}">
+                <a16:creationId xmlns:a16="http://schemas.microsoft.com/office/drawing/2014/main" id="{E610B4E0-B53B-554A-7989-798A79148613}"/>
+              </a:ext>
+              <a:ext uri="{C183D7F6-B498-43B3-948B-1728B52AA6E4}">
+                <adec:decorative xmlns:adec="http://schemas.microsoft.com/office/drawing/2017/decorative" val="1"/>
+              </a:ext>
+            </a:extLst>
+          </p:cNvPr>
+          <p:cNvSpPr>
+            <a:spLocks noGrp="1" noRot="1" noChangeAspect="1" noMove="1" noResize="1" noEditPoints="1" noAdjustHandles="1" noChangeArrowheads="1" noChangeShapeType="1" noTextEdit="1"/>
+          </p:cNvSpPr>
+          <p:nvPr>
+            <p:extLst>
+              <p:ext uri="{386F3935-93C4-4BCD-93E2-E3B085C9AB24}">
+                <p16:designElem xmlns:p16="http://schemas.microsoft.com/office/powerpoint/2015/main" val="1"/>
+              </p:ext>
+            </p:extLst>
+          </p:nvPr>
+        </p:nvSpPr>
+        <p:spPr>
+          <a:xfrm>
+            <a:off x="446534" y="3085764"/>
+            <a:ext cx="11298932" cy="3338149"/>
+          </a:xfrm>
+          <a:prstGeom prst="rect">
+            <a:avLst/>
+          </a:prstGeom>
+          <a:solidFill>
+            <a:srgbClr val="465359"/>
+          </a:solidFill>
+          <a:ln>
+            <a:noFill/>
+          </a:ln>
+          <a:effectLst/>
+        </p:spPr>
+        <p:style>
+          <a:lnRef idx="1">
+            <a:schemeClr val="accent1"/>
+          </a:lnRef>
+          <a:fillRef idx="3">
+            <a:schemeClr val="accent1"/>
+          </a:fillRef>
+          <a:effectRef idx="2">
+            <a:schemeClr val="accent1"/>
+          </a:effectRef>
+          <a:fontRef idx="minor">
+            <a:schemeClr val="lt1"/>
+          </a:fontRef>
+        </p:style>
+        <p:txBody>
+          <a:bodyPr/>
+          <a:lstStyle/>
+          <a:p>
+            <a:pPr marL="0" marR="0" lvl="0" indent="0" algn="l" defTabSz="457200" rtl="0" eaLnBrk="1" fontAlgn="auto" latinLnBrk="0" hangingPunct="1">
+              <a:lnSpc>
+                <a:spcPct val="100000"/>
+              </a:lnSpc>
+              <a:spcBef>
+                <a:spcPts val="0"/>
+              </a:spcBef>
+              <a:spcAft>
+                <a:spcPts val="0"/>
+              </a:spcAft>
+              <a:buClrTx/>
+              <a:buSzTx/>
+              <a:buFontTx/>
+              <a:buNone/>
+              <a:tabLst/>
+              <a:defRPr/>
+            </a:pPr>
+            <a:endParaRPr kumimoji="0" lang="en-US" sz="1800" b="0" i="0" u="none" strike="noStrike" kern="1200" cap="none" spc="0" normalizeH="0" baseline="0" noProof="0">
+              <a:ln>
+                <a:noFill/>
+              </a:ln>
+              <a:solidFill>
+                <a:srgbClr val="FFFFFF"/>
+              </a:solidFill>
+              <a:effectLst/>
+              <a:uLnTx/>
+              <a:uFillTx/>
+              <a:latin typeface="Calibri"/>
+              <a:ea typeface="+mn-ea"/>
+              <a:cs typeface="+mn-cs"/>
+            </a:endParaRPr>
+          </a:p>
+        </p:txBody>
+      </p:sp>
+      <p:sp useBgFill="1">
+        <p:nvSpPr>
+          <p:cNvPr id="44" name="Rectangle 43">
+            <a:extLst>
+              <a:ext uri="{FF2B5EF4-FFF2-40B4-BE49-F238E27FC236}">
+                <a16:creationId xmlns:a16="http://schemas.microsoft.com/office/drawing/2014/main" id="{DAC61DE9-DC21-F3E2-CE65-C77E9A817C98}"/>
+              </a:ext>
+              <a:ext uri="{C183D7F6-B498-43B3-948B-1728B52AA6E4}">
+                <adec:decorative xmlns:adec="http://schemas.microsoft.com/office/drawing/2017/decorative" val="1"/>
+              </a:ext>
+            </a:extLst>
+          </p:cNvPr>
+          <p:cNvSpPr>
+            <a:spLocks noGrp="1" noRot="1" noChangeAspect="1" noMove="1" noResize="1" noEditPoints="1" noAdjustHandles="1" noChangeArrowheads="1" noChangeShapeType="1" noTextEdit="1"/>
+          </p:cNvSpPr>
+          <p:nvPr>
+            <p:extLst>
+              <p:ext uri="{386F3935-93C4-4BCD-93E2-E3B085C9AB24}">
+                <p16:designElem xmlns:p16="http://schemas.microsoft.com/office/powerpoint/2015/main" val="1"/>
+              </p:ext>
+            </p:extLst>
+          </p:nvPr>
+        </p:nvSpPr>
+        <p:spPr>
+          <a:xfrm>
+            <a:off x="0" y="0"/>
+            <a:ext cx="12192000" cy="6858000"/>
+          </a:xfrm>
+          <a:prstGeom prst="rect">
+            <a:avLst/>
+          </a:prstGeom>
+          <a:ln>
+            <a:noFill/>
+          </a:ln>
+        </p:spPr>
+        <p:style>
+          <a:lnRef idx="2">
+            <a:schemeClr val="accent1">
+              <a:shade val="50000"/>
+            </a:schemeClr>
+          </a:lnRef>
+          <a:fillRef idx="1">
+            <a:schemeClr val="accent1"/>
+          </a:fillRef>
+          <a:effectRef idx="0">
+            <a:schemeClr val="accent1"/>
+          </a:effectRef>
+          <a:fontRef idx="minor">
+            <a:schemeClr val="lt1"/>
+          </a:fontRef>
+        </p:style>
+        <p:txBody>
+          <a:bodyPr rtlCol="0" anchor="ctr"/>
+          <a:lstStyle/>
+          <a:p>
+            <a:pPr marL="0" marR="0" lvl="0" indent="0" algn="ctr" defTabSz="457200" rtl="0" eaLnBrk="1" fontAlgn="auto" latinLnBrk="0" hangingPunct="1">
+              <a:lnSpc>
+                <a:spcPct val="100000"/>
+              </a:lnSpc>
+              <a:spcBef>
+                <a:spcPts val="0"/>
+              </a:spcBef>
+              <a:spcAft>
+                <a:spcPts val="0"/>
+              </a:spcAft>
+              <a:buClrTx/>
+              <a:buSzTx/>
+              <a:buFontTx/>
+              <a:buNone/>
+              <a:tabLst/>
+              <a:defRPr/>
+            </a:pPr>
+            <a:endParaRPr kumimoji="0" lang="en-US" sz="1800" b="0" i="0" u="none" strike="noStrike" kern="1200" cap="none" spc="0" normalizeH="0" baseline="0" noProof="0">
+              <a:ln>
+                <a:noFill/>
+              </a:ln>
+              <a:solidFill>
+                <a:srgbClr val="FFFFFF"/>
+              </a:solidFill>
+              <a:effectLst/>
+              <a:uLnTx/>
+              <a:uFillTx/>
+              <a:latin typeface="Calibri"/>
+              <a:ea typeface="+mn-ea"/>
+              <a:cs typeface="+mn-cs"/>
+            </a:endParaRPr>
+          </a:p>
+        </p:txBody>
+      </p:sp>
+      <p:sp>
+        <p:nvSpPr>
+          <p:cNvPr id="46" name="Rectangle 45">
+            <a:extLst>
+              <a:ext uri="{FF2B5EF4-FFF2-40B4-BE49-F238E27FC236}">
+                <a16:creationId xmlns:a16="http://schemas.microsoft.com/office/drawing/2014/main" id="{95ECF658-5DD9-AB10-7B96-D6AA50C48AD3}"/>
+              </a:ext>
+              <a:ext uri="{C183D7F6-B498-43B3-948B-1728B52AA6E4}">
+                <adec:decorative xmlns:adec="http://schemas.microsoft.com/office/drawing/2017/decorative" val="1"/>
+              </a:ext>
+            </a:extLst>
+          </p:cNvPr>
+          <p:cNvSpPr>
+            <a:spLocks noGrp="1" noRot="1" noChangeAspect="1" noMove="1" noResize="1" noEditPoints="1" noAdjustHandles="1" noChangeArrowheads="1" noChangeShapeType="1" noTextEdit="1"/>
+          </p:cNvSpPr>
+          <p:nvPr>
+            <p:extLst>
+              <p:ext uri="{386F3935-93C4-4BCD-93E2-E3B085C9AB24}">
+                <p16:designElem xmlns:p16="http://schemas.microsoft.com/office/powerpoint/2015/main" val="1"/>
+              </p:ext>
+            </p:extLst>
+          </p:nvPr>
+        </p:nvSpPr>
+        <p:spPr>
+          <a:xfrm>
+            <a:off x="509628" y="496959"/>
+            <a:ext cx="1106164" cy="5859735"/>
+          </a:xfrm>
+          <a:prstGeom prst="rect">
+            <a:avLst/>
+          </a:prstGeom>
+          <a:solidFill>
+            <a:srgbClr val="465359"/>
+          </a:solidFill>
+          <a:ln>
+            <a:noFill/>
+          </a:ln>
+          <a:effectLst/>
+        </p:spPr>
+        <p:style>
+          <a:lnRef idx="1">
+            <a:schemeClr val="accent1"/>
+          </a:lnRef>
+          <a:fillRef idx="3">
+            <a:schemeClr val="accent1"/>
+          </a:fillRef>
+          <a:effectRef idx="2">
+            <a:schemeClr val="accent1"/>
+          </a:effectRef>
+          <a:fontRef idx="minor">
+            <a:schemeClr val="lt1"/>
+          </a:fontRef>
+        </p:style>
+        <p:txBody>
+          <a:bodyPr/>
+          <a:lstStyle/>
+          <a:p>
+            <a:pPr marL="0" marR="0" lvl="0" indent="0" algn="l" defTabSz="457200" rtl="0" eaLnBrk="1" fontAlgn="auto" latinLnBrk="0" hangingPunct="1">
+              <a:lnSpc>
+                <a:spcPct val="100000"/>
+              </a:lnSpc>
+              <a:spcBef>
+                <a:spcPts val="0"/>
+              </a:spcBef>
+              <a:spcAft>
+                <a:spcPts val="0"/>
+              </a:spcAft>
+              <a:buClrTx/>
+              <a:buSzTx/>
+              <a:buFontTx/>
+              <a:buNone/>
+              <a:tabLst/>
+              <a:defRPr/>
+            </a:pPr>
+            <a:endParaRPr kumimoji="0" lang="en-US" sz="1800" b="0" i="0" u="none" strike="noStrike" kern="1200" cap="none" spc="0" normalizeH="0" baseline="0" noProof="0">
+              <a:ln>
+                <a:noFill/>
+              </a:ln>
+              <a:solidFill>
+                <a:srgbClr val="FFFFFF"/>
+              </a:solidFill>
+              <a:effectLst/>
+              <a:uLnTx/>
+              <a:uFillTx/>
+              <a:latin typeface="Calibri"/>
+              <a:ea typeface="+mn-ea"/>
+              <a:cs typeface="+mn-cs"/>
+            </a:endParaRPr>
+          </a:p>
+        </p:txBody>
+      </p:sp>
+      <p:sp>
+        <p:nvSpPr>
+          <p:cNvPr id="48" name="Rectangle 47">
+            <a:extLst>
+              <a:ext uri="{FF2B5EF4-FFF2-40B4-BE49-F238E27FC236}">
+                <a16:creationId xmlns:a16="http://schemas.microsoft.com/office/drawing/2014/main" id="{302C4760-8FF7-696D-8225-76CE962161AA}"/>
+              </a:ext>
+              <a:ext uri="{C183D7F6-B498-43B3-948B-1728B52AA6E4}">
+                <adec:decorative xmlns:adec="http://schemas.microsoft.com/office/drawing/2017/decorative" val="1"/>
+              </a:ext>
+            </a:extLst>
+          </p:cNvPr>
+          <p:cNvSpPr>
+            <a:spLocks noGrp="1" noRot="1" noChangeAspect="1" noMove="1" noResize="1" noEditPoints="1" noAdjustHandles="1" noChangeArrowheads="1" noChangeShapeType="1" noTextEdit="1"/>
+          </p:cNvSpPr>
+          <p:nvPr>
+            <p:extLst>
+              <p:ext uri="{386F3935-93C4-4BCD-93E2-E3B085C9AB24}">
+                <p16:designElem xmlns:p16="http://schemas.microsoft.com/office/powerpoint/2015/main" val="1"/>
+              </p:ext>
+            </p:extLst>
+          </p:nvPr>
+        </p:nvSpPr>
+        <p:spPr>
+          <a:xfrm>
+            <a:off x="1712856" y="496958"/>
+            <a:ext cx="9961047" cy="3678072"/>
+          </a:xfrm>
+          <a:prstGeom prst="rect">
+            <a:avLst/>
+          </a:prstGeom>
+          <a:solidFill>
+            <a:schemeClr val="accent1"/>
+          </a:solidFill>
+          <a:ln>
+            <a:noFill/>
+          </a:ln>
+          <a:effectLst/>
+        </p:spPr>
+        <p:style>
+          <a:lnRef idx="1">
+            <a:schemeClr val="accent1"/>
+          </a:lnRef>
+          <a:fillRef idx="3">
+            <a:schemeClr val="accent1"/>
+          </a:fillRef>
+          <a:effectRef idx="2">
+            <a:schemeClr val="accent1"/>
+          </a:effectRef>
+          <a:fontRef idx="minor">
+            <a:schemeClr val="lt1"/>
+          </a:fontRef>
+        </p:style>
+        <p:txBody>
+          <a:bodyPr/>
+          <a:lstStyle/>
+          <a:p>
+            <a:pPr marL="0" marR="0" lvl="0" indent="0" algn="l" defTabSz="457200" rtl="0" eaLnBrk="1" fontAlgn="auto" latinLnBrk="0" hangingPunct="1">
+              <a:lnSpc>
+                <a:spcPct val="100000"/>
+              </a:lnSpc>
+              <a:spcBef>
+                <a:spcPts val="0"/>
+              </a:spcBef>
+              <a:spcAft>
+                <a:spcPts val="0"/>
+              </a:spcAft>
+              <a:buClrTx/>
+              <a:buSzTx/>
+              <a:buFontTx/>
+              <a:buNone/>
+              <a:tabLst/>
+              <a:defRPr/>
+            </a:pPr>
+            <a:endParaRPr kumimoji="0" lang="en-US" sz="1800" b="0" i="0" u="none" strike="noStrike" kern="1200" cap="none" spc="0" normalizeH="0" baseline="0" noProof="0">
+              <a:ln>
+                <a:noFill/>
+              </a:ln>
+              <a:solidFill>
+                <a:srgbClr val="FFFFFF"/>
+              </a:solidFill>
+              <a:effectLst/>
+              <a:uLnTx/>
+              <a:uFillTx/>
+              <a:latin typeface="Calibri"/>
+              <a:ea typeface="+mn-ea"/>
+              <a:cs typeface="+mn-cs"/>
+            </a:endParaRPr>
+          </a:p>
+        </p:txBody>
+      </p:sp>
+      <mc:AlternateContent xmlns:mc="http://schemas.openxmlformats.org/markup-compatibility/2006">
+        <mc:Choice xmlns:a14="http://schemas.microsoft.com/office/drawing/2010/main" Requires="a14">
+          <p:sp>
+            <p:nvSpPr>
+              <p:cNvPr id="2" name="Title 1">
+                <a:extLst>
+                  <a:ext uri="{FF2B5EF4-FFF2-40B4-BE49-F238E27FC236}">
+                    <a16:creationId xmlns:a16="http://schemas.microsoft.com/office/drawing/2014/main" id="{2CCB8E72-55AC-68E9-7715-1D83E82EC5AB}"/>
+                  </a:ext>
+                </a:extLst>
+              </p:cNvPr>
+              <p:cNvSpPr>
+                <a:spLocks noGrp="1"/>
+              </p:cNvSpPr>
+              <p:nvPr>
+                <p:ph type="title"/>
+              </p:nvPr>
+            </p:nvSpPr>
+            <p:spPr>
+              <a:xfrm>
+                <a:off x="1893715" y="708498"/>
+                <a:ext cx="9691733" cy="3330055"/>
+              </a:xfrm>
+            </p:spPr>
+            <p:txBody>
+              <a:bodyPr vert="horz" lIns="91440" tIns="45720" rIns="91440" bIns="45720" rtlCol="0" anchor="ctr">
+                <a:normAutofit/>
+              </a:bodyPr>
+              <a:lstStyle/>
+              <a:p>
+                <a:r>
+                  <a:rPr lang="en-US" sz="6000" b="0" kern="1200" cap="all" dirty="0">
+                    <a:solidFill>
+                      <a:srgbClr val="FFFFFF"/>
+                    </a:solidFill>
+                    <a:latin typeface="+mj-lt"/>
+                    <a:ea typeface="+mj-ea"/>
+                    <a:cs typeface="+mj-cs"/>
+                  </a:rPr>
+                  <a:t>2.1.3 </a:t>
+                </a:r>
+                <a14:m>
+                  <m:oMath xmlns:m="http://schemas.openxmlformats.org/officeDocument/2006/math">
+                    <m:r>
+                      <a:rPr lang="en-US" sz="6000" b="0" i="1" kern="1200" cap="all" smtClean="0">
+                        <a:solidFill>
+                          <a:srgbClr val="FFFFFF"/>
+                        </a:solidFill>
+                        <a:latin typeface="Cambria Math" panose="02040503050406030204" pitchFamily="18" charset="0"/>
+                        <a:ea typeface="+mj-ea"/>
+                        <a:cs typeface="+mj-cs"/>
+                      </a:rPr>
+                      <m:t>𝐻𝑌𝑃𝑂𝑇𝐻𝐸𝑆𝐼𝑆</m:t>
+                    </m:r>
+                    <m:r>
+                      <a:rPr lang="en-US" sz="6000" b="0" i="1" kern="1200" cap="all" smtClean="0">
+                        <a:solidFill>
+                          <a:srgbClr val="FFFFFF"/>
+                        </a:solidFill>
+                        <a:latin typeface="Cambria Math" panose="02040503050406030204" pitchFamily="18" charset="0"/>
+                        <a:ea typeface="+mj-ea"/>
+                        <a:cs typeface="+mj-cs"/>
+                      </a:rPr>
+                      <m:t> </m:t>
+                    </m:r>
+                    <m:r>
+                      <a:rPr lang="en-US" sz="6000" b="0" i="1" kern="1200" cap="all" smtClean="0">
+                        <a:solidFill>
+                          <a:srgbClr val="FFFFFF"/>
+                        </a:solidFill>
+                        <a:latin typeface="Cambria Math" panose="02040503050406030204" pitchFamily="18" charset="0"/>
+                        <a:ea typeface="+mj-ea"/>
+                        <a:cs typeface="+mj-cs"/>
+                      </a:rPr>
+                      <m:t>𝑇𝐸𝑆𝑇</m:t>
+                    </m:r>
+                  </m:oMath>
+                </a14:m>
+                <a:endParaRPr lang="en-US" sz="6000" b="0" kern="1200" cap="all" dirty="0">
+                  <a:solidFill>
+                    <a:srgbClr val="FFFFFF"/>
+                  </a:solidFill>
+                  <a:latin typeface="+mj-lt"/>
+                  <a:ea typeface="+mj-ea"/>
+                  <a:cs typeface="+mj-cs"/>
+                </a:endParaRPr>
+              </a:p>
+            </p:txBody>
+          </p:sp>
+        </mc:Choice>
+        <mc:Fallback>
+          <p:sp>
+            <p:nvSpPr>
+              <p:cNvPr id="2" name="Title 1">
+                <a:extLst>
+                  <a:ext uri="{FF2B5EF4-FFF2-40B4-BE49-F238E27FC236}">
+                    <a16:creationId xmlns:a16="http://schemas.microsoft.com/office/drawing/2014/main" id="{2CCB8E72-55AC-68E9-7715-1D83E82EC5AB}"/>
+                  </a:ext>
+                </a:extLst>
+              </p:cNvPr>
+              <p:cNvSpPr>
+                <a:spLocks noGrp="1" noRot="1" noChangeAspect="1" noMove="1" noResize="1" noEditPoints="1" noAdjustHandles="1" noChangeArrowheads="1" noChangeShapeType="1" noTextEdit="1"/>
+              </p:cNvSpPr>
+              <p:nvPr>
+                <p:ph type="title"/>
+              </p:nvPr>
+            </p:nvSpPr>
+            <p:spPr>
+              <a:xfrm>
+                <a:off x="1893715" y="708498"/>
+                <a:ext cx="9691733" cy="3330055"/>
+              </a:xfrm>
+              <a:blipFill>
+                <a:blip r:embed="rId2"/>
+                <a:stretch>
+                  <a:fillRect l="-3836"/>
+                </a:stretch>
+              </a:blipFill>
+            </p:spPr>
+            <p:txBody>
+              <a:bodyPr/>
+              <a:lstStyle/>
+              <a:p>
+                <a:r>
+                  <a:rPr lang="en-US">
+                    <a:noFill/>
+                  </a:rPr>
+                  <a:t> </a:t>
+                </a:r>
+              </a:p>
+            </p:txBody>
+          </p:sp>
+        </mc:Fallback>
+      </mc:AlternateContent>
+      <p:sp>
+        <p:nvSpPr>
+          <p:cNvPr id="50" name="Rectangle 49">
+            <a:extLst>
+              <a:ext uri="{FF2B5EF4-FFF2-40B4-BE49-F238E27FC236}">
+                <a16:creationId xmlns:a16="http://schemas.microsoft.com/office/drawing/2014/main" id="{B7569BE4-30EE-4C44-2AF7-D6E8264471FA}"/>
+              </a:ext>
+              <a:ext uri="{C183D7F6-B498-43B3-948B-1728B52AA6E4}">
+                <adec:decorative xmlns:adec="http://schemas.microsoft.com/office/drawing/2017/decorative" val="1"/>
+              </a:ext>
+            </a:extLst>
+          </p:cNvPr>
+          <p:cNvSpPr>
+            <a:spLocks noGrp="1" noRot="1" noChangeAspect="1" noMove="1" noResize="1" noEditPoints="1" noAdjustHandles="1" noChangeArrowheads="1" noChangeShapeType="1" noTextEdit="1"/>
+          </p:cNvSpPr>
+          <p:nvPr>
+            <p:extLst>
+              <p:ext uri="{386F3935-93C4-4BCD-93E2-E3B085C9AB24}">
+                <p16:designElem xmlns:p16="http://schemas.microsoft.com/office/powerpoint/2015/main" val="1"/>
+              </p:ext>
+            </p:extLst>
+          </p:nvPr>
+        </p:nvSpPr>
+        <p:spPr>
+          <a:xfrm>
+            <a:off x="1712789" y="4284212"/>
+            <a:ext cx="9961115" cy="2072481"/>
+          </a:xfrm>
+          <a:prstGeom prst="rect">
+            <a:avLst/>
+          </a:prstGeom>
+          <a:solidFill>
+            <a:srgbClr val="6C7781">
+              <a:alpha val="80000"/>
+            </a:srgbClr>
+          </a:solidFill>
+          <a:ln>
+            <a:noFill/>
+          </a:ln>
+          <a:effectLst/>
+        </p:spPr>
+        <p:style>
+          <a:lnRef idx="1">
+            <a:schemeClr val="accent1"/>
+          </a:lnRef>
+          <a:fillRef idx="3">
+            <a:schemeClr val="accent1"/>
+          </a:fillRef>
+          <a:effectRef idx="2">
+            <a:schemeClr val="accent1"/>
+          </a:effectRef>
+          <a:fontRef idx="minor">
+            <a:schemeClr val="lt1"/>
+          </a:fontRef>
+        </p:style>
+        <p:txBody>
+          <a:bodyPr/>
+          <a:lstStyle/>
+          <a:p>
+            <a:pPr marL="0" marR="0" lvl="0" indent="0" algn="l" defTabSz="457200" rtl="0" eaLnBrk="1" fontAlgn="auto" latinLnBrk="0" hangingPunct="1">
+              <a:lnSpc>
+                <a:spcPct val="100000"/>
+              </a:lnSpc>
+              <a:spcBef>
+                <a:spcPts val="0"/>
+              </a:spcBef>
+              <a:spcAft>
+                <a:spcPts val="0"/>
+              </a:spcAft>
+              <a:buClrTx/>
+              <a:buSzTx/>
+              <a:buFontTx/>
+              <a:buNone/>
+              <a:tabLst/>
+              <a:defRPr/>
+            </a:pPr>
+            <a:endParaRPr kumimoji="0" lang="en-US" sz="1800" b="0" i="0" u="none" strike="noStrike" kern="1200" cap="none" spc="0" normalizeH="0" baseline="0" noProof="0">
+              <a:ln>
+                <a:noFill/>
+              </a:ln>
+              <a:solidFill>
+                <a:srgbClr val="FFFFFF"/>
+              </a:solidFill>
+              <a:effectLst/>
+              <a:uLnTx/>
+              <a:uFillTx/>
+              <a:latin typeface="Calibri"/>
+              <a:ea typeface="+mn-ea"/>
+              <a:cs typeface="+mn-cs"/>
+            </a:endParaRPr>
+          </a:p>
+        </p:txBody>
+      </p:sp>
+    </p:spTree>
+    <p:extLst>
+      <p:ext uri="{BB962C8B-B14F-4D97-AF65-F5344CB8AC3E}">
+        <p14:creationId xmlns:p14="http://schemas.microsoft.com/office/powerpoint/2010/main" val="3775866794"/>
+      </p:ext>
+    </p:extLst>
+  </p:cSld>
+  <p:clrMapOvr>
+    <a:masterClrMapping/>
+  </p:clrMapOvr>
+  <p:timing>
+    <p:tnLst>
+      <p:par>
+        <p:cTn id="1" dur="indefinite" restart="never" nodeType="tmRoot">
+          <p:childTnLst>
+            <p:seq concurrent="1" nextAc="seek">
+              <p:cTn id="2" dur="indefinite" nodeType="mainSeq">
+                <p:childTnLst>
+                  <p:par>
+                    <p:cTn id="3" fill="hold">
+                      <p:stCondLst>
+                        <p:cond delay="indefinite"/>
+                        <p:cond evt="onBegin" delay="0">
+                          <p:tn val="2"/>
+                        </p:cond>
+                      </p:stCondLst>
+                      <p:childTnLst>
+                        <p:par>
+                          <p:cTn id="4" fill="hold">
+                            <p:stCondLst>
+                              <p:cond delay="0"/>
+                            </p:stCondLst>
+                            <p:childTnLst>
+                              <p:par>
+                                <p:cTn id="5" presetID="10" presetClass="entr" presetSubtype="0" fill="hold" grpId="0" nodeType="withEffect">
+                                  <p:stCondLst>
+                                    <p:cond delay="500"/>
+                                  </p:stCondLst>
+                                  <p:iterate type="wd">
+                                    <p:tmPct val="15000"/>
+                                  </p:iterate>
+                                  <p:childTnLst>
+                                    <p:set>
+                                      <p:cBhvr>
+                                        <p:cTn id="6" dur="1" fill="hold">
+                                          <p:stCondLst>
+                                            <p:cond delay="0"/>
+                                          </p:stCondLst>
+                                        </p:cTn>
+                                        <p:tgtEl>
+                                          <p:spTgt spid="2"/>
+                                        </p:tgtEl>
+                                        <p:attrNameLst>
+                                          <p:attrName>style.visibility</p:attrName>
+                                        </p:attrNameLst>
+                                      </p:cBhvr>
+                                      <p:to>
+                                        <p:strVal val="visible"/>
+                                      </p:to>
+                                    </p:set>
+                                    <p:animEffect transition="in" filter="fade">
+                                      <p:cBhvr>
+                                        <p:cTn id="7" dur="1000"/>
+                                        <p:tgtEl>
+                                          <p:spTgt spid="2"/>
+                                        </p:tgtEl>
+                                      </p:cBhvr>
+                                    </p:animEffect>
+                                  </p:childTnLst>
+                                </p:cTn>
+                              </p:par>
+                            </p:childTnLst>
+                          </p:cTn>
+                        </p:par>
+                      </p:childTnLst>
+                    </p:cTn>
+                  </p:par>
+                </p:childTnLst>
+              </p:cTn>
+              <p:prevCondLst>
+                <p:cond evt="onPrev" delay="0">
+                  <p:tgtEl>
+                    <p:sldTgt/>
+                  </p:tgtEl>
+                </p:cond>
+              </p:prevCondLst>
+              <p:nextCondLst>
+                <p:cond evt="onNext" delay="0">
+                  <p:tgtEl>
+                    <p:sldTgt/>
+                  </p:tgtEl>
+                </p:cond>
+              </p:nextCondLst>
+            </p:seq>
+          </p:childTnLst>
+        </p:cTn>
+      </p:par>
+    </p:tnLst>
+    <p:bldLst>
+      <p:bldP spid="2" grpId="0"/>
+    </p:bldLst>
+  </p:timing>
+</p:sld>
+</file>
+
+<file path=ppt/slides/slide27.xml><?xml version="1.0" encoding="utf-8"?>
+<p:sld xmlns:a="http://schemas.openxmlformats.org/drawingml/2006/main" xmlns:r="http://schemas.openxmlformats.org/officeDocument/2006/relationships" xmlns:p="http://schemas.openxmlformats.org/presentationml/2006/main">
+  <p:cSld>
+    <p:spTree>
+      <p:nvGrpSpPr>
+        <p:cNvPr id="1" name="">
+          <a:extLst>
+            <a:ext uri="{FF2B5EF4-FFF2-40B4-BE49-F238E27FC236}">
+              <a16:creationId xmlns:a16="http://schemas.microsoft.com/office/drawing/2014/main" id="{524F38A4-8F20-6AF3-AEBE-53F7FD53EBD0}"/>
+            </a:ext>
+          </a:extLst>
+        </p:cNvPr>
+        <p:cNvGrpSpPr/>
+        <p:nvPr/>
+      </p:nvGrpSpPr>
+      <p:grpSpPr>
+        <a:xfrm>
+          <a:off x="0" y="0"/>
+          <a:ext cx="0" cy="0"/>
+          <a:chOff x="0" y="0"/>
+          <a:chExt cx="0" cy="0"/>
+        </a:xfrm>
+      </p:grpSpPr>
+      <mc:AlternateContent xmlns:mc="http://schemas.openxmlformats.org/markup-compatibility/2006">
+        <mc:Choice xmlns:a14="http://schemas.microsoft.com/office/drawing/2010/main" Requires="a14">
+          <p:sp>
+            <p:nvSpPr>
+              <p:cNvPr id="3" name="Title 1">
+                <a:extLst>
+                  <a:ext uri="{FF2B5EF4-FFF2-40B4-BE49-F238E27FC236}">
+                    <a16:creationId xmlns:a16="http://schemas.microsoft.com/office/drawing/2014/main" id="{A33751E9-CF9E-3C7B-8081-0456B75B83AA}"/>
+                  </a:ext>
+                </a:extLst>
+              </p:cNvPr>
+              <p:cNvSpPr txBox="1">
+                <a:spLocks/>
+              </p:cNvSpPr>
+              <p:nvPr/>
+            </p:nvSpPr>
+            <p:spPr>
+              <a:xfrm>
+                <a:off x="581192" y="702157"/>
+                <a:ext cx="11029616" cy="558608"/>
+              </a:xfrm>
+              <a:prstGeom prst="rect">
+                <a:avLst/>
+              </a:prstGeom>
+            </p:spPr>
+            <p:txBody>
+              <a:bodyPr vert="horz" lIns="91440" tIns="45720" rIns="91440" bIns="45720" rtlCol="0" anchor="b">
+                <a:normAutofit/>
+              </a:bodyPr>
+              <a:lstStyle>
+                <a:lvl1pPr algn="l" defTabSz="457200" rtl="0" eaLnBrk="1" latinLnBrk="0" hangingPunct="1">
+                  <a:lnSpc>
+                    <a:spcPct val="100000"/>
+                  </a:lnSpc>
+                  <a:spcBef>
+                    <a:spcPct val="0"/>
+                  </a:spcBef>
+                  <a:buNone/>
+                  <a:defRPr sz="2800" b="0" kern="1200" cap="all">
+                    <a:solidFill>
+                      <a:schemeClr val="tx1">
+                        <a:lumMod val="75000"/>
+                        <a:lumOff val="25000"/>
+                      </a:schemeClr>
+                    </a:solidFill>
+                    <a:latin typeface="+mj-lt"/>
+                    <a:ea typeface="+mj-ea"/>
+                    <a:cs typeface="+mj-cs"/>
+                  </a:defRPr>
+                </a:lvl1pPr>
+                <a:lvl2pPr eaLnBrk="1" hangingPunct="1">
+                  <a:defRPr>
+                    <a:solidFill>
+                      <a:schemeClr val="tx2"/>
+                    </a:solidFill>
+                  </a:defRPr>
+                </a:lvl2pPr>
+                <a:lvl3pPr eaLnBrk="1" hangingPunct="1">
+                  <a:defRPr>
+                    <a:solidFill>
+                      <a:schemeClr val="tx2"/>
+                    </a:solidFill>
+                  </a:defRPr>
+                </a:lvl3pPr>
+                <a:lvl4pPr eaLnBrk="1" hangingPunct="1">
+                  <a:defRPr>
+                    <a:solidFill>
+                      <a:schemeClr val="tx2"/>
+                    </a:solidFill>
+                  </a:defRPr>
+                </a:lvl4pPr>
+                <a:lvl5pPr eaLnBrk="1" hangingPunct="1">
+                  <a:defRPr>
+                    <a:solidFill>
+                      <a:schemeClr val="tx2"/>
+                    </a:solidFill>
+                  </a:defRPr>
+                </a:lvl5pPr>
+                <a:lvl6pPr eaLnBrk="1" hangingPunct="1">
+                  <a:defRPr>
+                    <a:solidFill>
+                      <a:schemeClr val="tx2"/>
+                    </a:solidFill>
+                  </a:defRPr>
+                </a:lvl6pPr>
+                <a:lvl7pPr eaLnBrk="1" hangingPunct="1">
+                  <a:defRPr>
+                    <a:solidFill>
+                      <a:schemeClr val="tx2"/>
+                    </a:solidFill>
+                  </a:defRPr>
+                </a:lvl7pPr>
+                <a:lvl8pPr eaLnBrk="1" hangingPunct="1">
+                  <a:defRPr>
+                    <a:solidFill>
+                      <a:schemeClr val="tx2"/>
+                    </a:solidFill>
+                  </a:defRPr>
+                </a:lvl8pPr>
+                <a:lvl9pPr eaLnBrk="1" hangingPunct="1">
+                  <a:defRPr>
+                    <a:solidFill>
+                      <a:schemeClr val="tx2"/>
+                    </a:solidFill>
+                  </a:defRPr>
+                </a:lvl9pPr>
+              </a:lstStyle>
+              <a:p>
+                <a:r>
+                  <a:rPr lang="en-US" dirty="0"/>
+                  <a:t>HYPOTHESIS TEST for </a:t>
+                </a:r>
+                <a14:m>
+                  <m:oMath xmlns:m="http://schemas.openxmlformats.org/officeDocument/2006/math">
+                    <m:sSub>
+                      <m:sSubPr>
+                        <m:ctrlPr>
+                          <a:rPr lang="en-US" i="1" smtClean="0">
+                            <a:latin typeface="Cambria Math" panose="02040503050406030204" pitchFamily="18" charset="0"/>
+                          </a:rPr>
+                        </m:ctrlPr>
+                      </m:sSubPr>
+                      <m:e>
+                        <m:r>
+                          <a:rPr lang="en-US" i="1" smtClean="0">
+                            <a:latin typeface="Cambria Math" panose="02040503050406030204" pitchFamily="18" charset="0"/>
+                          </a:rPr>
+                          <m:t>𝑏</m:t>
+                        </m:r>
+                      </m:e>
+                      <m:sub>
+                        <m:r>
+                          <a:rPr lang="en-US" b="0" i="1" smtClean="0">
+                            <a:latin typeface="Cambria Math" panose="02040503050406030204" pitchFamily="18" charset="0"/>
+                          </a:rPr>
+                          <m:t>1</m:t>
+                        </m:r>
+                      </m:sub>
+                    </m:sSub>
+                  </m:oMath>
+                </a14:m>
+                <a:endParaRPr lang="en-US" dirty="0"/>
+              </a:p>
+            </p:txBody>
+          </p:sp>
+        </mc:Choice>
+        <mc:Fallback>
+          <p:sp>
+            <p:nvSpPr>
+              <p:cNvPr id="3" name="Title 1">
+                <a:extLst>
+                  <a:ext uri="{FF2B5EF4-FFF2-40B4-BE49-F238E27FC236}">
+                    <a16:creationId xmlns:a16="http://schemas.microsoft.com/office/drawing/2014/main" id="{A33751E9-CF9E-3C7B-8081-0456B75B83AA}"/>
+                  </a:ext>
+                </a:extLst>
+              </p:cNvPr>
+              <p:cNvSpPr txBox="1">
+                <a:spLocks noRot="1" noChangeAspect="1" noMove="1" noResize="1" noEditPoints="1" noAdjustHandles="1" noChangeArrowheads="1" noChangeShapeType="1" noTextEdit="1"/>
+              </p:cNvSpPr>
+              <p:nvPr/>
+            </p:nvSpPr>
+            <p:spPr>
+              <a:xfrm>
+                <a:off x="581192" y="702157"/>
+                <a:ext cx="11029616" cy="558608"/>
+              </a:xfrm>
+              <a:prstGeom prst="rect">
+                <a:avLst/>
+              </a:prstGeom>
+              <a:blipFill>
+                <a:blip r:embed="rId2"/>
+                <a:stretch>
+                  <a:fillRect l="-1105" t="-3261" b="-31522"/>
+                </a:stretch>
+              </a:blipFill>
+            </p:spPr>
+            <p:txBody>
+              <a:bodyPr/>
+              <a:lstStyle/>
+              <a:p>
+                <a:r>
+                  <a:rPr lang="en-US">
+                    <a:noFill/>
+                  </a:rPr>
+                  <a:t> </a:t>
+                </a:r>
+              </a:p>
+            </p:txBody>
+          </p:sp>
+        </mc:Fallback>
+      </mc:AlternateContent>
+      <mc:AlternateContent xmlns:mc="http://schemas.openxmlformats.org/markup-compatibility/2006">
+        <mc:Choice xmlns:a14="http://schemas.microsoft.com/office/drawing/2010/main" Requires="a14">
+          <p:sp>
+            <p:nvSpPr>
+              <p:cNvPr id="6" name="TextBox 5">
+                <a:extLst>
+                  <a:ext uri="{FF2B5EF4-FFF2-40B4-BE49-F238E27FC236}">
+                    <a16:creationId xmlns:a16="http://schemas.microsoft.com/office/drawing/2014/main" id="{14EB9604-2595-A6A6-BB88-71B8F1451F8F}"/>
+                  </a:ext>
+                </a:extLst>
+              </p:cNvPr>
+              <p:cNvSpPr txBox="1"/>
+              <p:nvPr/>
+            </p:nvSpPr>
+            <p:spPr>
+              <a:xfrm>
+                <a:off x="657393" y="2768734"/>
+                <a:ext cx="10474476" cy="830997"/>
+              </a:xfrm>
+              <a:prstGeom prst="rect">
+                <a:avLst/>
+              </a:prstGeom>
+              <a:noFill/>
+            </p:spPr>
+            <p:txBody>
+              <a:bodyPr wrap="square">
+                <a:spAutoFit/>
+              </a:bodyPr>
+              <a:lstStyle/>
+              <a:p>
+                <a:pPr marL="0" indent="0" algn="l">
+                  <a:buNone/>
+                </a:pPr>
+                <a14:m>
+                  <m:oMathPara xmlns:m="http://schemas.openxmlformats.org/officeDocument/2006/math">
+                    <m:oMathParaPr>
+                      <m:jc m:val="centerGroup"/>
+                    </m:oMathParaPr>
+                    <m:oMath xmlns:m="http://schemas.openxmlformats.org/officeDocument/2006/math">
+                      <m:sSub>
+                        <m:sSubPr>
+                          <m:ctrlPr>
+                            <a:rPr lang="en-US" sz="2400" b="0" i="1" smtClean="0">
+                              <a:latin typeface="Cambria Math" panose="02040503050406030204" pitchFamily="18" charset="0"/>
+                            </a:rPr>
+                          </m:ctrlPr>
+                        </m:sSubPr>
+                        <m:e>
+                          <m:r>
+                            <a:rPr lang="en-US" sz="2400" b="0" i="1" smtClean="0">
+                              <a:latin typeface="Cambria Math" panose="02040503050406030204" pitchFamily="18" charset="0"/>
+                            </a:rPr>
+                            <m:t>𝐻</m:t>
+                          </m:r>
+                        </m:e>
+                        <m:sub>
+                          <m:r>
+                            <a:rPr lang="en-US" sz="2400" b="0" i="1" smtClean="0">
+                              <a:latin typeface="Cambria Math" panose="02040503050406030204" pitchFamily="18" charset="0"/>
+                            </a:rPr>
+                            <m:t>0</m:t>
+                          </m:r>
+                        </m:sub>
+                      </m:sSub>
+                      <m:r>
+                        <a:rPr lang="en-US" sz="2400" b="0" i="1" smtClean="0">
+                          <a:latin typeface="Cambria Math" panose="02040503050406030204" pitchFamily="18" charset="0"/>
+                        </a:rPr>
+                        <m:t>:</m:t>
+                      </m:r>
+                      <m:sSub>
+                        <m:sSubPr>
+                          <m:ctrlPr>
+                            <a:rPr lang="en-US" sz="2400" b="0" i="1" smtClean="0">
+                              <a:latin typeface="Cambria Math" panose="02040503050406030204" pitchFamily="18" charset="0"/>
+                            </a:rPr>
+                          </m:ctrlPr>
+                        </m:sSubPr>
+                        <m:e>
+                          <m:r>
+                            <a:rPr lang="en-US" sz="2400" b="0" i="1" smtClean="0">
+                              <a:latin typeface="Cambria Math" panose="02040503050406030204" pitchFamily="18" charset="0"/>
+                            </a:rPr>
+                            <m:t>𝑏</m:t>
+                          </m:r>
+                        </m:e>
+                        <m:sub>
+                          <m:r>
+                            <a:rPr lang="en-US" sz="2400" b="0" i="1" smtClean="0">
+                              <a:latin typeface="Cambria Math" panose="02040503050406030204" pitchFamily="18" charset="0"/>
+                            </a:rPr>
+                            <m:t>1</m:t>
+                          </m:r>
+                        </m:sub>
+                      </m:sSub>
+                      <m:r>
+                        <a:rPr lang="en-US" sz="2400" b="0" i="1" smtClean="0">
+                          <a:latin typeface="Cambria Math" panose="02040503050406030204" pitchFamily="18" charset="0"/>
+                        </a:rPr>
+                        <m:t>=0</m:t>
+                      </m:r>
+                    </m:oMath>
+                  </m:oMathPara>
+                </a14:m>
+                <a:endParaRPr lang="en-US" sz="2400" b="0" dirty="0"/>
+              </a:p>
+              <a:p>
+                <a:pPr marL="0" indent="0" algn="l">
+                  <a:buNone/>
+                </a:pPr>
+                <a14:m>
+                  <m:oMathPara xmlns:m="http://schemas.openxmlformats.org/officeDocument/2006/math">
+                    <m:oMathParaPr>
+                      <m:jc m:val="centerGroup"/>
+                    </m:oMathParaPr>
+                    <m:oMath xmlns:m="http://schemas.openxmlformats.org/officeDocument/2006/math">
+                      <m:sSub>
+                        <m:sSubPr>
+                          <m:ctrlPr>
+                            <a:rPr lang="en-US" sz="2400" b="0" i="1" smtClean="0">
+                              <a:latin typeface="Cambria Math" panose="02040503050406030204" pitchFamily="18" charset="0"/>
+                            </a:rPr>
+                          </m:ctrlPr>
+                        </m:sSubPr>
+                        <m:e>
+                          <m:r>
+                            <a:rPr lang="en-US" sz="2400" b="0" i="1" smtClean="0">
+                              <a:latin typeface="Cambria Math" panose="02040503050406030204" pitchFamily="18" charset="0"/>
+                            </a:rPr>
+                            <m:t>𝐻</m:t>
+                          </m:r>
+                        </m:e>
+                        <m:sub>
+                          <m:r>
+                            <a:rPr lang="en-US" sz="2400" b="0" i="1" smtClean="0">
+                              <a:latin typeface="Cambria Math" panose="02040503050406030204" pitchFamily="18" charset="0"/>
+                            </a:rPr>
+                            <m:t>1</m:t>
+                          </m:r>
+                        </m:sub>
+                      </m:sSub>
+                      <m:r>
+                        <a:rPr lang="en-US" sz="2400" b="0" i="1" smtClean="0">
+                          <a:latin typeface="Cambria Math" panose="02040503050406030204" pitchFamily="18" charset="0"/>
+                        </a:rPr>
+                        <m:t>:</m:t>
+                      </m:r>
+                      <m:sSub>
+                        <m:sSubPr>
+                          <m:ctrlPr>
+                            <a:rPr lang="en-US" sz="2400" b="0" i="1" smtClean="0">
+                              <a:latin typeface="Cambria Math" panose="02040503050406030204" pitchFamily="18" charset="0"/>
+                            </a:rPr>
+                          </m:ctrlPr>
+                        </m:sSubPr>
+                        <m:e>
+                          <m:r>
+                            <a:rPr lang="en-US" sz="2400" b="0" i="1" smtClean="0">
+                              <a:latin typeface="Cambria Math" panose="02040503050406030204" pitchFamily="18" charset="0"/>
+                            </a:rPr>
+                            <m:t>𝑏</m:t>
+                          </m:r>
+                        </m:e>
+                        <m:sub>
+                          <m:r>
+                            <a:rPr lang="en-US" sz="2400" b="0" i="1" smtClean="0">
+                              <a:latin typeface="Cambria Math" panose="02040503050406030204" pitchFamily="18" charset="0"/>
+                            </a:rPr>
+                            <m:t>1</m:t>
+                          </m:r>
+                        </m:sub>
+                      </m:sSub>
+                      <m:r>
+                        <a:rPr lang="en-US" sz="2400" b="0" i="1" smtClean="0">
+                          <a:latin typeface="Cambria Math" panose="02040503050406030204" pitchFamily="18" charset="0"/>
+                        </a:rPr>
+                        <m:t> </m:t>
+                      </m:r>
+                      <m:r>
+                        <a:rPr lang="en-US" sz="2400" b="0" i="1" smtClean="0">
+                          <a:latin typeface="Cambria Math" panose="02040503050406030204" pitchFamily="18" charset="0"/>
+                          <a:ea typeface="Cambria Math" panose="02040503050406030204" pitchFamily="18" charset="0"/>
+                        </a:rPr>
+                        <m:t>≠</m:t>
+                      </m:r>
+                      <m:r>
+                        <a:rPr lang="en-US" sz="2400" b="0" i="1" smtClean="0">
+                          <a:latin typeface="Cambria Math" panose="02040503050406030204" pitchFamily="18" charset="0"/>
+                        </a:rPr>
+                        <m:t>0</m:t>
+                      </m:r>
+                    </m:oMath>
+                  </m:oMathPara>
+                </a14:m>
+                <a:endParaRPr lang="en-US" sz="2400" dirty="0"/>
+              </a:p>
+            </p:txBody>
+          </p:sp>
+        </mc:Choice>
+        <mc:Fallback>
+          <p:sp>
+            <p:nvSpPr>
+              <p:cNvPr id="6" name="TextBox 5">
+                <a:extLst>
+                  <a:ext uri="{FF2B5EF4-FFF2-40B4-BE49-F238E27FC236}">
+                    <a16:creationId xmlns:a16="http://schemas.microsoft.com/office/drawing/2014/main" id="{14EB9604-2595-A6A6-BB88-71B8F1451F8F}"/>
+                  </a:ext>
+                </a:extLst>
+              </p:cNvPr>
+              <p:cNvSpPr txBox="1">
+                <a:spLocks noRot="1" noChangeAspect="1" noMove="1" noResize="1" noEditPoints="1" noAdjustHandles="1" noChangeArrowheads="1" noChangeShapeType="1" noTextEdit="1"/>
+              </p:cNvSpPr>
+              <p:nvPr/>
+            </p:nvSpPr>
+            <p:spPr>
+              <a:xfrm>
+                <a:off x="657393" y="2768734"/>
+                <a:ext cx="10474476" cy="830997"/>
+              </a:xfrm>
+              <a:prstGeom prst="rect">
+                <a:avLst/>
+              </a:prstGeom>
+              <a:blipFill>
+                <a:blip r:embed="rId3"/>
+                <a:stretch>
+                  <a:fillRect/>
+                </a:stretch>
+              </a:blipFill>
+            </p:spPr>
+            <p:txBody>
+              <a:bodyPr/>
+              <a:lstStyle/>
+              <a:p>
+                <a:r>
+                  <a:rPr lang="en-US">
+                    <a:noFill/>
+                  </a:rPr>
+                  <a:t> </a:t>
+                </a:r>
+              </a:p>
+            </p:txBody>
+          </p:sp>
+        </mc:Fallback>
+      </mc:AlternateContent>
+      <mc:AlternateContent xmlns:mc="http://schemas.openxmlformats.org/markup-compatibility/2006">
+        <mc:Choice xmlns:a14="http://schemas.microsoft.com/office/drawing/2010/main" Requires="a14">
+          <p:sp>
+            <p:nvSpPr>
+              <p:cNvPr id="7" name="TextBox 6">
+                <a:extLst>
+                  <a:ext uri="{FF2B5EF4-FFF2-40B4-BE49-F238E27FC236}">
+                    <a16:creationId xmlns:a16="http://schemas.microsoft.com/office/drawing/2014/main" id="{71F403A0-D78B-0B94-D72D-95A2518E7F15}"/>
+                  </a:ext>
+                </a:extLst>
+              </p:cNvPr>
+              <p:cNvSpPr txBox="1"/>
+              <p:nvPr/>
+            </p:nvSpPr>
+            <p:spPr>
+              <a:xfrm>
+                <a:off x="748145" y="1599251"/>
+                <a:ext cx="10612582" cy="830997"/>
+              </a:xfrm>
+              <a:prstGeom prst="rect">
+                <a:avLst/>
+              </a:prstGeom>
+              <a:noFill/>
+            </p:spPr>
+            <p:txBody>
+              <a:bodyPr wrap="square" rtlCol="0">
+                <a:spAutoFit/>
+              </a:bodyPr>
+              <a:lstStyle/>
+              <a:p>
+                <a:r>
+                  <a:rPr lang="en-US" sz="2400" dirty="0"/>
+                  <a:t>If the </a:t>
+                </a:r>
+                <a14:m>
+                  <m:oMath xmlns:m="http://schemas.openxmlformats.org/officeDocument/2006/math">
+                    <m:r>
+                      <a:rPr lang="en-US" sz="2400" b="0" i="1" smtClean="0"/>
+                      <m:t>𝑋</m:t>
+                    </m:r>
+                  </m:oMath>
+                </a14:m>
+                <a:r>
+                  <a:rPr lang="en-US" sz="2400" dirty="0"/>
+                  <a:t> variable does not explain any variation in </a:t>
+                </a:r>
+                <a14:m>
+                  <m:oMath xmlns:m="http://schemas.openxmlformats.org/officeDocument/2006/math">
+                    <m:r>
+                      <a:rPr lang="en-US" sz="2400" b="0" i="1" smtClean="0"/>
+                      <m:t>𝑌</m:t>
+                    </m:r>
+                  </m:oMath>
+                </a14:m>
+                <a:r>
+                  <a:rPr lang="en-US" sz="2400" dirty="0"/>
+                  <a:t>, then there is no relationship between </a:t>
+                </a:r>
+                <a14:m>
+                  <m:oMath xmlns:m="http://schemas.openxmlformats.org/officeDocument/2006/math">
+                    <m:r>
+                      <a:rPr lang="en-US" sz="2400" b="0" i="1" smtClean="0"/>
+                      <m:t>𝑋</m:t>
+                    </m:r>
+                  </m:oMath>
+                </a14:m>
+                <a:r>
+                  <a:rPr lang="en-US" sz="2400" dirty="0"/>
+                  <a:t> and </a:t>
+                </a:r>
+                <a14:m>
+                  <m:oMath xmlns:m="http://schemas.openxmlformats.org/officeDocument/2006/math">
+                    <m:r>
+                      <a:rPr lang="en-US" sz="2400" b="0" i="1" smtClean="0"/>
+                      <m:t>𝑌</m:t>
+                    </m:r>
+                  </m:oMath>
+                </a14:m>
+                <a:r>
+                  <a:rPr lang="en-US" sz="2400" dirty="0"/>
+                  <a:t> </a:t>
+                </a:r>
+              </a:p>
+            </p:txBody>
+          </p:sp>
+        </mc:Choice>
+        <mc:Fallback>
+          <p:sp>
+            <p:nvSpPr>
+              <p:cNvPr id="7" name="TextBox 6">
+                <a:extLst>
+                  <a:ext uri="{FF2B5EF4-FFF2-40B4-BE49-F238E27FC236}">
+                    <a16:creationId xmlns:a16="http://schemas.microsoft.com/office/drawing/2014/main" id="{71F403A0-D78B-0B94-D72D-95A2518E7F15}"/>
+                  </a:ext>
+                </a:extLst>
+              </p:cNvPr>
+              <p:cNvSpPr txBox="1">
+                <a:spLocks noRot="1" noChangeAspect="1" noMove="1" noResize="1" noEditPoints="1" noAdjustHandles="1" noChangeArrowheads="1" noChangeShapeType="1" noTextEdit="1"/>
+              </p:cNvSpPr>
+              <p:nvPr/>
+            </p:nvSpPr>
+            <p:spPr>
+              <a:xfrm>
+                <a:off x="748145" y="1599251"/>
+                <a:ext cx="10612582" cy="830997"/>
+              </a:xfrm>
+              <a:prstGeom prst="rect">
+                <a:avLst/>
+              </a:prstGeom>
+              <a:blipFill>
+                <a:blip r:embed="rId4"/>
+                <a:stretch>
+                  <a:fillRect l="-919" t="-5839" b="-15328"/>
+                </a:stretch>
+              </a:blipFill>
+            </p:spPr>
+            <p:txBody>
+              <a:bodyPr/>
+              <a:lstStyle/>
+              <a:p>
+                <a:r>
+                  <a:rPr lang="en-US">
+                    <a:noFill/>
+                  </a:rPr>
+                  <a:t> </a:t>
+                </a:r>
+              </a:p>
+            </p:txBody>
+          </p:sp>
+        </mc:Fallback>
+      </mc:AlternateContent>
+      <p:pic>
+        <p:nvPicPr>
+          <p:cNvPr id="9" name="Picture 8">
+            <a:extLst>
+              <a:ext uri="{FF2B5EF4-FFF2-40B4-BE49-F238E27FC236}">
+                <a16:creationId xmlns:a16="http://schemas.microsoft.com/office/drawing/2014/main" id="{A265D86B-A655-D3D0-0B2F-747FA176C240}"/>
+              </a:ext>
+            </a:extLst>
+          </p:cNvPr>
+          <p:cNvPicPr>
+            <a:picLocks noChangeAspect="1"/>
+          </p:cNvPicPr>
+          <p:nvPr/>
+        </p:nvPicPr>
+        <p:blipFill>
+          <a:blip r:embed="rId5"/>
+          <a:stretch>
+            <a:fillRect/>
+          </a:stretch>
+        </p:blipFill>
+        <p:spPr>
+          <a:xfrm>
+            <a:off x="748145" y="3870413"/>
+            <a:ext cx="3702229" cy="2776672"/>
+          </a:xfrm>
+          <a:prstGeom prst="rect">
+            <a:avLst/>
+          </a:prstGeom>
+        </p:spPr>
+      </p:pic>
+      <p:pic>
+        <p:nvPicPr>
+          <p:cNvPr id="11" name="Picture 10">
+            <a:extLst>
+              <a:ext uri="{FF2B5EF4-FFF2-40B4-BE49-F238E27FC236}">
+                <a16:creationId xmlns:a16="http://schemas.microsoft.com/office/drawing/2014/main" id="{34F46A8C-582E-4D6C-4021-11E0594F4B93}"/>
+              </a:ext>
+            </a:extLst>
+          </p:cNvPr>
+          <p:cNvPicPr>
+            <a:picLocks noChangeAspect="1"/>
+          </p:cNvPicPr>
+          <p:nvPr/>
+        </p:nvPicPr>
+        <p:blipFill>
+          <a:blip r:embed="rId6"/>
+          <a:stretch>
+            <a:fillRect/>
+          </a:stretch>
+        </p:blipFill>
+        <p:spPr>
+          <a:xfrm>
+            <a:off x="7429639" y="3822499"/>
+            <a:ext cx="3702230" cy="2808799"/>
+          </a:xfrm>
+          <a:prstGeom prst="rect">
+            <a:avLst/>
+          </a:prstGeom>
+        </p:spPr>
+      </p:pic>
+    </p:spTree>
+    <p:extLst>
+      <p:ext uri="{BB962C8B-B14F-4D97-AF65-F5344CB8AC3E}">
+        <p14:creationId xmlns:p14="http://schemas.microsoft.com/office/powerpoint/2010/main" val="1409227325"/>
+      </p:ext>
+    </p:extLst>
+  </p:cSld>
+  <p:clrMapOvr>
+    <a:masterClrMapping/>
+  </p:clrMapOvr>
+</p:sld>
+</file>
+
 <file path=ppt/slides/slide28.xml><?xml version="1.0" encoding="utf-8"?>
 <p:sld xmlns:a="http://schemas.openxmlformats.org/drawingml/2006/main" xmlns:r="http://schemas.openxmlformats.org/officeDocument/2006/relationships" xmlns:p="http://schemas.openxmlformats.org/presentationml/2006/main">
   <p:cSld>
@@ -19021,43 +20665,10 @@
       </p:grpSpPr>
       <p:sp>
         <p:nvSpPr>
-          <p:cNvPr id="2" name="Title 1">
-            <a:extLst>
-              <a:ext uri="{FF2B5EF4-FFF2-40B4-BE49-F238E27FC236}">
-                <a16:creationId xmlns:a16="http://schemas.microsoft.com/office/drawing/2014/main" id="{5EC602A7-9647-11A1-CA3E-1865B740398D}"/>
-              </a:ext>
-            </a:extLst>
-          </p:cNvPr>
-          <p:cNvSpPr>
-            <a:spLocks noGrp="1"/>
-          </p:cNvSpPr>
-          <p:nvPr>
-            <p:ph type="title"/>
-          </p:nvPr>
-        </p:nvSpPr>
-        <p:spPr>
-          <a:xfrm>
-            <a:off x="581192" y="702155"/>
-            <a:ext cx="11029616" cy="671863"/>
-          </a:xfrm>
-        </p:spPr>
-        <p:txBody>
-          <a:bodyPr/>
-          <a:lstStyle/>
-          <a:p>
-            <a:r>
-              <a:rPr lang="en-US" dirty="0"/>
-              <a:t>Two confidence interval</a:t>
-            </a:r>
-          </a:p>
-        </p:txBody>
-      </p:sp>
-      <p:sp>
-        <p:nvSpPr>
           <p:cNvPr id="3" name="Content Placeholder 2">
             <a:extLst>
               <a:ext uri="{FF2B5EF4-FFF2-40B4-BE49-F238E27FC236}">
-                <a16:creationId xmlns:a16="http://schemas.microsoft.com/office/drawing/2014/main" id="{A79FED69-34E6-BA95-2080-80FD088FB8A8}"/>
+                <a16:creationId xmlns:a16="http://schemas.microsoft.com/office/drawing/2014/main" id="{E28DEC9F-A874-3649-68D1-AD52B4A3A8F9}"/>
               </a:ext>
             </a:extLst>
           </p:cNvPr>
@@ -19068,19 +20679,225 @@
             <p:ph idx="1"/>
           </p:nvPr>
         </p:nvSpPr>
-        <p:spPr/>
+        <p:spPr>
+          <a:xfrm>
+            <a:off x="449574" y="768374"/>
+            <a:ext cx="11029615" cy="741772"/>
+          </a:xfrm>
+        </p:spPr>
         <p:txBody>
-          <a:bodyPr/>
+          <a:bodyPr>
+            <a:normAutofit/>
+          </a:bodyPr>
           <a:lstStyle/>
           <a:p>
-            <a:endParaRPr lang="en-US"/>
+            <a:pPr marL="0" indent="0">
+              <a:buNone/>
+            </a:pPr>
+            <a:r>
+              <a:rPr lang="en-US" sz="2800" dirty="0"/>
+              <a:t>t-statistics</a:t>
+            </a:r>
           </a:p>
         </p:txBody>
       </p:sp>
+      <mc:AlternateContent xmlns:mc="http://schemas.openxmlformats.org/markup-compatibility/2006">
+        <mc:Choice xmlns:a14="http://schemas.microsoft.com/office/drawing/2010/main" Requires="a14">
+          <p:sp>
+            <p:nvSpPr>
+              <p:cNvPr id="6" name="TextBox 5">
+                <a:extLst>
+                  <a:ext uri="{FF2B5EF4-FFF2-40B4-BE49-F238E27FC236}">
+                    <a16:creationId xmlns:a16="http://schemas.microsoft.com/office/drawing/2014/main" id="{F1206F61-0775-9C30-FB79-55AA98EFBB4B}"/>
+                  </a:ext>
+                </a:extLst>
+              </p:cNvPr>
+              <p:cNvSpPr txBox="1"/>
+              <p:nvPr/>
+            </p:nvSpPr>
+            <p:spPr>
+              <a:xfrm>
+                <a:off x="5195454" y="1627909"/>
+                <a:ext cx="1801091" cy="808298"/>
+              </a:xfrm>
+              <a:prstGeom prst="rect">
+                <a:avLst/>
+              </a:prstGeom>
+              <a:noFill/>
+            </p:spPr>
+            <p:txBody>
+              <a:bodyPr wrap="square" rtlCol="0">
+                <a:spAutoFit/>
+              </a:bodyPr>
+              <a:lstStyle/>
+              <a:p>
+                <a14:m>
+                  <m:oMath xmlns:m="http://schemas.openxmlformats.org/officeDocument/2006/math">
+                    <m:r>
+                      <a:rPr lang="en-US" sz="2800" b="0" i="1" smtClean="0">
+                        <a:latin typeface="Cambria Math" panose="02040503050406030204" pitchFamily="18" charset="0"/>
+                      </a:rPr>
+                      <m:t>𝑡</m:t>
+                    </m:r>
+                    <m:r>
+                      <a:rPr lang="en-US" sz="2800" b="0" i="1" smtClean="0">
+                        <a:latin typeface="Cambria Math" panose="02040503050406030204" pitchFamily="18" charset="0"/>
+                      </a:rPr>
+                      <m:t>=</m:t>
+                    </m:r>
+                    <m:f>
+                      <m:fPr>
+                        <m:ctrlPr>
+                          <a:rPr lang="en-US" sz="2800" b="0" i="1" smtClean="0">
+                            <a:latin typeface="Cambria Math" panose="02040503050406030204" pitchFamily="18" charset="0"/>
+                          </a:rPr>
+                        </m:ctrlPr>
+                      </m:fPr>
+                      <m:num>
+                        <m:sSub>
+                          <m:sSubPr>
+                            <m:ctrlPr>
+                              <a:rPr lang="en-US" sz="2800" b="0" i="1" smtClean="0">
+                                <a:latin typeface="Cambria Math" panose="02040503050406030204" pitchFamily="18" charset="0"/>
+                              </a:rPr>
+                            </m:ctrlPr>
+                          </m:sSubPr>
+                          <m:e>
+                            <m:r>
+                              <a:rPr lang="en-US" sz="2800" b="0" i="1" smtClean="0">
+                                <a:latin typeface="Cambria Math" panose="02040503050406030204" pitchFamily="18" charset="0"/>
+                              </a:rPr>
+                              <m:t>𝑏</m:t>
+                            </m:r>
+                          </m:e>
+                          <m:sub>
+                            <m:r>
+                              <a:rPr lang="en-US" sz="2800" b="0" i="1" smtClean="0">
+                                <a:latin typeface="Cambria Math" panose="02040503050406030204" pitchFamily="18" charset="0"/>
+                              </a:rPr>
+                              <m:t>1</m:t>
+                            </m:r>
+                          </m:sub>
+                        </m:sSub>
+                        <m:r>
+                          <a:rPr lang="en-US" sz="2800" b="0" i="1" smtClean="0">
+                            <a:latin typeface="Cambria Math" panose="02040503050406030204" pitchFamily="18" charset="0"/>
+                          </a:rPr>
+                          <m:t> −0</m:t>
+                        </m:r>
+                      </m:num>
+                      <m:den>
+                        <m:r>
+                          <a:rPr lang="en-US" sz="2800" b="0" i="1" smtClean="0">
+                            <a:latin typeface="Cambria Math" panose="02040503050406030204" pitchFamily="18" charset="0"/>
+                          </a:rPr>
+                          <m:t>𝑆</m:t>
+                        </m:r>
+                        <m:sSub>
+                          <m:sSubPr>
+                            <m:ctrlPr>
+                              <a:rPr lang="en-US" sz="2800" b="0" i="1" smtClean="0">
+                                <a:latin typeface="Cambria Math" panose="02040503050406030204" pitchFamily="18" charset="0"/>
+                              </a:rPr>
+                            </m:ctrlPr>
+                          </m:sSubPr>
+                          <m:e>
+                            <m:sSub>
+                              <m:sSubPr>
+                                <m:ctrlPr>
+                                  <a:rPr lang="en-US" sz="2800" b="0" i="1" smtClean="0">
+                                    <a:latin typeface="Cambria Math" panose="02040503050406030204" pitchFamily="18" charset="0"/>
+                                  </a:rPr>
+                                </m:ctrlPr>
+                              </m:sSubPr>
+                              <m:e>
+                                <m:r>
+                                  <a:rPr lang="en-US" sz="2800" b="0" i="1" smtClean="0">
+                                    <a:latin typeface="Cambria Math" panose="02040503050406030204" pitchFamily="18" charset="0"/>
+                                  </a:rPr>
+                                  <m:t>𝐸</m:t>
+                                </m:r>
+                              </m:e>
+                              <m:sub>
+                                <m:r>
+                                  <a:rPr lang="en-US" sz="2800" b="0" i="1" smtClean="0">
+                                    <a:latin typeface="Cambria Math" panose="02040503050406030204" pitchFamily="18" charset="0"/>
+                                  </a:rPr>
+                                  <m:t>𝑏</m:t>
+                                </m:r>
+                              </m:sub>
+                            </m:sSub>
+                          </m:e>
+                          <m:sub>
+                            <m:r>
+                              <a:rPr lang="en-US" sz="2800" b="0" i="1" smtClean="0">
+                                <a:latin typeface="Cambria Math" panose="02040503050406030204" pitchFamily="18" charset="0"/>
+                              </a:rPr>
+                              <m:t>1</m:t>
+                            </m:r>
+                          </m:sub>
+                        </m:sSub>
+                      </m:den>
+                    </m:f>
+                  </m:oMath>
+                </a14:m>
+                <a:r>
+                  <a:rPr lang="en-US" sz="2800" dirty="0"/>
+                  <a:t> </a:t>
+                </a:r>
+              </a:p>
+            </p:txBody>
+          </p:sp>
+        </mc:Choice>
+        <mc:Fallback>
+          <p:sp>
+            <p:nvSpPr>
+              <p:cNvPr id="6" name="TextBox 5">
+                <a:extLst>
+                  <a:ext uri="{FF2B5EF4-FFF2-40B4-BE49-F238E27FC236}">
+                    <a16:creationId xmlns:a16="http://schemas.microsoft.com/office/drawing/2014/main" id="{F1206F61-0775-9C30-FB79-55AA98EFBB4B}"/>
+                  </a:ext>
+                </a:extLst>
+              </p:cNvPr>
+              <p:cNvSpPr txBox="1">
+                <a:spLocks noRot="1" noChangeAspect="1" noMove="1" noResize="1" noEditPoints="1" noAdjustHandles="1" noChangeArrowheads="1" noChangeShapeType="1" noTextEdit="1"/>
+              </p:cNvSpPr>
+              <p:nvPr/>
+            </p:nvSpPr>
+            <p:spPr>
+              <a:xfrm>
+                <a:off x="5195454" y="1627909"/>
+                <a:ext cx="1801091" cy="808298"/>
+              </a:xfrm>
+              <a:prstGeom prst="rect">
+                <a:avLst/>
+              </a:prstGeom>
+              <a:blipFill>
+                <a:blip r:embed="rId2"/>
+                <a:stretch>
+                  <a:fillRect/>
+                </a:stretch>
+              </a:blipFill>
+            </p:spPr>
+            <p:txBody>
+              <a:bodyPr/>
+              <a:lstStyle/>
+              <a:p>
+                <a:r>
+                  <a:rPr lang="en-US">
+                    <a:noFill/>
+                  </a:rPr>
+                  <a:t> </a:t>
+                </a:r>
+              </a:p>
+            </p:txBody>
+          </p:sp>
+        </mc:Fallback>
+      </mc:AlternateContent>
     </p:spTree>
     <p:extLst>
       <p:ext uri="{BB962C8B-B14F-4D97-AF65-F5344CB8AC3E}">
-        <p14:creationId xmlns:p14="http://schemas.microsoft.com/office/powerpoint/2010/main" val="2829002380"/>
+        <p14:creationId xmlns:p14="http://schemas.microsoft.com/office/powerpoint/2010/main" val="4221477714"/>
       </p:ext>
     </p:extLst>
   </p:cSld>
@@ -20266,7 +22083,7 @@
                 </a:solidFill>
                 <a:latin typeface="ElsevierGulliver"/>
               </a:rPr>
-              <a:t>Causality</a:t>
+              <a:t>Causality: Relationship between cause and effect, where one event (the cause) directly influences another event (the effect). </a:t>
             </a:r>
           </a:p>
           <a:p>
@@ -20281,9 +22098,6 @@
             </a:endParaRPr>
           </a:p>
           <a:p>
-            <a:pPr marL="0" indent="0">
-              <a:buNone/>
-            </a:pPr>
             <a:r>
               <a:rPr lang="en-US" sz="2000" dirty="0">
                 <a:solidFill>
@@ -20291,30 +22105,22 @@
                 </a:solidFill>
                 <a:latin typeface="ElsevierGulliver"/>
               </a:rPr>
-              <a:t>The change in </a:t>
+              <a:t>Co-variation: </a:t>
             </a:r>
-          </a:p>
-          <a:p>
-            <a:pPr marL="0" indent="0">
-              <a:buNone/>
-            </a:pPr>
+            <a:r>
+              <a:rPr lang="en-US" sz="2000" dirty="0"/>
+              <a:t>Two variables change together. If two variables tend to increase or decrease in a related manner, they are said to </a:t>
+            </a:r>
+            <a:r>
+              <a:rPr lang="en-US" sz="2000" b="1" dirty="0"/>
+              <a:t>covary (not causality)</a:t>
+            </a:r>
             <a:endParaRPr lang="en-US" sz="2000" dirty="0">
               <a:solidFill>
                 <a:srgbClr val="1F1F1F"/>
               </a:solidFill>
               <a:latin typeface="ElsevierGulliver"/>
             </a:endParaRPr>
-          </a:p>
-          <a:p>
-            <a:r>
-              <a:rPr lang="en-US" sz="2000" dirty="0">
-                <a:solidFill>
-                  <a:srgbClr val="1F1F1F"/>
-                </a:solidFill>
-                <a:latin typeface="ElsevierGulliver"/>
-              </a:rPr>
-              <a:t>Co-variation</a:t>
-            </a:r>
           </a:p>
         </p:txBody>
       </p:sp>
@@ -20370,8 +22176,8 @@
             </p:nvSpPr>
             <p:spPr>
               <a:xfrm>
-                <a:off x="2758009" y="1630438"/>
-                <a:ext cx="7841080" cy="3403047"/>
+                <a:off x="491836" y="1630438"/>
+                <a:ext cx="10709564" cy="4510017"/>
               </a:xfrm>
               <a:prstGeom prst="rect">
                 <a:avLst/>
@@ -20385,14 +22191,15 @@
               <a:lstStyle/>
               <a:p>
                 <a:r>
-                  <a:rPr lang="en-US" dirty="0"/>
+                  <a:rPr lang="en-US" sz="2400" dirty="0"/>
                   <a:t>The goodness of fit</a:t>
                 </a:r>
               </a:p>
               <a:p>
-                <a:endParaRPr lang="en-US" dirty="0"/>
+                <a:endParaRPr lang="en-US" sz="2400" dirty="0"/>
               </a:p>
               <a:p>
+                <a:pPr/>
                 <a14:m>
                   <m:oMathPara xmlns:m="http://schemas.openxmlformats.org/officeDocument/2006/math">
                     <m:oMathParaPr>
@@ -20402,14 +22209,14 @@
                       <m:sSup>
                         <m:sSupPr>
                           <m:ctrlPr>
-                            <a:rPr lang="en-US" b="0" i="1" smtClean="0">
+                            <a:rPr lang="en-US" sz="2400" b="0" i="1" smtClean="0">
                               <a:latin typeface="Cambria Math" panose="02040503050406030204" pitchFamily="18" charset="0"/>
                             </a:rPr>
                           </m:ctrlPr>
                         </m:sSupPr>
                         <m:e>
                           <m:r>
-                            <a:rPr lang="en-US" b="0" i="1" smtClean="0">
+                            <a:rPr lang="en-US" sz="2400" b="0" i="1" smtClean="0">
                               <a:latin typeface="Cambria Math" panose="02040503050406030204" pitchFamily="18" charset="0"/>
                             </a:rPr>
                             <m:t>𝑅</m:t>
@@ -20417,7 +22224,7 @@
                         </m:e>
                         <m:sup>
                           <m:r>
-                            <a:rPr lang="en-US" b="0" i="1" smtClean="0">
+                            <a:rPr lang="en-US" sz="2400" b="0" i="1" smtClean="0">
                               <a:latin typeface="Cambria Math" panose="02040503050406030204" pitchFamily="18" charset="0"/>
                             </a:rPr>
                             <m:t>2</m:t>
@@ -20425,7 +22232,7 @@
                         </m:sup>
                       </m:sSup>
                       <m:r>
-                        <a:rPr lang="en-US" b="0" i="1" smtClean="0">
+                        <a:rPr lang="en-US" sz="2400" b="0" i="1" smtClean="0">
                           <a:latin typeface="Cambria Math" panose="02040503050406030204" pitchFamily="18" charset="0"/>
                         </a:rPr>
                         <m:t>=</m:t>
@@ -20433,14 +22240,14 @@
                       <m:f>
                         <m:fPr>
                           <m:ctrlPr>
-                            <a:rPr lang="en-US" b="0" i="1" smtClean="0">
+                            <a:rPr lang="en-US" sz="2400" b="0" i="1" smtClean="0">
                               <a:latin typeface="Cambria Math" panose="02040503050406030204" pitchFamily="18" charset="0"/>
                             </a:rPr>
                           </m:ctrlPr>
                         </m:fPr>
                         <m:num>
                           <m:r>
-                            <a:rPr lang="en-US" b="0" i="1" smtClean="0">
+                            <a:rPr lang="en-US" sz="2400" b="0" i="1" smtClean="0">
                               <a:latin typeface="Cambria Math" panose="02040503050406030204" pitchFamily="18" charset="0"/>
                             </a:rPr>
                             <m:t>𝐸𝑆𝑆</m:t>
@@ -20448,7 +22255,7 @@
                         </m:num>
                         <m:den>
                           <m:r>
-                            <a:rPr lang="en-US" b="0" i="1" smtClean="0">
+                            <a:rPr lang="en-US" sz="2400" b="0" i="1" smtClean="0">
                               <a:latin typeface="Cambria Math" panose="02040503050406030204" pitchFamily="18" charset="0"/>
                             </a:rPr>
                             <m:t>𝑇𝑆𝑆</m:t>
@@ -20456,7 +22263,7 @@
                         </m:den>
                       </m:f>
                       <m:r>
-                        <a:rPr lang="en-US" b="0" i="1" smtClean="0">
+                        <a:rPr lang="en-US" sz="2400" b="0" i="1" smtClean="0">
                           <a:latin typeface="Cambria Math" panose="02040503050406030204" pitchFamily="18" charset="0"/>
                         </a:rPr>
                         <m:t>=1−</m:t>
@@ -20464,14 +22271,14 @@
                       <m:f>
                         <m:fPr>
                           <m:ctrlPr>
-                            <a:rPr lang="en-US" b="0" i="1" smtClean="0">
+                            <a:rPr lang="en-US" sz="2400" b="0" i="1" smtClean="0">
                               <a:latin typeface="Cambria Math" panose="02040503050406030204" pitchFamily="18" charset="0"/>
                             </a:rPr>
                           </m:ctrlPr>
                         </m:fPr>
                         <m:num>
                           <m:r>
-                            <a:rPr lang="en-US" b="0" i="1" smtClean="0">
+                            <a:rPr lang="en-US" sz="2400" b="0" i="1" smtClean="0">
                               <a:latin typeface="Cambria Math" panose="02040503050406030204" pitchFamily="18" charset="0"/>
                             </a:rPr>
                             <m:t>𝑅𝑆𝑆</m:t>
@@ -20479,7 +22286,7 @@
                         </m:num>
                         <m:den>
                           <m:r>
-                            <a:rPr lang="en-US" b="0" i="1" smtClean="0">
+                            <a:rPr lang="en-US" sz="2400" b="0" i="1" smtClean="0">
                               <a:latin typeface="Cambria Math" panose="02040503050406030204" pitchFamily="18" charset="0"/>
                             </a:rPr>
                             <m:t>𝑇𝑆𝑆</m:t>
@@ -20489,30 +22296,31 @@
                     </m:oMath>
                   </m:oMathPara>
                 </a14:m>
-                <a:endParaRPr lang="en-US" b="0" dirty="0"/>
+                <a:endParaRPr lang="en-US" sz="2400" b="0" dirty="0"/>
               </a:p>
               <a:p>
-                <a:endParaRPr lang="en-US" dirty="0"/>
+                <a:endParaRPr lang="en-US" sz="2400" dirty="0"/>
               </a:p>
               <a:p>
                 <a:r>
-                  <a:rPr lang="en-US" dirty="0"/>
+                  <a:rPr lang="en-US" sz="2400" dirty="0"/>
                   <a:t>The adjusted goodness of fit</a:t>
                 </a:r>
               </a:p>
               <a:p>
-                <a:endParaRPr lang="en-US" dirty="0"/>
+                <a:endParaRPr lang="en-US" sz="2400" dirty="0"/>
               </a:p>
               <a:p>
                 <a:r>
-                  <a:rPr lang="en-US" dirty="0"/>
+                  <a:rPr lang="en-US" sz="2400" dirty="0"/>
                   <a:t>More variables are considered into the regression equation, the better the fit of the model will be </a:t>
                 </a:r>
               </a:p>
               <a:p>
-                <a:endParaRPr lang="en-US" dirty="0"/>
+                <a:endParaRPr lang="en-US" sz="2400" dirty="0"/>
               </a:p>
               <a:p>
+                <a:pPr/>
                 <a14:m>
                   <m:oMathPara xmlns:m="http://schemas.openxmlformats.org/officeDocument/2006/math">
                     <m:oMathParaPr>
@@ -20522,14 +22330,14 @@
                       <m:sSubSup>
                         <m:sSubSupPr>
                           <m:ctrlPr>
-                            <a:rPr lang="en-US" b="0" i="1" smtClean="0">
+                            <a:rPr lang="en-US" sz="2400" b="0" i="1" smtClean="0">
                               <a:latin typeface="Cambria Math" panose="02040503050406030204" pitchFamily="18" charset="0"/>
                             </a:rPr>
                           </m:ctrlPr>
                         </m:sSubSupPr>
                         <m:e>
                           <m:r>
-                            <a:rPr lang="en-US" b="0" i="1" smtClean="0">
+                            <a:rPr lang="en-US" sz="2400" b="0" i="1" smtClean="0">
                               <a:latin typeface="Cambria Math" panose="02040503050406030204" pitchFamily="18" charset="0"/>
                             </a:rPr>
                             <m:t>𝑅</m:t>
@@ -20537,7 +22345,7 @@
                         </m:e>
                         <m:sub>
                           <m:r>
-                            <a:rPr lang="en-US" b="0" i="1" smtClean="0">
+                            <a:rPr lang="en-US" sz="2400" b="0" i="1" smtClean="0">
                               <a:latin typeface="Cambria Math" panose="02040503050406030204" pitchFamily="18" charset="0"/>
                             </a:rPr>
                             <m:t>𝑎𝑑𝑗</m:t>
@@ -20545,7 +22353,7 @@
                         </m:sub>
                         <m:sup>
                           <m:r>
-                            <a:rPr lang="en-US" b="0" i="1" smtClean="0">
+                            <a:rPr lang="en-US" sz="2400" b="0" i="1" smtClean="0">
                               <a:latin typeface="Cambria Math" panose="02040503050406030204" pitchFamily="18" charset="0"/>
                             </a:rPr>
                             <m:t>2</m:t>
@@ -20553,7 +22361,7 @@
                         </m:sup>
                       </m:sSubSup>
                       <m:r>
-                        <a:rPr lang="en-US" b="0" i="1" smtClean="0">
+                        <a:rPr lang="en-US" sz="2400" b="0" i="1" smtClean="0">
                           <a:latin typeface="Cambria Math" panose="02040503050406030204" pitchFamily="18" charset="0"/>
                         </a:rPr>
                         <m:t>=1 −</m:t>
@@ -20561,44 +22369,44 @@
                       <m:f>
                         <m:fPr>
                           <m:ctrlPr>
-                            <a:rPr lang="en-US" b="0" i="1" smtClean="0">
+                            <a:rPr lang="en-US" sz="2400" b="0" i="1" smtClean="0">
                               <a:latin typeface="Cambria Math" panose="02040503050406030204" pitchFamily="18" charset="0"/>
                             </a:rPr>
                           </m:ctrlPr>
                         </m:fPr>
                         <m:num>
                           <m:r>
-                            <a:rPr lang="en-US" b="0" i="1" smtClean="0">
+                            <a:rPr lang="en-US" sz="2400" b="0" i="1" smtClean="0">
                               <a:latin typeface="Cambria Math" panose="02040503050406030204" pitchFamily="18" charset="0"/>
                             </a:rPr>
                             <m:t>𝑅𝑆𝑆</m:t>
                           </m:r>
                           <m:r>
-                            <a:rPr lang="en-US" b="0" i="1" smtClean="0">
+                            <a:rPr lang="en-US" sz="2400" b="0" i="1" smtClean="0">
                               <a:latin typeface="Cambria Math" panose="02040503050406030204" pitchFamily="18" charset="0"/>
                             </a:rPr>
                             <m:t>/(</m:t>
                           </m:r>
                           <m:r>
-                            <a:rPr lang="en-US" b="0" i="1" smtClean="0">
+                            <a:rPr lang="en-US" sz="2400" b="0" i="1" smtClean="0">
                               <a:latin typeface="Cambria Math" panose="02040503050406030204" pitchFamily="18" charset="0"/>
                             </a:rPr>
                             <m:t>𝑛</m:t>
                           </m:r>
                           <m:r>
-                            <a:rPr lang="en-US" b="0" i="1" smtClean="0">
+                            <a:rPr lang="en-US" sz="2400" b="0" i="1" smtClean="0">
                               <a:latin typeface="Cambria Math" panose="02040503050406030204" pitchFamily="18" charset="0"/>
                             </a:rPr>
                             <m:t>−</m:t>
                           </m:r>
                           <m:r>
-                            <a:rPr lang="en-US" b="0" i="1" smtClean="0">
+                            <a:rPr lang="en-US" sz="2400" b="0" i="1" smtClean="0">
                               <a:latin typeface="Cambria Math" panose="02040503050406030204" pitchFamily="18" charset="0"/>
                             </a:rPr>
                             <m:t>𝐾</m:t>
                           </m:r>
                           <m:r>
-                            <a:rPr lang="en-US" b="0" i="1" smtClean="0">
+                            <a:rPr lang="en-US" sz="2400" b="0" i="1" smtClean="0">
                               <a:latin typeface="Cambria Math" panose="02040503050406030204" pitchFamily="18" charset="0"/>
                             </a:rPr>
                             <m:t>)</m:t>
@@ -20606,25 +22414,25 @@
                         </m:num>
                         <m:den>
                           <m:r>
-                            <a:rPr lang="en-US" b="0" i="1" smtClean="0">
+                            <a:rPr lang="en-US" sz="2400" b="0" i="1" smtClean="0">
                               <a:latin typeface="Cambria Math" panose="02040503050406030204" pitchFamily="18" charset="0"/>
                             </a:rPr>
                             <m:t>𝑇𝑆𝑆</m:t>
                           </m:r>
                           <m:r>
-                            <a:rPr lang="en-US" b="0" i="1" smtClean="0">
+                            <a:rPr lang="en-US" sz="2400" b="0" i="1" smtClean="0">
                               <a:latin typeface="Cambria Math" panose="02040503050406030204" pitchFamily="18" charset="0"/>
                             </a:rPr>
                             <m:t>/(</m:t>
                           </m:r>
                           <m:r>
-                            <a:rPr lang="en-US" b="0" i="1" smtClean="0">
+                            <a:rPr lang="en-US" sz="2400" b="0" i="1" smtClean="0">
                               <a:latin typeface="Cambria Math" panose="02040503050406030204" pitchFamily="18" charset="0"/>
                             </a:rPr>
                             <m:t>𝑛</m:t>
                           </m:r>
                           <m:r>
-                            <a:rPr lang="en-US" b="0" i="1" smtClean="0">
+                            <a:rPr lang="en-US" sz="2400" b="0" i="1" smtClean="0">
                               <a:latin typeface="Cambria Math" panose="02040503050406030204" pitchFamily="18" charset="0"/>
                             </a:rPr>
                             <m:t>−1)</m:t>
@@ -20634,7 +22442,7 @@
                     </m:oMath>
                   </m:oMathPara>
                 </a14:m>
-                <a:endParaRPr lang="en-US" dirty="0"/>
+                <a:endParaRPr lang="en-US" sz="2400" dirty="0"/>
               </a:p>
             </p:txBody>
           </p:sp>
@@ -20656,8 +22464,8 @@
             </p:nvSpPr>
             <p:spPr>
               <a:xfrm>
-                <a:off x="2758009" y="1630438"/>
-                <a:ext cx="7841080" cy="3403047"/>
+                <a:off x="491836" y="1630438"/>
+                <a:ext cx="10709564" cy="4510017"/>
               </a:xfrm>
               <a:prstGeom prst="rect">
                 <a:avLst/>
@@ -20665,7 +22473,7 @@
               <a:blipFill>
                 <a:blip r:embed="rId2"/>
                 <a:stretch>
-                  <a:fillRect l="-622" t="-894"/>
+                  <a:fillRect l="-911" t="-1081"/>
                 </a:stretch>
               </a:blipFill>
             </p:spPr>
@@ -20684,6 +22492,41 @@
           </p:sp>
         </mc:Fallback>
       </mc:AlternateContent>
+      <p:sp>
+        <p:nvSpPr>
+          <p:cNvPr id="2" name="TextBox 1">
+            <a:extLst>
+              <a:ext uri="{FF2B5EF4-FFF2-40B4-BE49-F238E27FC236}">
+                <a16:creationId xmlns:a16="http://schemas.microsoft.com/office/drawing/2014/main" id="{33977E61-063B-34FE-4624-3AD969612EE8}"/>
+              </a:ext>
+            </a:extLst>
+          </p:cNvPr>
+          <p:cNvSpPr txBox="1"/>
+          <p:nvPr/>
+        </p:nvSpPr>
+        <p:spPr>
+          <a:xfrm>
+            <a:off x="374073" y="727364"/>
+            <a:ext cx="6968837" cy="523220"/>
+          </a:xfrm>
+          <a:prstGeom prst="rect">
+            <a:avLst/>
+          </a:prstGeom>
+          <a:noFill/>
+        </p:spPr>
+        <p:txBody>
+          <a:bodyPr wrap="square" rtlCol="0">
+            <a:spAutoFit/>
+          </a:bodyPr>
+          <a:lstStyle/>
+          <a:p>
+            <a:r>
+              <a:rPr lang="en-US" sz="2800" dirty="0"/>
+              <a:t>Assessing the Accuracy of the Model</a:t>
+            </a:r>
+          </a:p>
+        </p:txBody>
+      </p:sp>
     </p:spTree>
     <p:extLst>
       <p:ext uri="{BB962C8B-B14F-4D97-AF65-F5344CB8AC3E}">
@@ -20773,7 +22616,7 @@
         </p:spPr>
         <p:txBody>
           <a:bodyPr>
-            <a:normAutofit/>
+            <a:normAutofit fontScale="90000"/>
           </a:bodyPr>
           <a:lstStyle/>
           <a:p>
@@ -20805,7 +22648,7 @@
                   <a:srgbClr val="FFFFFF"/>
                 </a:solidFill>
               </a:rPr>
-              <a:t>Lab </a:t>
+              <a:t>CODE DEMO </a:t>
             </a:r>
             <a:r>
               <a:rPr lang="en-US" altLang="zh-CN" sz="4000" dirty="0">
@@ -21105,6 +22948,621 @@
     <p:extLst>
       <p:ext uri="{BB962C8B-B14F-4D97-AF65-F5344CB8AC3E}">
         <p14:creationId xmlns:p14="http://schemas.microsoft.com/office/powerpoint/2010/main" val="121643133"/>
+      </p:ext>
+    </p:extLst>
+  </p:cSld>
+  <p:clrMapOvr>
+    <a:masterClrMapping/>
+  </p:clrMapOvr>
+</p:sld>
+</file>
+
+<file path=ppt/slides/slide32.xml><?xml version="1.0" encoding="utf-8"?>
+<p:sld xmlns:a="http://schemas.openxmlformats.org/drawingml/2006/main" xmlns:r="http://schemas.openxmlformats.org/officeDocument/2006/relationships" xmlns:p="http://schemas.openxmlformats.org/presentationml/2006/main">
+  <p:cSld>
+    <p:spTree>
+      <p:nvGrpSpPr>
+        <p:cNvPr id="1" name=""/>
+        <p:cNvGrpSpPr/>
+        <p:nvPr/>
+      </p:nvGrpSpPr>
+      <p:grpSpPr>
+        <a:xfrm>
+          <a:off x="0" y="0"/>
+          <a:ext cx="0" cy="0"/>
+          <a:chOff x="0" y="0"/>
+          <a:chExt cx="0" cy="0"/>
+        </a:xfrm>
+      </p:grpSpPr>
+      <p:sp>
+        <p:nvSpPr>
+          <p:cNvPr id="2" name="Title 1">
+            <a:extLst>
+              <a:ext uri="{FF2B5EF4-FFF2-40B4-BE49-F238E27FC236}">
+                <a16:creationId xmlns:a16="http://schemas.microsoft.com/office/drawing/2014/main" id="{F7901A73-E3C7-8E41-F91E-5A723AB66E5E}"/>
+              </a:ext>
+            </a:extLst>
+          </p:cNvPr>
+          <p:cNvSpPr>
+            <a:spLocks noGrp="1"/>
+          </p:cNvSpPr>
+          <p:nvPr>
+            <p:ph type="title"/>
+          </p:nvPr>
+        </p:nvSpPr>
+        <p:spPr/>
+        <p:txBody>
+          <a:bodyPr/>
+          <a:lstStyle/>
+          <a:p>
+            <a:r>
+              <a:rPr lang="en-US" dirty="0"/>
+              <a:t>Run the </a:t>
+            </a:r>
+            <a:r>
+              <a:rPr lang="en-US" dirty="0" err="1"/>
+              <a:t>lm</a:t>
+            </a:r>
+            <a:r>
+              <a:rPr lang="en-US" dirty="0"/>
+              <a:t> model in R</a:t>
+            </a:r>
+          </a:p>
+        </p:txBody>
+      </p:sp>
+      <p:sp>
+        <p:nvSpPr>
+          <p:cNvPr id="3" name="Content Placeholder 2">
+            <a:extLst>
+              <a:ext uri="{FF2B5EF4-FFF2-40B4-BE49-F238E27FC236}">
+                <a16:creationId xmlns:a16="http://schemas.microsoft.com/office/drawing/2014/main" id="{C941857A-8B92-12C6-0ED9-82D747655433}"/>
+              </a:ext>
+            </a:extLst>
+          </p:cNvPr>
+          <p:cNvSpPr>
+            <a:spLocks noGrp="1"/>
+          </p:cNvSpPr>
+          <p:nvPr>
+            <p:ph idx="1"/>
+          </p:nvPr>
+        </p:nvSpPr>
+        <p:spPr/>
+        <p:txBody>
+          <a:bodyPr/>
+          <a:lstStyle/>
+          <a:p>
+            <a:endParaRPr lang="en-US"/>
+          </a:p>
+        </p:txBody>
+      </p:sp>
+    </p:spTree>
+    <p:extLst>
+      <p:ext uri="{BB962C8B-B14F-4D97-AF65-F5344CB8AC3E}">
+        <p14:creationId xmlns:p14="http://schemas.microsoft.com/office/powerpoint/2010/main" val="834197850"/>
+      </p:ext>
+    </p:extLst>
+  </p:cSld>
+  <p:clrMapOvr>
+    <a:masterClrMapping/>
+  </p:clrMapOvr>
+</p:sld>
+</file>
+
+<file path=ppt/slides/slide33.xml><?xml version="1.0" encoding="utf-8"?>
+<p:sld xmlns:a="http://schemas.openxmlformats.org/drawingml/2006/main" xmlns:r="http://schemas.openxmlformats.org/officeDocument/2006/relationships" xmlns:p="http://schemas.openxmlformats.org/presentationml/2006/main">
+  <p:cSld>
+    <p:spTree>
+      <p:nvGrpSpPr>
+        <p:cNvPr id="1" name="">
+          <a:extLst>
+            <a:ext uri="{FF2B5EF4-FFF2-40B4-BE49-F238E27FC236}">
+              <a16:creationId xmlns:a16="http://schemas.microsoft.com/office/drawing/2014/main" id="{FC794D4E-286C-FE60-17EE-1E23137C92A4}"/>
+            </a:ext>
+          </a:extLst>
+        </p:cNvPr>
+        <p:cNvGrpSpPr/>
+        <p:nvPr/>
+      </p:nvGrpSpPr>
+      <p:grpSpPr>
+        <a:xfrm>
+          <a:off x="0" y="0"/>
+          <a:ext cx="0" cy="0"/>
+          <a:chOff x="0" y="0"/>
+          <a:chExt cx="0" cy="0"/>
+        </a:xfrm>
+      </p:grpSpPr>
+      <p:pic>
+        <p:nvPicPr>
+          <p:cNvPr id="4" name="Picture 3" descr="A colorful background with waves&#10;&#10;Description automatically generated with medium confidence">
+            <a:extLst>
+              <a:ext uri="{FF2B5EF4-FFF2-40B4-BE49-F238E27FC236}">
+                <a16:creationId xmlns:a16="http://schemas.microsoft.com/office/drawing/2014/main" id="{7761A6B4-BF5A-7E32-9C99-A6C0C68EC8C1}"/>
+              </a:ext>
+            </a:extLst>
+          </p:cNvPr>
+          <p:cNvPicPr>
+            <a:picLocks noChangeAspect="1"/>
+          </p:cNvPicPr>
+          <p:nvPr/>
+        </p:nvPicPr>
+        <p:blipFill>
+          <a:blip r:embed="rId2"/>
+          <a:srcRect r="11111"/>
+          <a:stretch/>
+        </p:blipFill>
+        <p:spPr>
+          <a:xfrm>
+            <a:off x="20" y="12"/>
+            <a:ext cx="12191980" cy="6857988"/>
+          </a:xfrm>
+          <a:prstGeom prst="rect">
+            <a:avLst/>
+          </a:prstGeom>
+        </p:spPr>
+      </p:pic>
+      <p:sp>
+        <p:nvSpPr>
+          <p:cNvPr id="2" name="Title 1">
+            <a:extLst>
+              <a:ext uri="{FF2B5EF4-FFF2-40B4-BE49-F238E27FC236}">
+                <a16:creationId xmlns:a16="http://schemas.microsoft.com/office/drawing/2014/main" id="{6D5BD29C-2E1C-C195-1293-F148C58972FE}"/>
+              </a:ext>
+            </a:extLst>
+          </p:cNvPr>
+          <p:cNvSpPr>
+            <a:spLocks noGrp="1"/>
+          </p:cNvSpPr>
+          <p:nvPr>
+            <p:ph type="ctrTitle"/>
+          </p:nvPr>
+        </p:nvSpPr>
+        <p:spPr>
+          <a:xfrm>
+            <a:off x="837126" y="1693546"/>
+            <a:ext cx="4320227" cy="2009774"/>
+          </a:xfrm>
+        </p:spPr>
+        <p:txBody>
+          <a:bodyPr>
+            <a:normAutofit/>
+          </a:bodyPr>
+          <a:lstStyle/>
+          <a:p>
+            <a:r>
+              <a:rPr lang="en-US" sz="4000" dirty="0">
+                <a:solidFill>
+                  <a:srgbClr val="FFFFFF"/>
+                </a:solidFill>
+              </a:rPr>
+              <a:t>WEEK 03 </a:t>
+            </a:r>
+            <a:br>
+              <a:rPr lang="en-US" sz="4000" dirty="0">
+                <a:solidFill>
+                  <a:srgbClr val="FFFFFF"/>
+                </a:solidFill>
+              </a:rPr>
+            </a:br>
+            <a:br>
+              <a:rPr lang="en-US" sz="4000" dirty="0">
+                <a:solidFill>
+                  <a:srgbClr val="FFFFFF"/>
+                </a:solidFill>
+              </a:rPr>
+            </a:br>
+            <a:r>
+              <a:rPr lang="en-US" sz="4000" dirty="0">
+                <a:solidFill>
+                  <a:srgbClr val="FFFFFF"/>
+                </a:solidFill>
+              </a:rPr>
+              <a:t>LECTURE </a:t>
+            </a:r>
+            <a:r>
+              <a:rPr lang="en-US" altLang="zh-CN" sz="4000" dirty="0">
+                <a:solidFill>
+                  <a:srgbClr val="FFFFFF"/>
+                </a:solidFill>
+              </a:rPr>
+              <a:t>session</a:t>
+            </a:r>
+            <a:endParaRPr lang="en-US" sz="4000" dirty="0">
+              <a:solidFill>
+                <a:srgbClr val="FFFFFF"/>
+              </a:solidFill>
+            </a:endParaRPr>
+          </a:p>
+        </p:txBody>
+      </p:sp>
+      <p:sp>
+        <p:nvSpPr>
+          <p:cNvPr id="5" name="TextBox 4">
+            <a:extLst>
+              <a:ext uri="{FF2B5EF4-FFF2-40B4-BE49-F238E27FC236}">
+                <a16:creationId xmlns:a16="http://schemas.microsoft.com/office/drawing/2014/main" id="{036B33D7-A97E-48E0-5A3C-69D629BC6289}"/>
+              </a:ext>
+            </a:extLst>
+          </p:cNvPr>
+          <p:cNvSpPr txBox="1"/>
+          <p:nvPr/>
+        </p:nvSpPr>
+        <p:spPr>
+          <a:xfrm>
+            <a:off x="837126" y="4289196"/>
+            <a:ext cx="3912124" cy="3046988"/>
+          </a:xfrm>
+          <a:prstGeom prst="rect">
+            <a:avLst/>
+          </a:prstGeom>
+          <a:noFill/>
+        </p:spPr>
+        <p:txBody>
+          <a:bodyPr wrap="square" rtlCol="0">
+            <a:spAutoFit/>
+          </a:bodyPr>
+          <a:lstStyle/>
+          <a:p>
+            <a:pPr marL="0" marR="0" lvl="0" indent="0" algn="l" defTabSz="457200" rtl="0" eaLnBrk="1" fontAlgn="auto" latinLnBrk="0" hangingPunct="1">
+              <a:lnSpc>
+                <a:spcPct val="100000"/>
+              </a:lnSpc>
+              <a:spcBef>
+                <a:spcPts val="0"/>
+              </a:spcBef>
+              <a:spcAft>
+                <a:spcPts val="0"/>
+              </a:spcAft>
+              <a:buClrTx/>
+              <a:buSzTx/>
+              <a:buFontTx/>
+              <a:buNone/>
+              <a:tabLst/>
+              <a:defRPr/>
+            </a:pPr>
+            <a:r>
+              <a:rPr kumimoji="0" lang="en-US" sz="3200" b="0" i="0" u="none" strike="noStrike" kern="1200" cap="none" spc="0" normalizeH="0" baseline="0" noProof="0" dirty="0">
+                <a:ln>
+                  <a:noFill/>
+                </a:ln>
+                <a:solidFill>
+                  <a:srgbClr val="FFFFFF">
+                    <a:alpha val="75000"/>
+                  </a:srgbClr>
+                </a:solidFill>
+                <a:effectLst/>
+                <a:uLnTx/>
+                <a:uFillTx/>
+                <a:latin typeface="Calibri"/>
+                <a:ea typeface="+mn-ea"/>
+                <a:cs typeface="+mn-cs"/>
+              </a:rPr>
+              <a:t>Instructor: Yanan Wu</a:t>
+            </a:r>
+          </a:p>
+          <a:p>
+            <a:pPr marL="0" marR="0" lvl="0" indent="0" algn="l" defTabSz="457200" rtl="0" eaLnBrk="1" fontAlgn="auto" latinLnBrk="0" hangingPunct="1">
+              <a:lnSpc>
+                <a:spcPct val="100000"/>
+              </a:lnSpc>
+              <a:spcBef>
+                <a:spcPts val="0"/>
+              </a:spcBef>
+              <a:spcAft>
+                <a:spcPts val="0"/>
+              </a:spcAft>
+              <a:buClrTx/>
+              <a:buSzTx/>
+              <a:buFontTx/>
+              <a:buNone/>
+              <a:tabLst/>
+              <a:defRPr/>
+            </a:pPr>
+            <a:r>
+              <a:rPr kumimoji="0" lang="en-US" sz="3200" b="0" i="0" u="none" strike="noStrike" kern="1200" cap="none" spc="0" normalizeH="0" baseline="0" noProof="0" dirty="0">
+                <a:ln>
+                  <a:noFill/>
+                </a:ln>
+                <a:solidFill>
+                  <a:srgbClr val="FFFFFF">
+                    <a:alpha val="75000"/>
+                  </a:srgbClr>
+                </a:solidFill>
+                <a:effectLst/>
+                <a:uLnTx/>
+                <a:uFillTx/>
+                <a:latin typeface="Calibri"/>
+                <a:ea typeface="+mn-ea"/>
+                <a:cs typeface="+mn-cs"/>
+              </a:rPr>
+              <a:t>TA: </a:t>
+            </a:r>
+            <a:r>
+              <a:rPr lang="en-US" sz="3200" dirty="0">
+                <a:solidFill>
+                  <a:srgbClr val="FFFFFF">
+                    <a:alpha val="75000"/>
+                  </a:srgbClr>
+                </a:solidFill>
+                <a:latin typeface="Calibri" panose="020F0502020204030204" pitchFamily="34" charset="0"/>
+                <a:ea typeface="Calibri" panose="020F0502020204030204" pitchFamily="34" charset="0"/>
+                <a:cs typeface="Calibri" panose="020F0502020204030204" pitchFamily="34" charset="0"/>
+              </a:rPr>
+              <a:t>Khadija Nisar </a:t>
+            </a:r>
+            <a:endParaRPr kumimoji="0" lang="en-US" sz="3200" b="0" i="0" u="none" strike="noStrike" kern="1200" cap="none" spc="0" normalizeH="0" baseline="0" noProof="0" dirty="0">
+              <a:ln>
+                <a:noFill/>
+              </a:ln>
+              <a:solidFill>
+                <a:srgbClr val="FFFFFF">
+                  <a:alpha val="75000"/>
+                </a:srgbClr>
+              </a:solidFill>
+              <a:effectLst/>
+              <a:uLnTx/>
+              <a:uFillTx/>
+              <a:latin typeface="Calibri"/>
+              <a:ea typeface="+mn-ea"/>
+              <a:cs typeface="+mn-cs"/>
+            </a:endParaRPr>
+          </a:p>
+          <a:p>
+            <a:pPr marL="0" marR="0" lvl="0" indent="0" algn="l" defTabSz="457200" rtl="0" eaLnBrk="1" fontAlgn="auto" latinLnBrk="0" hangingPunct="1">
+              <a:lnSpc>
+                <a:spcPct val="100000"/>
+              </a:lnSpc>
+              <a:spcBef>
+                <a:spcPts val="0"/>
+              </a:spcBef>
+              <a:spcAft>
+                <a:spcPts val="0"/>
+              </a:spcAft>
+              <a:buClrTx/>
+              <a:buSzTx/>
+              <a:buFontTx/>
+              <a:buNone/>
+              <a:tabLst/>
+              <a:defRPr/>
+            </a:pPr>
+            <a:r>
+              <a:rPr kumimoji="0" lang="en-US" sz="3200" b="0" i="0" u="none" strike="noStrike" kern="1200" cap="none" spc="0" normalizeH="0" baseline="0" noProof="0" dirty="0">
+                <a:ln>
+                  <a:noFill/>
+                </a:ln>
+                <a:solidFill>
+                  <a:srgbClr val="FFFFFF">
+                    <a:alpha val="75000"/>
+                  </a:srgbClr>
+                </a:solidFill>
+                <a:effectLst/>
+                <a:uLnTx/>
+                <a:uFillTx/>
+                <a:latin typeface="Calibri"/>
+                <a:ea typeface="+mn-ea"/>
+                <a:cs typeface="+mn-cs"/>
+              </a:rPr>
+              <a:t> </a:t>
+            </a:r>
+          </a:p>
+          <a:p>
+            <a:pPr marL="0" marR="0" lvl="0" indent="0" algn="l" defTabSz="457200" rtl="0" eaLnBrk="1" fontAlgn="auto" latinLnBrk="0" hangingPunct="1">
+              <a:lnSpc>
+                <a:spcPct val="100000"/>
+              </a:lnSpc>
+              <a:spcBef>
+                <a:spcPts val="0"/>
+              </a:spcBef>
+              <a:spcAft>
+                <a:spcPts val="0"/>
+              </a:spcAft>
+              <a:buClrTx/>
+              <a:buSzTx/>
+              <a:buFontTx/>
+              <a:buNone/>
+              <a:tabLst/>
+              <a:defRPr/>
+            </a:pPr>
+            <a:r>
+              <a:rPr kumimoji="0" lang="en-US" sz="3200" b="0" i="0" u="none" strike="noStrike" kern="1200" cap="none" spc="0" normalizeH="0" baseline="0" noProof="0" dirty="0">
+                <a:ln>
+                  <a:noFill/>
+                </a:ln>
+                <a:solidFill>
+                  <a:srgbClr val="FFFFFF">
+                    <a:alpha val="75000"/>
+                  </a:srgbClr>
+                </a:solidFill>
+                <a:effectLst/>
+                <a:uLnTx/>
+                <a:uFillTx/>
+                <a:latin typeface="Calibri"/>
+                <a:ea typeface="+mn-ea"/>
+                <a:cs typeface="+mn-cs"/>
+              </a:rPr>
+              <a:t>Spring 2025</a:t>
+            </a:r>
+          </a:p>
+          <a:p>
+            <a:pPr marL="0" marR="0" lvl="0" indent="0" algn="l" defTabSz="457200" rtl="0" eaLnBrk="1" fontAlgn="auto" latinLnBrk="0" hangingPunct="1">
+              <a:lnSpc>
+                <a:spcPct val="100000"/>
+              </a:lnSpc>
+              <a:spcBef>
+                <a:spcPts val="0"/>
+              </a:spcBef>
+              <a:spcAft>
+                <a:spcPts val="0"/>
+              </a:spcAft>
+              <a:buClrTx/>
+              <a:buSzTx/>
+              <a:buFontTx/>
+              <a:buNone/>
+              <a:tabLst/>
+              <a:defRPr/>
+            </a:pPr>
+            <a:endParaRPr kumimoji="0" lang="en-US" sz="3200" b="0" i="0" u="none" strike="noStrike" kern="1200" cap="none" spc="0" normalizeH="0" baseline="0" noProof="0" dirty="0">
+              <a:ln>
+                <a:noFill/>
+              </a:ln>
+              <a:solidFill>
+                <a:srgbClr val="FFFFFF">
+                  <a:alpha val="75000"/>
+                </a:srgbClr>
+              </a:solidFill>
+              <a:effectLst/>
+              <a:uLnTx/>
+              <a:uFillTx/>
+              <a:latin typeface="Calibri"/>
+              <a:ea typeface="+mn-ea"/>
+              <a:cs typeface="+mn-cs"/>
+            </a:endParaRPr>
+          </a:p>
+          <a:p>
+            <a:pPr marL="0" marR="0" lvl="0" indent="0" algn="l" defTabSz="457200" rtl="0" eaLnBrk="1" fontAlgn="auto" latinLnBrk="0" hangingPunct="1">
+              <a:lnSpc>
+                <a:spcPct val="100000"/>
+              </a:lnSpc>
+              <a:spcBef>
+                <a:spcPts val="0"/>
+              </a:spcBef>
+              <a:spcAft>
+                <a:spcPts val="0"/>
+              </a:spcAft>
+              <a:buClrTx/>
+              <a:buSzTx/>
+              <a:buFontTx/>
+              <a:buNone/>
+              <a:tabLst/>
+              <a:defRPr/>
+            </a:pPr>
+            <a:endParaRPr kumimoji="0" lang="en-US" sz="3200" b="0" i="0" u="none" strike="noStrike" kern="1200" cap="none" spc="0" normalizeH="0" baseline="0" noProof="0" dirty="0">
+              <a:ln>
+                <a:noFill/>
+              </a:ln>
+              <a:solidFill>
+                <a:srgbClr val="000000"/>
+              </a:solidFill>
+              <a:effectLst/>
+              <a:uLnTx/>
+              <a:uFillTx/>
+              <a:latin typeface="Calibri"/>
+              <a:ea typeface="+mn-ea"/>
+              <a:cs typeface="+mn-cs"/>
+            </a:endParaRPr>
+          </a:p>
+        </p:txBody>
+      </p:sp>
+    </p:spTree>
+    <p:extLst>
+      <p:ext uri="{BB962C8B-B14F-4D97-AF65-F5344CB8AC3E}">
+        <p14:creationId xmlns:p14="http://schemas.microsoft.com/office/powerpoint/2010/main" val="2776482636"/>
+      </p:ext>
+    </p:extLst>
+  </p:cSld>
+  <p:clrMapOvr>
+    <a:masterClrMapping/>
+  </p:clrMapOvr>
+</p:sld>
+</file>
+
+<file path=ppt/slides/slide34.xml><?xml version="1.0" encoding="utf-8"?>
+<p:sld xmlns:a="http://schemas.openxmlformats.org/drawingml/2006/main" xmlns:r="http://schemas.openxmlformats.org/officeDocument/2006/relationships" xmlns:p="http://schemas.openxmlformats.org/presentationml/2006/main">
+  <p:cSld>
+    <p:spTree>
+      <p:nvGrpSpPr>
+        <p:cNvPr id="1" name=""/>
+        <p:cNvGrpSpPr/>
+        <p:nvPr/>
+      </p:nvGrpSpPr>
+      <p:grpSpPr>
+        <a:xfrm>
+          <a:off x="0" y="0"/>
+          <a:ext cx="0" cy="0"/>
+          <a:chOff x="0" y="0"/>
+          <a:chExt cx="0" cy="0"/>
+        </a:xfrm>
+      </p:grpSpPr>
+      <p:sp>
+        <p:nvSpPr>
+          <p:cNvPr id="2" name="Title 1">
+            <a:extLst>
+              <a:ext uri="{FF2B5EF4-FFF2-40B4-BE49-F238E27FC236}">
+                <a16:creationId xmlns:a16="http://schemas.microsoft.com/office/drawing/2014/main" id="{798AB277-E509-CB26-E5BE-77AFC5F113AF}"/>
+              </a:ext>
+            </a:extLst>
+          </p:cNvPr>
+          <p:cNvSpPr>
+            <a:spLocks noGrp="1"/>
+          </p:cNvSpPr>
+          <p:nvPr>
+            <p:ph type="title"/>
+          </p:nvPr>
+        </p:nvSpPr>
+        <p:spPr>
+          <a:xfrm>
+            <a:off x="581192" y="702156"/>
+            <a:ext cx="11029616" cy="544753"/>
+          </a:xfrm>
+        </p:spPr>
+        <p:txBody>
+          <a:bodyPr/>
+          <a:lstStyle/>
+          <a:p>
+            <a:r>
+              <a:rPr lang="en-US" dirty="0"/>
+              <a:t>PROBLEM IN BIVARIATE REGRESSION ANALYSIS</a:t>
+            </a:r>
+          </a:p>
+        </p:txBody>
+      </p:sp>
+      <p:sp>
+        <p:nvSpPr>
+          <p:cNvPr id="3" name="Content Placeholder 2">
+            <a:extLst>
+              <a:ext uri="{FF2B5EF4-FFF2-40B4-BE49-F238E27FC236}">
+                <a16:creationId xmlns:a16="http://schemas.microsoft.com/office/drawing/2014/main" id="{2D6F581B-03E7-47B0-CBB9-7B491B3B83B7}"/>
+              </a:ext>
+            </a:extLst>
+          </p:cNvPr>
+          <p:cNvSpPr>
+            <a:spLocks noGrp="1"/>
+          </p:cNvSpPr>
+          <p:nvPr>
+            <p:ph idx="1"/>
+          </p:nvPr>
+        </p:nvSpPr>
+        <p:spPr>
+          <a:xfrm>
+            <a:off x="581193" y="1440319"/>
+            <a:ext cx="11029615" cy="1808572"/>
+          </a:xfrm>
+        </p:spPr>
+        <p:txBody>
+          <a:bodyPr>
+            <a:normAutofit/>
+          </a:bodyPr>
+          <a:lstStyle/>
+          <a:p>
+            <a:r>
+              <a:rPr lang="en-US" sz="2400" dirty="0"/>
+              <a:t>Ignored relevant variable </a:t>
+            </a:r>
+          </a:p>
+          <a:p>
+            <a:endParaRPr lang="en-US" sz="2400" dirty="0"/>
+          </a:p>
+          <a:p>
+            <a:r>
+              <a:rPr lang="en-US" sz="2400" dirty="0"/>
+              <a:t>Non-linear relationship</a:t>
+            </a:r>
+          </a:p>
+        </p:txBody>
+      </p:sp>
+    </p:spTree>
+    <p:extLst>
+      <p:ext uri="{BB962C8B-B14F-4D97-AF65-F5344CB8AC3E}">
+        <p14:creationId xmlns:p14="http://schemas.microsoft.com/office/powerpoint/2010/main" val="2599699824"/>
       </p:ext>
     </p:extLst>
   </p:cSld>
@@ -22272,7 +24730,7 @@
         </p:nvSpPr>
         <p:spPr>
           <a:xfrm>
-            <a:off x="581192" y="613737"/>
+            <a:off x="581192" y="708529"/>
             <a:ext cx="11029616" cy="537826"/>
           </a:xfrm>
         </p:spPr>
@@ -22282,13 +24740,13 @@
           <a:p>
             <a:r>
               <a:rPr lang="en-US" dirty="0"/>
-              <a:t>Population model</a:t>
+              <a:t>Model based on population and sample</a:t>
             </a:r>
           </a:p>
         </p:txBody>
       </p:sp>
-      <mc:AlternateContent xmlns:mc="http://schemas.openxmlformats.org/markup-compatibility/2006" xmlns:a14="http://schemas.microsoft.com/office/drawing/2010/main">
-        <mc:Choice Requires="a14">
+      <mc:AlternateContent xmlns:mc="http://schemas.openxmlformats.org/markup-compatibility/2006">
+        <mc:Choice xmlns:a14="http://schemas.microsoft.com/office/drawing/2010/main" Requires="a14">
           <p:sp>
             <p:nvSpPr>
               <p:cNvPr id="3" name="Content Placeholder 2">
@@ -22307,263 +24765,225 @@
             </p:nvSpPr>
             <p:spPr>
               <a:xfrm>
-                <a:off x="581192" y="1246355"/>
-                <a:ext cx="11029615" cy="741772"/>
+                <a:off x="581193" y="1783218"/>
+                <a:ext cx="11029615" cy="3516146"/>
               </a:xfrm>
             </p:spPr>
             <p:txBody>
-              <a:bodyPr/>
-              <a:lstStyle/>
-              <a:p>
-                <a:pPr marL="0" indent="0">
-                  <a:buNone/>
-                </a:pPr>
-                <a14:m>
-                  <m:oMathPara xmlns:m="http://schemas.openxmlformats.org/officeDocument/2006/math">
-                    <m:oMathParaPr>
-                      <m:jc m:val="centerGroup"/>
-                    </m:oMathParaPr>
-                    <m:oMath xmlns:m="http://schemas.openxmlformats.org/officeDocument/2006/math">
-                      <m:sSub>
-                        <m:sSubPr>
-                          <m:ctrlPr>
-                            <a:rPr lang="en-US" sz="2400" b="0" i="1" smtClean="0">
-                              <a:latin typeface="Cambria Math" panose="02040503050406030204" pitchFamily="18" charset="0"/>
-                            </a:rPr>
-                          </m:ctrlPr>
-                        </m:sSubPr>
-                        <m:e>
-                          <m:r>
-                            <a:rPr lang="en-US" sz="2400" b="0" i="1" smtClean="0">
-                              <a:latin typeface="Cambria Math" panose="02040503050406030204" pitchFamily="18" charset="0"/>
-                            </a:rPr>
-                            <m:t>𝑦</m:t>
-                          </m:r>
-                        </m:e>
-                        <m:sub>
-                          <m:r>
-                            <a:rPr lang="en-US" sz="2400" b="0" i="1" smtClean="0">
-                              <a:latin typeface="Cambria Math" panose="02040503050406030204" pitchFamily="18" charset="0"/>
-                            </a:rPr>
-                            <m:t>𝑖</m:t>
-                          </m:r>
-                        </m:sub>
-                      </m:sSub>
-                      <m:r>
-                        <a:rPr lang="en-US" sz="2400" b="0" i="1" smtClean="0">
-                          <a:latin typeface="Cambria Math" panose="02040503050406030204" pitchFamily="18" charset="0"/>
-                        </a:rPr>
-                        <m:t>=</m:t>
-                      </m:r>
-                      <m:sSub>
-                        <m:sSubPr>
-                          <m:ctrlPr>
-                            <a:rPr lang="en-US" sz="2400" b="0" i="1" smtClean="0">
-                              <a:latin typeface="Cambria Math" panose="02040503050406030204" pitchFamily="18" charset="0"/>
-                            </a:rPr>
-                          </m:ctrlPr>
-                        </m:sSubPr>
-                        <m:e>
-                          <m:r>
-                            <a:rPr lang="en-US" sz="2400" b="0" i="1" smtClean="0">
-                              <a:latin typeface="Cambria Math" panose="02040503050406030204" pitchFamily="18" charset="0"/>
-                            </a:rPr>
-                            <m:t>𝛽</m:t>
-                          </m:r>
-                        </m:e>
-                        <m:sub>
-                          <m:r>
-                            <a:rPr lang="en-US" sz="2400" b="0" i="1" smtClean="0">
-                              <a:latin typeface="Cambria Math" panose="02040503050406030204" pitchFamily="18" charset="0"/>
-                            </a:rPr>
-                            <m:t>0</m:t>
-                          </m:r>
-                        </m:sub>
-                      </m:sSub>
-                      <m:r>
-                        <a:rPr lang="en-US" sz="2400" b="0" i="1" smtClean="0">
-                          <a:latin typeface="Cambria Math" panose="02040503050406030204" pitchFamily="18" charset="0"/>
-                        </a:rPr>
-                        <m:t>+</m:t>
-                      </m:r>
-                      <m:sSub>
-                        <m:sSubPr>
-                          <m:ctrlPr>
-                            <a:rPr lang="en-US" sz="2400" b="0" i="1" smtClean="0">
-                              <a:latin typeface="Cambria Math" panose="02040503050406030204" pitchFamily="18" charset="0"/>
-                            </a:rPr>
-                          </m:ctrlPr>
-                        </m:sSubPr>
-                        <m:e>
-                          <m:r>
-                            <a:rPr lang="en-US" sz="2400" b="0" i="1" smtClean="0">
-                              <a:latin typeface="Cambria Math" panose="02040503050406030204" pitchFamily="18" charset="0"/>
-                            </a:rPr>
-                            <m:t>𝛽</m:t>
-                          </m:r>
-                        </m:e>
-                        <m:sub>
-                          <m:r>
-                            <a:rPr lang="en-US" sz="2400" b="0" i="1" smtClean="0">
-                              <a:latin typeface="Cambria Math" panose="02040503050406030204" pitchFamily="18" charset="0"/>
-                            </a:rPr>
-                            <m:t>1</m:t>
-                          </m:r>
-                        </m:sub>
-                      </m:sSub>
-                      <m:r>
-                        <a:rPr lang="en-US" sz="2400" b="0" i="1" smtClean="0">
-                          <a:latin typeface="Cambria Math" panose="02040503050406030204" pitchFamily="18" charset="0"/>
-                        </a:rPr>
-                        <m:t>∗</m:t>
-                      </m:r>
-                      <m:sSub>
-                        <m:sSubPr>
-                          <m:ctrlPr>
-                            <a:rPr lang="en-US" sz="2400" b="0" i="1" smtClean="0">
-                              <a:latin typeface="Cambria Math" panose="02040503050406030204" pitchFamily="18" charset="0"/>
-                            </a:rPr>
-                          </m:ctrlPr>
-                        </m:sSubPr>
-                        <m:e>
-                          <m:r>
-                            <a:rPr lang="en-US" sz="2400" b="0" i="1" smtClean="0">
-                              <a:latin typeface="Cambria Math" panose="02040503050406030204" pitchFamily="18" charset="0"/>
-                            </a:rPr>
-                            <m:t>𝑥</m:t>
-                          </m:r>
-                        </m:e>
-                        <m:sub>
-                          <m:r>
-                            <a:rPr lang="en-US" sz="2400" b="0" i="1" smtClean="0">
-                              <a:latin typeface="Cambria Math" panose="02040503050406030204" pitchFamily="18" charset="0"/>
-                            </a:rPr>
-                            <m:t>𝑖</m:t>
-                          </m:r>
-                          <m:r>
-                            <a:rPr lang="en-US" sz="2400" b="0" i="1" smtClean="0">
-                              <a:latin typeface="Cambria Math" panose="02040503050406030204" pitchFamily="18" charset="0"/>
-                            </a:rPr>
-                            <m:t>1</m:t>
-                          </m:r>
-                        </m:sub>
-                      </m:sSub>
-                      <m:r>
-                        <a:rPr lang="en-US" sz="2400" b="0" i="1" smtClean="0">
-                          <a:latin typeface="Cambria Math" panose="02040503050406030204" pitchFamily="18" charset="0"/>
-                        </a:rPr>
-                        <m:t>+</m:t>
-                      </m:r>
-                      <m:sSub>
-                        <m:sSubPr>
-                          <m:ctrlPr>
-                            <a:rPr lang="en-US" sz="2400" b="0" i="1" smtClean="0">
-                              <a:latin typeface="Cambria Math" panose="02040503050406030204" pitchFamily="18" charset="0"/>
-                              <a:ea typeface="Cambria Math" panose="02040503050406030204" pitchFamily="18" charset="0"/>
-                            </a:rPr>
-                          </m:ctrlPr>
-                        </m:sSubPr>
-                        <m:e>
-                          <m:r>
-                            <a:rPr lang="en-US" sz="2400" b="0" i="1" smtClean="0">
-                              <a:latin typeface="Cambria Math" panose="02040503050406030204" pitchFamily="18" charset="0"/>
-                              <a:ea typeface="Cambria Math" panose="02040503050406030204" pitchFamily="18" charset="0"/>
-                            </a:rPr>
-                            <m:t>𝜀</m:t>
-                          </m:r>
-                        </m:e>
-                        <m:sub>
-                          <m:r>
-                            <a:rPr lang="en-US" sz="2400" b="0" i="1" smtClean="0">
-                              <a:latin typeface="Cambria Math" panose="02040503050406030204" pitchFamily="18" charset="0"/>
-                              <a:ea typeface="Cambria Math" panose="02040503050406030204" pitchFamily="18" charset="0"/>
-                            </a:rPr>
-                            <m:t>𝑖</m:t>
-                          </m:r>
-                        </m:sub>
-                      </m:sSub>
-                    </m:oMath>
-                  </m:oMathPara>
-                </a14:m>
-                <a:endParaRPr lang="en-US" sz="2400" dirty="0"/>
-              </a:p>
-            </p:txBody>
-          </p:sp>
-        </mc:Choice>
-        <mc:Fallback xmlns="">
-          <p:sp>
-            <p:nvSpPr>
-              <p:cNvPr id="3" name="Content Placeholder 2">
-                <a:extLst>
-                  <a:ext uri="{FF2B5EF4-FFF2-40B4-BE49-F238E27FC236}">
-                    <a16:creationId xmlns:a16="http://schemas.microsoft.com/office/drawing/2014/main" id="{865CC547-A95F-5C73-4C57-007ACF6955D8}"/>
-                  </a:ext>
-                </a:extLst>
-              </p:cNvPr>
-              <p:cNvSpPr>
-                <a:spLocks noGrp="1" noRot="1" noChangeAspect="1" noMove="1" noResize="1" noEditPoints="1" noAdjustHandles="1" noChangeArrowheads="1" noChangeShapeType="1" noTextEdit="1"/>
-              </p:cNvSpPr>
-              <p:nvPr>
-                <p:ph idx="1"/>
-              </p:nvPr>
-            </p:nvSpPr>
-            <p:spPr>
-              <a:xfrm>
-                <a:off x="581192" y="1246355"/>
-                <a:ext cx="11029615" cy="741772"/>
-              </a:xfrm>
-              <a:blipFill>
-                <a:blip r:embed="rId2"/>
-                <a:stretch>
-                  <a:fillRect/>
-                </a:stretch>
-              </a:blipFill>
-            </p:spPr>
-            <p:txBody>
-              <a:bodyPr/>
+              <a:bodyPr>
+                <a:normAutofit/>
+              </a:bodyPr>
               <a:lstStyle/>
               <a:p>
                 <a:r>
-                  <a:rPr lang="en-US">
-                    <a:noFill/>
-                  </a:rPr>
-                  <a:t> </a:t>
+                  <a:rPr lang="en-US" b="0" dirty="0"/>
+                  <a:t>For the </a:t>
                 </a:r>
+                <a14:m>
+                  <m:oMath xmlns:m="http://schemas.openxmlformats.org/officeDocument/2006/math">
+                    <m:r>
+                      <a:rPr lang="en-US" b="0" i="1" smtClean="0">
+                        <a:latin typeface="Cambria Math" panose="02040503050406030204" pitchFamily="18" charset="0"/>
+                      </a:rPr>
+                      <m:t>𝑖</m:t>
+                    </m:r>
+                  </m:oMath>
+                </a14:m>
+                <a:r>
+                  <a:rPr lang="en-US" b="0" dirty="0"/>
+                  <a:t>-</a:t>
+                </a:r>
+                <a:r>
+                  <a:rPr lang="en-US" b="0" dirty="0" err="1"/>
+                  <a:t>th</a:t>
+                </a:r>
+                <a:r>
+                  <a:rPr lang="en-US" b="0" dirty="0"/>
+                  <a:t> observation, the </a:t>
+                </a:r>
+                <a:r>
+                  <a:rPr lang="en-US" b="1" dirty="0"/>
+                  <a:t>population model </a:t>
+                </a:r>
+                <a:r>
+                  <a:rPr lang="en-US" b="0" dirty="0"/>
+                  <a:t>is </a:t>
+                </a:r>
+                <a14:m>
+                  <m:oMath xmlns:m="http://schemas.openxmlformats.org/officeDocument/2006/math">
+                    <m:sSub>
+                      <m:sSubPr>
+                        <m:ctrlPr>
+                          <a:rPr lang="en-US" b="0" i="1" smtClean="0">
+                            <a:latin typeface="Cambria Math" panose="02040503050406030204" pitchFamily="18" charset="0"/>
+                          </a:rPr>
+                        </m:ctrlPr>
+                      </m:sSubPr>
+                      <m:e>
+                        <m:r>
+                          <a:rPr lang="en-US" b="0" i="1" smtClean="0">
+                            <a:latin typeface="Cambria Math" panose="02040503050406030204" pitchFamily="18" charset="0"/>
+                          </a:rPr>
+                          <m:t>𝑦</m:t>
+                        </m:r>
+                      </m:e>
+                      <m:sub>
+                        <m:r>
+                          <a:rPr lang="en-US" b="0" i="1" smtClean="0">
+                            <a:latin typeface="Cambria Math" panose="02040503050406030204" pitchFamily="18" charset="0"/>
+                          </a:rPr>
+                          <m:t>𝑖</m:t>
+                        </m:r>
+                      </m:sub>
+                    </m:sSub>
+                    <m:r>
+                      <a:rPr lang="en-US" b="0" i="1" smtClean="0">
+                        <a:latin typeface="Cambria Math" panose="02040503050406030204" pitchFamily="18" charset="0"/>
+                      </a:rPr>
+                      <m:t>=</m:t>
+                    </m:r>
+                    <m:sSub>
+                      <m:sSubPr>
+                        <m:ctrlPr>
+                          <a:rPr lang="en-US" b="0" i="1" smtClean="0">
+                            <a:latin typeface="Cambria Math" panose="02040503050406030204" pitchFamily="18" charset="0"/>
+                          </a:rPr>
+                        </m:ctrlPr>
+                      </m:sSubPr>
+                      <m:e>
+                        <m:r>
+                          <a:rPr lang="en-US" b="0" i="1" smtClean="0">
+                            <a:latin typeface="Cambria Math" panose="02040503050406030204" pitchFamily="18" charset="0"/>
+                          </a:rPr>
+                          <m:t>𝛽</m:t>
+                        </m:r>
+                      </m:e>
+                      <m:sub>
+                        <m:r>
+                          <a:rPr lang="en-US" b="0" i="1" smtClean="0">
+                            <a:latin typeface="Cambria Math" panose="02040503050406030204" pitchFamily="18" charset="0"/>
+                          </a:rPr>
+                          <m:t>0</m:t>
+                        </m:r>
+                      </m:sub>
+                    </m:sSub>
+                    <m:r>
+                      <a:rPr lang="en-US" b="0" i="1" smtClean="0">
+                        <a:latin typeface="Cambria Math" panose="02040503050406030204" pitchFamily="18" charset="0"/>
+                      </a:rPr>
+                      <m:t>+</m:t>
+                    </m:r>
+                    <m:sSub>
+                      <m:sSubPr>
+                        <m:ctrlPr>
+                          <a:rPr lang="en-US" b="0" i="1" smtClean="0">
+                            <a:latin typeface="Cambria Math" panose="02040503050406030204" pitchFamily="18" charset="0"/>
+                          </a:rPr>
+                        </m:ctrlPr>
+                      </m:sSubPr>
+                      <m:e>
+                        <m:r>
+                          <a:rPr lang="en-US" b="0" i="1" smtClean="0">
+                            <a:latin typeface="Cambria Math" panose="02040503050406030204" pitchFamily="18" charset="0"/>
+                          </a:rPr>
+                          <m:t>𝛽</m:t>
+                        </m:r>
+                      </m:e>
+                      <m:sub>
+                        <m:r>
+                          <a:rPr lang="en-US" b="0" i="1" smtClean="0">
+                            <a:latin typeface="Cambria Math" panose="02040503050406030204" pitchFamily="18" charset="0"/>
+                          </a:rPr>
+                          <m:t>1</m:t>
+                        </m:r>
+                      </m:sub>
+                    </m:sSub>
+                    <m:r>
+                      <a:rPr lang="en-US" b="0" i="1" smtClean="0">
+                        <a:latin typeface="Cambria Math" panose="02040503050406030204" pitchFamily="18" charset="0"/>
+                      </a:rPr>
+                      <m:t>∗</m:t>
+                    </m:r>
+                    <m:sSub>
+                      <m:sSubPr>
+                        <m:ctrlPr>
+                          <a:rPr lang="en-US" b="0" i="1" smtClean="0">
+                            <a:latin typeface="Cambria Math" panose="02040503050406030204" pitchFamily="18" charset="0"/>
+                          </a:rPr>
+                        </m:ctrlPr>
+                      </m:sSubPr>
+                      <m:e>
+                        <m:r>
+                          <a:rPr lang="en-US" b="0" i="1" smtClean="0">
+                            <a:latin typeface="Cambria Math" panose="02040503050406030204" pitchFamily="18" charset="0"/>
+                          </a:rPr>
+                          <m:t>𝑥</m:t>
+                        </m:r>
+                      </m:e>
+                      <m:sub>
+                        <m:r>
+                          <a:rPr lang="en-US" b="0" i="1" smtClean="0">
+                            <a:latin typeface="Cambria Math" panose="02040503050406030204" pitchFamily="18" charset="0"/>
+                          </a:rPr>
+                          <m:t>𝑖</m:t>
+                        </m:r>
+                        <m:r>
+                          <a:rPr lang="en-US" b="0" i="1" smtClean="0">
+                            <a:latin typeface="Cambria Math" panose="02040503050406030204" pitchFamily="18" charset="0"/>
+                          </a:rPr>
+                          <m:t>1</m:t>
+                        </m:r>
+                      </m:sub>
+                    </m:sSub>
+                    <m:r>
+                      <a:rPr lang="en-US" b="0" i="1" smtClean="0">
+                        <a:latin typeface="Cambria Math" panose="02040503050406030204" pitchFamily="18" charset="0"/>
+                      </a:rPr>
+                      <m:t>+</m:t>
+                    </m:r>
+                    <m:sSub>
+                      <m:sSubPr>
+                        <m:ctrlPr>
+                          <a:rPr lang="en-US" b="0" i="1" smtClean="0">
+                            <a:latin typeface="Cambria Math" panose="02040503050406030204" pitchFamily="18" charset="0"/>
+                            <a:ea typeface="Cambria Math" panose="02040503050406030204" pitchFamily="18" charset="0"/>
+                          </a:rPr>
+                        </m:ctrlPr>
+                      </m:sSubPr>
+                      <m:e>
+                        <m:r>
+                          <a:rPr lang="en-US" b="0" i="1" smtClean="0">
+                            <a:latin typeface="Cambria Math" panose="02040503050406030204" pitchFamily="18" charset="0"/>
+                            <a:ea typeface="Cambria Math" panose="02040503050406030204" pitchFamily="18" charset="0"/>
+                          </a:rPr>
+                          <m:t>𝜀</m:t>
+                        </m:r>
+                      </m:e>
+                      <m:sub>
+                        <m:r>
+                          <a:rPr lang="en-US" b="0" i="1" smtClean="0">
+                            <a:latin typeface="Cambria Math" panose="02040503050406030204" pitchFamily="18" charset="0"/>
+                            <a:ea typeface="Cambria Math" panose="02040503050406030204" pitchFamily="18" charset="0"/>
+                          </a:rPr>
+                          <m:t>𝑖</m:t>
+                        </m:r>
+                      </m:sub>
+                    </m:sSub>
+                  </m:oMath>
+                </a14:m>
+                <a:endParaRPr lang="en-US" b="0" dirty="0">
+                  <a:ea typeface="Cambria Math" panose="02040503050406030204" pitchFamily="18" charset="0"/>
+                </a:endParaRPr>
               </a:p>
-            </p:txBody>
-          </p:sp>
-        </mc:Fallback>
-      </mc:AlternateContent>
-      <mc:AlternateContent xmlns:mc="http://schemas.openxmlformats.org/markup-compatibility/2006" xmlns:a14="http://schemas.microsoft.com/office/drawing/2010/main">
-        <mc:Choice Requires="a14">
-          <p:sp>
-            <p:nvSpPr>
-              <p:cNvPr id="4" name="TextBox 3">
-                <a:extLst>
-                  <a:ext uri="{FF2B5EF4-FFF2-40B4-BE49-F238E27FC236}">
-                    <a16:creationId xmlns:a16="http://schemas.microsoft.com/office/drawing/2014/main" id="{6F13B425-F6F5-2465-52E1-B91452217E92}"/>
-                  </a:ext>
-                </a:extLst>
-              </p:cNvPr>
-              <p:cNvSpPr txBox="1"/>
-              <p:nvPr/>
-            </p:nvSpPr>
-            <p:spPr>
-              <a:xfrm>
-                <a:off x="935182" y="2105706"/>
-                <a:ext cx="8478982" cy="369332"/>
-              </a:xfrm>
-              <a:prstGeom prst="rect">
-                <a:avLst/>
-              </a:prstGeom>
-              <a:noFill/>
-            </p:spPr>
-            <p:txBody>
-              <a:bodyPr wrap="square" rtlCol="0">
-                <a:spAutoFit/>
-              </a:bodyPr>
-              <a:lstStyle/>
               <a:p>
+                <a:pPr marL="666900" lvl="1" indent="-342900">
+                  <a:buFont typeface="+mj-lt"/>
+                  <a:buAutoNum type="arabicParenR"/>
+                </a:pPr>
+                <a:r>
+                  <a:rPr lang="en-US" dirty="0"/>
+                  <a:t>The </a:t>
+                </a:r>
                 <a14:m>
                   <m:oMath xmlns:m="http://schemas.openxmlformats.org/officeDocument/2006/math">
                     <m:sSub>
@@ -22595,19 +25015,80 @@
                       <a:rPr lang="en-US" b="0" i="1" smtClean="0">
                         <a:latin typeface="Cambria Math" panose="02040503050406030204" pitchFamily="18" charset="0"/>
                       </a:rPr>
-                      <m:t>:</m:t>
+                      <m:t>, </m:t>
                     </m:r>
-                    <m:r>
-                      <a:rPr lang="en-US" b="0" i="1" smtClean="0">
-                        <a:latin typeface="Cambria Math" panose="02040503050406030204" pitchFamily="18" charset="0"/>
-                      </a:rPr>
-                      <m:t>𝑖𝑛𝑡𝑒𝑟𝑐𝑒𝑝𝑡</m:t>
-                    </m:r>
+                    <m:sSub>
+                      <m:sSubPr>
+                        <m:ctrlPr>
+                          <a:rPr lang="en-US" b="0" i="1" smtClean="0">
+                            <a:latin typeface="Cambria Math" panose="02040503050406030204" pitchFamily="18" charset="0"/>
+                          </a:rPr>
+                        </m:ctrlPr>
+                      </m:sSubPr>
+                      <m:e>
+                        <m:r>
+                          <a:rPr lang="en-US" b="0" i="1" smtClean="0">
+                            <a:latin typeface="Cambria Math" panose="02040503050406030204" pitchFamily="18" charset="0"/>
+                          </a:rPr>
+                          <m:t>𝛽</m:t>
+                        </m:r>
+                      </m:e>
+                      <m:sub>
+                        <m:r>
+                          <a:rPr lang="en-US" b="0" i="1" smtClean="0">
+                            <a:latin typeface="Cambria Math" panose="02040503050406030204" pitchFamily="18" charset="0"/>
+                          </a:rPr>
+                          <m:t>1</m:t>
+                        </m:r>
+                      </m:sub>
+                    </m:sSub>
                   </m:oMath>
                 </a14:m>
                 <a:r>
                   <a:rPr lang="en-US" dirty="0"/>
-                  <a:t>: The mean value of </a:t>
+                  <a:t> are constant across all observations</a:t>
+                </a:r>
+              </a:p>
+              <a:p>
+                <a:pPr marL="666900" lvl="1" indent="-342900">
+                  <a:buFont typeface="+mj-lt"/>
+                  <a:buAutoNum type="arabicParenR"/>
+                </a:pPr>
+                <a14:m>
+                  <m:oMath xmlns:m="http://schemas.openxmlformats.org/officeDocument/2006/math">
+                    <m:sSub>
+                      <m:sSubPr>
+                        <m:ctrlPr>
+                          <a:rPr lang="en-US" b="0" i="1" smtClean="0">
+                            <a:latin typeface="Cambria Math" panose="02040503050406030204" pitchFamily="18" charset="0"/>
+                            <a:ea typeface="Cambria Math" panose="02040503050406030204" pitchFamily="18" charset="0"/>
+                          </a:rPr>
+                        </m:ctrlPr>
+                      </m:sSubPr>
+                      <m:e>
+                        <m:r>
+                          <a:rPr lang="en-US" i="1" smtClean="0">
+                            <a:latin typeface="Cambria Math" panose="02040503050406030204" pitchFamily="18" charset="0"/>
+                            <a:ea typeface="Cambria Math" panose="02040503050406030204" pitchFamily="18" charset="0"/>
+                          </a:rPr>
+                          <m:t>𝜀</m:t>
+                        </m:r>
+                      </m:e>
+                      <m:sub>
+                        <m:r>
+                          <a:rPr lang="en-US" b="0" i="1" smtClean="0">
+                            <a:latin typeface="Cambria Math" panose="02040503050406030204" pitchFamily="18" charset="0"/>
+                            <a:ea typeface="Cambria Math" panose="02040503050406030204" pitchFamily="18" charset="0"/>
+                          </a:rPr>
+                          <m:t>𝑖</m:t>
+                        </m:r>
+                      </m:sub>
+                    </m:sSub>
+                  </m:oMath>
+                </a14:m>
+                <a:r>
+                  <a:rPr lang="en-US" dirty="0"/>
+                  <a:t> (the error also called disturbance) is directly associated to the </a:t>
                 </a:r>
                 <a14:m>
                   <m:oMath xmlns:m="http://schemas.openxmlformats.org/officeDocument/2006/math">
@@ -22615,239 +25096,73 @@
                       <a:rPr lang="en-US" b="0" i="1" smtClean="0">
                         <a:latin typeface="Cambria Math" panose="02040503050406030204" pitchFamily="18" charset="0"/>
                       </a:rPr>
-                      <m:t>𝑦</m:t>
+                      <m:t>𝑖</m:t>
                     </m:r>
                   </m:oMath>
                 </a14:m>
                 <a:r>
                   <a:rPr lang="en-US" dirty="0"/>
-                  <a:t> when all </a:t>
+                  <a:t>-</a:t>
+                </a:r>
+                <a:r>
+                  <a:rPr lang="en-US" dirty="0" err="1"/>
+                  <a:t>th</a:t>
+                </a:r>
+                <a:r>
+                  <a:rPr lang="en-US" dirty="0"/>
+                  <a:t> observation</a:t>
+                </a:r>
+              </a:p>
+              <a:p>
+                <a:pPr marL="0" indent="0">
+                  <a:buNone/>
+                </a:pPr>
+                <a:r>
+                  <a:rPr lang="en-US" dirty="0"/>
+                  <a:t> 	</a:t>
+                </a:r>
+              </a:p>
+              <a:p>
+                <a:pPr marL="0" indent="0">
+                  <a:buNone/>
+                </a:pPr>
+                <a:r>
+                  <a:rPr lang="en-US" dirty="0"/>
+                  <a:t>	Can we directly observe the population parameter </a:t>
                 </a:r>
                 <a14:m>
                   <m:oMath xmlns:m="http://schemas.openxmlformats.org/officeDocument/2006/math">
+                    <m:sSub>
+                      <m:sSubPr>
+                        <m:ctrlPr>
+                          <a:rPr lang="en-US" b="0" i="1" smtClean="0">
+                            <a:latin typeface="Cambria Math" panose="02040503050406030204" pitchFamily="18" charset="0"/>
+                          </a:rPr>
+                        </m:ctrlPr>
+                      </m:sSubPr>
+                      <m:e>
+                        <m:r>
+                          <a:rPr lang="en-US" b="0" i="1" smtClean="0">
+                            <a:latin typeface="Cambria Math" panose="02040503050406030204" pitchFamily="18" charset="0"/>
+                          </a:rPr>
+                          <m:t>𝛽</m:t>
+                        </m:r>
+                      </m:e>
+                      <m:sub>
+                        <m:r>
+                          <a:rPr lang="en-US" b="0" i="1" smtClean="0">
+                            <a:latin typeface="Cambria Math" panose="02040503050406030204" pitchFamily="18" charset="0"/>
+                          </a:rPr>
+                          <m:t>0</m:t>
+                        </m:r>
+                      </m:sub>
+                    </m:sSub>
                     <m:r>
                       <a:rPr lang="en-US" b="0" i="1" smtClean="0">
                         <a:latin typeface="Cambria Math" panose="02040503050406030204" pitchFamily="18" charset="0"/>
                       </a:rPr>
-                      <m:t>𝑥</m:t>
+                      <m:t>, </m:t>
                     </m:r>
-                  </m:oMath>
-                </a14:m>
-                <a:r>
-                  <a:rPr lang="en-US" dirty="0"/>
-                  <a:t> are zero</a:t>
-                </a:r>
-              </a:p>
-            </p:txBody>
-          </p:sp>
-        </mc:Choice>
-        <mc:Fallback xmlns="">
-          <p:sp>
-            <p:nvSpPr>
-              <p:cNvPr id="4" name="TextBox 3">
-                <a:extLst>
-                  <a:ext uri="{FF2B5EF4-FFF2-40B4-BE49-F238E27FC236}">
-                    <a16:creationId xmlns:a16="http://schemas.microsoft.com/office/drawing/2014/main" id="{6F13B425-F6F5-2465-52E1-B91452217E92}"/>
-                  </a:ext>
-                </a:extLst>
-              </p:cNvPr>
-              <p:cNvSpPr txBox="1">
-                <a:spLocks noRot="1" noChangeAspect="1" noMove="1" noResize="1" noEditPoints="1" noAdjustHandles="1" noChangeArrowheads="1" noChangeShapeType="1" noTextEdit="1"/>
-              </p:cNvSpPr>
-              <p:nvPr/>
-            </p:nvSpPr>
-            <p:spPr>
-              <a:xfrm>
-                <a:off x="935182" y="2105706"/>
-                <a:ext cx="8478982" cy="369332"/>
-              </a:xfrm>
-              <a:prstGeom prst="rect">
-                <a:avLst/>
-              </a:prstGeom>
-              <a:blipFill>
-                <a:blip r:embed="rId3"/>
-                <a:stretch>
-                  <a:fillRect l="-216" t="-8197" b="-24590"/>
-                </a:stretch>
-              </a:blipFill>
-            </p:spPr>
-            <p:txBody>
-              <a:bodyPr/>
-              <a:lstStyle/>
-              <a:p>
-                <a:r>
-                  <a:rPr lang="en-US">
-                    <a:noFill/>
-                  </a:rPr>
-                  <a:t> </a:t>
-                </a:r>
-              </a:p>
-            </p:txBody>
-          </p:sp>
-        </mc:Fallback>
-      </mc:AlternateContent>
-      <mc:AlternateContent xmlns:mc="http://schemas.openxmlformats.org/markup-compatibility/2006" xmlns:a14="http://schemas.microsoft.com/office/drawing/2010/main">
-        <mc:Choice Requires="a14">
-          <p:sp>
-            <p:nvSpPr>
-              <p:cNvPr id="5" name="TextBox 4">
-                <a:extLst>
-                  <a:ext uri="{FF2B5EF4-FFF2-40B4-BE49-F238E27FC236}">
-                    <a16:creationId xmlns:a16="http://schemas.microsoft.com/office/drawing/2014/main" id="{7C2B0B81-BB49-3657-2333-AA797A71374F}"/>
-                  </a:ext>
-                </a:extLst>
-              </p:cNvPr>
-              <p:cNvSpPr txBox="1"/>
-              <p:nvPr/>
-            </p:nvSpPr>
-            <p:spPr>
-              <a:xfrm>
-                <a:off x="1295397" y="5242313"/>
-                <a:ext cx="8478982" cy="369332"/>
-              </a:xfrm>
-              <a:prstGeom prst="rect">
-                <a:avLst/>
-              </a:prstGeom>
-              <a:noFill/>
-            </p:spPr>
-            <p:txBody>
-              <a:bodyPr wrap="square" rtlCol="0">
-                <a:spAutoFit/>
-              </a:bodyPr>
-              <a:lstStyle/>
-              <a:p>
-                <a:pPr/>
-                <a14:m>
-                  <m:oMathPara xmlns:m="http://schemas.openxmlformats.org/officeDocument/2006/math">
-                    <m:oMathParaPr>
-                      <m:jc m:val="centerGroup"/>
-                    </m:oMathParaPr>
-                    <m:oMath xmlns:m="http://schemas.openxmlformats.org/officeDocument/2006/math">
-                      <m:sSub>
-                        <m:sSubPr>
-                          <m:ctrlPr>
-                            <a:rPr lang="en-US" b="0" i="1" smtClean="0">
-                              <a:latin typeface="Cambria Math" panose="02040503050406030204" pitchFamily="18" charset="0"/>
-                              <a:sym typeface="Symbol" panose="05050102010706020507" pitchFamily="18" charset="2"/>
-                            </a:rPr>
-                          </m:ctrlPr>
-                        </m:sSubPr>
-                        <m:e>
-                          <m:r>
-                            <a:rPr lang="en-US" b="0" i="1" smtClean="0">
-                              <a:latin typeface="Cambria Math" panose="02040503050406030204" pitchFamily="18" charset="0"/>
-                              <a:sym typeface="Symbol" panose="05050102010706020507" pitchFamily="18" charset="2"/>
-                            </a:rPr>
-                            <m:t></m:t>
-                          </m:r>
-                        </m:e>
-                        <m:sub>
-                          <m:r>
-                            <a:rPr lang="en-US" b="0" i="1" smtClean="0">
-                              <a:latin typeface="Cambria Math" panose="02040503050406030204" pitchFamily="18" charset="0"/>
-                              <a:sym typeface="Symbol" panose="05050102010706020507" pitchFamily="18" charset="2"/>
-                            </a:rPr>
-                            <m:t>𝑖</m:t>
-                          </m:r>
-                        </m:sub>
-                      </m:sSub>
-                      <m:r>
-                        <a:rPr lang="en-US" b="0" i="1" smtClean="0">
-                          <a:latin typeface="Cambria Math" panose="02040503050406030204" pitchFamily="18" charset="0"/>
-                        </a:rPr>
-                        <m:t>:</m:t>
-                      </m:r>
-                      <m:r>
-                        <a:rPr lang="en-US" b="0" i="1" smtClean="0">
-                          <a:latin typeface="Cambria Math" panose="02040503050406030204" pitchFamily="18" charset="0"/>
-                        </a:rPr>
-                        <m:t>𝑒𝑟𝑟𝑜𝑟</m:t>
-                      </m:r>
-                    </m:oMath>
-                  </m:oMathPara>
-                </a14:m>
-                <a:endParaRPr lang="en-US" dirty="0"/>
-              </a:p>
-            </p:txBody>
-          </p:sp>
-        </mc:Choice>
-        <mc:Fallback xmlns="">
-          <p:sp>
-            <p:nvSpPr>
-              <p:cNvPr id="5" name="TextBox 4">
-                <a:extLst>
-                  <a:ext uri="{FF2B5EF4-FFF2-40B4-BE49-F238E27FC236}">
-                    <a16:creationId xmlns:a16="http://schemas.microsoft.com/office/drawing/2014/main" id="{7C2B0B81-BB49-3657-2333-AA797A71374F}"/>
-                  </a:ext>
-                </a:extLst>
-              </p:cNvPr>
-              <p:cNvSpPr txBox="1">
-                <a:spLocks noRot="1" noChangeAspect="1" noMove="1" noResize="1" noEditPoints="1" noAdjustHandles="1" noChangeArrowheads="1" noChangeShapeType="1" noTextEdit="1"/>
-              </p:cNvSpPr>
-              <p:nvPr/>
-            </p:nvSpPr>
-            <p:spPr>
-              <a:xfrm>
-                <a:off x="1295397" y="5242313"/>
-                <a:ext cx="8478982" cy="369332"/>
-              </a:xfrm>
-              <a:prstGeom prst="rect">
-                <a:avLst/>
-              </a:prstGeom>
-              <a:blipFill>
-                <a:blip r:embed="rId4"/>
-                <a:stretch>
-                  <a:fillRect/>
-                </a:stretch>
-              </a:blipFill>
-            </p:spPr>
-            <p:txBody>
-              <a:bodyPr/>
-              <a:lstStyle/>
-              <a:p>
-                <a:r>
-                  <a:rPr lang="en-US">
-                    <a:noFill/>
-                  </a:rPr>
-                  <a:t> </a:t>
-                </a:r>
-              </a:p>
-            </p:txBody>
-          </p:sp>
-        </mc:Fallback>
-      </mc:AlternateContent>
-      <mc:AlternateContent xmlns:mc="http://schemas.openxmlformats.org/markup-compatibility/2006" xmlns:a14="http://schemas.microsoft.com/office/drawing/2010/main">
-        <mc:Choice Requires="a14">
-          <p:sp>
-            <p:nvSpPr>
-              <p:cNvPr id="6" name="TextBox 5">
-                <a:extLst>
-                  <a:ext uri="{FF2B5EF4-FFF2-40B4-BE49-F238E27FC236}">
-                    <a16:creationId xmlns:a16="http://schemas.microsoft.com/office/drawing/2014/main" id="{3F6467C8-90C2-0CA8-B7FA-E28E294F0CBC}"/>
-                  </a:ext>
-                </a:extLst>
-              </p:cNvPr>
-              <p:cNvSpPr txBox="1"/>
-              <p:nvPr/>
-            </p:nvSpPr>
-            <p:spPr>
-              <a:xfrm>
-                <a:off x="1018309" y="3969515"/>
-                <a:ext cx="8478982" cy="369332"/>
-              </a:xfrm>
-              <a:prstGeom prst="rect">
-                <a:avLst/>
-              </a:prstGeom>
-              <a:noFill/>
-            </p:spPr>
-            <p:txBody>
-              <a:bodyPr wrap="square" rtlCol="0">
-                <a:spAutoFit/>
-              </a:bodyPr>
-              <a:lstStyle/>
-              <a:p>
-                <a14:m>
-                  <m:oMath xmlns:m="http://schemas.openxmlformats.org/officeDocument/2006/math">
                     <m:sSub>
                       <m:sSubPr>
                         <m:ctrlPr>
@@ -22877,19 +25192,50 @@
                       <a:rPr lang="en-US" b="0" i="1" smtClean="0">
                         <a:latin typeface="Cambria Math" panose="02040503050406030204" pitchFamily="18" charset="0"/>
                       </a:rPr>
-                      <m:t>:</m:t>
+                      <m:t>, </m:t>
                     </m:r>
-                    <m:r>
-                      <a:rPr lang="en-US" b="0" i="1" smtClean="0">
-                        <a:latin typeface="Cambria Math" panose="02040503050406030204" pitchFamily="18" charset="0"/>
-                      </a:rPr>
-                      <m:t>𝑠𝑙𝑜𝑝𝑒</m:t>
-                    </m:r>
+                    <m:sSub>
+                      <m:sSubPr>
+                        <m:ctrlPr>
+                          <a:rPr lang="en-US" b="0" i="1" smtClean="0">
+                            <a:latin typeface="Cambria Math" panose="02040503050406030204" pitchFamily="18" charset="0"/>
+                          </a:rPr>
+                        </m:ctrlPr>
+                      </m:sSubPr>
+                      <m:e>
+                        <m:r>
+                          <a:rPr lang="en-US" b="0" i="1" smtClean="0">
+                            <a:latin typeface="Cambria Math" panose="02040503050406030204" pitchFamily="18" charset="0"/>
+                          </a:rPr>
+                          <m:t>𝜀</m:t>
+                        </m:r>
+                      </m:e>
+                      <m:sub>
+                        <m:r>
+                          <a:rPr lang="en-US" b="0" i="1" smtClean="0">
+                            <a:latin typeface="Cambria Math" panose="02040503050406030204" pitchFamily="18" charset="0"/>
+                          </a:rPr>
+                          <m:t>𝑖</m:t>
+                        </m:r>
+                      </m:sub>
+                    </m:sSub>
                   </m:oMath>
                 </a14:m>
                 <a:r>
                   <a:rPr lang="en-US" dirty="0"/>
-                  <a:t>: How much the </a:t>
+                  <a:t> from sample? 🤔</a:t>
+                </a:r>
+              </a:p>
+              <a:p>
+                <a:pPr marL="0" indent="0">
+                  <a:buNone/>
+                </a:pPr>
+                <a:endParaRPr lang="en-US" dirty="0"/>
+              </a:p>
+              <a:p>
+                <a:r>
+                  <a:rPr lang="en-US" b="0" dirty="0"/>
+                  <a:t>For the </a:t>
                 </a:r>
                 <a14:m>
                   <m:oMath xmlns:m="http://schemas.openxmlformats.org/officeDocument/2006/math">
@@ -22897,172 +25243,46 @@
                       <a:rPr lang="en-US" b="0" i="1" smtClean="0">
                         <a:latin typeface="Cambria Math" panose="02040503050406030204" pitchFamily="18" charset="0"/>
                       </a:rPr>
-                      <m:t>𝑦</m:t>
+                      <m:t>𝑖</m:t>
                     </m:r>
                   </m:oMath>
                 </a14:m>
                 <a:r>
-                  <a:rPr lang="en-US" dirty="0"/>
-                  <a:t> changes for every one unit change in </a:t>
+                  <a:rPr lang="en-US" b="0" dirty="0"/>
+                  <a:t>-</a:t>
                 </a:r>
-                <a14:m>
-                  <m:oMath xmlns:m="http://schemas.openxmlformats.org/officeDocument/2006/math">
-                    <m:r>
-                      <a:rPr lang="en-US" b="0" i="1" smtClean="0">
-                        <a:latin typeface="Cambria Math" panose="02040503050406030204" pitchFamily="18" charset="0"/>
-                      </a:rPr>
-                      <m:t>𝑥</m:t>
-                    </m:r>
-                  </m:oMath>
-                </a14:m>
-                <a:endParaRPr lang="en-US" dirty="0"/>
-              </a:p>
-            </p:txBody>
-          </p:sp>
-        </mc:Choice>
-        <mc:Fallback xmlns="">
-          <p:sp>
-            <p:nvSpPr>
-              <p:cNvPr id="6" name="TextBox 5">
-                <a:extLst>
-                  <a:ext uri="{FF2B5EF4-FFF2-40B4-BE49-F238E27FC236}">
-                    <a16:creationId xmlns:a16="http://schemas.microsoft.com/office/drawing/2014/main" id="{3F6467C8-90C2-0CA8-B7FA-E28E294F0CBC}"/>
-                  </a:ext>
-                </a:extLst>
-              </p:cNvPr>
-              <p:cNvSpPr txBox="1">
-                <a:spLocks noRot="1" noChangeAspect="1" noMove="1" noResize="1" noEditPoints="1" noAdjustHandles="1" noChangeArrowheads="1" noChangeShapeType="1" noTextEdit="1"/>
-              </p:cNvSpPr>
-              <p:nvPr/>
-            </p:nvSpPr>
-            <p:spPr>
-              <a:xfrm>
-                <a:off x="1018309" y="3969515"/>
-                <a:ext cx="8478982" cy="369332"/>
-              </a:xfrm>
-              <a:prstGeom prst="rect">
-                <a:avLst/>
-              </a:prstGeom>
-              <a:blipFill>
-                <a:blip r:embed="rId5"/>
-                <a:stretch>
-                  <a:fillRect l="-216" t="-8197" b="-24590"/>
-                </a:stretch>
-              </a:blipFill>
-            </p:spPr>
-            <p:txBody>
-              <a:bodyPr/>
-              <a:lstStyle/>
-              <a:p>
                 <a:r>
-                  <a:rPr lang="en-US">
-                    <a:noFill/>
-                  </a:rPr>
-                  <a:t> </a:t>
+                  <a:rPr lang="en-US" b="0" dirty="0" err="1"/>
+                  <a:t>th</a:t>
+                </a:r>
+                <a:r>
+                  <a:rPr lang="en-US" b="0" dirty="0"/>
+                  <a:t> observation, the </a:t>
+                </a:r>
+                <a:r>
+                  <a:rPr lang="en-US" b="1" dirty="0"/>
+                  <a:t>estimated model based on sample </a:t>
+                </a:r>
+                <a:r>
+                  <a:rPr lang="en-US" b="0" dirty="0"/>
+                  <a:t>is:</a:t>
                 </a:r>
               </a:p>
-            </p:txBody>
-          </p:sp>
-        </mc:Fallback>
-      </mc:AlternateContent>
-    </p:spTree>
-    <p:extLst>
-      <p:ext uri="{BB962C8B-B14F-4D97-AF65-F5344CB8AC3E}">
-        <p14:creationId xmlns:p14="http://schemas.microsoft.com/office/powerpoint/2010/main" val="3652680725"/>
-      </p:ext>
-    </p:extLst>
-  </p:cSld>
-  <p:clrMapOvr>
-    <a:masterClrMapping/>
-  </p:clrMapOvr>
-</p:sld>
-</file>
-
-<file path=ppt/slides/slide7.xml><?xml version="1.0" encoding="utf-8"?>
-<p:sld xmlns:a="http://schemas.openxmlformats.org/drawingml/2006/main" xmlns:r="http://schemas.openxmlformats.org/officeDocument/2006/relationships" xmlns:p="http://schemas.openxmlformats.org/presentationml/2006/main">
-  <p:cSld>
-    <p:spTree>
-      <p:nvGrpSpPr>
-        <p:cNvPr id="1" name=""/>
-        <p:cNvGrpSpPr/>
-        <p:nvPr/>
-      </p:nvGrpSpPr>
-      <p:grpSpPr>
-        <a:xfrm>
-          <a:off x="0" y="0"/>
-          <a:ext cx="0" cy="0"/>
-          <a:chOff x="0" y="0"/>
-          <a:chExt cx="0" cy="0"/>
-        </a:xfrm>
-      </p:grpSpPr>
-      <p:sp>
-        <p:nvSpPr>
-          <p:cNvPr id="2" name="Title 1">
-            <a:extLst>
-              <a:ext uri="{FF2B5EF4-FFF2-40B4-BE49-F238E27FC236}">
-                <a16:creationId xmlns:a16="http://schemas.microsoft.com/office/drawing/2014/main" id="{A1B1D02D-5BFE-E909-C22F-976A87A3B7E9}"/>
-              </a:ext>
-            </a:extLst>
-          </p:cNvPr>
-          <p:cNvSpPr>
-            <a:spLocks noGrp="1"/>
-          </p:cNvSpPr>
-          <p:nvPr>
-            <p:ph type="title"/>
-          </p:nvPr>
-        </p:nvSpPr>
-        <p:spPr>
-          <a:xfrm>
-            <a:off x="581192" y="702156"/>
-            <a:ext cx="11029616" cy="738717"/>
-          </a:xfrm>
-        </p:spPr>
-        <p:txBody>
-          <a:bodyPr/>
-          <a:lstStyle/>
-          <a:p>
-            <a:r>
-              <a:rPr lang="en-US" dirty="0"/>
-              <a:t>Estimated model based on sample</a:t>
-            </a:r>
-          </a:p>
-        </p:txBody>
-      </p:sp>
-      <mc:AlternateContent xmlns:mc="http://schemas.openxmlformats.org/markup-compatibility/2006" xmlns:a14="http://schemas.microsoft.com/office/drawing/2010/main">
-        <mc:Choice Requires="a14">
-          <p:sp>
-            <p:nvSpPr>
-              <p:cNvPr id="3" name="Content Placeholder 2">
-                <a:extLst>
-                  <a:ext uri="{FF2B5EF4-FFF2-40B4-BE49-F238E27FC236}">
-                    <a16:creationId xmlns:a16="http://schemas.microsoft.com/office/drawing/2014/main" id="{FCFB9402-DBFC-1422-287B-C49630BF309C}"/>
-                  </a:ext>
-                </a:extLst>
-              </p:cNvPr>
-              <p:cNvSpPr>
-                <a:spLocks noGrp="1"/>
-              </p:cNvSpPr>
-              <p:nvPr>
-                <p:ph idx="1"/>
-              </p:nvPr>
-            </p:nvSpPr>
-            <p:spPr>
-              <a:xfrm>
-                <a:off x="581191" y="1602147"/>
-                <a:ext cx="11029615" cy="582445"/>
-              </a:xfrm>
-            </p:spPr>
-            <p:txBody>
-              <a:bodyPr/>
-              <a:lstStyle/>
               <a:p>
+                <a:pPr marL="324000" lvl="1" indent="0">
+                  <a:buNone/>
+                </a:pPr>
+                <a:r>
+                  <a:rPr lang="en-US" b="0" dirty="0"/>
+                  <a:t> </a:t>
+                </a:r>
                 <a14:m>
                   <m:oMath xmlns:m="http://schemas.openxmlformats.org/officeDocument/2006/math">
                     <m:acc>
                       <m:accPr>
                         <m:chr m:val="̂"/>
                         <m:ctrlPr>
-                          <a:rPr lang="en-US" sz="1800" b="0" i="1" smtClean="0">
+                          <a:rPr lang="en-US" i="1" smtClean="0">
                             <a:latin typeface="Cambria Math" panose="02040503050406030204" pitchFamily="18" charset="0"/>
                           </a:rPr>
                         </m:ctrlPr>
@@ -23096,7 +25316,7 @@
                       </m:e>
                     </m:acc>
                     <m:r>
-                      <a:rPr lang="en-US" sz="1800" b="0" i="1" smtClean="0">
+                      <a:rPr lang="en-US" i="1" smtClean="0">
                         <a:latin typeface="Cambria Math" panose="02040503050406030204" pitchFamily="18" charset="0"/>
                       </a:rPr>
                       <m:t>=</m:t>
@@ -23104,14 +25324,14 @@
                     <m:sSub>
                       <m:sSubPr>
                         <m:ctrlPr>
-                          <a:rPr lang="en-US" sz="1800" b="0" i="1" smtClean="0">
+                          <a:rPr lang="en-US" i="1" smtClean="0">
                             <a:latin typeface="Cambria Math" panose="02040503050406030204" pitchFamily="18" charset="0"/>
                           </a:rPr>
                         </m:ctrlPr>
                       </m:sSubPr>
                       <m:e>
                         <m:r>
-                          <a:rPr lang="en-US" sz="1800" b="0" i="1" smtClean="0">
+                          <a:rPr lang="en-US" i="1" smtClean="0">
                             <a:latin typeface="Cambria Math" panose="02040503050406030204" pitchFamily="18" charset="0"/>
                           </a:rPr>
                           <m:t>𝑏</m:t>
@@ -23119,7 +25339,7 @@
                       </m:e>
                       <m:sub>
                         <m:r>
-                          <a:rPr lang="en-US" sz="1800" b="0" i="1" smtClean="0">
+                          <a:rPr lang="en-US" i="1" smtClean="0">
                             <a:latin typeface="Cambria Math" panose="02040503050406030204" pitchFamily="18" charset="0"/>
                           </a:rPr>
                           <m:t>0</m:t>
@@ -23127,7 +25347,7 @@
                       </m:sub>
                     </m:sSub>
                     <m:r>
-                      <a:rPr lang="en-US" sz="1800" b="0" i="1" smtClean="0">
+                      <a:rPr lang="en-US" i="1" smtClean="0">
                         <a:latin typeface="Cambria Math" panose="02040503050406030204" pitchFamily="18" charset="0"/>
                       </a:rPr>
                       <m:t>+</m:t>
@@ -23135,14 +25355,14 @@
                     <m:sSub>
                       <m:sSubPr>
                         <m:ctrlPr>
-                          <a:rPr lang="en-US" sz="1800" b="0" i="1" smtClean="0">
+                          <a:rPr lang="en-US" i="1" smtClean="0">
                             <a:latin typeface="Cambria Math" panose="02040503050406030204" pitchFamily="18" charset="0"/>
                           </a:rPr>
                         </m:ctrlPr>
                       </m:sSubPr>
                       <m:e>
                         <m:r>
-                          <a:rPr lang="en-US" sz="1800" b="0" i="1" smtClean="0">
+                          <a:rPr lang="en-US" i="1" smtClean="0">
                             <a:latin typeface="Cambria Math" panose="02040503050406030204" pitchFamily="18" charset="0"/>
                           </a:rPr>
                           <m:t>𝑏</m:t>
@@ -23150,7 +25370,7 @@
                       </m:e>
                       <m:sub>
                         <m:r>
-                          <a:rPr lang="en-US" sz="1800" b="0" i="1" smtClean="0">
+                          <a:rPr lang="en-US" i="1" smtClean="0">
                             <a:latin typeface="Cambria Math" panose="02040503050406030204" pitchFamily="18" charset="0"/>
                           </a:rPr>
                           <m:t>1</m:t>
@@ -23158,7 +25378,7 @@
                       </m:sub>
                     </m:sSub>
                     <m:r>
-                      <a:rPr lang="en-US" sz="1800" b="0" i="1" smtClean="0">
+                      <a:rPr lang="en-US" i="1" smtClean="0">
                         <a:latin typeface="Cambria Math" panose="02040503050406030204" pitchFamily="18" charset="0"/>
                       </a:rPr>
                       <m:t>∗</m:t>
@@ -23166,14 +25386,14 @@
                     <m:sSub>
                       <m:sSubPr>
                         <m:ctrlPr>
-                          <a:rPr lang="en-US" sz="1800" b="0" i="1" smtClean="0">
+                          <a:rPr lang="en-US" i="1" smtClean="0">
                             <a:latin typeface="Cambria Math" panose="02040503050406030204" pitchFamily="18" charset="0"/>
                           </a:rPr>
                         </m:ctrlPr>
                       </m:sSubPr>
                       <m:e>
                         <m:r>
-                          <a:rPr lang="en-US" sz="1800" b="0" i="1" smtClean="0">
+                          <a:rPr lang="en-US" i="1" smtClean="0">
                             <a:latin typeface="Cambria Math" panose="02040503050406030204" pitchFamily="18" charset="0"/>
                           </a:rPr>
                           <m:t>𝑥</m:t>
@@ -23181,13 +25401,13 @@
                       </m:e>
                       <m:sub>
                         <m:r>
-                          <a:rPr lang="en-US" sz="1800" b="0" i="1" smtClean="0">
+                          <a:rPr lang="en-US" i="1" smtClean="0">
                             <a:latin typeface="Cambria Math" panose="02040503050406030204" pitchFamily="18" charset="0"/>
                           </a:rPr>
                           <m:t>𝑖</m:t>
                         </m:r>
                         <m:r>
-                          <a:rPr lang="en-US" sz="1800" b="0" i="1" smtClean="0">
+                          <a:rPr lang="en-US" i="1" smtClean="0">
                             <a:latin typeface="Cambria Math" panose="02040503050406030204" pitchFamily="18" charset="0"/>
                           </a:rPr>
                           <m:t>1</m:t>
@@ -23195,7 +25415,7 @@
                       </m:sub>
                     </m:sSub>
                     <m:r>
-                      <a:rPr lang="en-US" sz="1800" b="0" i="1" smtClean="0">
+                      <a:rPr lang="en-US" i="1" smtClean="0">
                         <a:latin typeface="Cambria Math" panose="02040503050406030204" pitchFamily="18" charset="0"/>
                       </a:rPr>
                       <m:t>+</m:t>
@@ -23203,14 +25423,14 @@
                     <m:sSub>
                       <m:sSubPr>
                         <m:ctrlPr>
-                          <a:rPr lang="en-US" sz="1800" b="0" i="1" smtClean="0">
+                          <a:rPr lang="en-US" i="1" smtClean="0">
                             <a:latin typeface="Cambria Math" panose="02040503050406030204" pitchFamily="18" charset="0"/>
                           </a:rPr>
                         </m:ctrlPr>
                       </m:sSubPr>
                       <m:e>
                         <m:r>
-                          <a:rPr lang="en-US" sz="1800" b="0" i="1" smtClean="0">
+                          <a:rPr lang="en-US" i="1" smtClean="0">
                             <a:latin typeface="Cambria Math" panose="02040503050406030204" pitchFamily="18" charset="0"/>
                           </a:rPr>
                           <m:t>𝑒</m:t>
@@ -23218,7 +25438,7 @@
                       </m:e>
                       <m:sub>
                         <m:r>
-                          <a:rPr lang="en-US" sz="1800" b="0" i="1" smtClean="0">
+                          <a:rPr lang="en-US" i="1" smtClean="0">
                             <a:latin typeface="Cambria Math" panose="02040503050406030204" pitchFamily="18" charset="0"/>
                           </a:rPr>
                           <m:t>𝑖</m:t>
@@ -23236,14 +25456,14 @@
                     <m:sSub>
                       <m:sSubPr>
                         <m:ctrlPr>
-                          <a:rPr lang="en-US" b="0" i="1" smtClean="0">
+                          <a:rPr lang="en-US" i="1" smtClean="0">
                             <a:latin typeface="Cambria Math" panose="02040503050406030204" pitchFamily="18" charset="0"/>
                           </a:rPr>
                         </m:ctrlPr>
                       </m:sSubPr>
                       <m:e>
                         <m:r>
-                          <a:rPr lang="en-US" b="0" i="1" smtClean="0">
+                          <a:rPr lang="en-US" i="1" smtClean="0">
                             <a:latin typeface="Cambria Math" panose="02040503050406030204" pitchFamily="18" charset="0"/>
                           </a:rPr>
                           <m:t>𝑒</m:t>
@@ -23251,7 +25471,7 @@
                       </m:e>
                       <m:sub>
                         <m:r>
-                          <a:rPr lang="en-US" b="0" i="1" smtClean="0">
+                          <a:rPr lang="en-US" i="1" smtClean="0">
                             <a:latin typeface="Cambria Math" panose="02040503050406030204" pitchFamily="18" charset="0"/>
                           </a:rPr>
                           <m:t>𝑖</m:t>
@@ -23259,7 +25479,7 @@
                       </m:sub>
                     </m:sSub>
                     <m:r>
-                      <a:rPr lang="en-US" b="0" i="1" smtClean="0">
+                      <a:rPr lang="en-US" i="1" smtClean="0">
                         <a:latin typeface="Cambria Math" panose="02040503050406030204" pitchFamily="18" charset="0"/>
                       </a:rPr>
                       <m:t>=</m:t>
@@ -23267,14 +25487,14 @@
                     <m:sSub>
                       <m:sSubPr>
                         <m:ctrlPr>
-                          <a:rPr lang="en-US" b="0" i="1" smtClean="0">
+                          <a:rPr lang="en-US" i="1" smtClean="0">
                             <a:latin typeface="Cambria Math" panose="02040503050406030204" pitchFamily="18" charset="0"/>
                           </a:rPr>
                         </m:ctrlPr>
                       </m:sSubPr>
                       <m:e>
                         <m:r>
-                          <a:rPr lang="en-US" b="0" i="1" smtClean="0">
+                          <a:rPr lang="en-US" i="1" smtClean="0">
                             <a:latin typeface="Cambria Math" panose="02040503050406030204" pitchFamily="18" charset="0"/>
                           </a:rPr>
                           <m:t>𝑦</m:t>
@@ -23282,7 +25502,7 @@
                       </m:e>
                       <m:sub>
                         <m:r>
-                          <a:rPr lang="en-US" b="0" i="1" smtClean="0">
+                          <a:rPr lang="en-US" i="1" smtClean="0">
                             <a:latin typeface="Cambria Math" panose="02040503050406030204" pitchFamily="18" charset="0"/>
                           </a:rPr>
                           <m:t>𝑖</m:t>
@@ -23290,7 +25510,7 @@
                       </m:sub>
                     </m:sSub>
                     <m:r>
-                      <a:rPr lang="en-US" b="0" i="1" smtClean="0">
+                      <a:rPr lang="en-US" i="1" smtClean="0">
                         <a:latin typeface="Cambria Math" panose="02040503050406030204" pitchFamily="18" charset="0"/>
                       </a:rPr>
                       <m:t> − </m:t>
@@ -23299,7 +25519,7 @@
                       <m:accPr>
                         <m:chr m:val="̂"/>
                         <m:ctrlPr>
-                          <a:rPr lang="en-US" b="0" i="1" smtClean="0">
+                          <a:rPr lang="en-US" i="1" smtClean="0">
                             <a:latin typeface="Cambria Math" panose="02040503050406030204" pitchFamily="18" charset="0"/>
                           </a:rPr>
                         </m:ctrlPr>
@@ -23308,14 +25528,14 @@
                         <m:sSub>
                           <m:sSubPr>
                             <m:ctrlPr>
-                              <a:rPr lang="en-US" b="0" i="1" smtClean="0">
+                              <a:rPr lang="en-US" i="1" smtClean="0">
                                 <a:latin typeface="Cambria Math" panose="02040503050406030204" pitchFamily="18" charset="0"/>
                               </a:rPr>
                             </m:ctrlPr>
                           </m:sSubPr>
                           <m:e>
                             <m:r>
-                              <a:rPr lang="en-US" b="0" i="1" smtClean="0">
+                              <a:rPr lang="en-US" i="1" smtClean="0">
                                 <a:latin typeface="Cambria Math" panose="02040503050406030204" pitchFamily="18" charset="0"/>
                               </a:rPr>
                               <m:t>𝑦</m:t>
@@ -23323,7 +25543,7 @@
                           </m:e>
                           <m:sub>
                             <m:r>
-                              <a:rPr lang="en-US" b="0" i="1" smtClean="0">
+                              <a:rPr lang="en-US" i="1" smtClean="0">
                                 <a:latin typeface="Cambria Math" panose="02040503050406030204" pitchFamily="18" charset="0"/>
                               </a:rPr>
                               <m:t>𝑖</m:t>
@@ -23334,18 +25554,18 @@
                     </m:acc>
                   </m:oMath>
                 </a14:m>
-                <a:endParaRPr lang="en-US" b="0" dirty="0"/>
+                <a:endParaRPr lang="en-US" dirty="0"/>
               </a:p>
             </p:txBody>
           </p:sp>
         </mc:Choice>
-        <mc:Fallback xmlns="">
+        <mc:Fallback>
           <p:sp>
             <p:nvSpPr>
               <p:cNvPr id="3" name="Content Placeholder 2">
                 <a:extLst>
                   <a:ext uri="{FF2B5EF4-FFF2-40B4-BE49-F238E27FC236}">
-                    <a16:creationId xmlns:a16="http://schemas.microsoft.com/office/drawing/2014/main" id="{FCFB9402-DBFC-1422-287B-C49630BF309C}"/>
+                    <a16:creationId xmlns:a16="http://schemas.microsoft.com/office/drawing/2014/main" id="{865CC547-A95F-5C73-4C57-007ACF6955D8}"/>
                   </a:ext>
                 </a:extLst>
               </p:cNvPr>
@@ -23358,8 +25578,8 @@
             </p:nvSpPr>
             <p:spPr>
               <a:xfrm>
-                <a:off x="581191" y="1602147"/>
-                <a:ext cx="11029615" cy="582445"/>
+                <a:off x="581193" y="1783218"/>
+                <a:ext cx="11029615" cy="3516146"/>
               </a:xfrm>
               <a:blipFill>
                 <a:blip r:embed="rId2"/>
@@ -23383,10 +25603,275 @@
           </p:sp>
         </mc:Fallback>
       </mc:AlternateContent>
+      <p:sp>
+        <p:nvSpPr>
+          <p:cNvPr id="7" name="Content Placeholder 2">
+            <a:extLst>
+              <a:ext uri="{FF2B5EF4-FFF2-40B4-BE49-F238E27FC236}">
+                <a16:creationId xmlns:a16="http://schemas.microsoft.com/office/drawing/2014/main" id="{FCFB9402-DBFC-1422-287B-C49630BF309C}"/>
+              </a:ext>
+            </a:extLst>
+          </p:cNvPr>
+          <p:cNvSpPr txBox="1">
+            <a:spLocks/>
+          </p:cNvSpPr>
+          <p:nvPr/>
+        </p:nvSpPr>
+        <p:spPr>
+          <a:xfrm>
+            <a:off x="3158485" y="2846555"/>
+            <a:ext cx="5875027" cy="582445"/>
+          </a:xfrm>
+          <a:prstGeom prst="rect">
+            <a:avLst/>
+          </a:prstGeom>
+        </p:spPr>
+        <p:txBody>
+          <a:bodyPr vert="horz" lIns="91440" tIns="45720" rIns="91440" bIns="45720" rtlCol="0" anchor="ctr">
+            <a:normAutofit/>
+          </a:bodyPr>
+          <a:lstStyle>
+            <a:lvl1pPr marL="306000" indent="-306000" algn="l" defTabSz="457200" rtl="0" eaLnBrk="1" latinLnBrk="0" hangingPunct="1">
+              <a:lnSpc>
+                <a:spcPct val="100000"/>
+              </a:lnSpc>
+              <a:spcBef>
+                <a:spcPct val="20000"/>
+              </a:spcBef>
+              <a:spcAft>
+                <a:spcPts val="600"/>
+              </a:spcAft>
+              <a:buClr>
+                <a:schemeClr val="accent1"/>
+              </a:buClr>
+              <a:buSzPct val="92000"/>
+              <a:buFont typeface="Wingdings 2" panose="05020102010507070707" pitchFamily="18" charset="2"/>
+              <a:buChar char=""/>
+              <a:defRPr sz="1800" kern="1200">
+                <a:solidFill>
+                  <a:schemeClr val="tx1">
+                    <a:lumMod val="75000"/>
+                    <a:lumOff val="25000"/>
+                  </a:schemeClr>
+                </a:solidFill>
+                <a:latin typeface="+mn-lt"/>
+                <a:ea typeface="+mn-ea"/>
+                <a:cs typeface="+mn-cs"/>
+              </a:defRPr>
+            </a:lvl1pPr>
+            <a:lvl2pPr marL="630000" indent="-306000" algn="l" defTabSz="457200" rtl="0" eaLnBrk="1" latinLnBrk="0" hangingPunct="1">
+              <a:lnSpc>
+                <a:spcPct val="100000"/>
+              </a:lnSpc>
+              <a:spcBef>
+                <a:spcPct val="20000"/>
+              </a:spcBef>
+              <a:spcAft>
+                <a:spcPts val="600"/>
+              </a:spcAft>
+              <a:buClr>
+                <a:schemeClr val="accent1"/>
+              </a:buClr>
+              <a:buSzPct val="92000"/>
+              <a:buFont typeface="Wingdings 2" panose="05020102010507070707" pitchFamily="18" charset="2"/>
+              <a:buChar char=""/>
+              <a:defRPr sz="1600" kern="1200">
+                <a:solidFill>
+                  <a:schemeClr val="tx1">
+                    <a:lumMod val="75000"/>
+                    <a:lumOff val="25000"/>
+                  </a:schemeClr>
+                </a:solidFill>
+                <a:latin typeface="+mn-lt"/>
+                <a:ea typeface="+mn-ea"/>
+                <a:cs typeface="+mn-cs"/>
+              </a:defRPr>
+            </a:lvl2pPr>
+            <a:lvl3pPr marL="900000" indent="-270000" algn="l" defTabSz="457200" rtl="0" eaLnBrk="1" latinLnBrk="0" hangingPunct="1">
+              <a:lnSpc>
+                <a:spcPct val="100000"/>
+              </a:lnSpc>
+              <a:spcBef>
+                <a:spcPct val="20000"/>
+              </a:spcBef>
+              <a:spcAft>
+                <a:spcPts val="600"/>
+              </a:spcAft>
+              <a:buClr>
+                <a:schemeClr val="accent1"/>
+              </a:buClr>
+              <a:buSzPct val="92000"/>
+              <a:buFont typeface="Wingdings 2" panose="05020102010507070707" pitchFamily="18" charset="2"/>
+              <a:buChar char=""/>
+              <a:defRPr sz="1400" kern="1200">
+                <a:solidFill>
+                  <a:schemeClr val="tx1">
+                    <a:lumMod val="75000"/>
+                    <a:lumOff val="25000"/>
+                  </a:schemeClr>
+                </a:solidFill>
+                <a:latin typeface="+mn-lt"/>
+                <a:ea typeface="+mn-ea"/>
+                <a:cs typeface="+mn-cs"/>
+              </a:defRPr>
+            </a:lvl3pPr>
+            <a:lvl4pPr marL="1242000" indent="-234000" algn="l" defTabSz="457200" rtl="0" eaLnBrk="1" latinLnBrk="0" hangingPunct="1">
+              <a:lnSpc>
+                <a:spcPct val="100000"/>
+              </a:lnSpc>
+              <a:spcBef>
+                <a:spcPct val="20000"/>
+              </a:spcBef>
+              <a:spcAft>
+                <a:spcPts val="600"/>
+              </a:spcAft>
+              <a:buClr>
+                <a:schemeClr val="accent1"/>
+              </a:buClr>
+              <a:buSzPct val="92000"/>
+              <a:buFont typeface="Wingdings 2" panose="05020102010507070707" pitchFamily="18" charset="2"/>
+              <a:buChar char=""/>
+              <a:defRPr sz="1200" kern="1200">
+                <a:solidFill>
+                  <a:schemeClr val="tx1">
+                    <a:lumMod val="75000"/>
+                    <a:lumOff val="25000"/>
+                  </a:schemeClr>
+                </a:solidFill>
+                <a:latin typeface="+mn-lt"/>
+                <a:ea typeface="+mn-ea"/>
+                <a:cs typeface="+mn-cs"/>
+              </a:defRPr>
+            </a:lvl4pPr>
+            <a:lvl5pPr marL="1602000" indent="-234000" algn="l" defTabSz="457200" rtl="0" eaLnBrk="1" latinLnBrk="0" hangingPunct="1">
+              <a:lnSpc>
+                <a:spcPct val="100000"/>
+              </a:lnSpc>
+              <a:spcBef>
+                <a:spcPct val="20000"/>
+              </a:spcBef>
+              <a:spcAft>
+                <a:spcPts val="600"/>
+              </a:spcAft>
+              <a:buClr>
+                <a:schemeClr val="accent1"/>
+              </a:buClr>
+              <a:buSzPct val="92000"/>
+              <a:buFont typeface="Wingdings 2" panose="05020102010507070707" pitchFamily="18" charset="2"/>
+              <a:buChar char=""/>
+              <a:defRPr sz="1200" kern="1200">
+                <a:solidFill>
+                  <a:schemeClr val="tx1">
+                    <a:lumMod val="75000"/>
+                    <a:lumOff val="25000"/>
+                  </a:schemeClr>
+                </a:solidFill>
+                <a:latin typeface="+mn-lt"/>
+                <a:ea typeface="+mn-ea"/>
+                <a:cs typeface="+mn-cs"/>
+              </a:defRPr>
+            </a:lvl5pPr>
+            <a:lvl6pPr marL="1900000" indent="-228600" algn="l" defTabSz="457200" rtl="0" eaLnBrk="1" latinLnBrk="0" hangingPunct="1">
+              <a:spcBef>
+                <a:spcPct val="20000"/>
+              </a:spcBef>
+              <a:spcAft>
+                <a:spcPts val="600"/>
+              </a:spcAft>
+              <a:buClr>
+                <a:schemeClr val="accent2"/>
+              </a:buClr>
+              <a:buSzPct val="92000"/>
+              <a:buFont typeface="Wingdings 2" panose="05020102010507070707" pitchFamily="18" charset="2"/>
+              <a:buChar char=""/>
+              <a:defRPr sz="1200" kern="1200">
+                <a:solidFill>
+                  <a:schemeClr val="tx2"/>
+                </a:solidFill>
+                <a:latin typeface="+mn-lt"/>
+                <a:ea typeface="+mn-ea"/>
+                <a:cs typeface="+mn-cs"/>
+              </a:defRPr>
+            </a:lvl6pPr>
+            <a:lvl7pPr marL="2200000" indent="-228600" algn="l" defTabSz="457200" rtl="0" eaLnBrk="1" latinLnBrk="0" hangingPunct="1">
+              <a:spcBef>
+                <a:spcPct val="20000"/>
+              </a:spcBef>
+              <a:spcAft>
+                <a:spcPts val="600"/>
+              </a:spcAft>
+              <a:buClr>
+                <a:schemeClr val="accent2"/>
+              </a:buClr>
+              <a:buSzPct val="92000"/>
+              <a:buFont typeface="Wingdings 2" panose="05020102010507070707" pitchFamily="18" charset="2"/>
+              <a:buChar char=""/>
+              <a:defRPr sz="1200" kern="1200">
+                <a:solidFill>
+                  <a:schemeClr val="tx2"/>
+                </a:solidFill>
+                <a:latin typeface="+mn-lt"/>
+                <a:ea typeface="+mn-ea"/>
+                <a:cs typeface="+mn-cs"/>
+              </a:defRPr>
+            </a:lvl7pPr>
+            <a:lvl8pPr marL="2500000" indent="-228600" algn="l" defTabSz="457200" rtl="0" eaLnBrk="1" latinLnBrk="0" hangingPunct="1">
+              <a:spcBef>
+                <a:spcPct val="20000"/>
+              </a:spcBef>
+              <a:spcAft>
+                <a:spcPts val="600"/>
+              </a:spcAft>
+              <a:buClr>
+                <a:schemeClr val="accent2"/>
+              </a:buClr>
+              <a:buSzPct val="92000"/>
+              <a:buFont typeface="Wingdings 2" panose="05020102010507070707" pitchFamily="18" charset="2"/>
+              <a:buChar char=""/>
+              <a:defRPr sz="1200" kern="1200">
+                <a:solidFill>
+                  <a:schemeClr val="tx2"/>
+                </a:solidFill>
+                <a:latin typeface="+mn-lt"/>
+                <a:ea typeface="+mn-ea"/>
+                <a:cs typeface="+mn-cs"/>
+              </a:defRPr>
+            </a:lvl8pPr>
+            <a:lvl9pPr marL="2800000" indent="-228600" algn="l" defTabSz="457200" rtl="0" eaLnBrk="1" latinLnBrk="0" hangingPunct="1">
+              <a:spcBef>
+                <a:spcPct val="20000"/>
+              </a:spcBef>
+              <a:spcAft>
+                <a:spcPts val="600"/>
+              </a:spcAft>
+              <a:buClr>
+                <a:schemeClr val="accent2"/>
+              </a:buClr>
+              <a:buSzPct val="92000"/>
+              <a:buFont typeface="Wingdings 2" panose="05020102010507070707" pitchFamily="18" charset="2"/>
+              <a:buChar char=""/>
+              <a:defRPr sz="1200" kern="1200">
+                <a:solidFill>
+                  <a:schemeClr val="tx2"/>
+                </a:solidFill>
+                <a:latin typeface="+mn-lt"/>
+                <a:ea typeface="+mn-ea"/>
+                <a:cs typeface="+mn-cs"/>
+              </a:defRPr>
+            </a:lvl9pPr>
+          </a:lstStyle>
+          <a:p>
+            <a:pPr marL="0" indent="0">
+              <a:buNone/>
+            </a:pPr>
+            <a:endParaRPr lang="en-US" dirty="0"/>
+          </a:p>
+        </p:txBody>
+      </p:sp>
     </p:spTree>
     <p:extLst>
       <p:ext uri="{BB962C8B-B14F-4D97-AF65-F5344CB8AC3E}">
-        <p14:creationId xmlns:p14="http://schemas.microsoft.com/office/powerpoint/2010/main" val="4022476795"/>
+        <p14:creationId xmlns:p14="http://schemas.microsoft.com/office/powerpoint/2010/main" val="3652680725"/>
       </p:ext>
     </p:extLst>
   </p:cSld>
@@ -23396,7 +25881,7 @@
 </p:sld>
 </file>
 
-<file path=ppt/slides/slide8.xml><?xml version="1.0" encoding="utf-8"?>
+<file path=ppt/slides/slide7.xml><?xml version="1.0" encoding="utf-8"?>
 <p:sld xmlns:a="http://schemas.openxmlformats.org/drawingml/2006/main" xmlns:r="http://schemas.openxmlformats.org/officeDocument/2006/relationships" xmlns:p="http://schemas.openxmlformats.org/presentationml/2006/main">
   <p:cSld>
     <p:spTree>
@@ -23492,7 +25977,7 @@
         </p:nvSpPr>
         <p:spPr>
           <a:xfrm>
-            <a:off x="2204482" y="1670510"/>
+            <a:off x="2204482" y="1564978"/>
             <a:ext cx="3778104" cy="646331"/>
           </a:xfrm>
           <a:prstGeom prst="rect">
@@ -23507,14 +25992,30 @@
           <a:lstStyle/>
           <a:p>
             <a:r>
-              <a:rPr lang="en-US" dirty="0"/>
-              <a:t>Red line: population regression line</a:t>
+              <a:rPr lang="en-US" b="1" dirty="0">
+                <a:solidFill>
+                  <a:srgbClr val="FF0000"/>
+                </a:solidFill>
+              </a:rPr>
+              <a:t>Red line: </a:t>
             </a:r>
-          </a:p>
-          <a:p>
             <a:r>
               <a:rPr lang="en-US" dirty="0"/>
-              <a:t>Dark blue: sample regression line </a:t>
+              <a:t>population regression line</a:t>
+            </a:r>
+          </a:p>
+          <a:p>
+            <a:r>
+              <a:rPr lang="en-US" b="1" dirty="0">
+                <a:solidFill>
+                  <a:srgbClr val="0070C0"/>
+                </a:solidFill>
+              </a:rPr>
+              <a:t>Dark blue: </a:t>
+            </a:r>
+            <a:r>
+              <a:rPr lang="en-US" dirty="0"/>
+              <a:t>sample regression line </a:t>
             </a:r>
           </a:p>
         </p:txBody>
@@ -23548,8 +26049,16 @@
           <a:lstStyle/>
           <a:p>
             <a:r>
+              <a:rPr lang="en-US" b="1" dirty="0">
+                <a:solidFill>
+                  <a:srgbClr val="00B0F0"/>
+                </a:solidFill>
+              </a:rPr>
+              <a:t>Light blue: </a:t>
+            </a:r>
+            <a:r>
               <a:rPr lang="en-US" dirty="0"/>
-              <a:t>Light blue: sample regression line based on different samples</a:t>
+              <a:t>sample regression line based on different samples</a:t>
             </a:r>
           </a:p>
         </p:txBody>
@@ -23567,7 +26076,7 @@
 </p:sld>
 </file>
 
-<file path=ppt/slides/slide9.xml><?xml version="1.0" encoding="utf-8"?>
+<file path=ppt/slides/slide8.xml><?xml version="1.0" encoding="utf-8"?>
 <p:sld xmlns:a="http://schemas.openxmlformats.org/drawingml/2006/main" xmlns:r="http://schemas.openxmlformats.org/officeDocument/2006/relationships" xmlns:p="http://schemas.openxmlformats.org/presentationml/2006/main">
   <p:cSld>
     <p:bg>
@@ -24270,7 +26779,7 @@
                 <a:ea typeface="+mj-ea"/>
                 <a:cs typeface="+mj-cs"/>
               </a:rPr>
-              <a:t>2.1.3 key assumption</a:t>
+              <a:t>2.1.3 key assumption on regression analysis</a:t>
             </a:r>
           </a:p>
         </p:txBody>
@@ -24470,6 +26979,183 @@
       <p:bldP spid="2" grpId="0"/>
     </p:bldLst>
   </p:timing>
+</p:sld>
+</file>
+
+<file path=ppt/slides/slide9.xml><?xml version="1.0" encoding="utf-8"?>
+<p:sld xmlns:a="http://schemas.openxmlformats.org/drawingml/2006/main" xmlns:r="http://schemas.openxmlformats.org/officeDocument/2006/relationships" xmlns:p="http://schemas.openxmlformats.org/presentationml/2006/main">
+  <p:cSld>
+    <p:spTree>
+      <p:nvGrpSpPr>
+        <p:cNvPr id="1" name=""/>
+        <p:cNvGrpSpPr/>
+        <p:nvPr/>
+      </p:nvGrpSpPr>
+      <p:grpSpPr>
+        <a:xfrm>
+          <a:off x="0" y="0"/>
+          <a:ext cx="0" cy="0"/>
+          <a:chOff x="0" y="0"/>
+          <a:chExt cx="0" cy="0"/>
+        </a:xfrm>
+      </p:grpSpPr>
+      <p:sp>
+        <p:nvSpPr>
+          <p:cNvPr id="3" name="Content Placeholder 2">
+            <a:extLst>
+              <a:ext uri="{FF2B5EF4-FFF2-40B4-BE49-F238E27FC236}">
+                <a16:creationId xmlns:a16="http://schemas.microsoft.com/office/drawing/2014/main" id="{DCC289CC-098B-88C7-F7A3-21722C988A91}"/>
+              </a:ext>
+            </a:extLst>
+          </p:cNvPr>
+          <p:cNvSpPr>
+            <a:spLocks noGrp="1"/>
+          </p:cNvSpPr>
+          <p:nvPr>
+            <p:ph idx="1"/>
+          </p:nvPr>
+        </p:nvSpPr>
+        <p:spPr>
+          <a:xfrm>
+            <a:off x="504993" y="899990"/>
+            <a:ext cx="11029615" cy="1389553"/>
+          </a:xfrm>
+        </p:spPr>
+        <p:txBody>
+          <a:bodyPr>
+            <a:noAutofit/>
+          </a:bodyPr>
+          <a:lstStyle/>
+          <a:p>
+            <a:pPr marL="342900" indent="-342900">
+              <a:buFont typeface="+mj-lt"/>
+              <a:buAutoNum type="arabicPeriod"/>
+            </a:pPr>
+            <a:r>
+              <a:rPr lang="en-US" sz="2800" dirty="0"/>
+              <a:t>Linearity: The relationship between the independent variable and dependent variable is </a:t>
+            </a:r>
+            <a:r>
+              <a:rPr lang="en-US" sz="2800" b="1" dirty="0"/>
+              <a:t>linear</a:t>
+            </a:r>
+            <a:r>
+              <a:rPr lang="en-US" sz="2800" dirty="0"/>
+              <a:t>, if there is a nonlinear trend, an advanced regression method should be applied</a:t>
+            </a:r>
+          </a:p>
+        </p:txBody>
+      </p:sp>
+      <p:pic>
+        <p:nvPicPr>
+          <p:cNvPr id="7" name="Picture 6">
+            <a:extLst>
+              <a:ext uri="{FF2B5EF4-FFF2-40B4-BE49-F238E27FC236}">
+                <a16:creationId xmlns:a16="http://schemas.microsoft.com/office/drawing/2014/main" id="{6047A1FA-1398-0F3A-B122-EEDC59F2F6BB}"/>
+              </a:ext>
+            </a:extLst>
+          </p:cNvPr>
+          <p:cNvPicPr>
+            <a:picLocks noChangeAspect="1"/>
+          </p:cNvPicPr>
+          <p:nvPr/>
+        </p:nvPicPr>
+        <p:blipFill>
+          <a:blip r:embed="rId2"/>
+          <a:stretch>
+            <a:fillRect/>
+          </a:stretch>
+        </p:blipFill>
+        <p:spPr>
+          <a:xfrm>
+            <a:off x="2432398" y="2421848"/>
+            <a:ext cx="3506529" cy="4032508"/>
+          </a:xfrm>
+          <a:prstGeom prst="rect">
+            <a:avLst/>
+          </a:prstGeom>
+        </p:spPr>
+      </p:pic>
+      <p:sp>
+        <p:nvSpPr>
+          <p:cNvPr id="8" name="TextBox 7">
+            <a:extLst>
+              <a:ext uri="{FF2B5EF4-FFF2-40B4-BE49-F238E27FC236}">
+                <a16:creationId xmlns:a16="http://schemas.microsoft.com/office/drawing/2014/main" id="{DDEFDC08-B60D-02FF-C0DA-F1E6FC32492F}"/>
+              </a:ext>
+            </a:extLst>
+          </p:cNvPr>
+          <p:cNvSpPr txBox="1"/>
+          <p:nvPr/>
+        </p:nvSpPr>
+        <p:spPr>
+          <a:xfrm>
+            <a:off x="6096000" y="3574473"/>
+            <a:ext cx="2992581" cy="369332"/>
+          </a:xfrm>
+          <a:prstGeom prst="rect">
+            <a:avLst/>
+          </a:prstGeom>
+          <a:noFill/>
+        </p:spPr>
+        <p:txBody>
+          <a:bodyPr wrap="square" rtlCol="0">
+            <a:spAutoFit/>
+          </a:bodyPr>
+          <a:lstStyle/>
+          <a:p>
+            <a:r>
+              <a:rPr lang="en-US" dirty="0"/>
+              <a:t>Liner regression line</a:t>
+            </a:r>
+          </a:p>
+        </p:txBody>
+      </p:sp>
+      <p:sp>
+        <p:nvSpPr>
+          <p:cNvPr id="9" name="TextBox 8">
+            <a:extLst>
+              <a:ext uri="{FF2B5EF4-FFF2-40B4-BE49-F238E27FC236}">
+                <a16:creationId xmlns:a16="http://schemas.microsoft.com/office/drawing/2014/main" id="{DC851CA1-7393-1814-70C1-661DB9323FB2}"/>
+              </a:ext>
+            </a:extLst>
+          </p:cNvPr>
+          <p:cNvSpPr txBox="1"/>
+          <p:nvPr/>
+        </p:nvSpPr>
+        <p:spPr>
+          <a:xfrm>
+            <a:off x="6096000" y="5389417"/>
+            <a:ext cx="5652656" cy="646331"/>
+          </a:xfrm>
+          <a:prstGeom prst="rect">
+            <a:avLst/>
+          </a:prstGeom>
+          <a:noFill/>
+        </p:spPr>
+        <p:txBody>
+          <a:bodyPr wrap="square" rtlCol="0">
+            <a:spAutoFit/>
+          </a:bodyPr>
+          <a:lstStyle/>
+          <a:p>
+            <a:r>
+              <a:rPr lang="en-US" dirty="0"/>
+              <a:t>Residual plot is a useful graphical tool for identifying non-linearity. </a:t>
+            </a:r>
+          </a:p>
+        </p:txBody>
+      </p:sp>
+    </p:spTree>
+    <p:extLst>
+      <p:ext uri="{BB962C8B-B14F-4D97-AF65-F5344CB8AC3E}">
+        <p14:creationId xmlns:p14="http://schemas.microsoft.com/office/powerpoint/2010/main" val="3871140132"/>
+      </p:ext>
+    </p:extLst>
+  </p:cSld>
+  <p:clrMapOvr>
+    <a:masterClrMapping/>
+  </p:clrMapOvr>
 </p:sld>
 </file>
 

--- a/docs/Lectures/Week04/Week04_BivariateRegression.pptx
+++ b/docs/Lectures/Week04/Week04_BivariateRegression.pptx
@@ -6,7 +6,7 @@
     <p:sldMasterId id="2147483686" r:id="rId2"/>
   </p:sldMasterIdLst>
   <p:notesMasterIdLst>
-    <p:notesMasterId r:id="rId37"/>
+    <p:notesMasterId r:id="rId42"/>
   </p:notesMasterIdLst>
   <p:sldIdLst>
     <p:sldId id="256" r:id="rId3"/>
@@ -42,7 +42,12 @@
     <p:sldId id="265" r:id="rId33"/>
     <p:sldId id="885" r:id="rId34"/>
     <p:sldId id="886" r:id="rId35"/>
-    <p:sldId id="887" r:id="rId36"/>
+    <p:sldId id="889" r:id="rId36"/>
+    <p:sldId id="887" r:id="rId37"/>
+    <p:sldId id="891" r:id="rId38"/>
+    <p:sldId id="890" r:id="rId39"/>
+    <p:sldId id="894" r:id="rId40"/>
+    <p:sldId id="892" r:id="rId41"/>
   </p:sldIdLst>
   <p:sldSz cx="12192000" cy="6858000"/>
   <p:notesSz cx="6858000" cy="9144000"/>
@@ -231,7 +236,7 @@
           <a:p>
             <a:fld id="{B696F2DA-24C0-4B85-B3DC-FA6F4BB684E2}" type="datetimeFigureOut">
               <a:rPr lang="en-US" smtClean="0"/>
-              <a:t>1/30/2025</a:t>
+              <a:t>1/31/2025</a:t>
             </a:fld>
             <a:endParaRPr lang="en-US"/>
           </a:p>
@@ -736,7 +741,7 @@
           <a:p>
             <a:fld id="{ED291B17-9318-49DB-B28B-6E5994AE9581}" type="datetime1">
               <a:rPr lang="en-US" smtClean="0"/>
-              <a:t>1/30/2025</a:t>
+              <a:t>1/31/2025</a:t>
             </a:fld>
             <a:endParaRPr lang="en-US" dirty="0"/>
           </a:p>
@@ -939,7 +944,7 @@
           <a:p>
             <a:fld id="{2CED4963-E985-44C4-B8C4-FDD613B7C2F8}" type="datetime1">
               <a:rPr lang="en-US" smtClean="0"/>
-              <a:t>1/30/2025</a:t>
+              <a:t>1/31/2025</a:t>
             </a:fld>
             <a:endParaRPr lang="en-US" dirty="0"/>
           </a:p>
@@ -1301,7 +1306,7 @@
           <a:p>
             <a:fld id="{ED291B17-9318-49DB-B28B-6E5994AE9581}" type="datetime1">
               <a:rPr lang="en-US" smtClean="0"/>
-              <a:t>1/30/2025</a:t>
+              <a:t>1/31/2025</a:t>
             </a:fld>
             <a:endParaRPr lang="en-US" dirty="0"/>
           </a:p>
@@ -1611,7 +1616,7 @@
           <a:p>
             <a:fld id="{ED291B17-9318-49DB-B28B-6E5994AE9581}" type="datetime1">
               <a:rPr lang="en-US" smtClean="0"/>
-              <a:t>1/30/2025</a:t>
+              <a:t>1/31/2025</a:t>
             </a:fld>
             <a:endParaRPr lang="en-US" dirty="0"/>
           </a:p>
@@ -1808,7 +1813,7 @@
           <a:p>
             <a:fld id="{78DD82B9-B8EE-4375-B6FF-88FA6ABB15D9}" type="datetime1">
               <a:rPr lang="en-US" smtClean="0"/>
-              <a:t>1/30/2025</a:t>
+              <a:t>1/31/2025</a:t>
             </a:fld>
             <a:endParaRPr lang="en-US" dirty="0"/>
           </a:p>
@@ -2119,7 +2124,7 @@
           <a:p>
             <a:fld id="{B2497495-0637-405E-AE64-5CC7506D51F5}" type="datetime1">
               <a:rPr lang="en-US" smtClean="0"/>
-              <a:t>1/30/2025</a:t>
+              <a:t>1/31/2025</a:t>
             </a:fld>
             <a:endParaRPr lang="en-US" dirty="0"/>
           </a:p>
@@ -2372,7 +2377,7 @@
           <a:p>
             <a:fld id="{7BFFD690-9426-415D-8B65-26881E07B2D4}" type="datetime1">
               <a:rPr lang="en-US" smtClean="0"/>
-              <a:t>1/30/2025</a:t>
+              <a:t>1/31/2025</a:t>
             </a:fld>
             <a:endParaRPr lang="en-US" dirty="0"/>
           </a:p>
@@ -2794,7 +2799,7 @@
           <a:p>
             <a:fld id="{04C4989A-474C-40DE-95B9-011C28B71673}" type="datetime1">
               <a:rPr lang="en-US" smtClean="0"/>
-              <a:t>1/30/2025</a:t>
+              <a:t>1/31/2025</a:t>
             </a:fld>
             <a:endParaRPr lang="en-US" dirty="0"/>
           </a:p>
@@ -2917,7 +2922,7 @@
           <a:p>
             <a:fld id="{5DB4ED54-5B5E-4A04-93D3-5772E3CE3818}" type="datetime1">
               <a:rPr lang="en-US" smtClean="0"/>
-              <a:t>1/30/2025</a:t>
+              <a:t>1/31/2025</a:t>
             </a:fld>
             <a:endParaRPr lang="en-US" dirty="0"/>
           </a:p>
@@ -3012,7 +3017,7 @@
           <a:p>
             <a:fld id="{4EDE50D6-574B-40AF-946F-D52A04ADE379}" type="datetime1">
               <a:rPr lang="en-US" smtClean="0"/>
-              <a:t>1/30/2025</a:t>
+              <a:t>1/31/2025</a:t>
             </a:fld>
             <a:endParaRPr lang="en-US" dirty="0"/>
           </a:p>
@@ -3388,7 +3393,7 @@
           <a:p>
             <a:fld id="{D82884F1-FFEA-405F-9602-3DCA865EDA4E}" type="datetime1">
               <a:rPr lang="en-US" smtClean="0"/>
-              <a:t>1/30/2025</a:t>
+              <a:t>1/31/2025</a:t>
             </a:fld>
             <a:endParaRPr lang="en-US" dirty="0"/>
           </a:p>
@@ -3595,7 +3600,7 @@
           <a:p>
             <a:fld id="{78DD82B9-B8EE-4375-B6FF-88FA6ABB15D9}" type="datetime1">
               <a:rPr lang="en-US" smtClean="0"/>
-              <a:t>1/30/2025</a:t>
+              <a:t>1/31/2025</a:t>
             </a:fld>
             <a:endParaRPr lang="en-US" dirty="0"/>
           </a:p>
@@ -3877,7 +3882,7 @@
           <a:p>
             <a:fld id="{7E18DB4A-8810-4A10-AD5C-D5E2C667F5B3}" type="datetime1">
               <a:rPr lang="en-US" smtClean="0"/>
-              <a:t>1/30/2025</a:t>
+              <a:t>1/31/2025</a:t>
             </a:fld>
             <a:endParaRPr lang="en-US" dirty="0"/>
           </a:p>
@@ -4069,7 +4074,7 @@
           <a:p>
             <a:fld id="{2CED4963-E985-44C4-B8C4-FDD613B7C2F8}" type="datetime1">
               <a:rPr lang="en-US" smtClean="0"/>
-              <a:t>1/30/2025</a:t>
+              <a:t>1/31/2025</a:t>
             </a:fld>
             <a:endParaRPr lang="en-US" dirty="0"/>
           </a:p>
@@ -4430,7 +4435,7 @@
           <a:p>
             <a:fld id="{ED291B17-9318-49DB-B28B-6E5994AE9581}" type="datetime1">
               <a:rPr lang="en-US" smtClean="0"/>
-              <a:t>1/30/2025</a:t>
+              <a:t>1/31/2025</a:t>
             </a:fld>
             <a:endParaRPr lang="en-US" dirty="0"/>
           </a:p>
@@ -4906,7 +4911,7 @@
           <a:p>
             <a:fld id="{B2497495-0637-405E-AE64-5CC7506D51F5}" type="datetime1">
               <a:rPr lang="en-US" smtClean="0"/>
-              <a:t>1/30/2025</a:t>
+              <a:t>1/31/2025</a:t>
             </a:fld>
             <a:endParaRPr lang="en-US" dirty="0"/>
           </a:p>
@@ -5157,7 +5162,7 @@
           <a:p>
             <a:fld id="{7BFFD690-9426-415D-8B65-26881E07B2D4}" type="datetime1">
               <a:rPr lang="en-US" smtClean="0"/>
-              <a:t>1/30/2025</a:t>
+              <a:t>1/31/2025</a:t>
             </a:fld>
             <a:endParaRPr lang="en-US" dirty="0"/>
           </a:p>
@@ -5577,7 +5582,7 @@
           <a:p>
             <a:fld id="{04C4989A-474C-40DE-95B9-011C28B71673}" type="datetime1">
               <a:rPr lang="en-US" smtClean="0"/>
-              <a:t>1/30/2025</a:t>
+              <a:t>1/31/2025</a:t>
             </a:fld>
             <a:endParaRPr lang="en-US" dirty="0"/>
           </a:p>
@@ -5700,7 +5705,7 @@
           <a:p>
             <a:fld id="{5DB4ED54-5B5E-4A04-93D3-5772E3CE3818}" type="datetime1">
               <a:rPr lang="en-US" smtClean="0"/>
-              <a:t>1/30/2025</a:t>
+              <a:t>1/31/2025</a:t>
             </a:fld>
             <a:endParaRPr lang="en-US" dirty="0"/>
           </a:p>
@@ -5795,7 +5800,7 @@
           <a:p>
             <a:fld id="{4EDE50D6-574B-40AF-946F-D52A04ADE379}" type="datetime1">
               <a:rPr lang="en-US" smtClean="0"/>
-              <a:t>1/30/2025</a:t>
+              <a:t>1/31/2025</a:t>
             </a:fld>
             <a:endParaRPr lang="en-US" dirty="0"/>
           </a:p>
@@ -6171,7 +6176,7 @@
           <a:p>
             <a:fld id="{D82884F1-FFEA-405F-9602-3DCA865EDA4E}" type="datetime1">
               <a:rPr lang="en-US" smtClean="0"/>
-              <a:t>1/30/2025</a:t>
+              <a:t>1/31/2025</a:t>
             </a:fld>
             <a:endParaRPr lang="en-US" dirty="0"/>
           </a:p>
@@ -6464,7 +6469,7 @@
           <a:p>
             <a:fld id="{7E18DB4A-8810-4A10-AD5C-D5E2C667F5B3}" type="datetime1">
               <a:rPr lang="en-US" smtClean="0"/>
-              <a:t>1/30/2025</a:t>
+              <a:t>1/31/2025</a:t>
             </a:fld>
             <a:endParaRPr lang="en-US" dirty="0"/>
           </a:p>
@@ -6679,7 +6684,7 @@
           <a:p>
             <a:fld id="{ED291B17-9318-49DB-B28B-6E5994AE9581}" type="datetime1">
               <a:rPr lang="en-US" smtClean="0"/>
-              <a:t>1/30/2025</a:t>
+              <a:t>1/31/2025</a:t>
             </a:fld>
             <a:endParaRPr lang="en-US" dirty="0"/>
           </a:p>
@@ -7458,7 +7463,7 @@
           <a:p>
             <a:fld id="{ED291B17-9318-49DB-B28B-6E5994AE9581}" type="datetime1">
               <a:rPr lang="en-US" smtClean="0"/>
-              <a:t>1/30/2025</a:t>
+              <a:t>1/31/2025</a:t>
             </a:fld>
             <a:endParaRPr lang="en-US" dirty="0"/>
           </a:p>
@@ -10810,8 +10815,8 @@
           </a:p>
         </p:txBody>
       </p:sp>
-      <mc:AlternateContent xmlns:mc="http://schemas.openxmlformats.org/markup-compatibility/2006">
-        <mc:Choice xmlns:a14="http://schemas.microsoft.com/office/drawing/2010/main" Requires="a14">
+      <mc:AlternateContent xmlns:mc="http://schemas.openxmlformats.org/markup-compatibility/2006" xmlns:a14="http://schemas.microsoft.com/office/drawing/2010/main">
+        <mc:Choice Requires="a14">
           <p:sp>
             <p:nvSpPr>
               <p:cNvPr id="7" name="TextBox 6">
@@ -10926,7 +10931,7 @@
             </p:txBody>
           </p:sp>
         </mc:Choice>
-        <mc:Fallback>
+        <mc:Fallback xmlns="">
           <p:sp>
             <p:nvSpPr>
               <p:cNvPr id="7" name="TextBox 6">
@@ -11005,8 +11010,8 @@
           </a:ln>
         </p:spPr>
       </p:pic>
-      <mc:AlternateContent xmlns:mc="http://schemas.openxmlformats.org/markup-compatibility/2006">
-        <mc:Choice xmlns:a14="http://schemas.microsoft.com/office/drawing/2010/main" Requires="a14">
+      <mc:AlternateContent xmlns:mc="http://schemas.openxmlformats.org/markup-compatibility/2006" xmlns:a14="http://schemas.microsoft.com/office/drawing/2010/main">
+        <mc:Choice Requires="a14">
           <p:sp>
             <p:nvSpPr>
               <p:cNvPr id="9" name="TextBox 8">
@@ -11149,7 +11154,7 @@
             </p:txBody>
           </p:sp>
         </mc:Choice>
-        <mc:Fallback>
+        <mc:Fallback xmlns="">
           <p:sp>
             <p:nvSpPr>
               <p:cNvPr id="9" name="TextBox 8">
@@ -11259,8 +11264,8 @@
           <a:chExt cx="0" cy="0"/>
         </a:xfrm>
       </p:grpSpPr>
-      <mc:AlternateContent xmlns:mc="http://schemas.openxmlformats.org/markup-compatibility/2006">
-        <mc:Choice xmlns:a14="http://schemas.microsoft.com/office/drawing/2010/main" Requires="a14">
+      <mc:AlternateContent xmlns:mc="http://schemas.openxmlformats.org/markup-compatibility/2006" xmlns:a14="http://schemas.microsoft.com/office/drawing/2010/main">
+        <mc:Choice Requires="a14">
           <p:sp>
             <p:nvSpPr>
               <p:cNvPr id="4" name="TextBox 3">
@@ -11356,7 +11361,7 @@
             </p:txBody>
           </p:sp>
         </mc:Choice>
-        <mc:Fallback>
+        <mc:Fallback xmlns="">
           <p:sp>
             <p:nvSpPr>
               <p:cNvPr id="4" name="TextBox 3">
@@ -11631,8 +11636,8 @@
           </a:prstGeom>
         </p:spPr>
       </p:pic>
-      <mc:AlternateContent xmlns:mc="http://schemas.openxmlformats.org/markup-compatibility/2006">
-        <mc:Choice xmlns:a14="http://schemas.microsoft.com/office/drawing/2010/main" Requires="a14">
+      <mc:AlternateContent xmlns:mc="http://schemas.openxmlformats.org/markup-compatibility/2006" xmlns:a14="http://schemas.microsoft.com/office/drawing/2010/main">
+        <mc:Choice Requires="a14">
           <p:sp>
             <p:nvSpPr>
               <p:cNvPr id="6" name="TextBox 5">
@@ -11708,7 +11713,13 @@
                               <a:rPr lang="en-US" b="0" i="1" smtClean="0">
                                 <a:latin typeface="Cambria Math" panose="02040503050406030204" pitchFamily="18" charset="0"/>
                               </a:rPr>
-                              <m:t>=2</m:t>
+                              <m:t>=</m:t>
+                            </m:r>
+                            <m:r>
+                              <a:rPr lang="en-US" b="0" i="1" smtClean="0">
+                                <a:latin typeface="Cambria Math" panose="02040503050406030204" pitchFamily="18" charset="0"/>
+                              </a:rPr>
+                              <m:t>2</m:t>
                             </m:r>
                           </m:sub>
                           <m:sup>
@@ -11834,7 +11845,13 @@
                       <a:rPr lang="en-US" b="0" i="1" smtClean="0">
                         <a:latin typeface="Cambria Math" panose="02040503050406030204" pitchFamily="18" charset="0"/>
                       </a:rPr>
-                      <m:t>−1</m:t>
+                      <m:t>−</m:t>
+                    </m:r>
+                    <m:r>
+                      <a:rPr lang="en-US" b="0" i="1" smtClean="0">
+                        <a:latin typeface="Cambria Math" panose="02040503050406030204" pitchFamily="18" charset="0"/>
+                      </a:rPr>
+                      <m:t>1</m:t>
                     </m:r>
                   </m:oMath>
                 </a14:m>
@@ -11891,7 +11908,13 @@
                               <a:rPr lang="en-US" b="0" i="1" smtClean="0">
                                 <a:latin typeface="Cambria Math" panose="02040503050406030204" pitchFamily="18" charset="0"/>
                               </a:rPr>
-                              <m:t>=2</m:t>
+                              <m:t>=</m:t>
+                            </m:r>
+                            <m:r>
+                              <a:rPr lang="en-US" b="0" i="1" smtClean="0">
+                                <a:latin typeface="Cambria Math" panose="02040503050406030204" pitchFamily="18" charset="0"/>
+                              </a:rPr>
+                              <m:t>2</m:t>
                             </m:r>
                           </m:sub>
                           <m:sup>
@@ -12023,7 +12046,13 @@
                       <a:rPr lang="en-US" b="0" i="1" smtClean="0">
                         <a:latin typeface="Cambria Math" panose="02040503050406030204" pitchFamily="18" charset="0"/>
                       </a:rPr>
-                      <m:t>−1</m:t>
+                      <m:t>−</m:t>
+                    </m:r>
+                    <m:r>
+                      <a:rPr lang="en-US" b="0" i="1" smtClean="0">
+                        <a:latin typeface="Cambria Math" panose="02040503050406030204" pitchFamily="18" charset="0"/>
+                      </a:rPr>
+                      <m:t>1</m:t>
                     </m:r>
                   </m:oMath>
                 </a14:m>
@@ -12260,7 +12289,7 @@
             </p:txBody>
           </p:sp>
         </mc:Choice>
-        <mc:Fallback>
+        <mc:Fallback xmlns="">
           <p:sp>
             <p:nvSpPr>
               <p:cNvPr id="6" name="TextBox 5">
@@ -12368,8 +12397,8 @@
           </a:p>
         </p:txBody>
       </p:sp>
-      <mc:AlternateContent xmlns:mc="http://schemas.openxmlformats.org/markup-compatibility/2006">
-        <mc:Choice xmlns:a14="http://schemas.microsoft.com/office/drawing/2010/main" Requires="a14">
+      <mc:AlternateContent xmlns:mc="http://schemas.openxmlformats.org/markup-compatibility/2006" xmlns:a14="http://schemas.microsoft.com/office/drawing/2010/main">
+        <mc:Choice Requires="a14">
           <p:sp>
             <p:nvSpPr>
               <p:cNvPr id="3" name="Content Placeholder 2">
@@ -12864,7 +12893,7 @@
             </p:txBody>
           </p:sp>
         </mc:Choice>
-        <mc:Fallback>
+        <mc:Fallback xmlns="">
           <p:sp>
             <p:nvSpPr>
               <p:cNvPr id="3" name="Content Placeholder 2">
@@ -13140,8 +13169,8 @@
           </a:xfrm>
         </p:spPr>
       </p:pic>
-      <mc:AlternateContent xmlns:mc="http://schemas.openxmlformats.org/markup-compatibility/2006">
-        <mc:Choice xmlns:a14="http://schemas.microsoft.com/office/drawing/2010/main" Requires="a14">
+      <mc:AlternateContent xmlns:mc="http://schemas.openxmlformats.org/markup-compatibility/2006" xmlns:a14="http://schemas.microsoft.com/office/drawing/2010/main">
+        <mc:Choice Requires="a14">
           <p:sp>
             <p:nvSpPr>
               <p:cNvPr id="6" name="TextBox 5">
@@ -13247,7 +13276,7 @@
             </p:txBody>
           </p:sp>
         </mc:Choice>
-        <mc:Fallback>
+        <mc:Fallback xmlns="">
           <p:sp>
             <p:nvSpPr>
               <p:cNvPr id="6" name="TextBox 5">
@@ -13292,8 +13321,8 @@
           </p:sp>
         </mc:Fallback>
       </mc:AlternateContent>
-      <mc:AlternateContent xmlns:mc="http://schemas.openxmlformats.org/markup-compatibility/2006">
-        <mc:Choice xmlns:a14="http://schemas.microsoft.com/office/drawing/2010/main" Requires="a14">
+      <mc:AlternateContent xmlns:mc="http://schemas.openxmlformats.org/markup-compatibility/2006" xmlns:a14="http://schemas.microsoft.com/office/drawing/2010/main">
+        <mc:Choice Requires="a14">
           <p:sp>
             <p:nvSpPr>
               <p:cNvPr id="3" name="TextBox 2">
@@ -13368,7 +13397,7 @@
             </p:txBody>
           </p:sp>
         </mc:Choice>
-        <mc:Fallback>
+        <mc:Fallback xmlns="">
           <p:sp>
             <p:nvSpPr>
               <p:cNvPr id="3" name="TextBox 2">
@@ -15424,8 +15453,8 @@
           <a:chExt cx="0" cy="0"/>
         </a:xfrm>
       </p:grpSpPr>
-      <mc:AlternateContent xmlns:mc="http://schemas.openxmlformats.org/markup-compatibility/2006">
-        <mc:Choice xmlns:a14="http://schemas.microsoft.com/office/drawing/2010/main" Requires="a14">
+      <mc:AlternateContent xmlns:mc="http://schemas.openxmlformats.org/markup-compatibility/2006" xmlns:a14="http://schemas.microsoft.com/office/drawing/2010/main">
+        <mc:Choice Requires="a14">
           <p:sp>
             <p:nvSpPr>
               <p:cNvPr id="3" name="Content Placeholder 2">
@@ -15531,7 +15560,7 @@
             </p:txBody>
           </p:sp>
         </mc:Choice>
-        <mc:Fallback>
+        <mc:Fallback xmlns="">
           <p:sp>
             <p:nvSpPr>
               <p:cNvPr id="3" name="Content Placeholder 2">
@@ -15705,8 +15734,8 @@
           </a:p>
         </p:txBody>
       </p:sp>
-      <mc:AlternateContent xmlns:mc="http://schemas.openxmlformats.org/markup-compatibility/2006">
-        <mc:Choice xmlns:a14="http://schemas.microsoft.com/office/drawing/2010/main" Requires="a14">
+      <mc:AlternateContent xmlns:mc="http://schemas.openxmlformats.org/markup-compatibility/2006" xmlns:a14="http://schemas.microsoft.com/office/drawing/2010/main">
+        <mc:Choice Requires="a14">
           <p:sp>
             <p:nvSpPr>
               <p:cNvPr id="2" name="TextBox 1">
@@ -15875,7 +15904,7 @@
             </p:txBody>
           </p:sp>
         </mc:Choice>
-        <mc:Fallback>
+        <mc:Fallback xmlns="">
           <p:sp>
             <p:nvSpPr>
               <p:cNvPr id="2" name="TextBox 1">
@@ -15985,8 +16014,8 @@
           </a:p>
         </p:txBody>
       </p:sp>
-      <mc:AlternateContent xmlns:mc="http://schemas.openxmlformats.org/markup-compatibility/2006">
-        <mc:Choice xmlns:a14="http://schemas.microsoft.com/office/drawing/2010/main" Requires="a14">
+      <mc:AlternateContent xmlns:mc="http://schemas.openxmlformats.org/markup-compatibility/2006" xmlns:a14="http://schemas.microsoft.com/office/drawing/2010/main">
+        <mc:Choice Requires="a14">
           <p:sp>
             <p:nvSpPr>
               <p:cNvPr id="3" name="Content Placeholder 2">
@@ -16567,7 +16596,7 @@
             </p:txBody>
           </p:sp>
         </mc:Choice>
-        <mc:Fallback>
+        <mc:Fallback xmlns="">
           <p:sp>
             <p:nvSpPr>
               <p:cNvPr id="3" name="Content Placeholder 2">
@@ -18165,8 +18194,8 @@
           </p:sp>
         </mc:Fallback>
       </mc:AlternateContent>
-      <mc:AlternateContent xmlns:mc="http://schemas.openxmlformats.org/markup-compatibility/2006">
-        <mc:Choice xmlns:a14="http://schemas.microsoft.com/office/drawing/2010/main" Requires="a14">
+      <mc:AlternateContent xmlns:mc="http://schemas.openxmlformats.org/markup-compatibility/2006" xmlns:a14="http://schemas.microsoft.com/office/drawing/2010/main">
+        <mc:Choice Requires="a14">
           <p:sp>
             <p:nvSpPr>
               <p:cNvPr id="3" name="Content Placeholder 2">
@@ -18231,13 +18260,7 @@
                         <a:rPr lang="en-US" sz="2400" b="0" i="1" smtClean="0">
                           <a:latin typeface="Cambria Math" panose="02040503050406030204" pitchFamily="18" charset="0"/>
                         </a:rPr>
-                        <m:t>[</m:t>
-                      </m:r>
-                      <m:r>
-                        <a:rPr lang="en-US" sz="2400" b="0" i="1" smtClean="0">
-                          <a:latin typeface="Cambria Math" panose="02040503050406030204" pitchFamily="18" charset="0"/>
-                        </a:rPr>
-                        <m:t> </m:t>
+                        <m:t>[ </m:t>
                       </m:r>
                       <m:sSub>
                         <m:sSubPr>
@@ -18414,7 +18437,7 @@
             </p:txBody>
           </p:sp>
         </mc:Choice>
-        <mc:Fallback>
+        <mc:Fallback xmlns="">
           <p:sp>
             <p:nvSpPr>
               <p:cNvPr id="3" name="Content Placeholder 2">
@@ -18685,8 +18708,8 @@
           </p:sp>
         </mc:Fallback>
       </mc:AlternateContent>
-      <mc:AlternateContent xmlns:mc="http://schemas.openxmlformats.org/markup-compatibility/2006">
-        <mc:Choice xmlns:a14="http://schemas.microsoft.com/office/drawing/2010/main" Requires="a14">
+      <mc:AlternateContent xmlns:mc="http://schemas.openxmlformats.org/markup-compatibility/2006" xmlns:a14="http://schemas.microsoft.com/office/drawing/2010/main">
+        <mc:Choice Requires="a14">
           <p:sp>
             <p:nvSpPr>
               <p:cNvPr id="8" name="TextBox 7">
@@ -18738,6 +18761,7 @@
                 </a:endParaRPr>
               </a:p>
               <a:p>
+                <a:pPr/>
                 <a14:m>
                   <m:oMathPara xmlns:m="http://schemas.openxmlformats.org/officeDocument/2006/math">
                     <m:oMathParaPr>
@@ -18779,13 +18803,7 @@
                         <a:rPr lang="en-US" sz="2400" b="0" i="0" smtClean="0">
                           <a:latin typeface="Cambria Math" panose="02040503050406030204" pitchFamily="18" charset="0"/>
                         </a:rPr>
-                        <m:t>+ </m:t>
-                      </m:r>
-                      <m:r>
-                        <a:rPr lang="en-US" sz="2400" b="0" i="0" smtClean="0">
-                          <a:latin typeface="Cambria Math" panose="02040503050406030204" pitchFamily="18" charset="0"/>
-                        </a:rPr>
-                        <m:t>2∗</m:t>
+                        <m:t>+ 2∗</m:t>
                       </m:r>
                       <m:r>
                         <a:rPr lang="en-US" sz="2400" b="0" i="1" smtClean="0">
@@ -18928,7 +18946,7 @@
             </p:txBody>
           </p:sp>
         </mc:Choice>
-        <mc:Fallback>
+        <mc:Fallback xmlns="">
           <p:sp>
             <p:nvSpPr>
               <p:cNvPr id="8" name="TextBox 7">
@@ -19652,8 +19670,8 @@
           </a:p>
         </p:txBody>
       </p:sp>
-      <mc:AlternateContent xmlns:mc="http://schemas.openxmlformats.org/markup-compatibility/2006">
-        <mc:Choice xmlns:a14="http://schemas.microsoft.com/office/drawing/2010/main" Requires="a14">
+      <mc:AlternateContent xmlns:mc="http://schemas.openxmlformats.org/markup-compatibility/2006" xmlns:a14="http://schemas.microsoft.com/office/drawing/2010/main">
+        <mc:Choice Requires="a14">
           <p:sp>
             <p:nvSpPr>
               <p:cNvPr id="2" name="Title 1">
@@ -19742,7 +19760,7 @@
             </p:txBody>
           </p:sp>
         </mc:Choice>
-        <mc:Fallback>
+        <mc:Fallback xmlns="">
           <p:sp>
             <p:nvSpPr>
               <p:cNvPr id="2" name="Title 1">
@@ -20007,8 +20025,8 @@
           <a:chExt cx="0" cy="0"/>
         </a:xfrm>
       </p:grpSpPr>
-      <mc:AlternateContent xmlns:mc="http://schemas.openxmlformats.org/markup-compatibility/2006">
-        <mc:Choice xmlns:a14="http://schemas.microsoft.com/office/drawing/2010/main" Requires="a14">
+      <mc:AlternateContent xmlns:mc="http://schemas.openxmlformats.org/markup-compatibility/2006" xmlns:a14="http://schemas.microsoft.com/office/drawing/2010/main">
+        <mc:Choice Requires="a14">
           <p:sp>
             <p:nvSpPr>
               <p:cNvPr id="3" name="Title 1">
@@ -20153,7 +20171,7 @@
             </p:txBody>
           </p:sp>
         </mc:Choice>
-        <mc:Fallback>
+        <mc:Fallback xmlns="">
           <p:sp>
             <p:nvSpPr>
               <p:cNvPr id="3" name="Title 1">
@@ -20198,8 +20216,8 @@
           </p:sp>
         </mc:Fallback>
       </mc:AlternateContent>
-      <mc:AlternateContent xmlns:mc="http://schemas.openxmlformats.org/markup-compatibility/2006">
-        <mc:Choice xmlns:a14="http://schemas.microsoft.com/office/drawing/2010/main" Requires="a14">
+      <mc:AlternateContent xmlns:mc="http://schemas.openxmlformats.org/markup-compatibility/2006" xmlns:a14="http://schemas.microsoft.com/office/drawing/2010/main">
+        <mc:Choice Requires="a14">
           <p:sp>
             <p:nvSpPr>
               <p:cNvPr id="6" name="TextBox 5">
@@ -20397,7 +20415,7 @@
             </p:txBody>
           </p:sp>
         </mc:Choice>
-        <mc:Fallback>
+        <mc:Fallback xmlns="">
           <p:sp>
             <p:nvSpPr>
               <p:cNvPr id="6" name="TextBox 5">
@@ -20442,8 +20460,8 @@
           </p:sp>
         </mc:Fallback>
       </mc:AlternateContent>
-      <mc:AlternateContent xmlns:mc="http://schemas.openxmlformats.org/markup-compatibility/2006">
-        <mc:Choice xmlns:a14="http://schemas.microsoft.com/office/drawing/2010/main" Requires="a14">
+      <mc:AlternateContent xmlns:mc="http://schemas.openxmlformats.org/markup-compatibility/2006" xmlns:a14="http://schemas.microsoft.com/office/drawing/2010/main">
+        <mc:Choice Requires="a14">
           <p:sp>
             <p:nvSpPr>
               <p:cNvPr id="7" name="TextBox 6">
@@ -20479,7 +20497,9 @@
                 <a14:m>
                   <m:oMath xmlns:m="http://schemas.openxmlformats.org/officeDocument/2006/math">
                     <m:r>
-                      <a:rPr lang="en-US" sz="2400" b="0" i="1" smtClean="0"/>
+                      <a:rPr lang="en-US" sz="2400" b="0" i="1" smtClean="0">
+                        <a:latin typeface="Cambria Math" panose="02040503050406030204" pitchFamily="18" charset="0"/>
+                      </a:rPr>
                       <m:t>𝑋</m:t>
                     </m:r>
                   </m:oMath>
@@ -20491,7 +20511,9 @@
                 <a14:m>
                   <m:oMath xmlns:m="http://schemas.openxmlformats.org/officeDocument/2006/math">
                     <m:r>
-                      <a:rPr lang="en-US" sz="2400" b="0" i="1" smtClean="0"/>
+                      <a:rPr lang="en-US" sz="2400" b="0" i="1" smtClean="0">
+                        <a:latin typeface="Cambria Math" panose="02040503050406030204" pitchFamily="18" charset="0"/>
+                      </a:rPr>
                       <m:t>𝑌</m:t>
                     </m:r>
                   </m:oMath>
@@ -20503,7 +20525,9 @@
                 <a14:m>
                   <m:oMath xmlns:m="http://schemas.openxmlformats.org/officeDocument/2006/math">
                     <m:r>
-                      <a:rPr lang="en-US" sz="2400" b="0" i="1" smtClean="0"/>
+                      <a:rPr lang="en-US" sz="2400" b="0" i="1" smtClean="0">
+                        <a:latin typeface="Cambria Math" panose="02040503050406030204" pitchFamily="18" charset="0"/>
+                      </a:rPr>
                       <m:t>𝑋</m:t>
                     </m:r>
                   </m:oMath>
@@ -20515,7 +20539,9 @@
                 <a14:m>
                   <m:oMath xmlns:m="http://schemas.openxmlformats.org/officeDocument/2006/math">
                     <m:r>
-                      <a:rPr lang="en-US" sz="2400" b="0" i="1" smtClean="0"/>
+                      <a:rPr lang="en-US" sz="2400" b="0" i="1" smtClean="0">
+                        <a:latin typeface="Cambria Math" panose="02040503050406030204" pitchFamily="18" charset="0"/>
+                      </a:rPr>
                       <m:t>𝑌</m:t>
                     </m:r>
                   </m:oMath>
@@ -20528,7 +20554,7 @@
             </p:txBody>
           </p:sp>
         </mc:Choice>
-        <mc:Fallback>
+        <mc:Fallback xmlns="">
           <p:sp>
             <p:nvSpPr>
               <p:cNvPr id="7" name="TextBox 6">
@@ -20701,8 +20727,8 @@
           </a:p>
         </p:txBody>
       </p:sp>
-      <mc:AlternateContent xmlns:mc="http://schemas.openxmlformats.org/markup-compatibility/2006">
-        <mc:Choice xmlns:a14="http://schemas.microsoft.com/office/drawing/2010/main" Requires="a14">
+      <mc:AlternateContent xmlns:mc="http://schemas.openxmlformats.org/markup-compatibility/2006" xmlns:a14="http://schemas.microsoft.com/office/drawing/2010/main">
+        <mc:Choice Requires="a14">
           <p:sp>
             <p:nvSpPr>
               <p:cNvPr id="6" name="TextBox 5">
@@ -20849,7 +20875,7 @@
             </p:txBody>
           </p:sp>
         </mc:Choice>
-        <mc:Fallback>
+        <mc:Fallback xmlns="">
           <p:sp>
             <p:nvSpPr>
               <p:cNvPr id="6" name="TextBox 5">
@@ -22160,8 +22186,8 @@
           <a:chExt cx="0" cy="0"/>
         </a:xfrm>
       </p:grpSpPr>
-      <mc:AlternateContent xmlns:mc="http://schemas.openxmlformats.org/markup-compatibility/2006">
-        <mc:Choice xmlns:a14="http://schemas.microsoft.com/office/drawing/2010/main" Requires="a14">
+      <mc:AlternateContent xmlns:mc="http://schemas.openxmlformats.org/markup-compatibility/2006" xmlns:a14="http://schemas.microsoft.com/office/drawing/2010/main">
+        <mc:Choice Requires="a14">
           <p:sp>
             <p:nvSpPr>
               <p:cNvPr id="5" name="TextBox 4">
@@ -22447,7 +22473,7 @@
             </p:txBody>
           </p:sp>
         </mc:Choice>
-        <mc:Fallback>
+        <mc:Fallback xmlns="">
           <p:sp>
             <p:nvSpPr>
               <p:cNvPr id="5" name="TextBox 4">
@@ -23468,6 +23494,1008 @@
 <file path=ppt/slides/slide34.xml><?xml version="1.0" encoding="utf-8"?>
 <p:sld xmlns:a="http://schemas.openxmlformats.org/drawingml/2006/main" xmlns:r="http://schemas.openxmlformats.org/officeDocument/2006/relationships" xmlns:p="http://schemas.openxmlformats.org/presentationml/2006/main">
   <p:cSld>
+    <p:bg>
+      <p:bgPr>
+        <a:solidFill>
+          <a:schemeClr val="bg1"/>
+        </a:solidFill>
+        <a:effectLst/>
+      </p:bgPr>
+    </p:bg>
+    <p:spTree>
+      <p:nvGrpSpPr>
+        <p:cNvPr id="1" name="">
+          <a:extLst>
+            <a:ext uri="{FF2B5EF4-FFF2-40B4-BE49-F238E27FC236}">
+              <a16:creationId xmlns:a16="http://schemas.microsoft.com/office/drawing/2014/main" id="{6E0A904F-1DAE-CF26-A304-836A88A382DD}"/>
+            </a:ext>
+          </a:extLst>
+        </p:cNvPr>
+        <p:cNvGrpSpPr/>
+        <p:nvPr/>
+      </p:nvGrpSpPr>
+      <p:grpSpPr>
+        <a:xfrm>
+          <a:off x="0" y="0"/>
+          <a:ext cx="0" cy="0"/>
+          <a:chOff x="0" y="0"/>
+          <a:chExt cx="0" cy="0"/>
+        </a:xfrm>
+      </p:grpSpPr>
+      <p:sp>
+        <p:nvSpPr>
+          <p:cNvPr id="36" name="Rectangle 35">
+            <a:extLst>
+              <a:ext uri="{FF2B5EF4-FFF2-40B4-BE49-F238E27FC236}">
+                <a16:creationId xmlns:a16="http://schemas.microsoft.com/office/drawing/2014/main" id="{0633237E-236F-41C4-5E40-346D8CE3B616}"/>
+              </a:ext>
+              <a:ext uri="{C183D7F6-B498-43B3-948B-1728B52AA6E4}">
+                <adec:decorative xmlns:adec="http://schemas.microsoft.com/office/drawing/2017/decorative" val="1"/>
+              </a:ext>
+            </a:extLst>
+          </p:cNvPr>
+          <p:cNvSpPr>
+            <a:spLocks noGrp="1" noRot="1" noChangeAspect="1" noMove="1" noResize="1" noEditPoints="1" noAdjustHandles="1" noChangeArrowheads="1" noChangeShapeType="1" noTextEdit="1"/>
+          </p:cNvSpPr>
+          <p:nvPr>
+            <p:extLst>
+              <p:ext uri="{386F3935-93C4-4BCD-93E2-E3B085C9AB24}">
+                <p16:designElem xmlns:p16="http://schemas.microsoft.com/office/powerpoint/2015/main" val="1"/>
+              </p:ext>
+            </p:extLst>
+          </p:nvPr>
+        </p:nvSpPr>
+        <p:spPr>
+          <a:xfrm>
+            <a:off x="446534" y="457200"/>
+            <a:ext cx="3703320" cy="94997"/>
+          </a:xfrm>
+          <a:prstGeom prst="rect">
+            <a:avLst/>
+          </a:prstGeom>
+          <a:solidFill>
+            <a:srgbClr val="465359"/>
+          </a:solidFill>
+          <a:ln>
+            <a:noFill/>
+          </a:ln>
+          <a:effectLst/>
+        </p:spPr>
+        <p:style>
+          <a:lnRef idx="1">
+            <a:schemeClr val="accent1"/>
+          </a:lnRef>
+          <a:fillRef idx="3">
+            <a:schemeClr val="accent1"/>
+          </a:fillRef>
+          <a:effectRef idx="2">
+            <a:schemeClr val="accent1"/>
+          </a:effectRef>
+          <a:fontRef idx="minor">
+            <a:schemeClr val="lt1"/>
+          </a:fontRef>
+        </p:style>
+        <p:txBody>
+          <a:bodyPr/>
+          <a:lstStyle/>
+          <a:p>
+            <a:pPr marL="0" marR="0" lvl="0" indent="0" algn="l" defTabSz="457200" rtl="0" eaLnBrk="1" fontAlgn="auto" latinLnBrk="0" hangingPunct="1">
+              <a:lnSpc>
+                <a:spcPct val="100000"/>
+              </a:lnSpc>
+              <a:spcBef>
+                <a:spcPts val="0"/>
+              </a:spcBef>
+              <a:spcAft>
+                <a:spcPts val="0"/>
+              </a:spcAft>
+              <a:buClrTx/>
+              <a:buSzTx/>
+              <a:buFontTx/>
+              <a:buNone/>
+              <a:tabLst/>
+              <a:defRPr/>
+            </a:pPr>
+            <a:endParaRPr kumimoji="0" lang="en-US" sz="1800" b="0" i="0" u="none" strike="noStrike" kern="1200" cap="none" spc="0" normalizeH="0" baseline="0" noProof="0">
+              <a:ln>
+                <a:noFill/>
+              </a:ln>
+              <a:solidFill>
+                <a:srgbClr val="FFFFFF"/>
+              </a:solidFill>
+              <a:effectLst/>
+              <a:uLnTx/>
+              <a:uFillTx/>
+              <a:latin typeface="Calibri"/>
+              <a:ea typeface="+mn-ea"/>
+              <a:cs typeface="+mn-cs"/>
+            </a:endParaRPr>
+          </a:p>
+        </p:txBody>
+      </p:sp>
+      <p:sp>
+        <p:nvSpPr>
+          <p:cNvPr id="38" name="Rectangle 37">
+            <a:extLst>
+              <a:ext uri="{FF2B5EF4-FFF2-40B4-BE49-F238E27FC236}">
+                <a16:creationId xmlns:a16="http://schemas.microsoft.com/office/drawing/2014/main" id="{FF9673F5-C86C-4A91-9E0B-BF1F3A3ACCEE}"/>
+              </a:ext>
+              <a:ext uri="{C183D7F6-B498-43B3-948B-1728B52AA6E4}">
+                <adec:decorative xmlns:adec="http://schemas.microsoft.com/office/drawing/2017/decorative" val="1"/>
+              </a:ext>
+            </a:extLst>
+          </p:cNvPr>
+          <p:cNvSpPr>
+            <a:spLocks noGrp="1" noRot="1" noChangeAspect="1" noMove="1" noResize="1" noEditPoints="1" noAdjustHandles="1" noChangeArrowheads="1" noChangeShapeType="1" noTextEdit="1"/>
+          </p:cNvSpPr>
+          <p:nvPr>
+            <p:extLst>
+              <p:ext uri="{386F3935-93C4-4BCD-93E2-E3B085C9AB24}">
+                <p16:designElem xmlns:p16="http://schemas.microsoft.com/office/powerpoint/2015/main" val="1"/>
+              </p:ext>
+            </p:extLst>
+          </p:nvPr>
+        </p:nvSpPr>
+        <p:spPr>
+          <a:xfrm>
+            <a:off x="8042147" y="453643"/>
+            <a:ext cx="3703320" cy="98554"/>
+          </a:xfrm>
+          <a:prstGeom prst="rect">
+            <a:avLst/>
+          </a:prstGeom>
+          <a:solidFill>
+            <a:srgbClr val="969FA7"/>
+          </a:solidFill>
+          <a:ln>
+            <a:noFill/>
+          </a:ln>
+          <a:effectLst/>
+        </p:spPr>
+        <p:style>
+          <a:lnRef idx="1">
+            <a:schemeClr val="accent1"/>
+          </a:lnRef>
+          <a:fillRef idx="3">
+            <a:schemeClr val="accent1"/>
+          </a:fillRef>
+          <a:effectRef idx="2">
+            <a:schemeClr val="accent1"/>
+          </a:effectRef>
+          <a:fontRef idx="minor">
+            <a:schemeClr val="lt1"/>
+          </a:fontRef>
+        </p:style>
+        <p:txBody>
+          <a:bodyPr/>
+          <a:lstStyle/>
+          <a:p>
+            <a:pPr marL="0" marR="0" lvl="0" indent="0" algn="l" defTabSz="457200" rtl="0" eaLnBrk="1" fontAlgn="auto" latinLnBrk="0" hangingPunct="1">
+              <a:lnSpc>
+                <a:spcPct val="100000"/>
+              </a:lnSpc>
+              <a:spcBef>
+                <a:spcPts val="0"/>
+              </a:spcBef>
+              <a:spcAft>
+                <a:spcPts val="0"/>
+              </a:spcAft>
+              <a:buClrTx/>
+              <a:buSzTx/>
+              <a:buFontTx/>
+              <a:buNone/>
+              <a:tabLst/>
+              <a:defRPr/>
+            </a:pPr>
+            <a:endParaRPr kumimoji="0" lang="en-US" sz="1800" b="0" i="0" u="none" strike="noStrike" kern="1200" cap="none" spc="0" normalizeH="0" baseline="0" noProof="0">
+              <a:ln>
+                <a:noFill/>
+              </a:ln>
+              <a:solidFill>
+                <a:srgbClr val="FFFFFF"/>
+              </a:solidFill>
+              <a:effectLst/>
+              <a:uLnTx/>
+              <a:uFillTx/>
+              <a:latin typeface="Calibri"/>
+              <a:ea typeface="+mn-ea"/>
+              <a:cs typeface="+mn-cs"/>
+            </a:endParaRPr>
+          </a:p>
+        </p:txBody>
+      </p:sp>
+      <p:sp>
+        <p:nvSpPr>
+          <p:cNvPr id="40" name="Rectangle 39">
+            <a:extLst>
+              <a:ext uri="{FF2B5EF4-FFF2-40B4-BE49-F238E27FC236}">
+                <a16:creationId xmlns:a16="http://schemas.microsoft.com/office/drawing/2014/main" id="{CA65846E-F9CF-E2B5-F7F7-BBAFA5A063B2}"/>
+              </a:ext>
+              <a:ext uri="{C183D7F6-B498-43B3-948B-1728B52AA6E4}">
+                <adec:decorative xmlns:adec="http://schemas.microsoft.com/office/drawing/2017/decorative" val="1"/>
+              </a:ext>
+            </a:extLst>
+          </p:cNvPr>
+          <p:cNvSpPr>
+            <a:spLocks noGrp="1" noRot="1" noChangeAspect="1" noMove="1" noResize="1" noEditPoints="1" noAdjustHandles="1" noChangeArrowheads="1" noChangeShapeType="1" noTextEdit="1"/>
+          </p:cNvSpPr>
+          <p:nvPr>
+            <p:extLst>
+              <p:ext uri="{386F3935-93C4-4BCD-93E2-E3B085C9AB24}">
+                <p16:designElem xmlns:p16="http://schemas.microsoft.com/office/powerpoint/2015/main" val="1"/>
+              </p:ext>
+            </p:extLst>
+          </p:nvPr>
+        </p:nvSpPr>
+        <p:spPr>
+          <a:xfrm>
+            <a:off x="4241830" y="457200"/>
+            <a:ext cx="3703320" cy="91440"/>
+          </a:xfrm>
+          <a:prstGeom prst="rect">
+            <a:avLst/>
+          </a:prstGeom>
+          <a:solidFill>
+            <a:schemeClr val="accent1"/>
+          </a:solidFill>
+          <a:ln>
+            <a:noFill/>
+          </a:ln>
+          <a:effectLst/>
+        </p:spPr>
+        <p:style>
+          <a:lnRef idx="1">
+            <a:schemeClr val="accent1"/>
+          </a:lnRef>
+          <a:fillRef idx="3">
+            <a:schemeClr val="accent1"/>
+          </a:fillRef>
+          <a:effectRef idx="2">
+            <a:schemeClr val="accent1"/>
+          </a:effectRef>
+          <a:fontRef idx="minor">
+            <a:schemeClr val="lt1"/>
+          </a:fontRef>
+        </p:style>
+        <p:txBody>
+          <a:bodyPr/>
+          <a:lstStyle/>
+          <a:p>
+            <a:pPr marL="0" marR="0" lvl="0" indent="0" algn="l" defTabSz="457200" rtl="0" eaLnBrk="1" fontAlgn="auto" latinLnBrk="0" hangingPunct="1">
+              <a:lnSpc>
+                <a:spcPct val="100000"/>
+              </a:lnSpc>
+              <a:spcBef>
+                <a:spcPts val="0"/>
+              </a:spcBef>
+              <a:spcAft>
+                <a:spcPts val="0"/>
+              </a:spcAft>
+              <a:buClrTx/>
+              <a:buSzTx/>
+              <a:buFontTx/>
+              <a:buNone/>
+              <a:tabLst/>
+              <a:defRPr/>
+            </a:pPr>
+            <a:endParaRPr kumimoji="0" lang="en-US" sz="1800" b="0" i="0" u="none" strike="noStrike" kern="1200" cap="none" spc="0" normalizeH="0" baseline="0" noProof="0">
+              <a:ln>
+                <a:noFill/>
+              </a:ln>
+              <a:solidFill>
+                <a:srgbClr val="FFFFFF"/>
+              </a:solidFill>
+              <a:effectLst/>
+              <a:uLnTx/>
+              <a:uFillTx/>
+              <a:latin typeface="Calibri"/>
+              <a:ea typeface="+mn-ea"/>
+              <a:cs typeface="+mn-cs"/>
+            </a:endParaRPr>
+          </a:p>
+        </p:txBody>
+      </p:sp>
+      <p:sp>
+        <p:nvSpPr>
+          <p:cNvPr id="42" name="Rectangle 41">
+            <a:extLst>
+              <a:ext uri="{FF2B5EF4-FFF2-40B4-BE49-F238E27FC236}">
+                <a16:creationId xmlns:a16="http://schemas.microsoft.com/office/drawing/2014/main" id="{06A5BF86-ADFF-7DAD-9B6F-8F8D1C69C23F}"/>
+              </a:ext>
+              <a:ext uri="{C183D7F6-B498-43B3-948B-1728B52AA6E4}">
+                <adec:decorative xmlns:adec="http://schemas.microsoft.com/office/drawing/2017/decorative" val="1"/>
+              </a:ext>
+            </a:extLst>
+          </p:cNvPr>
+          <p:cNvSpPr>
+            <a:spLocks noGrp="1" noRot="1" noChangeAspect="1" noMove="1" noResize="1" noEditPoints="1" noAdjustHandles="1" noChangeArrowheads="1" noChangeShapeType="1" noTextEdit="1"/>
+          </p:cNvSpPr>
+          <p:nvPr>
+            <p:extLst>
+              <p:ext uri="{386F3935-93C4-4BCD-93E2-E3B085C9AB24}">
+                <p16:designElem xmlns:p16="http://schemas.microsoft.com/office/powerpoint/2015/main" val="1"/>
+              </p:ext>
+            </p:extLst>
+          </p:nvPr>
+        </p:nvSpPr>
+        <p:spPr>
+          <a:xfrm>
+            <a:off x="446534" y="3085764"/>
+            <a:ext cx="11298932" cy="3338149"/>
+          </a:xfrm>
+          <a:prstGeom prst="rect">
+            <a:avLst/>
+          </a:prstGeom>
+          <a:solidFill>
+            <a:srgbClr val="465359"/>
+          </a:solidFill>
+          <a:ln>
+            <a:noFill/>
+          </a:ln>
+          <a:effectLst/>
+        </p:spPr>
+        <p:style>
+          <a:lnRef idx="1">
+            <a:schemeClr val="accent1"/>
+          </a:lnRef>
+          <a:fillRef idx="3">
+            <a:schemeClr val="accent1"/>
+          </a:fillRef>
+          <a:effectRef idx="2">
+            <a:schemeClr val="accent1"/>
+          </a:effectRef>
+          <a:fontRef idx="minor">
+            <a:schemeClr val="lt1"/>
+          </a:fontRef>
+        </p:style>
+        <p:txBody>
+          <a:bodyPr/>
+          <a:lstStyle/>
+          <a:p>
+            <a:pPr marL="0" marR="0" lvl="0" indent="0" algn="l" defTabSz="457200" rtl="0" eaLnBrk="1" fontAlgn="auto" latinLnBrk="0" hangingPunct="1">
+              <a:lnSpc>
+                <a:spcPct val="100000"/>
+              </a:lnSpc>
+              <a:spcBef>
+                <a:spcPts val="0"/>
+              </a:spcBef>
+              <a:spcAft>
+                <a:spcPts val="0"/>
+              </a:spcAft>
+              <a:buClrTx/>
+              <a:buSzTx/>
+              <a:buFontTx/>
+              <a:buNone/>
+              <a:tabLst/>
+              <a:defRPr/>
+            </a:pPr>
+            <a:endParaRPr kumimoji="0" lang="en-US" sz="1800" b="0" i="0" u="none" strike="noStrike" kern="1200" cap="none" spc="0" normalizeH="0" baseline="0" noProof="0">
+              <a:ln>
+                <a:noFill/>
+              </a:ln>
+              <a:solidFill>
+                <a:srgbClr val="FFFFFF"/>
+              </a:solidFill>
+              <a:effectLst/>
+              <a:uLnTx/>
+              <a:uFillTx/>
+              <a:latin typeface="Calibri"/>
+              <a:ea typeface="+mn-ea"/>
+              <a:cs typeface="+mn-cs"/>
+            </a:endParaRPr>
+          </a:p>
+        </p:txBody>
+      </p:sp>
+      <p:sp useBgFill="1">
+        <p:nvSpPr>
+          <p:cNvPr id="44" name="Rectangle 43">
+            <a:extLst>
+              <a:ext uri="{FF2B5EF4-FFF2-40B4-BE49-F238E27FC236}">
+                <a16:creationId xmlns:a16="http://schemas.microsoft.com/office/drawing/2014/main" id="{951165A8-D79E-7C99-14F9-1F24089CD566}"/>
+              </a:ext>
+              <a:ext uri="{C183D7F6-B498-43B3-948B-1728B52AA6E4}">
+                <adec:decorative xmlns:adec="http://schemas.microsoft.com/office/drawing/2017/decorative" val="1"/>
+              </a:ext>
+            </a:extLst>
+          </p:cNvPr>
+          <p:cNvSpPr>
+            <a:spLocks noGrp="1" noRot="1" noChangeAspect="1" noMove="1" noResize="1" noEditPoints="1" noAdjustHandles="1" noChangeArrowheads="1" noChangeShapeType="1" noTextEdit="1"/>
+          </p:cNvSpPr>
+          <p:nvPr>
+            <p:extLst>
+              <p:ext uri="{386F3935-93C4-4BCD-93E2-E3B085C9AB24}">
+                <p16:designElem xmlns:p16="http://schemas.microsoft.com/office/powerpoint/2015/main" val="1"/>
+              </p:ext>
+            </p:extLst>
+          </p:nvPr>
+        </p:nvSpPr>
+        <p:spPr>
+          <a:xfrm>
+            <a:off x="0" y="0"/>
+            <a:ext cx="12192000" cy="6858000"/>
+          </a:xfrm>
+          <a:prstGeom prst="rect">
+            <a:avLst/>
+          </a:prstGeom>
+          <a:ln>
+            <a:noFill/>
+          </a:ln>
+        </p:spPr>
+        <p:style>
+          <a:lnRef idx="2">
+            <a:schemeClr val="accent1">
+              <a:shade val="50000"/>
+            </a:schemeClr>
+          </a:lnRef>
+          <a:fillRef idx="1">
+            <a:schemeClr val="accent1"/>
+          </a:fillRef>
+          <a:effectRef idx="0">
+            <a:schemeClr val="accent1"/>
+          </a:effectRef>
+          <a:fontRef idx="minor">
+            <a:schemeClr val="lt1"/>
+          </a:fontRef>
+        </p:style>
+        <p:txBody>
+          <a:bodyPr rtlCol="0" anchor="ctr"/>
+          <a:lstStyle/>
+          <a:p>
+            <a:pPr marL="0" marR="0" lvl="0" indent="0" algn="ctr" defTabSz="457200" rtl="0" eaLnBrk="1" fontAlgn="auto" latinLnBrk="0" hangingPunct="1">
+              <a:lnSpc>
+                <a:spcPct val="100000"/>
+              </a:lnSpc>
+              <a:spcBef>
+                <a:spcPts val="0"/>
+              </a:spcBef>
+              <a:spcAft>
+                <a:spcPts val="0"/>
+              </a:spcAft>
+              <a:buClrTx/>
+              <a:buSzTx/>
+              <a:buFontTx/>
+              <a:buNone/>
+              <a:tabLst/>
+              <a:defRPr/>
+            </a:pPr>
+            <a:endParaRPr kumimoji="0" lang="en-US" sz="1800" b="0" i="0" u="none" strike="noStrike" kern="1200" cap="none" spc="0" normalizeH="0" baseline="0" noProof="0">
+              <a:ln>
+                <a:noFill/>
+              </a:ln>
+              <a:solidFill>
+                <a:srgbClr val="FFFFFF"/>
+              </a:solidFill>
+              <a:effectLst/>
+              <a:uLnTx/>
+              <a:uFillTx/>
+              <a:latin typeface="Calibri"/>
+              <a:ea typeface="+mn-ea"/>
+              <a:cs typeface="+mn-cs"/>
+            </a:endParaRPr>
+          </a:p>
+        </p:txBody>
+      </p:sp>
+      <p:sp>
+        <p:nvSpPr>
+          <p:cNvPr id="46" name="Rectangle 45">
+            <a:extLst>
+              <a:ext uri="{FF2B5EF4-FFF2-40B4-BE49-F238E27FC236}">
+                <a16:creationId xmlns:a16="http://schemas.microsoft.com/office/drawing/2014/main" id="{5DD246B2-FE7B-659B-5ED3-A6431CA16CED}"/>
+              </a:ext>
+              <a:ext uri="{C183D7F6-B498-43B3-948B-1728B52AA6E4}">
+                <adec:decorative xmlns:adec="http://schemas.microsoft.com/office/drawing/2017/decorative" val="1"/>
+              </a:ext>
+            </a:extLst>
+          </p:cNvPr>
+          <p:cNvSpPr>
+            <a:spLocks noGrp="1" noRot="1" noChangeAspect="1" noMove="1" noResize="1" noEditPoints="1" noAdjustHandles="1" noChangeArrowheads="1" noChangeShapeType="1" noTextEdit="1"/>
+          </p:cNvSpPr>
+          <p:nvPr>
+            <p:extLst>
+              <p:ext uri="{386F3935-93C4-4BCD-93E2-E3B085C9AB24}">
+                <p16:designElem xmlns:p16="http://schemas.microsoft.com/office/powerpoint/2015/main" val="1"/>
+              </p:ext>
+            </p:extLst>
+          </p:nvPr>
+        </p:nvSpPr>
+        <p:spPr>
+          <a:xfrm>
+            <a:off x="509628" y="496959"/>
+            <a:ext cx="1106164" cy="5859735"/>
+          </a:xfrm>
+          <a:prstGeom prst="rect">
+            <a:avLst/>
+          </a:prstGeom>
+          <a:solidFill>
+            <a:srgbClr val="465359"/>
+          </a:solidFill>
+          <a:ln>
+            <a:noFill/>
+          </a:ln>
+          <a:effectLst/>
+        </p:spPr>
+        <p:style>
+          <a:lnRef idx="1">
+            <a:schemeClr val="accent1"/>
+          </a:lnRef>
+          <a:fillRef idx="3">
+            <a:schemeClr val="accent1"/>
+          </a:fillRef>
+          <a:effectRef idx="2">
+            <a:schemeClr val="accent1"/>
+          </a:effectRef>
+          <a:fontRef idx="minor">
+            <a:schemeClr val="lt1"/>
+          </a:fontRef>
+        </p:style>
+        <p:txBody>
+          <a:bodyPr/>
+          <a:lstStyle/>
+          <a:p>
+            <a:pPr marL="0" marR="0" lvl="0" indent="0" algn="l" defTabSz="457200" rtl="0" eaLnBrk="1" fontAlgn="auto" latinLnBrk="0" hangingPunct="1">
+              <a:lnSpc>
+                <a:spcPct val="100000"/>
+              </a:lnSpc>
+              <a:spcBef>
+                <a:spcPts val="0"/>
+              </a:spcBef>
+              <a:spcAft>
+                <a:spcPts val="0"/>
+              </a:spcAft>
+              <a:buClrTx/>
+              <a:buSzTx/>
+              <a:buFontTx/>
+              <a:buNone/>
+              <a:tabLst/>
+              <a:defRPr/>
+            </a:pPr>
+            <a:endParaRPr kumimoji="0" lang="en-US" sz="1800" b="0" i="0" u="none" strike="noStrike" kern="1200" cap="none" spc="0" normalizeH="0" baseline="0" noProof="0">
+              <a:ln>
+                <a:noFill/>
+              </a:ln>
+              <a:solidFill>
+                <a:srgbClr val="FFFFFF"/>
+              </a:solidFill>
+              <a:effectLst/>
+              <a:uLnTx/>
+              <a:uFillTx/>
+              <a:latin typeface="Calibri"/>
+              <a:ea typeface="+mn-ea"/>
+              <a:cs typeface="+mn-cs"/>
+            </a:endParaRPr>
+          </a:p>
+        </p:txBody>
+      </p:sp>
+      <p:sp>
+        <p:nvSpPr>
+          <p:cNvPr id="48" name="Rectangle 47">
+            <a:extLst>
+              <a:ext uri="{FF2B5EF4-FFF2-40B4-BE49-F238E27FC236}">
+                <a16:creationId xmlns:a16="http://schemas.microsoft.com/office/drawing/2014/main" id="{43CFE31E-8937-316A-1AE6-EB0EC8B4DB26}"/>
+              </a:ext>
+              <a:ext uri="{C183D7F6-B498-43B3-948B-1728B52AA6E4}">
+                <adec:decorative xmlns:adec="http://schemas.microsoft.com/office/drawing/2017/decorative" val="1"/>
+              </a:ext>
+            </a:extLst>
+          </p:cNvPr>
+          <p:cNvSpPr>
+            <a:spLocks noGrp="1" noRot="1" noChangeAspect="1" noMove="1" noResize="1" noEditPoints="1" noAdjustHandles="1" noChangeArrowheads="1" noChangeShapeType="1" noTextEdit="1"/>
+          </p:cNvSpPr>
+          <p:nvPr>
+            <p:extLst>
+              <p:ext uri="{386F3935-93C4-4BCD-93E2-E3B085C9AB24}">
+                <p16:designElem xmlns:p16="http://schemas.microsoft.com/office/powerpoint/2015/main" val="1"/>
+              </p:ext>
+            </p:extLst>
+          </p:nvPr>
+        </p:nvSpPr>
+        <p:spPr>
+          <a:xfrm>
+            <a:off x="1712856" y="496958"/>
+            <a:ext cx="9961047" cy="3678072"/>
+          </a:xfrm>
+          <a:prstGeom prst="rect">
+            <a:avLst/>
+          </a:prstGeom>
+          <a:solidFill>
+            <a:schemeClr val="accent1"/>
+          </a:solidFill>
+          <a:ln>
+            <a:noFill/>
+          </a:ln>
+          <a:effectLst/>
+        </p:spPr>
+        <p:style>
+          <a:lnRef idx="1">
+            <a:schemeClr val="accent1"/>
+          </a:lnRef>
+          <a:fillRef idx="3">
+            <a:schemeClr val="accent1"/>
+          </a:fillRef>
+          <a:effectRef idx="2">
+            <a:schemeClr val="accent1"/>
+          </a:effectRef>
+          <a:fontRef idx="minor">
+            <a:schemeClr val="lt1"/>
+          </a:fontRef>
+        </p:style>
+        <p:txBody>
+          <a:bodyPr/>
+          <a:lstStyle/>
+          <a:p>
+            <a:pPr marL="0" marR="0" lvl="0" indent="0" algn="l" defTabSz="457200" rtl="0" eaLnBrk="1" fontAlgn="auto" latinLnBrk="0" hangingPunct="1">
+              <a:lnSpc>
+                <a:spcPct val="100000"/>
+              </a:lnSpc>
+              <a:spcBef>
+                <a:spcPts val="0"/>
+              </a:spcBef>
+              <a:spcAft>
+                <a:spcPts val="0"/>
+              </a:spcAft>
+              <a:buClrTx/>
+              <a:buSzTx/>
+              <a:buFontTx/>
+              <a:buNone/>
+              <a:tabLst/>
+              <a:defRPr/>
+            </a:pPr>
+            <a:endParaRPr kumimoji="0" lang="en-US" sz="1800" b="0" i="0" u="none" strike="noStrike" kern="1200" cap="none" spc="0" normalizeH="0" baseline="0" noProof="0">
+              <a:ln>
+                <a:noFill/>
+              </a:ln>
+              <a:solidFill>
+                <a:srgbClr val="FFFFFF"/>
+              </a:solidFill>
+              <a:effectLst/>
+              <a:uLnTx/>
+              <a:uFillTx/>
+              <a:latin typeface="Calibri"/>
+              <a:ea typeface="+mn-ea"/>
+              <a:cs typeface="+mn-cs"/>
+            </a:endParaRPr>
+          </a:p>
+        </p:txBody>
+      </p:sp>
+      <mc:AlternateContent xmlns:mc="http://schemas.openxmlformats.org/markup-compatibility/2006">
+        <mc:Choice xmlns:a14="http://schemas.microsoft.com/office/drawing/2010/main" Requires="a14">
+          <p:sp>
+            <p:nvSpPr>
+              <p:cNvPr id="2" name="Title 1">
+                <a:extLst>
+                  <a:ext uri="{FF2B5EF4-FFF2-40B4-BE49-F238E27FC236}">
+                    <a16:creationId xmlns:a16="http://schemas.microsoft.com/office/drawing/2014/main" id="{78A8BA1C-646E-520D-FA58-A84DB323EA34}"/>
+                  </a:ext>
+                </a:extLst>
+              </p:cNvPr>
+              <p:cNvSpPr>
+                <a:spLocks noGrp="1"/>
+              </p:cNvSpPr>
+              <p:nvPr>
+                <p:ph type="title"/>
+              </p:nvPr>
+            </p:nvSpPr>
+            <p:spPr>
+              <a:xfrm>
+                <a:off x="1893715" y="708498"/>
+                <a:ext cx="9691733" cy="3330055"/>
+              </a:xfrm>
+            </p:spPr>
+            <p:txBody>
+              <a:bodyPr vert="horz" lIns="91440" tIns="45720" rIns="91440" bIns="45720" rtlCol="0" anchor="ctr">
+                <a:normAutofit/>
+              </a:bodyPr>
+              <a:lstStyle/>
+              <a:p>
+                <a:r>
+                  <a:rPr lang="en-US" sz="6000" b="0" kern="1200" cap="all" dirty="0">
+                    <a:solidFill>
+                      <a:srgbClr val="FFFFFF"/>
+                    </a:solidFill>
+                    <a:latin typeface="+mj-lt"/>
+                    <a:ea typeface="+mj-ea"/>
+                    <a:cs typeface="+mj-cs"/>
+                  </a:rPr>
+                  <a:t>2.1.3 Transformation of </a:t>
+                </a:r>
+                <a14:m>
+                  <m:oMath xmlns:m="http://schemas.openxmlformats.org/officeDocument/2006/math">
+                    <m:r>
+                      <a:rPr lang="en-US" sz="6000" b="0" i="1" kern="1200" cap="all" smtClean="0">
+                        <a:solidFill>
+                          <a:srgbClr val="FFFFFF"/>
+                        </a:solidFill>
+                        <a:latin typeface="Cambria Math" panose="02040503050406030204" pitchFamily="18" charset="0"/>
+                        <a:ea typeface="+mj-ea"/>
+                        <a:cs typeface="+mj-cs"/>
+                      </a:rPr>
+                      <m:t>𝑥</m:t>
+                    </m:r>
+                  </m:oMath>
+                </a14:m>
+                <a:r>
+                  <a:rPr lang="en-US" sz="6000" b="0" kern="1200" cap="all" dirty="0">
+                    <a:solidFill>
+                      <a:srgbClr val="FFFFFF"/>
+                    </a:solidFill>
+                    <a:latin typeface="+mj-lt"/>
+                    <a:ea typeface="+mj-ea"/>
+                    <a:cs typeface="+mj-cs"/>
+                  </a:rPr>
+                  <a:t> and </a:t>
+                </a:r>
+                <a14:m>
+                  <m:oMath xmlns:m="http://schemas.openxmlformats.org/officeDocument/2006/math">
+                    <m:r>
+                      <a:rPr lang="en-US" sz="6000" b="0" i="1" kern="1200" cap="all" smtClean="0">
+                        <a:solidFill>
+                          <a:srgbClr val="FFFFFF"/>
+                        </a:solidFill>
+                        <a:latin typeface="Cambria Math" panose="02040503050406030204" pitchFamily="18" charset="0"/>
+                        <a:ea typeface="+mj-ea"/>
+                        <a:cs typeface="+mj-cs"/>
+                      </a:rPr>
+                      <m:t>𝑦</m:t>
+                    </m:r>
+                  </m:oMath>
+                </a14:m>
+                <a:endParaRPr lang="en-US" sz="6000" b="0" kern="1200" cap="all" dirty="0">
+                  <a:solidFill>
+                    <a:srgbClr val="FFFFFF"/>
+                  </a:solidFill>
+                  <a:latin typeface="+mj-lt"/>
+                  <a:ea typeface="+mj-ea"/>
+                  <a:cs typeface="+mj-cs"/>
+                </a:endParaRPr>
+              </a:p>
+            </p:txBody>
+          </p:sp>
+        </mc:Choice>
+        <mc:Fallback>
+          <p:sp>
+            <p:nvSpPr>
+              <p:cNvPr id="2" name="Title 1">
+                <a:extLst>
+                  <a:ext uri="{FF2B5EF4-FFF2-40B4-BE49-F238E27FC236}">
+                    <a16:creationId xmlns:a16="http://schemas.microsoft.com/office/drawing/2014/main" id="{78A8BA1C-646E-520D-FA58-A84DB323EA34}"/>
+                  </a:ext>
+                </a:extLst>
+              </p:cNvPr>
+              <p:cNvSpPr>
+                <a:spLocks noGrp="1" noRot="1" noChangeAspect="1" noMove="1" noResize="1" noEditPoints="1" noAdjustHandles="1" noChangeArrowheads="1" noChangeShapeType="1" noTextEdit="1"/>
+              </p:cNvSpPr>
+              <p:nvPr>
+                <p:ph type="title"/>
+              </p:nvPr>
+            </p:nvSpPr>
+            <p:spPr>
+              <a:xfrm>
+                <a:off x="1893715" y="708498"/>
+                <a:ext cx="9691733" cy="3330055"/>
+              </a:xfrm>
+              <a:blipFill>
+                <a:blip r:embed="rId2"/>
+                <a:stretch>
+                  <a:fillRect l="-3836"/>
+                </a:stretch>
+              </a:blipFill>
+            </p:spPr>
+            <p:txBody>
+              <a:bodyPr/>
+              <a:lstStyle/>
+              <a:p>
+                <a:r>
+                  <a:rPr lang="en-US">
+                    <a:noFill/>
+                  </a:rPr>
+                  <a:t> </a:t>
+                </a:r>
+              </a:p>
+            </p:txBody>
+          </p:sp>
+        </mc:Fallback>
+      </mc:AlternateContent>
+      <p:sp>
+        <p:nvSpPr>
+          <p:cNvPr id="50" name="Rectangle 49">
+            <a:extLst>
+              <a:ext uri="{FF2B5EF4-FFF2-40B4-BE49-F238E27FC236}">
+                <a16:creationId xmlns:a16="http://schemas.microsoft.com/office/drawing/2014/main" id="{E53DE0C5-BC7E-7D5C-E9D8-9E3774CB0127}"/>
+              </a:ext>
+              <a:ext uri="{C183D7F6-B498-43B3-948B-1728B52AA6E4}">
+                <adec:decorative xmlns:adec="http://schemas.microsoft.com/office/drawing/2017/decorative" val="1"/>
+              </a:ext>
+            </a:extLst>
+          </p:cNvPr>
+          <p:cNvSpPr>
+            <a:spLocks noGrp="1" noRot="1" noChangeAspect="1" noMove="1" noResize="1" noEditPoints="1" noAdjustHandles="1" noChangeArrowheads="1" noChangeShapeType="1" noTextEdit="1"/>
+          </p:cNvSpPr>
+          <p:nvPr>
+            <p:extLst>
+              <p:ext uri="{386F3935-93C4-4BCD-93E2-E3B085C9AB24}">
+                <p16:designElem xmlns:p16="http://schemas.microsoft.com/office/powerpoint/2015/main" val="1"/>
+              </p:ext>
+            </p:extLst>
+          </p:nvPr>
+        </p:nvSpPr>
+        <p:spPr>
+          <a:xfrm>
+            <a:off x="1712789" y="4284212"/>
+            <a:ext cx="9961115" cy="2072481"/>
+          </a:xfrm>
+          <a:prstGeom prst="rect">
+            <a:avLst/>
+          </a:prstGeom>
+          <a:solidFill>
+            <a:srgbClr val="6C7781">
+              <a:alpha val="80000"/>
+            </a:srgbClr>
+          </a:solidFill>
+          <a:ln>
+            <a:noFill/>
+          </a:ln>
+          <a:effectLst/>
+        </p:spPr>
+        <p:style>
+          <a:lnRef idx="1">
+            <a:schemeClr val="accent1"/>
+          </a:lnRef>
+          <a:fillRef idx="3">
+            <a:schemeClr val="accent1"/>
+          </a:fillRef>
+          <a:effectRef idx="2">
+            <a:schemeClr val="accent1"/>
+          </a:effectRef>
+          <a:fontRef idx="minor">
+            <a:schemeClr val="lt1"/>
+          </a:fontRef>
+        </p:style>
+        <p:txBody>
+          <a:bodyPr/>
+          <a:lstStyle/>
+          <a:p>
+            <a:pPr marL="0" marR="0" lvl="0" indent="0" algn="l" defTabSz="457200" rtl="0" eaLnBrk="1" fontAlgn="auto" latinLnBrk="0" hangingPunct="1">
+              <a:lnSpc>
+                <a:spcPct val="100000"/>
+              </a:lnSpc>
+              <a:spcBef>
+                <a:spcPts val="0"/>
+              </a:spcBef>
+              <a:spcAft>
+                <a:spcPts val="0"/>
+              </a:spcAft>
+              <a:buClrTx/>
+              <a:buSzTx/>
+              <a:buFontTx/>
+              <a:buNone/>
+              <a:tabLst/>
+              <a:defRPr/>
+            </a:pPr>
+            <a:endParaRPr kumimoji="0" lang="en-US" sz="1800" b="0" i="0" u="none" strike="noStrike" kern="1200" cap="none" spc="0" normalizeH="0" baseline="0" noProof="0">
+              <a:ln>
+                <a:noFill/>
+              </a:ln>
+              <a:solidFill>
+                <a:srgbClr val="FFFFFF"/>
+              </a:solidFill>
+              <a:effectLst/>
+              <a:uLnTx/>
+              <a:uFillTx/>
+              <a:latin typeface="Calibri"/>
+              <a:ea typeface="+mn-ea"/>
+              <a:cs typeface="+mn-cs"/>
+            </a:endParaRPr>
+          </a:p>
+        </p:txBody>
+      </p:sp>
+    </p:spTree>
+    <p:extLst>
+      <p:ext uri="{BB962C8B-B14F-4D97-AF65-F5344CB8AC3E}">
+        <p14:creationId xmlns:p14="http://schemas.microsoft.com/office/powerpoint/2010/main" val="3327884995"/>
+      </p:ext>
+    </p:extLst>
+  </p:cSld>
+  <p:clrMapOvr>
+    <a:masterClrMapping/>
+  </p:clrMapOvr>
+  <p:timing>
+    <p:tnLst>
+      <p:par>
+        <p:cTn id="1" dur="indefinite" restart="never" nodeType="tmRoot">
+          <p:childTnLst>
+            <p:seq concurrent="1" nextAc="seek">
+              <p:cTn id="2" dur="indefinite" nodeType="mainSeq">
+                <p:childTnLst>
+                  <p:par>
+                    <p:cTn id="3" fill="hold">
+                      <p:stCondLst>
+                        <p:cond delay="indefinite"/>
+                        <p:cond evt="onBegin" delay="0">
+                          <p:tn val="2"/>
+                        </p:cond>
+                      </p:stCondLst>
+                      <p:childTnLst>
+                        <p:par>
+                          <p:cTn id="4" fill="hold">
+                            <p:stCondLst>
+                              <p:cond delay="0"/>
+                            </p:stCondLst>
+                            <p:childTnLst>
+                              <p:par>
+                                <p:cTn id="5" presetID="10" presetClass="entr" presetSubtype="0" fill="hold" grpId="0" nodeType="withEffect">
+                                  <p:stCondLst>
+                                    <p:cond delay="500"/>
+                                  </p:stCondLst>
+                                  <p:iterate type="wd">
+                                    <p:tmPct val="15000"/>
+                                  </p:iterate>
+                                  <p:childTnLst>
+                                    <p:set>
+                                      <p:cBhvr>
+                                        <p:cTn id="6" dur="1" fill="hold">
+                                          <p:stCondLst>
+                                            <p:cond delay="0"/>
+                                          </p:stCondLst>
+                                        </p:cTn>
+                                        <p:tgtEl>
+                                          <p:spTgt spid="2"/>
+                                        </p:tgtEl>
+                                        <p:attrNameLst>
+                                          <p:attrName>style.visibility</p:attrName>
+                                        </p:attrNameLst>
+                                      </p:cBhvr>
+                                      <p:to>
+                                        <p:strVal val="visible"/>
+                                      </p:to>
+                                    </p:set>
+                                    <p:animEffect transition="in" filter="fade">
+                                      <p:cBhvr>
+                                        <p:cTn id="7" dur="1000"/>
+                                        <p:tgtEl>
+                                          <p:spTgt spid="2"/>
+                                        </p:tgtEl>
+                                      </p:cBhvr>
+                                    </p:animEffect>
+                                  </p:childTnLst>
+                                </p:cTn>
+                              </p:par>
+                            </p:childTnLst>
+                          </p:cTn>
+                        </p:par>
+                      </p:childTnLst>
+                    </p:cTn>
+                  </p:par>
+                </p:childTnLst>
+              </p:cTn>
+              <p:prevCondLst>
+                <p:cond evt="onPrev" delay="0">
+                  <p:tgtEl>
+                    <p:sldTgt/>
+                  </p:tgtEl>
+                </p:cond>
+              </p:prevCondLst>
+              <p:nextCondLst>
+                <p:cond evt="onNext" delay="0">
+                  <p:tgtEl>
+                    <p:sldTgt/>
+                  </p:tgtEl>
+                </p:cond>
+              </p:nextCondLst>
+            </p:seq>
+          </p:childTnLst>
+        </p:cTn>
+      </p:par>
+    </p:tnLst>
+    <p:bldLst>
+      <p:bldP spid="2" grpId="0"/>
+    </p:bldLst>
+  </p:timing>
+</p:sld>
+</file>
+
+<file path=ppt/slides/slide35.xml><?xml version="1.0" encoding="utf-8"?>
+<p:sld xmlns:a="http://schemas.openxmlformats.org/drawingml/2006/main" xmlns:r="http://schemas.openxmlformats.org/officeDocument/2006/relationships" xmlns:p="http://schemas.openxmlformats.org/presentationml/2006/main">
+  <p:cSld>
     <p:spTree>
       <p:nvGrpSpPr>
         <p:cNvPr id="1" name=""/>
@@ -23482,39 +24510,6 @@
           <a:chExt cx="0" cy="0"/>
         </a:xfrm>
       </p:grpSpPr>
-      <p:sp>
-        <p:nvSpPr>
-          <p:cNvPr id="2" name="Title 1">
-            <a:extLst>
-              <a:ext uri="{FF2B5EF4-FFF2-40B4-BE49-F238E27FC236}">
-                <a16:creationId xmlns:a16="http://schemas.microsoft.com/office/drawing/2014/main" id="{798AB277-E509-CB26-E5BE-77AFC5F113AF}"/>
-              </a:ext>
-            </a:extLst>
-          </p:cNvPr>
-          <p:cNvSpPr>
-            <a:spLocks noGrp="1"/>
-          </p:cNvSpPr>
-          <p:nvPr>
-            <p:ph type="title"/>
-          </p:nvPr>
-        </p:nvSpPr>
-        <p:spPr>
-          <a:xfrm>
-            <a:off x="581192" y="702156"/>
-            <a:ext cx="11029616" cy="544753"/>
-          </a:xfrm>
-        </p:spPr>
-        <p:txBody>
-          <a:bodyPr/>
-          <a:lstStyle/>
-          <a:p>
-            <a:r>
-              <a:rPr lang="en-US" dirty="0"/>
-              <a:t>PROBLEM IN BIVARIATE REGRESSION ANALYSIS</a:t>
-            </a:r>
-          </a:p>
-        </p:txBody>
-      </p:sp>
       <p:sp>
         <p:nvSpPr>
           <p:cNvPr id="3" name="Content Placeholder 2">
@@ -23545,7 +24540,7 @@
           <a:p>
             <a:r>
               <a:rPr lang="en-US" sz="2400" dirty="0"/>
-              <a:t>Ignored relevant variable </a:t>
+              <a:t>Fix a non-linear relationship and making the relationship linear</a:t>
             </a:r>
           </a:p>
           <a:p>
@@ -23554,7 +24549,42 @@
           <a:p>
             <a:r>
               <a:rPr lang="en-US" sz="2400" dirty="0"/>
-              <a:t>Non-linear relationship</a:t>
+              <a:t>Make the distribution of the regression residual </a:t>
+            </a:r>
+          </a:p>
+        </p:txBody>
+      </p:sp>
+      <p:sp>
+        <p:nvSpPr>
+          <p:cNvPr id="6" name="TextBox 5">
+            <a:extLst>
+              <a:ext uri="{FF2B5EF4-FFF2-40B4-BE49-F238E27FC236}">
+                <a16:creationId xmlns:a16="http://schemas.microsoft.com/office/drawing/2014/main" id="{5D83924F-2094-5034-FD8F-2F5391C9263A}"/>
+              </a:ext>
+            </a:extLst>
+          </p:cNvPr>
+          <p:cNvSpPr txBox="1"/>
+          <p:nvPr/>
+        </p:nvSpPr>
+        <p:spPr>
+          <a:xfrm>
+            <a:off x="692726" y="727364"/>
+            <a:ext cx="7613073" cy="523220"/>
+          </a:xfrm>
+          <a:prstGeom prst="rect">
+            <a:avLst/>
+          </a:prstGeom>
+          <a:noFill/>
+        </p:spPr>
+        <p:txBody>
+          <a:bodyPr wrap="square" rtlCol="0">
+            <a:spAutoFit/>
+          </a:bodyPr>
+          <a:lstStyle/>
+          <a:p>
+            <a:r>
+              <a:rPr lang="en-US" sz="2800" dirty="0"/>
+              <a:t>Transformation can achieve several goals: </a:t>
             </a:r>
           </a:p>
         </p:txBody>
@@ -23563,6 +24593,2309 @@
     <p:extLst>
       <p:ext uri="{BB962C8B-B14F-4D97-AF65-F5344CB8AC3E}">
         <p14:creationId xmlns:p14="http://schemas.microsoft.com/office/powerpoint/2010/main" val="2599699824"/>
+      </p:ext>
+    </p:extLst>
+  </p:cSld>
+  <p:clrMapOvr>
+    <a:masterClrMapping/>
+  </p:clrMapOvr>
+</p:sld>
+</file>
+
+<file path=ppt/slides/slide36.xml><?xml version="1.0" encoding="utf-8"?>
+<p:sld xmlns:a="http://schemas.openxmlformats.org/drawingml/2006/main" xmlns:r="http://schemas.openxmlformats.org/officeDocument/2006/relationships" xmlns:p="http://schemas.openxmlformats.org/presentationml/2006/main">
+  <p:cSld>
+    <p:spTree>
+      <p:nvGrpSpPr>
+        <p:cNvPr id="1" name=""/>
+        <p:cNvGrpSpPr/>
+        <p:nvPr/>
+      </p:nvGrpSpPr>
+      <p:grpSpPr>
+        <a:xfrm>
+          <a:off x="0" y="0"/>
+          <a:ext cx="0" cy="0"/>
+          <a:chOff x="0" y="0"/>
+          <a:chExt cx="0" cy="0"/>
+        </a:xfrm>
+      </p:grpSpPr>
+      <p:pic>
+        <p:nvPicPr>
+          <p:cNvPr id="5" name="Picture 4">
+            <a:extLst>
+              <a:ext uri="{FF2B5EF4-FFF2-40B4-BE49-F238E27FC236}">
+                <a16:creationId xmlns:a16="http://schemas.microsoft.com/office/drawing/2014/main" id="{BA849216-BD35-56C3-332B-C2FB415EF688}"/>
+              </a:ext>
+            </a:extLst>
+          </p:cNvPr>
+          <p:cNvPicPr>
+            <a:picLocks noChangeAspect="1"/>
+          </p:cNvPicPr>
+          <p:nvPr/>
+        </p:nvPicPr>
+        <p:blipFill>
+          <a:blip r:embed="rId2"/>
+          <a:stretch>
+            <a:fillRect/>
+          </a:stretch>
+        </p:blipFill>
+        <p:spPr>
+          <a:xfrm>
+            <a:off x="593100" y="1718734"/>
+            <a:ext cx="4747828" cy="4642689"/>
+          </a:xfrm>
+          <a:prstGeom prst="rect">
+            <a:avLst/>
+          </a:prstGeom>
+        </p:spPr>
+      </p:pic>
+      <p:sp>
+        <p:nvSpPr>
+          <p:cNvPr id="8" name="TextBox 7">
+            <a:extLst>
+              <a:ext uri="{FF2B5EF4-FFF2-40B4-BE49-F238E27FC236}">
+                <a16:creationId xmlns:a16="http://schemas.microsoft.com/office/drawing/2014/main" id="{BE9BA11D-9798-F210-858C-577D79908A87}"/>
+              </a:ext>
+            </a:extLst>
+          </p:cNvPr>
+          <p:cNvSpPr txBox="1"/>
+          <p:nvPr/>
+        </p:nvSpPr>
+        <p:spPr>
+          <a:xfrm>
+            <a:off x="768926" y="1133279"/>
+            <a:ext cx="9926782" cy="461665"/>
+          </a:xfrm>
+          <a:prstGeom prst="rect">
+            <a:avLst/>
+          </a:prstGeom>
+          <a:noFill/>
+        </p:spPr>
+        <p:txBody>
+          <a:bodyPr wrap="square" rtlCol="0">
+            <a:spAutoFit/>
+          </a:bodyPr>
+          <a:lstStyle/>
+          <a:p>
+            <a:r>
+              <a:rPr lang="en-US" sz="2400" dirty="0"/>
+              <a:t>1. Exploration of skewness</a:t>
+            </a:r>
+          </a:p>
+        </p:txBody>
+      </p:sp>
+      <p:sp>
+        <p:nvSpPr>
+          <p:cNvPr id="9" name="TextBox 8">
+            <a:extLst>
+              <a:ext uri="{FF2B5EF4-FFF2-40B4-BE49-F238E27FC236}">
+                <a16:creationId xmlns:a16="http://schemas.microsoft.com/office/drawing/2014/main" id="{2AFD7BA2-8ADC-A86E-6E89-E22A126CB5FA}"/>
+              </a:ext>
+            </a:extLst>
+          </p:cNvPr>
+          <p:cNvSpPr txBox="1"/>
+          <p:nvPr/>
+        </p:nvSpPr>
+        <p:spPr>
+          <a:xfrm>
+            <a:off x="2639291" y="2936520"/>
+            <a:ext cx="3456709" cy="369332"/>
+          </a:xfrm>
+          <a:prstGeom prst="rect">
+            <a:avLst/>
+          </a:prstGeom>
+          <a:noFill/>
+        </p:spPr>
+        <p:txBody>
+          <a:bodyPr wrap="square" rtlCol="0">
+            <a:spAutoFit/>
+          </a:bodyPr>
+          <a:lstStyle/>
+          <a:p>
+            <a:r>
+              <a:rPr lang="en-US" dirty="0"/>
+              <a:t>Skewness: 1.00579</a:t>
+            </a:r>
+          </a:p>
+        </p:txBody>
+      </p:sp>
+      <mc:AlternateContent xmlns:mc="http://schemas.openxmlformats.org/markup-compatibility/2006">
+        <mc:Choice xmlns:a14="http://schemas.microsoft.com/office/drawing/2010/main" Requires="a14">
+          <p:sp>
+            <p:nvSpPr>
+              <p:cNvPr id="10" name="TextBox 9">
+                <a:extLst>
+                  <a:ext uri="{FF2B5EF4-FFF2-40B4-BE49-F238E27FC236}">
+                    <a16:creationId xmlns:a16="http://schemas.microsoft.com/office/drawing/2014/main" id="{FC69E1B3-701F-A06A-97FF-FFDE97B728CB}"/>
+                  </a:ext>
+                </a:extLst>
+              </p:cNvPr>
+              <p:cNvSpPr txBox="1"/>
+              <p:nvPr/>
+            </p:nvSpPr>
+            <p:spPr>
+              <a:xfrm>
+                <a:off x="7183583" y="1870490"/>
+                <a:ext cx="3380509" cy="1200329"/>
+              </a:xfrm>
+              <a:prstGeom prst="rect">
+                <a:avLst/>
+              </a:prstGeom>
+              <a:noFill/>
+            </p:spPr>
+            <p:txBody>
+              <a:bodyPr wrap="square" rtlCol="0">
+                <a:spAutoFit/>
+              </a:bodyPr>
+              <a:lstStyle/>
+              <a:p>
+                <a:r>
+                  <a:rPr lang="en-US" i="1" dirty="0"/>
+                  <a:t>Shapiro and Wilk’s (1965) </a:t>
+                </a:r>
+                <a14:m>
+                  <m:oMath xmlns:m="http://schemas.openxmlformats.org/officeDocument/2006/math">
+                    <m:r>
+                      <a:rPr lang="en-US" b="0" i="1" smtClean="0">
+                        <a:latin typeface="Cambria Math" panose="02040503050406030204" pitchFamily="18" charset="0"/>
+                      </a:rPr>
+                      <m:t>𝑊</m:t>
+                    </m:r>
+                  </m:oMath>
+                </a14:m>
+                <a:r>
+                  <a:rPr lang="en-US" i="1" dirty="0"/>
+                  <a:t>-</a:t>
+                </a:r>
+                <a:r>
+                  <a:rPr lang="en-US" altLang="zh-CN" i="1" dirty="0"/>
+                  <a:t>statistic is well-established and powerful test of departure from normality</a:t>
+                </a:r>
+                <a:endParaRPr lang="en-US" i="1" dirty="0"/>
+              </a:p>
+            </p:txBody>
+          </p:sp>
+        </mc:Choice>
+        <mc:Fallback>
+          <p:sp>
+            <p:nvSpPr>
+              <p:cNvPr id="10" name="TextBox 9">
+                <a:extLst>
+                  <a:ext uri="{FF2B5EF4-FFF2-40B4-BE49-F238E27FC236}">
+                    <a16:creationId xmlns:a16="http://schemas.microsoft.com/office/drawing/2014/main" id="{FC69E1B3-701F-A06A-97FF-FFDE97B728CB}"/>
+                  </a:ext>
+                </a:extLst>
+              </p:cNvPr>
+              <p:cNvSpPr txBox="1">
+                <a:spLocks noRot="1" noChangeAspect="1" noMove="1" noResize="1" noEditPoints="1" noAdjustHandles="1" noChangeArrowheads="1" noChangeShapeType="1" noTextEdit="1"/>
+              </p:cNvSpPr>
+              <p:nvPr/>
+            </p:nvSpPr>
+            <p:spPr>
+              <a:xfrm>
+                <a:off x="7183583" y="1870490"/>
+                <a:ext cx="3380509" cy="1200329"/>
+              </a:xfrm>
+              <a:prstGeom prst="rect">
+                <a:avLst/>
+              </a:prstGeom>
+              <a:blipFill>
+                <a:blip r:embed="rId3"/>
+                <a:stretch>
+                  <a:fillRect l="-1441" t="-3046" b="-7107"/>
+                </a:stretch>
+              </a:blipFill>
+            </p:spPr>
+            <p:txBody>
+              <a:bodyPr/>
+              <a:lstStyle/>
+              <a:p>
+                <a:r>
+                  <a:rPr lang="en-US">
+                    <a:noFill/>
+                  </a:rPr>
+                  <a:t> </a:t>
+                </a:r>
+              </a:p>
+            </p:txBody>
+          </p:sp>
+        </mc:Fallback>
+      </mc:AlternateContent>
+      <p:sp>
+        <p:nvSpPr>
+          <p:cNvPr id="11" name="Footer Placeholder 10">
+            <a:extLst>
+              <a:ext uri="{FF2B5EF4-FFF2-40B4-BE49-F238E27FC236}">
+                <a16:creationId xmlns:a16="http://schemas.microsoft.com/office/drawing/2014/main" id="{549B86DE-1E6A-F89B-C22E-671B4AA2FDEA}"/>
+              </a:ext>
+            </a:extLst>
+          </p:cNvPr>
+          <p:cNvSpPr>
+            <a:spLocks noGrp="1"/>
+          </p:cNvSpPr>
+          <p:nvPr>
+            <p:ph type="ftr" sz="quarter" idx="11"/>
+          </p:nvPr>
+        </p:nvSpPr>
+        <p:spPr/>
+        <p:txBody>
+          <a:bodyPr/>
+          <a:lstStyle/>
+          <a:p>
+            <a:r>
+              <a:rPr lang="en-US" dirty="0"/>
+              <a:t>Royston, P. (1995). Remark AS R94: A remark on algorithm AS 181: The W-test for normality. Journal of the Royal Statistical Society. Series C (Applied Statistics), 44(4), 547-551.</a:t>
+            </a:r>
+          </a:p>
+        </p:txBody>
+      </p:sp>
+      <mc:AlternateContent xmlns:mc="http://schemas.openxmlformats.org/markup-compatibility/2006">
+        <mc:Choice xmlns:a14="http://schemas.microsoft.com/office/drawing/2010/main" Requires="a14">
+          <p:sp>
+            <p:nvSpPr>
+              <p:cNvPr id="12" name="TextBox 11">
+                <a:extLst>
+                  <a:ext uri="{FF2B5EF4-FFF2-40B4-BE49-F238E27FC236}">
+                    <a16:creationId xmlns:a16="http://schemas.microsoft.com/office/drawing/2014/main" id="{6D31D309-DA80-2A1C-7082-4E6CAF63E88C}"/>
+                  </a:ext>
+                </a:extLst>
+              </p:cNvPr>
+              <p:cNvSpPr txBox="1"/>
+              <p:nvPr/>
+            </p:nvSpPr>
+            <p:spPr>
+              <a:xfrm>
+                <a:off x="7183583" y="4066675"/>
+                <a:ext cx="4329545" cy="646331"/>
+              </a:xfrm>
+              <a:prstGeom prst="rect">
+                <a:avLst/>
+              </a:prstGeom>
+              <a:noFill/>
+            </p:spPr>
+            <p:txBody>
+              <a:bodyPr wrap="square" rtlCol="0">
+                <a:spAutoFit/>
+              </a:bodyPr>
+              <a:lstStyle/>
+              <a:p>
+                <a14:m>
+                  <m:oMath xmlns:m="http://schemas.openxmlformats.org/officeDocument/2006/math">
+                    <m:sSub>
+                      <m:sSubPr>
+                        <m:ctrlPr>
+                          <a:rPr lang="en-US" b="0" i="1" smtClean="0">
+                            <a:latin typeface="Cambria Math" panose="02040503050406030204" pitchFamily="18" charset="0"/>
+                          </a:rPr>
+                        </m:ctrlPr>
+                      </m:sSubPr>
+                      <m:e>
+                        <m:r>
+                          <a:rPr lang="en-US" b="0" i="1" smtClean="0">
+                            <a:latin typeface="Cambria Math" panose="02040503050406030204" pitchFamily="18" charset="0"/>
+                          </a:rPr>
+                          <m:t>𝐻</m:t>
+                        </m:r>
+                      </m:e>
+                      <m:sub>
+                        <m:r>
+                          <a:rPr lang="en-US" b="0" i="1" smtClean="0">
+                            <a:latin typeface="Cambria Math" panose="02040503050406030204" pitchFamily="18" charset="0"/>
+                          </a:rPr>
+                          <m:t>0</m:t>
+                        </m:r>
+                      </m:sub>
+                    </m:sSub>
+                  </m:oMath>
+                </a14:m>
+                <a:r>
+                  <a:rPr lang="en-US" dirty="0"/>
+                  <a:t>: The sample came from a normally distributed population.</a:t>
+                </a:r>
+              </a:p>
+            </p:txBody>
+          </p:sp>
+        </mc:Choice>
+        <mc:Fallback>
+          <p:sp>
+            <p:nvSpPr>
+              <p:cNvPr id="12" name="TextBox 11">
+                <a:extLst>
+                  <a:ext uri="{FF2B5EF4-FFF2-40B4-BE49-F238E27FC236}">
+                    <a16:creationId xmlns:a16="http://schemas.microsoft.com/office/drawing/2014/main" id="{6D31D309-DA80-2A1C-7082-4E6CAF63E88C}"/>
+                  </a:ext>
+                </a:extLst>
+              </p:cNvPr>
+              <p:cNvSpPr txBox="1">
+                <a:spLocks noRot="1" noChangeAspect="1" noMove="1" noResize="1" noEditPoints="1" noAdjustHandles="1" noChangeArrowheads="1" noChangeShapeType="1" noTextEdit="1"/>
+              </p:cNvSpPr>
+              <p:nvPr/>
+            </p:nvSpPr>
+            <p:spPr>
+              <a:xfrm>
+                <a:off x="7183583" y="4066675"/>
+                <a:ext cx="4329545" cy="646331"/>
+              </a:xfrm>
+              <a:prstGeom prst="rect">
+                <a:avLst/>
+              </a:prstGeom>
+              <a:blipFill>
+                <a:blip r:embed="rId4"/>
+                <a:stretch>
+                  <a:fillRect l="-1125" t="-4717" b="-14151"/>
+                </a:stretch>
+              </a:blipFill>
+            </p:spPr>
+            <p:txBody>
+              <a:bodyPr/>
+              <a:lstStyle/>
+              <a:p>
+                <a:r>
+                  <a:rPr lang="en-US">
+                    <a:noFill/>
+                  </a:rPr>
+                  <a:t> </a:t>
+                </a:r>
+              </a:p>
+            </p:txBody>
+          </p:sp>
+        </mc:Fallback>
+      </mc:AlternateContent>
+      <p:sp>
+        <p:nvSpPr>
+          <p:cNvPr id="13" name="Title 1">
+            <a:extLst>
+              <a:ext uri="{FF2B5EF4-FFF2-40B4-BE49-F238E27FC236}">
+                <a16:creationId xmlns:a16="http://schemas.microsoft.com/office/drawing/2014/main" id="{F3EC23F0-2A5E-34AA-78B6-88988FAAE094}"/>
+              </a:ext>
+            </a:extLst>
+          </p:cNvPr>
+          <p:cNvSpPr txBox="1">
+            <a:spLocks/>
+          </p:cNvSpPr>
+          <p:nvPr/>
+        </p:nvSpPr>
+        <p:spPr>
+          <a:xfrm>
+            <a:off x="692028" y="491399"/>
+            <a:ext cx="11029616" cy="579389"/>
+          </a:xfrm>
+          <a:prstGeom prst="rect">
+            <a:avLst/>
+          </a:prstGeom>
+        </p:spPr>
+        <p:txBody>
+          <a:bodyPr vert="horz" lIns="91440" tIns="45720" rIns="91440" bIns="45720" rtlCol="0" anchor="b">
+            <a:normAutofit/>
+          </a:bodyPr>
+          <a:lstStyle>
+            <a:lvl1pPr algn="l" defTabSz="457200" rtl="0" eaLnBrk="1" latinLnBrk="0" hangingPunct="1">
+              <a:lnSpc>
+                <a:spcPct val="100000"/>
+              </a:lnSpc>
+              <a:spcBef>
+                <a:spcPct val="0"/>
+              </a:spcBef>
+              <a:buNone/>
+              <a:defRPr sz="2800" b="0" kern="1200" cap="all">
+                <a:solidFill>
+                  <a:schemeClr val="tx1">
+                    <a:lumMod val="75000"/>
+                    <a:lumOff val="25000"/>
+                  </a:schemeClr>
+                </a:solidFill>
+                <a:latin typeface="+mj-lt"/>
+                <a:ea typeface="+mj-ea"/>
+                <a:cs typeface="+mj-cs"/>
+              </a:defRPr>
+            </a:lvl1pPr>
+            <a:lvl2pPr eaLnBrk="1" hangingPunct="1">
+              <a:defRPr>
+                <a:solidFill>
+                  <a:schemeClr val="tx2"/>
+                </a:solidFill>
+              </a:defRPr>
+            </a:lvl2pPr>
+            <a:lvl3pPr eaLnBrk="1" hangingPunct="1">
+              <a:defRPr>
+                <a:solidFill>
+                  <a:schemeClr val="tx2"/>
+                </a:solidFill>
+              </a:defRPr>
+            </a:lvl3pPr>
+            <a:lvl4pPr eaLnBrk="1" hangingPunct="1">
+              <a:defRPr>
+                <a:solidFill>
+                  <a:schemeClr val="tx2"/>
+                </a:solidFill>
+              </a:defRPr>
+            </a:lvl4pPr>
+            <a:lvl5pPr eaLnBrk="1" hangingPunct="1">
+              <a:defRPr>
+                <a:solidFill>
+                  <a:schemeClr val="tx2"/>
+                </a:solidFill>
+              </a:defRPr>
+            </a:lvl5pPr>
+            <a:lvl6pPr eaLnBrk="1" hangingPunct="1">
+              <a:defRPr>
+                <a:solidFill>
+                  <a:schemeClr val="tx2"/>
+                </a:solidFill>
+              </a:defRPr>
+            </a:lvl6pPr>
+            <a:lvl7pPr eaLnBrk="1" hangingPunct="1">
+              <a:defRPr>
+                <a:solidFill>
+                  <a:schemeClr val="tx2"/>
+                </a:solidFill>
+              </a:defRPr>
+            </a:lvl7pPr>
+            <a:lvl8pPr eaLnBrk="1" hangingPunct="1">
+              <a:defRPr>
+                <a:solidFill>
+                  <a:schemeClr val="tx2"/>
+                </a:solidFill>
+              </a:defRPr>
+            </a:lvl8pPr>
+            <a:lvl9pPr eaLnBrk="1" hangingPunct="1">
+              <a:defRPr>
+                <a:solidFill>
+                  <a:schemeClr val="tx2"/>
+                </a:solidFill>
+              </a:defRPr>
+            </a:lvl9pPr>
+          </a:lstStyle>
+          <a:p>
+            <a:r>
+              <a:rPr lang="en-US" dirty="0"/>
+              <a:t>The approach to achieve the previous goals:</a:t>
+            </a:r>
+          </a:p>
+        </p:txBody>
+      </p:sp>
+    </p:spTree>
+    <p:extLst>
+      <p:ext uri="{BB962C8B-B14F-4D97-AF65-F5344CB8AC3E}">
+        <p14:creationId xmlns:p14="http://schemas.microsoft.com/office/powerpoint/2010/main" val="853185038"/>
+      </p:ext>
+    </p:extLst>
+  </p:cSld>
+  <p:clrMapOvr>
+    <a:masterClrMapping/>
+  </p:clrMapOvr>
+</p:sld>
+</file>
+
+<file path=ppt/slides/slide37.xml><?xml version="1.0" encoding="utf-8"?>
+<p:sld xmlns:a="http://schemas.openxmlformats.org/drawingml/2006/main" xmlns:r="http://schemas.openxmlformats.org/officeDocument/2006/relationships" xmlns:p="http://schemas.openxmlformats.org/presentationml/2006/main">
+  <p:cSld>
+    <p:spTree>
+      <p:nvGrpSpPr>
+        <p:cNvPr id="1" name=""/>
+        <p:cNvGrpSpPr/>
+        <p:nvPr/>
+      </p:nvGrpSpPr>
+      <p:grpSpPr>
+        <a:xfrm>
+          <a:off x="0" y="0"/>
+          <a:ext cx="0" cy="0"/>
+          <a:chOff x="0" y="0"/>
+          <a:chExt cx="0" cy="0"/>
+        </a:xfrm>
+      </p:grpSpPr>
+      <mc:AlternateContent xmlns:mc="http://schemas.openxmlformats.org/markup-compatibility/2006">
+        <mc:Choice xmlns:a14="http://schemas.microsoft.com/office/drawing/2010/main" Requires="a14">
+          <p:sp>
+            <p:nvSpPr>
+              <p:cNvPr id="3" name="Content Placeholder 2">
+                <a:extLst>
+                  <a:ext uri="{FF2B5EF4-FFF2-40B4-BE49-F238E27FC236}">
+                    <a16:creationId xmlns:a16="http://schemas.microsoft.com/office/drawing/2014/main" id="{0E0DEAE3-3468-FEAC-B09E-A21A1193B2CC}"/>
+                  </a:ext>
+                </a:extLst>
+              </p:cNvPr>
+              <p:cNvSpPr>
+                <a:spLocks noGrp="1"/>
+              </p:cNvSpPr>
+              <p:nvPr>
+                <p:ph idx="1"/>
+              </p:nvPr>
+            </p:nvSpPr>
+            <p:spPr>
+              <a:xfrm>
+                <a:off x="719738" y="782784"/>
+                <a:ext cx="11029615" cy="5043054"/>
+              </a:xfrm>
+            </p:spPr>
+            <p:txBody>
+              <a:bodyPr>
+                <a:normAutofit/>
+              </a:bodyPr>
+              <a:lstStyle/>
+              <a:p>
+                <a:pPr marL="0" indent="0">
+                  <a:buNone/>
+                </a:pPr>
+                <a:r>
+                  <a:rPr lang="en-US" sz="2400" dirty="0"/>
+                  <a:t>2. Find a transformation for the independent and dependent variable</a:t>
+                </a:r>
+              </a:p>
+              <a:p>
+                <a:endParaRPr lang="en-US" sz="2400" dirty="0"/>
+              </a:p>
+              <a:p>
+                <a:pPr>
+                  <a:lnSpc>
+                    <a:spcPct val="80000"/>
+                  </a:lnSpc>
+                </a:pPr>
+                <a:r>
+                  <a:rPr lang="en-US" sz="2600" dirty="0"/>
+                  <a:t>Scaled Power Transformation</a:t>
+                </a:r>
+              </a:p>
+              <a:p>
+                <a:pPr marL="0" indent="0">
+                  <a:buNone/>
+                </a:pPr>
+                <a14:m>
+                  <m:oMathPara xmlns:m="http://schemas.openxmlformats.org/officeDocument/2006/math">
+                    <m:oMathParaPr>
+                      <m:jc m:val="centerGroup"/>
+                    </m:oMathParaPr>
+                    <m:oMath xmlns:m="http://schemas.openxmlformats.org/officeDocument/2006/math">
+                      <m:sSup>
+                        <m:sSupPr>
+                          <m:ctrlPr>
+                            <a:rPr lang="en-US" sz="2400" b="0" i="1" smtClean="0">
+                              <a:latin typeface="Cambria Math" panose="02040503050406030204" pitchFamily="18" charset="0"/>
+                            </a:rPr>
+                          </m:ctrlPr>
+                        </m:sSupPr>
+                        <m:e>
+                          <m:r>
+                            <a:rPr lang="en-US" sz="2400" b="0" i="1" smtClean="0">
+                              <a:latin typeface="Cambria Math" panose="02040503050406030204" pitchFamily="18" charset="0"/>
+                            </a:rPr>
+                            <m:t>𝑍</m:t>
+                          </m:r>
+                        </m:e>
+                        <m:sup>
+                          <m:r>
+                            <a:rPr lang="en-US" sz="2400" b="0" i="1" smtClean="0">
+                              <a:latin typeface="Cambria Math" panose="02040503050406030204" pitchFamily="18" charset="0"/>
+                            </a:rPr>
+                            <m:t>𝜆</m:t>
+                          </m:r>
+                        </m:sup>
+                      </m:sSup>
+                      <m:r>
+                        <a:rPr lang="en-US" sz="2400" b="0" i="1" smtClean="0">
+                          <a:latin typeface="Cambria Math" panose="02040503050406030204" pitchFamily="18" charset="0"/>
+                        </a:rPr>
+                        <m:t>=</m:t>
+                      </m:r>
+                      <m:d>
+                        <m:dPr>
+                          <m:begChr m:val="{"/>
+                          <m:endChr m:val=""/>
+                          <m:ctrlPr>
+                            <a:rPr lang="en-US" sz="2400" b="0" i="1" smtClean="0">
+                              <a:latin typeface="Cambria Math" panose="02040503050406030204" pitchFamily="18" charset="0"/>
+                            </a:rPr>
+                          </m:ctrlPr>
+                        </m:dPr>
+                        <m:e>
+                          <m:eqArr>
+                            <m:eqArrPr>
+                              <m:ctrlPr>
+                                <a:rPr lang="en-US" sz="2400" b="0" i="1" smtClean="0">
+                                  <a:latin typeface="Cambria Math" panose="02040503050406030204" pitchFamily="18" charset="0"/>
+                                </a:rPr>
+                              </m:ctrlPr>
+                            </m:eqArrPr>
+                            <m:e>
+                              <m:f>
+                                <m:fPr>
+                                  <m:ctrlPr>
+                                    <a:rPr lang="en-US" sz="2400" b="0" i="1" smtClean="0">
+                                      <a:latin typeface="Cambria Math" panose="02040503050406030204" pitchFamily="18" charset="0"/>
+                                    </a:rPr>
+                                  </m:ctrlPr>
+                                </m:fPr>
+                                <m:num>
+                                  <m:sSup>
+                                    <m:sSupPr>
+                                      <m:ctrlPr>
+                                        <a:rPr lang="en-US" sz="2400" b="0" i="1" smtClean="0">
+                                          <a:latin typeface="Cambria Math" panose="02040503050406030204" pitchFamily="18" charset="0"/>
+                                        </a:rPr>
+                                      </m:ctrlPr>
+                                    </m:sSupPr>
+                                    <m:e>
+                                      <m:r>
+                                        <a:rPr lang="en-US" sz="2400" b="0" i="1" smtClean="0">
+                                          <a:latin typeface="Cambria Math" panose="02040503050406030204" pitchFamily="18" charset="0"/>
+                                        </a:rPr>
+                                        <m:t>𝑍</m:t>
+                                      </m:r>
+                                    </m:e>
+                                    <m:sup>
+                                      <m:r>
+                                        <a:rPr lang="en-US" sz="2400" b="0" i="1" smtClean="0">
+                                          <a:latin typeface="Cambria Math" panose="02040503050406030204" pitchFamily="18" charset="0"/>
+                                        </a:rPr>
+                                        <m:t>𝜆</m:t>
+                                      </m:r>
+                                    </m:sup>
+                                  </m:sSup>
+                                  <m:r>
+                                    <a:rPr lang="en-US" sz="2400" b="0" i="1" smtClean="0">
+                                      <a:latin typeface="Cambria Math" panose="02040503050406030204" pitchFamily="18" charset="0"/>
+                                    </a:rPr>
+                                    <m:t> −</m:t>
+                                  </m:r>
+                                  <m:r>
+                                    <a:rPr lang="en-US" sz="2400" b="0" i="1" smtClean="0">
+                                      <a:latin typeface="Cambria Math" panose="02040503050406030204" pitchFamily="18" charset="0"/>
+                                    </a:rPr>
+                                    <m:t>1</m:t>
+                                  </m:r>
+                                </m:num>
+                                <m:den>
+                                  <m:r>
+                                    <a:rPr lang="en-US" sz="2400" b="0" i="1" smtClean="0">
+                                      <a:latin typeface="Cambria Math" panose="02040503050406030204" pitchFamily="18" charset="0"/>
+                                    </a:rPr>
+                                    <m:t>𝜆</m:t>
+                                  </m:r>
+                                </m:den>
+                              </m:f>
+                              <m:r>
+                                <a:rPr lang="en-US" sz="2400" b="0" i="1" smtClean="0">
+                                  <a:latin typeface="Cambria Math" panose="02040503050406030204" pitchFamily="18" charset="0"/>
+                                </a:rPr>
+                                <m:t> ,  </m:t>
+                              </m:r>
+                              <m:r>
+                                <a:rPr lang="en-US" sz="2400" b="0" i="1" smtClean="0">
+                                  <a:latin typeface="Cambria Math" panose="02040503050406030204" pitchFamily="18" charset="0"/>
+                                </a:rPr>
+                                <m:t>𝑤</m:t>
+                              </m:r>
+                              <m:r>
+                                <a:rPr lang="en-US" sz="2400" b="0" i="1" smtClean="0">
+                                  <a:latin typeface="Cambria Math" panose="02040503050406030204" pitchFamily="18" charset="0"/>
+                                </a:rPr>
+                                <m:t>h</m:t>
+                              </m:r>
+                              <m:r>
+                                <a:rPr lang="en-US" sz="2400" b="0" i="1" smtClean="0">
+                                  <a:latin typeface="Cambria Math" panose="02040503050406030204" pitchFamily="18" charset="0"/>
+                                </a:rPr>
+                                <m:t>𝑒𝑟𝑒</m:t>
+                              </m:r>
+                              <m:r>
+                                <a:rPr lang="en-US" sz="2400" b="0" i="1" smtClean="0">
+                                  <a:latin typeface="Cambria Math" panose="02040503050406030204" pitchFamily="18" charset="0"/>
+                                </a:rPr>
+                                <m:t> </m:t>
+                              </m:r>
+                              <m:r>
+                                <a:rPr lang="en-US" sz="2400" b="0" i="1" smtClean="0">
+                                  <a:latin typeface="Cambria Math" panose="02040503050406030204" pitchFamily="18" charset="0"/>
+                                </a:rPr>
+                                <m:t>𝜆</m:t>
+                              </m:r>
+                              <m:r>
+                                <a:rPr lang="en-US" sz="2400" b="0" i="1" smtClean="0">
+                                  <a:latin typeface="Cambria Math" panose="02040503050406030204" pitchFamily="18" charset="0"/>
+                                  <a:ea typeface="Cambria Math" panose="02040503050406030204" pitchFamily="18" charset="0"/>
+                                </a:rPr>
+                                <m:t>≠</m:t>
+                              </m:r>
+                              <m:r>
+                                <a:rPr lang="en-US" sz="2400" b="0" i="1" smtClean="0">
+                                  <a:latin typeface="Cambria Math" panose="02040503050406030204" pitchFamily="18" charset="0"/>
+                                  <a:ea typeface="Cambria Math" panose="02040503050406030204" pitchFamily="18" charset="0"/>
+                                </a:rPr>
+                                <m:t>0</m:t>
+                              </m:r>
+                              <m:r>
+                                <a:rPr lang="en-US" sz="2400" b="0" i="1" smtClean="0">
+                                  <a:latin typeface="Cambria Math" panose="02040503050406030204" pitchFamily="18" charset="0"/>
+                                </a:rPr>
+                                <m:t> </m:t>
+                              </m:r>
+                            </m:e>
+                            <m:e>
+                              <m:func>
+                                <m:funcPr>
+                                  <m:ctrlPr>
+                                    <a:rPr lang="en-US" sz="2400" b="0" i="1" smtClean="0">
+                                      <a:latin typeface="Cambria Math" panose="02040503050406030204" pitchFamily="18" charset="0"/>
+                                    </a:rPr>
+                                  </m:ctrlPr>
+                                </m:funcPr>
+                                <m:fName>
+                                  <m:r>
+                                    <m:rPr>
+                                      <m:sty m:val="p"/>
+                                    </m:rPr>
+                                    <a:rPr lang="en-US" sz="2400" b="0" i="0" smtClean="0">
+                                      <a:latin typeface="Cambria Math" panose="02040503050406030204" pitchFamily="18" charset="0"/>
+                                    </a:rPr>
+                                    <m:t>log</m:t>
+                                  </m:r>
+                                </m:fName>
+                                <m:e>
+                                  <m:d>
+                                    <m:dPr>
+                                      <m:ctrlPr>
+                                        <a:rPr lang="en-US" sz="2400" b="0" i="1" smtClean="0">
+                                          <a:latin typeface="Cambria Math" panose="02040503050406030204" pitchFamily="18" charset="0"/>
+                                        </a:rPr>
+                                      </m:ctrlPr>
+                                    </m:dPr>
+                                    <m:e>
+                                      <m:r>
+                                        <a:rPr lang="en-US" sz="2400" b="0" i="1" smtClean="0">
+                                          <a:latin typeface="Cambria Math" panose="02040503050406030204" pitchFamily="18" charset="0"/>
+                                        </a:rPr>
+                                        <m:t>𝑍</m:t>
+                                      </m:r>
+                                    </m:e>
+                                  </m:d>
+                                </m:e>
+                              </m:func>
+                              <m:r>
+                                <a:rPr lang="en-US" sz="2400" b="0" i="1" smtClean="0">
+                                  <a:latin typeface="Cambria Math" panose="02040503050406030204" pitchFamily="18" charset="0"/>
+                                </a:rPr>
+                                <m:t>,  </m:t>
+                              </m:r>
+                              <m:r>
+                                <a:rPr lang="en-US" sz="2400" b="0" i="1" smtClean="0">
+                                  <a:latin typeface="Cambria Math" panose="02040503050406030204" pitchFamily="18" charset="0"/>
+                                </a:rPr>
+                                <m:t>𝑤</m:t>
+                              </m:r>
+                              <m:r>
+                                <a:rPr lang="en-US" sz="2400" b="0" i="1" smtClean="0">
+                                  <a:latin typeface="Cambria Math" panose="02040503050406030204" pitchFamily="18" charset="0"/>
+                                </a:rPr>
+                                <m:t>h</m:t>
+                              </m:r>
+                              <m:r>
+                                <a:rPr lang="en-US" sz="2400" b="0" i="1" smtClean="0">
+                                  <a:latin typeface="Cambria Math" panose="02040503050406030204" pitchFamily="18" charset="0"/>
+                                </a:rPr>
+                                <m:t>𝑒𝑟𝑒</m:t>
+                              </m:r>
+                              <m:r>
+                                <a:rPr lang="en-US" sz="2400" b="0" i="1" smtClean="0">
+                                  <a:latin typeface="Cambria Math" panose="02040503050406030204" pitchFamily="18" charset="0"/>
+                                </a:rPr>
+                                <m:t> </m:t>
+                              </m:r>
+                              <m:r>
+                                <a:rPr lang="en-US" sz="2400" b="0" i="1" smtClean="0">
+                                  <a:latin typeface="Cambria Math" panose="02040503050406030204" pitchFamily="18" charset="0"/>
+                                </a:rPr>
+                                <m:t>𝜆</m:t>
+                              </m:r>
+                              <m:r>
+                                <a:rPr lang="en-US" sz="2400" b="0" i="1" smtClean="0">
+                                  <a:latin typeface="Cambria Math" panose="02040503050406030204" pitchFamily="18" charset="0"/>
+                                </a:rPr>
+                                <m:t>=</m:t>
+                              </m:r>
+                              <m:r>
+                                <a:rPr lang="en-US" sz="2400" b="0" i="1" smtClean="0">
+                                  <a:latin typeface="Cambria Math" panose="02040503050406030204" pitchFamily="18" charset="0"/>
+                                </a:rPr>
+                                <m:t>0</m:t>
+                              </m:r>
+                            </m:e>
+                          </m:eqArr>
+                        </m:e>
+                      </m:d>
+                    </m:oMath>
+                  </m:oMathPara>
+                </a14:m>
+                <a:endParaRPr lang="en-US" sz="2400" dirty="0"/>
+              </a:p>
+              <a:p>
+                <a:r>
+                  <a:rPr lang="en-US" sz="2400" dirty="0"/>
+                  <a:t>Z can be either an independent variable or a dependent variable</a:t>
+                </a:r>
+              </a:p>
+              <a:p>
+                <a:endParaRPr lang="en-US" sz="2400" dirty="0"/>
+              </a:p>
+              <a:p>
+                <a:r>
+                  <a:rPr lang="en-US" sz="2400" dirty="0"/>
+                  <a:t>The </a:t>
+                </a:r>
+                <a14:m>
+                  <m:oMath xmlns:m="http://schemas.openxmlformats.org/officeDocument/2006/math">
+                    <m:r>
+                      <a:rPr lang="en-US" sz="2400" b="0" i="1" smtClean="0">
+                        <a:latin typeface="Cambria Math" panose="02040503050406030204" pitchFamily="18" charset="0"/>
+                      </a:rPr>
+                      <m:t>𝜆</m:t>
+                    </m:r>
+                  </m:oMath>
+                </a14:m>
+                <a:r>
+                  <a:rPr lang="en-US" sz="2400" dirty="0"/>
+                  <a:t> parameter of the transformation can be estimated by the Box-Cox power family</a:t>
+                </a:r>
+              </a:p>
+            </p:txBody>
+          </p:sp>
+        </mc:Choice>
+        <mc:Fallback>
+          <p:sp>
+            <p:nvSpPr>
+              <p:cNvPr id="3" name="Content Placeholder 2">
+                <a:extLst>
+                  <a:ext uri="{FF2B5EF4-FFF2-40B4-BE49-F238E27FC236}">
+                    <a16:creationId xmlns:a16="http://schemas.microsoft.com/office/drawing/2014/main" id="{0E0DEAE3-3468-FEAC-B09E-A21A1193B2CC}"/>
+                  </a:ext>
+                </a:extLst>
+              </p:cNvPr>
+              <p:cNvSpPr>
+                <a:spLocks noGrp="1" noRot="1" noChangeAspect="1" noMove="1" noResize="1" noEditPoints="1" noAdjustHandles="1" noChangeArrowheads="1" noChangeShapeType="1" noTextEdit="1"/>
+              </p:cNvSpPr>
+              <p:nvPr>
+                <p:ph idx="1"/>
+              </p:nvPr>
+            </p:nvSpPr>
+            <p:spPr>
+              <a:xfrm>
+                <a:off x="719738" y="782784"/>
+                <a:ext cx="11029615" cy="5043054"/>
+              </a:xfrm>
+              <a:blipFill>
+                <a:blip r:embed="rId2"/>
+                <a:stretch>
+                  <a:fillRect l="-829" b="-121"/>
+                </a:stretch>
+              </a:blipFill>
+            </p:spPr>
+            <p:txBody>
+              <a:bodyPr/>
+              <a:lstStyle/>
+              <a:p>
+                <a:r>
+                  <a:rPr lang="en-US">
+                    <a:noFill/>
+                  </a:rPr>
+                  <a:t> </a:t>
+                </a:r>
+              </a:p>
+            </p:txBody>
+          </p:sp>
+        </mc:Fallback>
+      </mc:AlternateContent>
+    </p:spTree>
+    <p:extLst>
+      <p:ext uri="{BB962C8B-B14F-4D97-AF65-F5344CB8AC3E}">
+        <p14:creationId xmlns:p14="http://schemas.microsoft.com/office/powerpoint/2010/main" val="2673539204"/>
+      </p:ext>
+    </p:extLst>
+  </p:cSld>
+  <p:clrMapOvr>
+    <a:masterClrMapping/>
+  </p:clrMapOvr>
+</p:sld>
+</file>
+
+<file path=ppt/slides/slide38.xml><?xml version="1.0" encoding="utf-8"?>
+<p:sld xmlns:a="http://schemas.openxmlformats.org/drawingml/2006/main" xmlns:r="http://schemas.openxmlformats.org/officeDocument/2006/relationships" xmlns:p="http://schemas.openxmlformats.org/presentationml/2006/main">
+  <p:cSld>
+    <p:spTree>
+      <p:nvGrpSpPr>
+        <p:cNvPr id="1" name=""/>
+        <p:cNvGrpSpPr/>
+        <p:nvPr/>
+      </p:nvGrpSpPr>
+      <p:grpSpPr>
+        <a:xfrm>
+          <a:off x="0" y="0"/>
+          <a:ext cx="0" cy="0"/>
+          <a:chOff x="0" y="0"/>
+          <a:chExt cx="0" cy="0"/>
+        </a:xfrm>
+      </p:grpSpPr>
+      <p:sp>
+        <p:nvSpPr>
+          <p:cNvPr id="3" name="Content Placeholder 2">
+            <a:extLst>
+              <a:ext uri="{FF2B5EF4-FFF2-40B4-BE49-F238E27FC236}">
+                <a16:creationId xmlns:a16="http://schemas.microsoft.com/office/drawing/2014/main" id="{8B10E0B3-7AAD-86A7-60B8-B4CF4331ED25}"/>
+              </a:ext>
+            </a:extLst>
+          </p:cNvPr>
+          <p:cNvSpPr>
+            <a:spLocks noGrp="1"/>
+          </p:cNvSpPr>
+          <p:nvPr>
+            <p:ph idx="1"/>
+          </p:nvPr>
+        </p:nvSpPr>
+        <p:spPr>
+          <a:xfrm>
+            <a:off x="525774" y="775300"/>
+            <a:ext cx="11029615" cy="755627"/>
+          </a:xfrm>
+        </p:spPr>
+        <p:txBody>
+          <a:bodyPr>
+            <a:normAutofit/>
+          </a:bodyPr>
+          <a:lstStyle/>
+          <a:p>
+            <a:pPr marL="0" indent="0">
+              <a:buNone/>
+            </a:pPr>
+            <a:r>
+              <a:rPr lang="en-US" sz="2800" dirty="0"/>
+              <a:t>3. Transform independent variable </a:t>
+            </a:r>
+          </a:p>
+        </p:txBody>
+      </p:sp>
+      <mc:AlternateContent xmlns:mc="http://schemas.openxmlformats.org/markup-compatibility/2006">
+        <mc:Choice xmlns:a14="http://schemas.microsoft.com/office/drawing/2010/main" Requires="a14">
+          <p:sp>
+            <p:nvSpPr>
+              <p:cNvPr id="7" name="TextBox 6">
+                <a:extLst>
+                  <a:ext uri="{FF2B5EF4-FFF2-40B4-BE49-F238E27FC236}">
+                    <a16:creationId xmlns:a16="http://schemas.microsoft.com/office/drawing/2014/main" id="{5A935A9A-3577-BA5D-A5DB-3BD45C91B750}"/>
+                  </a:ext>
+                </a:extLst>
+              </p:cNvPr>
+              <p:cNvSpPr txBox="1"/>
+              <p:nvPr/>
+            </p:nvSpPr>
+            <p:spPr>
+              <a:xfrm>
+                <a:off x="1156855" y="1551709"/>
+                <a:ext cx="9982199" cy="1671996"/>
+              </a:xfrm>
+              <a:prstGeom prst="rect">
+                <a:avLst/>
+              </a:prstGeom>
+              <a:noFill/>
+            </p:spPr>
+            <p:txBody>
+              <a:bodyPr wrap="square">
+                <a:spAutoFit/>
+              </a:bodyPr>
+              <a:lstStyle/>
+              <a:p>
+                <a:pPr/>
+                <a14:m>
+                  <m:oMathPara xmlns:m="http://schemas.openxmlformats.org/officeDocument/2006/math">
+                    <m:oMathParaPr>
+                      <m:jc m:val="centerGroup"/>
+                    </m:oMathParaPr>
+                    <m:oMath xmlns:m="http://schemas.openxmlformats.org/officeDocument/2006/math">
+                      <m:sSup>
+                        <m:sSupPr>
+                          <m:ctrlPr>
+                            <a:rPr lang="en-US" sz="1800" b="0" i="1" smtClean="0">
+                              <a:latin typeface="Cambria Math" panose="02040503050406030204" pitchFamily="18" charset="0"/>
+                            </a:rPr>
+                          </m:ctrlPr>
+                        </m:sSupPr>
+                        <m:e>
+                          <m:r>
+                            <a:rPr lang="en-US" sz="1800" b="0" i="1" smtClean="0">
+                              <a:latin typeface="Cambria Math" panose="02040503050406030204" pitchFamily="18" charset="0"/>
+                            </a:rPr>
+                            <m:t>𝑋</m:t>
+                          </m:r>
+                        </m:e>
+                        <m:sup>
+                          <m:r>
+                            <a:rPr lang="en-US" sz="1800" b="0" i="1" smtClean="0">
+                              <a:latin typeface="Cambria Math" panose="02040503050406030204" pitchFamily="18" charset="0"/>
+                            </a:rPr>
+                            <m:t>𝜆</m:t>
+                          </m:r>
+                        </m:sup>
+                      </m:sSup>
+                      <m:r>
+                        <a:rPr lang="en-US" sz="1800" b="0" i="1" smtClean="0">
+                          <a:latin typeface="Cambria Math" panose="02040503050406030204" pitchFamily="18" charset="0"/>
+                        </a:rPr>
+                        <m:t>=</m:t>
+                      </m:r>
+                      <m:d>
+                        <m:dPr>
+                          <m:begChr m:val="{"/>
+                          <m:endChr m:val=""/>
+                          <m:ctrlPr>
+                            <a:rPr lang="en-US" sz="1800" b="0" i="1" smtClean="0">
+                              <a:latin typeface="Cambria Math" panose="02040503050406030204" pitchFamily="18" charset="0"/>
+                            </a:rPr>
+                          </m:ctrlPr>
+                        </m:dPr>
+                        <m:e>
+                          <m:eqArr>
+                            <m:eqArrPr>
+                              <m:ctrlPr>
+                                <a:rPr lang="en-US" sz="1800" b="0" i="1" smtClean="0">
+                                  <a:latin typeface="Cambria Math" panose="02040503050406030204" pitchFamily="18" charset="0"/>
+                                </a:rPr>
+                              </m:ctrlPr>
+                            </m:eqArrPr>
+                            <m:e>
+                              <m:f>
+                                <m:fPr>
+                                  <m:ctrlPr>
+                                    <a:rPr lang="en-US" sz="1800" b="0" i="1" smtClean="0">
+                                      <a:latin typeface="Cambria Math" panose="02040503050406030204" pitchFamily="18" charset="0"/>
+                                    </a:rPr>
+                                  </m:ctrlPr>
+                                </m:fPr>
+                                <m:num>
+                                  <m:sSup>
+                                    <m:sSupPr>
+                                      <m:ctrlPr>
+                                        <a:rPr lang="en-US" sz="1800" b="0" i="1" smtClean="0">
+                                          <a:latin typeface="Cambria Math" panose="02040503050406030204" pitchFamily="18" charset="0"/>
+                                        </a:rPr>
+                                      </m:ctrlPr>
+                                    </m:sSupPr>
+                                    <m:e>
+                                      <m:r>
+                                        <a:rPr lang="en-US" sz="1800" b="0" i="1" smtClean="0">
+                                          <a:latin typeface="Cambria Math" panose="02040503050406030204" pitchFamily="18" charset="0"/>
+                                        </a:rPr>
+                                        <m:t>𝑋</m:t>
+                                      </m:r>
+                                    </m:e>
+                                    <m:sup>
+                                      <m:r>
+                                        <a:rPr lang="en-US" sz="1800" b="0" i="1" smtClean="0">
+                                          <a:latin typeface="Cambria Math" panose="02040503050406030204" pitchFamily="18" charset="0"/>
+                                        </a:rPr>
+                                        <m:t>𝜆</m:t>
+                                      </m:r>
+                                    </m:sup>
+                                  </m:sSup>
+                                  <m:r>
+                                    <a:rPr lang="en-US" sz="1800" b="0" i="1" smtClean="0">
+                                      <a:latin typeface="Cambria Math" panose="02040503050406030204" pitchFamily="18" charset="0"/>
+                                    </a:rPr>
+                                    <m:t> −1</m:t>
+                                  </m:r>
+                                </m:num>
+                                <m:den>
+                                  <m:r>
+                                    <a:rPr lang="en-US" sz="1800" b="0" i="1" smtClean="0">
+                                      <a:latin typeface="Cambria Math" panose="02040503050406030204" pitchFamily="18" charset="0"/>
+                                    </a:rPr>
+                                    <m:t>𝑋</m:t>
+                                  </m:r>
+                                </m:den>
+                              </m:f>
+                              <m:r>
+                                <a:rPr lang="en-US" sz="1800" b="0" i="1" smtClean="0">
+                                  <a:latin typeface="Cambria Math" panose="02040503050406030204" pitchFamily="18" charset="0"/>
+                                </a:rPr>
+                                <m:t> ,  </m:t>
+                              </m:r>
+                              <m:r>
+                                <a:rPr lang="en-US" sz="1800" b="0" i="1" smtClean="0">
+                                  <a:latin typeface="Cambria Math" panose="02040503050406030204" pitchFamily="18" charset="0"/>
+                                </a:rPr>
+                                <m:t>𝑤h𝑒𝑟𝑒</m:t>
+                              </m:r>
+                              <m:r>
+                                <a:rPr lang="en-US" sz="1800" b="0" i="1" smtClean="0">
+                                  <a:latin typeface="Cambria Math" panose="02040503050406030204" pitchFamily="18" charset="0"/>
+                                </a:rPr>
+                                <m:t> </m:t>
+                              </m:r>
+                              <m:r>
+                                <a:rPr lang="en-US" sz="1800" b="0" i="1" smtClean="0">
+                                  <a:latin typeface="Cambria Math" panose="02040503050406030204" pitchFamily="18" charset="0"/>
+                                </a:rPr>
+                                <m:t>𝜆</m:t>
+                              </m:r>
+                              <m:r>
+                                <a:rPr lang="en-US" sz="1800" b="0" i="1" smtClean="0">
+                                  <a:latin typeface="Cambria Math" panose="02040503050406030204" pitchFamily="18" charset="0"/>
+                                  <a:ea typeface="Cambria Math" panose="02040503050406030204" pitchFamily="18" charset="0"/>
+                                </a:rPr>
+                                <m:t>≠0</m:t>
+                              </m:r>
+                              <m:r>
+                                <a:rPr lang="en-US" sz="1800" b="0" i="1" smtClean="0">
+                                  <a:latin typeface="Cambria Math" panose="02040503050406030204" pitchFamily="18" charset="0"/>
+                                </a:rPr>
+                                <m:t> </m:t>
+                              </m:r>
+                            </m:e>
+                            <m:e>
+                              <m:func>
+                                <m:funcPr>
+                                  <m:ctrlPr>
+                                    <a:rPr lang="en-US" sz="1800" b="0" i="1" smtClean="0">
+                                      <a:latin typeface="Cambria Math" panose="02040503050406030204" pitchFamily="18" charset="0"/>
+                                    </a:rPr>
+                                  </m:ctrlPr>
+                                </m:funcPr>
+                                <m:fName>
+                                  <m:r>
+                                    <m:rPr>
+                                      <m:sty m:val="p"/>
+                                    </m:rPr>
+                                    <a:rPr lang="en-US" sz="1800" b="0" i="0" smtClean="0">
+                                      <a:latin typeface="Cambria Math" panose="02040503050406030204" pitchFamily="18" charset="0"/>
+                                    </a:rPr>
+                                    <m:t>log</m:t>
+                                  </m:r>
+                                </m:fName>
+                                <m:e>
+                                  <m:d>
+                                    <m:dPr>
+                                      <m:ctrlPr>
+                                        <a:rPr lang="en-US" sz="1800" b="0" i="1" smtClean="0">
+                                          <a:latin typeface="Cambria Math" panose="02040503050406030204" pitchFamily="18" charset="0"/>
+                                        </a:rPr>
+                                      </m:ctrlPr>
+                                    </m:dPr>
+                                    <m:e>
+                                      <m:r>
+                                        <a:rPr lang="en-US" sz="1800" b="0" i="1" smtClean="0">
+                                          <a:latin typeface="Cambria Math" panose="02040503050406030204" pitchFamily="18" charset="0"/>
+                                        </a:rPr>
+                                        <m:t>𝑋</m:t>
+                                      </m:r>
+                                    </m:e>
+                                  </m:d>
+                                </m:e>
+                              </m:func>
+                              <m:r>
+                                <a:rPr lang="en-US" sz="1800" b="0" i="1" smtClean="0">
+                                  <a:latin typeface="Cambria Math" panose="02040503050406030204" pitchFamily="18" charset="0"/>
+                                </a:rPr>
+                                <m:t>,  </m:t>
+                              </m:r>
+                              <m:r>
+                                <a:rPr lang="en-US" sz="1800" b="0" i="1" smtClean="0">
+                                  <a:latin typeface="Cambria Math" panose="02040503050406030204" pitchFamily="18" charset="0"/>
+                                </a:rPr>
+                                <m:t>𝑤h𝑒𝑟𝑒</m:t>
+                              </m:r>
+                              <m:r>
+                                <a:rPr lang="en-US" sz="1800" b="0" i="1" smtClean="0">
+                                  <a:latin typeface="Cambria Math" panose="02040503050406030204" pitchFamily="18" charset="0"/>
+                                </a:rPr>
+                                <m:t> </m:t>
+                              </m:r>
+                              <m:r>
+                                <a:rPr lang="en-US" sz="1800" b="0" i="1" smtClean="0">
+                                  <a:latin typeface="Cambria Math" panose="02040503050406030204" pitchFamily="18" charset="0"/>
+                                </a:rPr>
+                                <m:t>𝜆</m:t>
+                              </m:r>
+                              <m:r>
+                                <a:rPr lang="en-US" sz="1800" b="0" i="1" smtClean="0">
+                                  <a:latin typeface="Cambria Math" panose="02040503050406030204" pitchFamily="18" charset="0"/>
+                                </a:rPr>
+                                <m:t>=0</m:t>
+                              </m:r>
+                            </m:e>
+                          </m:eqArr>
+                        </m:e>
+                      </m:d>
+                    </m:oMath>
+                  </m:oMathPara>
+                </a14:m>
+                <a:endParaRPr lang="en-US" sz="1800" b="0" dirty="0"/>
+              </a:p>
+              <a:p>
+                <a:pPr/>
+                <a:endParaRPr lang="en-US" dirty="0"/>
+              </a:p>
+              <a:p>
+                <a:pPr/>
+                <a:r>
+                  <a:rPr lang="en-US" dirty="0"/>
+                  <a:t>Ensure </a:t>
+                </a:r>
+                <a14:m>
+                  <m:oMath xmlns:m="http://schemas.openxmlformats.org/officeDocument/2006/math">
+                    <m:r>
+                      <a:rPr lang="en-US" b="0" i="1" smtClean="0">
+                        <a:latin typeface="Cambria Math" panose="02040503050406030204" pitchFamily="18" charset="0"/>
+                      </a:rPr>
+                      <m:t>𝑋</m:t>
+                    </m:r>
+                  </m:oMath>
+                </a14:m>
+                <a:r>
+                  <a:rPr lang="en-US" dirty="0"/>
+                  <a:t> is properly scaled before modeling </a:t>
+                </a:r>
+                <a14:m>
+                  <m:oMath xmlns:m="http://schemas.openxmlformats.org/officeDocument/2006/math">
+                    <m:r>
+                      <a:rPr lang="en-US" b="0" i="1" smtClean="0">
+                        <a:latin typeface="Cambria Math" panose="02040503050406030204" pitchFamily="18" charset="0"/>
+                      </a:rPr>
+                      <m:t>𝑌</m:t>
+                    </m:r>
+                  </m:oMath>
+                </a14:m>
+                <a:endParaRPr lang="en-US" dirty="0"/>
+              </a:p>
+            </p:txBody>
+          </p:sp>
+        </mc:Choice>
+        <mc:Fallback>
+          <p:sp>
+            <p:nvSpPr>
+              <p:cNvPr id="7" name="TextBox 6">
+                <a:extLst>
+                  <a:ext uri="{FF2B5EF4-FFF2-40B4-BE49-F238E27FC236}">
+                    <a16:creationId xmlns:a16="http://schemas.microsoft.com/office/drawing/2014/main" id="{5A935A9A-3577-BA5D-A5DB-3BD45C91B750}"/>
+                  </a:ext>
+                </a:extLst>
+              </p:cNvPr>
+              <p:cNvSpPr txBox="1">
+                <a:spLocks noRot="1" noChangeAspect="1" noMove="1" noResize="1" noEditPoints="1" noAdjustHandles="1" noChangeArrowheads="1" noChangeShapeType="1" noTextEdit="1"/>
+              </p:cNvSpPr>
+              <p:nvPr/>
+            </p:nvSpPr>
+            <p:spPr>
+              <a:xfrm>
+                <a:off x="1156855" y="1551709"/>
+                <a:ext cx="9982199" cy="1671996"/>
+              </a:xfrm>
+              <a:prstGeom prst="rect">
+                <a:avLst/>
+              </a:prstGeom>
+              <a:blipFill>
+                <a:blip r:embed="rId2"/>
+                <a:stretch>
+                  <a:fillRect l="-550" b="-5109"/>
+                </a:stretch>
+              </a:blipFill>
+            </p:spPr>
+            <p:txBody>
+              <a:bodyPr/>
+              <a:lstStyle/>
+              <a:p>
+                <a:r>
+                  <a:rPr lang="en-US">
+                    <a:noFill/>
+                  </a:rPr>
+                  <a:t> </a:t>
+                </a:r>
+              </a:p>
+            </p:txBody>
+          </p:sp>
+        </mc:Fallback>
+      </mc:AlternateContent>
+      <p:sp>
+        <p:nvSpPr>
+          <p:cNvPr id="8" name="Content Placeholder 2">
+            <a:extLst>
+              <a:ext uri="{FF2B5EF4-FFF2-40B4-BE49-F238E27FC236}">
+                <a16:creationId xmlns:a16="http://schemas.microsoft.com/office/drawing/2014/main" id="{C9D340C7-F453-AFA1-C453-54C5096246AD}"/>
+              </a:ext>
+            </a:extLst>
+          </p:cNvPr>
+          <p:cNvSpPr txBox="1">
+            <a:spLocks/>
+          </p:cNvSpPr>
+          <p:nvPr/>
+        </p:nvSpPr>
+        <p:spPr>
+          <a:xfrm>
+            <a:off x="581192" y="3698610"/>
+            <a:ext cx="11029615" cy="755627"/>
+          </a:xfrm>
+          <a:prstGeom prst="rect">
+            <a:avLst/>
+          </a:prstGeom>
+        </p:spPr>
+        <p:txBody>
+          <a:bodyPr vert="horz" lIns="91440" tIns="45720" rIns="91440" bIns="45720" rtlCol="0" anchor="ctr">
+            <a:normAutofit/>
+          </a:bodyPr>
+          <a:lstStyle>
+            <a:lvl1pPr marL="306000" indent="-306000" algn="l" defTabSz="457200" rtl="0" eaLnBrk="1" latinLnBrk="0" hangingPunct="1">
+              <a:lnSpc>
+                <a:spcPct val="100000"/>
+              </a:lnSpc>
+              <a:spcBef>
+                <a:spcPct val="20000"/>
+              </a:spcBef>
+              <a:spcAft>
+                <a:spcPts val="600"/>
+              </a:spcAft>
+              <a:buClr>
+                <a:schemeClr val="accent1"/>
+              </a:buClr>
+              <a:buSzPct val="92000"/>
+              <a:buFont typeface="Wingdings 2" panose="05020102010507070707" pitchFamily="18" charset="2"/>
+              <a:buChar char=""/>
+              <a:defRPr sz="1800" kern="1200">
+                <a:solidFill>
+                  <a:schemeClr val="tx1">
+                    <a:lumMod val="75000"/>
+                    <a:lumOff val="25000"/>
+                  </a:schemeClr>
+                </a:solidFill>
+                <a:latin typeface="+mn-lt"/>
+                <a:ea typeface="+mn-ea"/>
+                <a:cs typeface="+mn-cs"/>
+              </a:defRPr>
+            </a:lvl1pPr>
+            <a:lvl2pPr marL="630000" indent="-306000" algn="l" defTabSz="457200" rtl="0" eaLnBrk="1" latinLnBrk="0" hangingPunct="1">
+              <a:lnSpc>
+                <a:spcPct val="100000"/>
+              </a:lnSpc>
+              <a:spcBef>
+                <a:spcPct val="20000"/>
+              </a:spcBef>
+              <a:spcAft>
+                <a:spcPts val="600"/>
+              </a:spcAft>
+              <a:buClr>
+                <a:schemeClr val="accent1"/>
+              </a:buClr>
+              <a:buSzPct val="92000"/>
+              <a:buFont typeface="Wingdings 2" panose="05020102010507070707" pitchFamily="18" charset="2"/>
+              <a:buChar char=""/>
+              <a:defRPr sz="1600" kern="1200">
+                <a:solidFill>
+                  <a:schemeClr val="tx1">
+                    <a:lumMod val="75000"/>
+                    <a:lumOff val="25000"/>
+                  </a:schemeClr>
+                </a:solidFill>
+                <a:latin typeface="+mn-lt"/>
+                <a:ea typeface="+mn-ea"/>
+                <a:cs typeface="+mn-cs"/>
+              </a:defRPr>
+            </a:lvl2pPr>
+            <a:lvl3pPr marL="900000" indent="-270000" algn="l" defTabSz="457200" rtl="0" eaLnBrk="1" latinLnBrk="0" hangingPunct="1">
+              <a:lnSpc>
+                <a:spcPct val="100000"/>
+              </a:lnSpc>
+              <a:spcBef>
+                <a:spcPct val="20000"/>
+              </a:spcBef>
+              <a:spcAft>
+                <a:spcPts val="600"/>
+              </a:spcAft>
+              <a:buClr>
+                <a:schemeClr val="accent1"/>
+              </a:buClr>
+              <a:buSzPct val="92000"/>
+              <a:buFont typeface="Wingdings 2" panose="05020102010507070707" pitchFamily="18" charset="2"/>
+              <a:buChar char=""/>
+              <a:defRPr sz="1400" kern="1200">
+                <a:solidFill>
+                  <a:schemeClr val="tx1">
+                    <a:lumMod val="75000"/>
+                    <a:lumOff val="25000"/>
+                  </a:schemeClr>
+                </a:solidFill>
+                <a:latin typeface="+mn-lt"/>
+                <a:ea typeface="+mn-ea"/>
+                <a:cs typeface="+mn-cs"/>
+              </a:defRPr>
+            </a:lvl3pPr>
+            <a:lvl4pPr marL="1242000" indent="-234000" algn="l" defTabSz="457200" rtl="0" eaLnBrk="1" latinLnBrk="0" hangingPunct="1">
+              <a:lnSpc>
+                <a:spcPct val="100000"/>
+              </a:lnSpc>
+              <a:spcBef>
+                <a:spcPct val="20000"/>
+              </a:spcBef>
+              <a:spcAft>
+                <a:spcPts val="600"/>
+              </a:spcAft>
+              <a:buClr>
+                <a:schemeClr val="accent1"/>
+              </a:buClr>
+              <a:buSzPct val="92000"/>
+              <a:buFont typeface="Wingdings 2" panose="05020102010507070707" pitchFamily="18" charset="2"/>
+              <a:buChar char=""/>
+              <a:defRPr sz="1200" kern="1200">
+                <a:solidFill>
+                  <a:schemeClr val="tx1">
+                    <a:lumMod val="75000"/>
+                    <a:lumOff val="25000"/>
+                  </a:schemeClr>
+                </a:solidFill>
+                <a:latin typeface="+mn-lt"/>
+                <a:ea typeface="+mn-ea"/>
+                <a:cs typeface="+mn-cs"/>
+              </a:defRPr>
+            </a:lvl4pPr>
+            <a:lvl5pPr marL="1602000" indent="-234000" algn="l" defTabSz="457200" rtl="0" eaLnBrk="1" latinLnBrk="0" hangingPunct="1">
+              <a:lnSpc>
+                <a:spcPct val="100000"/>
+              </a:lnSpc>
+              <a:spcBef>
+                <a:spcPct val="20000"/>
+              </a:spcBef>
+              <a:spcAft>
+                <a:spcPts val="600"/>
+              </a:spcAft>
+              <a:buClr>
+                <a:schemeClr val="accent1"/>
+              </a:buClr>
+              <a:buSzPct val="92000"/>
+              <a:buFont typeface="Wingdings 2" panose="05020102010507070707" pitchFamily="18" charset="2"/>
+              <a:buChar char=""/>
+              <a:defRPr sz="1200" kern="1200">
+                <a:solidFill>
+                  <a:schemeClr val="tx1">
+                    <a:lumMod val="75000"/>
+                    <a:lumOff val="25000"/>
+                  </a:schemeClr>
+                </a:solidFill>
+                <a:latin typeface="+mn-lt"/>
+                <a:ea typeface="+mn-ea"/>
+                <a:cs typeface="+mn-cs"/>
+              </a:defRPr>
+            </a:lvl5pPr>
+            <a:lvl6pPr marL="1900000" indent="-228600" algn="l" defTabSz="457200" rtl="0" eaLnBrk="1" latinLnBrk="0" hangingPunct="1">
+              <a:spcBef>
+                <a:spcPct val="20000"/>
+              </a:spcBef>
+              <a:spcAft>
+                <a:spcPts val="600"/>
+              </a:spcAft>
+              <a:buClr>
+                <a:schemeClr val="accent2"/>
+              </a:buClr>
+              <a:buSzPct val="92000"/>
+              <a:buFont typeface="Wingdings 2" panose="05020102010507070707" pitchFamily="18" charset="2"/>
+              <a:buChar char=""/>
+              <a:defRPr sz="1200" kern="1200">
+                <a:solidFill>
+                  <a:schemeClr val="tx2"/>
+                </a:solidFill>
+                <a:latin typeface="+mn-lt"/>
+                <a:ea typeface="+mn-ea"/>
+                <a:cs typeface="+mn-cs"/>
+              </a:defRPr>
+            </a:lvl6pPr>
+            <a:lvl7pPr marL="2200000" indent="-228600" algn="l" defTabSz="457200" rtl="0" eaLnBrk="1" latinLnBrk="0" hangingPunct="1">
+              <a:spcBef>
+                <a:spcPct val="20000"/>
+              </a:spcBef>
+              <a:spcAft>
+                <a:spcPts val="600"/>
+              </a:spcAft>
+              <a:buClr>
+                <a:schemeClr val="accent2"/>
+              </a:buClr>
+              <a:buSzPct val="92000"/>
+              <a:buFont typeface="Wingdings 2" panose="05020102010507070707" pitchFamily="18" charset="2"/>
+              <a:buChar char=""/>
+              <a:defRPr sz="1200" kern="1200">
+                <a:solidFill>
+                  <a:schemeClr val="tx2"/>
+                </a:solidFill>
+                <a:latin typeface="+mn-lt"/>
+                <a:ea typeface="+mn-ea"/>
+                <a:cs typeface="+mn-cs"/>
+              </a:defRPr>
+            </a:lvl7pPr>
+            <a:lvl8pPr marL="2500000" indent="-228600" algn="l" defTabSz="457200" rtl="0" eaLnBrk="1" latinLnBrk="0" hangingPunct="1">
+              <a:spcBef>
+                <a:spcPct val="20000"/>
+              </a:spcBef>
+              <a:spcAft>
+                <a:spcPts val="600"/>
+              </a:spcAft>
+              <a:buClr>
+                <a:schemeClr val="accent2"/>
+              </a:buClr>
+              <a:buSzPct val="92000"/>
+              <a:buFont typeface="Wingdings 2" panose="05020102010507070707" pitchFamily="18" charset="2"/>
+              <a:buChar char=""/>
+              <a:defRPr sz="1200" kern="1200">
+                <a:solidFill>
+                  <a:schemeClr val="tx2"/>
+                </a:solidFill>
+                <a:latin typeface="+mn-lt"/>
+                <a:ea typeface="+mn-ea"/>
+                <a:cs typeface="+mn-cs"/>
+              </a:defRPr>
+            </a:lvl8pPr>
+            <a:lvl9pPr marL="2800000" indent="-228600" algn="l" defTabSz="457200" rtl="0" eaLnBrk="1" latinLnBrk="0" hangingPunct="1">
+              <a:spcBef>
+                <a:spcPct val="20000"/>
+              </a:spcBef>
+              <a:spcAft>
+                <a:spcPts val="600"/>
+              </a:spcAft>
+              <a:buClr>
+                <a:schemeClr val="accent2"/>
+              </a:buClr>
+              <a:buSzPct val="92000"/>
+              <a:buFont typeface="Wingdings 2" panose="05020102010507070707" pitchFamily="18" charset="2"/>
+              <a:buChar char=""/>
+              <a:defRPr sz="1200" kern="1200">
+                <a:solidFill>
+                  <a:schemeClr val="tx2"/>
+                </a:solidFill>
+                <a:latin typeface="+mn-lt"/>
+                <a:ea typeface="+mn-ea"/>
+                <a:cs typeface="+mn-cs"/>
+              </a:defRPr>
+            </a:lvl9pPr>
+          </a:lstStyle>
+          <a:p>
+            <a:pPr marL="0" indent="0">
+              <a:buFont typeface="Wingdings 2" panose="05020102010507070707" pitchFamily="18" charset="2"/>
+              <a:buNone/>
+            </a:pPr>
+            <a:r>
+              <a:rPr lang="en-US" sz="2800" dirty="0"/>
+              <a:t>4. Transform independent variable </a:t>
+            </a:r>
+          </a:p>
+        </p:txBody>
+      </p:sp>
+      <mc:AlternateContent xmlns:mc="http://schemas.openxmlformats.org/markup-compatibility/2006">
+        <mc:Choice xmlns:a14="http://schemas.microsoft.com/office/drawing/2010/main" Requires="a14">
+          <p:sp>
+            <p:nvSpPr>
+              <p:cNvPr id="10" name="TextBox 9">
+                <a:extLst>
+                  <a:ext uri="{FF2B5EF4-FFF2-40B4-BE49-F238E27FC236}">
+                    <a16:creationId xmlns:a16="http://schemas.microsoft.com/office/drawing/2014/main" id="{10F1E241-E22F-43E9-BE8A-A0EBBED66D19}"/>
+                  </a:ext>
+                </a:extLst>
+              </p:cNvPr>
+              <p:cNvSpPr txBox="1"/>
+              <p:nvPr/>
+            </p:nvSpPr>
+            <p:spPr>
+              <a:xfrm>
+                <a:off x="3099954" y="4474651"/>
+                <a:ext cx="6096000" cy="1117998"/>
+              </a:xfrm>
+              <a:prstGeom prst="rect">
+                <a:avLst/>
+              </a:prstGeom>
+              <a:noFill/>
+            </p:spPr>
+            <p:txBody>
+              <a:bodyPr wrap="square">
+                <a:spAutoFit/>
+              </a:bodyPr>
+              <a:lstStyle/>
+              <a:p>
+                <a:pPr/>
+                <a14:m>
+                  <m:oMathPara xmlns:m="http://schemas.openxmlformats.org/officeDocument/2006/math">
+                    <m:oMathParaPr>
+                      <m:jc m:val="centerGroup"/>
+                    </m:oMathParaPr>
+                    <m:oMath xmlns:m="http://schemas.openxmlformats.org/officeDocument/2006/math">
+                      <m:sSup>
+                        <m:sSupPr>
+                          <m:ctrlPr>
+                            <a:rPr lang="en-US" sz="1800" b="0" i="1" smtClean="0">
+                              <a:latin typeface="Cambria Math" panose="02040503050406030204" pitchFamily="18" charset="0"/>
+                            </a:rPr>
+                          </m:ctrlPr>
+                        </m:sSupPr>
+                        <m:e>
+                          <m:r>
+                            <a:rPr lang="en-US" sz="1800" b="0" i="1" smtClean="0">
+                              <a:latin typeface="Cambria Math" panose="02040503050406030204" pitchFamily="18" charset="0"/>
+                            </a:rPr>
+                            <m:t>𝑌</m:t>
+                          </m:r>
+                        </m:e>
+                        <m:sup>
+                          <m:r>
+                            <a:rPr lang="en-US" sz="1800" b="0" i="1" smtClean="0">
+                              <a:latin typeface="Cambria Math" panose="02040503050406030204" pitchFamily="18" charset="0"/>
+                            </a:rPr>
+                            <m:t>𝜆</m:t>
+                          </m:r>
+                        </m:sup>
+                      </m:sSup>
+                      <m:r>
+                        <a:rPr lang="en-US" sz="1800" b="0" i="1" smtClean="0">
+                          <a:latin typeface="Cambria Math" panose="02040503050406030204" pitchFamily="18" charset="0"/>
+                        </a:rPr>
+                        <m:t>=</m:t>
+                      </m:r>
+                      <m:d>
+                        <m:dPr>
+                          <m:begChr m:val="{"/>
+                          <m:endChr m:val=""/>
+                          <m:ctrlPr>
+                            <a:rPr lang="en-US" sz="1800" b="0" i="1" smtClean="0">
+                              <a:latin typeface="Cambria Math" panose="02040503050406030204" pitchFamily="18" charset="0"/>
+                            </a:rPr>
+                          </m:ctrlPr>
+                        </m:dPr>
+                        <m:e>
+                          <m:eqArr>
+                            <m:eqArrPr>
+                              <m:ctrlPr>
+                                <a:rPr lang="en-US" sz="1800" b="0" i="1" smtClean="0">
+                                  <a:latin typeface="Cambria Math" panose="02040503050406030204" pitchFamily="18" charset="0"/>
+                                </a:rPr>
+                              </m:ctrlPr>
+                            </m:eqArrPr>
+                            <m:e>
+                              <m:f>
+                                <m:fPr>
+                                  <m:ctrlPr>
+                                    <a:rPr lang="en-US" sz="1800" b="0" i="1" smtClean="0">
+                                      <a:latin typeface="Cambria Math" panose="02040503050406030204" pitchFamily="18" charset="0"/>
+                                    </a:rPr>
+                                  </m:ctrlPr>
+                                </m:fPr>
+                                <m:num>
+                                  <m:sSup>
+                                    <m:sSupPr>
+                                      <m:ctrlPr>
+                                        <a:rPr lang="en-US" sz="1800" b="0" i="1" smtClean="0">
+                                          <a:latin typeface="Cambria Math" panose="02040503050406030204" pitchFamily="18" charset="0"/>
+                                        </a:rPr>
+                                      </m:ctrlPr>
+                                    </m:sSupPr>
+                                    <m:e>
+                                      <m:r>
+                                        <a:rPr lang="en-US" sz="1800" b="0" i="1" smtClean="0">
+                                          <a:latin typeface="Cambria Math" panose="02040503050406030204" pitchFamily="18" charset="0"/>
+                                        </a:rPr>
+                                        <m:t>𝑌</m:t>
+                                      </m:r>
+                                    </m:e>
+                                    <m:sup>
+                                      <m:r>
+                                        <a:rPr lang="en-US" sz="1800" b="0" i="1" smtClean="0">
+                                          <a:latin typeface="Cambria Math" panose="02040503050406030204" pitchFamily="18" charset="0"/>
+                                        </a:rPr>
+                                        <m:t>𝜆</m:t>
+                                      </m:r>
+                                    </m:sup>
+                                  </m:sSup>
+                                  <m:r>
+                                    <a:rPr lang="en-US" sz="1800" b="0" i="1" smtClean="0">
+                                      <a:latin typeface="Cambria Math" panose="02040503050406030204" pitchFamily="18" charset="0"/>
+                                    </a:rPr>
+                                    <m:t> −1</m:t>
+                                  </m:r>
+                                </m:num>
+                                <m:den>
+                                  <m:r>
+                                    <a:rPr lang="en-US" sz="1800" b="0" i="1" smtClean="0">
+                                      <a:latin typeface="Cambria Math" panose="02040503050406030204" pitchFamily="18" charset="0"/>
+                                    </a:rPr>
+                                    <m:t>𝑌</m:t>
+                                  </m:r>
+                                </m:den>
+                              </m:f>
+                              <m:r>
+                                <a:rPr lang="en-US" sz="1800" b="0" i="1" smtClean="0">
+                                  <a:latin typeface="Cambria Math" panose="02040503050406030204" pitchFamily="18" charset="0"/>
+                                </a:rPr>
+                                <m:t> ,  </m:t>
+                              </m:r>
+                              <m:r>
+                                <a:rPr lang="en-US" sz="1800" b="0" i="1" smtClean="0">
+                                  <a:latin typeface="Cambria Math" panose="02040503050406030204" pitchFamily="18" charset="0"/>
+                                </a:rPr>
+                                <m:t>𝑤h𝑒𝑟𝑒</m:t>
+                              </m:r>
+                              <m:r>
+                                <a:rPr lang="en-US" sz="1800" b="0" i="1" smtClean="0">
+                                  <a:latin typeface="Cambria Math" panose="02040503050406030204" pitchFamily="18" charset="0"/>
+                                </a:rPr>
+                                <m:t> </m:t>
+                              </m:r>
+                              <m:r>
+                                <a:rPr lang="en-US" sz="1800" b="0" i="1" smtClean="0">
+                                  <a:latin typeface="Cambria Math" panose="02040503050406030204" pitchFamily="18" charset="0"/>
+                                </a:rPr>
+                                <m:t>𝜆</m:t>
+                              </m:r>
+                              <m:r>
+                                <a:rPr lang="en-US" sz="1800" b="0" i="1" smtClean="0">
+                                  <a:latin typeface="Cambria Math" panose="02040503050406030204" pitchFamily="18" charset="0"/>
+                                  <a:ea typeface="Cambria Math" panose="02040503050406030204" pitchFamily="18" charset="0"/>
+                                </a:rPr>
+                                <m:t>≠0</m:t>
+                              </m:r>
+                              <m:r>
+                                <a:rPr lang="en-US" sz="1800" b="0" i="1" smtClean="0">
+                                  <a:latin typeface="Cambria Math" panose="02040503050406030204" pitchFamily="18" charset="0"/>
+                                </a:rPr>
+                                <m:t> </m:t>
+                              </m:r>
+                            </m:e>
+                            <m:e>
+                              <m:func>
+                                <m:funcPr>
+                                  <m:ctrlPr>
+                                    <a:rPr lang="en-US" sz="1800" b="0" i="1" smtClean="0">
+                                      <a:latin typeface="Cambria Math" panose="02040503050406030204" pitchFamily="18" charset="0"/>
+                                    </a:rPr>
+                                  </m:ctrlPr>
+                                </m:funcPr>
+                                <m:fName>
+                                  <m:r>
+                                    <m:rPr>
+                                      <m:sty m:val="p"/>
+                                    </m:rPr>
+                                    <a:rPr lang="en-US" sz="1800" b="0" i="0" smtClean="0">
+                                      <a:latin typeface="Cambria Math" panose="02040503050406030204" pitchFamily="18" charset="0"/>
+                                    </a:rPr>
+                                    <m:t>log</m:t>
+                                  </m:r>
+                                </m:fName>
+                                <m:e>
+                                  <m:d>
+                                    <m:dPr>
+                                      <m:ctrlPr>
+                                        <a:rPr lang="en-US" sz="1800" b="0" i="1" smtClean="0">
+                                          <a:latin typeface="Cambria Math" panose="02040503050406030204" pitchFamily="18" charset="0"/>
+                                        </a:rPr>
+                                      </m:ctrlPr>
+                                    </m:dPr>
+                                    <m:e>
+                                      <m:r>
+                                        <a:rPr lang="en-US" sz="1800" b="0" i="1" smtClean="0">
+                                          <a:latin typeface="Cambria Math" panose="02040503050406030204" pitchFamily="18" charset="0"/>
+                                        </a:rPr>
+                                        <m:t>𝑌</m:t>
+                                      </m:r>
+                                    </m:e>
+                                  </m:d>
+                                </m:e>
+                              </m:func>
+                              <m:r>
+                                <a:rPr lang="en-US" sz="1800" b="0" i="1" smtClean="0">
+                                  <a:latin typeface="Cambria Math" panose="02040503050406030204" pitchFamily="18" charset="0"/>
+                                </a:rPr>
+                                <m:t>,  </m:t>
+                              </m:r>
+                              <m:r>
+                                <a:rPr lang="en-US" sz="1800" b="0" i="1" smtClean="0">
+                                  <a:latin typeface="Cambria Math" panose="02040503050406030204" pitchFamily="18" charset="0"/>
+                                </a:rPr>
+                                <m:t>𝑤h𝑒𝑟𝑒</m:t>
+                              </m:r>
+                              <m:r>
+                                <a:rPr lang="en-US" sz="1800" b="0" i="1" smtClean="0">
+                                  <a:latin typeface="Cambria Math" panose="02040503050406030204" pitchFamily="18" charset="0"/>
+                                </a:rPr>
+                                <m:t> </m:t>
+                              </m:r>
+                              <m:r>
+                                <a:rPr lang="en-US" sz="1800" b="0" i="1" smtClean="0">
+                                  <a:latin typeface="Cambria Math" panose="02040503050406030204" pitchFamily="18" charset="0"/>
+                                </a:rPr>
+                                <m:t>𝜆</m:t>
+                              </m:r>
+                              <m:r>
+                                <a:rPr lang="en-US" sz="1800" b="0" i="1" smtClean="0">
+                                  <a:latin typeface="Cambria Math" panose="02040503050406030204" pitchFamily="18" charset="0"/>
+                                </a:rPr>
+                                <m:t>=0</m:t>
+                              </m:r>
+                            </m:e>
+                          </m:eqArr>
+                        </m:e>
+                      </m:d>
+                    </m:oMath>
+                  </m:oMathPara>
+                </a14:m>
+                <a:endParaRPr lang="en-US" dirty="0"/>
+              </a:p>
+            </p:txBody>
+          </p:sp>
+        </mc:Choice>
+        <mc:Fallback>
+          <p:sp>
+            <p:nvSpPr>
+              <p:cNvPr id="10" name="TextBox 9">
+                <a:extLst>
+                  <a:ext uri="{FF2B5EF4-FFF2-40B4-BE49-F238E27FC236}">
+                    <a16:creationId xmlns:a16="http://schemas.microsoft.com/office/drawing/2014/main" id="{10F1E241-E22F-43E9-BE8A-A0EBBED66D19}"/>
+                  </a:ext>
+                </a:extLst>
+              </p:cNvPr>
+              <p:cNvSpPr txBox="1">
+                <a:spLocks noRot="1" noChangeAspect="1" noMove="1" noResize="1" noEditPoints="1" noAdjustHandles="1" noChangeArrowheads="1" noChangeShapeType="1" noTextEdit="1"/>
+              </p:cNvSpPr>
+              <p:nvPr/>
+            </p:nvSpPr>
+            <p:spPr>
+              <a:xfrm>
+                <a:off x="3099954" y="4474651"/>
+                <a:ext cx="6096000" cy="1117998"/>
+              </a:xfrm>
+              <a:prstGeom prst="rect">
+                <a:avLst/>
+              </a:prstGeom>
+              <a:blipFill>
+                <a:blip r:embed="rId3"/>
+                <a:stretch>
+                  <a:fillRect/>
+                </a:stretch>
+              </a:blipFill>
+            </p:spPr>
+            <p:txBody>
+              <a:bodyPr/>
+              <a:lstStyle/>
+              <a:p>
+                <a:r>
+                  <a:rPr lang="en-US">
+                    <a:noFill/>
+                  </a:rPr>
+                  <a:t> </a:t>
+                </a:r>
+              </a:p>
+            </p:txBody>
+          </p:sp>
+        </mc:Fallback>
+      </mc:AlternateContent>
+    </p:spTree>
+    <p:extLst>
+      <p:ext uri="{BB962C8B-B14F-4D97-AF65-F5344CB8AC3E}">
+        <p14:creationId xmlns:p14="http://schemas.microsoft.com/office/powerpoint/2010/main" val="3241336244"/>
+      </p:ext>
+    </p:extLst>
+  </p:cSld>
+  <p:clrMapOvr>
+    <a:masterClrMapping/>
+  </p:clrMapOvr>
+</p:sld>
+</file>
+
+<file path=ppt/slides/slide39.xml><?xml version="1.0" encoding="utf-8"?>
+<p:sld xmlns:a="http://schemas.openxmlformats.org/drawingml/2006/main" xmlns:r="http://schemas.openxmlformats.org/officeDocument/2006/relationships" xmlns:p="http://schemas.openxmlformats.org/presentationml/2006/main">
+  <p:cSld>
+    <p:spTree>
+      <p:nvGrpSpPr>
+        <p:cNvPr id="1" name=""/>
+        <p:cNvGrpSpPr/>
+        <p:nvPr/>
+      </p:nvGrpSpPr>
+      <p:grpSpPr>
+        <a:xfrm>
+          <a:off x="0" y="0"/>
+          <a:ext cx="0" cy="0"/>
+          <a:chOff x="0" y="0"/>
+          <a:chExt cx="0" cy="0"/>
+        </a:xfrm>
+      </p:grpSpPr>
+      <mc:AlternateContent xmlns:mc="http://schemas.openxmlformats.org/markup-compatibility/2006">
+        <mc:Choice xmlns:a14="http://schemas.microsoft.com/office/drawing/2010/main" Requires="a14">
+          <p:sp>
+            <p:nvSpPr>
+              <p:cNvPr id="3" name="Content Placeholder 2">
+                <a:extLst>
+                  <a:ext uri="{FF2B5EF4-FFF2-40B4-BE49-F238E27FC236}">
+                    <a16:creationId xmlns:a16="http://schemas.microsoft.com/office/drawing/2014/main" id="{D6A5DC0C-A825-994C-E018-6D81AB247A10}"/>
+                  </a:ext>
+                </a:extLst>
+              </p:cNvPr>
+              <p:cNvSpPr>
+                <a:spLocks noGrp="1"/>
+              </p:cNvSpPr>
+              <p:nvPr>
+                <p:ph idx="1"/>
+              </p:nvPr>
+            </p:nvSpPr>
+            <p:spPr/>
+            <p:txBody>
+              <a:bodyPr/>
+              <a:lstStyle/>
+              <a:p>
+                <a:pPr marL="0" indent="0">
+                  <a:buNone/>
+                </a:pPr>
+                <a14:m>
+                  <m:oMathPara xmlns:m="http://schemas.openxmlformats.org/officeDocument/2006/math">
+                    <m:oMathParaPr>
+                      <m:jc m:val="centerGroup"/>
+                    </m:oMathParaPr>
+                    <m:oMath xmlns:m="http://schemas.openxmlformats.org/officeDocument/2006/math">
+                      <m:sSup>
+                        <m:sSupPr>
+                          <m:ctrlPr>
+                            <a:rPr lang="en-US" b="0" i="1" smtClean="0">
+                              <a:latin typeface="Cambria Math" panose="02040503050406030204" pitchFamily="18" charset="0"/>
+                            </a:rPr>
+                          </m:ctrlPr>
+                        </m:sSupPr>
+                        <m:e>
+                          <m:r>
+                            <a:rPr lang="en-US" b="0" i="1" smtClean="0">
+                              <a:latin typeface="Cambria Math" panose="02040503050406030204" pitchFamily="18" charset="0"/>
+                            </a:rPr>
+                            <m:t>𝑌</m:t>
+                          </m:r>
+                        </m:e>
+                        <m:sup>
+                          <m:r>
+                            <a:rPr lang="en-US" b="0" i="1" smtClean="0">
+                              <a:latin typeface="Cambria Math" panose="02040503050406030204" pitchFamily="18" charset="0"/>
+                            </a:rPr>
+                            <m:t>𝜆</m:t>
+                          </m:r>
+                        </m:sup>
+                      </m:sSup>
+                      <m:r>
+                        <a:rPr lang="en-US" b="0" i="1" smtClean="0">
+                          <a:latin typeface="Cambria Math" panose="02040503050406030204" pitchFamily="18" charset="0"/>
+                        </a:rPr>
+                        <m:t>= </m:t>
+                      </m:r>
+                    </m:oMath>
+                  </m:oMathPara>
+                </a14:m>
+                <a:endParaRPr lang="en-US" dirty="0"/>
+              </a:p>
+            </p:txBody>
+          </p:sp>
+        </mc:Choice>
+        <mc:Fallback>
+          <p:sp>
+            <p:nvSpPr>
+              <p:cNvPr id="3" name="Content Placeholder 2">
+                <a:extLst>
+                  <a:ext uri="{FF2B5EF4-FFF2-40B4-BE49-F238E27FC236}">
+                    <a16:creationId xmlns:a16="http://schemas.microsoft.com/office/drawing/2014/main" id="{D6A5DC0C-A825-994C-E018-6D81AB247A10}"/>
+                  </a:ext>
+                </a:extLst>
+              </p:cNvPr>
+              <p:cNvSpPr>
+                <a:spLocks noGrp="1" noRot="1" noChangeAspect="1" noMove="1" noResize="1" noEditPoints="1" noAdjustHandles="1" noChangeArrowheads="1" noChangeShapeType="1" noTextEdit="1"/>
+              </p:cNvSpPr>
+              <p:nvPr>
+                <p:ph idx="1"/>
+              </p:nvPr>
+            </p:nvSpPr>
+            <p:spPr>
+              <a:blipFill>
+                <a:blip r:embed="rId2"/>
+                <a:stretch>
+                  <a:fillRect/>
+                </a:stretch>
+              </a:blipFill>
+            </p:spPr>
+            <p:txBody>
+              <a:bodyPr/>
+              <a:lstStyle/>
+              <a:p>
+                <a:r>
+                  <a:rPr lang="en-US">
+                    <a:noFill/>
+                  </a:rPr>
+                  <a:t> </a:t>
+                </a:r>
+              </a:p>
+            </p:txBody>
+          </p:sp>
+        </mc:Fallback>
+      </mc:AlternateContent>
+      <p:sp>
+        <p:nvSpPr>
+          <p:cNvPr id="4" name="Content Placeholder 2">
+            <a:extLst>
+              <a:ext uri="{FF2B5EF4-FFF2-40B4-BE49-F238E27FC236}">
+                <a16:creationId xmlns:a16="http://schemas.microsoft.com/office/drawing/2014/main" id="{009EF893-A3B8-4805-4162-33FFA0933C2B}"/>
+              </a:ext>
+            </a:extLst>
+          </p:cNvPr>
+          <p:cNvSpPr txBox="1">
+            <a:spLocks/>
+          </p:cNvSpPr>
+          <p:nvPr/>
+        </p:nvSpPr>
+        <p:spPr>
+          <a:xfrm>
+            <a:off x="581191" y="595192"/>
+            <a:ext cx="11029615" cy="755627"/>
+          </a:xfrm>
+          <a:prstGeom prst="rect">
+            <a:avLst/>
+          </a:prstGeom>
+        </p:spPr>
+        <p:txBody>
+          <a:bodyPr vert="horz" lIns="91440" tIns="45720" rIns="91440" bIns="45720" rtlCol="0" anchor="ctr">
+            <a:normAutofit/>
+          </a:bodyPr>
+          <a:lstStyle>
+            <a:lvl1pPr marL="306000" indent="-306000" algn="l" defTabSz="457200" rtl="0" eaLnBrk="1" latinLnBrk="0" hangingPunct="1">
+              <a:lnSpc>
+                <a:spcPct val="100000"/>
+              </a:lnSpc>
+              <a:spcBef>
+                <a:spcPct val="20000"/>
+              </a:spcBef>
+              <a:spcAft>
+                <a:spcPts val="600"/>
+              </a:spcAft>
+              <a:buClr>
+                <a:schemeClr val="accent1"/>
+              </a:buClr>
+              <a:buSzPct val="92000"/>
+              <a:buFont typeface="Wingdings 2" panose="05020102010507070707" pitchFamily="18" charset="2"/>
+              <a:buChar char=""/>
+              <a:defRPr sz="1800" kern="1200">
+                <a:solidFill>
+                  <a:schemeClr val="tx1">
+                    <a:lumMod val="75000"/>
+                    <a:lumOff val="25000"/>
+                  </a:schemeClr>
+                </a:solidFill>
+                <a:latin typeface="+mn-lt"/>
+                <a:ea typeface="+mn-ea"/>
+                <a:cs typeface="+mn-cs"/>
+              </a:defRPr>
+            </a:lvl1pPr>
+            <a:lvl2pPr marL="630000" indent="-306000" algn="l" defTabSz="457200" rtl="0" eaLnBrk="1" latinLnBrk="0" hangingPunct="1">
+              <a:lnSpc>
+                <a:spcPct val="100000"/>
+              </a:lnSpc>
+              <a:spcBef>
+                <a:spcPct val="20000"/>
+              </a:spcBef>
+              <a:spcAft>
+                <a:spcPts val="600"/>
+              </a:spcAft>
+              <a:buClr>
+                <a:schemeClr val="accent1"/>
+              </a:buClr>
+              <a:buSzPct val="92000"/>
+              <a:buFont typeface="Wingdings 2" panose="05020102010507070707" pitchFamily="18" charset="2"/>
+              <a:buChar char=""/>
+              <a:defRPr sz="1600" kern="1200">
+                <a:solidFill>
+                  <a:schemeClr val="tx1">
+                    <a:lumMod val="75000"/>
+                    <a:lumOff val="25000"/>
+                  </a:schemeClr>
+                </a:solidFill>
+                <a:latin typeface="+mn-lt"/>
+                <a:ea typeface="+mn-ea"/>
+                <a:cs typeface="+mn-cs"/>
+              </a:defRPr>
+            </a:lvl2pPr>
+            <a:lvl3pPr marL="900000" indent="-270000" algn="l" defTabSz="457200" rtl="0" eaLnBrk="1" latinLnBrk="0" hangingPunct="1">
+              <a:lnSpc>
+                <a:spcPct val="100000"/>
+              </a:lnSpc>
+              <a:spcBef>
+                <a:spcPct val="20000"/>
+              </a:spcBef>
+              <a:spcAft>
+                <a:spcPts val="600"/>
+              </a:spcAft>
+              <a:buClr>
+                <a:schemeClr val="accent1"/>
+              </a:buClr>
+              <a:buSzPct val="92000"/>
+              <a:buFont typeface="Wingdings 2" panose="05020102010507070707" pitchFamily="18" charset="2"/>
+              <a:buChar char=""/>
+              <a:defRPr sz="1400" kern="1200">
+                <a:solidFill>
+                  <a:schemeClr val="tx1">
+                    <a:lumMod val="75000"/>
+                    <a:lumOff val="25000"/>
+                  </a:schemeClr>
+                </a:solidFill>
+                <a:latin typeface="+mn-lt"/>
+                <a:ea typeface="+mn-ea"/>
+                <a:cs typeface="+mn-cs"/>
+              </a:defRPr>
+            </a:lvl3pPr>
+            <a:lvl4pPr marL="1242000" indent="-234000" algn="l" defTabSz="457200" rtl="0" eaLnBrk="1" latinLnBrk="0" hangingPunct="1">
+              <a:lnSpc>
+                <a:spcPct val="100000"/>
+              </a:lnSpc>
+              <a:spcBef>
+                <a:spcPct val="20000"/>
+              </a:spcBef>
+              <a:spcAft>
+                <a:spcPts val="600"/>
+              </a:spcAft>
+              <a:buClr>
+                <a:schemeClr val="accent1"/>
+              </a:buClr>
+              <a:buSzPct val="92000"/>
+              <a:buFont typeface="Wingdings 2" panose="05020102010507070707" pitchFamily="18" charset="2"/>
+              <a:buChar char=""/>
+              <a:defRPr sz="1200" kern="1200">
+                <a:solidFill>
+                  <a:schemeClr val="tx1">
+                    <a:lumMod val="75000"/>
+                    <a:lumOff val="25000"/>
+                  </a:schemeClr>
+                </a:solidFill>
+                <a:latin typeface="+mn-lt"/>
+                <a:ea typeface="+mn-ea"/>
+                <a:cs typeface="+mn-cs"/>
+              </a:defRPr>
+            </a:lvl4pPr>
+            <a:lvl5pPr marL="1602000" indent="-234000" algn="l" defTabSz="457200" rtl="0" eaLnBrk="1" latinLnBrk="0" hangingPunct="1">
+              <a:lnSpc>
+                <a:spcPct val="100000"/>
+              </a:lnSpc>
+              <a:spcBef>
+                <a:spcPct val="20000"/>
+              </a:spcBef>
+              <a:spcAft>
+                <a:spcPts val="600"/>
+              </a:spcAft>
+              <a:buClr>
+                <a:schemeClr val="accent1"/>
+              </a:buClr>
+              <a:buSzPct val="92000"/>
+              <a:buFont typeface="Wingdings 2" panose="05020102010507070707" pitchFamily="18" charset="2"/>
+              <a:buChar char=""/>
+              <a:defRPr sz="1200" kern="1200">
+                <a:solidFill>
+                  <a:schemeClr val="tx1">
+                    <a:lumMod val="75000"/>
+                    <a:lumOff val="25000"/>
+                  </a:schemeClr>
+                </a:solidFill>
+                <a:latin typeface="+mn-lt"/>
+                <a:ea typeface="+mn-ea"/>
+                <a:cs typeface="+mn-cs"/>
+              </a:defRPr>
+            </a:lvl5pPr>
+            <a:lvl6pPr marL="1900000" indent="-228600" algn="l" defTabSz="457200" rtl="0" eaLnBrk="1" latinLnBrk="0" hangingPunct="1">
+              <a:spcBef>
+                <a:spcPct val="20000"/>
+              </a:spcBef>
+              <a:spcAft>
+                <a:spcPts val="600"/>
+              </a:spcAft>
+              <a:buClr>
+                <a:schemeClr val="accent2"/>
+              </a:buClr>
+              <a:buSzPct val="92000"/>
+              <a:buFont typeface="Wingdings 2" panose="05020102010507070707" pitchFamily="18" charset="2"/>
+              <a:buChar char=""/>
+              <a:defRPr sz="1200" kern="1200">
+                <a:solidFill>
+                  <a:schemeClr val="tx2"/>
+                </a:solidFill>
+                <a:latin typeface="+mn-lt"/>
+                <a:ea typeface="+mn-ea"/>
+                <a:cs typeface="+mn-cs"/>
+              </a:defRPr>
+            </a:lvl6pPr>
+            <a:lvl7pPr marL="2200000" indent="-228600" algn="l" defTabSz="457200" rtl="0" eaLnBrk="1" latinLnBrk="0" hangingPunct="1">
+              <a:spcBef>
+                <a:spcPct val="20000"/>
+              </a:spcBef>
+              <a:spcAft>
+                <a:spcPts val="600"/>
+              </a:spcAft>
+              <a:buClr>
+                <a:schemeClr val="accent2"/>
+              </a:buClr>
+              <a:buSzPct val="92000"/>
+              <a:buFont typeface="Wingdings 2" panose="05020102010507070707" pitchFamily="18" charset="2"/>
+              <a:buChar char=""/>
+              <a:defRPr sz="1200" kern="1200">
+                <a:solidFill>
+                  <a:schemeClr val="tx2"/>
+                </a:solidFill>
+                <a:latin typeface="+mn-lt"/>
+                <a:ea typeface="+mn-ea"/>
+                <a:cs typeface="+mn-cs"/>
+              </a:defRPr>
+            </a:lvl7pPr>
+            <a:lvl8pPr marL="2500000" indent="-228600" algn="l" defTabSz="457200" rtl="0" eaLnBrk="1" latinLnBrk="0" hangingPunct="1">
+              <a:spcBef>
+                <a:spcPct val="20000"/>
+              </a:spcBef>
+              <a:spcAft>
+                <a:spcPts val="600"/>
+              </a:spcAft>
+              <a:buClr>
+                <a:schemeClr val="accent2"/>
+              </a:buClr>
+              <a:buSzPct val="92000"/>
+              <a:buFont typeface="Wingdings 2" panose="05020102010507070707" pitchFamily="18" charset="2"/>
+              <a:buChar char=""/>
+              <a:defRPr sz="1200" kern="1200">
+                <a:solidFill>
+                  <a:schemeClr val="tx2"/>
+                </a:solidFill>
+                <a:latin typeface="+mn-lt"/>
+                <a:ea typeface="+mn-ea"/>
+                <a:cs typeface="+mn-cs"/>
+              </a:defRPr>
+            </a:lvl8pPr>
+            <a:lvl9pPr marL="2800000" indent="-228600" algn="l" defTabSz="457200" rtl="0" eaLnBrk="1" latinLnBrk="0" hangingPunct="1">
+              <a:spcBef>
+                <a:spcPct val="20000"/>
+              </a:spcBef>
+              <a:spcAft>
+                <a:spcPts val="600"/>
+              </a:spcAft>
+              <a:buClr>
+                <a:schemeClr val="accent2"/>
+              </a:buClr>
+              <a:buSzPct val="92000"/>
+              <a:buFont typeface="Wingdings 2" panose="05020102010507070707" pitchFamily="18" charset="2"/>
+              <a:buChar char=""/>
+              <a:defRPr sz="1200" kern="1200">
+                <a:solidFill>
+                  <a:schemeClr val="tx2"/>
+                </a:solidFill>
+                <a:latin typeface="+mn-lt"/>
+                <a:ea typeface="+mn-ea"/>
+                <a:cs typeface="+mn-cs"/>
+              </a:defRPr>
+            </a:lvl9pPr>
+          </a:lstStyle>
+          <a:p>
+            <a:pPr marL="0" indent="0">
+              <a:buFont typeface="Wingdings 2" panose="05020102010507070707" pitchFamily="18" charset="2"/>
+              <a:buNone/>
+            </a:pPr>
+            <a:r>
+              <a:rPr lang="en-US" sz="2800" dirty="0"/>
+              <a:t>5. Model in the Transformed System</a:t>
+            </a:r>
+          </a:p>
+        </p:txBody>
+      </p:sp>
+    </p:spTree>
+    <p:extLst>
+      <p:ext uri="{BB962C8B-B14F-4D97-AF65-F5344CB8AC3E}">
+        <p14:creationId xmlns:p14="http://schemas.microsoft.com/office/powerpoint/2010/main" val="3213651445"/>
       </p:ext>
     </p:extLst>
   </p:cSld>
@@ -24745,8 +28078,8 @@
           </a:p>
         </p:txBody>
       </p:sp>
-      <mc:AlternateContent xmlns:mc="http://schemas.openxmlformats.org/markup-compatibility/2006">
-        <mc:Choice xmlns:a14="http://schemas.microsoft.com/office/drawing/2010/main" Requires="a14">
+      <mc:AlternateContent xmlns:mc="http://schemas.openxmlformats.org/markup-compatibility/2006" xmlns:a14="http://schemas.microsoft.com/office/drawing/2010/main">
+        <mc:Choice Requires="a14">
           <p:sp>
             <p:nvSpPr>
               <p:cNvPr id="3" name="Content Placeholder 2">
@@ -25559,7 +28892,7 @@
             </p:txBody>
           </p:sp>
         </mc:Choice>
-        <mc:Fallback>
+        <mc:Fallback xmlns="">
           <p:sp>
             <p:nvSpPr>
               <p:cNvPr id="3" name="Content Placeholder 2">
@@ -27068,7 +30401,7 @@
         </p:blipFill>
         <p:spPr>
           <a:xfrm>
-            <a:off x="2432398" y="2421848"/>
+            <a:off x="1407162" y="2825492"/>
             <a:ext cx="3506529" cy="4032508"/>
           </a:xfrm>
           <a:prstGeom prst="rect">
@@ -27090,7 +30423,7 @@
         </p:nvSpPr>
         <p:spPr>
           <a:xfrm>
-            <a:off x="6096000" y="3574473"/>
+            <a:off x="5112327" y="3713019"/>
             <a:ext cx="2992581" cy="369332"/>
           </a:xfrm>
           <a:prstGeom prst="rect">
@@ -27125,7 +30458,7 @@
         </p:nvSpPr>
         <p:spPr>
           <a:xfrm>
-            <a:off x="6096000" y="5389417"/>
+            <a:off x="5029200" y="5791199"/>
             <a:ext cx="5652656" cy="646331"/>
           </a:xfrm>
           <a:prstGeom prst="rect">
@@ -27142,6 +30475,41 @@
             <a:r>
               <a:rPr lang="en-US" dirty="0"/>
               <a:t>Residual plot is a useful graphical tool for identifying non-linearity. </a:t>
+            </a:r>
+          </a:p>
+        </p:txBody>
+      </p:sp>
+      <p:sp>
+        <p:nvSpPr>
+          <p:cNvPr id="2" name="TextBox 1">
+            <a:extLst>
+              <a:ext uri="{FF2B5EF4-FFF2-40B4-BE49-F238E27FC236}">
+                <a16:creationId xmlns:a16="http://schemas.microsoft.com/office/drawing/2014/main" id="{3845D50F-4FEE-69AF-AE79-AA8EF58291DF}"/>
+              </a:ext>
+            </a:extLst>
+          </p:cNvPr>
+          <p:cNvSpPr txBox="1"/>
+          <p:nvPr/>
+        </p:nvSpPr>
+        <p:spPr>
+          <a:xfrm>
+            <a:off x="2279072" y="2631949"/>
+            <a:ext cx="2154382" cy="369332"/>
+          </a:xfrm>
+          <a:prstGeom prst="rect">
+            <a:avLst/>
+          </a:prstGeom>
+          <a:noFill/>
+        </p:spPr>
+        <p:txBody>
+          <a:bodyPr wrap="square" rtlCol="0">
+            <a:spAutoFit/>
+          </a:bodyPr>
+          <a:lstStyle/>
+          <a:p>
+            <a:r>
+              <a:rPr lang="en-US" dirty="0"/>
+              <a:t>Non-linear example</a:t>
             </a:r>
           </a:p>
         </p:txBody>

--- a/docs/Lectures/Week04/Week04_BivariateRegression.pptx
+++ b/docs/Lectures/Week04/Week04_BivariateRegression.pptx
@@ -6,7 +6,7 @@
     <p:sldMasterId id="2147483686" r:id="rId2"/>
   </p:sldMasterIdLst>
   <p:notesMasterIdLst>
-    <p:notesMasterId r:id="rId42"/>
+    <p:notesMasterId r:id="rId37"/>
   </p:notesMasterIdLst>
   <p:sldIdLst>
     <p:sldId id="256" r:id="rId3"/>
@@ -33,21 +33,16 @@
     <p:sldId id="881" r:id="rId24"/>
     <p:sldId id="884" r:id="rId25"/>
     <p:sldId id="870" r:id="rId26"/>
-    <p:sldId id="869" r:id="rId27"/>
-    <p:sldId id="895" r:id="rId28"/>
-    <p:sldId id="896" r:id="rId29"/>
-    <p:sldId id="897" r:id="rId30"/>
-    <p:sldId id="898" r:id="rId31"/>
-    <p:sldId id="899" r:id="rId32"/>
-    <p:sldId id="265" r:id="rId33"/>
-    <p:sldId id="885" r:id="rId34"/>
-    <p:sldId id="886" r:id="rId35"/>
-    <p:sldId id="889" r:id="rId36"/>
-    <p:sldId id="887" r:id="rId37"/>
-    <p:sldId id="891" r:id="rId38"/>
-    <p:sldId id="890" r:id="rId39"/>
-    <p:sldId id="894" r:id="rId40"/>
-    <p:sldId id="892" r:id="rId41"/>
+    <p:sldId id="901" r:id="rId27"/>
+    <p:sldId id="869" r:id="rId28"/>
+    <p:sldId id="895" r:id="rId29"/>
+    <p:sldId id="896" r:id="rId30"/>
+    <p:sldId id="897" r:id="rId31"/>
+    <p:sldId id="898" r:id="rId32"/>
+    <p:sldId id="899" r:id="rId33"/>
+    <p:sldId id="903" r:id="rId34"/>
+    <p:sldId id="265" r:id="rId35"/>
+    <p:sldId id="902" r:id="rId36"/>
   </p:sldIdLst>
   <p:sldSz cx="12192000" cy="6858000"/>
   <p:notesSz cx="6858000" cy="9144000"/>
@@ -236,7 +231,7 @@
           <a:p>
             <a:fld id="{B696F2DA-24C0-4B85-B3DC-FA6F4BB684E2}" type="datetimeFigureOut">
               <a:rPr lang="en-US" smtClean="0"/>
-              <a:t>2/2/2025</a:t>
+              <a:t>2/3/2025</a:t>
             </a:fld>
             <a:endParaRPr lang="en-US"/>
           </a:p>
@@ -741,7 +736,7 @@
           <a:p>
             <a:fld id="{ED291B17-9318-49DB-B28B-6E5994AE9581}" type="datetime1">
               <a:rPr lang="en-US" smtClean="0"/>
-              <a:t>2/2/2025</a:t>
+              <a:t>2/3/2025</a:t>
             </a:fld>
             <a:endParaRPr lang="en-US" dirty="0"/>
           </a:p>
@@ -944,7 +939,7 @@
           <a:p>
             <a:fld id="{2CED4963-E985-44C4-B8C4-FDD613B7C2F8}" type="datetime1">
               <a:rPr lang="en-US" smtClean="0"/>
-              <a:t>2/2/2025</a:t>
+              <a:t>2/3/2025</a:t>
             </a:fld>
             <a:endParaRPr lang="en-US" dirty="0"/>
           </a:p>
@@ -1306,7 +1301,7 @@
           <a:p>
             <a:fld id="{ED291B17-9318-49DB-B28B-6E5994AE9581}" type="datetime1">
               <a:rPr lang="en-US" smtClean="0"/>
-              <a:t>2/2/2025</a:t>
+              <a:t>2/3/2025</a:t>
             </a:fld>
             <a:endParaRPr lang="en-US" dirty="0"/>
           </a:p>
@@ -1616,7 +1611,7 @@
           <a:p>
             <a:fld id="{ED291B17-9318-49DB-B28B-6E5994AE9581}" type="datetime1">
               <a:rPr lang="en-US" smtClean="0"/>
-              <a:t>2/2/2025</a:t>
+              <a:t>2/3/2025</a:t>
             </a:fld>
             <a:endParaRPr lang="en-US" dirty="0"/>
           </a:p>
@@ -1813,7 +1808,7 @@
           <a:p>
             <a:fld id="{78DD82B9-B8EE-4375-B6FF-88FA6ABB15D9}" type="datetime1">
               <a:rPr lang="en-US" smtClean="0"/>
-              <a:t>2/2/2025</a:t>
+              <a:t>2/3/2025</a:t>
             </a:fld>
             <a:endParaRPr lang="en-US" dirty="0"/>
           </a:p>
@@ -2124,7 +2119,7 @@
           <a:p>
             <a:fld id="{B2497495-0637-405E-AE64-5CC7506D51F5}" type="datetime1">
               <a:rPr lang="en-US" smtClean="0"/>
-              <a:t>2/2/2025</a:t>
+              <a:t>2/3/2025</a:t>
             </a:fld>
             <a:endParaRPr lang="en-US" dirty="0"/>
           </a:p>
@@ -2377,7 +2372,7 @@
           <a:p>
             <a:fld id="{7BFFD690-9426-415D-8B65-26881E07B2D4}" type="datetime1">
               <a:rPr lang="en-US" smtClean="0"/>
-              <a:t>2/2/2025</a:t>
+              <a:t>2/3/2025</a:t>
             </a:fld>
             <a:endParaRPr lang="en-US" dirty="0"/>
           </a:p>
@@ -2799,7 +2794,7 @@
           <a:p>
             <a:fld id="{04C4989A-474C-40DE-95B9-011C28B71673}" type="datetime1">
               <a:rPr lang="en-US" smtClean="0"/>
-              <a:t>2/2/2025</a:t>
+              <a:t>2/3/2025</a:t>
             </a:fld>
             <a:endParaRPr lang="en-US" dirty="0"/>
           </a:p>
@@ -2922,7 +2917,7 @@
           <a:p>
             <a:fld id="{5DB4ED54-5B5E-4A04-93D3-5772E3CE3818}" type="datetime1">
               <a:rPr lang="en-US" smtClean="0"/>
-              <a:t>2/2/2025</a:t>
+              <a:t>2/3/2025</a:t>
             </a:fld>
             <a:endParaRPr lang="en-US" dirty="0"/>
           </a:p>
@@ -3017,7 +3012,7 @@
           <a:p>
             <a:fld id="{4EDE50D6-574B-40AF-946F-D52A04ADE379}" type="datetime1">
               <a:rPr lang="en-US" smtClean="0"/>
-              <a:t>2/2/2025</a:t>
+              <a:t>2/3/2025</a:t>
             </a:fld>
             <a:endParaRPr lang="en-US" dirty="0"/>
           </a:p>
@@ -3393,7 +3388,7 @@
           <a:p>
             <a:fld id="{D82884F1-FFEA-405F-9602-3DCA865EDA4E}" type="datetime1">
               <a:rPr lang="en-US" smtClean="0"/>
-              <a:t>2/2/2025</a:t>
+              <a:t>2/3/2025</a:t>
             </a:fld>
             <a:endParaRPr lang="en-US" dirty="0"/>
           </a:p>
@@ -3600,7 +3595,7 @@
           <a:p>
             <a:fld id="{78DD82B9-B8EE-4375-B6FF-88FA6ABB15D9}" type="datetime1">
               <a:rPr lang="en-US" smtClean="0"/>
-              <a:t>2/2/2025</a:t>
+              <a:t>2/3/2025</a:t>
             </a:fld>
             <a:endParaRPr lang="en-US" dirty="0"/>
           </a:p>
@@ -3882,7 +3877,7 @@
           <a:p>
             <a:fld id="{7E18DB4A-8810-4A10-AD5C-D5E2C667F5B3}" type="datetime1">
               <a:rPr lang="en-US" smtClean="0"/>
-              <a:t>2/2/2025</a:t>
+              <a:t>2/3/2025</a:t>
             </a:fld>
             <a:endParaRPr lang="en-US" dirty="0"/>
           </a:p>
@@ -4074,7 +4069,7 @@
           <a:p>
             <a:fld id="{2CED4963-E985-44C4-B8C4-FDD613B7C2F8}" type="datetime1">
               <a:rPr lang="en-US" smtClean="0"/>
-              <a:t>2/2/2025</a:t>
+              <a:t>2/3/2025</a:t>
             </a:fld>
             <a:endParaRPr lang="en-US" dirty="0"/>
           </a:p>
@@ -4435,7 +4430,7 @@
           <a:p>
             <a:fld id="{ED291B17-9318-49DB-B28B-6E5994AE9581}" type="datetime1">
               <a:rPr lang="en-US" smtClean="0"/>
-              <a:t>2/2/2025</a:t>
+              <a:t>2/3/2025</a:t>
             </a:fld>
             <a:endParaRPr lang="en-US" dirty="0"/>
           </a:p>
@@ -4911,7 +4906,7 @@
           <a:p>
             <a:fld id="{B2497495-0637-405E-AE64-5CC7506D51F5}" type="datetime1">
               <a:rPr lang="en-US" smtClean="0"/>
-              <a:t>2/2/2025</a:t>
+              <a:t>2/3/2025</a:t>
             </a:fld>
             <a:endParaRPr lang="en-US" dirty="0"/>
           </a:p>
@@ -5162,7 +5157,7 @@
           <a:p>
             <a:fld id="{7BFFD690-9426-415D-8B65-26881E07B2D4}" type="datetime1">
               <a:rPr lang="en-US" smtClean="0"/>
-              <a:t>2/2/2025</a:t>
+              <a:t>2/3/2025</a:t>
             </a:fld>
             <a:endParaRPr lang="en-US" dirty="0"/>
           </a:p>
@@ -5582,7 +5577,7 @@
           <a:p>
             <a:fld id="{04C4989A-474C-40DE-95B9-011C28B71673}" type="datetime1">
               <a:rPr lang="en-US" smtClean="0"/>
-              <a:t>2/2/2025</a:t>
+              <a:t>2/3/2025</a:t>
             </a:fld>
             <a:endParaRPr lang="en-US" dirty="0"/>
           </a:p>
@@ -5705,7 +5700,7 @@
           <a:p>
             <a:fld id="{5DB4ED54-5B5E-4A04-93D3-5772E3CE3818}" type="datetime1">
               <a:rPr lang="en-US" smtClean="0"/>
-              <a:t>2/2/2025</a:t>
+              <a:t>2/3/2025</a:t>
             </a:fld>
             <a:endParaRPr lang="en-US" dirty="0"/>
           </a:p>
@@ -5800,7 +5795,7 @@
           <a:p>
             <a:fld id="{4EDE50D6-574B-40AF-946F-D52A04ADE379}" type="datetime1">
               <a:rPr lang="en-US" smtClean="0"/>
-              <a:t>2/2/2025</a:t>
+              <a:t>2/3/2025</a:t>
             </a:fld>
             <a:endParaRPr lang="en-US" dirty="0"/>
           </a:p>
@@ -6176,7 +6171,7 @@
           <a:p>
             <a:fld id="{D82884F1-FFEA-405F-9602-3DCA865EDA4E}" type="datetime1">
               <a:rPr lang="en-US" smtClean="0"/>
-              <a:t>2/2/2025</a:t>
+              <a:t>2/3/2025</a:t>
             </a:fld>
             <a:endParaRPr lang="en-US" dirty="0"/>
           </a:p>
@@ -6469,7 +6464,7 @@
           <a:p>
             <a:fld id="{7E18DB4A-8810-4A10-AD5C-D5E2C667F5B3}" type="datetime1">
               <a:rPr lang="en-US" smtClean="0"/>
-              <a:t>2/2/2025</a:t>
+              <a:t>2/3/2025</a:t>
             </a:fld>
             <a:endParaRPr lang="en-US" dirty="0"/>
           </a:p>
@@ -6684,7 +6679,7 @@
           <a:p>
             <a:fld id="{ED291B17-9318-49DB-B28B-6E5994AE9581}" type="datetime1">
               <a:rPr lang="en-US" smtClean="0"/>
-              <a:t>2/2/2025</a:t>
+              <a:t>2/3/2025</a:t>
             </a:fld>
             <a:endParaRPr lang="en-US" dirty="0"/>
           </a:p>
@@ -7463,7 +7458,7 @@
           <a:p>
             <a:fld id="{ED291B17-9318-49DB-B28B-6E5994AE9581}" type="datetime1">
               <a:rPr lang="en-US" smtClean="0"/>
-              <a:t>2/2/2025</a:t>
+              <a:t>2/3/2025</a:t>
             </a:fld>
             <a:endParaRPr lang="en-US" dirty="0"/>
           </a:p>
@@ -8124,7 +8119,7 @@
                 <a16:creationId xmlns:a16="http://schemas.microsoft.com/office/drawing/2014/main" id="{875485B9-8EE1-447A-9C08-F7D6B532A8CF}"/>
               </a:ext>
               <a:ext uri="{C183D7F6-B498-43B3-948B-1728B52AA6E4}">
-                <adec:decorative xmlns:adec="http://schemas.microsoft.com/office/drawing/2017/decorative" val="1"/>
+                <adec:decorative xmlns:adec="http://schemas.microsoft.com/office/drawing/2017/decorative" xmlns="" val="1"/>
               </a:ext>
             </a:extLst>
           </p:cNvPr>
@@ -8213,7 +8208,7 @@
                 <a16:creationId xmlns:a16="http://schemas.microsoft.com/office/drawing/2014/main" id="{B963707F-B98C-4143-AFCF-D6B56C975C5A}"/>
               </a:ext>
               <a:ext uri="{C183D7F6-B498-43B3-948B-1728B52AA6E4}">
-                <adec:decorative xmlns:adec="http://schemas.microsoft.com/office/drawing/2017/decorative" val="1"/>
+                <adec:decorative xmlns:adec="http://schemas.microsoft.com/office/drawing/2017/decorative" xmlns="" val="1"/>
               </a:ext>
             </a:extLst>
           </p:cNvPr>
@@ -8274,7 +8269,7 @@
                 <a16:creationId xmlns:a16="http://schemas.microsoft.com/office/drawing/2014/main" id="{88D2DFBB-460D-4ECB-BD76-509C99DAD65A}"/>
               </a:ext>
               <a:ext uri="{C183D7F6-B498-43B3-948B-1728B52AA6E4}">
-                <adec:decorative xmlns:adec="http://schemas.microsoft.com/office/drawing/2017/decorative" val="1"/>
+                <adec:decorative xmlns:adec="http://schemas.microsoft.com/office/drawing/2017/decorative" xmlns="" val="1"/>
               </a:ext>
             </a:extLst>
           </p:cNvPr>
@@ -8769,8 +8764,8 @@
           </a:prstGeom>
         </p:spPr>
       </p:pic>
-      <mc:AlternateContent xmlns:mc="http://schemas.openxmlformats.org/markup-compatibility/2006">
-        <mc:Choice xmlns:a14="http://schemas.microsoft.com/office/drawing/2010/main" Requires="a14">
+      <mc:AlternateContent xmlns:mc="http://schemas.openxmlformats.org/markup-compatibility/2006" xmlns:a14="http://schemas.microsoft.com/office/drawing/2010/main">
+        <mc:Choice Requires="a14">
           <p:sp>
             <p:nvSpPr>
               <p:cNvPr id="6" name="TextBox 5">
@@ -8855,7 +8850,13 @@
                                 <a:rPr lang="en-US" b="0" i="1" smtClean="0">
                                   <a:latin typeface="Cambria Math" panose="02040503050406030204" pitchFamily="18" charset="0"/>
                                 </a:rPr>
-                                <m:t>=2</m:t>
+                                <m:t>=</m:t>
+                              </m:r>
+                              <m:r>
+                                <a:rPr lang="en-US" b="0" i="1" smtClean="0">
+                                  <a:latin typeface="Cambria Math" panose="02040503050406030204" pitchFamily="18" charset="0"/>
+                                </a:rPr>
+                                <m:t>2</m:t>
                               </m:r>
                             </m:sub>
                             <m:sup>
@@ -9007,7 +9008,13 @@
                                 <a:rPr lang="en-US" b="0" i="1" smtClean="0">
                                   <a:latin typeface="Cambria Math" panose="02040503050406030204" pitchFamily="18" charset="0"/>
                                 </a:rPr>
-                                <m:t>=2</m:t>
+                                <m:t>=</m:t>
+                              </m:r>
+                              <m:r>
+                                <a:rPr lang="en-US" b="0" i="1" smtClean="0">
+                                  <a:latin typeface="Cambria Math" panose="02040503050406030204" pitchFamily="18" charset="0"/>
+                                </a:rPr>
+                                <m:t>2</m:t>
                               </m:r>
                             </m:sub>
                             <m:sup>
@@ -9306,7 +9313,7 @@
             </p:txBody>
           </p:sp>
         </mc:Choice>
-        <mc:Fallback>
+        <mc:Fallback xmlns="">
           <p:sp>
             <p:nvSpPr>
               <p:cNvPr id="6" name="TextBox 5">
@@ -10014,8 +10021,8 @@
           <a:chExt cx="0" cy="0"/>
         </a:xfrm>
       </p:grpSpPr>
-      <mc:AlternateContent xmlns:mc="http://schemas.openxmlformats.org/markup-compatibility/2006">
-        <mc:Choice xmlns:a14="http://schemas.microsoft.com/office/drawing/2010/main" Requires="a14">
+      <mc:AlternateContent xmlns:mc="http://schemas.openxmlformats.org/markup-compatibility/2006" xmlns:a14="http://schemas.microsoft.com/office/drawing/2010/main">
+        <mc:Choice Requires="a14">
           <p:sp>
             <p:nvSpPr>
               <p:cNvPr id="2" name="Title 1">
@@ -10113,7 +10120,7 @@
             </p:txBody>
           </p:sp>
         </mc:Choice>
-        <mc:Fallback>
+        <mc:Fallback xmlns="">
           <p:sp>
             <p:nvSpPr>
               <p:cNvPr id="2" name="Title 1">
@@ -10459,8 +10466,8 @@
           </a:xfrm>
         </p:spPr>
       </p:pic>
-      <mc:AlternateContent xmlns:mc="http://schemas.openxmlformats.org/markup-compatibility/2006">
-        <mc:Choice xmlns:a14="http://schemas.microsoft.com/office/drawing/2010/main" Requires="a14">
+      <mc:AlternateContent xmlns:mc="http://schemas.openxmlformats.org/markup-compatibility/2006" xmlns:a14="http://schemas.microsoft.com/office/drawing/2010/main">
+        <mc:Choice Requires="a14">
           <p:sp>
             <p:nvSpPr>
               <p:cNvPr id="6" name="TextBox 5">
@@ -10566,7 +10573,7 @@
             </p:txBody>
           </p:sp>
         </mc:Choice>
-        <mc:Fallback>
+        <mc:Fallback xmlns="">
           <p:sp>
             <p:nvSpPr>
               <p:cNvPr id="6" name="TextBox 5">
@@ -10611,8 +10618,8 @@
           </p:sp>
         </mc:Fallback>
       </mc:AlternateContent>
-      <mc:AlternateContent xmlns:mc="http://schemas.openxmlformats.org/markup-compatibility/2006">
-        <mc:Choice xmlns:a14="http://schemas.microsoft.com/office/drawing/2010/main" Requires="a14">
+      <mc:AlternateContent xmlns:mc="http://schemas.openxmlformats.org/markup-compatibility/2006" xmlns:a14="http://schemas.microsoft.com/office/drawing/2010/main">
+        <mc:Choice Requires="a14">
           <p:sp>
             <p:nvSpPr>
               <p:cNvPr id="3" name="TextBox 2">
@@ -10687,7 +10694,7 @@
             </p:txBody>
           </p:sp>
         </mc:Choice>
-        <mc:Fallback>
+        <mc:Fallback xmlns="">
           <p:sp>
             <p:nvSpPr>
               <p:cNvPr id="3" name="TextBox 2">
@@ -10732,8 +10739,8 @@
           </p:sp>
         </mc:Fallback>
       </mc:AlternateContent>
-      <mc:AlternateContent xmlns:mc="http://schemas.openxmlformats.org/markup-compatibility/2006">
-        <mc:Choice xmlns:a14="http://schemas.microsoft.com/office/drawing/2010/main" Requires="a14">
+      <mc:AlternateContent xmlns:mc="http://schemas.openxmlformats.org/markup-compatibility/2006" xmlns:a14="http://schemas.microsoft.com/office/drawing/2010/main">
+        <mc:Choice Requires="a14">
           <p:sp>
             <p:nvSpPr>
               <p:cNvPr id="4" name="TextBox 3">
@@ -10808,7 +10815,7 @@
             </p:txBody>
           </p:sp>
         </mc:Choice>
-        <mc:Fallback>
+        <mc:Fallback xmlns="">
           <p:sp>
             <p:nvSpPr>
               <p:cNvPr id="4" name="TextBox 3">
@@ -10863,6 +10870,13 @@
   <p:clrMapOvr>
     <a:masterClrMapping/>
   </p:clrMapOvr>
+  <p:timing>
+    <p:tnLst>
+      <p:par>
+        <p:cTn id="1" dur="indefinite" restart="never" nodeType="tmRoot"/>
+      </p:par>
+    </p:tnLst>
+  </p:timing>
 </p:sld>
 </file>
 
@@ -10905,7 +10919,7 @@
                 <a16:creationId xmlns:a16="http://schemas.microsoft.com/office/drawing/2014/main" id="{D8E8C8A6-AA72-6E5B-2967-6240E98CC45E}"/>
               </a:ext>
               <a:ext uri="{C183D7F6-B498-43B3-948B-1728B52AA6E4}">
-                <adec:decorative xmlns:adec="http://schemas.microsoft.com/office/drawing/2017/decorative" val="1"/>
+                <adec:decorative xmlns:adec="http://schemas.microsoft.com/office/drawing/2017/decorative" xmlns="" val="1"/>
               </a:ext>
             </a:extLst>
           </p:cNvPr>
@@ -10996,7 +11010,7 @@
                 <a16:creationId xmlns:a16="http://schemas.microsoft.com/office/drawing/2014/main" id="{C42D6896-7F87-AA61-3291-D40743EAD1B2}"/>
               </a:ext>
               <a:ext uri="{C183D7F6-B498-43B3-948B-1728B52AA6E4}">
-                <adec:decorative xmlns:adec="http://schemas.microsoft.com/office/drawing/2017/decorative" val="1"/>
+                <adec:decorative xmlns:adec="http://schemas.microsoft.com/office/drawing/2017/decorative" xmlns="" val="1"/>
               </a:ext>
             </a:extLst>
           </p:cNvPr>
@@ -11087,7 +11101,7 @@
                 <a16:creationId xmlns:a16="http://schemas.microsoft.com/office/drawing/2014/main" id="{9816D585-7278-AD71-F69E-E773B71D74AB}"/>
               </a:ext>
               <a:ext uri="{C183D7F6-B498-43B3-948B-1728B52AA6E4}">
-                <adec:decorative xmlns:adec="http://schemas.microsoft.com/office/drawing/2017/decorative" val="1"/>
+                <adec:decorative xmlns:adec="http://schemas.microsoft.com/office/drawing/2017/decorative" xmlns="" val="1"/>
               </a:ext>
             </a:extLst>
           </p:cNvPr>
@@ -11178,7 +11192,7 @@
                 <a16:creationId xmlns:a16="http://schemas.microsoft.com/office/drawing/2014/main" id="{C0FE503D-13D9-F020-9BD2-0633CA015198}"/>
               </a:ext>
               <a:ext uri="{C183D7F6-B498-43B3-948B-1728B52AA6E4}">
-                <adec:decorative xmlns:adec="http://schemas.microsoft.com/office/drawing/2017/decorative" val="1"/>
+                <adec:decorative xmlns:adec="http://schemas.microsoft.com/office/drawing/2017/decorative" xmlns="" val="1"/>
               </a:ext>
             </a:extLst>
           </p:cNvPr>
@@ -11269,7 +11283,7 @@
                 <a16:creationId xmlns:a16="http://schemas.microsoft.com/office/drawing/2014/main" id="{A68172A6-9CA6-42D6-8048-1640D322ED9E}"/>
               </a:ext>
               <a:ext uri="{C183D7F6-B498-43B3-948B-1728B52AA6E4}">
-                <adec:decorative xmlns:adec="http://schemas.microsoft.com/office/drawing/2017/decorative" val="1"/>
+                <adec:decorative xmlns:adec="http://schemas.microsoft.com/office/drawing/2017/decorative" xmlns="" val="1"/>
               </a:ext>
             </a:extLst>
           </p:cNvPr>
@@ -11358,7 +11372,7 @@
                 <a16:creationId xmlns:a16="http://schemas.microsoft.com/office/drawing/2014/main" id="{3BEF277E-8E68-494E-BC7F-7FE80E8D89E2}"/>
               </a:ext>
               <a:ext uri="{C183D7F6-B498-43B3-948B-1728B52AA6E4}">
-                <adec:decorative xmlns:adec="http://schemas.microsoft.com/office/drawing/2017/decorative" val="1"/>
+                <adec:decorative xmlns:adec="http://schemas.microsoft.com/office/drawing/2017/decorative" xmlns="" val="1"/>
               </a:ext>
             </a:extLst>
           </p:cNvPr>
@@ -11449,7 +11463,7 @@
                 <a16:creationId xmlns:a16="http://schemas.microsoft.com/office/drawing/2014/main" id="{1EA6BE53-67CD-8E25-95B9-B603366F232F}"/>
               </a:ext>
               <a:ext uri="{C183D7F6-B498-43B3-948B-1728B52AA6E4}">
-                <adec:decorative xmlns:adec="http://schemas.microsoft.com/office/drawing/2017/decorative" val="1"/>
+                <adec:decorative xmlns:adec="http://schemas.microsoft.com/office/drawing/2017/decorative" xmlns="" val="1"/>
               </a:ext>
             </a:extLst>
           </p:cNvPr>
@@ -11532,8 +11546,8 @@
           </a:p>
         </p:txBody>
       </p:sp>
-      <mc:AlternateContent xmlns:mc="http://schemas.openxmlformats.org/markup-compatibility/2006" xmlns:a14="http://schemas.microsoft.com/office/drawing/2010/main">
-        <mc:Choice Requires="a14">
+      <mc:AlternateContent xmlns:mc="http://schemas.openxmlformats.org/markup-compatibility/2006">
+        <mc:Choice xmlns:a14="http://schemas.microsoft.com/office/drawing/2010/main" Requires="a14">
           <p:sp>
             <p:nvSpPr>
               <p:cNvPr id="2" name="Title 1">
@@ -11563,6 +11577,17 @@
               <a:lstStyle/>
               <a:p>
                 <a:r>
+                  <a:rPr lang="en-US" sz="6000" b="0" kern="1200" cap="all" dirty="0" smtClean="0">
+                    <a:solidFill>
+                      <a:srgbClr val="FFFFFF"/>
+                    </a:solidFill>
+                    <a:latin typeface="+mj-lt"/>
+                    <a:ea typeface="+mj-ea"/>
+                    <a:cs typeface="+mj-cs"/>
+                  </a:rPr>
+                  <a:t>2.1.4 </a:t>
+                </a:r>
+                <a:r>
                   <a:rPr lang="en-US" sz="6000" b="0" kern="1200" cap="all" dirty="0">
                     <a:solidFill>
                       <a:srgbClr val="FFFFFF"/>
@@ -11571,7 +11596,7 @@
                     <a:ea typeface="+mj-ea"/>
                     <a:cs typeface="+mj-cs"/>
                   </a:rPr>
-                  <a:t>2.1.3 Standard error of </a:t>
+                  <a:t>Standard error of </a:t>
                 </a:r>
                 <a14:m>
                   <m:oMath xmlns:m="http://schemas.openxmlformats.org/officeDocument/2006/math">
@@ -11684,7 +11709,7 @@
             </p:txBody>
           </p:sp>
         </mc:Choice>
-        <mc:Fallback xmlns="">
+        <mc:Fallback>
           <p:sp>
             <p:nvSpPr>
               <p:cNvPr id="2" name="Title 1">
@@ -11736,7 +11761,7 @@
                 <a16:creationId xmlns:a16="http://schemas.microsoft.com/office/drawing/2014/main" id="{834155F7-FB93-3E03-6F7D-5365B7EB2034}"/>
               </a:ext>
               <a:ext uri="{C183D7F6-B498-43B3-948B-1728B52AA6E4}">
-                <adec:decorative xmlns:adec="http://schemas.microsoft.com/office/drawing/2017/decorative" val="1"/>
+                <adec:decorative xmlns:adec="http://schemas.microsoft.com/office/drawing/2017/decorative" xmlns="" val="1"/>
               </a:ext>
             </a:extLst>
           </p:cNvPr>
@@ -12449,6 +12474,13 @@
   <p:clrMapOvr>
     <a:masterClrMapping/>
   </p:clrMapOvr>
+  <p:timing>
+    <p:tnLst>
+      <p:par>
+        <p:cTn id="1" dur="indefinite" restart="never" nodeType="tmRoot"/>
+      </p:par>
+    </p:tnLst>
+  </p:timing>
 </p:sld>
 </file>
 
@@ -12504,8 +12536,8 @@
           </a:p>
         </p:txBody>
       </p:sp>
-      <mc:AlternateContent xmlns:mc="http://schemas.openxmlformats.org/markup-compatibility/2006">
-        <mc:Choice xmlns:a14="http://schemas.microsoft.com/office/drawing/2010/main" Requires="a14">
+      <mc:AlternateContent xmlns:mc="http://schemas.openxmlformats.org/markup-compatibility/2006" xmlns:a14="http://schemas.microsoft.com/office/drawing/2010/main">
+        <mc:Choice Requires="a14">
           <p:sp>
             <p:nvSpPr>
               <p:cNvPr id="3" name="Content Placeholder 2">
@@ -13388,7 +13420,7 @@
             </p:txBody>
           </p:sp>
         </mc:Choice>
-        <mc:Fallback>
+        <mc:Fallback xmlns="">
           <p:sp>
             <p:nvSpPr>
               <p:cNvPr id="3" name="Content Placeholder 2">
@@ -13452,8 +13484,8 @@
             <a:chExt cx="10410825" cy="3307614"/>
           </a:xfrm>
         </p:grpSpPr>
-        <mc:AlternateContent xmlns:mc="http://schemas.openxmlformats.org/markup-compatibility/2006">
-          <mc:Choice xmlns:a14="http://schemas.microsoft.com/office/drawing/2010/main" Requires="a14">
+        <mc:AlternateContent xmlns:mc="http://schemas.openxmlformats.org/markup-compatibility/2006" xmlns:a14="http://schemas.microsoft.com/office/drawing/2010/main">
+          <mc:Choice Requires="a14">
             <p:sp>
               <p:nvSpPr>
                 <p:cNvPr id="5" name="TextBox 4">
@@ -13523,7 +13555,7 @@
               </p:txBody>
             </p:sp>
           </mc:Choice>
-          <mc:Fallback>
+          <mc:Fallback xmlns="">
             <p:sp>
               <p:nvSpPr>
                 <p:cNvPr id="5" name="TextBox 4">
@@ -13749,8 +13781,8 @@
             <a:chExt cx="10410825" cy="3319358"/>
           </a:xfrm>
         </p:grpSpPr>
-        <mc:AlternateContent xmlns:mc="http://schemas.openxmlformats.org/markup-compatibility/2006">
-          <mc:Choice xmlns:a14="http://schemas.microsoft.com/office/drawing/2010/main" Requires="a14">
+        <mc:AlternateContent xmlns:mc="http://schemas.openxmlformats.org/markup-compatibility/2006" xmlns:a14="http://schemas.microsoft.com/office/drawing/2010/main">
+          <mc:Choice Requires="a14">
             <p:sp>
               <p:nvSpPr>
                 <p:cNvPr id="12" name="TextBox 11">
@@ -13850,7 +13882,7 @@
               </p:txBody>
             </p:sp>
           </mc:Choice>
-          <mc:Fallback>
+          <mc:Fallback xmlns="">
             <p:sp>
               <p:nvSpPr>
                 <p:cNvPr id="12" name="TextBox 11">
@@ -13948,6 +13980,36 @@
           </p:txBody>
         </p:sp>
       </p:grpSp>
+      <p:sp>
+        <p:nvSpPr>
+          <p:cNvPr id="4" name="TextBox 3"/>
+          <p:cNvSpPr txBox="1"/>
+          <p:nvPr/>
+        </p:nvSpPr>
+        <p:spPr>
+          <a:xfrm>
+            <a:off x="1000126" y="6066692"/>
+            <a:ext cx="8636243" cy="369332"/>
+          </a:xfrm>
+          <a:prstGeom prst="rect">
+            <a:avLst/>
+          </a:prstGeom>
+          <a:noFill/>
+        </p:spPr>
+        <p:txBody>
+          <a:bodyPr wrap="square" rtlCol="0">
+            <a:spAutoFit/>
+          </a:bodyPr>
+          <a:lstStyle/>
+          <a:p>
+            <a:r>
+              <a:rPr lang="en-US" dirty="0" smtClean="0"/>
+              <a:t>Low uncertainty of any estimates is desirable properties. </a:t>
+            </a:r>
+            <a:endParaRPr lang="en-US" dirty="0"/>
+          </a:p>
+        </p:txBody>
+      </p:sp>
     </p:spTree>
     <p:extLst>
       <p:ext uri="{BB962C8B-B14F-4D97-AF65-F5344CB8AC3E}">
@@ -14191,6 +14253,51 @@
                       </p:childTnLst>
                     </p:cTn>
                   </p:par>
+                  <p:par>
+                    <p:cTn id="23" fill="hold">
+                      <p:stCondLst>
+                        <p:cond delay="indefinite"/>
+                      </p:stCondLst>
+                      <p:childTnLst>
+                        <p:par>
+                          <p:cTn id="24" fill="hold">
+                            <p:stCondLst>
+                              <p:cond delay="0"/>
+                            </p:stCondLst>
+                            <p:childTnLst>
+                              <p:par>
+                                <p:cTn id="25" presetID="1" presetClass="entr" presetSubtype="0" fill="hold" grpId="0" nodeType="clickEffect">
+                                  <p:stCondLst>
+                                    <p:cond delay="0"/>
+                                  </p:stCondLst>
+                                  <p:childTnLst>
+                                    <p:set>
+                                      <p:cBhvr>
+                                        <p:cTn id="26" dur="1" fill="hold">
+                                          <p:stCondLst>
+                                            <p:cond delay="0"/>
+                                          </p:stCondLst>
+                                        </p:cTn>
+                                        <p:tgtEl>
+                                          <p:spTgt spid="4"/>
+                                        </p:tgtEl>
+                                        <p:attrNameLst>
+                                          <p:attrName>style.visibility</p:attrName>
+                                        </p:attrNameLst>
+                                      </p:cBhvr>
+                                      <p:to>
+                                        <p:strVal val="visible"/>
+                                      </p:to>
+                                    </p:set>
+                                  </p:childTnLst>
+                                </p:cTn>
+                              </p:par>
+                            </p:childTnLst>
+                          </p:cTn>
+                        </p:par>
+                      </p:childTnLst>
+                    </p:cTn>
+                  </p:par>
                 </p:childTnLst>
               </p:cTn>
               <p:prevCondLst>
@@ -14212,6 +14319,9 @@
         </p:cTn>
       </p:par>
     </p:tnLst>
+    <p:bldLst>
+      <p:bldP spid="4" grpId="0"/>
+    </p:bldLst>
   </p:timing>
 </p:sld>
 </file>
@@ -14255,7 +14365,7 @@
                 <a16:creationId xmlns:a16="http://schemas.microsoft.com/office/drawing/2014/main" id="{5D2272F1-D2E6-309A-7927-AE9F48FDAEA8}"/>
               </a:ext>
               <a:ext uri="{C183D7F6-B498-43B3-948B-1728B52AA6E4}">
-                <adec:decorative xmlns:adec="http://schemas.microsoft.com/office/drawing/2017/decorative" val="1"/>
+                <adec:decorative xmlns:adec="http://schemas.microsoft.com/office/drawing/2017/decorative" xmlns="" val="1"/>
               </a:ext>
             </a:extLst>
           </p:cNvPr>
@@ -14346,7 +14456,7 @@
                 <a16:creationId xmlns:a16="http://schemas.microsoft.com/office/drawing/2014/main" id="{90965267-B781-6F73-FC37-3D3B4E4AD1AC}"/>
               </a:ext>
               <a:ext uri="{C183D7F6-B498-43B3-948B-1728B52AA6E4}">
-                <adec:decorative xmlns:adec="http://schemas.microsoft.com/office/drawing/2017/decorative" val="1"/>
+                <adec:decorative xmlns:adec="http://schemas.microsoft.com/office/drawing/2017/decorative" xmlns="" val="1"/>
               </a:ext>
             </a:extLst>
           </p:cNvPr>
@@ -14437,7 +14547,7 @@
                 <a16:creationId xmlns:a16="http://schemas.microsoft.com/office/drawing/2014/main" id="{36934458-E4D3-AF20-96A0-27A057CD5908}"/>
               </a:ext>
               <a:ext uri="{C183D7F6-B498-43B3-948B-1728B52AA6E4}">
-                <adec:decorative xmlns:adec="http://schemas.microsoft.com/office/drawing/2017/decorative" val="1"/>
+                <adec:decorative xmlns:adec="http://schemas.microsoft.com/office/drawing/2017/decorative" xmlns="" val="1"/>
               </a:ext>
             </a:extLst>
           </p:cNvPr>
@@ -14528,7 +14638,7 @@
                 <a16:creationId xmlns:a16="http://schemas.microsoft.com/office/drawing/2014/main" id="{85328CE8-FE64-A0AD-BDE5-C7C361066BE2}"/>
               </a:ext>
               <a:ext uri="{C183D7F6-B498-43B3-948B-1728B52AA6E4}">
-                <adec:decorative xmlns:adec="http://schemas.microsoft.com/office/drawing/2017/decorative" val="1"/>
+                <adec:decorative xmlns:adec="http://schemas.microsoft.com/office/drawing/2017/decorative" xmlns="" val="1"/>
               </a:ext>
             </a:extLst>
           </p:cNvPr>
@@ -14619,7 +14729,7 @@
                 <a16:creationId xmlns:a16="http://schemas.microsoft.com/office/drawing/2014/main" id="{4FB4E5CE-9EC1-1907-D6EF-DCDF87B75DFB}"/>
               </a:ext>
               <a:ext uri="{C183D7F6-B498-43B3-948B-1728B52AA6E4}">
-                <adec:decorative xmlns:adec="http://schemas.microsoft.com/office/drawing/2017/decorative" val="1"/>
+                <adec:decorative xmlns:adec="http://schemas.microsoft.com/office/drawing/2017/decorative" xmlns="" val="1"/>
               </a:ext>
             </a:extLst>
           </p:cNvPr>
@@ -14708,7 +14818,7 @@
                 <a16:creationId xmlns:a16="http://schemas.microsoft.com/office/drawing/2014/main" id="{74511468-446B-DB7A-929A-0E4F824FA5EA}"/>
               </a:ext>
               <a:ext uri="{C183D7F6-B498-43B3-948B-1728B52AA6E4}">
-                <adec:decorative xmlns:adec="http://schemas.microsoft.com/office/drawing/2017/decorative" val="1"/>
+                <adec:decorative xmlns:adec="http://schemas.microsoft.com/office/drawing/2017/decorative" xmlns="" val="1"/>
               </a:ext>
             </a:extLst>
           </p:cNvPr>
@@ -14799,7 +14909,7 @@
                 <a16:creationId xmlns:a16="http://schemas.microsoft.com/office/drawing/2014/main" id="{A8F3AE38-FFD1-9C19-700D-AA4A1E201F18}"/>
               </a:ext>
               <a:ext uri="{C183D7F6-B498-43B3-948B-1728B52AA6E4}">
-                <adec:decorative xmlns:adec="http://schemas.microsoft.com/office/drawing/2017/decorative" val="1"/>
+                <adec:decorative xmlns:adec="http://schemas.microsoft.com/office/drawing/2017/decorative" xmlns="" val="1"/>
               </a:ext>
             </a:extLst>
           </p:cNvPr>
@@ -14911,6 +15021,17 @@
           <a:lstStyle/>
           <a:p>
             <a:r>
+              <a:rPr lang="en-US" sz="6000" b="0" kern="1200" cap="all" dirty="0" smtClean="0">
+                <a:solidFill>
+                  <a:srgbClr val="FFFFFF"/>
+                </a:solidFill>
+                <a:latin typeface="+mj-lt"/>
+                <a:ea typeface="+mj-ea"/>
+                <a:cs typeface="+mj-cs"/>
+              </a:rPr>
+              <a:t>2.1.5 confidence </a:t>
+            </a:r>
+            <a:r>
               <a:rPr lang="en-US" sz="6000" b="0" kern="1200" cap="all" dirty="0">
                 <a:solidFill>
                   <a:srgbClr val="FFFFFF"/>
@@ -14919,7 +15040,7 @@
                 <a:ea typeface="+mj-ea"/>
                 <a:cs typeface="+mj-cs"/>
               </a:rPr>
-              <a:t>2.1.3confidence interval</a:t>
+              <a:t>interval</a:t>
             </a:r>
           </a:p>
         </p:txBody>
@@ -14932,7 +15053,7 @@
                 <a16:creationId xmlns:a16="http://schemas.microsoft.com/office/drawing/2014/main" id="{9FC7B9C9-B376-12DE-B600-5380FE9316A0}"/>
               </a:ext>
               <a:ext uri="{C183D7F6-B498-43B3-948B-1728B52AA6E4}">
-                <adec:decorative xmlns:adec="http://schemas.microsoft.com/office/drawing/2017/decorative" val="1"/>
+                <adec:decorative xmlns:adec="http://schemas.microsoft.com/office/drawing/2017/decorative" xmlns="" val="1"/>
               </a:ext>
             </a:extLst>
           </p:cNvPr>
@@ -15546,6 +15667,13 @@
   <p:clrMapOvr>
     <a:masterClrMapping/>
   </p:clrMapOvr>
+  <p:timing>
+    <p:tnLst>
+      <p:par>
+        <p:cTn id="1" dur="indefinite" restart="never" nodeType="tmRoot"/>
+      </p:par>
+    </p:tnLst>
+  </p:timing>
 </p:sld>
 </file>
 
@@ -15582,7 +15710,7 @@
                 <a16:creationId xmlns:a16="http://schemas.microsoft.com/office/drawing/2014/main" id="{DCF4EB5C-ED25-4675-8255-2F5B12CFFCF0}"/>
               </a:ext>
               <a:ext uri="{C183D7F6-B498-43B3-948B-1728B52AA6E4}">
-                <adec:decorative xmlns:adec="http://schemas.microsoft.com/office/drawing/2017/decorative" val="1"/>
+                <adec:decorative xmlns:adec="http://schemas.microsoft.com/office/drawing/2017/decorative" xmlns="" val="1"/>
               </a:ext>
             </a:extLst>
           </p:cNvPr>
@@ -15673,7 +15801,7 @@
                 <a16:creationId xmlns:a16="http://schemas.microsoft.com/office/drawing/2014/main" id="{9514EC6E-A557-42A2-BCDC-3ABFFC5E564D}"/>
               </a:ext>
               <a:ext uri="{C183D7F6-B498-43B3-948B-1728B52AA6E4}">
-                <adec:decorative xmlns:adec="http://schemas.microsoft.com/office/drawing/2017/decorative" val="1"/>
+                <adec:decorative xmlns:adec="http://schemas.microsoft.com/office/drawing/2017/decorative" xmlns="" val="1"/>
               </a:ext>
             </a:extLst>
           </p:cNvPr>
@@ -15764,7 +15892,7 @@
                 <a16:creationId xmlns:a16="http://schemas.microsoft.com/office/drawing/2014/main" id="{905482C9-EB42-4BFE-95BF-7FD661F07657}"/>
               </a:ext>
               <a:ext uri="{C183D7F6-B498-43B3-948B-1728B52AA6E4}">
-                <adec:decorative xmlns:adec="http://schemas.microsoft.com/office/drawing/2017/decorative" val="1"/>
+                <adec:decorative xmlns:adec="http://schemas.microsoft.com/office/drawing/2017/decorative" xmlns="" val="1"/>
               </a:ext>
             </a:extLst>
           </p:cNvPr>
@@ -15855,7 +15983,7 @@
                 <a16:creationId xmlns:a16="http://schemas.microsoft.com/office/drawing/2014/main" id="{7539E646-A625-4A26-86ED-BD90EDD329F7}"/>
               </a:ext>
               <a:ext uri="{C183D7F6-B498-43B3-948B-1728B52AA6E4}">
-                <adec:decorative xmlns:adec="http://schemas.microsoft.com/office/drawing/2017/decorative" val="1"/>
+                <adec:decorative xmlns:adec="http://schemas.microsoft.com/office/drawing/2017/decorative" xmlns="" val="1"/>
               </a:ext>
             </a:extLst>
           </p:cNvPr>
@@ -15946,7 +16074,7 @@
                 <a16:creationId xmlns:a16="http://schemas.microsoft.com/office/drawing/2014/main" id="{39171204-6A50-40E1-B631-84CEDFC9396A}"/>
               </a:ext>
               <a:ext uri="{C183D7F6-B498-43B3-948B-1728B52AA6E4}">
-                <adec:decorative xmlns:adec="http://schemas.microsoft.com/office/drawing/2017/decorative" val="1"/>
+                <adec:decorative xmlns:adec="http://schemas.microsoft.com/office/drawing/2017/decorative" xmlns="" val="1"/>
               </a:ext>
             </a:extLst>
           </p:cNvPr>
@@ -16035,7 +16163,7 @@
                 <a16:creationId xmlns:a16="http://schemas.microsoft.com/office/drawing/2014/main" id="{06C973F6-5187-412F-AACC-6E3FF8A6A12C}"/>
               </a:ext>
               <a:ext uri="{C183D7F6-B498-43B3-948B-1728B52AA6E4}">
-                <adec:decorative xmlns:adec="http://schemas.microsoft.com/office/drawing/2017/decorative" val="1"/>
+                <adec:decorative xmlns:adec="http://schemas.microsoft.com/office/drawing/2017/decorative" xmlns="" val="1"/>
               </a:ext>
             </a:extLst>
           </p:cNvPr>
@@ -16126,7 +16254,7 @@
                 <a16:creationId xmlns:a16="http://schemas.microsoft.com/office/drawing/2014/main" id="{D11AE14F-1B7E-41E6-B579-2F71D135036C}"/>
               </a:ext>
               <a:ext uri="{C183D7F6-B498-43B3-948B-1728B52AA6E4}">
-                <adec:decorative xmlns:adec="http://schemas.microsoft.com/office/drawing/2017/decorative" val="1"/>
+                <adec:decorative xmlns:adec="http://schemas.microsoft.com/office/drawing/2017/decorative" xmlns="" val="1"/>
               </a:ext>
             </a:extLst>
           </p:cNvPr>
@@ -16280,7 +16408,7 @@
                 <a16:creationId xmlns:a16="http://schemas.microsoft.com/office/drawing/2014/main" id="{752BB805-F7B7-4B80-A1C5-385D4DAF74D0}"/>
               </a:ext>
               <a:ext uri="{C183D7F6-B498-43B3-948B-1728B52AA6E4}">
-                <adec:decorative xmlns:adec="http://schemas.microsoft.com/office/drawing/2017/decorative" val="1"/>
+                <adec:decorative xmlns:adec="http://schemas.microsoft.com/office/drawing/2017/decorative" xmlns="" val="1"/>
               </a:ext>
             </a:extLst>
           </p:cNvPr>
@@ -16779,7 +16907,19 @@
                         <a:rPr lang="en-US" sz="2400" b="0" i="0" smtClean="0">
                           <a:latin typeface="Cambria Math" panose="02040503050406030204" pitchFamily="18" charset="0"/>
                         </a:rPr>
-                        <m:t>+ 2∗</m:t>
+                        <m:t>+ </m:t>
+                      </m:r>
+                      <m:r>
+                        <a:rPr lang="en-US" sz="2400" b="0" i="0" smtClean="0">
+                          <a:latin typeface="Cambria Math" panose="02040503050406030204" pitchFamily="18" charset="0"/>
+                        </a:rPr>
+                        <m:t>2</m:t>
+                      </m:r>
+                      <m:r>
+                        <a:rPr lang="en-US" sz="2400" b="0" i="0" smtClean="0">
+                          <a:latin typeface="Cambria Math" panose="02040503050406030204" pitchFamily="18" charset="0"/>
+                        </a:rPr>
+                        <m:t>∗</m:t>
                       </m:r>
                       <m:r>
                         <a:rPr lang="en-US" sz="2400" b="0" i="1" smtClean="0">
@@ -16864,7 +17004,13 @@
                         <a:rPr lang="en-US" sz="2400">
                           <a:latin typeface="Cambria Math" panose="02040503050406030204" pitchFamily="18" charset="0"/>
                         </a:rPr>
-                        <m:t>2∗</m:t>
+                        <m:t>2</m:t>
+                      </m:r>
+                      <m:r>
+                        <a:rPr lang="en-US" sz="2400">
+                          <a:latin typeface="Cambria Math" panose="02040503050406030204" pitchFamily="18" charset="0"/>
+                        </a:rPr>
+                        <m:t>∗</m:t>
                       </m:r>
                       <m:r>
                         <a:rPr lang="en-US" sz="2400" i="1">
@@ -16977,6 +17123,13 @@
   <p:clrMapOvr>
     <a:masterClrMapping/>
   </p:clrMapOvr>
+  <p:timing>
+    <p:tnLst>
+      <p:par>
+        <p:cTn id="1" dur="indefinite" restart="never" nodeType="tmRoot"/>
+      </p:par>
+    </p:tnLst>
+  </p:timing>
 </p:sld>
 </file>
 
@@ -17019,7 +17172,7 @@
                 <a16:creationId xmlns:a16="http://schemas.microsoft.com/office/drawing/2014/main" id="{B5FDEB71-C19D-5932-59BE-7E9017239489}"/>
               </a:ext>
               <a:ext uri="{C183D7F6-B498-43B3-948B-1728B52AA6E4}">
-                <adec:decorative xmlns:adec="http://schemas.microsoft.com/office/drawing/2017/decorative" val="1"/>
+                <adec:decorative xmlns:adec="http://schemas.microsoft.com/office/drawing/2017/decorative" xmlns="" val="1"/>
               </a:ext>
             </a:extLst>
           </p:cNvPr>
@@ -17110,7 +17263,7 @@
                 <a16:creationId xmlns:a16="http://schemas.microsoft.com/office/drawing/2014/main" id="{9B830D11-9E80-D9E2-0936-7D62FE1F20AD}"/>
               </a:ext>
               <a:ext uri="{C183D7F6-B498-43B3-948B-1728B52AA6E4}">
-                <adec:decorative xmlns:adec="http://schemas.microsoft.com/office/drawing/2017/decorative" val="1"/>
+                <adec:decorative xmlns:adec="http://schemas.microsoft.com/office/drawing/2017/decorative" xmlns="" val="1"/>
               </a:ext>
             </a:extLst>
           </p:cNvPr>
@@ -17201,7 +17354,7 @@
                 <a16:creationId xmlns:a16="http://schemas.microsoft.com/office/drawing/2014/main" id="{D0E45599-3270-B9EC-E7B3-96B11C9CCB1F}"/>
               </a:ext>
               <a:ext uri="{C183D7F6-B498-43B3-948B-1728B52AA6E4}">
-                <adec:decorative xmlns:adec="http://schemas.microsoft.com/office/drawing/2017/decorative" val="1"/>
+                <adec:decorative xmlns:adec="http://schemas.microsoft.com/office/drawing/2017/decorative" xmlns="" val="1"/>
               </a:ext>
             </a:extLst>
           </p:cNvPr>
@@ -17292,7 +17445,7 @@
                 <a16:creationId xmlns:a16="http://schemas.microsoft.com/office/drawing/2014/main" id="{E610B4E0-B53B-554A-7989-798A79148613}"/>
               </a:ext>
               <a:ext uri="{C183D7F6-B498-43B3-948B-1728B52AA6E4}">
-                <adec:decorative xmlns:adec="http://schemas.microsoft.com/office/drawing/2017/decorative" val="1"/>
+                <adec:decorative xmlns:adec="http://schemas.microsoft.com/office/drawing/2017/decorative" xmlns="" val="1"/>
               </a:ext>
             </a:extLst>
           </p:cNvPr>
@@ -17383,7 +17536,7 @@
                 <a16:creationId xmlns:a16="http://schemas.microsoft.com/office/drawing/2014/main" id="{DAC61DE9-DC21-F3E2-CE65-C77E9A817C98}"/>
               </a:ext>
               <a:ext uri="{C183D7F6-B498-43B3-948B-1728B52AA6E4}">
-                <adec:decorative xmlns:adec="http://schemas.microsoft.com/office/drawing/2017/decorative" val="1"/>
+                <adec:decorative xmlns:adec="http://schemas.microsoft.com/office/drawing/2017/decorative" xmlns="" val="1"/>
               </a:ext>
             </a:extLst>
           </p:cNvPr>
@@ -17472,7 +17625,7 @@
                 <a16:creationId xmlns:a16="http://schemas.microsoft.com/office/drawing/2014/main" id="{95ECF658-5DD9-AB10-7B96-D6AA50C48AD3}"/>
               </a:ext>
               <a:ext uri="{C183D7F6-B498-43B3-948B-1728B52AA6E4}">
-                <adec:decorative xmlns:adec="http://schemas.microsoft.com/office/drawing/2017/decorative" val="1"/>
+                <adec:decorative xmlns:adec="http://schemas.microsoft.com/office/drawing/2017/decorative" xmlns="" val="1"/>
               </a:ext>
             </a:extLst>
           </p:cNvPr>
@@ -17563,7 +17716,7 @@
                 <a16:creationId xmlns:a16="http://schemas.microsoft.com/office/drawing/2014/main" id="{302C4760-8FF7-696D-8225-76CE962161AA}"/>
               </a:ext>
               <a:ext uri="{C183D7F6-B498-43B3-948B-1728B52AA6E4}">
-                <adec:decorative xmlns:adec="http://schemas.microsoft.com/office/drawing/2017/decorative" val="1"/>
+                <adec:decorative xmlns:adec="http://schemas.microsoft.com/office/drawing/2017/decorative" xmlns="" val="1"/>
               </a:ext>
             </a:extLst>
           </p:cNvPr>
@@ -17646,8 +17799,8 @@
           </a:p>
         </p:txBody>
       </p:sp>
-      <mc:AlternateContent xmlns:mc="http://schemas.openxmlformats.org/markup-compatibility/2006" xmlns:a14="http://schemas.microsoft.com/office/drawing/2010/main">
-        <mc:Choice Requires="a14">
+      <mc:AlternateContent xmlns:mc="http://schemas.openxmlformats.org/markup-compatibility/2006">
+        <mc:Choice xmlns:a14="http://schemas.microsoft.com/office/drawing/2010/main" Requires="a14">
           <p:sp>
             <p:nvSpPr>
               <p:cNvPr id="2" name="Title 1">
@@ -17677,7 +17830,7 @@
               <a:lstStyle/>
               <a:p>
                 <a:r>
-                  <a:rPr lang="en-US" sz="6000" b="0" kern="1200" cap="all" dirty="0">
+                  <a:rPr lang="en-US" sz="6000" b="0" kern="1200" cap="all" dirty="0" smtClean="0">
                     <a:solidFill>
                       <a:srgbClr val="FFFFFF"/>
                     </a:solidFill>
@@ -17685,7 +17838,7 @@
                     <a:ea typeface="+mj-ea"/>
                     <a:cs typeface="+mj-cs"/>
                   </a:rPr>
-                  <a:t>2.1.3 </a:t>
+                  <a:t>2.1.6 </a:t>
                 </a:r>
                 <a14:m>
                   <m:oMath xmlns:m="http://schemas.openxmlformats.org/officeDocument/2006/math">
@@ -17736,7 +17889,7 @@
             </p:txBody>
           </p:sp>
         </mc:Choice>
-        <mc:Fallback xmlns="">
+        <mc:Fallback>
           <p:sp>
             <p:nvSpPr>
               <p:cNvPr id="2" name="Title 1">
@@ -17788,7 +17941,7 @@
                 <a16:creationId xmlns:a16="http://schemas.microsoft.com/office/drawing/2014/main" id="{B7569BE4-30EE-4C44-2AF7-D6E8264471FA}"/>
               </a:ext>
               <a:ext uri="{C183D7F6-B498-43B3-948B-1728B52AA6E4}">
-                <adec:decorative xmlns:adec="http://schemas.microsoft.com/office/drawing/2017/decorative" val="1"/>
+                <adec:decorative xmlns:adec="http://schemas.microsoft.com/office/drawing/2017/decorative" xmlns="" val="1"/>
               </a:ext>
             </a:extLst>
           </p:cNvPr>
@@ -18192,8 +18345,8 @@
           </p:sp>
         </mc:Fallback>
       </mc:AlternateContent>
-      <mc:AlternateContent xmlns:mc="http://schemas.openxmlformats.org/markup-compatibility/2006" xmlns:a14="http://schemas.microsoft.com/office/drawing/2010/main">
-        <mc:Choice Requires="a14">
+      <mc:AlternateContent xmlns:mc="http://schemas.openxmlformats.org/markup-compatibility/2006">
+        <mc:Choice xmlns:a14="http://schemas.microsoft.com/office/drawing/2010/main" Requires="a14">
           <p:sp>
             <p:nvSpPr>
               <p:cNvPr id="6" name="TextBox 5">
@@ -18208,7 +18361,7 @@
             </p:nvSpPr>
             <p:spPr>
               <a:xfrm>
-                <a:off x="657393" y="2768734"/>
+                <a:off x="657393" y="2653016"/>
                 <a:ext cx="10474476" cy="830997"/>
               </a:xfrm>
               <a:prstGeom prst="rect">
@@ -18222,176 +18375,230 @@
               </a:bodyPr>
               <a:lstStyle/>
               <a:p>
-                <a:pPr marL="0" indent="0" algn="l">
+                <a:pPr marL="0" indent="0" algn="ctr">
                   <a:buNone/>
                 </a:pPr>
                 <a14:m>
-                  <m:oMathPara xmlns:m="http://schemas.openxmlformats.org/officeDocument/2006/math">
-                    <m:oMathParaPr>
-                      <m:jc m:val="centerGroup"/>
-                    </m:oMathParaPr>
-                    <m:oMath xmlns:m="http://schemas.openxmlformats.org/officeDocument/2006/math">
-                      <m:sSub>
-                        <m:sSubPr>
-                          <m:ctrlPr>
-                            <a:rPr lang="en-US" sz="2400" b="0" i="1" smtClean="0">
-                              <a:latin typeface="Cambria Math" panose="02040503050406030204" pitchFamily="18" charset="0"/>
-                            </a:rPr>
-                          </m:ctrlPr>
-                        </m:sSubPr>
-                        <m:e>
-                          <m:r>
-                            <a:rPr lang="en-US" sz="2400" b="0" i="1" smtClean="0">
-                              <a:latin typeface="Cambria Math" panose="02040503050406030204" pitchFamily="18" charset="0"/>
-                            </a:rPr>
-                            <m:t>𝐻</m:t>
-                          </m:r>
-                        </m:e>
-                        <m:sub>
-                          <m:r>
-                            <a:rPr lang="en-US" sz="2400" b="0" i="1" smtClean="0">
-                              <a:latin typeface="Cambria Math" panose="02040503050406030204" pitchFamily="18" charset="0"/>
-                            </a:rPr>
-                            <m:t>0</m:t>
-                          </m:r>
-                        </m:sub>
-                      </m:sSub>
-                      <m:r>
-                        <a:rPr lang="en-US" sz="2400" b="0" i="1" smtClean="0">
-                          <a:latin typeface="Cambria Math" panose="02040503050406030204" pitchFamily="18" charset="0"/>
-                        </a:rPr>
-                        <m:t>:</m:t>
-                      </m:r>
-                      <m:sSub>
-                        <m:sSubPr>
-                          <m:ctrlPr>
-                            <a:rPr lang="en-US" sz="2400" b="0" i="1" smtClean="0">
-                              <a:latin typeface="Cambria Math" panose="02040503050406030204" pitchFamily="18" charset="0"/>
-                            </a:rPr>
-                          </m:ctrlPr>
-                        </m:sSubPr>
-                        <m:e>
-                          <m:r>
-                            <a:rPr lang="en-US" sz="2400" b="0" i="1" smtClean="0">
-                              <a:latin typeface="Cambria Math" panose="02040503050406030204" pitchFamily="18" charset="0"/>
-                            </a:rPr>
-                            <m:t>𝑏</m:t>
-                          </m:r>
-                        </m:e>
-                        <m:sub>
-                          <m:r>
-                            <a:rPr lang="en-US" sz="2400" b="0" i="1" smtClean="0">
-                              <a:latin typeface="Cambria Math" panose="02040503050406030204" pitchFamily="18" charset="0"/>
-                            </a:rPr>
-                            <m:t>1</m:t>
-                          </m:r>
-                        </m:sub>
-                      </m:sSub>
-                      <m:r>
-                        <a:rPr lang="en-US" sz="2400" b="0" i="1" smtClean="0">
-                          <a:latin typeface="Cambria Math" panose="02040503050406030204" pitchFamily="18" charset="0"/>
-                        </a:rPr>
-                        <m:t>=0</m:t>
-                      </m:r>
-                    </m:oMath>
-                  </m:oMathPara>
+                  <m:oMath xmlns:m="http://schemas.openxmlformats.org/officeDocument/2006/math">
+                    <m:sSub>
+                      <m:sSubPr>
+                        <m:ctrlPr>
+                          <a:rPr lang="en-US" sz="2400" b="0" i="1" smtClean="0">
+                            <a:latin typeface="Cambria Math" panose="02040503050406030204" pitchFamily="18" charset="0"/>
+                          </a:rPr>
+                        </m:ctrlPr>
+                      </m:sSubPr>
+                      <m:e>
+                        <m:r>
+                          <a:rPr lang="en-US" sz="2400" b="0" i="1" smtClean="0">
+                            <a:latin typeface="Cambria Math" panose="02040503050406030204" pitchFamily="18" charset="0"/>
+                          </a:rPr>
+                          <m:t>𝐻</m:t>
+                        </m:r>
+                      </m:e>
+                      <m:sub>
+                        <m:r>
+                          <a:rPr lang="en-US" sz="2400" b="0" i="1" smtClean="0">
+                            <a:latin typeface="Cambria Math" panose="02040503050406030204" pitchFamily="18" charset="0"/>
+                          </a:rPr>
+                          <m:t>0</m:t>
+                        </m:r>
+                      </m:sub>
+                    </m:sSub>
+                    <m:r>
+                      <a:rPr lang="en-US" sz="2400" b="0" i="1" smtClean="0">
+                        <a:latin typeface="Cambria Math" panose="02040503050406030204" pitchFamily="18" charset="0"/>
+                      </a:rPr>
+                      <m:t>:</m:t>
+                    </m:r>
+                    <m:sSub>
+                      <m:sSubPr>
+                        <m:ctrlPr>
+                          <a:rPr lang="en-US" sz="2400" b="0" i="1" smtClean="0">
+                            <a:latin typeface="Cambria Math" panose="02040503050406030204" pitchFamily="18" charset="0"/>
+                          </a:rPr>
+                        </m:ctrlPr>
+                      </m:sSubPr>
+                      <m:e>
+                        <m:r>
+                          <a:rPr lang="en-US" sz="2400" b="0" i="1" smtClean="0">
+                            <a:latin typeface="Cambria Math" panose="02040503050406030204" pitchFamily="18" charset="0"/>
+                          </a:rPr>
+                          <m:t>𝑏</m:t>
+                        </m:r>
+                      </m:e>
+                      <m:sub>
+                        <m:r>
+                          <a:rPr lang="en-US" sz="2400" b="0" i="1" smtClean="0">
+                            <a:latin typeface="Cambria Math" panose="02040503050406030204" pitchFamily="18" charset="0"/>
+                          </a:rPr>
+                          <m:t>1</m:t>
+                        </m:r>
+                      </m:sub>
+                    </m:sSub>
+                    <m:r>
+                      <a:rPr lang="en-US" sz="2400" b="0" i="1" smtClean="0">
+                        <a:latin typeface="Cambria Math" panose="02040503050406030204" pitchFamily="18" charset="0"/>
+                      </a:rPr>
+                      <m:t>=0</m:t>
+                    </m:r>
+                  </m:oMath>
                 </a14:m>
+                <a:r>
+                  <a:rPr lang="en-US" sz="2400" b="0" dirty="0" smtClean="0"/>
+                  <a:t> (There is no relationship between </a:t>
+                </a:r>
+                <a14:m>
+                  <m:oMath xmlns:m="http://schemas.openxmlformats.org/officeDocument/2006/math">
+                    <m:r>
+                      <a:rPr lang="en-US" sz="2400" b="0" i="1" smtClean="0">
+                        <a:latin typeface="Cambria Math" panose="02040503050406030204" pitchFamily="18" charset="0"/>
+                      </a:rPr>
+                      <m:t>𝑋</m:t>
+                    </m:r>
+                  </m:oMath>
+                </a14:m>
+                <a:r>
+                  <a:rPr lang="en-US" sz="2400" b="0" dirty="0" smtClean="0"/>
+                  <a:t> and </a:t>
+                </a:r>
+                <a14:m>
+                  <m:oMath xmlns:m="http://schemas.openxmlformats.org/officeDocument/2006/math">
+                    <m:r>
+                      <a:rPr lang="en-US" sz="2400" b="0" i="1" smtClean="0">
+                        <a:latin typeface="Cambria Math" panose="02040503050406030204" pitchFamily="18" charset="0"/>
+                      </a:rPr>
+                      <m:t>𝑌</m:t>
+                    </m:r>
+                  </m:oMath>
+                </a14:m>
+                <a:r>
+                  <a:rPr lang="en-US" sz="2400" b="0" dirty="0" smtClean="0"/>
+                  <a:t>)</a:t>
+                </a:r>
                 <a:endParaRPr lang="en-US" sz="2400" b="0" dirty="0"/>
               </a:p>
               <a:p>
-                <a:pPr marL="0" indent="0" algn="l">
+                <a:pPr marL="0" indent="0" algn="ctr">
                   <a:buNone/>
                 </a:pPr>
                 <a14:m>
-                  <m:oMathPara xmlns:m="http://schemas.openxmlformats.org/officeDocument/2006/math">
-                    <m:oMathParaPr>
-                      <m:jc m:val="centerGroup"/>
-                    </m:oMathParaPr>
-                    <m:oMath xmlns:m="http://schemas.openxmlformats.org/officeDocument/2006/math">
-                      <m:sSub>
-                        <m:sSubPr>
-                          <m:ctrlPr>
-                            <a:rPr lang="en-US" sz="2400" b="0" i="1" smtClean="0">
-                              <a:latin typeface="Cambria Math" panose="02040503050406030204" pitchFamily="18" charset="0"/>
-                            </a:rPr>
-                          </m:ctrlPr>
-                        </m:sSubPr>
-                        <m:e>
-                          <m:r>
-                            <a:rPr lang="en-US" sz="2400" b="0" i="1" smtClean="0">
-                              <a:latin typeface="Cambria Math" panose="02040503050406030204" pitchFamily="18" charset="0"/>
-                            </a:rPr>
-                            <m:t>𝐻</m:t>
-                          </m:r>
-                        </m:e>
-                        <m:sub>
-                          <m:r>
-                            <a:rPr lang="en-US" sz="2400" b="0" i="1" smtClean="0">
-                              <a:latin typeface="Cambria Math" panose="02040503050406030204" pitchFamily="18" charset="0"/>
-                            </a:rPr>
-                            <m:t>1</m:t>
-                          </m:r>
-                        </m:sub>
-                      </m:sSub>
-                      <m:r>
-                        <a:rPr lang="en-US" sz="2400" b="0" i="1" smtClean="0">
-                          <a:latin typeface="Cambria Math" panose="02040503050406030204" pitchFamily="18" charset="0"/>
-                        </a:rPr>
-                        <m:t>:</m:t>
-                      </m:r>
-                      <m:sSub>
-                        <m:sSubPr>
-                          <m:ctrlPr>
-                            <a:rPr lang="en-US" sz="2400" b="0" i="1" smtClean="0">
-                              <a:latin typeface="Cambria Math" panose="02040503050406030204" pitchFamily="18" charset="0"/>
-                            </a:rPr>
-                          </m:ctrlPr>
-                        </m:sSubPr>
-                        <m:e>
-                          <m:r>
-                            <a:rPr lang="en-US" sz="2400" b="0" i="1" smtClean="0">
-                              <a:latin typeface="Cambria Math" panose="02040503050406030204" pitchFamily="18" charset="0"/>
-                            </a:rPr>
-                            <m:t>𝑏</m:t>
-                          </m:r>
-                        </m:e>
-                        <m:sub>
-                          <m:r>
-                            <a:rPr lang="en-US" sz="2400" b="0" i="1" smtClean="0">
-                              <a:latin typeface="Cambria Math" panose="02040503050406030204" pitchFamily="18" charset="0"/>
-                            </a:rPr>
-                            <m:t>1</m:t>
-                          </m:r>
-                        </m:sub>
-                      </m:sSub>
-                      <m:r>
-                        <a:rPr lang="en-US" sz="2400" b="0" i="1" smtClean="0">
-                          <a:latin typeface="Cambria Math" panose="02040503050406030204" pitchFamily="18" charset="0"/>
-                        </a:rPr>
-                        <m:t> </m:t>
-                      </m:r>
-                      <m:r>
-                        <a:rPr lang="en-US" sz="2400" b="0" i="1" smtClean="0">
-                          <a:latin typeface="Cambria Math" panose="02040503050406030204" pitchFamily="18" charset="0"/>
-                          <a:ea typeface="Cambria Math" panose="02040503050406030204" pitchFamily="18" charset="0"/>
-                        </a:rPr>
-                        <m:t>≠</m:t>
-                      </m:r>
-                      <m:r>
-                        <a:rPr lang="en-US" sz="2400" b="0" i="1" smtClean="0">
-                          <a:latin typeface="Cambria Math" panose="02040503050406030204" pitchFamily="18" charset="0"/>
-                        </a:rPr>
-                        <m:t>0</m:t>
-                      </m:r>
-                    </m:oMath>
-                  </m:oMathPara>
+                  <m:oMath xmlns:m="http://schemas.openxmlformats.org/officeDocument/2006/math">
+                    <m:sSub>
+                      <m:sSubPr>
+                        <m:ctrlPr>
+                          <a:rPr lang="en-US" sz="2400" b="0" i="1" smtClean="0">
+                            <a:latin typeface="Cambria Math" panose="02040503050406030204" pitchFamily="18" charset="0"/>
+                          </a:rPr>
+                        </m:ctrlPr>
+                      </m:sSubPr>
+                      <m:e>
+                        <m:r>
+                          <a:rPr lang="en-US" sz="2400" b="0" i="1" smtClean="0">
+                            <a:latin typeface="Cambria Math" panose="02040503050406030204" pitchFamily="18" charset="0"/>
+                          </a:rPr>
+                          <m:t>𝐻</m:t>
+                        </m:r>
+                      </m:e>
+                      <m:sub>
+                        <m:r>
+                          <a:rPr lang="en-US" sz="2400" b="0" i="1" smtClean="0">
+                            <a:latin typeface="Cambria Math" panose="02040503050406030204" pitchFamily="18" charset="0"/>
+                          </a:rPr>
+                          <m:t>1</m:t>
+                        </m:r>
+                      </m:sub>
+                    </m:sSub>
+                    <m:r>
+                      <a:rPr lang="en-US" sz="2400" b="0" i="1" smtClean="0">
+                        <a:latin typeface="Cambria Math" panose="02040503050406030204" pitchFamily="18" charset="0"/>
+                      </a:rPr>
+                      <m:t>:</m:t>
+                    </m:r>
+                    <m:sSub>
+                      <m:sSubPr>
+                        <m:ctrlPr>
+                          <a:rPr lang="en-US" sz="2400" b="0" i="1" smtClean="0">
+                            <a:latin typeface="Cambria Math" panose="02040503050406030204" pitchFamily="18" charset="0"/>
+                          </a:rPr>
+                        </m:ctrlPr>
+                      </m:sSubPr>
+                      <m:e>
+                        <m:r>
+                          <a:rPr lang="en-US" sz="2400" b="0" i="1" smtClean="0">
+                            <a:latin typeface="Cambria Math" panose="02040503050406030204" pitchFamily="18" charset="0"/>
+                          </a:rPr>
+                          <m:t>𝑏</m:t>
+                        </m:r>
+                      </m:e>
+                      <m:sub>
+                        <m:r>
+                          <a:rPr lang="en-US" sz="2400" b="0" i="1" smtClean="0">
+                            <a:latin typeface="Cambria Math" panose="02040503050406030204" pitchFamily="18" charset="0"/>
+                          </a:rPr>
+                          <m:t>1</m:t>
+                        </m:r>
+                      </m:sub>
+                    </m:sSub>
+                    <m:r>
+                      <a:rPr lang="en-US" sz="2400" b="0" i="1" smtClean="0">
+                        <a:latin typeface="Cambria Math" panose="02040503050406030204" pitchFamily="18" charset="0"/>
+                      </a:rPr>
+                      <m:t> </m:t>
+                    </m:r>
+                    <m:r>
+                      <a:rPr lang="en-US" sz="2400" b="0" i="1" smtClean="0">
+                        <a:latin typeface="Cambria Math" panose="02040503050406030204" pitchFamily="18" charset="0"/>
+                        <a:ea typeface="Cambria Math" panose="02040503050406030204" pitchFamily="18" charset="0"/>
+                      </a:rPr>
+                      <m:t>≠</m:t>
+                    </m:r>
+                    <m:r>
+                      <a:rPr lang="en-US" sz="2400" b="0" i="1" smtClean="0">
+                        <a:latin typeface="Cambria Math" panose="02040503050406030204" pitchFamily="18" charset="0"/>
+                      </a:rPr>
+                      <m:t>0</m:t>
+                    </m:r>
+                  </m:oMath>
                 </a14:m>
+                <a:r>
+                  <a:rPr lang="en-US" sz="2400" dirty="0" smtClean="0"/>
+                  <a:t> (There is some relationship between </a:t>
+                </a:r>
+                <a14:m>
+                  <m:oMath xmlns:m="http://schemas.openxmlformats.org/officeDocument/2006/math">
+                    <m:r>
+                      <a:rPr lang="en-US" sz="2400" b="0" i="1" smtClean="0">
+                        <a:latin typeface="Cambria Math" panose="02040503050406030204" pitchFamily="18" charset="0"/>
+                      </a:rPr>
+                      <m:t>𝑋</m:t>
+                    </m:r>
+                  </m:oMath>
+                </a14:m>
+                <a:r>
+                  <a:rPr lang="en-US" sz="2400" dirty="0" smtClean="0"/>
+                  <a:t> and </a:t>
+                </a:r>
+                <a14:m>
+                  <m:oMath xmlns:m="http://schemas.openxmlformats.org/officeDocument/2006/math">
+                    <m:r>
+                      <a:rPr lang="en-US" sz="2400" b="0" i="1" smtClean="0">
+                        <a:latin typeface="Cambria Math" panose="02040503050406030204" pitchFamily="18" charset="0"/>
+                      </a:rPr>
+                      <m:t>𝑌</m:t>
+                    </m:r>
+                  </m:oMath>
+                </a14:m>
+                <a:r>
+                  <a:rPr lang="en-US" sz="2400" dirty="0" smtClean="0"/>
+                  <a:t>)</a:t>
+                </a:r>
                 <a:endParaRPr lang="en-US" sz="2400" dirty="0"/>
               </a:p>
             </p:txBody>
           </p:sp>
         </mc:Choice>
-        <mc:Fallback xmlns="">
+        <mc:Fallback>
           <p:sp>
             <p:nvSpPr>
               <p:cNvPr id="6" name="TextBox 5">
@@ -18408,7 +18615,7 @@
             </p:nvSpPr>
             <p:spPr>
               <a:xfrm>
-                <a:off x="657393" y="2768734"/>
+                <a:off x="657393" y="2653016"/>
                 <a:ext cx="10474476" cy="830997"/>
               </a:xfrm>
               <a:prstGeom prst="rect">
@@ -18417,7 +18624,7 @@
               <a:blipFill>
                 <a:blip r:embed="rId3"/>
                 <a:stretch>
-                  <a:fillRect/>
+                  <a:fillRect t="-5839" b="-15328"/>
                 </a:stretch>
               </a:blipFill>
             </p:spPr>
@@ -18436,8 +18643,8 @@
           </p:sp>
         </mc:Fallback>
       </mc:AlternateContent>
-      <mc:AlternateContent xmlns:mc="http://schemas.openxmlformats.org/markup-compatibility/2006" xmlns:a14="http://schemas.microsoft.com/office/drawing/2010/main">
-        <mc:Choice Requires="a14">
+      <mc:AlternateContent xmlns:mc="http://schemas.openxmlformats.org/markup-compatibility/2006">
+        <mc:Choice xmlns:a14="http://schemas.microsoft.com/office/drawing/2010/main" Requires="a14">
           <p:sp>
             <p:nvSpPr>
               <p:cNvPr id="7" name="TextBox 6">
@@ -18452,7 +18659,7 @@
             </p:nvSpPr>
             <p:spPr>
               <a:xfrm>
-                <a:off x="748145" y="1599251"/>
+                <a:off x="748145" y="1483533"/>
                 <a:ext cx="10612582" cy="830997"/>
               </a:xfrm>
               <a:prstGeom prst="rect">
@@ -18530,7 +18737,7 @@
             </p:txBody>
           </p:sp>
         </mc:Choice>
-        <mc:Fallback xmlns="">
+        <mc:Fallback>
           <p:sp>
             <p:nvSpPr>
               <p:cNvPr id="7" name="TextBox 6">
@@ -18547,7 +18754,7 @@
             </p:nvSpPr>
             <p:spPr>
               <a:xfrm>
-                <a:off x="748145" y="1599251"/>
+                <a:off x="748145" y="1483533"/>
                 <a:ext cx="10612582" cy="830997"/>
               </a:xfrm>
               <a:prstGeom prst="rect">
@@ -18645,6 +18852,13 @@
   <p:clrMapOvr>
     <a:masterClrMapping/>
   </p:clrMapOvr>
+  <p:timing>
+    <p:tnLst>
+      <p:par>
+        <p:cTn id="1" dur="indefinite" restart="never" nodeType="tmRoot"/>
+      </p:par>
+    </p:tnLst>
+  </p:timing>
 </p:sld>
 </file>
 
@@ -18703,8 +18917,8 @@
           </a:p>
         </p:txBody>
       </p:sp>
-      <mc:AlternateContent xmlns:mc="http://schemas.openxmlformats.org/markup-compatibility/2006" xmlns:a14="http://schemas.microsoft.com/office/drawing/2010/main">
-        <mc:Choice Requires="a14">
+      <mc:AlternateContent xmlns:mc="http://schemas.openxmlformats.org/markup-compatibility/2006">
+        <mc:Choice xmlns:a14="http://schemas.microsoft.com/office/drawing/2010/main" Requires="a14">
           <p:sp>
             <p:nvSpPr>
               <p:cNvPr id="6" name="TextBox 5">
@@ -18719,7 +18933,7 @@
             </p:nvSpPr>
             <p:spPr>
               <a:xfrm>
-                <a:off x="5195454" y="1627909"/>
+                <a:off x="5221831" y="2208201"/>
                 <a:ext cx="1801091" cy="808298"/>
               </a:xfrm>
               <a:prstGeom prst="rect">
@@ -18851,7 +19065,7 @@
             </p:txBody>
           </p:sp>
         </mc:Choice>
-        <mc:Fallback xmlns="">
+        <mc:Fallback>
           <p:sp>
             <p:nvSpPr>
               <p:cNvPr id="6" name="TextBox 5">
@@ -18868,7 +19082,7 @@
             </p:nvSpPr>
             <p:spPr>
               <a:xfrm>
-                <a:off x="5195454" y="1627909"/>
+                <a:off x="5221831" y="2208201"/>
                 <a:ext cx="1801091" cy="808298"/>
               </a:xfrm>
               <a:prstGeom prst="rect">
@@ -18878,6 +19092,115 @@
                 <a:blip r:embed="rId2"/>
                 <a:stretch>
                   <a:fillRect/>
+                </a:stretch>
+              </a:blipFill>
+            </p:spPr>
+            <p:txBody>
+              <a:bodyPr/>
+              <a:lstStyle/>
+              <a:p>
+                <a:r>
+                  <a:rPr lang="en-US">
+                    <a:noFill/>
+                  </a:rPr>
+                  <a:t> </a:t>
+                </a:r>
+              </a:p>
+            </p:txBody>
+          </p:sp>
+        </mc:Fallback>
+      </mc:AlternateContent>
+      <mc:AlternateContent xmlns:mc="http://schemas.openxmlformats.org/markup-compatibility/2006">
+        <mc:Choice xmlns:a14="http://schemas.microsoft.com/office/drawing/2010/main" Requires="a14">
+          <p:sp>
+            <p:nvSpPr>
+              <p:cNvPr id="2" name="TextBox 1"/>
+              <p:cNvSpPr txBox="1"/>
+              <p:nvPr/>
+            </p:nvSpPr>
+            <p:spPr>
+              <a:xfrm>
+                <a:off x="1190158" y="3393831"/>
+                <a:ext cx="9548446" cy="1477328"/>
+              </a:xfrm>
+              <a:prstGeom prst="rect">
+                <a:avLst/>
+              </a:prstGeom>
+              <a:noFill/>
+            </p:spPr>
+            <p:txBody>
+              <a:bodyPr wrap="square" rtlCol="0">
+                <a:spAutoFit/>
+              </a:bodyPr>
+              <a:lstStyle/>
+              <a:p>
+                <a:r>
+                  <a:rPr lang="en-US" dirty="0" smtClean="0"/>
+                  <a:t>p-value: A small p-value indicates that it is unlikely to observe such as substantial association between the </a:t>
+                </a:r>
+                <a14:m>
+                  <m:oMath xmlns:m="http://schemas.openxmlformats.org/officeDocument/2006/math">
+                    <m:r>
+                      <a:rPr lang="en-US" b="0" i="1" smtClean="0">
+                        <a:latin typeface="Cambria Math" panose="02040503050406030204" pitchFamily="18" charset="0"/>
+                      </a:rPr>
+                      <m:t>𝑋</m:t>
+                    </m:r>
+                  </m:oMath>
+                </a14:m>
+                <a:r>
+                  <a:rPr lang="en-US" dirty="0" smtClean="0"/>
+                  <a:t> and </a:t>
+                </a:r>
+                <a14:m>
+                  <m:oMath xmlns:m="http://schemas.openxmlformats.org/officeDocument/2006/math">
+                    <m:r>
+                      <a:rPr lang="en-US" b="0" i="1" smtClean="0">
+                        <a:latin typeface="Cambria Math" panose="02040503050406030204" pitchFamily="18" charset="0"/>
+                      </a:rPr>
+                      <m:t>𝑌</m:t>
+                    </m:r>
+                  </m:oMath>
+                </a14:m>
+                <a:r>
+                  <a:rPr lang="en-US" dirty="0" smtClean="0"/>
+                  <a:t>.</a:t>
+                </a:r>
+              </a:p>
+              <a:p>
+                <a:endParaRPr lang="en-US" dirty="0"/>
+              </a:p>
+              <a:p>
+                <a:r>
+                  <a:rPr lang="en-US" dirty="0" smtClean="0"/>
+                  <a:t>Reject the null hypothesis: if the p-value is small enough. Typical p-value cutoffs for rejecting the null hypothesis are 5 or 1%.  </a:t>
+                </a:r>
+                <a:endParaRPr lang="en-US" dirty="0"/>
+              </a:p>
+            </p:txBody>
+          </p:sp>
+        </mc:Choice>
+        <mc:Fallback>
+          <p:sp>
+            <p:nvSpPr>
+              <p:cNvPr id="2" name="TextBox 1"/>
+              <p:cNvSpPr txBox="1">
+                <a:spLocks noRot="1" noChangeAspect="1" noMove="1" noResize="1" noEditPoints="1" noAdjustHandles="1" noChangeArrowheads="1" noChangeShapeType="1" noTextEdit="1"/>
+              </p:cNvSpPr>
+              <p:nvPr/>
+            </p:nvSpPr>
+            <p:spPr>
+              <a:xfrm>
+                <a:off x="1190158" y="3393831"/>
+                <a:ext cx="9548446" cy="1477328"/>
+              </a:xfrm>
+              <a:prstGeom prst="rect">
+                <a:avLst/>
+              </a:prstGeom>
+              <a:blipFill>
+                <a:blip r:embed="rId3"/>
+                <a:stretch>
+                  <a:fillRect l="-511" t="-2479" r="-766" b="-5785"/>
                 </a:stretch>
               </a:blipFill>
             </p:spPr>
@@ -18906,6 +19229,13 @@
   <p:clrMapOvr>
     <a:masterClrMapping/>
   </p:clrMapOvr>
+  <p:timing>
+    <p:tnLst>
+      <p:par>
+        <p:cTn id="1" dur="indefinite" restart="never" nodeType="tmRoot"/>
+      </p:par>
+    </p:tnLst>
+  </p:timing>
 </p:sld>
 </file>
 
@@ -18948,7 +19278,7 @@
                 <a16:creationId xmlns:a16="http://schemas.microsoft.com/office/drawing/2014/main" id="{0AFA4B71-6634-AE2F-4E8B-4C00ACD0309D}"/>
               </a:ext>
               <a:ext uri="{C183D7F6-B498-43B3-948B-1728B52AA6E4}">
-                <adec:decorative xmlns:adec="http://schemas.microsoft.com/office/drawing/2017/decorative" val="1"/>
+                <adec:decorative xmlns:adec="http://schemas.microsoft.com/office/drawing/2017/decorative" xmlns="" val="1"/>
               </a:ext>
             </a:extLst>
           </p:cNvPr>
@@ -19039,7 +19369,7 @@
                 <a16:creationId xmlns:a16="http://schemas.microsoft.com/office/drawing/2014/main" id="{2CAA08AC-1F89-A2E2-CD6D-6E0238811F2E}"/>
               </a:ext>
               <a:ext uri="{C183D7F6-B498-43B3-948B-1728B52AA6E4}">
-                <adec:decorative xmlns:adec="http://schemas.microsoft.com/office/drawing/2017/decorative" val="1"/>
+                <adec:decorative xmlns:adec="http://schemas.microsoft.com/office/drawing/2017/decorative" xmlns="" val="1"/>
               </a:ext>
             </a:extLst>
           </p:cNvPr>
@@ -19130,7 +19460,7 @@
                 <a16:creationId xmlns:a16="http://schemas.microsoft.com/office/drawing/2014/main" id="{6D0011FC-01CD-55C9-3F67-E4D7BA8F3115}"/>
               </a:ext>
               <a:ext uri="{C183D7F6-B498-43B3-948B-1728B52AA6E4}">
-                <adec:decorative xmlns:adec="http://schemas.microsoft.com/office/drawing/2017/decorative" val="1"/>
+                <adec:decorative xmlns:adec="http://schemas.microsoft.com/office/drawing/2017/decorative" xmlns="" val="1"/>
               </a:ext>
             </a:extLst>
           </p:cNvPr>
@@ -19221,7 +19551,7 @@
                 <a16:creationId xmlns:a16="http://schemas.microsoft.com/office/drawing/2014/main" id="{48568BE3-F71E-6154-5337-F38BA6A8200B}"/>
               </a:ext>
               <a:ext uri="{C183D7F6-B498-43B3-948B-1728B52AA6E4}">
-                <adec:decorative xmlns:adec="http://schemas.microsoft.com/office/drawing/2017/decorative" val="1"/>
+                <adec:decorative xmlns:adec="http://schemas.microsoft.com/office/drawing/2017/decorative" xmlns="" val="1"/>
               </a:ext>
             </a:extLst>
           </p:cNvPr>
@@ -19312,7 +19642,7 @@
                 <a16:creationId xmlns:a16="http://schemas.microsoft.com/office/drawing/2014/main" id="{0451CE8F-371F-0C7D-2F55-D1ECB3F37AFF}"/>
               </a:ext>
               <a:ext uri="{C183D7F6-B498-43B3-948B-1728B52AA6E4}">
-                <adec:decorative xmlns:adec="http://schemas.microsoft.com/office/drawing/2017/decorative" val="1"/>
+                <adec:decorative xmlns:adec="http://schemas.microsoft.com/office/drawing/2017/decorative" xmlns="" val="1"/>
               </a:ext>
             </a:extLst>
           </p:cNvPr>
@@ -19401,7 +19731,7 @@
                 <a16:creationId xmlns:a16="http://schemas.microsoft.com/office/drawing/2014/main" id="{389D07A7-9A8A-A7D9-0549-237E3477EDD6}"/>
               </a:ext>
               <a:ext uri="{C183D7F6-B498-43B3-948B-1728B52AA6E4}">
-                <adec:decorative xmlns:adec="http://schemas.microsoft.com/office/drawing/2017/decorative" val="1"/>
+                <adec:decorative xmlns:adec="http://schemas.microsoft.com/office/drawing/2017/decorative" xmlns="" val="1"/>
               </a:ext>
             </a:extLst>
           </p:cNvPr>
@@ -19492,7 +19822,7 @@
                 <a16:creationId xmlns:a16="http://schemas.microsoft.com/office/drawing/2014/main" id="{013B84A0-69E6-07B1-8D95-987DC06536B5}"/>
               </a:ext>
               <a:ext uri="{C183D7F6-B498-43B3-948B-1728B52AA6E4}">
-                <adec:decorative xmlns:adec="http://schemas.microsoft.com/office/drawing/2017/decorative" val="1"/>
+                <adec:decorative xmlns:adec="http://schemas.microsoft.com/office/drawing/2017/decorative" xmlns="" val="1"/>
               </a:ext>
             </a:extLst>
           </p:cNvPr>
@@ -19575,8 +19905,8 @@
           </a:p>
         </p:txBody>
       </p:sp>
-      <mc:AlternateContent xmlns:mc="http://schemas.openxmlformats.org/markup-compatibility/2006" xmlns:a14="http://schemas.microsoft.com/office/drawing/2010/main">
-        <mc:Choice Requires="a14">
+      <mc:AlternateContent xmlns:mc="http://schemas.openxmlformats.org/markup-compatibility/2006">
+        <mc:Choice xmlns:a14="http://schemas.microsoft.com/office/drawing/2010/main" Requires="a14">
           <p:sp>
             <p:nvSpPr>
               <p:cNvPr id="2" name="Title 1">
@@ -19606,7 +19936,7 @@
               <a:lstStyle/>
               <a:p>
                 <a:r>
-                  <a:rPr lang="en-US" sz="6000" b="0" kern="1200" cap="all" dirty="0">
+                  <a:rPr lang="en-US" sz="6000" b="0" kern="1200" cap="all" dirty="0" smtClean="0">
                     <a:solidFill>
                       <a:srgbClr val="FFFFFF"/>
                     </a:solidFill>
@@ -19614,7 +19944,7 @@
                     <a:ea typeface="+mj-ea"/>
                     <a:cs typeface="+mj-cs"/>
                   </a:rPr>
-                  <a:t>2.1.3 </a:t>
+                  <a:t>2.1.7 </a:t>
                 </a:r>
                 <a14:m>
                   <m:oMath xmlns:m="http://schemas.openxmlformats.org/officeDocument/2006/math">
@@ -19758,7 +20088,7 @@
             </p:txBody>
           </p:sp>
         </mc:Choice>
-        <mc:Fallback xmlns="">
+        <mc:Fallback>
           <p:sp>
             <p:nvSpPr>
               <p:cNvPr id="2" name="Title 1">
@@ -19810,7 +20140,7 @@
                 <a16:creationId xmlns:a16="http://schemas.microsoft.com/office/drawing/2014/main" id="{D77FBC85-D9A6-42B7-C4B3-47E46B5BA906}"/>
               </a:ext>
               <a:ext uri="{C183D7F6-B498-43B3-948B-1728B52AA6E4}">
-                <adec:decorative xmlns:adec="http://schemas.microsoft.com/office/drawing/2017/decorative" val="1"/>
+                <adec:decorative xmlns:adec="http://schemas.microsoft.com/office/drawing/2017/decorative" xmlns="" val="1"/>
               </a:ext>
             </a:extLst>
           </p:cNvPr>
@@ -20001,6 +20331,617 @@
 </file>
 
 <file path=ppt/slides/slide25.xml><?xml version="1.0" encoding="utf-8"?>
+<p:sld xmlns:a="http://schemas.openxmlformats.org/drawingml/2006/main" xmlns:r="http://schemas.openxmlformats.org/officeDocument/2006/relationships" xmlns:p="http://schemas.openxmlformats.org/presentationml/2006/main">
+  <p:cSld>
+    <p:spTree>
+      <p:nvGrpSpPr>
+        <p:cNvPr id="1" name=""/>
+        <p:cNvGrpSpPr/>
+        <p:nvPr/>
+      </p:nvGrpSpPr>
+      <p:grpSpPr>
+        <a:xfrm>
+          <a:off x="0" y="0"/>
+          <a:ext cx="0" cy="0"/>
+          <a:chOff x="0" y="0"/>
+          <a:chExt cx="0" cy="0"/>
+        </a:xfrm>
+      </p:grpSpPr>
+      <p:sp>
+        <p:nvSpPr>
+          <p:cNvPr id="2" name="Title 1"/>
+          <p:cNvSpPr>
+            <a:spLocks noGrp="1"/>
+          </p:cNvSpPr>
+          <p:nvPr>
+            <p:ph type="title"/>
+          </p:nvPr>
+        </p:nvSpPr>
+        <p:spPr>
+          <a:xfrm>
+            <a:off x="581192" y="702156"/>
+            <a:ext cx="11029616" cy="625482"/>
+          </a:xfrm>
+        </p:spPr>
+        <p:txBody>
+          <a:bodyPr/>
+          <a:lstStyle/>
+          <a:p>
+            <a:r>
+              <a:rPr lang="en-US" dirty="0" smtClean="0"/>
+              <a:t>Residual standard error</a:t>
+            </a:r>
+            <a:endParaRPr lang="en-US" dirty="0"/>
+          </a:p>
+        </p:txBody>
+      </p:sp>
+      <mc:AlternateContent xmlns:mc="http://schemas.openxmlformats.org/markup-compatibility/2006">
+        <mc:Choice xmlns:a14="http://schemas.microsoft.com/office/drawing/2010/main" Requires="a14">
+          <p:sp>
+            <p:nvSpPr>
+              <p:cNvPr id="3" name="Content Placeholder 2"/>
+              <p:cNvSpPr>
+                <a:spLocks noGrp="1"/>
+              </p:cNvSpPr>
+              <p:nvPr>
+                <p:ph idx="1"/>
+              </p:nvPr>
+            </p:nvSpPr>
+            <p:spPr>
+              <a:xfrm>
+                <a:off x="502061" y="1611102"/>
+                <a:ext cx="11029615" cy="1615674"/>
+              </a:xfrm>
+            </p:spPr>
+            <p:txBody>
+              <a:bodyPr/>
+              <a:lstStyle/>
+              <a:p>
+                <a:pPr marL="0" indent="0">
+                  <a:buNone/>
+                </a:pPr>
+                <a14:m>
+                  <m:oMathPara xmlns:m="http://schemas.openxmlformats.org/officeDocument/2006/math">
+                    <m:oMathParaPr>
+                      <m:jc m:val="centerGroup"/>
+                    </m:oMathParaPr>
+                    <m:oMath xmlns:m="http://schemas.openxmlformats.org/officeDocument/2006/math">
+                      <m:r>
+                        <a:rPr lang="en-US" b="0" i="1" smtClean="0">
+                          <a:latin typeface="Cambria Math" panose="02040503050406030204" pitchFamily="18" charset="0"/>
+                        </a:rPr>
+                        <m:t>𝑅𝑆𝐸</m:t>
+                      </m:r>
+                      <m:r>
+                        <a:rPr lang="en-US" b="0" i="1" smtClean="0">
+                          <a:latin typeface="Cambria Math" panose="02040503050406030204" pitchFamily="18" charset="0"/>
+                        </a:rPr>
+                        <m:t>=</m:t>
+                      </m:r>
+                      <m:rad>
+                        <m:radPr>
+                          <m:degHide m:val="on"/>
+                          <m:ctrlPr>
+                            <a:rPr lang="en-US" b="0" i="1" smtClean="0">
+                              <a:latin typeface="Cambria Math" panose="02040503050406030204" pitchFamily="18" charset="0"/>
+                            </a:rPr>
+                          </m:ctrlPr>
+                        </m:radPr>
+                        <m:deg/>
+                        <m:e>
+                          <m:f>
+                            <m:fPr>
+                              <m:ctrlPr>
+                                <a:rPr lang="en-US" b="0" i="1" smtClean="0">
+                                  <a:latin typeface="Cambria Math" panose="02040503050406030204" pitchFamily="18" charset="0"/>
+                                </a:rPr>
+                              </m:ctrlPr>
+                            </m:fPr>
+                            <m:num>
+                              <m:r>
+                                <a:rPr lang="en-US" b="0" i="1" smtClean="0">
+                                  <a:latin typeface="Cambria Math" panose="02040503050406030204" pitchFamily="18" charset="0"/>
+                                </a:rPr>
+                                <m:t>1</m:t>
+                              </m:r>
+                            </m:num>
+                            <m:den>
+                              <m:r>
+                                <a:rPr lang="en-US" b="0" i="1" smtClean="0">
+                                  <a:latin typeface="Cambria Math" panose="02040503050406030204" pitchFamily="18" charset="0"/>
+                                </a:rPr>
+                                <m:t>𝑛</m:t>
+                              </m:r>
+                              <m:r>
+                                <a:rPr lang="en-US" b="0" i="1" smtClean="0">
+                                  <a:latin typeface="Cambria Math" panose="02040503050406030204" pitchFamily="18" charset="0"/>
+                                </a:rPr>
+                                <m:t>−2</m:t>
+                              </m:r>
+                            </m:den>
+                          </m:f>
+                          <m:r>
+                            <a:rPr lang="en-US" b="0" i="1" smtClean="0">
+                              <a:latin typeface="Cambria Math" panose="02040503050406030204" pitchFamily="18" charset="0"/>
+                            </a:rPr>
+                            <m:t>𝑅𝑆𝑆</m:t>
+                          </m:r>
+                        </m:e>
+                      </m:rad>
+                      <m:r>
+                        <a:rPr lang="en-US" b="0" i="1" smtClean="0">
+                          <a:latin typeface="Cambria Math" panose="02040503050406030204" pitchFamily="18" charset="0"/>
+                        </a:rPr>
+                        <m:t>=</m:t>
+                      </m:r>
+                      <m:rad>
+                        <m:radPr>
+                          <m:degHide m:val="on"/>
+                          <m:ctrlPr>
+                            <a:rPr lang="en-US" b="0" i="1" smtClean="0">
+                              <a:latin typeface="Cambria Math" panose="02040503050406030204" pitchFamily="18" charset="0"/>
+                            </a:rPr>
+                          </m:ctrlPr>
+                        </m:radPr>
+                        <m:deg/>
+                        <m:e>
+                          <m:f>
+                            <m:fPr>
+                              <m:ctrlPr>
+                                <a:rPr lang="en-US" b="0" i="1" smtClean="0">
+                                  <a:latin typeface="Cambria Math" panose="02040503050406030204" pitchFamily="18" charset="0"/>
+                                </a:rPr>
+                              </m:ctrlPr>
+                            </m:fPr>
+                            <m:num>
+                              <m:r>
+                                <a:rPr lang="en-US" b="0" i="1" smtClean="0">
+                                  <a:latin typeface="Cambria Math" panose="02040503050406030204" pitchFamily="18" charset="0"/>
+                                </a:rPr>
+                                <m:t>1</m:t>
+                              </m:r>
+                            </m:num>
+                            <m:den>
+                              <m:r>
+                                <a:rPr lang="en-US" b="0" i="1" smtClean="0">
+                                  <a:latin typeface="Cambria Math" panose="02040503050406030204" pitchFamily="18" charset="0"/>
+                                </a:rPr>
+                                <m:t>𝑛</m:t>
+                              </m:r>
+                              <m:r>
+                                <a:rPr lang="en-US" b="0" i="1" smtClean="0">
+                                  <a:latin typeface="Cambria Math" panose="02040503050406030204" pitchFamily="18" charset="0"/>
+                                </a:rPr>
+                                <m:t>−2</m:t>
+                              </m:r>
+                            </m:den>
+                          </m:f>
+                          <m:nary>
+                            <m:naryPr>
+                              <m:chr m:val="∑"/>
+                              <m:ctrlPr>
+                                <a:rPr lang="en-US" b="0" i="1" smtClean="0">
+                                  <a:latin typeface="Cambria Math" panose="02040503050406030204" pitchFamily="18" charset="0"/>
+                                </a:rPr>
+                              </m:ctrlPr>
+                            </m:naryPr>
+                            <m:sub>
+                              <m:r>
+                                <m:rPr>
+                                  <m:brk m:alnAt="23"/>
+                                </m:rPr>
+                                <a:rPr lang="en-US" b="0" i="1" smtClean="0">
+                                  <a:latin typeface="Cambria Math" panose="02040503050406030204" pitchFamily="18" charset="0"/>
+                                </a:rPr>
+                                <m:t>𝑖</m:t>
+                              </m:r>
+                              <m:r>
+                                <a:rPr lang="en-US" b="0" i="1" smtClean="0">
+                                  <a:latin typeface="Cambria Math" panose="02040503050406030204" pitchFamily="18" charset="0"/>
+                                </a:rPr>
+                                <m:t>=1</m:t>
+                              </m:r>
+                            </m:sub>
+                            <m:sup>
+                              <m:r>
+                                <a:rPr lang="en-US" b="0" i="1" smtClean="0">
+                                  <a:latin typeface="Cambria Math" panose="02040503050406030204" pitchFamily="18" charset="0"/>
+                                </a:rPr>
+                                <m:t>𝑛</m:t>
+                              </m:r>
+                            </m:sup>
+                            <m:e>
+                              <m:sSup>
+                                <m:sSupPr>
+                                  <m:ctrlPr>
+                                    <a:rPr lang="en-US" b="0" i="1" smtClean="0">
+                                      <a:latin typeface="Cambria Math" panose="02040503050406030204" pitchFamily="18" charset="0"/>
+                                    </a:rPr>
+                                  </m:ctrlPr>
+                                </m:sSupPr>
+                                <m:e>
+                                  <m:d>
+                                    <m:dPr>
+                                      <m:ctrlPr>
+                                        <a:rPr lang="en-US" b="0" i="1" smtClean="0">
+                                          <a:latin typeface="Cambria Math" panose="02040503050406030204" pitchFamily="18" charset="0"/>
+                                        </a:rPr>
+                                      </m:ctrlPr>
+                                    </m:dPr>
+                                    <m:e>
+                                      <m:sSub>
+                                        <m:sSubPr>
+                                          <m:ctrlPr>
+                                            <a:rPr lang="en-US" b="0" i="1" smtClean="0">
+                                              <a:latin typeface="Cambria Math" panose="02040503050406030204" pitchFamily="18" charset="0"/>
+                                            </a:rPr>
+                                          </m:ctrlPr>
+                                        </m:sSubPr>
+                                        <m:e>
+                                          <m:r>
+                                            <a:rPr lang="en-US" b="0" i="1" smtClean="0">
+                                              <a:latin typeface="Cambria Math" panose="02040503050406030204" pitchFamily="18" charset="0"/>
+                                            </a:rPr>
+                                            <m:t>𝑦</m:t>
+                                          </m:r>
+                                        </m:e>
+                                        <m:sub>
+                                          <m:r>
+                                            <a:rPr lang="en-US" b="0" i="1" smtClean="0">
+                                              <a:latin typeface="Cambria Math" panose="02040503050406030204" pitchFamily="18" charset="0"/>
+                                            </a:rPr>
+                                            <m:t>𝑖</m:t>
+                                          </m:r>
+                                        </m:sub>
+                                      </m:sSub>
+                                      <m:r>
+                                        <a:rPr lang="en-US" b="0" i="1" smtClean="0">
+                                          <a:latin typeface="Cambria Math" panose="02040503050406030204" pitchFamily="18" charset="0"/>
+                                        </a:rPr>
+                                        <m:t> −</m:t>
+                                      </m:r>
+                                      <m:acc>
+                                        <m:accPr>
+                                          <m:chr m:val="̂"/>
+                                          <m:ctrlPr>
+                                            <a:rPr lang="en-US" b="0" i="1" smtClean="0">
+                                              <a:latin typeface="Cambria Math" panose="02040503050406030204" pitchFamily="18" charset="0"/>
+                                            </a:rPr>
+                                          </m:ctrlPr>
+                                        </m:accPr>
+                                        <m:e>
+                                          <m:sSub>
+                                            <m:sSubPr>
+                                              <m:ctrlPr>
+                                                <a:rPr lang="en-US" b="0" i="1" smtClean="0">
+                                                  <a:latin typeface="Cambria Math" panose="02040503050406030204" pitchFamily="18" charset="0"/>
+                                                </a:rPr>
+                                              </m:ctrlPr>
+                                            </m:sSubPr>
+                                            <m:e>
+                                              <m:r>
+                                                <a:rPr lang="en-US" b="0" i="1" smtClean="0">
+                                                  <a:latin typeface="Cambria Math" panose="02040503050406030204" pitchFamily="18" charset="0"/>
+                                                </a:rPr>
+                                                <m:t>𝑦</m:t>
+                                              </m:r>
+                                            </m:e>
+                                            <m:sub>
+                                              <m:r>
+                                                <a:rPr lang="en-US" b="0" i="1" smtClean="0">
+                                                  <a:latin typeface="Cambria Math" panose="02040503050406030204" pitchFamily="18" charset="0"/>
+                                                </a:rPr>
+                                                <m:t>𝑖</m:t>
+                                              </m:r>
+                                            </m:sub>
+                                          </m:sSub>
+                                        </m:e>
+                                      </m:acc>
+                                    </m:e>
+                                  </m:d>
+                                </m:e>
+                                <m:sup>
+                                  <m:r>
+                                    <a:rPr lang="en-US" b="0" i="1" smtClean="0">
+                                      <a:latin typeface="Cambria Math" panose="02040503050406030204" pitchFamily="18" charset="0"/>
+                                    </a:rPr>
+                                    <m:t>2</m:t>
+                                  </m:r>
+                                </m:sup>
+                              </m:sSup>
+                            </m:e>
+                          </m:nary>
+                          <m:r>
+                            <m:rPr>
+                              <m:lit/>
+                            </m:rPr>
+                            <a:rPr lang="en-US" b="0" i="1" smtClean="0">
+                              <a:latin typeface="Cambria Math" panose="02040503050406030204" pitchFamily="18" charset="0"/>
+                            </a:rPr>
+                            <m:t> </m:t>
+                          </m:r>
+                        </m:e>
+                      </m:rad>
+                    </m:oMath>
+                  </m:oMathPara>
+                </a14:m>
+                <a:endParaRPr lang="en-US" dirty="0"/>
+              </a:p>
+            </p:txBody>
+          </p:sp>
+        </mc:Choice>
+        <mc:Fallback>
+          <p:sp>
+            <p:nvSpPr>
+              <p:cNvPr id="3" name="Content Placeholder 2"/>
+              <p:cNvSpPr>
+                <a:spLocks noGrp="1" noRot="1" noChangeAspect="1" noMove="1" noResize="1" noEditPoints="1" noAdjustHandles="1" noChangeArrowheads="1" noChangeShapeType="1" noTextEdit="1"/>
+              </p:cNvSpPr>
+              <p:nvPr>
+                <p:ph idx="1"/>
+              </p:nvPr>
+            </p:nvSpPr>
+            <p:spPr>
+              <a:xfrm>
+                <a:off x="502061" y="1611102"/>
+                <a:ext cx="11029615" cy="1615674"/>
+              </a:xfrm>
+              <a:blipFill>
+                <a:blip r:embed="rId2"/>
+                <a:stretch>
+                  <a:fillRect/>
+                </a:stretch>
+              </a:blipFill>
+            </p:spPr>
+            <p:txBody>
+              <a:bodyPr/>
+              <a:lstStyle/>
+              <a:p>
+                <a:r>
+                  <a:rPr lang="en-US">
+                    <a:noFill/>
+                  </a:rPr>
+                  <a:t> </a:t>
+                </a:r>
+              </a:p>
+            </p:txBody>
+          </p:sp>
+        </mc:Fallback>
+      </mc:AlternateContent>
+      <mc:AlternateContent xmlns:mc="http://schemas.openxmlformats.org/markup-compatibility/2006">
+        <mc:Choice xmlns:a14="http://schemas.microsoft.com/office/drawing/2010/main" Requires="a14">
+          <p:sp>
+            <p:nvSpPr>
+              <p:cNvPr id="4" name="TextBox 3"/>
+              <p:cNvSpPr txBox="1"/>
+              <p:nvPr/>
+            </p:nvSpPr>
+            <p:spPr>
+              <a:xfrm>
+                <a:off x="1201614" y="3226776"/>
+                <a:ext cx="10330062" cy="1200329"/>
+              </a:xfrm>
+              <a:prstGeom prst="rect">
+                <a:avLst/>
+              </a:prstGeom>
+              <a:noFill/>
+            </p:spPr>
+            <p:txBody>
+              <a:bodyPr wrap="square" rtlCol="0">
+                <a:spAutoFit/>
+              </a:bodyPr>
+              <a:lstStyle/>
+              <a:p>
+                <a:r>
+                  <a:rPr lang="en-US" sz="2400" dirty="0" smtClean="0"/>
+                  <a:t>The </a:t>
+                </a:r>
+                <a14:m>
+                  <m:oMath xmlns:m="http://schemas.openxmlformats.org/officeDocument/2006/math">
+                    <m:r>
+                      <a:rPr lang="en-US" sz="2400" b="0" i="1" smtClean="0">
+                        <a:latin typeface="Cambria Math" panose="02040503050406030204" pitchFamily="18" charset="0"/>
+                      </a:rPr>
+                      <m:t>𝑅𝑆𝐸</m:t>
+                    </m:r>
+                  </m:oMath>
+                </a14:m>
+                <a:r>
+                  <a:rPr lang="en-US" sz="2400" dirty="0" smtClean="0"/>
+                  <a:t> is considered a measure of the </a:t>
+                </a:r>
+                <a:r>
+                  <a:rPr lang="en-US" sz="2400" i="1" dirty="0" smtClean="0"/>
+                  <a:t>lack of fit </a:t>
+                </a:r>
+                <a:r>
+                  <a:rPr lang="en-US" sz="2400" dirty="0" smtClean="0"/>
+                  <a:t>of the model</a:t>
+                </a:r>
+              </a:p>
+              <a:p>
+                <a:endParaRPr lang="en-US" sz="2400" dirty="0" smtClean="0"/>
+              </a:p>
+              <a:p>
+                <a:r>
+                  <a:rPr lang="en-US" sz="2400" dirty="0" smtClean="0"/>
+                  <a:t>Roughly speaking, it is the average amount that the </a:t>
+                </a:r>
+                <a14:m>
+                  <m:oMath xmlns:m="http://schemas.openxmlformats.org/officeDocument/2006/math">
+                    <m:acc>
+                      <m:accPr>
+                        <m:chr m:val="̂"/>
+                        <m:ctrlPr>
+                          <a:rPr lang="en-US" sz="2400" b="0" i="1" smtClean="0">
+                            <a:latin typeface="Cambria Math" panose="02040503050406030204" pitchFamily="18" charset="0"/>
+                          </a:rPr>
+                        </m:ctrlPr>
+                      </m:accPr>
+                      <m:e>
+                        <m:sSub>
+                          <m:sSubPr>
+                            <m:ctrlPr>
+                              <a:rPr lang="en-US" sz="2400" b="0" i="1" smtClean="0">
+                                <a:latin typeface="Cambria Math" panose="02040503050406030204" pitchFamily="18" charset="0"/>
+                              </a:rPr>
+                            </m:ctrlPr>
+                          </m:sSubPr>
+                          <m:e>
+                            <m:r>
+                              <a:rPr lang="en-US" sz="2400" b="0" i="1" smtClean="0">
+                                <a:latin typeface="Cambria Math" panose="02040503050406030204" pitchFamily="18" charset="0"/>
+                              </a:rPr>
+                              <m:t>𝑦</m:t>
+                            </m:r>
+                          </m:e>
+                          <m:sub>
+                            <m:r>
+                              <a:rPr lang="en-US" sz="2400" b="0" i="1" smtClean="0">
+                                <a:latin typeface="Cambria Math" panose="02040503050406030204" pitchFamily="18" charset="0"/>
+                              </a:rPr>
+                              <m:t>𝑖</m:t>
+                            </m:r>
+                          </m:sub>
+                        </m:sSub>
+                      </m:e>
+                    </m:acc>
+                  </m:oMath>
+                </a14:m>
+                <a:r>
+                  <a:rPr lang="en-US" sz="2400" dirty="0" smtClean="0"/>
+                  <a:t> will deviate from the </a:t>
+                </a:r>
+                <a14:m>
+                  <m:oMath xmlns:m="http://schemas.openxmlformats.org/officeDocument/2006/math">
+                    <m:sSub>
+                      <m:sSubPr>
+                        <m:ctrlPr>
+                          <a:rPr lang="en-US" sz="2400" b="0" i="1" smtClean="0">
+                            <a:latin typeface="Cambria Math" panose="02040503050406030204" pitchFamily="18" charset="0"/>
+                          </a:rPr>
+                        </m:ctrlPr>
+                      </m:sSubPr>
+                      <m:e>
+                        <m:r>
+                          <a:rPr lang="en-US" sz="2400" b="0" i="1" smtClean="0">
+                            <a:latin typeface="Cambria Math" panose="02040503050406030204" pitchFamily="18" charset="0"/>
+                          </a:rPr>
+                          <m:t>𝑦</m:t>
+                        </m:r>
+                      </m:e>
+                      <m:sub>
+                        <m:r>
+                          <a:rPr lang="en-US" sz="2400" b="0" i="1" smtClean="0">
+                            <a:latin typeface="Cambria Math" panose="02040503050406030204" pitchFamily="18" charset="0"/>
+                          </a:rPr>
+                          <m:t>𝑖</m:t>
+                        </m:r>
+                      </m:sub>
+                    </m:sSub>
+                    <m:r>
+                      <a:rPr lang="en-US" sz="2400" b="0" i="0" smtClean="0">
+                        <a:latin typeface="Cambria Math" panose="02040503050406030204" pitchFamily="18" charset="0"/>
+                      </a:rPr>
+                      <m:t>.</m:t>
+                    </m:r>
+                  </m:oMath>
+                </a14:m>
+                <a:endParaRPr lang="en-US" sz="2400" b="0" dirty="0" smtClean="0"/>
+              </a:p>
+            </p:txBody>
+          </p:sp>
+        </mc:Choice>
+        <mc:Fallback>
+          <p:sp>
+            <p:nvSpPr>
+              <p:cNvPr id="4" name="TextBox 3"/>
+              <p:cNvSpPr txBox="1">
+                <a:spLocks noRot="1" noChangeAspect="1" noMove="1" noResize="1" noEditPoints="1" noAdjustHandles="1" noChangeArrowheads="1" noChangeShapeType="1" noTextEdit="1"/>
+              </p:cNvSpPr>
+              <p:nvPr/>
+            </p:nvSpPr>
+            <p:spPr>
+              <a:xfrm>
+                <a:off x="1201614" y="3226776"/>
+                <a:ext cx="10330062" cy="1200329"/>
+              </a:xfrm>
+              <a:prstGeom prst="rect">
+                <a:avLst/>
+              </a:prstGeom>
+              <a:blipFill>
+                <a:blip r:embed="rId3"/>
+                <a:stretch>
+                  <a:fillRect l="-885" t="-4061" b="-10660"/>
+                </a:stretch>
+              </a:blipFill>
+            </p:spPr>
+            <p:txBody>
+              <a:bodyPr/>
+              <a:lstStyle/>
+              <a:p>
+                <a:r>
+                  <a:rPr lang="en-US">
+                    <a:noFill/>
+                  </a:rPr>
+                  <a:t> </a:t>
+                </a:r>
+              </a:p>
+            </p:txBody>
+          </p:sp>
+        </mc:Fallback>
+      </mc:AlternateContent>
+      <p:sp>
+        <p:nvSpPr>
+          <p:cNvPr id="5" name="TextBox 4"/>
+          <p:cNvSpPr txBox="1"/>
+          <p:nvPr/>
+        </p:nvSpPr>
+        <p:spPr>
+          <a:xfrm>
+            <a:off x="1201614" y="5037993"/>
+            <a:ext cx="8932985" cy="369332"/>
+          </a:xfrm>
+          <a:prstGeom prst="rect">
+            <a:avLst/>
+          </a:prstGeom>
+          <a:noFill/>
+        </p:spPr>
+        <p:txBody>
+          <a:bodyPr wrap="square" rtlCol="0">
+            <a:spAutoFit/>
+          </a:bodyPr>
+          <a:lstStyle/>
+          <a:p>
+            <a:r>
+              <a:rPr lang="en-US" dirty="0" smtClean="0"/>
+              <a:t>For data with the same scale, Does a smaller RSE indicate a better or worse model fit?</a:t>
+            </a:r>
+            <a:endParaRPr lang="en-US" dirty="0"/>
+          </a:p>
+        </p:txBody>
+      </p:sp>
+    </p:spTree>
+    <p:extLst>
+      <p:ext uri="{BB962C8B-B14F-4D97-AF65-F5344CB8AC3E}">
+        <p14:creationId xmlns:p14="http://schemas.microsoft.com/office/powerpoint/2010/main" val="2635915474"/>
+      </p:ext>
+    </p:extLst>
+  </p:cSld>
+  <p:clrMapOvr>
+    <a:masterClrMapping/>
+  </p:clrMapOvr>
+  <p:timing>
+    <p:tnLst>
+      <p:par>
+        <p:cTn id="1" dur="indefinite" restart="never" nodeType="tmRoot"/>
+      </p:par>
+    </p:tnLst>
+  </p:timing>
+</p:sld>
+</file>
+
+<file path=ppt/slides/slide26.xml><?xml version="1.0" encoding="utf-8"?>
 <p:sld xmlns:a="http://schemas.openxmlformats.org/drawingml/2006/main" xmlns:r="http://schemas.openxmlformats.org/officeDocument/2006/relationships" xmlns:p="http://schemas.openxmlformats.org/presentationml/2006/main">
   <p:cSld>
     <p:spTree>
@@ -20400,10 +21341,17 @@
   <p:clrMapOvr>
     <a:masterClrMapping/>
   </p:clrMapOvr>
+  <p:timing>
+    <p:tnLst>
+      <p:par>
+        <p:cTn id="1" dur="indefinite" restart="never" nodeType="tmRoot"/>
+      </p:par>
+    </p:tnLst>
+  </p:timing>
 </p:sld>
 </file>
 
-<file path=ppt/slides/slide26.xml><?xml version="1.0" encoding="utf-8"?>
+<file path=ppt/slides/slide27.xml><?xml version="1.0" encoding="utf-8"?>
 <p:sld xmlns:a="http://schemas.openxmlformats.org/drawingml/2006/main" xmlns:r="http://schemas.openxmlformats.org/officeDocument/2006/relationships" xmlns:p="http://schemas.openxmlformats.org/presentationml/2006/main">
   <p:cSld>
     <p:bg>
@@ -20442,7 +21390,7 @@
                 <a16:creationId xmlns:a16="http://schemas.microsoft.com/office/drawing/2014/main" id="{9DBDC282-0FC7-E97A-D803-E68F34414441}"/>
               </a:ext>
               <a:ext uri="{C183D7F6-B498-43B3-948B-1728B52AA6E4}">
-                <adec:decorative xmlns:adec="http://schemas.microsoft.com/office/drawing/2017/decorative" val="1"/>
+                <adec:decorative xmlns:adec="http://schemas.microsoft.com/office/drawing/2017/decorative" xmlns="" val="1"/>
               </a:ext>
             </a:extLst>
           </p:cNvPr>
@@ -20533,7 +21481,7 @@
                 <a16:creationId xmlns:a16="http://schemas.microsoft.com/office/drawing/2014/main" id="{FD0D10F0-166E-ED94-8F88-5AFDAAF5A27F}"/>
               </a:ext>
               <a:ext uri="{C183D7F6-B498-43B3-948B-1728B52AA6E4}">
-                <adec:decorative xmlns:adec="http://schemas.microsoft.com/office/drawing/2017/decorative" val="1"/>
+                <adec:decorative xmlns:adec="http://schemas.microsoft.com/office/drawing/2017/decorative" xmlns="" val="1"/>
               </a:ext>
             </a:extLst>
           </p:cNvPr>
@@ -20624,7 +21572,7 @@
                 <a16:creationId xmlns:a16="http://schemas.microsoft.com/office/drawing/2014/main" id="{E5434961-E90D-9385-AF58-628588BE0027}"/>
               </a:ext>
               <a:ext uri="{C183D7F6-B498-43B3-948B-1728B52AA6E4}">
-                <adec:decorative xmlns:adec="http://schemas.microsoft.com/office/drawing/2017/decorative" val="1"/>
+                <adec:decorative xmlns:adec="http://schemas.microsoft.com/office/drawing/2017/decorative" xmlns="" val="1"/>
               </a:ext>
             </a:extLst>
           </p:cNvPr>
@@ -20715,7 +21663,7 @@
                 <a16:creationId xmlns:a16="http://schemas.microsoft.com/office/drawing/2014/main" id="{B6EC25D2-23B6-9870-F073-5C6FFBC20FEF}"/>
               </a:ext>
               <a:ext uri="{C183D7F6-B498-43B3-948B-1728B52AA6E4}">
-                <adec:decorative xmlns:adec="http://schemas.microsoft.com/office/drawing/2017/decorative" val="1"/>
+                <adec:decorative xmlns:adec="http://schemas.microsoft.com/office/drawing/2017/decorative" xmlns="" val="1"/>
               </a:ext>
             </a:extLst>
           </p:cNvPr>
@@ -20806,7 +21754,7 @@
                 <a16:creationId xmlns:a16="http://schemas.microsoft.com/office/drawing/2014/main" id="{55E5089E-B78A-247C-14E9-D947386D704C}"/>
               </a:ext>
               <a:ext uri="{C183D7F6-B498-43B3-948B-1728B52AA6E4}">
-                <adec:decorative xmlns:adec="http://schemas.microsoft.com/office/drawing/2017/decorative" val="1"/>
+                <adec:decorative xmlns:adec="http://schemas.microsoft.com/office/drawing/2017/decorative" xmlns="" val="1"/>
               </a:ext>
             </a:extLst>
           </p:cNvPr>
@@ -20895,7 +21843,7 @@
                 <a16:creationId xmlns:a16="http://schemas.microsoft.com/office/drawing/2014/main" id="{8ED71421-6733-846C-842E-A1B38BF84229}"/>
               </a:ext>
               <a:ext uri="{C183D7F6-B498-43B3-948B-1728B52AA6E4}">
-                <adec:decorative xmlns:adec="http://schemas.microsoft.com/office/drawing/2017/decorative" val="1"/>
+                <adec:decorative xmlns:adec="http://schemas.microsoft.com/office/drawing/2017/decorative" xmlns="" val="1"/>
               </a:ext>
             </a:extLst>
           </p:cNvPr>
@@ -20986,7 +21934,7 @@
                 <a16:creationId xmlns:a16="http://schemas.microsoft.com/office/drawing/2014/main" id="{5277E5D7-3059-ABB6-17FB-98D78A294EBD}"/>
               </a:ext>
               <a:ext uri="{C183D7F6-B498-43B3-948B-1728B52AA6E4}">
-                <adec:decorative xmlns:adec="http://schemas.microsoft.com/office/drawing/2017/decorative" val="1"/>
+                <adec:decorative xmlns:adec="http://schemas.microsoft.com/office/drawing/2017/decorative" xmlns="" val="1"/>
               </a:ext>
             </a:extLst>
           </p:cNvPr>
@@ -21098,6 +22046,17 @@
           <a:lstStyle/>
           <a:p>
             <a:r>
+              <a:rPr lang="en-US" sz="6000" b="0" kern="1200" cap="all" dirty="0" smtClean="0">
+                <a:solidFill>
+                  <a:srgbClr val="FFFFFF"/>
+                </a:solidFill>
+                <a:latin typeface="+mj-lt"/>
+                <a:ea typeface="+mj-ea"/>
+                <a:cs typeface="+mj-cs"/>
+              </a:rPr>
+              <a:t>2.1.8 </a:t>
+            </a:r>
+            <a:r>
               <a:rPr lang="en-US" sz="6000" b="0" kern="1200" cap="all" dirty="0">
                 <a:solidFill>
                   <a:srgbClr val="FFFFFF"/>
@@ -21106,7 +22065,7 @@
                 <a:ea typeface="+mj-ea"/>
                 <a:cs typeface="+mj-cs"/>
               </a:rPr>
-              <a:t>2.1.3 key assumption on regression analysis</a:t>
+              <a:t>key assumption on regression analysis</a:t>
             </a:r>
           </a:p>
         </p:txBody>
@@ -21119,7 +22078,7 @@
                 <a16:creationId xmlns:a16="http://schemas.microsoft.com/office/drawing/2014/main" id="{1DB651C3-D726-C53D-DB1B-1DE101F06AE6}"/>
               </a:ext>
               <a:ext uri="{C183D7F6-B498-43B3-948B-1728B52AA6E4}">
-                <adec:decorative xmlns:adec="http://schemas.microsoft.com/office/drawing/2017/decorative" val="1"/>
+                <adec:decorative xmlns:adec="http://schemas.microsoft.com/office/drawing/2017/decorative" xmlns="" val="1"/>
               </a:ext>
             </a:extLst>
           </p:cNvPr>
@@ -21309,7 +22268,7 @@
 </p:sld>
 </file>
 
-<file path=ppt/slides/slide27.xml><?xml version="1.0" encoding="utf-8"?>
+<file path=ppt/slides/slide28.xml><?xml version="1.0" encoding="utf-8"?>
 <p:sld xmlns:a="http://schemas.openxmlformats.org/drawingml/2006/main" xmlns:r="http://schemas.openxmlformats.org/officeDocument/2006/relationships" xmlns:p="http://schemas.openxmlformats.org/presentationml/2006/main">
   <p:cSld>
     <p:spTree>
@@ -21401,7 +22360,7 @@
         </p:blipFill>
         <p:spPr>
           <a:xfrm>
-            <a:off x="1407162" y="2825492"/>
+            <a:off x="360877" y="2816615"/>
             <a:ext cx="3506529" cy="4032508"/>
           </a:xfrm>
           <a:prstGeom prst="rect">
@@ -21423,7 +22382,7 @@
         </p:nvSpPr>
         <p:spPr>
           <a:xfrm>
-            <a:off x="5112327" y="3713019"/>
+            <a:off x="3696766" y="4099881"/>
             <a:ext cx="2992581" cy="369332"/>
           </a:xfrm>
           <a:prstGeom prst="rect">
@@ -21488,8 +22447,8 @@
         </p:nvSpPr>
         <p:spPr>
           <a:xfrm>
-            <a:off x="5029200" y="5791199"/>
-            <a:ext cx="5652656" cy="646331"/>
+            <a:off x="3696766" y="5752479"/>
+            <a:ext cx="3657600" cy="646331"/>
           </a:xfrm>
           <a:prstGeom prst="rect">
             <a:avLst/>
@@ -21553,8 +22512,8 @@
         </p:nvSpPr>
         <p:spPr>
           <a:xfrm>
-            <a:off x="2279072" y="2631949"/>
-            <a:ext cx="2154382" cy="369332"/>
+            <a:off x="793172" y="2640714"/>
+            <a:ext cx="2798086" cy="369332"/>
           </a:xfrm>
           <a:prstGeom prst="rect">
             <a:avLst/>
@@ -21585,7 +22544,7 @@
               <a:defRPr/>
             </a:pPr>
             <a:r>
-              <a:rPr kumimoji="0" lang="en-US" sz="1800" b="0" i="0" u="none" strike="noStrike" kern="1200" cap="none" spc="0" normalizeH="0" baseline="0" noProof="0" dirty="0">
+              <a:rPr kumimoji="0" lang="en-US" sz="1800" b="0" i="0" u="none" strike="noStrike" kern="1200" cap="none" spc="0" normalizeH="0" baseline="0" noProof="0" dirty="0" smtClean="0">
                 <a:ln>
                   <a:noFill/>
                 </a:ln>
@@ -21599,8 +22558,39 @@
                 <a:ea typeface="+mn-ea"/>
                 <a:cs typeface="+mn-cs"/>
               </a:rPr>
-              <a:t>Non-linear example</a:t>
+              <a:t>Non-linearity</a:t>
             </a:r>
+            <a:r>
+              <a:rPr kumimoji="0" lang="en-US" sz="1800" b="0" i="0" u="none" strike="noStrike" kern="1200" cap="none" spc="0" normalizeH="0" noProof="0" dirty="0" smtClean="0">
+                <a:ln>
+                  <a:noFill/>
+                </a:ln>
+                <a:solidFill>
+                  <a:srgbClr val="000000"/>
+                </a:solidFill>
+                <a:effectLst/>
+                <a:uLnTx/>
+                <a:uFillTx/>
+                <a:latin typeface="Calibri"/>
+                <a:ea typeface="+mn-ea"/>
+                <a:cs typeface="+mn-cs"/>
+              </a:rPr>
+              <a:t> of the Data</a:t>
+            </a:r>
+            <a:endParaRPr kumimoji="0" lang="en-US" sz="1800" b="0" i="0" u="none" strike="noStrike" kern="1200" cap="none" spc="0" normalizeH="0" baseline="0" noProof="0" dirty="0">
+              <a:ln>
+                <a:noFill/>
+              </a:ln>
+              <a:solidFill>
+                <a:srgbClr val="000000"/>
+              </a:solidFill>
+              <a:effectLst/>
+              <a:uLnTx/>
+              <a:uFillTx/>
+              <a:latin typeface="Calibri"/>
+              <a:ea typeface="+mn-ea"/>
+              <a:cs typeface="+mn-cs"/>
+            </a:endParaRPr>
           </a:p>
         </p:txBody>
       </p:sp>
@@ -21614,10 +22604,17 @@
   <p:clrMapOvr>
     <a:masterClrMapping/>
   </p:clrMapOvr>
+  <p:timing>
+    <p:tnLst>
+      <p:par>
+        <p:cTn id="1" dur="indefinite" restart="never" nodeType="tmRoot"/>
+      </p:par>
+    </p:tnLst>
+  </p:timing>
 </p:sld>
 </file>
 
-<file path=ppt/slides/slide28.xml><?xml version="1.0" encoding="utf-8"?>
+<file path=ppt/slides/slide29.xml><?xml version="1.0" encoding="utf-8"?>
 <p:sld xmlns:a="http://schemas.openxmlformats.org/drawingml/2006/main" xmlns:r="http://schemas.openxmlformats.org/officeDocument/2006/relationships" xmlns:p="http://schemas.openxmlformats.org/presentationml/2006/main">
   <p:cSld>
     <p:spTree>
@@ -21640,6 +22637,30 @@
           <a:chExt cx="0" cy="0"/>
         </a:xfrm>
       </p:grpSpPr>
+      <p:pic>
+        <p:nvPicPr>
+          <p:cNvPr id="3" name="Picture 2"/>
+          <p:cNvPicPr>
+            <a:picLocks noChangeAspect="1"/>
+          </p:cNvPicPr>
+          <p:nvPr/>
+        </p:nvPicPr>
+        <p:blipFill>
+          <a:blip r:embed="rId2"/>
+          <a:stretch>
+            <a:fillRect/>
+          </a:stretch>
+        </p:blipFill>
+        <p:spPr>
+          <a:xfrm>
+            <a:off x="2080844" y="2049199"/>
+            <a:ext cx="8804033" cy="4701246"/>
+          </a:xfrm>
+          <a:prstGeom prst="rect">
+            <a:avLst/>
+          </a:prstGeom>
+        </p:spPr>
+      </p:pic>
       <mc:AlternateContent xmlns:mc="http://schemas.openxmlformats.org/markup-compatibility/2006" xmlns:a14="http://schemas.microsoft.com/office/drawing/2010/main">
         <mc:Choice Requires="a14">
           <p:sp>
@@ -21730,7 +22751,13 @@
                       <a:rPr lang="en-US" sz="2800" b="0" i="1" smtClean="0">
                         <a:latin typeface="Cambria Math" panose="02040503050406030204" pitchFamily="18" charset="0"/>
                       </a:rPr>
-                      <m:t>=0</m:t>
+                      <m:t>=</m:t>
+                    </m:r>
+                    <m:r>
+                      <a:rPr lang="en-US" sz="2800" b="0" i="1" smtClean="0">
+                        <a:latin typeface="Cambria Math" panose="02040503050406030204" pitchFamily="18" charset="0"/>
+                      </a:rPr>
+                      <m:t>0</m:t>
                     </m:r>
                   </m:oMath>
                 </a14:m>
@@ -21765,7 +22792,7 @@
                 <a:ext cx="11029950" cy="1135928"/>
               </a:xfrm>
               <a:blipFill>
-                <a:blip r:embed="rId2"/>
+                <a:blip r:embed="rId3"/>
                 <a:stretch>
                   <a:fillRect l="-1105" b="-7527"/>
                 </a:stretch>
@@ -21786,36 +22813,93 @@
           </p:sp>
         </mc:Fallback>
       </mc:AlternateContent>
-      <p:pic>
-        <p:nvPicPr>
-          <p:cNvPr id="8" name="Picture 7">
-            <a:extLst>
-              <a:ext uri="{FF2B5EF4-FFF2-40B4-BE49-F238E27FC236}">
-                <a16:creationId xmlns:a16="http://schemas.microsoft.com/office/drawing/2014/main" id="{0938A1C8-01E3-F4A7-2467-FCDA4D62F1B7}"/>
-              </a:ext>
-            </a:extLst>
-          </p:cNvPr>
-          <p:cNvPicPr>
-            <a:picLocks noChangeAspect="1"/>
-          </p:cNvPicPr>
+      <p:sp>
+        <p:nvSpPr>
+          <p:cNvPr id="2" name="TextBox 1"/>
+          <p:cNvSpPr txBox="1"/>
           <p:nvPr/>
-        </p:nvPicPr>
-        <p:blipFill>
-          <a:blip r:embed="rId3"/>
-          <a:stretch>
-            <a:fillRect/>
-          </a:stretch>
-        </p:blipFill>
+        </p:nvSpPr>
         <p:spPr>
           <a:xfrm>
-            <a:off x="3899028" y="1880177"/>
-            <a:ext cx="3637846" cy="4305732"/>
+            <a:off x="7436464" y="1864533"/>
+            <a:ext cx="4360985" cy="369332"/>
           </a:xfrm>
           <a:prstGeom prst="rect">
             <a:avLst/>
           </a:prstGeom>
+          <a:noFill/>
         </p:spPr>
-      </p:pic>
+        <p:txBody>
+          <a:bodyPr wrap="square" rtlCol="0">
+            <a:spAutoFit/>
+          </a:bodyPr>
+          <a:lstStyle/>
+          <a:p>
+            <a:r>
+              <a:rPr lang="en-US" dirty="0" smtClean="0"/>
+              <a:t>non-constant variance of Error Terms</a:t>
+            </a:r>
+            <a:endParaRPr lang="en-US" dirty="0"/>
+          </a:p>
+        </p:txBody>
+      </p:sp>
+      <p:sp>
+        <p:nvSpPr>
+          <p:cNvPr id="5" name="TextBox 4"/>
+          <p:cNvSpPr txBox="1"/>
+          <p:nvPr/>
+        </p:nvSpPr>
+        <p:spPr>
+          <a:xfrm>
+            <a:off x="3034448" y="1864533"/>
+            <a:ext cx="3281358" cy="369332"/>
+          </a:xfrm>
+          <a:prstGeom prst="rect">
+            <a:avLst/>
+          </a:prstGeom>
+          <a:noFill/>
+        </p:spPr>
+        <p:txBody>
+          <a:bodyPr wrap="square" rtlCol="0">
+            <a:spAutoFit/>
+          </a:bodyPr>
+          <a:lstStyle/>
+          <a:p>
+            <a:r>
+              <a:rPr lang="en-US" dirty="0"/>
+              <a:t>c</a:t>
+            </a:r>
+            <a:r>
+              <a:rPr lang="en-US" dirty="0" smtClean="0"/>
+              <a:t>onstant variance of Error Terms</a:t>
+            </a:r>
+            <a:endParaRPr lang="en-US" dirty="0"/>
+          </a:p>
+        </p:txBody>
+      </p:sp>
+      <p:sp>
+        <p:nvSpPr>
+          <p:cNvPr id="6" name="Footer Placeholder 5"/>
+          <p:cNvSpPr>
+            <a:spLocks noGrp="1"/>
+          </p:cNvSpPr>
+          <p:nvPr>
+            <p:ph type="ftr" sz="quarter" idx="11"/>
+          </p:nvPr>
+        </p:nvSpPr>
+        <p:spPr/>
+        <p:txBody>
+          <a:bodyPr/>
+          <a:lstStyle/>
+          <a:p>
+            <a:r>
+              <a:rPr lang="en-US" smtClean="0"/>
+              <a:t>Image source: https://www.bookdown.org/rwnahhas/RMPH/mlr-constant-variance.html</a:t>
+            </a:r>
+            <a:endParaRPr lang="en-US" dirty="0"/>
+          </a:p>
+        </p:txBody>
+      </p:sp>
     </p:spTree>
     <p:extLst>
       <p:ext uri="{BB962C8B-B14F-4D97-AF65-F5344CB8AC3E}">
@@ -21826,10 +22910,207 @@
   <p:clrMapOvr>
     <a:masterClrMapping/>
   </p:clrMapOvr>
+  <p:timing>
+    <p:tnLst>
+      <p:par>
+        <p:cTn id="1" dur="indefinite" restart="never" nodeType="tmRoot"/>
+      </p:par>
+    </p:tnLst>
+  </p:timing>
 </p:sld>
 </file>
 
-<file path=ppt/slides/slide29.xml><?xml version="1.0" encoding="utf-8"?>
+<file path=ppt/slides/slide3.xml><?xml version="1.0" encoding="utf-8"?>
+<p:sld xmlns:a="http://schemas.openxmlformats.org/drawingml/2006/main" xmlns:r="http://schemas.openxmlformats.org/officeDocument/2006/relationships" xmlns:p="http://schemas.openxmlformats.org/presentationml/2006/main">
+  <p:cSld>
+    <p:spTree>
+      <p:nvGrpSpPr>
+        <p:cNvPr id="1" name=""/>
+        <p:cNvGrpSpPr/>
+        <p:nvPr/>
+      </p:nvGrpSpPr>
+      <p:grpSpPr>
+        <a:xfrm>
+          <a:off x="0" y="0"/>
+          <a:ext cx="0" cy="0"/>
+          <a:chOff x="0" y="0"/>
+          <a:chExt cx="0" cy="0"/>
+        </a:xfrm>
+      </p:grpSpPr>
+      <p:sp>
+        <p:nvSpPr>
+          <p:cNvPr id="2" name="Title 1">
+            <a:extLst>
+              <a:ext uri="{FF2B5EF4-FFF2-40B4-BE49-F238E27FC236}">
+                <a16:creationId xmlns:a16="http://schemas.microsoft.com/office/drawing/2014/main" id="{36CD3810-3DE1-B063-D560-BC3A9D9A022C}"/>
+              </a:ext>
+            </a:extLst>
+          </p:cNvPr>
+          <p:cNvSpPr>
+            <a:spLocks noGrp="1"/>
+          </p:cNvSpPr>
+          <p:nvPr>
+            <p:ph type="title"/>
+          </p:nvPr>
+        </p:nvSpPr>
+        <p:spPr>
+          <a:xfrm>
+            <a:off x="581191" y="607364"/>
+            <a:ext cx="11029616" cy="550572"/>
+          </a:xfrm>
+        </p:spPr>
+        <p:txBody>
+          <a:bodyPr/>
+          <a:lstStyle/>
+          <a:p>
+            <a:r>
+              <a:rPr lang="en-US" dirty="0"/>
+              <a:t>CAUSALITY &amp; REGRESSION</a:t>
+            </a:r>
+          </a:p>
+        </p:txBody>
+      </p:sp>
+      <p:sp>
+        <p:nvSpPr>
+          <p:cNvPr id="3" name="Content Placeholder 2">
+            <a:extLst>
+              <a:ext uri="{FF2B5EF4-FFF2-40B4-BE49-F238E27FC236}">
+                <a16:creationId xmlns:a16="http://schemas.microsoft.com/office/drawing/2014/main" id="{AAFA8653-FD86-8AF8-2083-96AC63865D20}"/>
+              </a:ext>
+            </a:extLst>
+          </p:cNvPr>
+          <p:cNvSpPr>
+            <a:spLocks noGrp="1"/>
+          </p:cNvSpPr>
+          <p:nvPr>
+            <p:ph idx="1"/>
+          </p:nvPr>
+        </p:nvSpPr>
+        <p:spPr>
+          <a:xfrm>
+            <a:off x="581191" y="1157935"/>
+            <a:ext cx="11029615" cy="4299889"/>
+          </a:xfrm>
+        </p:spPr>
+        <p:txBody>
+          <a:bodyPr>
+            <a:noAutofit/>
+          </a:bodyPr>
+          <a:lstStyle/>
+          <a:p>
+            <a:r>
+              <a:rPr lang="en-US" sz="2000" dirty="0">
+                <a:solidFill>
+                  <a:srgbClr val="1F1F1F"/>
+                </a:solidFill>
+                <a:latin typeface="ElsevierGulliver"/>
+              </a:rPr>
+              <a:t>Causality: Relationship between cause and effect, where one event (the cause) directly influences another event (the effect). </a:t>
+            </a:r>
+          </a:p>
+          <a:p>
+            <a:pPr marL="0" indent="0">
+              <a:buNone/>
+            </a:pPr>
+            <a:endParaRPr lang="en-US" sz="2000" dirty="0">
+              <a:solidFill>
+                <a:srgbClr val="1F1F1F"/>
+              </a:solidFill>
+              <a:latin typeface="ElsevierGulliver"/>
+            </a:endParaRPr>
+          </a:p>
+          <a:p>
+            <a:pPr marL="0" indent="0">
+              <a:buNone/>
+            </a:pPr>
+            <a:r>
+              <a:rPr lang="en-US" sz="2000" dirty="0">
+                <a:solidFill>
+                  <a:srgbClr val="1F1F1F"/>
+                </a:solidFill>
+                <a:latin typeface="ElsevierGulliver"/>
+              </a:rPr>
+              <a:t>	E</a:t>
+            </a:r>
+            <a:r>
+              <a:rPr lang="en-US" altLang="zh-CN" sz="2000" dirty="0">
+                <a:solidFill>
+                  <a:srgbClr val="1F1F1F"/>
+                </a:solidFill>
+                <a:latin typeface="ElsevierGulliver"/>
+              </a:rPr>
+              <a:t>xample: the relationship between rainfall and flooding</a:t>
+            </a:r>
+            <a:endParaRPr lang="en-US" sz="2000" dirty="0">
+              <a:solidFill>
+                <a:srgbClr val="1F1F1F"/>
+              </a:solidFill>
+              <a:latin typeface="ElsevierGulliver"/>
+            </a:endParaRPr>
+          </a:p>
+          <a:p>
+            <a:pPr marL="0" indent="0">
+              <a:buNone/>
+            </a:pPr>
+            <a:endParaRPr lang="en-US" sz="2000" dirty="0">
+              <a:solidFill>
+                <a:srgbClr val="1F1F1F"/>
+              </a:solidFill>
+              <a:latin typeface="ElsevierGulliver"/>
+            </a:endParaRPr>
+          </a:p>
+          <a:p>
+            <a:pPr marL="0" indent="0">
+              <a:buNone/>
+            </a:pPr>
+            <a:endParaRPr lang="en-US" sz="2000" dirty="0">
+              <a:solidFill>
+                <a:srgbClr val="1F1F1F"/>
+              </a:solidFill>
+              <a:latin typeface="ElsevierGulliver"/>
+            </a:endParaRPr>
+          </a:p>
+          <a:p>
+            <a:r>
+              <a:rPr lang="en-US" sz="2000" dirty="0">
+                <a:solidFill>
+                  <a:srgbClr val="1F1F1F"/>
+                </a:solidFill>
+                <a:latin typeface="ElsevierGulliver"/>
+              </a:rPr>
+              <a:t>Co-variation: </a:t>
+            </a:r>
+            <a:r>
+              <a:rPr lang="en-US" sz="2000" dirty="0"/>
+              <a:t>Two variables change together. If two variables tend to increase or decrease in a related manner, they are said to </a:t>
+            </a:r>
+            <a:r>
+              <a:rPr lang="en-US" sz="2000" b="1" dirty="0"/>
+              <a:t>covary (not causality)</a:t>
+            </a:r>
+            <a:endParaRPr lang="en-US" sz="2000" dirty="0">
+              <a:solidFill>
+                <a:srgbClr val="1F1F1F"/>
+              </a:solidFill>
+              <a:latin typeface="ElsevierGulliver"/>
+            </a:endParaRPr>
+          </a:p>
+        </p:txBody>
+      </p:sp>
+    </p:spTree>
+    <p:extLst>
+      <p:ext uri="{BB962C8B-B14F-4D97-AF65-F5344CB8AC3E}">
+        <p14:creationId xmlns:p14="http://schemas.microsoft.com/office/powerpoint/2010/main" val="128340750"/>
+      </p:ext>
+    </p:extLst>
+  </p:cSld>
+  <p:clrMapOvr>
+    <a:masterClrMapping/>
+  </p:clrMapOvr>
+</p:sld>
+</file>
+
+<file path=ppt/slides/slide30.xml><?xml version="1.0" encoding="utf-8"?>
 <p:sld xmlns:a="http://schemas.openxmlformats.org/drawingml/2006/main" xmlns:r="http://schemas.openxmlformats.org/officeDocument/2006/relationships" xmlns:p="http://schemas.openxmlformats.org/presentationml/2006/main">
   <p:cSld>
     <p:spTree>
@@ -22214,7 +23495,7 @@
         </p:blipFill>
         <p:spPr>
           <a:xfrm>
-            <a:off x="4341939" y="1434633"/>
+            <a:off x="4201262" y="2357825"/>
             <a:ext cx="3856408" cy="4569480"/>
           </a:xfrm>
           <a:prstGeom prst="rect">
@@ -22222,6 +23503,36 @@
           </a:prstGeom>
         </p:spPr>
       </p:pic>
+      <p:sp>
+        <p:nvSpPr>
+          <p:cNvPr id="2" name="TextBox 1"/>
+          <p:cNvSpPr txBox="1"/>
+          <p:nvPr/>
+        </p:nvSpPr>
+        <p:spPr>
+          <a:xfrm>
+            <a:off x="4554682" y="2173159"/>
+            <a:ext cx="2971800" cy="369332"/>
+          </a:xfrm>
+          <a:prstGeom prst="rect">
+            <a:avLst/>
+          </a:prstGeom>
+          <a:noFill/>
+        </p:spPr>
+        <p:txBody>
+          <a:bodyPr wrap="square" rtlCol="0">
+            <a:spAutoFit/>
+          </a:bodyPr>
+          <a:lstStyle/>
+          <a:p>
+            <a:r>
+              <a:rPr lang="en-US" dirty="0" smtClean="0"/>
+              <a:t>Example of correlated Error</a:t>
+            </a:r>
+            <a:endParaRPr lang="en-US" dirty="0"/>
+          </a:p>
+        </p:txBody>
+      </p:sp>
     </p:spTree>
     <p:extLst>
       <p:ext uri="{BB962C8B-B14F-4D97-AF65-F5344CB8AC3E}">
@@ -22232,200 +23543,17 @@
   <p:clrMapOvr>
     <a:masterClrMapping/>
   </p:clrMapOvr>
+  <p:timing>
+    <p:tnLst>
+      <p:par>
+        <p:cTn id="1" dur="indefinite" restart="never" nodeType="tmRoot"/>
+      </p:par>
+    </p:tnLst>
+  </p:timing>
 </p:sld>
 </file>
 
-<file path=ppt/slides/slide3.xml><?xml version="1.0" encoding="utf-8"?>
-<p:sld xmlns:a="http://schemas.openxmlformats.org/drawingml/2006/main" xmlns:r="http://schemas.openxmlformats.org/officeDocument/2006/relationships" xmlns:p="http://schemas.openxmlformats.org/presentationml/2006/main">
-  <p:cSld>
-    <p:spTree>
-      <p:nvGrpSpPr>
-        <p:cNvPr id="1" name=""/>
-        <p:cNvGrpSpPr/>
-        <p:nvPr/>
-      </p:nvGrpSpPr>
-      <p:grpSpPr>
-        <a:xfrm>
-          <a:off x="0" y="0"/>
-          <a:ext cx="0" cy="0"/>
-          <a:chOff x="0" y="0"/>
-          <a:chExt cx="0" cy="0"/>
-        </a:xfrm>
-      </p:grpSpPr>
-      <p:sp>
-        <p:nvSpPr>
-          <p:cNvPr id="2" name="Title 1">
-            <a:extLst>
-              <a:ext uri="{FF2B5EF4-FFF2-40B4-BE49-F238E27FC236}">
-                <a16:creationId xmlns:a16="http://schemas.microsoft.com/office/drawing/2014/main" id="{36CD3810-3DE1-B063-D560-BC3A9D9A022C}"/>
-              </a:ext>
-            </a:extLst>
-          </p:cNvPr>
-          <p:cNvSpPr>
-            <a:spLocks noGrp="1"/>
-          </p:cNvSpPr>
-          <p:nvPr>
-            <p:ph type="title"/>
-          </p:nvPr>
-        </p:nvSpPr>
-        <p:spPr>
-          <a:xfrm>
-            <a:off x="581191" y="607364"/>
-            <a:ext cx="11029616" cy="550572"/>
-          </a:xfrm>
-        </p:spPr>
-        <p:txBody>
-          <a:bodyPr/>
-          <a:lstStyle/>
-          <a:p>
-            <a:r>
-              <a:rPr lang="en-US" dirty="0"/>
-              <a:t>CAUSALITY &amp; REGRESSION</a:t>
-            </a:r>
-          </a:p>
-        </p:txBody>
-      </p:sp>
-      <p:sp>
-        <p:nvSpPr>
-          <p:cNvPr id="3" name="Content Placeholder 2">
-            <a:extLst>
-              <a:ext uri="{FF2B5EF4-FFF2-40B4-BE49-F238E27FC236}">
-                <a16:creationId xmlns:a16="http://schemas.microsoft.com/office/drawing/2014/main" id="{AAFA8653-FD86-8AF8-2083-96AC63865D20}"/>
-              </a:ext>
-            </a:extLst>
-          </p:cNvPr>
-          <p:cNvSpPr>
-            <a:spLocks noGrp="1"/>
-          </p:cNvSpPr>
-          <p:nvPr>
-            <p:ph idx="1"/>
-          </p:nvPr>
-        </p:nvSpPr>
-        <p:spPr>
-          <a:xfrm>
-            <a:off x="581191" y="1157935"/>
-            <a:ext cx="11029615" cy="4299889"/>
-          </a:xfrm>
-        </p:spPr>
-        <p:txBody>
-          <a:bodyPr>
-            <a:noAutofit/>
-          </a:bodyPr>
-          <a:lstStyle/>
-          <a:p>
-            <a:r>
-              <a:rPr lang="en-US" sz="2000" dirty="0">
-                <a:solidFill>
-                  <a:srgbClr val="1F1F1F"/>
-                </a:solidFill>
-                <a:latin typeface="ElsevierGulliver"/>
-              </a:rPr>
-              <a:t>Causality: Relationship between cause and effect, where one event (the cause) directly influences another event (the effect). </a:t>
-            </a:r>
-          </a:p>
-          <a:p>
-            <a:pPr marL="0" indent="0">
-              <a:buNone/>
-            </a:pPr>
-            <a:endParaRPr lang="en-US" sz="2000" dirty="0">
-              <a:solidFill>
-                <a:srgbClr val="1F1F1F"/>
-              </a:solidFill>
-              <a:latin typeface="ElsevierGulliver"/>
-            </a:endParaRPr>
-          </a:p>
-          <a:p>
-            <a:pPr marL="0" indent="0">
-              <a:buNone/>
-            </a:pPr>
-            <a:r>
-              <a:rPr lang="en-US" sz="2000" dirty="0">
-                <a:solidFill>
-                  <a:srgbClr val="1F1F1F"/>
-                </a:solidFill>
-                <a:latin typeface="ElsevierGulliver"/>
-              </a:rPr>
-              <a:t>	E</a:t>
-            </a:r>
-            <a:r>
-              <a:rPr lang="en-US" altLang="zh-CN" sz="2000" dirty="0">
-                <a:solidFill>
-                  <a:srgbClr val="1F1F1F"/>
-                </a:solidFill>
-                <a:latin typeface="ElsevierGulliver"/>
-              </a:rPr>
-              <a:t>xample: the relationship between rainfall and flooding</a:t>
-            </a:r>
-            <a:endParaRPr lang="en-US" sz="2000" dirty="0">
-              <a:solidFill>
-                <a:srgbClr val="1F1F1F"/>
-              </a:solidFill>
-              <a:latin typeface="ElsevierGulliver"/>
-            </a:endParaRPr>
-          </a:p>
-          <a:p>
-            <a:pPr marL="0" indent="0">
-              <a:buNone/>
-            </a:pPr>
-            <a:endParaRPr lang="en-US" sz="2000" dirty="0">
-              <a:solidFill>
-                <a:srgbClr val="1F1F1F"/>
-              </a:solidFill>
-              <a:latin typeface="ElsevierGulliver"/>
-            </a:endParaRPr>
-          </a:p>
-          <a:p>
-            <a:pPr marL="0" indent="0">
-              <a:buNone/>
-            </a:pPr>
-            <a:endParaRPr lang="en-US" sz="2000" dirty="0">
-              <a:solidFill>
-                <a:srgbClr val="1F1F1F"/>
-              </a:solidFill>
-              <a:latin typeface="ElsevierGulliver"/>
-            </a:endParaRPr>
-          </a:p>
-          <a:p>
-            <a:r>
-              <a:rPr lang="en-US" sz="2000" dirty="0">
-                <a:solidFill>
-                  <a:srgbClr val="1F1F1F"/>
-                </a:solidFill>
-                <a:latin typeface="ElsevierGulliver"/>
-              </a:rPr>
-              <a:t>Co-variation: </a:t>
-            </a:r>
-            <a:r>
-              <a:rPr lang="en-US" sz="2000" dirty="0"/>
-              <a:t>Two variables change together. If two variables tend to increase or decrease in a related manner, they are said to </a:t>
-            </a:r>
-            <a:r>
-              <a:rPr lang="en-US" sz="2000" b="1" dirty="0"/>
-              <a:t>covary (not causality)</a:t>
-            </a:r>
-            <a:endParaRPr lang="en-US" sz="2000" dirty="0">
-              <a:solidFill>
-                <a:srgbClr val="1F1F1F"/>
-              </a:solidFill>
-              <a:latin typeface="ElsevierGulliver"/>
-            </a:endParaRPr>
-          </a:p>
-        </p:txBody>
-      </p:sp>
-    </p:spTree>
-    <p:extLst>
-      <p:ext uri="{BB962C8B-B14F-4D97-AF65-F5344CB8AC3E}">
-        <p14:creationId xmlns:p14="http://schemas.microsoft.com/office/powerpoint/2010/main" val="128340750"/>
-      </p:ext>
-    </p:extLst>
-  </p:cSld>
-  <p:clrMapOvr>
-    <a:masterClrMapping/>
-  </p:clrMapOvr>
-</p:sld>
-</file>
-
-<file path=ppt/slides/slide30.xml><?xml version="1.0" encoding="utf-8"?>
+<file path=ppt/slides/slide31.xml><?xml version="1.0" encoding="utf-8"?>
 <p:sld xmlns:a="http://schemas.openxmlformats.org/drawingml/2006/main" xmlns:r="http://schemas.openxmlformats.org/officeDocument/2006/relationships" xmlns:p="http://schemas.openxmlformats.org/presentationml/2006/main">
   <p:cSld>
     <p:spTree>
@@ -23468,10 +24596,310 @@
   <p:clrMapOvr>
     <a:masterClrMapping/>
   </p:clrMapOvr>
+  <p:timing>
+    <p:tnLst>
+      <p:par>
+        <p:cTn id="1" dur="indefinite" restart="never" nodeType="tmRoot"/>
+      </p:par>
+    </p:tnLst>
+  </p:timing>
 </p:sld>
 </file>
 
-<file path=ppt/slides/slide31.xml><?xml version="1.0" encoding="utf-8"?>
+<file path=ppt/slides/slide32.xml><?xml version="1.0" encoding="utf-8"?>
+<p:sld xmlns:a="http://schemas.openxmlformats.org/drawingml/2006/main" xmlns:r="http://schemas.openxmlformats.org/officeDocument/2006/relationships" xmlns:p="http://schemas.openxmlformats.org/presentationml/2006/main">
+  <p:cSld>
+    <p:spTree>
+      <p:nvGrpSpPr>
+        <p:cNvPr id="1" name=""/>
+        <p:cNvGrpSpPr/>
+        <p:nvPr/>
+      </p:nvGrpSpPr>
+      <p:grpSpPr>
+        <a:xfrm>
+          <a:off x="0" y="0"/>
+          <a:ext cx="0" cy="0"/>
+          <a:chOff x="0" y="0"/>
+          <a:chExt cx="0" cy="0"/>
+        </a:xfrm>
+      </p:grpSpPr>
+      <p:sp>
+        <p:nvSpPr>
+          <p:cNvPr id="2" name="Title 1"/>
+          <p:cNvSpPr>
+            <a:spLocks noGrp="1"/>
+          </p:cNvSpPr>
+          <p:nvPr>
+            <p:ph type="title"/>
+          </p:nvPr>
+        </p:nvSpPr>
+        <p:spPr>
+          <a:xfrm>
+            <a:off x="581192" y="702156"/>
+            <a:ext cx="11029616" cy="546352"/>
+          </a:xfrm>
+        </p:spPr>
+        <p:txBody>
+          <a:bodyPr/>
+          <a:lstStyle/>
+          <a:p>
+            <a:r>
+              <a:rPr lang="en-US" dirty="0" smtClean="0"/>
+              <a:t>4. Outlier</a:t>
+            </a:r>
+            <a:endParaRPr lang="en-US" dirty="0"/>
+          </a:p>
+        </p:txBody>
+      </p:sp>
+      <p:pic>
+        <p:nvPicPr>
+          <p:cNvPr id="4" name="Content Placeholder 3"/>
+          <p:cNvPicPr>
+            <a:picLocks noGrp="1" noChangeAspect="1"/>
+          </p:cNvPicPr>
+          <p:nvPr>
+            <p:ph idx="1"/>
+          </p:nvPr>
+        </p:nvPicPr>
+        <p:blipFill>
+          <a:blip r:embed="rId2"/>
+          <a:stretch>
+            <a:fillRect/>
+          </a:stretch>
+        </p:blipFill>
+        <p:spPr>
+          <a:xfrm>
+            <a:off x="1905366" y="1248508"/>
+            <a:ext cx="7520811" cy="3542140"/>
+          </a:xfrm>
+          <a:prstGeom prst="rect">
+            <a:avLst/>
+          </a:prstGeom>
+        </p:spPr>
+      </p:pic>
+      <mc:AlternateContent xmlns:mc="http://schemas.openxmlformats.org/markup-compatibility/2006">
+        <mc:Choice xmlns:a14="http://schemas.microsoft.com/office/drawing/2010/main" Requires="a14">
+          <p:sp>
+            <p:nvSpPr>
+              <p:cNvPr id="5" name="TextBox 4"/>
+              <p:cNvSpPr txBox="1"/>
+              <p:nvPr/>
+            </p:nvSpPr>
+            <p:spPr>
+              <a:xfrm>
+                <a:off x="3200399" y="4790648"/>
+                <a:ext cx="6312877" cy="646331"/>
+              </a:xfrm>
+              <a:prstGeom prst="rect">
+                <a:avLst/>
+              </a:prstGeom>
+              <a:noFill/>
+            </p:spPr>
+            <p:txBody>
+              <a:bodyPr wrap="square" rtlCol="0">
+                <a:spAutoFit/>
+              </a:bodyPr>
+              <a:lstStyle/>
+              <a:p>
+                <a:r>
+                  <a:rPr lang="en-US" dirty="0" smtClean="0"/>
+                  <a:t>If we drop outlier, 20, the RSE decrease from 1.09 to 0.77.</a:t>
+                </a:r>
+              </a:p>
+              <a:p>
+                <a14:m>
+                  <m:oMath xmlns:m="http://schemas.openxmlformats.org/officeDocument/2006/math">
+                    <m:sSup>
+                      <m:sSupPr>
+                        <m:ctrlPr>
+                          <a:rPr lang="en-US" b="0" i="1" smtClean="0">
+                            <a:latin typeface="Cambria Math" panose="02040503050406030204" pitchFamily="18" charset="0"/>
+                          </a:rPr>
+                        </m:ctrlPr>
+                      </m:sSupPr>
+                      <m:e>
+                        <m:r>
+                          <a:rPr lang="en-US" b="0" i="1" smtClean="0">
+                            <a:latin typeface="Cambria Math" panose="02040503050406030204" pitchFamily="18" charset="0"/>
+                          </a:rPr>
+                          <m:t>𝑅</m:t>
+                        </m:r>
+                      </m:e>
+                      <m:sup>
+                        <m:r>
+                          <a:rPr lang="en-US" b="0" i="1" smtClean="0">
+                            <a:latin typeface="Cambria Math" panose="02040503050406030204" pitchFamily="18" charset="0"/>
+                          </a:rPr>
+                          <m:t>2</m:t>
+                        </m:r>
+                      </m:sup>
+                    </m:sSup>
+                  </m:oMath>
+                </a14:m>
+                <a:r>
+                  <a:rPr lang="en-US" dirty="0" smtClean="0"/>
+                  <a:t> increase from 0.805 to 0.892. </a:t>
+                </a:r>
+                <a:endParaRPr lang="en-US" dirty="0"/>
+              </a:p>
+            </p:txBody>
+          </p:sp>
+        </mc:Choice>
+        <mc:Fallback>
+          <p:sp>
+            <p:nvSpPr>
+              <p:cNvPr id="5" name="TextBox 4"/>
+              <p:cNvSpPr txBox="1">
+                <a:spLocks noRot="1" noChangeAspect="1" noMove="1" noResize="1" noEditPoints="1" noAdjustHandles="1" noChangeArrowheads="1" noChangeShapeType="1" noTextEdit="1"/>
+              </p:cNvSpPr>
+              <p:nvPr/>
+            </p:nvSpPr>
+            <p:spPr>
+              <a:xfrm>
+                <a:off x="3200399" y="4790648"/>
+                <a:ext cx="6312877" cy="646331"/>
+              </a:xfrm>
+              <a:prstGeom prst="rect">
+                <a:avLst/>
+              </a:prstGeom>
+              <a:blipFill>
+                <a:blip r:embed="rId3"/>
+                <a:stretch>
+                  <a:fillRect l="-772" t="-5660" b="-14151"/>
+                </a:stretch>
+              </a:blipFill>
+            </p:spPr>
+            <p:txBody>
+              <a:bodyPr/>
+              <a:lstStyle/>
+              <a:p>
+                <a:r>
+                  <a:rPr lang="en-US">
+                    <a:noFill/>
+                  </a:rPr>
+                  <a:t> </a:t>
+                </a:r>
+              </a:p>
+            </p:txBody>
+          </p:sp>
+        </mc:Fallback>
+      </mc:AlternateContent>
+      <mc:AlternateContent xmlns:mc="http://schemas.openxmlformats.org/markup-compatibility/2006">
+        <mc:Choice xmlns:a14="http://schemas.microsoft.com/office/drawing/2010/main" Requires="a14">
+          <p:sp>
+            <p:nvSpPr>
+              <p:cNvPr id="6" name="TextBox 5"/>
+              <p:cNvSpPr txBox="1"/>
+              <p:nvPr/>
+            </p:nvSpPr>
+            <p:spPr>
+              <a:xfrm>
+                <a:off x="1150327" y="5657671"/>
+                <a:ext cx="9891346" cy="1200329"/>
+              </a:xfrm>
+              <a:prstGeom prst="rect">
+                <a:avLst/>
+              </a:prstGeom>
+              <a:noFill/>
+            </p:spPr>
+            <p:txBody>
+              <a:bodyPr wrap="square" rtlCol="0">
+                <a:spAutoFit/>
+              </a:bodyPr>
+              <a:lstStyle/>
+              <a:p>
+                <a:r>
+                  <a:rPr lang="en-US" dirty="0" smtClean="0"/>
+                  <a:t>If we believe the outlier is due to an error in data collection, we can simply remove the observation.</a:t>
+                </a:r>
+              </a:p>
+              <a:p>
+                <a:endParaRPr lang="en-US" dirty="0"/>
+              </a:p>
+              <a:p>
+                <a:r>
+                  <a:rPr lang="en-US" dirty="0" smtClean="0"/>
+                  <a:t>However, care should be taken ,since an outlier may indicate a deficiency in the model, such as missing </a:t>
+                </a:r>
+                <a14:m>
+                  <m:oMath xmlns:m="http://schemas.openxmlformats.org/officeDocument/2006/math">
+                    <m:r>
+                      <a:rPr lang="en-US" b="0" i="1" smtClean="0">
+                        <a:latin typeface="Cambria Math" panose="02040503050406030204" pitchFamily="18" charset="0"/>
+                      </a:rPr>
+                      <m:t>𝑥</m:t>
+                    </m:r>
+                  </m:oMath>
+                </a14:m>
+                <a:r>
+                  <a:rPr lang="en-US" dirty="0" smtClean="0"/>
+                  <a:t> variables </a:t>
+                </a:r>
+                <a:endParaRPr lang="en-US" dirty="0"/>
+              </a:p>
+            </p:txBody>
+          </p:sp>
+        </mc:Choice>
+        <mc:Fallback>
+          <p:sp>
+            <p:nvSpPr>
+              <p:cNvPr id="6" name="TextBox 5"/>
+              <p:cNvSpPr txBox="1">
+                <a:spLocks noRot="1" noChangeAspect="1" noMove="1" noResize="1" noEditPoints="1" noAdjustHandles="1" noChangeArrowheads="1" noChangeShapeType="1" noTextEdit="1"/>
+              </p:cNvSpPr>
+              <p:nvPr/>
+            </p:nvSpPr>
+            <p:spPr>
+              <a:xfrm>
+                <a:off x="1150327" y="5657671"/>
+                <a:ext cx="9891346" cy="1200329"/>
+              </a:xfrm>
+              <a:prstGeom prst="rect">
+                <a:avLst/>
+              </a:prstGeom>
+              <a:blipFill>
+                <a:blip r:embed="rId4"/>
+                <a:stretch>
+                  <a:fillRect l="-555" t="-2538" b="-7107"/>
+                </a:stretch>
+              </a:blipFill>
+            </p:spPr>
+            <p:txBody>
+              <a:bodyPr/>
+              <a:lstStyle/>
+              <a:p>
+                <a:r>
+                  <a:rPr lang="en-US">
+                    <a:noFill/>
+                  </a:rPr>
+                  <a:t> </a:t>
+                </a:r>
+              </a:p>
+            </p:txBody>
+          </p:sp>
+        </mc:Fallback>
+      </mc:AlternateContent>
+    </p:spTree>
+    <p:extLst>
+      <p:ext uri="{BB962C8B-B14F-4D97-AF65-F5344CB8AC3E}">
+        <p14:creationId xmlns:p14="http://schemas.microsoft.com/office/powerpoint/2010/main" val="955021112"/>
+      </p:ext>
+    </p:extLst>
+  </p:cSld>
+  <p:clrMapOvr>
+    <a:masterClrMapping/>
+  </p:clrMapOvr>
+  <p:timing>
+    <p:tnLst>
+      <p:par>
+        <p:cTn id="1" dur="indefinite" restart="never" nodeType="tmRoot"/>
+      </p:par>
+    </p:tnLst>
+  </p:timing>
+</p:sld>
+</file>
+
+<file path=ppt/slides/slide33.xml><?xml version="1.0" encoding="utf-8"?>
 <p:sld xmlns:a="http://schemas.openxmlformats.org/drawingml/2006/main" xmlns:r="http://schemas.openxmlformats.org/officeDocument/2006/relationships" xmlns:p="http://schemas.openxmlformats.org/presentationml/2006/main">
   <p:cSld>
     <p:spTree>
@@ -23566,6 +24994,14 @@
                 </a:solidFill>
               </a:rPr>
             </a:br>
+            <a:r>
+              <a:rPr lang="en-US" sz="4000" dirty="0">
+                <a:solidFill>
+                  <a:srgbClr val="FFFFFF"/>
+                </a:solidFill>
+              </a:rPr>
+              <a:t/>
+            </a:r>
             <a:br>
               <a:rPr lang="en-US" sz="4000" dirty="0">
                 <a:solidFill>
@@ -23885,10 +25321,17 @@
   <p:clrMapOvr>
     <a:masterClrMapping/>
   </p:clrMapOvr>
+  <p:timing>
+    <p:tnLst>
+      <p:par>
+        <p:cTn id="1" dur="indefinite" restart="never" nodeType="tmRoot"/>
+      </p:par>
+    </p:tnLst>
+  </p:timing>
 </p:sld>
 </file>
 
-<file path=ppt/slides/slide32.xml><?xml version="1.0" encoding="utf-8"?>
+<file path=ppt/slides/slide34.xml><?xml version="1.0" encoding="utf-8"?>
 <p:sld xmlns:a="http://schemas.openxmlformats.org/drawingml/2006/main" xmlns:r="http://schemas.openxmlformats.org/officeDocument/2006/relationships" xmlns:p="http://schemas.openxmlformats.org/presentationml/2006/main">
   <p:cSld>
     <p:spTree>
@@ -23907,13 +25350,7 @@
       </p:grpSpPr>
       <p:sp>
         <p:nvSpPr>
-          <p:cNvPr id="2" name="Title 1">
-            <a:extLst>
-              <a:ext uri="{FF2B5EF4-FFF2-40B4-BE49-F238E27FC236}">
-                <a16:creationId xmlns:a16="http://schemas.microsoft.com/office/drawing/2014/main" id="{F7901A73-E3C7-8E41-F91E-5A723AB66E5E}"/>
-              </a:ext>
-            </a:extLst>
-          </p:cNvPr>
+          <p:cNvPr id="2" name="Title 1"/>
           <p:cNvSpPr>
             <a:spLocks noGrp="1"/>
           </p:cNvSpPr>
@@ -23921,35 +25358,27 @@
             <p:ph type="title"/>
           </p:nvPr>
         </p:nvSpPr>
-        <p:spPr/>
+        <p:spPr>
+          <a:xfrm>
+            <a:off x="581192" y="702156"/>
+            <a:ext cx="11029616" cy="563936"/>
+          </a:xfrm>
+        </p:spPr>
         <p:txBody>
           <a:bodyPr/>
           <a:lstStyle/>
           <a:p>
             <a:r>
-              <a:rPr lang="en-US" dirty="0"/>
-              <a:t>Run the </a:t>
+              <a:rPr lang="en-US" dirty="0" smtClean="0"/>
+              <a:t>code</a:t>
             </a:r>
-            <a:r>
-              <a:rPr lang="en-US" dirty="0" err="1"/>
-              <a:t>lm</a:t>
-            </a:r>
-            <a:r>
-              <a:rPr lang="en-US" dirty="0"/>
-              <a:t> model in R</a:t>
-            </a:r>
+            <a:endParaRPr lang="en-US" dirty="0"/>
           </a:p>
         </p:txBody>
       </p:sp>
       <p:sp>
         <p:nvSpPr>
-          <p:cNvPr id="3" name="Content Placeholder 2">
-            <a:extLst>
-              <a:ext uri="{FF2B5EF4-FFF2-40B4-BE49-F238E27FC236}">
-                <a16:creationId xmlns:a16="http://schemas.microsoft.com/office/drawing/2014/main" id="{C941857A-8B92-12C6-0ED9-82D747655433}"/>
-              </a:ext>
-            </a:extLst>
-          </p:cNvPr>
+          <p:cNvPr id="3" name="Content Placeholder 2"/>
           <p:cNvSpPr>
             <a:spLocks noGrp="1"/>
           </p:cNvSpPr>
@@ -23957,1346 +25386,28 @@
             <p:ph idx="1"/>
           </p:nvPr>
         </p:nvSpPr>
-        <p:spPr/>
+        <p:spPr>
+          <a:xfrm>
+            <a:off x="581193" y="1347334"/>
+            <a:ext cx="11029615" cy="877121"/>
+          </a:xfrm>
+        </p:spPr>
         <p:txBody>
           <a:bodyPr/>
           <a:lstStyle/>
           <a:p>
-            <a:endParaRPr lang="en-US"/>
+            <a:r>
+              <a:rPr lang="en-US" dirty="0" smtClean="0"/>
+              <a:t>week04_Demo</a:t>
+            </a:r>
+            <a:endParaRPr lang="en-US" dirty="0"/>
           </a:p>
         </p:txBody>
       </p:sp>
     </p:spTree>
     <p:extLst>
       <p:ext uri="{BB962C8B-B14F-4D97-AF65-F5344CB8AC3E}">
-        <p14:creationId xmlns:p14="http://schemas.microsoft.com/office/powerpoint/2010/main" val="834197850"/>
-      </p:ext>
-    </p:extLst>
-  </p:cSld>
-  <p:clrMapOvr>
-    <a:masterClrMapping/>
-  </p:clrMapOvr>
-</p:sld>
-</file>
-
-<file path=ppt/slides/slide33.xml><?xml version="1.0" encoding="utf-8"?>
-<p:sld xmlns:a="http://schemas.openxmlformats.org/drawingml/2006/main" xmlns:r="http://schemas.openxmlformats.org/officeDocument/2006/relationships" xmlns:p="http://schemas.openxmlformats.org/presentationml/2006/main">
-  <p:cSld>
-    <p:spTree>
-      <p:nvGrpSpPr>
-        <p:cNvPr id="1" name="">
-          <a:extLst>
-            <a:ext uri="{FF2B5EF4-FFF2-40B4-BE49-F238E27FC236}">
-              <a16:creationId xmlns:a16="http://schemas.microsoft.com/office/drawing/2014/main" id="{FC794D4E-286C-FE60-17EE-1E23137C92A4}"/>
-            </a:ext>
-          </a:extLst>
-        </p:cNvPr>
-        <p:cNvGrpSpPr/>
-        <p:nvPr/>
-      </p:nvGrpSpPr>
-      <p:grpSpPr>
-        <a:xfrm>
-          <a:off x="0" y="0"/>
-          <a:ext cx="0" cy="0"/>
-          <a:chOff x="0" y="0"/>
-          <a:chExt cx="0" cy="0"/>
-        </a:xfrm>
-      </p:grpSpPr>
-      <p:pic>
-        <p:nvPicPr>
-          <p:cNvPr id="4" name="Picture 3" descr="A colorful background with waves&#10;&#10;Description automatically generated with medium confidence">
-            <a:extLst>
-              <a:ext uri="{FF2B5EF4-FFF2-40B4-BE49-F238E27FC236}">
-                <a16:creationId xmlns:a16="http://schemas.microsoft.com/office/drawing/2014/main" id="{7761A6B4-BF5A-7E32-9C99-A6C0C68EC8C1}"/>
-              </a:ext>
-            </a:extLst>
-          </p:cNvPr>
-          <p:cNvPicPr>
-            <a:picLocks noChangeAspect="1"/>
-          </p:cNvPicPr>
-          <p:nvPr/>
-        </p:nvPicPr>
-        <p:blipFill>
-          <a:blip r:embed="rId2"/>
-          <a:srcRect r="11111"/>
-          <a:stretch/>
-        </p:blipFill>
-        <p:spPr>
-          <a:xfrm>
-            <a:off x="20" y="12"/>
-            <a:ext cx="12191980" cy="6857988"/>
-          </a:xfrm>
-          <a:prstGeom prst="rect">
-            <a:avLst/>
-          </a:prstGeom>
-        </p:spPr>
-      </p:pic>
-      <p:sp>
-        <p:nvSpPr>
-          <p:cNvPr id="2" name="Title 1">
-            <a:extLst>
-              <a:ext uri="{FF2B5EF4-FFF2-40B4-BE49-F238E27FC236}">
-                <a16:creationId xmlns:a16="http://schemas.microsoft.com/office/drawing/2014/main" id="{6D5BD29C-2E1C-C195-1293-F148C58972FE}"/>
-              </a:ext>
-            </a:extLst>
-          </p:cNvPr>
-          <p:cNvSpPr>
-            <a:spLocks noGrp="1"/>
-          </p:cNvSpPr>
-          <p:nvPr>
-            <p:ph type="ctrTitle"/>
-          </p:nvPr>
-        </p:nvSpPr>
-        <p:spPr>
-          <a:xfrm>
-            <a:off x="837126" y="1693546"/>
-            <a:ext cx="4320227" cy="2009774"/>
-          </a:xfrm>
-        </p:spPr>
-        <p:txBody>
-          <a:bodyPr>
-            <a:normAutofit/>
-          </a:bodyPr>
-          <a:lstStyle/>
-          <a:p>
-            <a:r>
-              <a:rPr lang="en-US" sz="4000" dirty="0">
-                <a:solidFill>
-                  <a:srgbClr val="FFFFFF"/>
-                </a:solidFill>
-              </a:rPr>
-              <a:t>WEEK 03 </a:t>
-            </a:r>
-            <a:br>
-              <a:rPr lang="en-US" sz="4000" dirty="0">
-                <a:solidFill>
-                  <a:srgbClr val="FFFFFF"/>
-                </a:solidFill>
-              </a:rPr>
-            </a:br>
-            <a:br>
-              <a:rPr lang="en-US" sz="4000" dirty="0">
-                <a:solidFill>
-                  <a:srgbClr val="FFFFFF"/>
-                </a:solidFill>
-              </a:rPr>
-            </a:br>
-            <a:r>
-              <a:rPr lang="en-US" sz="4000" dirty="0">
-                <a:solidFill>
-                  <a:srgbClr val="FFFFFF"/>
-                </a:solidFill>
-              </a:rPr>
-              <a:t>LECTURE </a:t>
-            </a:r>
-            <a:r>
-              <a:rPr lang="en-US" altLang="zh-CN" sz="4000" dirty="0">
-                <a:solidFill>
-                  <a:srgbClr val="FFFFFF"/>
-                </a:solidFill>
-              </a:rPr>
-              <a:t>session</a:t>
-            </a:r>
-            <a:endParaRPr lang="en-US" sz="4000" dirty="0">
-              <a:solidFill>
-                <a:srgbClr val="FFFFFF"/>
-              </a:solidFill>
-            </a:endParaRPr>
-          </a:p>
-        </p:txBody>
-      </p:sp>
-      <p:sp>
-        <p:nvSpPr>
-          <p:cNvPr id="5" name="TextBox 4">
-            <a:extLst>
-              <a:ext uri="{FF2B5EF4-FFF2-40B4-BE49-F238E27FC236}">
-                <a16:creationId xmlns:a16="http://schemas.microsoft.com/office/drawing/2014/main" id="{036B33D7-A97E-48E0-5A3C-69D629BC6289}"/>
-              </a:ext>
-            </a:extLst>
-          </p:cNvPr>
-          <p:cNvSpPr txBox="1"/>
-          <p:nvPr/>
-        </p:nvSpPr>
-        <p:spPr>
-          <a:xfrm>
-            <a:off x="837126" y="4289196"/>
-            <a:ext cx="3912124" cy="3046988"/>
-          </a:xfrm>
-          <a:prstGeom prst="rect">
-            <a:avLst/>
-          </a:prstGeom>
-          <a:noFill/>
-        </p:spPr>
-        <p:txBody>
-          <a:bodyPr wrap="square" rtlCol="0">
-            <a:spAutoFit/>
-          </a:bodyPr>
-          <a:lstStyle/>
-          <a:p>
-            <a:pPr marL="0" marR="0" lvl="0" indent="0" algn="l" defTabSz="457200" rtl="0" eaLnBrk="1" fontAlgn="auto" latinLnBrk="0" hangingPunct="1">
-              <a:lnSpc>
-                <a:spcPct val="100000"/>
-              </a:lnSpc>
-              <a:spcBef>
-                <a:spcPts val="0"/>
-              </a:spcBef>
-              <a:spcAft>
-                <a:spcPts val="0"/>
-              </a:spcAft>
-              <a:buClrTx/>
-              <a:buSzTx/>
-              <a:buFontTx/>
-              <a:buNone/>
-              <a:tabLst/>
-              <a:defRPr/>
-            </a:pPr>
-            <a:r>
-              <a:rPr kumimoji="0" lang="en-US" sz="3200" b="0" i="0" u="none" strike="noStrike" kern="1200" cap="none" spc="0" normalizeH="0" baseline="0" noProof="0" dirty="0">
-                <a:ln>
-                  <a:noFill/>
-                </a:ln>
-                <a:solidFill>
-                  <a:srgbClr val="FFFFFF">
-                    <a:alpha val="75000"/>
-                  </a:srgbClr>
-                </a:solidFill>
-                <a:effectLst/>
-                <a:uLnTx/>
-                <a:uFillTx/>
-                <a:latin typeface="Calibri"/>
-                <a:ea typeface="+mn-ea"/>
-                <a:cs typeface="+mn-cs"/>
-              </a:rPr>
-              <a:t>Instructor: Yanan Wu</a:t>
-            </a:r>
-          </a:p>
-          <a:p>
-            <a:pPr marL="0" marR="0" lvl="0" indent="0" algn="l" defTabSz="457200" rtl="0" eaLnBrk="1" fontAlgn="auto" latinLnBrk="0" hangingPunct="1">
-              <a:lnSpc>
-                <a:spcPct val="100000"/>
-              </a:lnSpc>
-              <a:spcBef>
-                <a:spcPts val="0"/>
-              </a:spcBef>
-              <a:spcAft>
-                <a:spcPts val="0"/>
-              </a:spcAft>
-              <a:buClrTx/>
-              <a:buSzTx/>
-              <a:buFontTx/>
-              <a:buNone/>
-              <a:tabLst/>
-              <a:defRPr/>
-            </a:pPr>
-            <a:r>
-              <a:rPr kumimoji="0" lang="en-US" sz="3200" b="0" i="0" u="none" strike="noStrike" kern="1200" cap="none" spc="0" normalizeH="0" baseline="0" noProof="0" dirty="0">
-                <a:ln>
-                  <a:noFill/>
-                </a:ln>
-                <a:solidFill>
-                  <a:srgbClr val="FFFFFF">
-                    <a:alpha val="75000"/>
-                  </a:srgbClr>
-                </a:solidFill>
-                <a:effectLst/>
-                <a:uLnTx/>
-                <a:uFillTx/>
-                <a:latin typeface="Calibri"/>
-                <a:ea typeface="+mn-ea"/>
-                <a:cs typeface="+mn-cs"/>
-              </a:rPr>
-              <a:t>TA: </a:t>
-            </a:r>
-            <a:r>
-              <a:rPr lang="en-US" sz="3200" dirty="0">
-                <a:solidFill>
-                  <a:srgbClr val="FFFFFF">
-                    <a:alpha val="75000"/>
-                  </a:srgbClr>
-                </a:solidFill>
-                <a:latin typeface="Calibri" panose="020F0502020204030204" pitchFamily="34" charset="0"/>
-                <a:ea typeface="Calibri" panose="020F0502020204030204" pitchFamily="34" charset="0"/>
-                <a:cs typeface="Calibri" panose="020F0502020204030204" pitchFamily="34" charset="0"/>
-              </a:rPr>
-              <a:t>Khadija Nisar </a:t>
-            </a:r>
-            <a:endParaRPr kumimoji="0" lang="en-US" sz="3200" b="0" i="0" u="none" strike="noStrike" kern="1200" cap="none" spc="0" normalizeH="0" baseline="0" noProof="0" dirty="0">
-              <a:ln>
-                <a:noFill/>
-              </a:ln>
-              <a:solidFill>
-                <a:srgbClr val="FFFFFF">
-                  <a:alpha val="75000"/>
-                </a:srgbClr>
-              </a:solidFill>
-              <a:effectLst/>
-              <a:uLnTx/>
-              <a:uFillTx/>
-              <a:latin typeface="Calibri"/>
-              <a:ea typeface="+mn-ea"/>
-              <a:cs typeface="+mn-cs"/>
-            </a:endParaRPr>
-          </a:p>
-          <a:p>
-            <a:pPr marL="0" marR="0" lvl="0" indent="0" algn="l" defTabSz="457200" rtl="0" eaLnBrk="1" fontAlgn="auto" latinLnBrk="0" hangingPunct="1">
-              <a:lnSpc>
-                <a:spcPct val="100000"/>
-              </a:lnSpc>
-              <a:spcBef>
-                <a:spcPts val="0"/>
-              </a:spcBef>
-              <a:spcAft>
-                <a:spcPts val="0"/>
-              </a:spcAft>
-              <a:buClrTx/>
-              <a:buSzTx/>
-              <a:buFontTx/>
-              <a:buNone/>
-              <a:tabLst/>
-              <a:defRPr/>
-            </a:pPr>
-            <a:r>
-              <a:rPr kumimoji="0" lang="en-US" sz="3200" b="0" i="0" u="none" strike="noStrike" kern="1200" cap="none" spc="0" normalizeH="0" baseline="0" noProof="0" dirty="0">
-                <a:ln>
-                  <a:noFill/>
-                </a:ln>
-                <a:solidFill>
-                  <a:srgbClr val="FFFFFF">
-                    <a:alpha val="75000"/>
-                  </a:srgbClr>
-                </a:solidFill>
-                <a:effectLst/>
-                <a:uLnTx/>
-                <a:uFillTx/>
-                <a:latin typeface="Calibri"/>
-                <a:ea typeface="+mn-ea"/>
-                <a:cs typeface="+mn-cs"/>
-              </a:rPr>
-              <a:t> </a:t>
-            </a:r>
-          </a:p>
-          <a:p>
-            <a:pPr marL="0" marR="0" lvl="0" indent="0" algn="l" defTabSz="457200" rtl="0" eaLnBrk="1" fontAlgn="auto" latinLnBrk="0" hangingPunct="1">
-              <a:lnSpc>
-                <a:spcPct val="100000"/>
-              </a:lnSpc>
-              <a:spcBef>
-                <a:spcPts val="0"/>
-              </a:spcBef>
-              <a:spcAft>
-                <a:spcPts val="0"/>
-              </a:spcAft>
-              <a:buClrTx/>
-              <a:buSzTx/>
-              <a:buFontTx/>
-              <a:buNone/>
-              <a:tabLst/>
-              <a:defRPr/>
-            </a:pPr>
-            <a:r>
-              <a:rPr kumimoji="0" lang="en-US" sz="3200" b="0" i="0" u="none" strike="noStrike" kern="1200" cap="none" spc="0" normalizeH="0" baseline="0" noProof="0" dirty="0">
-                <a:ln>
-                  <a:noFill/>
-                </a:ln>
-                <a:solidFill>
-                  <a:srgbClr val="FFFFFF">
-                    <a:alpha val="75000"/>
-                  </a:srgbClr>
-                </a:solidFill>
-                <a:effectLst/>
-                <a:uLnTx/>
-                <a:uFillTx/>
-                <a:latin typeface="Calibri"/>
-                <a:ea typeface="+mn-ea"/>
-                <a:cs typeface="+mn-cs"/>
-              </a:rPr>
-              <a:t>Spring 2025</a:t>
-            </a:r>
-          </a:p>
-          <a:p>
-            <a:pPr marL="0" marR="0" lvl="0" indent="0" algn="l" defTabSz="457200" rtl="0" eaLnBrk="1" fontAlgn="auto" latinLnBrk="0" hangingPunct="1">
-              <a:lnSpc>
-                <a:spcPct val="100000"/>
-              </a:lnSpc>
-              <a:spcBef>
-                <a:spcPts val="0"/>
-              </a:spcBef>
-              <a:spcAft>
-                <a:spcPts val="0"/>
-              </a:spcAft>
-              <a:buClrTx/>
-              <a:buSzTx/>
-              <a:buFontTx/>
-              <a:buNone/>
-              <a:tabLst/>
-              <a:defRPr/>
-            </a:pPr>
-            <a:endParaRPr kumimoji="0" lang="en-US" sz="3200" b="0" i="0" u="none" strike="noStrike" kern="1200" cap="none" spc="0" normalizeH="0" baseline="0" noProof="0" dirty="0">
-              <a:ln>
-                <a:noFill/>
-              </a:ln>
-              <a:solidFill>
-                <a:srgbClr val="FFFFFF">
-                  <a:alpha val="75000"/>
-                </a:srgbClr>
-              </a:solidFill>
-              <a:effectLst/>
-              <a:uLnTx/>
-              <a:uFillTx/>
-              <a:latin typeface="Calibri"/>
-              <a:ea typeface="+mn-ea"/>
-              <a:cs typeface="+mn-cs"/>
-            </a:endParaRPr>
-          </a:p>
-          <a:p>
-            <a:pPr marL="0" marR="0" lvl="0" indent="0" algn="l" defTabSz="457200" rtl="0" eaLnBrk="1" fontAlgn="auto" latinLnBrk="0" hangingPunct="1">
-              <a:lnSpc>
-                <a:spcPct val="100000"/>
-              </a:lnSpc>
-              <a:spcBef>
-                <a:spcPts val="0"/>
-              </a:spcBef>
-              <a:spcAft>
-                <a:spcPts val="0"/>
-              </a:spcAft>
-              <a:buClrTx/>
-              <a:buSzTx/>
-              <a:buFontTx/>
-              <a:buNone/>
-              <a:tabLst/>
-              <a:defRPr/>
-            </a:pPr>
-            <a:endParaRPr kumimoji="0" lang="en-US" sz="3200" b="0" i="0" u="none" strike="noStrike" kern="1200" cap="none" spc="0" normalizeH="0" baseline="0" noProof="0" dirty="0">
-              <a:ln>
-                <a:noFill/>
-              </a:ln>
-              <a:solidFill>
-                <a:srgbClr val="000000"/>
-              </a:solidFill>
-              <a:effectLst/>
-              <a:uLnTx/>
-              <a:uFillTx/>
-              <a:latin typeface="Calibri"/>
-              <a:ea typeface="+mn-ea"/>
-              <a:cs typeface="+mn-cs"/>
-            </a:endParaRPr>
-          </a:p>
-        </p:txBody>
-      </p:sp>
-    </p:spTree>
-    <p:extLst>
-      <p:ext uri="{BB962C8B-B14F-4D97-AF65-F5344CB8AC3E}">
-        <p14:creationId xmlns:p14="http://schemas.microsoft.com/office/powerpoint/2010/main" val="2776482636"/>
-      </p:ext>
-    </p:extLst>
-  </p:cSld>
-  <p:clrMapOvr>
-    <a:masterClrMapping/>
-  </p:clrMapOvr>
-</p:sld>
-</file>
-
-<file path=ppt/slides/slide34.xml><?xml version="1.0" encoding="utf-8"?>
-<p:sld xmlns:a="http://schemas.openxmlformats.org/drawingml/2006/main" xmlns:r="http://schemas.openxmlformats.org/officeDocument/2006/relationships" xmlns:p="http://schemas.openxmlformats.org/presentationml/2006/main">
-  <p:cSld>
-    <p:bg>
-      <p:bgPr>
-        <a:solidFill>
-          <a:schemeClr val="bg1"/>
-        </a:solidFill>
-        <a:effectLst/>
-      </p:bgPr>
-    </p:bg>
-    <p:spTree>
-      <p:nvGrpSpPr>
-        <p:cNvPr id="1" name="">
-          <a:extLst>
-            <a:ext uri="{FF2B5EF4-FFF2-40B4-BE49-F238E27FC236}">
-              <a16:creationId xmlns:a16="http://schemas.microsoft.com/office/drawing/2014/main" id="{6E0A904F-1DAE-CF26-A304-836A88A382DD}"/>
-            </a:ext>
-          </a:extLst>
-        </p:cNvPr>
-        <p:cNvGrpSpPr/>
-        <p:nvPr/>
-      </p:nvGrpSpPr>
-      <p:grpSpPr>
-        <a:xfrm>
-          <a:off x="0" y="0"/>
-          <a:ext cx="0" cy="0"/>
-          <a:chOff x="0" y="0"/>
-          <a:chExt cx="0" cy="0"/>
-        </a:xfrm>
-      </p:grpSpPr>
-      <p:sp>
-        <p:nvSpPr>
-          <p:cNvPr id="36" name="Rectangle 35">
-            <a:extLst>
-              <a:ext uri="{FF2B5EF4-FFF2-40B4-BE49-F238E27FC236}">
-                <a16:creationId xmlns:a16="http://schemas.microsoft.com/office/drawing/2014/main" id="{0633237E-236F-41C4-5E40-346D8CE3B616}"/>
-              </a:ext>
-              <a:ext uri="{C183D7F6-B498-43B3-948B-1728B52AA6E4}">
-                <adec:decorative xmlns:adec="http://schemas.microsoft.com/office/drawing/2017/decorative" val="1"/>
-              </a:ext>
-            </a:extLst>
-          </p:cNvPr>
-          <p:cNvSpPr>
-            <a:spLocks noGrp="1" noRot="1" noChangeAspect="1" noMove="1" noResize="1" noEditPoints="1" noAdjustHandles="1" noChangeArrowheads="1" noChangeShapeType="1" noTextEdit="1"/>
-          </p:cNvSpPr>
-          <p:nvPr>
-            <p:extLst>
-              <p:ext uri="{386F3935-93C4-4BCD-93E2-E3B085C9AB24}">
-                <p16:designElem xmlns:p16="http://schemas.microsoft.com/office/powerpoint/2015/main" val="1"/>
-              </p:ext>
-            </p:extLst>
-          </p:nvPr>
-        </p:nvSpPr>
-        <p:spPr>
-          <a:xfrm>
-            <a:off x="446534" y="457200"/>
-            <a:ext cx="3703320" cy="94997"/>
-          </a:xfrm>
-          <a:prstGeom prst="rect">
-            <a:avLst/>
-          </a:prstGeom>
-          <a:solidFill>
-            <a:srgbClr val="465359"/>
-          </a:solidFill>
-          <a:ln>
-            <a:noFill/>
-          </a:ln>
-          <a:effectLst/>
-        </p:spPr>
-        <p:style>
-          <a:lnRef idx="1">
-            <a:schemeClr val="accent1"/>
-          </a:lnRef>
-          <a:fillRef idx="3">
-            <a:schemeClr val="accent1"/>
-          </a:fillRef>
-          <a:effectRef idx="2">
-            <a:schemeClr val="accent1"/>
-          </a:effectRef>
-          <a:fontRef idx="minor">
-            <a:schemeClr val="lt1"/>
-          </a:fontRef>
-        </p:style>
-        <p:txBody>
-          <a:bodyPr/>
-          <a:lstStyle/>
-          <a:p>
-            <a:pPr marL="0" marR="0" lvl="0" indent="0" algn="l" defTabSz="457200" rtl="0" eaLnBrk="1" fontAlgn="auto" latinLnBrk="0" hangingPunct="1">
-              <a:lnSpc>
-                <a:spcPct val="100000"/>
-              </a:lnSpc>
-              <a:spcBef>
-                <a:spcPts val="0"/>
-              </a:spcBef>
-              <a:spcAft>
-                <a:spcPts val="0"/>
-              </a:spcAft>
-              <a:buClrTx/>
-              <a:buSzTx/>
-              <a:buFontTx/>
-              <a:buNone/>
-              <a:tabLst/>
-              <a:defRPr/>
-            </a:pPr>
-            <a:endParaRPr kumimoji="0" lang="en-US" sz="1800" b="0" i="0" u="none" strike="noStrike" kern="1200" cap="none" spc="0" normalizeH="0" baseline="0" noProof="0">
-              <a:ln>
-                <a:noFill/>
-              </a:ln>
-              <a:solidFill>
-                <a:srgbClr val="FFFFFF"/>
-              </a:solidFill>
-              <a:effectLst/>
-              <a:uLnTx/>
-              <a:uFillTx/>
-              <a:latin typeface="Calibri"/>
-              <a:ea typeface="+mn-ea"/>
-              <a:cs typeface="+mn-cs"/>
-            </a:endParaRPr>
-          </a:p>
-        </p:txBody>
-      </p:sp>
-      <p:sp>
-        <p:nvSpPr>
-          <p:cNvPr id="38" name="Rectangle 37">
-            <a:extLst>
-              <a:ext uri="{FF2B5EF4-FFF2-40B4-BE49-F238E27FC236}">
-                <a16:creationId xmlns:a16="http://schemas.microsoft.com/office/drawing/2014/main" id="{FF9673F5-C86C-4A91-9E0B-BF1F3A3ACCEE}"/>
-              </a:ext>
-              <a:ext uri="{C183D7F6-B498-43B3-948B-1728B52AA6E4}">
-                <adec:decorative xmlns:adec="http://schemas.microsoft.com/office/drawing/2017/decorative" val="1"/>
-              </a:ext>
-            </a:extLst>
-          </p:cNvPr>
-          <p:cNvSpPr>
-            <a:spLocks noGrp="1" noRot="1" noChangeAspect="1" noMove="1" noResize="1" noEditPoints="1" noAdjustHandles="1" noChangeArrowheads="1" noChangeShapeType="1" noTextEdit="1"/>
-          </p:cNvSpPr>
-          <p:nvPr>
-            <p:extLst>
-              <p:ext uri="{386F3935-93C4-4BCD-93E2-E3B085C9AB24}">
-                <p16:designElem xmlns:p16="http://schemas.microsoft.com/office/powerpoint/2015/main" val="1"/>
-              </p:ext>
-            </p:extLst>
-          </p:nvPr>
-        </p:nvSpPr>
-        <p:spPr>
-          <a:xfrm>
-            <a:off x="8042147" y="453643"/>
-            <a:ext cx="3703320" cy="98554"/>
-          </a:xfrm>
-          <a:prstGeom prst="rect">
-            <a:avLst/>
-          </a:prstGeom>
-          <a:solidFill>
-            <a:srgbClr val="969FA7"/>
-          </a:solidFill>
-          <a:ln>
-            <a:noFill/>
-          </a:ln>
-          <a:effectLst/>
-        </p:spPr>
-        <p:style>
-          <a:lnRef idx="1">
-            <a:schemeClr val="accent1"/>
-          </a:lnRef>
-          <a:fillRef idx="3">
-            <a:schemeClr val="accent1"/>
-          </a:fillRef>
-          <a:effectRef idx="2">
-            <a:schemeClr val="accent1"/>
-          </a:effectRef>
-          <a:fontRef idx="minor">
-            <a:schemeClr val="lt1"/>
-          </a:fontRef>
-        </p:style>
-        <p:txBody>
-          <a:bodyPr/>
-          <a:lstStyle/>
-          <a:p>
-            <a:pPr marL="0" marR="0" lvl="0" indent="0" algn="l" defTabSz="457200" rtl="0" eaLnBrk="1" fontAlgn="auto" latinLnBrk="0" hangingPunct="1">
-              <a:lnSpc>
-                <a:spcPct val="100000"/>
-              </a:lnSpc>
-              <a:spcBef>
-                <a:spcPts val="0"/>
-              </a:spcBef>
-              <a:spcAft>
-                <a:spcPts val="0"/>
-              </a:spcAft>
-              <a:buClrTx/>
-              <a:buSzTx/>
-              <a:buFontTx/>
-              <a:buNone/>
-              <a:tabLst/>
-              <a:defRPr/>
-            </a:pPr>
-            <a:endParaRPr kumimoji="0" lang="en-US" sz="1800" b="0" i="0" u="none" strike="noStrike" kern="1200" cap="none" spc="0" normalizeH="0" baseline="0" noProof="0">
-              <a:ln>
-                <a:noFill/>
-              </a:ln>
-              <a:solidFill>
-                <a:srgbClr val="FFFFFF"/>
-              </a:solidFill>
-              <a:effectLst/>
-              <a:uLnTx/>
-              <a:uFillTx/>
-              <a:latin typeface="Calibri"/>
-              <a:ea typeface="+mn-ea"/>
-              <a:cs typeface="+mn-cs"/>
-            </a:endParaRPr>
-          </a:p>
-        </p:txBody>
-      </p:sp>
-      <p:sp>
-        <p:nvSpPr>
-          <p:cNvPr id="40" name="Rectangle 39">
-            <a:extLst>
-              <a:ext uri="{FF2B5EF4-FFF2-40B4-BE49-F238E27FC236}">
-                <a16:creationId xmlns:a16="http://schemas.microsoft.com/office/drawing/2014/main" id="{CA65846E-F9CF-E2B5-F7F7-BBAFA5A063B2}"/>
-              </a:ext>
-              <a:ext uri="{C183D7F6-B498-43B3-948B-1728B52AA6E4}">
-                <adec:decorative xmlns:adec="http://schemas.microsoft.com/office/drawing/2017/decorative" val="1"/>
-              </a:ext>
-            </a:extLst>
-          </p:cNvPr>
-          <p:cNvSpPr>
-            <a:spLocks noGrp="1" noRot="1" noChangeAspect="1" noMove="1" noResize="1" noEditPoints="1" noAdjustHandles="1" noChangeArrowheads="1" noChangeShapeType="1" noTextEdit="1"/>
-          </p:cNvSpPr>
-          <p:nvPr>
-            <p:extLst>
-              <p:ext uri="{386F3935-93C4-4BCD-93E2-E3B085C9AB24}">
-                <p16:designElem xmlns:p16="http://schemas.microsoft.com/office/powerpoint/2015/main" val="1"/>
-              </p:ext>
-            </p:extLst>
-          </p:nvPr>
-        </p:nvSpPr>
-        <p:spPr>
-          <a:xfrm>
-            <a:off x="4241830" y="457200"/>
-            <a:ext cx="3703320" cy="91440"/>
-          </a:xfrm>
-          <a:prstGeom prst="rect">
-            <a:avLst/>
-          </a:prstGeom>
-          <a:solidFill>
-            <a:schemeClr val="accent1"/>
-          </a:solidFill>
-          <a:ln>
-            <a:noFill/>
-          </a:ln>
-          <a:effectLst/>
-        </p:spPr>
-        <p:style>
-          <a:lnRef idx="1">
-            <a:schemeClr val="accent1"/>
-          </a:lnRef>
-          <a:fillRef idx="3">
-            <a:schemeClr val="accent1"/>
-          </a:fillRef>
-          <a:effectRef idx="2">
-            <a:schemeClr val="accent1"/>
-          </a:effectRef>
-          <a:fontRef idx="minor">
-            <a:schemeClr val="lt1"/>
-          </a:fontRef>
-        </p:style>
-        <p:txBody>
-          <a:bodyPr/>
-          <a:lstStyle/>
-          <a:p>
-            <a:pPr marL="0" marR="0" lvl="0" indent="0" algn="l" defTabSz="457200" rtl="0" eaLnBrk="1" fontAlgn="auto" latinLnBrk="0" hangingPunct="1">
-              <a:lnSpc>
-                <a:spcPct val="100000"/>
-              </a:lnSpc>
-              <a:spcBef>
-                <a:spcPts val="0"/>
-              </a:spcBef>
-              <a:spcAft>
-                <a:spcPts val="0"/>
-              </a:spcAft>
-              <a:buClrTx/>
-              <a:buSzTx/>
-              <a:buFontTx/>
-              <a:buNone/>
-              <a:tabLst/>
-              <a:defRPr/>
-            </a:pPr>
-            <a:endParaRPr kumimoji="0" lang="en-US" sz="1800" b="0" i="0" u="none" strike="noStrike" kern="1200" cap="none" spc="0" normalizeH="0" baseline="0" noProof="0">
-              <a:ln>
-                <a:noFill/>
-              </a:ln>
-              <a:solidFill>
-                <a:srgbClr val="FFFFFF"/>
-              </a:solidFill>
-              <a:effectLst/>
-              <a:uLnTx/>
-              <a:uFillTx/>
-              <a:latin typeface="Calibri"/>
-              <a:ea typeface="+mn-ea"/>
-              <a:cs typeface="+mn-cs"/>
-            </a:endParaRPr>
-          </a:p>
-        </p:txBody>
-      </p:sp>
-      <p:sp>
-        <p:nvSpPr>
-          <p:cNvPr id="42" name="Rectangle 41">
-            <a:extLst>
-              <a:ext uri="{FF2B5EF4-FFF2-40B4-BE49-F238E27FC236}">
-                <a16:creationId xmlns:a16="http://schemas.microsoft.com/office/drawing/2014/main" id="{06A5BF86-ADFF-7DAD-9B6F-8F8D1C69C23F}"/>
-              </a:ext>
-              <a:ext uri="{C183D7F6-B498-43B3-948B-1728B52AA6E4}">
-                <adec:decorative xmlns:adec="http://schemas.microsoft.com/office/drawing/2017/decorative" val="1"/>
-              </a:ext>
-            </a:extLst>
-          </p:cNvPr>
-          <p:cNvSpPr>
-            <a:spLocks noGrp="1" noRot="1" noChangeAspect="1" noMove="1" noResize="1" noEditPoints="1" noAdjustHandles="1" noChangeArrowheads="1" noChangeShapeType="1" noTextEdit="1"/>
-          </p:cNvSpPr>
-          <p:nvPr>
-            <p:extLst>
-              <p:ext uri="{386F3935-93C4-4BCD-93E2-E3B085C9AB24}">
-                <p16:designElem xmlns:p16="http://schemas.microsoft.com/office/powerpoint/2015/main" val="1"/>
-              </p:ext>
-            </p:extLst>
-          </p:nvPr>
-        </p:nvSpPr>
-        <p:spPr>
-          <a:xfrm>
-            <a:off x="446534" y="3085764"/>
-            <a:ext cx="11298932" cy="3338149"/>
-          </a:xfrm>
-          <a:prstGeom prst="rect">
-            <a:avLst/>
-          </a:prstGeom>
-          <a:solidFill>
-            <a:srgbClr val="465359"/>
-          </a:solidFill>
-          <a:ln>
-            <a:noFill/>
-          </a:ln>
-          <a:effectLst/>
-        </p:spPr>
-        <p:style>
-          <a:lnRef idx="1">
-            <a:schemeClr val="accent1"/>
-          </a:lnRef>
-          <a:fillRef idx="3">
-            <a:schemeClr val="accent1"/>
-          </a:fillRef>
-          <a:effectRef idx="2">
-            <a:schemeClr val="accent1"/>
-          </a:effectRef>
-          <a:fontRef idx="minor">
-            <a:schemeClr val="lt1"/>
-          </a:fontRef>
-        </p:style>
-        <p:txBody>
-          <a:bodyPr/>
-          <a:lstStyle/>
-          <a:p>
-            <a:pPr marL="0" marR="0" lvl="0" indent="0" algn="l" defTabSz="457200" rtl="0" eaLnBrk="1" fontAlgn="auto" latinLnBrk="0" hangingPunct="1">
-              <a:lnSpc>
-                <a:spcPct val="100000"/>
-              </a:lnSpc>
-              <a:spcBef>
-                <a:spcPts val="0"/>
-              </a:spcBef>
-              <a:spcAft>
-                <a:spcPts val="0"/>
-              </a:spcAft>
-              <a:buClrTx/>
-              <a:buSzTx/>
-              <a:buFontTx/>
-              <a:buNone/>
-              <a:tabLst/>
-              <a:defRPr/>
-            </a:pPr>
-            <a:endParaRPr kumimoji="0" lang="en-US" sz="1800" b="0" i="0" u="none" strike="noStrike" kern="1200" cap="none" spc="0" normalizeH="0" baseline="0" noProof="0">
-              <a:ln>
-                <a:noFill/>
-              </a:ln>
-              <a:solidFill>
-                <a:srgbClr val="FFFFFF"/>
-              </a:solidFill>
-              <a:effectLst/>
-              <a:uLnTx/>
-              <a:uFillTx/>
-              <a:latin typeface="Calibri"/>
-              <a:ea typeface="+mn-ea"/>
-              <a:cs typeface="+mn-cs"/>
-            </a:endParaRPr>
-          </a:p>
-        </p:txBody>
-      </p:sp>
-      <p:sp useBgFill="1">
-        <p:nvSpPr>
-          <p:cNvPr id="44" name="Rectangle 43">
-            <a:extLst>
-              <a:ext uri="{FF2B5EF4-FFF2-40B4-BE49-F238E27FC236}">
-                <a16:creationId xmlns:a16="http://schemas.microsoft.com/office/drawing/2014/main" id="{951165A8-D79E-7C99-14F9-1F24089CD566}"/>
-              </a:ext>
-              <a:ext uri="{C183D7F6-B498-43B3-948B-1728B52AA6E4}">
-                <adec:decorative xmlns:adec="http://schemas.microsoft.com/office/drawing/2017/decorative" val="1"/>
-              </a:ext>
-            </a:extLst>
-          </p:cNvPr>
-          <p:cNvSpPr>
-            <a:spLocks noGrp="1" noRot="1" noChangeAspect="1" noMove="1" noResize="1" noEditPoints="1" noAdjustHandles="1" noChangeArrowheads="1" noChangeShapeType="1" noTextEdit="1"/>
-          </p:cNvSpPr>
-          <p:nvPr>
-            <p:extLst>
-              <p:ext uri="{386F3935-93C4-4BCD-93E2-E3B085C9AB24}">
-                <p16:designElem xmlns:p16="http://schemas.microsoft.com/office/powerpoint/2015/main" val="1"/>
-              </p:ext>
-            </p:extLst>
-          </p:nvPr>
-        </p:nvSpPr>
-        <p:spPr>
-          <a:xfrm>
-            <a:off x="0" y="0"/>
-            <a:ext cx="12192000" cy="6858000"/>
-          </a:xfrm>
-          <a:prstGeom prst="rect">
-            <a:avLst/>
-          </a:prstGeom>
-          <a:ln>
-            <a:noFill/>
-          </a:ln>
-        </p:spPr>
-        <p:style>
-          <a:lnRef idx="2">
-            <a:schemeClr val="accent1">
-              <a:shade val="50000"/>
-            </a:schemeClr>
-          </a:lnRef>
-          <a:fillRef idx="1">
-            <a:schemeClr val="accent1"/>
-          </a:fillRef>
-          <a:effectRef idx="0">
-            <a:schemeClr val="accent1"/>
-          </a:effectRef>
-          <a:fontRef idx="minor">
-            <a:schemeClr val="lt1"/>
-          </a:fontRef>
-        </p:style>
-        <p:txBody>
-          <a:bodyPr rtlCol="0" anchor="ctr"/>
-          <a:lstStyle/>
-          <a:p>
-            <a:pPr marL="0" marR="0" lvl="0" indent="0" algn="ctr" defTabSz="457200" rtl="0" eaLnBrk="1" fontAlgn="auto" latinLnBrk="0" hangingPunct="1">
-              <a:lnSpc>
-                <a:spcPct val="100000"/>
-              </a:lnSpc>
-              <a:spcBef>
-                <a:spcPts val="0"/>
-              </a:spcBef>
-              <a:spcAft>
-                <a:spcPts val="0"/>
-              </a:spcAft>
-              <a:buClrTx/>
-              <a:buSzTx/>
-              <a:buFontTx/>
-              <a:buNone/>
-              <a:tabLst/>
-              <a:defRPr/>
-            </a:pPr>
-            <a:endParaRPr kumimoji="0" lang="en-US" sz="1800" b="0" i="0" u="none" strike="noStrike" kern="1200" cap="none" spc="0" normalizeH="0" baseline="0" noProof="0">
-              <a:ln>
-                <a:noFill/>
-              </a:ln>
-              <a:solidFill>
-                <a:srgbClr val="FFFFFF"/>
-              </a:solidFill>
-              <a:effectLst/>
-              <a:uLnTx/>
-              <a:uFillTx/>
-              <a:latin typeface="Calibri"/>
-              <a:ea typeface="+mn-ea"/>
-              <a:cs typeface="+mn-cs"/>
-            </a:endParaRPr>
-          </a:p>
-        </p:txBody>
-      </p:sp>
-      <p:sp>
-        <p:nvSpPr>
-          <p:cNvPr id="46" name="Rectangle 45">
-            <a:extLst>
-              <a:ext uri="{FF2B5EF4-FFF2-40B4-BE49-F238E27FC236}">
-                <a16:creationId xmlns:a16="http://schemas.microsoft.com/office/drawing/2014/main" id="{5DD246B2-FE7B-659B-5ED3-A6431CA16CED}"/>
-              </a:ext>
-              <a:ext uri="{C183D7F6-B498-43B3-948B-1728B52AA6E4}">
-                <adec:decorative xmlns:adec="http://schemas.microsoft.com/office/drawing/2017/decorative" val="1"/>
-              </a:ext>
-            </a:extLst>
-          </p:cNvPr>
-          <p:cNvSpPr>
-            <a:spLocks noGrp="1" noRot="1" noChangeAspect="1" noMove="1" noResize="1" noEditPoints="1" noAdjustHandles="1" noChangeArrowheads="1" noChangeShapeType="1" noTextEdit="1"/>
-          </p:cNvSpPr>
-          <p:nvPr>
-            <p:extLst>
-              <p:ext uri="{386F3935-93C4-4BCD-93E2-E3B085C9AB24}">
-                <p16:designElem xmlns:p16="http://schemas.microsoft.com/office/powerpoint/2015/main" val="1"/>
-              </p:ext>
-            </p:extLst>
-          </p:nvPr>
-        </p:nvSpPr>
-        <p:spPr>
-          <a:xfrm>
-            <a:off x="509628" y="496959"/>
-            <a:ext cx="1106164" cy="5859735"/>
-          </a:xfrm>
-          <a:prstGeom prst="rect">
-            <a:avLst/>
-          </a:prstGeom>
-          <a:solidFill>
-            <a:srgbClr val="465359"/>
-          </a:solidFill>
-          <a:ln>
-            <a:noFill/>
-          </a:ln>
-          <a:effectLst/>
-        </p:spPr>
-        <p:style>
-          <a:lnRef idx="1">
-            <a:schemeClr val="accent1"/>
-          </a:lnRef>
-          <a:fillRef idx="3">
-            <a:schemeClr val="accent1"/>
-          </a:fillRef>
-          <a:effectRef idx="2">
-            <a:schemeClr val="accent1"/>
-          </a:effectRef>
-          <a:fontRef idx="minor">
-            <a:schemeClr val="lt1"/>
-          </a:fontRef>
-        </p:style>
-        <p:txBody>
-          <a:bodyPr/>
-          <a:lstStyle/>
-          <a:p>
-            <a:pPr marL="0" marR="0" lvl="0" indent="0" algn="l" defTabSz="457200" rtl="0" eaLnBrk="1" fontAlgn="auto" latinLnBrk="0" hangingPunct="1">
-              <a:lnSpc>
-                <a:spcPct val="100000"/>
-              </a:lnSpc>
-              <a:spcBef>
-                <a:spcPts val="0"/>
-              </a:spcBef>
-              <a:spcAft>
-                <a:spcPts val="0"/>
-              </a:spcAft>
-              <a:buClrTx/>
-              <a:buSzTx/>
-              <a:buFontTx/>
-              <a:buNone/>
-              <a:tabLst/>
-              <a:defRPr/>
-            </a:pPr>
-            <a:endParaRPr kumimoji="0" lang="en-US" sz="1800" b="0" i="0" u="none" strike="noStrike" kern="1200" cap="none" spc="0" normalizeH="0" baseline="0" noProof="0">
-              <a:ln>
-                <a:noFill/>
-              </a:ln>
-              <a:solidFill>
-                <a:srgbClr val="FFFFFF"/>
-              </a:solidFill>
-              <a:effectLst/>
-              <a:uLnTx/>
-              <a:uFillTx/>
-              <a:latin typeface="Calibri"/>
-              <a:ea typeface="+mn-ea"/>
-              <a:cs typeface="+mn-cs"/>
-            </a:endParaRPr>
-          </a:p>
-        </p:txBody>
-      </p:sp>
-      <p:sp>
-        <p:nvSpPr>
-          <p:cNvPr id="48" name="Rectangle 47">
-            <a:extLst>
-              <a:ext uri="{FF2B5EF4-FFF2-40B4-BE49-F238E27FC236}">
-                <a16:creationId xmlns:a16="http://schemas.microsoft.com/office/drawing/2014/main" id="{43CFE31E-8937-316A-1AE6-EB0EC8B4DB26}"/>
-              </a:ext>
-              <a:ext uri="{C183D7F6-B498-43B3-948B-1728B52AA6E4}">
-                <adec:decorative xmlns:adec="http://schemas.microsoft.com/office/drawing/2017/decorative" val="1"/>
-              </a:ext>
-            </a:extLst>
-          </p:cNvPr>
-          <p:cNvSpPr>
-            <a:spLocks noGrp="1" noRot="1" noChangeAspect="1" noMove="1" noResize="1" noEditPoints="1" noAdjustHandles="1" noChangeArrowheads="1" noChangeShapeType="1" noTextEdit="1"/>
-          </p:cNvSpPr>
-          <p:nvPr>
-            <p:extLst>
-              <p:ext uri="{386F3935-93C4-4BCD-93E2-E3B085C9AB24}">
-                <p16:designElem xmlns:p16="http://schemas.microsoft.com/office/powerpoint/2015/main" val="1"/>
-              </p:ext>
-            </p:extLst>
-          </p:nvPr>
-        </p:nvSpPr>
-        <p:spPr>
-          <a:xfrm>
-            <a:off x="1712856" y="496958"/>
-            <a:ext cx="9961047" cy="3678072"/>
-          </a:xfrm>
-          <a:prstGeom prst="rect">
-            <a:avLst/>
-          </a:prstGeom>
-          <a:solidFill>
-            <a:schemeClr val="accent1"/>
-          </a:solidFill>
-          <a:ln>
-            <a:noFill/>
-          </a:ln>
-          <a:effectLst/>
-        </p:spPr>
-        <p:style>
-          <a:lnRef idx="1">
-            <a:schemeClr val="accent1"/>
-          </a:lnRef>
-          <a:fillRef idx="3">
-            <a:schemeClr val="accent1"/>
-          </a:fillRef>
-          <a:effectRef idx="2">
-            <a:schemeClr val="accent1"/>
-          </a:effectRef>
-          <a:fontRef idx="minor">
-            <a:schemeClr val="lt1"/>
-          </a:fontRef>
-        </p:style>
-        <p:txBody>
-          <a:bodyPr/>
-          <a:lstStyle/>
-          <a:p>
-            <a:pPr marL="0" marR="0" lvl="0" indent="0" algn="l" defTabSz="457200" rtl="0" eaLnBrk="1" fontAlgn="auto" latinLnBrk="0" hangingPunct="1">
-              <a:lnSpc>
-                <a:spcPct val="100000"/>
-              </a:lnSpc>
-              <a:spcBef>
-                <a:spcPts val="0"/>
-              </a:spcBef>
-              <a:spcAft>
-                <a:spcPts val="0"/>
-              </a:spcAft>
-              <a:buClrTx/>
-              <a:buSzTx/>
-              <a:buFontTx/>
-              <a:buNone/>
-              <a:tabLst/>
-              <a:defRPr/>
-            </a:pPr>
-            <a:endParaRPr kumimoji="0" lang="en-US" sz="1800" b="0" i="0" u="none" strike="noStrike" kern="1200" cap="none" spc="0" normalizeH="0" baseline="0" noProof="0">
-              <a:ln>
-                <a:noFill/>
-              </a:ln>
-              <a:solidFill>
-                <a:srgbClr val="FFFFFF"/>
-              </a:solidFill>
-              <a:effectLst/>
-              <a:uLnTx/>
-              <a:uFillTx/>
-              <a:latin typeface="Calibri"/>
-              <a:ea typeface="+mn-ea"/>
-              <a:cs typeface="+mn-cs"/>
-            </a:endParaRPr>
-          </a:p>
-        </p:txBody>
-      </p:sp>
-      <mc:AlternateContent xmlns:mc="http://schemas.openxmlformats.org/markup-compatibility/2006" xmlns:a14="http://schemas.microsoft.com/office/drawing/2010/main">
-        <mc:Choice Requires="a14">
-          <p:sp>
-            <p:nvSpPr>
-              <p:cNvPr id="2" name="Title 1">
-                <a:extLst>
-                  <a:ext uri="{FF2B5EF4-FFF2-40B4-BE49-F238E27FC236}">
-                    <a16:creationId xmlns:a16="http://schemas.microsoft.com/office/drawing/2014/main" id="{78A8BA1C-646E-520D-FA58-A84DB323EA34}"/>
-                  </a:ext>
-                </a:extLst>
-              </p:cNvPr>
-              <p:cNvSpPr>
-                <a:spLocks noGrp="1"/>
-              </p:cNvSpPr>
-              <p:nvPr>
-                <p:ph type="title"/>
-              </p:nvPr>
-            </p:nvSpPr>
-            <p:spPr>
-              <a:xfrm>
-                <a:off x="1893715" y="708498"/>
-                <a:ext cx="9691733" cy="3330055"/>
-              </a:xfrm>
-            </p:spPr>
-            <p:txBody>
-              <a:bodyPr vert="horz" lIns="91440" tIns="45720" rIns="91440" bIns="45720" rtlCol="0" anchor="ctr">
-                <a:normAutofit/>
-              </a:bodyPr>
-              <a:lstStyle/>
-              <a:p>
-                <a:r>
-                  <a:rPr lang="en-US" sz="6000" b="0" kern="1200" cap="all" dirty="0">
-                    <a:solidFill>
-                      <a:srgbClr val="FFFFFF"/>
-                    </a:solidFill>
-                    <a:latin typeface="+mj-lt"/>
-                    <a:ea typeface="+mj-ea"/>
-                    <a:cs typeface="+mj-cs"/>
-                  </a:rPr>
-                  <a:t>2.1.3 Transformation of </a:t>
-                </a:r>
-                <a14:m>
-                  <m:oMath xmlns:m="http://schemas.openxmlformats.org/officeDocument/2006/math">
-                    <m:r>
-                      <a:rPr lang="en-US" sz="6000" b="0" i="1" kern="1200" cap="all" smtClean="0">
-                        <a:solidFill>
-                          <a:srgbClr val="FFFFFF"/>
-                        </a:solidFill>
-                        <a:latin typeface="Cambria Math" panose="02040503050406030204" pitchFamily="18" charset="0"/>
-                        <a:ea typeface="+mj-ea"/>
-                        <a:cs typeface="+mj-cs"/>
-                      </a:rPr>
-                      <m:t>𝑥</m:t>
-                    </m:r>
-                  </m:oMath>
-                </a14:m>
-                <a:r>
-                  <a:rPr lang="en-US" sz="6000" b="0" kern="1200" cap="all" dirty="0">
-                    <a:solidFill>
-                      <a:srgbClr val="FFFFFF"/>
-                    </a:solidFill>
-                    <a:latin typeface="+mj-lt"/>
-                    <a:ea typeface="+mj-ea"/>
-                    <a:cs typeface="+mj-cs"/>
-                  </a:rPr>
-                  <a:t> and </a:t>
-                </a:r>
-                <a14:m>
-                  <m:oMath xmlns:m="http://schemas.openxmlformats.org/officeDocument/2006/math">
-                    <m:r>
-                      <a:rPr lang="en-US" sz="6000" b="0" i="1" kern="1200" cap="all" smtClean="0">
-                        <a:solidFill>
-                          <a:srgbClr val="FFFFFF"/>
-                        </a:solidFill>
-                        <a:latin typeface="Cambria Math" panose="02040503050406030204" pitchFamily="18" charset="0"/>
-                        <a:ea typeface="+mj-ea"/>
-                        <a:cs typeface="+mj-cs"/>
-                      </a:rPr>
-                      <m:t>𝑦</m:t>
-                    </m:r>
-                  </m:oMath>
-                </a14:m>
-                <a:endParaRPr lang="en-US" sz="6000" b="0" kern="1200" cap="all" dirty="0">
-                  <a:solidFill>
-                    <a:srgbClr val="FFFFFF"/>
-                  </a:solidFill>
-                  <a:latin typeface="+mj-lt"/>
-                  <a:ea typeface="+mj-ea"/>
-                  <a:cs typeface="+mj-cs"/>
-                </a:endParaRPr>
-              </a:p>
-            </p:txBody>
-          </p:sp>
-        </mc:Choice>
-        <mc:Fallback xmlns="">
-          <p:sp>
-            <p:nvSpPr>
-              <p:cNvPr id="2" name="Title 1">
-                <a:extLst>
-                  <a:ext uri="{FF2B5EF4-FFF2-40B4-BE49-F238E27FC236}">
-                    <a16:creationId xmlns:a16="http://schemas.microsoft.com/office/drawing/2014/main" id="{78A8BA1C-646E-520D-FA58-A84DB323EA34}"/>
-                  </a:ext>
-                </a:extLst>
-              </p:cNvPr>
-              <p:cNvSpPr>
-                <a:spLocks noGrp="1" noRot="1" noChangeAspect="1" noMove="1" noResize="1" noEditPoints="1" noAdjustHandles="1" noChangeArrowheads="1" noChangeShapeType="1" noTextEdit="1"/>
-              </p:cNvSpPr>
-              <p:nvPr>
-                <p:ph type="title"/>
-              </p:nvPr>
-            </p:nvSpPr>
-            <p:spPr>
-              <a:xfrm>
-                <a:off x="1893715" y="708498"/>
-                <a:ext cx="9691733" cy="3330055"/>
-              </a:xfrm>
-              <a:blipFill>
-                <a:blip r:embed="rId2"/>
-                <a:stretch>
-                  <a:fillRect l="-3836"/>
-                </a:stretch>
-              </a:blipFill>
-            </p:spPr>
-            <p:txBody>
-              <a:bodyPr/>
-              <a:lstStyle/>
-              <a:p>
-                <a:r>
-                  <a:rPr lang="en-US">
-                    <a:noFill/>
-                  </a:rPr>
-                  <a:t> </a:t>
-                </a:r>
-              </a:p>
-            </p:txBody>
-          </p:sp>
-        </mc:Fallback>
-      </mc:AlternateContent>
-      <p:sp>
-        <p:nvSpPr>
-          <p:cNvPr id="50" name="Rectangle 49">
-            <a:extLst>
-              <a:ext uri="{FF2B5EF4-FFF2-40B4-BE49-F238E27FC236}">
-                <a16:creationId xmlns:a16="http://schemas.microsoft.com/office/drawing/2014/main" id="{E53DE0C5-BC7E-7D5C-E9D8-9E3774CB0127}"/>
-              </a:ext>
-              <a:ext uri="{C183D7F6-B498-43B3-948B-1728B52AA6E4}">
-                <adec:decorative xmlns:adec="http://schemas.microsoft.com/office/drawing/2017/decorative" val="1"/>
-              </a:ext>
-            </a:extLst>
-          </p:cNvPr>
-          <p:cNvSpPr>
-            <a:spLocks noGrp="1" noRot="1" noChangeAspect="1" noMove="1" noResize="1" noEditPoints="1" noAdjustHandles="1" noChangeArrowheads="1" noChangeShapeType="1" noTextEdit="1"/>
-          </p:cNvSpPr>
-          <p:nvPr>
-            <p:extLst>
-              <p:ext uri="{386F3935-93C4-4BCD-93E2-E3B085C9AB24}">
-                <p16:designElem xmlns:p16="http://schemas.microsoft.com/office/powerpoint/2015/main" val="1"/>
-              </p:ext>
-            </p:extLst>
-          </p:nvPr>
-        </p:nvSpPr>
-        <p:spPr>
-          <a:xfrm>
-            <a:off x="1712789" y="4284212"/>
-            <a:ext cx="9961115" cy="2072481"/>
-          </a:xfrm>
-          <a:prstGeom prst="rect">
-            <a:avLst/>
-          </a:prstGeom>
-          <a:solidFill>
-            <a:srgbClr val="6C7781">
-              <a:alpha val="80000"/>
-            </a:srgbClr>
-          </a:solidFill>
-          <a:ln>
-            <a:noFill/>
-          </a:ln>
-          <a:effectLst/>
-        </p:spPr>
-        <p:style>
-          <a:lnRef idx="1">
-            <a:schemeClr val="accent1"/>
-          </a:lnRef>
-          <a:fillRef idx="3">
-            <a:schemeClr val="accent1"/>
-          </a:fillRef>
-          <a:effectRef idx="2">
-            <a:schemeClr val="accent1"/>
-          </a:effectRef>
-          <a:fontRef idx="minor">
-            <a:schemeClr val="lt1"/>
-          </a:fontRef>
-        </p:style>
-        <p:txBody>
-          <a:bodyPr/>
-          <a:lstStyle/>
-          <a:p>
-            <a:pPr marL="0" marR="0" lvl="0" indent="0" algn="l" defTabSz="457200" rtl="0" eaLnBrk="1" fontAlgn="auto" latinLnBrk="0" hangingPunct="1">
-              <a:lnSpc>
-                <a:spcPct val="100000"/>
-              </a:lnSpc>
-              <a:spcBef>
-                <a:spcPts val="0"/>
-              </a:spcBef>
-              <a:spcAft>
-                <a:spcPts val="0"/>
-              </a:spcAft>
-              <a:buClrTx/>
-              <a:buSzTx/>
-              <a:buFontTx/>
-              <a:buNone/>
-              <a:tabLst/>
-              <a:defRPr/>
-            </a:pPr>
-            <a:endParaRPr kumimoji="0" lang="en-US" sz="1800" b="0" i="0" u="none" strike="noStrike" kern="1200" cap="none" spc="0" normalizeH="0" baseline="0" noProof="0">
-              <a:ln>
-                <a:noFill/>
-              </a:ln>
-              <a:solidFill>
-                <a:srgbClr val="FFFFFF"/>
-              </a:solidFill>
-              <a:effectLst/>
-              <a:uLnTx/>
-              <a:uFillTx/>
-              <a:latin typeface="Calibri"/>
-              <a:ea typeface="+mn-ea"/>
-              <a:cs typeface="+mn-cs"/>
-            </a:endParaRPr>
-          </a:p>
-        </p:txBody>
-      </p:sp>
-    </p:spTree>
-    <p:extLst>
-      <p:ext uri="{BB962C8B-B14F-4D97-AF65-F5344CB8AC3E}">
-        <p14:creationId xmlns:p14="http://schemas.microsoft.com/office/powerpoint/2010/main" val="3327884995"/>
+        <p14:creationId xmlns:p14="http://schemas.microsoft.com/office/powerpoint/2010/main" val="3234459669"/>
       </p:ext>
     </p:extLst>
   </p:cSld>
@@ -25306,2462 +25417,10 @@
   <p:timing>
     <p:tnLst>
       <p:par>
-        <p:cTn id="1" dur="indefinite" restart="never" nodeType="tmRoot">
-          <p:childTnLst>
-            <p:seq concurrent="1" nextAc="seek">
-              <p:cTn id="2" dur="indefinite" nodeType="mainSeq">
-                <p:childTnLst>
-                  <p:par>
-                    <p:cTn id="3" fill="hold">
-                      <p:stCondLst>
-                        <p:cond delay="indefinite"/>
-                        <p:cond evt="onBegin" delay="0">
-                          <p:tn val="2"/>
-                        </p:cond>
-                      </p:stCondLst>
-                      <p:childTnLst>
-                        <p:par>
-                          <p:cTn id="4" fill="hold">
-                            <p:stCondLst>
-                              <p:cond delay="0"/>
-                            </p:stCondLst>
-                            <p:childTnLst>
-                              <p:par>
-                                <p:cTn id="5" presetID="10" presetClass="entr" presetSubtype="0" fill="hold" grpId="0" nodeType="withEffect">
-                                  <p:stCondLst>
-                                    <p:cond delay="500"/>
-                                  </p:stCondLst>
-                                  <p:iterate type="wd">
-                                    <p:tmPct val="15000"/>
-                                  </p:iterate>
-                                  <p:childTnLst>
-                                    <p:set>
-                                      <p:cBhvr>
-                                        <p:cTn id="6" dur="1" fill="hold">
-                                          <p:stCondLst>
-                                            <p:cond delay="0"/>
-                                          </p:stCondLst>
-                                        </p:cTn>
-                                        <p:tgtEl>
-                                          <p:spTgt spid="2"/>
-                                        </p:tgtEl>
-                                        <p:attrNameLst>
-                                          <p:attrName>style.visibility</p:attrName>
-                                        </p:attrNameLst>
-                                      </p:cBhvr>
-                                      <p:to>
-                                        <p:strVal val="visible"/>
-                                      </p:to>
-                                    </p:set>
-                                    <p:animEffect transition="in" filter="fade">
-                                      <p:cBhvr>
-                                        <p:cTn id="7" dur="1000"/>
-                                        <p:tgtEl>
-                                          <p:spTgt spid="2"/>
-                                        </p:tgtEl>
-                                      </p:cBhvr>
-                                    </p:animEffect>
-                                  </p:childTnLst>
-                                </p:cTn>
-                              </p:par>
-                            </p:childTnLst>
-                          </p:cTn>
-                        </p:par>
-                      </p:childTnLst>
-                    </p:cTn>
-                  </p:par>
-                </p:childTnLst>
-              </p:cTn>
-              <p:prevCondLst>
-                <p:cond evt="onPrev" delay="0">
-                  <p:tgtEl>
-                    <p:sldTgt/>
-                  </p:tgtEl>
-                </p:cond>
-              </p:prevCondLst>
-              <p:nextCondLst>
-                <p:cond evt="onNext" delay="0">
-                  <p:tgtEl>
-                    <p:sldTgt/>
-                  </p:tgtEl>
-                </p:cond>
-              </p:nextCondLst>
-            </p:seq>
-          </p:childTnLst>
-        </p:cTn>
+        <p:cTn id="1" dur="indefinite" restart="never" nodeType="tmRoot"/>
       </p:par>
     </p:tnLst>
-    <p:bldLst>
-      <p:bldP spid="2" grpId="0"/>
-    </p:bldLst>
   </p:timing>
-</p:sld>
-</file>
-
-<file path=ppt/slides/slide35.xml><?xml version="1.0" encoding="utf-8"?>
-<p:sld xmlns:a="http://schemas.openxmlformats.org/drawingml/2006/main" xmlns:r="http://schemas.openxmlformats.org/officeDocument/2006/relationships" xmlns:p="http://schemas.openxmlformats.org/presentationml/2006/main">
-  <p:cSld>
-    <p:spTree>
-      <p:nvGrpSpPr>
-        <p:cNvPr id="1" name=""/>
-        <p:cNvGrpSpPr/>
-        <p:nvPr/>
-      </p:nvGrpSpPr>
-      <p:grpSpPr>
-        <a:xfrm>
-          <a:off x="0" y="0"/>
-          <a:ext cx="0" cy="0"/>
-          <a:chOff x="0" y="0"/>
-          <a:chExt cx="0" cy="0"/>
-        </a:xfrm>
-      </p:grpSpPr>
-      <p:sp>
-        <p:nvSpPr>
-          <p:cNvPr id="3" name="Content Placeholder 2">
-            <a:extLst>
-              <a:ext uri="{FF2B5EF4-FFF2-40B4-BE49-F238E27FC236}">
-                <a16:creationId xmlns:a16="http://schemas.microsoft.com/office/drawing/2014/main" id="{2D6F581B-03E7-47B0-CBB9-7B491B3B83B7}"/>
-              </a:ext>
-            </a:extLst>
-          </p:cNvPr>
-          <p:cNvSpPr>
-            <a:spLocks noGrp="1"/>
-          </p:cNvSpPr>
-          <p:nvPr>
-            <p:ph idx="1"/>
-          </p:nvPr>
-        </p:nvSpPr>
-        <p:spPr>
-          <a:xfrm>
-            <a:off x="581193" y="1440319"/>
-            <a:ext cx="11029615" cy="1808572"/>
-          </a:xfrm>
-        </p:spPr>
-        <p:txBody>
-          <a:bodyPr>
-            <a:normAutofit/>
-          </a:bodyPr>
-          <a:lstStyle/>
-          <a:p>
-            <a:r>
-              <a:rPr lang="en-US" sz="2400" dirty="0"/>
-              <a:t>Fix a non-linear relationship and making the relationship linear</a:t>
-            </a:r>
-          </a:p>
-          <a:p>
-            <a:endParaRPr lang="en-US" sz="2400" dirty="0"/>
-          </a:p>
-          <a:p>
-            <a:r>
-              <a:rPr lang="en-US" sz="2400" dirty="0"/>
-              <a:t>Make the distribution of the regression residual </a:t>
-            </a:r>
-          </a:p>
-        </p:txBody>
-      </p:sp>
-      <p:sp>
-        <p:nvSpPr>
-          <p:cNvPr id="6" name="TextBox 5">
-            <a:extLst>
-              <a:ext uri="{FF2B5EF4-FFF2-40B4-BE49-F238E27FC236}">
-                <a16:creationId xmlns:a16="http://schemas.microsoft.com/office/drawing/2014/main" id="{5D83924F-2094-5034-FD8F-2F5391C9263A}"/>
-              </a:ext>
-            </a:extLst>
-          </p:cNvPr>
-          <p:cNvSpPr txBox="1"/>
-          <p:nvPr/>
-        </p:nvSpPr>
-        <p:spPr>
-          <a:xfrm>
-            <a:off x="692726" y="727364"/>
-            <a:ext cx="7613073" cy="523220"/>
-          </a:xfrm>
-          <a:prstGeom prst="rect">
-            <a:avLst/>
-          </a:prstGeom>
-          <a:noFill/>
-        </p:spPr>
-        <p:txBody>
-          <a:bodyPr wrap="square" rtlCol="0">
-            <a:spAutoFit/>
-          </a:bodyPr>
-          <a:lstStyle/>
-          <a:p>
-            <a:r>
-              <a:rPr lang="en-US" sz="2800" dirty="0"/>
-              <a:t>Transformation can achieve several goals: </a:t>
-            </a:r>
-          </a:p>
-        </p:txBody>
-      </p:sp>
-    </p:spTree>
-    <p:extLst>
-      <p:ext uri="{BB962C8B-B14F-4D97-AF65-F5344CB8AC3E}">
-        <p14:creationId xmlns:p14="http://schemas.microsoft.com/office/powerpoint/2010/main" val="2599699824"/>
-      </p:ext>
-    </p:extLst>
-  </p:cSld>
-  <p:clrMapOvr>
-    <a:masterClrMapping/>
-  </p:clrMapOvr>
-</p:sld>
-</file>
-
-<file path=ppt/slides/slide36.xml><?xml version="1.0" encoding="utf-8"?>
-<p:sld xmlns:a="http://schemas.openxmlformats.org/drawingml/2006/main" xmlns:r="http://schemas.openxmlformats.org/officeDocument/2006/relationships" xmlns:p="http://schemas.openxmlformats.org/presentationml/2006/main">
-  <p:cSld>
-    <p:spTree>
-      <p:nvGrpSpPr>
-        <p:cNvPr id="1" name=""/>
-        <p:cNvGrpSpPr/>
-        <p:nvPr/>
-      </p:nvGrpSpPr>
-      <p:grpSpPr>
-        <a:xfrm>
-          <a:off x="0" y="0"/>
-          <a:ext cx="0" cy="0"/>
-          <a:chOff x="0" y="0"/>
-          <a:chExt cx="0" cy="0"/>
-        </a:xfrm>
-      </p:grpSpPr>
-      <p:pic>
-        <p:nvPicPr>
-          <p:cNvPr id="5" name="Picture 4">
-            <a:extLst>
-              <a:ext uri="{FF2B5EF4-FFF2-40B4-BE49-F238E27FC236}">
-                <a16:creationId xmlns:a16="http://schemas.microsoft.com/office/drawing/2014/main" id="{BA849216-BD35-56C3-332B-C2FB415EF688}"/>
-              </a:ext>
-            </a:extLst>
-          </p:cNvPr>
-          <p:cNvPicPr>
-            <a:picLocks noChangeAspect="1"/>
-          </p:cNvPicPr>
-          <p:nvPr/>
-        </p:nvPicPr>
-        <p:blipFill>
-          <a:blip r:embed="rId2"/>
-          <a:stretch>
-            <a:fillRect/>
-          </a:stretch>
-        </p:blipFill>
-        <p:spPr>
-          <a:xfrm>
-            <a:off x="593100" y="1718734"/>
-            <a:ext cx="4747828" cy="4642689"/>
-          </a:xfrm>
-          <a:prstGeom prst="rect">
-            <a:avLst/>
-          </a:prstGeom>
-        </p:spPr>
-      </p:pic>
-      <p:sp>
-        <p:nvSpPr>
-          <p:cNvPr id="8" name="TextBox 7">
-            <a:extLst>
-              <a:ext uri="{FF2B5EF4-FFF2-40B4-BE49-F238E27FC236}">
-                <a16:creationId xmlns:a16="http://schemas.microsoft.com/office/drawing/2014/main" id="{BE9BA11D-9798-F210-858C-577D79908A87}"/>
-              </a:ext>
-            </a:extLst>
-          </p:cNvPr>
-          <p:cNvSpPr txBox="1"/>
-          <p:nvPr/>
-        </p:nvSpPr>
-        <p:spPr>
-          <a:xfrm>
-            <a:off x="768926" y="1133279"/>
-            <a:ext cx="9926782" cy="461665"/>
-          </a:xfrm>
-          <a:prstGeom prst="rect">
-            <a:avLst/>
-          </a:prstGeom>
-          <a:noFill/>
-        </p:spPr>
-        <p:txBody>
-          <a:bodyPr wrap="square" rtlCol="0">
-            <a:spAutoFit/>
-          </a:bodyPr>
-          <a:lstStyle/>
-          <a:p>
-            <a:r>
-              <a:rPr lang="en-US" sz="2400" dirty="0"/>
-              <a:t>1. Exploration of skewness</a:t>
-            </a:r>
-          </a:p>
-        </p:txBody>
-      </p:sp>
-      <p:sp>
-        <p:nvSpPr>
-          <p:cNvPr id="9" name="TextBox 8">
-            <a:extLst>
-              <a:ext uri="{FF2B5EF4-FFF2-40B4-BE49-F238E27FC236}">
-                <a16:creationId xmlns:a16="http://schemas.microsoft.com/office/drawing/2014/main" id="{2AFD7BA2-8ADC-A86E-6E89-E22A126CB5FA}"/>
-              </a:ext>
-            </a:extLst>
-          </p:cNvPr>
-          <p:cNvSpPr txBox="1"/>
-          <p:nvPr/>
-        </p:nvSpPr>
-        <p:spPr>
-          <a:xfrm>
-            <a:off x="2639291" y="2936520"/>
-            <a:ext cx="3456709" cy="369332"/>
-          </a:xfrm>
-          <a:prstGeom prst="rect">
-            <a:avLst/>
-          </a:prstGeom>
-          <a:noFill/>
-        </p:spPr>
-        <p:txBody>
-          <a:bodyPr wrap="square" rtlCol="0">
-            <a:spAutoFit/>
-          </a:bodyPr>
-          <a:lstStyle/>
-          <a:p>
-            <a:r>
-              <a:rPr lang="en-US" dirty="0"/>
-              <a:t>Skewness: 1.00579</a:t>
-            </a:r>
-          </a:p>
-        </p:txBody>
-      </p:sp>
-      <mc:AlternateContent xmlns:mc="http://schemas.openxmlformats.org/markup-compatibility/2006" xmlns:a14="http://schemas.microsoft.com/office/drawing/2010/main">
-        <mc:Choice Requires="a14">
-          <p:sp>
-            <p:nvSpPr>
-              <p:cNvPr id="10" name="TextBox 9">
-                <a:extLst>
-                  <a:ext uri="{FF2B5EF4-FFF2-40B4-BE49-F238E27FC236}">
-                    <a16:creationId xmlns:a16="http://schemas.microsoft.com/office/drawing/2014/main" id="{FC69E1B3-701F-A06A-97FF-FFDE97B728CB}"/>
-                  </a:ext>
-                </a:extLst>
-              </p:cNvPr>
-              <p:cNvSpPr txBox="1"/>
-              <p:nvPr/>
-            </p:nvSpPr>
-            <p:spPr>
-              <a:xfrm>
-                <a:off x="7183583" y="1870490"/>
-                <a:ext cx="3380509" cy="1200329"/>
-              </a:xfrm>
-              <a:prstGeom prst="rect">
-                <a:avLst/>
-              </a:prstGeom>
-              <a:noFill/>
-            </p:spPr>
-            <p:txBody>
-              <a:bodyPr wrap="square" rtlCol="0">
-                <a:spAutoFit/>
-              </a:bodyPr>
-              <a:lstStyle/>
-              <a:p>
-                <a:r>
-                  <a:rPr lang="en-US" i="1" dirty="0"/>
-                  <a:t>Shapiro and Wilk’s (1965) </a:t>
-                </a:r>
-                <a14:m>
-                  <m:oMath xmlns:m="http://schemas.openxmlformats.org/officeDocument/2006/math">
-                    <m:r>
-                      <a:rPr lang="en-US" b="0" i="1" smtClean="0">
-                        <a:latin typeface="Cambria Math" panose="02040503050406030204" pitchFamily="18" charset="0"/>
-                      </a:rPr>
-                      <m:t>𝑊</m:t>
-                    </m:r>
-                  </m:oMath>
-                </a14:m>
-                <a:r>
-                  <a:rPr lang="en-US" i="1" dirty="0"/>
-                  <a:t>-</a:t>
-                </a:r>
-                <a:r>
-                  <a:rPr lang="en-US" altLang="zh-CN" i="1" dirty="0"/>
-                  <a:t>statistic is well-established and powerful test of departure from normality</a:t>
-                </a:r>
-                <a:endParaRPr lang="en-US" i="1" dirty="0"/>
-              </a:p>
-            </p:txBody>
-          </p:sp>
-        </mc:Choice>
-        <mc:Fallback xmlns="">
-          <p:sp>
-            <p:nvSpPr>
-              <p:cNvPr id="10" name="TextBox 9">
-                <a:extLst>
-                  <a:ext uri="{FF2B5EF4-FFF2-40B4-BE49-F238E27FC236}">
-                    <a16:creationId xmlns:a16="http://schemas.microsoft.com/office/drawing/2014/main" id="{FC69E1B3-701F-A06A-97FF-FFDE97B728CB}"/>
-                  </a:ext>
-                </a:extLst>
-              </p:cNvPr>
-              <p:cNvSpPr txBox="1">
-                <a:spLocks noRot="1" noChangeAspect="1" noMove="1" noResize="1" noEditPoints="1" noAdjustHandles="1" noChangeArrowheads="1" noChangeShapeType="1" noTextEdit="1"/>
-              </p:cNvSpPr>
-              <p:nvPr/>
-            </p:nvSpPr>
-            <p:spPr>
-              <a:xfrm>
-                <a:off x="7183583" y="1870490"/>
-                <a:ext cx="3380509" cy="1200329"/>
-              </a:xfrm>
-              <a:prstGeom prst="rect">
-                <a:avLst/>
-              </a:prstGeom>
-              <a:blipFill>
-                <a:blip r:embed="rId3"/>
-                <a:stretch>
-                  <a:fillRect l="-1441" t="-3046" b="-7107"/>
-                </a:stretch>
-              </a:blipFill>
-            </p:spPr>
-            <p:txBody>
-              <a:bodyPr/>
-              <a:lstStyle/>
-              <a:p>
-                <a:r>
-                  <a:rPr lang="en-US">
-                    <a:noFill/>
-                  </a:rPr>
-                  <a:t> </a:t>
-                </a:r>
-              </a:p>
-            </p:txBody>
-          </p:sp>
-        </mc:Fallback>
-      </mc:AlternateContent>
-      <p:sp>
-        <p:nvSpPr>
-          <p:cNvPr id="11" name="Footer Placeholder 10">
-            <a:extLst>
-              <a:ext uri="{FF2B5EF4-FFF2-40B4-BE49-F238E27FC236}">
-                <a16:creationId xmlns:a16="http://schemas.microsoft.com/office/drawing/2014/main" id="{549B86DE-1E6A-F89B-C22E-671B4AA2FDEA}"/>
-              </a:ext>
-            </a:extLst>
-          </p:cNvPr>
-          <p:cNvSpPr>
-            <a:spLocks noGrp="1"/>
-          </p:cNvSpPr>
-          <p:nvPr>
-            <p:ph type="ftr" sz="quarter" idx="11"/>
-          </p:nvPr>
-        </p:nvSpPr>
-        <p:spPr/>
-        <p:txBody>
-          <a:bodyPr/>
-          <a:lstStyle/>
-          <a:p>
-            <a:r>
-              <a:rPr lang="en-US" dirty="0"/>
-              <a:t>Royston, P. (1995). Remark AS R94: A remark on algorithm AS 181: The W-test for normality. Journal of the Royal Statistical Society. Series C (Applied Statistics), 44(4), 547-551.</a:t>
-            </a:r>
-          </a:p>
-        </p:txBody>
-      </p:sp>
-      <mc:AlternateContent xmlns:mc="http://schemas.openxmlformats.org/markup-compatibility/2006" xmlns:a14="http://schemas.microsoft.com/office/drawing/2010/main">
-        <mc:Choice Requires="a14">
-          <p:sp>
-            <p:nvSpPr>
-              <p:cNvPr id="12" name="TextBox 11">
-                <a:extLst>
-                  <a:ext uri="{FF2B5EF4-FFF2-40B4-BE49-F238E27FC236}">
-                    <a16:creationId xmlns:a16="http://schemas.microsoft.com/office/drawing/2014/main" id="{6D31D309-DA80-2A1C-7082-4E6CAF63E88C}"/>
-                  </a:ext>
-                </a:extLst>
-              </p:cNvPr>
-              <p:cNvSpPr txBox="1"/>
-              <p:nvPr/>
-            </p:nvSpPr>
-            <p:spPr>
-              <a:xfrm>
-                <a:off x="7183583" y="4066675"/>
-                <a:ext cx="4329545" cy="646331"/>
-              </a:xfrm>
-              <a:prstGeom prst="rect">
-                <a:avLst/>
-              </a:prstGeom>
-              <a:noFill/>
-            </p:spPr>
-            <p:txBody>
-              <a:bodyPr wrap="square" rtlCol="0">
-                <a:spAutoFit/>
-              </a:bodyPr>
-              <a:lstStyle/>
-              <a:p>
-                <a14:m>
-                  <m:oMath xmlns:m="http://schemas.openxmlformats.org/officeDocument/2006/math">
-                    <m:sSub>
-                      <m:sSubPr>
-                        <m:ctrlPr>
-                          <a:rPr lang="en-US" b="0" i="1" smtClean="0">
-                            <a:latin typeface="Cambria Math" panose="02040503050406030204" pitchFamily="18" charset="0"/>
-                          </a:rPr>
-                        </m:ctrlPr>
-                      </m:sSubPr>
-                      <m:e>
-                        <m:r>
-                          <a:rPr lang="en-US" b="0" i="1" smtClean="0">
-                            <a:latin typeface="Cambria Math" panose="02040503050406030204" pitchFamily="18" charset="0"/>
-                          </a:rPr>
-                          <m:t>𝐻</m:t>
-                        </m:r>
-                      </m:e>
-                      <m:sub>
-                        <m:r>
-                          <a:rPr lang="en-US" b="0" i="1" smtClean="0">
-                            <a:latin typeface="Cambria Math" panose="02040503050406030204" pitchFamily="18" charset="0"/>
-                          </a:rPr>
-                          <m:t>0</m:t>
-                        </m:r>
-                      </m:sub>
-                    </m:sSub>
-                  </m:oMath>
-                </a14:m>
-                <a:r>
-                  <a:rPr lang="en-US" dirty="0"/>
-                  <a:t>: The sample came from a normally distributed population.</a:t>
-                </a:r>
-              </a:p>
-            </p:txBody>
-          </p:sp>
-        </mc:Choice>
-        <mc:Fallback xmlns="">
-          <p:sp>
-            <p:nvSpPr>
-              <p:cNvPr id="12" name="TextBox 11">
-                <a:extLst>
-                  <a:ext uri="{FF2B5EF4-FFF2-40B4-BE49-F238E27FC236}">
-                    <a16:creationId xmlns:a16="http://schemas.microsoft.com/office/drawing/2014/main" id="{6D31D309-DA80-2A1C-7082-4E6CAF63E88C}"/>
-                  </a:ext>
-                </a:extLst>
-              </p:cNvPr>
-              <p:cNvSpPr txBox="1">
-                <a:spLocks noRot="1" noChangeAspect="1" noMove="1" noResize="1" noEditPoints="1" noAdjustHandles="1" noChangeArrowheads="1" noChangeShapeType="1" noTextEdit="1"/>
-              </p:cNvSpPr>
-              <p:nvPr/>
-            </p:nvSpPr>
-            <p:spPr>
-              <a:xfrm>
-                <a:off x="7183583" y="4066675"/>
-                <a:ext cx="4329545" cy="646331"/>
-              </a:xfrm>
-              <a:prstGeom prst="rect">
-                <a:avLst/>
-              </a:prstGeom>
-              <a:blipFill>
-                <a:blip r:embed="rId4"/>
-                <a:stretch>
-                  <a:fillRect l="-1125" t="-4717" b="-14151"/>
-                </a:stretch>
-              </a:blipFill>
-            </p:spPr>
-            <p:txBody>
-              <a:bodyPr/>
-              <a:lstStyle/>
-              <a:p>
-                <a:r>
-                  <a:rPr lang="en-US">
-                    <a:noFill/>
-                  </a:rPr>
-                  <a:t> </a:t>
-                </a:r>
-              </a:p>
-            </p:txBody>
-          </p:sp>
-        </mc:Fallback>
-      </mc:AlternateContent>
-      <p:sp>
-        <p:nvSpPr>
-          <p:cNvPr id="13" name="Title 1">
-            <a:extLst>
-              <a:ext uri="{FF2B5EF4-FFF2-40B4-BE49-F238E27FC236}">
-                <a16:creationId xmlns:a16="http://schemas.microsoft.com/office/drawing/2014/main" id="{F3EC23F0-2A5E-34AA-78B6-88988FAAE094}"/>
-              </a:ext>
-            </a:extLst>
-          </p:cNvPr>
-          <p:cNvSpPr txBox="1">
-            <a:spLocks/>
-          </p:cNvSpPr>
-          <p:nvPr/>
-        </p:nvSpPr>
-        <p:spPr>
-          <a:xfrm>
-            <a:off x="692028" y="491399"/>
-            <a:ext cx="11029616" cy="579389"/>
-          </a:xfrm>
-          <a:prstGeom prst="rect">
-            <a:avLst/>
-          </a:prstGeom>
-        </p:spPr>
-        <p:txBody>
-          <a:bodyPr vert="horz" lIns="91440" tIns="45720" rIns="91440" bIns="45720" rtlCol="0" anchor="b">
-            <a:normAutofit/>
-          </a:bodyPr>
-          <a:lstStyle>
-            <a:lvl1pPr algn="l" defTabSz="457200" rtl="0" eaLnBrk="1" latinLnBrk="0" hangingPunct="1">
-              <a:lnSpc>
-                <a:spcPct val="100000"/>
-              </a:lnSpc>
-              <a:spcBef>
-                <a:spcPct val="0"/>
-              </a:spcBef>
-              <a:buNone/>
-              <a:defRPr sz="2800" b="0" kern="1200" cap="all">
-                <a:solidFill>
-                  <a:schemeClr val="tx1">
-                    <a:lumMod val="75000"/>
-                    <a:lumOff val="25000"/>
-                  </a:schemeClr>
-                </a:solidFill>
-                <a:latin typeface="+mj-lt"/>
-                <a:ea typeface="+mj-ea"/>
-                <a:cs typeface="+mj-cs"/>
-              </a:defRPr>
-            </a:lvl1pPr>
-            <a:lvl2pPr eaLnBrk="1" hangingPunct="1">
-              <a:defRPr>
-                <a:solidFill>
-                  <a:schemeClr val="tx2"/>
-                </a:solidFill>
-              </a:defRPr>
-            </a:lvl2pPr>
-            <a:lvl3pPr eaLnBrk="1" hangingPunct="1">
-              <a:defRPr>
-                <a:solidFill>
-                  <a:schemeClr val="tx2"/>
-                </a:solidFill>
-              </a:defRPr>
-            </a:lvl3pPr>
-            <a:lvl4pPr eaLnBrk="1" hangingPunct="1">
-              <a:defRPr>
-                <a:solidFill>
-                  <a:schemeClr val="tx2"/>
-                </a:solidFill>
-              </a:defRPr>
-            </a:lvl4pPr>
-            <a:lvl5pPr eaLnBrk="1" hangingPunct="1">
-              <a:defRPr>
-                <a:solidFill>
-                  <a:schemeClr val="tx2"/>
-                </a:solidFill>
-              </a:defRPr>
-            </a:lvl5pPr>
-            <a:lvl6pPr eaLnBrk="1" hangingPunct="1">
-              <a:defRPr>
-                <a:solidFill>
-                  <a:schemeClr val="tx2"/>
-                </a:solidFill>
-              </a:defRPr>
-            </a:lvl6pPr>
-            <a:lvl7pPr eaLnBrk="1" hangingPunct="1">
-              <a:defRPr>
-                <a:solidFill>
-                  <a:schemeClr val="tx2"/>
-                </a:solidFill>
-              </a:defRPr>
-            </a:lvl7pPr>
-            <a:lvl8pPr eaLnBrk="1" hangingPunct="1">
-              <a:defRPr>
-                <a:solidFill>
-                  <a:schemeClr val="tx2"/>
-                </a:solidFill>
-              </a:defRPr>
-            </a:lvl8pPr>
-            <a:lvl9pPr eaLnBrk="1" hangingPunct="1">
-              <a:defRPr>
-                <a:solidFill>
-                  <a:schemeClr val="tx2"/>
-                </a:solidFill>
-              </a:defRPr>
-            </a:lvl9pPr>
-          </a:lstStyle>
-          <a:p>
-            <a:r>
-              <a:rPr lang="en-US" dirty="0"/>
-              <a:t>The approach to achieve the previous goals:</a:t>
-            </a:r>
-          </a:p>
-        </p:txBody>
-      </p:sp>
-    </p:spTree>
-    <p:extLst>
-      <p:ext uri="{BB962C8B-B14F-4D97-AF65-F5344CB8AC3E}">
-        <p14:creationId xmlns:p14="http://schemas.microsoft.com/office/powerpoint/2010/main" val="853185038"/>
-      </p:ext>
-    </p:extLst>
-  </p:cSld>
-  <p:clrMapOvr>
-    <a:masterClrMapping/>
-  </p:clrMapOvr>
-</p:sld>
-</file>
-
-<file path=ppt/slides/slide37.xml><?xml version="1.0" encoding="utf-8"?>
-<p:sld xmlns:a="http://schemas.openxmlformats.org/drawingml/2006/main" xmlns:r="http://schemas.openxmlformats.org/officeDocument/2006/relationships" xmlns:p="http://schemas.openxmlformats.org/presentationml/2006/main">
-  <p:cSld>
-    <p:spTree>
-      <p:nvGrpSpPr>
-        <p:cNvPr id="1" name=""/>
-        <p:cNvGrpSpPr/>
-        <p:nvPr/>
-      </p:nvGrpSpPr>
-      <p:grpSpPr>
-        <a:xfrm>
-          <a:off x="0" y="0"/>
-          <a:ext cx="0" cy="0"/>
-          <a:chOff x="0" y="0"/>
-          <a:chExt cx="0" cy="0"/>
-        </a:xfrm>
-      </p:grpSpPr>
-      <mc:AlternateContent xmlns:mc="http://schemas.openxmlformats.org/markup-compatibility/2006" xmlns:a14="http://schemas.microsoft.com/office/drawing/2010/main">
-        <mc:Choice Requires="a14">
-          <p:sp>
-            <p:nvSpPr>
-              <p:cNvPr id="3" name="Content Placeholder 2">
-                <a:extLst>
-                  <a:ext uri="{FF2B5EF4-FFF2-40B4-BE49-F238E27FC236}">
-                    <a16:creationId xmlns:a16="http://schemas.microsoft.com/office/drawing/2014/main" id="{0E0DEAE3-3468-FEAC-B09E-A21A1193B2CC}"/>
-                  </a:ext>
-                </a:extLst>
-              </p:cNvPr>
-              <p:cNvSpPr>
-                <a:spLocks noGrp="1"/>
-              </p:cNvSpPr>
-              <p:nvPr>
-                <p:ph idx="1"/>
-              </p:nvPr>
-            </p:nvSpPr>
-            <p:spPr>
-              <a:xfrm>
-                <a:off x="719738" y="782784"/>
-                <a:ext cx="11029615" cy="5043054"/>
-              </a:xfrm>
-            </p:spPr>
-            <p:txBody>
-              <a:bodyPr>
-                <a:normAutofit/>
-              </a:bodyPr>
-              <a:lstStyle/>
-              <a:p>
-                <a:pPr marL="0" indent="0">
-                  <a:buNone/>
-                </a:pPr>
-                <a:r>
-                  <a:rPr lang="en-US" sz="2400" dirty="0"/>
-                  <a:t>2. Find a transformation for the independent and dependent variable</a:t>
-                </a:r>
-              </a:p>
-              <a:p>
-                <a:endParaRPr lang="en-US" sz="2400" dirty="0"/>
-              </a:p>
-              <a:p>
-                <a:pPr>
-                  <a:lnSpc>
-                    <a:spcPct val="80000"/>
-                  </a:lnSpc>
-                </a:pPr>
-                <a:r>
-                  <a:rPr lang="en-US" sz="2600" dirty="0"/>
-                  <a:t>Scaled Power Transformation</a:t>
-                </a:r>
-              </a:p>
-              <a:p>
-                <a:pPr marL="0" indent="0">
-                  <a:buNone/>
-                </a:pPr>
-                <a14:m>
-                  <m:oMathPara xmlns:m="http://schemas.openxmlformats.org/officeDocument/2006/math">
-                    <m:oMathParaPr>
-                      <m:jc m:val="centerGroup"/>
-                    </m:oMathParaPr>
-                    <m:oMath xmlns:m="http://schemas.openxmlformats.org/officeDocument/2006/math">
-                      <m:sSup>
-                        <m:sSupPr>
-                          <m:ctrlPr>
-                            <a:rPr lang="en-US" sz="2400" b="0" i="1" smtClean="0">
-                              <a:latin typeface="Cambria Math" panose="02040503050406030204" pitchFamily="18" charset="0"/>
-                            </a:rPr>
-                          </m:ctrlPr>
-                        </m:sSupPr>
-                        <m:e>
-                          <m:r>
-                            <a:rPr lang="en-US" sz="2400" b="0" i="1" smtClean="0">
-                              <a:latin typeface="Cambria Math" panose="02040503050406030204" pitchFamily="18" charset="0"/>
-                            </a:rPr>
-                            <m:t>𝑍</m:t>
-                          </m:r>
-                        </m:e>
-                        <m:sup>
-                          <m:r>
-                            <a:rPr lang="en-US" sz="2400" b="0" i="1" smtClean="0">
-                              <a:latin typeface="Cambria Math" panose="02040503050406030204" pitchFamily="18" charset="0"/>
-                            </a:rPr>
-                            <m:t>𝜆</m:t>
-                          </m:r>
-                        </m:sup>
-                      </m:sSup>
-                      <m:r>
-                        <a:rPr lang="en-US" sz="2400" b="0" i="1" smtClean="0">
-                          <a:latin typeface="Cambria Math" panose="02040503050406030204" pitchFamily="18" charset="0"/>
-                        </a:rPr>
-                        <m:t>=</m:t>
-                      </m:r>
-                      <m:d>
-                        <m:dPr>
-                          <m:begChr m:val="{"/>
-                          <m:endChr m:val=""/>
-                          <m:ctrlPr>
-                            <a:rPr lang="en-US" sz="2400" b="0" i="1" smtClean="0">
-                              <a:latin typeface="Cambria Math" panose="02040503050406030204" pitchFamily="18" charset="0"/>
-                            </a:rPr>
-                          </m:ctrlPr>
-                        </m:dPr>
-                        <m:e>
-                          <m:eqArr>
-                            <m:eqArrPr>
-                              <m:ctrlPr>
-                                <a:rPr lang="en-US" sz="2400" b="0" i="1" smtClean="0">
-                                  <a:latin typeface="Cambria Math" panose="02040503050406030204" pitchFamily="18" charset="0"/>
-                                </a:rPr>
-                              </m:ctrlPr>
-                            </m:eqArrPr>
-                            <m:e>
-                              <m:f>
-                                <m:fPr>
-                                  <m:ctrlPr>
-                                    <a:rPr lang="en-US" sz="2400" b="0" i="1" smtClean="0">
-                                      <a:latin typeface="Cambria Math" panose="02040503050406030204" pitchFamily="18" charset="0"/>
-                                    </a:rPr>
-                                  </m:ctrlPr>
-                                </m:fPr>
-                                <m:num>
-                                  <m:sSup>
-                                    <m:sSupPr>
-                                      <m:ctrlPr>
-                                        <a:rPr lang="en-US" sz="2400" b="0" i="1" smtClean="0">
-                                          <a:latin typeface="Cambria Math" panose="02040503050406030204" pitchFamily="18" charset="0"/>
-                                        </a:rPr>
-                                      </m:ctrlPr>
-                                    </m:sSupPr>
-                                    <m:e>
-                                      <m:r>
-                                        <a:rPr lang="en-US" sz="2400" b="0" i="1" smtClean="0">
-                                          <a:latin typeface="Cambria Math" panose="02040503050406030204" pitchFamily="18" charset="0"/>
-                                        </a:rPr>
-                                        <m:t>𝑍</m:t>
-                                      </m:r>
-                                    </m:e>
-                                    <m:sup>
-                                      <m:r>
-                                        <a:rPr lang="en-US" sz="2400" b="0" i="1" smtClean="0">
-                                          <a:latin typeface="Cambria Math" panose="02040503050406030204" pitchFamily="18" charset="0"/>
-                                        </a:rPr>
-                                        <m:t>𝜆</m:t>
-                                      </m:r>
-                                    </m:sup>
-                                  </m:sSup>
-                                  <m:r>
-                                    <a:rPr lang="en-US" sz="2400" b="0" i="1" smtClean="0">
-                                      <a:latin typeface="Cambria Math" panose="02040503050406030204" pitchFamily="18" charset="0"/>
-                                    </a:rPr>
-                                    <m:t> −1</m:t>
-                                  </m:r>
-                                </m:num>
-                                <m:den>
-                                  <m:r>
-                                    <a:rPr lang="en-US" sz="2400" b="0" i="1" smtClean="0">
-                                      <a:latin typeface="Cambria Math" panose="02040503050406030204" pitchFamily="18" charset="0"/>
-                                    </a:rPr>
-                                    <m:t>𝜆</m:t>
-                                  </m:r>
-                                </m:den>
-                              </m:f>
-                              <m:r>
-                                <a:rPr lang="en-US" sz="2400" b="0" i="1" smtClean="0">
-                                  <a:latin typeface="Cambria Math" panose="02040503050406030204" pitchFamily="18" charset="0"/>
-                                </a:rPr>
-                                <m:t> ,  </m:t>
-                              </m:r>
-                              <m:r>
-                                <a:rPr lang="en-US" sz="2400" b="0" i="1" smtClean="0">
-                                  <a:latin typeface="Cambria Math" panose="02040503050406030204" pitchFamily="18" charset="0"/>
-                                </a:rPr>
-                                <m:t>𝑤h𝑒𝑟𝑒</m:t>
-                              </m:r>
-                              <m:r>
-                                <a:rPr lang="en-US" sz="2400" b="0" i="1" smtClean="0">
-                                  <a:latin typeface="Cambria Math" panose="02040503050406030204" pitchFamily="18" charset="0"/>
-                                </a:rPr>
-                                <m:t> </m:t>
-                              </m:r>
-                              <m:r>
-                                <a:rPr lang="en-US" sz="2400" b="0" i="1" smtClean="0">
-                                  <a:latin typeface="Cambria Math" panose="02040503050406030204" pitchFamily="18" charset="0"/>
-                                </a:rPr>
-                                <m:t>𝜆</m:t>
-                              </m:r>
-                              <m:r>
-                                <a:rPr lang="en-US" sz="2400" b="0" i="1" smtClean="0">
-                                  <a:latin typeface="Cambria Math" panose="02040503050406030204" pitchFamily="18" charset="0"/>
-                                  <a:ea typeface="Cambria Math" panose="02040503050406030204" pitchFamily="18" charset="0"/>
-                                </a:rPr>
-                                <m:t>≠0</m:t>
-                              </m:r>
-                              <m:r>
-                                <a:rPr lang="en-US" sz="2400" b="0" i="1" smtClean="0">
-                                  <a:latin typeface="Cambria Math" panose="02040503050406030204" pitchFamily="18" charset="0"/>
-                                </a:rPr>
-                                <m:t> </m:t>
-                              </m:r>
-                            </m:e>
-                            <m:e>
-                              <m:func>
-                                <m:funcPr>
-                                  <m:ctrlPr>
-                                    <a:rPr lang="en-US" sz="2400" b="0" i="1" smtClean="0">
-                                      <a:latin typeface="Cambria Math" panose="02040503050406030204" pitchFamily="18" charset="0"/>
-                                    </a:rPr>
-                                  </m:ctrlPr>
-                                </m:funcPr>
-                                <m:fName>
-                                  <m:r>
-                                    <m:rPr>
-                                      <m:sty m:val="p"/>
-                                    </m:rPr>
-                                    <a:rPr lang="en-US" sz="2400" b="0" i="0" smtClean="0">
-                                      <a:latin typeface="Cambria Math" panose="02040503050406030204" pitchFamily="18" charset="0"/>
-                                    </a:rPr>
-                                    <m:t>log</m:t>
-                                  </m:r>
-                                </m:fName>
-                                <m:e>
-                                  <m:d>
-                                    <m:dPr>
-                                      <m:ctrlPr>
-                                        <a:rPr lang="en-US" sz="2400" b="0" i="1" smtClean="0">
-                                          <a:latin typeface="Cambria Math" panose="02040503050406030204" pitchFamily="18" charset="0"/>
-                                        </a:rPr>
-                                      </m:ctrlPr>
-                                    </m:dPr>
-                                    <m:e>
-                                      <m:r>
-                                        <a:rPr lang="en-US" sz="2400" b="0" i="1" smtClean="0">
-                                          <a:latin typeface="Cambria Math" panose="02040503050406030204" pitchFamily="18" charset="0"/>
-                                        </a:rPr>
-                                        <m:t>𝑍</m:t>
-                                      </m:r>
-                                    </m:e>
-                                  </m:d>
-                                </m:e>
-                              </m:func>
-                              <m:r>
-                                <a:rPr lang="en-US" sz="2400" b="0" i="1" smtClean="0">
-                                  <a:latin typeface="Cambria Math" panose="02040503050406030204" pitchFamily="18" charset="0"/>
-                                </a:rPr>
-                                <m:t>,  </m:t>
-                              </m:r>
-                              <m:r>
-                                <a:rPr lang="en-US" sz="2400" b="0" i="1" smtClean="0">
-                                  <a:latin typeface="Cambria Math" panose="02040503050406030204" pitchFamily="18" charset="0"/>
-                                </a:rPr>
-                                <m:t>𝑤h𝑒𝑟𝑒</m:t>
-                              </m:r>
-                              <m:r>
-                                <a:rPr lang="en-US" sz="2400" b="0" i="1" smtClean="0">
-                                  <a:latin typeface="Cambria Math" panose="02040503050406030204" pitchFamily="18" charset="0"/>
-                                </a:rPr>
-                                <m:t> </m:t>
-                              </m:r>
-                              <m:r>
-                                <a:rPr lang="en-US" sz="2400" b="0" i="1" smtClean="0">
-                                  <a:latin typeface="Cambria Math" panose="02040503050406030204" pitchFamily="18" charset="0"/>
-                                </a:rPr>
-                                <m:t>𝜆</m:t>
-                              </m:r>
-                              <m:r>
-                                <a:rPr lang="en-US" sz="2400" b="0" i="1" smtClean="0">
-                                  <a:latin typeface="Cambria Math" panose="02040503050406030204" pitchFamily="18" charset="0"/>
-                                </a:rPr>
-                                <m:t>=0</m:t>
-                              </m:r>
-                            </m:e>
-                          </m:eqArr>
-                        </m:e>
-                      </m:d>
-                    </m:oMath>
-                  </m:oMathPara>
-                </a14:m>
-                <a:endParaRPr lang="en-US" sz="2400" dirty="0"/>
-              </a:p>
-              <a:p>
-                <a:r>
-                  <a:rPr lang="en-US" sz="2400" dirty="0"/>
-                  <a:t>Z can be either an independent variable or a dependent variable</a:t>
-                </a:r>
-              </a:p>
-              <a:p>
-                <a:endParaRPr lang="en-US" sz="2400" dirty="0"/>
-              </a:p>
-              <a:p>
-                <a:r>
-                  <a:rPr lang="en-US" sz="2400" dirty="0"/>
-                  <a:t>The </a:t>
-                </a:r>
-                <a14:m>
-                  <m:oMath xmlns:m="http://schemas.openxmlformats.org/officeDocument/2006/math">
-                    <m:r>
-                      <a:rPr lang="en-US" sz="2400" b="0" i="1" smtClean="0">
-                        <a:latin typeface="Cambria Math" panose="02040503050406030204" pitchFamily="18" charset="0"/>
-                      </a:rPr>
-                      <m:t>𝜆</m:t>
-                    </m:r>
-                  </m:oMath>
-                </a14:m>
-                <a:r>
-                  <a:rPr lang="en-US" sz="2400" dirty="0"/>
-                  <a:t> parameter of the transformation can be estimated by the Box-Cox power family</a:t>
-                </a:r>
-              </a:p>
-            </p:txBody>
-          </p:sp>
-        </mc:Choice>
-        <mc:Fallback xmlns="">
-          <p:sp>
-            <p:nvSpPr>
-              <p:cNvPr id="3" name="Content Placeholder 2">
-                <a:extLst>
-                  <a:ext uri="{FF2B5EF4-FFF2-40B4-BE49-F238E27FC236}">
-                    <a16:creationId xmlns:a16="http://schemas.microsoft.com/office/drawing/2014/main" id="{0E0DEAE3-3468-FEAC-B09E-A21A1193B2CC}"/>
-                  </a:ext>
-                </a:extLst>
-              </p:cNvPr>
-              <p:cNvSpPr>
-                <a:spLocks noGrp="1" noRot="1" noChangeAspect="1" noMove="1" noResize="1" noEditPoints="1" noAdjustHandles="1" noChangeArrowheads="1" noChangeShapeType="1" noTextEdit="1"/>
-              </p:cNvSpPr>
-              <p:nvPr>
-                <p:ph idx="1"/>
-              </p:nvPr>
-            </p:nvSpPr>
-            <p:spPr>
-              <a:xfrm>
-                <a:off x="719738" y="782784"/>
-                <a:ext cx="11029615" cy="5043054"/>
-              </a:xfrm>
-              <a:blipFill>
-                <a:blip r:embed="rId2"/>
-                <a:stretch>
-                  <a:fillRect l="-829" b="-121"/>
-                </a:stretch>
-              </a:blipFill>
-            </p:spPr>
-            <p:txBody>
-              <a:bodyPr/>
-              <a:lstStyle/>
-              <a:p>
-                <a:r>
-                  <a:rPr lang="en-US">
-                    <a:noFill/>
-                  </a:rPr>
-                  <a:t> </a:t>
-                </a:r>
-              </a:p>
-            </p:txBody>
-          </p:sp>
-        </mc:Fallback>
-      </mc:AlternateContent>
-    </p:spTree>
-    <p:extLst>
-      <p:ext uri="{BB962C8B-B14F-4D97-AF65-F5344CB8AC3E}">
-        <p14:creationId xmlns:p14="http://schemas.microsoft.com/office/powerpoint/2010/main" val="2673539204"/>
-      </p:ext>
-    </p:extLst>
-  </p:cSld>
-  <p:clrMapOvr>
-    <a:masterClrMapping/>
-  </p:clrMapOvr>
-</p:sld>
-</file>
-
-<file path=ppt/slides/slide38.xml><?xml version="1.0" encoding="utf-8"?>
-<p:sld xmlns:a="http://schemas.openxmlformats.org/drawingml/2006/main" xmlns:r="http://schemas.openxmlformats.org/officeDocument/2006/relationships" xmlns:p="http://schemas.openxmlformats.org/presentationml/2006/main">
-  <p:cSld>
-    <p:spTree>
-      <p:nvGrpSpPr>
-        <p:cNvPr id="1" name=""/>
-        <p:cNvGrpSpPr/>
-        <p:nvPr/>
-      </p:nvGrpSpPr>
-      <p:grpSpPr>
-        <a:xfrm>
-          <a:off x="0" y="0"/>
-          <a:ext cx="0" cy="0"/>
-          <a:chOff x="0" y="0"/>
-          <a:chExt cx="0" cy="0"/>
-        </a:xfrm>
-      </p:grpSpPr>
-      <p:sp>
-        <p:nvSpPr>
-          <p:cNvPr id="3" name="Content Placeholder 2">
-            <a:extLst>
-              <a:ext uri="{FF2B5EF4-FFF2-40B4-BE49-F238E27FC236}">
-                <a16:creationId xmlns:a16="http://schemas.microsoft.com/office/drawing/2014/main" id="{8B10E0B3-7AAD-86A7-60B8-B4CF4331ED25}"/>
-              </a:ext>
-            </a:extLst>
-          </p:cNvPr>
-          <p:cNvSpPr>
-            <a:spLocks noGrp="1"/>
-          </p:cNvSpPr>
-          <p:nvPr>
-            <p:ph idx="1"/>
-          </p:nvPr>
-        </p:nvSpPr>
-        <p:spPr>
-          <a:xfrm>
-            <a:off x="525774" y="775300"/>
-            <a:ext cx="11029615" cy="755627"/>
-          </a:xfrm>
-        </p:spPr>
-        <p:txBody>
-          <a:bodyPr>
-            <a:normAutofit/>
-          </a:bodyPr>
-          <a:lstStyle/>
-          <a:p>
-            <a:pPr marL="0" indent="0">
-              <a:buNone/>
-            </a:pPr>
-            <a:r>
-              <a:rPr lang="en-US" sz="2800" dirty="0"/>
-              <a:t>3. Transform independent variable </a:t>
-            </a:r>
-          </a:p>
-        </p:txBody>
-      </p:sp>
-      <mc:AlternateContent xmlns:mc="http://schemas.openxmlformats.org/markup-compatibility/2006" xmlns:a14="http://schemas.microsoft.com/office/drawing/2010/main">
-        <mc:Choice Requires="a14">
-          <p:sp>
-            <p:nvSpPr>
-              <p:cNvPr id="7" name="TextBox 6">
-                <a:extLst>
-                  <a:ext uri="{FF2B5EF4-FFF2-40B4-BE49-F238E27FC236}">
-                    <a16:creationId xmlns:a16="http://schemas.microsoft.com/office/drawing/2014/main" id="{5A935A9A-3577-BA5D-A5DB-3BD45C91B750}"/>
-                  </a:ext>
-                </a:extLst>
-              </p:cNvPr>
-              <p:cNvSpPr txBox="1"/>
-              <p:nvPr/>
-            </p:nvSpPr>
-            <p:spPr>
-              <a:xfrm>
-                <a:off x="1156855" y="1551709"/>
-                <a:ext cx="9982199" cy="1671996"/>
-              </a:xfrm>
-              <a:prstGeom prst="rect">
-                <a:avLst/>
-              </a:prstGeom>
-              <a:noFill/>
-            </p:spPr>
-            <p:txBody>
-              <a:bodyPr wrap="square">
-                <a:spAutoFit/>
-              </a:bodyPr>
-              <a:lstStyle/>
-              <a:p>
-                <a:pPr/>
-                <a14:m>
-                  <m:oMathPara xmlns:m="http://schemas.openxmlformats.org/officeDocument/2006/math">
-                    <m:oMathParaPr>
-                      <m:jc m:val="centerGroup"/>
-                    </m:oMathParaPr>
-                    <m:oMath xmlns:m="http://schemas.openxmlformats.org/officeDocument/2006/math">
-                      <m:sSup>
-                        <m:sSupPr>
-                          <m:ctrlPr>
-                            <a:rPr lang="en-US" sz="1800" b="0" i="1" smtClean="0">
-                              <a:latin typeface="Cambria Math" panose="02040503050406030204" pitchFamily="18" charset="0"/>
-                            </a:rPr>
-                          </m:ctrlPr>
-                        </m:sSupPr>
-                        <m:e>
-                          <m:r>
-                            <a:rPr lang="en-US" sz="1800" b="0" i="1" smtClean="0">
-                              <a:latin typeface="Cambria Math" panose="02040503050406030204" pitchFamily="18" charset="0"/>
-                            </a:rPr>
-                            <m:t>𝑋</m:t>
-                          </m:r>
-                        </m:e>
-                        <m:sup>
-                          <m:r>
-                            <a:rPr lang="en-US" sz="1800" b="0" i="1" smtClean="0">
-                              <a:latin typeface="Cambria Math" panose="02040503050406030204" pitchFamily="18" charset="0"/>
-                            </a:rPr>
-                            <m:t>𝜆</m:t>
-                          </m:r>
-                        </m:sup>
-                      </m:sSup>
-                      <m:r>
-                        <a:rPr lang="en-US" sz="1800" b="0" i="1" smtClean="0">
-                          <a:latin typeface="Cambria Math" panose="02040503050406030204" pitchFamily="18" charset="0"/>
-                        </a:rPr>
-                        <m:t>=</m:t>
-                      </m:r>
-                      <m:d>
-                        <m:dPr>
-                          <m:begChr m:val="{"/>
-                          <m:endChr m:val=""/>
-                          <m:ctrlPr>
-                            <a:rPr lang="en-US" sz="1800" b="0" i="1" smtClean="0">
-                              <a:latin typeface="Cambria Math" panose="02040503050406030204" pitchFamily="18" charset="0"/>
-                            </a:rPr>
-                          </m:ctrlPr>
-                        </m:dPr>
-                        <m:e>
-                          <m:eqArr>
-                            <m:eqArrPr>
-                              <m:ctrlPr>
-                                <a:rPr lang="en-US" sz="1800" b="0" i="1" smtClean="0">
-                                  <a:latin typeface="Cambria Math" panose="02040503050406030204" pitchFamily="18" charset="0"/>
-                                </a:rPr>
-                              </m:ctrlPr>
-                            </m:eqArrPr>
-                            <m:e>
-                              <m:f>
-                                <m:fPr>
-                                  <m:ctrlPr>
-                                    <a:rPr lang="en-US" sz="1800" b="0" i="1" smtClean="0">
-                                      <a:latin typeface="Cambria Math" panose="02040503050406030204" pitchFamily="18" charset="0"/>
-                                    </a:rPr>
-                                  </m:ctrlPr>
-                                </m:fPr>
-                                <m:num>
-                                  <m:sSup>
-                                    <m:sSupPr>
-                                      <m:ctrlPr>
-                                        <a:rPr lang="en-US" sz="1800" b="0" i="1" smtClean="0">
-                                          <a:latin typeface="Cambria Math" panose="02040503050406030204" pitchFamily="18" charset="0"/>
-                                        </a:rPr>
-                                      </m:ctrlPr>
-                                    </m:sSupPr>
-                                    <m:e>
-                                      <m:r>
-                                        <a:rPr lang="en-US" sz="1800" b="0" i="1" smtClean="0">
-                                          <a:latin typeface="Cambria Math" panose="02040503050406030204" pitchFamily="18" charset="0"/>
-                                        </a:rPr>
-                                        <m:t>𝑋</m:t>
-                                      </m:r>
-                                    </m:e>
-                                    <m:sup>
-                                      <m:r>
-                                        <a:rPr lang="en-US" sz="1800" b="0" i="1" smtClean="0">
-                                          <a:latin typeface="Cambria Math" panose="02040503050406030204" pitchFamily="18" charset="0"/>
-                                        </a:rPr>
-                                        <m:t>𝜆</m:t>
-                                      </m:r>
-                                    </m:sup>
-                                  </m:sSup>
-                                  <m:r>
-                                    <a:rPr lang="en-US" sz="1800" b="0" i="1" smtClean="0">
-                                      <a:latin typeface="Cambria Math" panose="02040503050406030204" pitchFamily="18" charset="0"/>
-                                    </a:rPr>
-                                    <m:t> −1</m:t>
-                                  </m:r>
-                                </m:num>
-                                <m:den>
-                                  <m:r>
-                                    <a:rPr lang="en-US" sz="1800" b="0" i="1" smtClean="0">
-                                      <a:latin typeface="Cambria Math" panose="02040503050406030204" pitchFamily="18" charset="0"/>
-                                    </a:rPr>
-                                    <m:t>𝑋</m:t>
-                                  </m:r>
-                                </m:den>
-                              </m:f>
-                              <m:r>
-                                <a:rPr lang="en-US" sz="1800" b="0" i="1" smtClean="0">
-                                  <a:latin typeface="Cambria Math" panose="02040503050406030204" pitchFamily="18" charset="0"/>
-                                </a:rPr>
-                                <m:t> ,  </m:t>
-                              </m:r>
-                              <m:r>
-                                <a:rPr lang="en-US" sz="1800" b="0" i="1" smtClean="0">
-                                  <a:latin typeface="Cambria Math" panose="02040503050406030204" pitchFamily="18" charset="0"/>
-                                </a:rPr>
-                                <m:t>𝑤h𝑒𝑟𝑒</m:t>
-                              </m:r>
-                              <m:r>
-                                <a:rPr lang="en-US" sz="1800" b="0" i="1" smtClean="0">
-                                  <a:latin typeface="Cambria Math" panose="02040503050406030204" pitchFamily="18" charset="0"/>
-                                </a:rPr>
-                                <m:t> </m:t>
-                              </m:r>
-                              <m:r>
-                                <a:rPr lang="en-US" sz="1800" b="0" i="1" smtClean="0">
-                                  <a:latin typeface="Cambria Math" panose="02040503050406030204" pitchFamily="18" charset="0"/>
-                                </a:rPr>
-                                <m:t>𝜆</m:t>
-                              </m:r>
-                              <m:r>
-                                <a:rPr lang="en-US" sz="1800" b="0" i="1" smtClean="0">
-                                  <a:latin typeface="Cambria Math" panose="02040503050406030204" pitchFamily="18" charset="0"/>
-                                  <a:ea typeface="Cambria Math" panose="02040503050406030204" pitchFamily="18" charset="0"/>
-                                </a:rPr>
-                                <m:t>≠0</m:t>
-                              </m:r>
-                              <m:r>
-                                <a:rPr lang="en-US" sz="1800" b="0" i="1" smtClean="0">
-                                  <a:latin typeface="Cambria Math" panose="02040503050406030204" pitchFamily="18" charset="0"/>
-                                </a:rPr>
-                                <m:t> </m:t>
-                              </m:r>
-                            </m:e>
-                            <m:e>
-                              <m:func>
-                                <m:funcPr>
-                                  <m:ctrlPr>
-                                    <a:rPr lang="en-US" sz="1800" b="0" i="1" smtClean="0">
-                                      <a:latin typeface="Cambria Math" panose="02040503050406030204" pitchFamily="18" charset="0"/>
-                                    </a:rPr>
-                                  </m:ctrlPr>
-                                </m:funcPr>
-                                <m:fName>
-                                  <m:r>
-                                    <m:rPr>
-                                      <m:sty m:val="p"/>
-                                    </m:rPr>
-                                    <a:rPr lang="en-US" sz="1800" b="0" i="0" smtClean="0">
-                                      <a:latin typeface="Cambria Math" panose="02040503050406030204" pitchFamily="18" charset="0"/>
-                                    </a:rPr>
-                                    <m:t>log</m:t>
-                                  </m:r>
-                                </m:fName>
-                                <m:e>
-                                  <m:d>
-                                    <m:dPr>
-                                      <m:ctrlPr>
-                                        <a:rPr lang="en-US" sz="1800" b="0" i="1" smtClean="0">
-                                          <a:latin typeface="Cambria Math" panose="02040503050406030204" pitchFamily="18" charset="0"/>
-                                        </a:rPr>
-                                      </m:ctrlPr>
-                                    </m:dPr>
-                                    <m:e>
-                                      <m:r>
-                                        <a:rPr lang="en-US" sz="1800" b="0" i="1" smtClean="0">
-                                          <a:latin typeface="Cambria Math" panose="02040503050406030204" pitchFamily="18" charset="0"/>
-                                        </a:rPr>
-                                        <m:t>𝑋</m:t>
-                                      </m:r>
-                                    </m:e>
-                                  </m:d>
-                                </m:e>
-                              </m:func>
-                              <m:r>
-                                <a:rPr lang="en-US" sz="1800" b="0" i="1" smtClean="0">
-                                  <a:latin typeface="Cambria Math" panose="02040503050406030204" pitchFamily="18" charset="0"/>
-                                </a:rPr>
-                                <m:t>,  </m:t>
-                              </m:r>
-                              <m:r>
-                                <a:rPr lang="en-US" sz="1800" b="0" i="1" smtClean="0">
-                                  <a:latin typeface="Cambria Math" panose="02040503050406030204" pitchFamily="18" charset="0"/>
-                                </a:rPr>
-                                <m:t>𝑤h𝑒𝑟𝑒</m:t>
-                              </m:r>
-                              <m:r>
-                                <a:rPr lang="en-US" sz="1800" b="0" i="1" smtClean="0">
-                                  <a:latin typeface="Cambria Math" panose="02040503050406030204" pitchFamily="18" charset="0"/>
-                                </a:rPr>
-                                <m:t> </m:t>
-                              </m:r>
-                              <m:r>
-                                <a:rPr lang="en-US" sz="1800" b="0" i="1" smtClean="0">
-                                  <a:latin typeface="Cambria Math" panose="02040503050406030204" pitchFamily="18" charset="0"/>
-                                </a:rPr>
-                                <m:t>𝜆</m:t>
-                              </m:r>
-                              <m:r>
-                                <a:rPr lang="en-US" sz="1800" b="0" i="1" smtClean="0">
-                                  <a:latin typeface="Cambria Math" panose="02040503050406030204" pitchFamily="18" charset="0"/>
-                                </a:rPr>
-                                <m:t>=0</m:t>
-                              </m:r>
-                            </m:e>
-                          </m:eqArr>
-                        </m:e>
-                      </m:d>
-                    </m:oMath>
-                  </m:oMathPara>
-                </a14:m>
-                <a:endParaRPr lang="en-US" sz="1800" b="0" dirty="0"/>
-              </a:p>
-              <a:p>
-                <a:endParaRPr lang="en-US" dirty="0"/>
-              </a:p>
-              <a:p>
-                <a:r>
-                  <a:rPr lang="en-US" dirty="0"/>
-                  <a:t>Ensure </a:t>
-                </a:r>
-                <a14:m>
-                  <m:oMath xmlns:m="http://schemas.openxmlformats.org/officeDocument/2006/math">
-                    <m:r>
-                      <a:rPr lang="en-US" b="0" i="1" smtClean="0">
-                        <a:latin typeface="Cambria Math" panose="02040503050406030204" pitchFamily="18" charset="0"/>
-                      </a:rPr>
-                      <m:t>𝑋</m:t>
-                    </m:r>
-                  </m:oMath>
-                </a14:m>
-                <a:r>
-                  <a:rPr lang="en-US" dirty="0"/>
-                  <a:t> is properly scaled before modeling </a:t>
-                </a:r>
-                <a14:m>
-                  <m:oMath xmlns:m="http://schemas.openxmlformats.org/officeDocument/2006/math">
-                    <m:r>
-                      <a:rPr lang="en-US" b="0" i="1" smtClean="0">
-                        <a:latin typeface="Cambria Math" panose="02040503050406030204" pitchFamily="18" charset="0"/>
-                      </a:rPr>
-                      <m:t>𝑌</m:t>
-                    </m:r>
-                  </m:oMath>
-                </a14:m>
-                <a:endParaRPr lang="en-US" dirty="0"/>
-              </a:p>
-            </p:txBody>
-          </p:sp>
-        </mc:Choice>
-        <mc:Fallback xmlns="">
-          <p:sp>
-            <p:nvSpPr>
-              <p:cNvPr id="7" name="TextBox 6">
-                <a:extLst>
-                  <a:ext uri="{FF2B5EF4-FFF2-40B4-BE49-F238E27FC236}">
-                    <a16:creationId xmlns:a16="http://schemas.microsoft.com/office/drawing/2014/main" id="{5A935A9A-3577-BA5D-A5DB-3BD45C91B750}"/>
-                  </a:ext>
-                </a:extLst>
-              </p:cNvPr>
-              <p:cNvSpPr txBox="1">
-                <a:spLocks noRot="1" noChangeAspect="1" noMove="1" noResize="1" noEditPoints="1" noAdjustHandles="1" noChangeArrowheads="1" noChangeShapeType="1" noTextEdit="1"/>
-              </p:cNvSpPr>
-              <p:nvPr/>
-            </p:nvSpPr>
-            <p:spPr>
-              <a:xfrm>
-                <a:off x="1156855" y="1551709"/>
-                <a:ext cx="9982199" cy="1671996"/>
-              </a:xfrm>
-              <a:prstGeom prst="rect">
-                <a:avLst/>
-              </a:prstGeom>
-              <a:blipFill>
-                <a:blip r:embed="rId2"/>
-                <a:stretch>
-                  <a:fillRect l="-550" b="-5109"/>
-                </a:stretch>
-              </a:blipFill>
-            </p:spPr>
-            <p:txBody>
-              <a:bodyPr/>
-              <a:lstStyle/>
-              <a:p>
-                <a:r>
-                  <a:rPr lang="en-US">
-                    <a:noFill/>
-                  </a:rPr>
-                  <a:t> </a:t>
-                </a:r>
-              </a:p>
-            </p:txBody>
-          </p:sp>
-        </mc:Fallback>
-      </mc:AlternateContent>
-      <p:sp>
-        <p:nvSpPr>
-          <p:cNvPr id="8" name="Content Placeholder 2">
-            <a:extLst>
-              <a:ext uri="{FF2B5EF4-FFF2-40B4-BE49-F238E27FC236}">
-                <a16:creationId xmlns:a16="http://schemas.microsoft.com/office/drawing/2014/main" id="{C9D340C7-F453-AFA1-C453-54C5096246AD}"/>
-              </a:ext>
-            </a:extLst>
-          </p:cNvPr>
-          <p:cNvSpPr txBox="1">
-            <a:spLocks/>
-          </p:cNvSpPr>
-          <p:nvPr/>
-        </p:nvSpPr>
-        <p:spPr>
-          <a:xfrm>
-            <a:off x="581192" y="3698610"/>
-            <a:ext cx="11029615" cy="755627"/>
-          </a:xfrm>
-          <a:prstGeom prst="rect">
-            <a:avLst/>
-          </a:prstGeom>
-        </p:spPr>
-        <p:txBody>
-          <a:bodyPr vert="horz" lIns="91440" tIns="45720" rIns="91440" bIns="45720" rtlCol="0" anchor="ctr">
-            <a:normAutofit/>
-          </a:bodyPr>
-          <a:lstStyle>
-            <a:lvl1pPr marL="306000" indent="-306000" algn="l" defTabSz="457200" rtl="0" eaLnBrk="1" latinLnBrk="0" hangingPunct="1">
-              <a:lnSpc>
-                <a:spcPct val="100000"/>
-              </a:lnSpc>
-              <a:spcBef>
-                <a:spcPct val="20000"/>
-              </a:spcBef>
-              <a:spcAft>
-                <a:spcPts val="600"/>
-              </a:spcAft>
-              <a:buClr>
-                <a:schemeClr val="accent1"/>
-              </a:buClr>
-              <a:buSzPct val="92000"/>
-              <a:buFont typeface="Wingdings 2" panose="05020102010507070707" pitchFamily="18" charset="2"/>
-              <a:buChar char=""/>
-              <a:defRPr sz="1800" kern="1200">
-                <a:solidFill>
-                  <a:schemeClr val="tx1">
-                    <a:lumMod val="75000"/>
-                    <a:lumOff val="25000"/>
-                  </a:schemeClr>
-                </a:solidFill>
-                <a:latin typeface="+mn-lt"/>
-                <a:ea typeface="+mn-ea"/>
-                <a:cs typeface="+mn-cs"/>
-              </a:defRPr>
-            </a:lvl1pPr>
-            <a:lvl2pPr marL="630000" indent="-306000" algn="l" defTabSz="457200" rtl="0" eaLnBrk="1" latinLnBrk="0" hangingPunct="1">
-              <a:lnSpc>
-                <a:spcPct val="100000"/>
-              </a:lnSpc>
-              <a:spcBef>
-                <a:spcPct val="20000"/>
-              </a:spcBef>
-              <a:spcAft>
-                <a:spcPts val="600"/>
-              </a:spcAft>
-              <a:buClr>
-                <a:schemeClr val="accent1"/>
-              </a:buClr>
-              <a:buSzPct val="92000"/>
-              <a:buFont typeface="Wingdings 2" panose="05020102010507070707" pitchFamily="18" charset="2"/>
-              <a:buChar char=""/>
-              <a:defRPr sz="1600" kern="1200">
-                <a:solidFill>
-                  <a:schemeClr val="tx1">
-                    <a:lumMod val="75000"/>
-                    <a:lumOff val="25000"/>
-                  </a:schemeClr>
-                </a:solidFill>
-                <a:latin typeface="+mn-lt"/>
-                <a:ea typeface="+mn-ea"/>
-                <a:cs typeface="+mn-cs"/>
-              </a:defRPr>
-            </a:lvl2pPr>
-            <a:lvl3pPr marL="900000" indent="-270000" algn="l" defTabSz="457200" rtl="0" eaLnBrk="1" latinLnBrk="0" hangingPunct="1">
-              <a:lnSpc>
-                <a:spcPct val="100000"/>
-              </a:lnSpc>
-              <a:spcBef>
-                <a:spcPct val="20000"/>
-              </a:spcBef>
-              <a:spcAft>
-                <a:spcPts val="600"/>
-              </a:spcAft>
-              <a:buClr>
-                <a:schemeClr val="accent1"/>
-              </a:buClr>
-              <a:buSzPct val="92000"/>
-              <a:buFont typeface="Wingdings 2" panose="05020102010507070707" pitchFamily="18" charset="2"/>
-              <a:buChar char=""/>
-              <a:defRPr sz="1400" kern="1200">
-                <a:solidFill>
-                  <a:schemeClr val="tx1">
-                    <a:lumMod val="75000"/>
-                    <a:lumOff val="25000"/>
-                  </a:schemeClr>
-                </a:solidFill>
-                <a:latin typeface="+mn-lt"/>
-                <a:ea typeface="+mn-ea"/>
-                <a:cs typeface="+mn-cs"/>
-              </a:defRPr>
-            </a:lvl3pPr>
-            <a:lvl4pPr marL="1242000" indent="-234000" algn="l" defTabSz="457200" rtl="0" eaLnBrk="1" latinLnBrk="0" hangingPunct="1">
-              <a:lnSpc>
-                <a:spcPct val="100000"/>
-              </a:lnSpc>
-              <a:spcBef>
-                <a:spcPct val="20000"/>
-              </a:spcBef>
-              <a:spcAft>
-                <a:spcPts val="600"/>
-              </a:spcAft>
-              <a:buClr>
-                <a:schemeClr val="accent1"/>
-              </a:buClr>
-              <a:buSzPct val="92000"/>
-              <a:buFont typeface="Wingdings 2" panose="05020102010507070707" pitchFamily="18" charset="2"/>
-              <a:buChar char=""/>
-              <a:defRPr sz="1200" kern="1200">
-                <a:solidFill>
-                  <a:schemeClr val="tx1">
-                    <a:lumMod val="75000"/>
-                    <a:lumOff val="25000"/>
-                  </a:schemeClr>
-                </a:solidFill>
-                <a:latin typeface="+mn-lt"/>
-                <a:ea typeface="+mn-ea"/>
-                <a:cs typeface="+mn-cs"/>
-              </a:defRPr>
-            </a:lvl4pPr>
-            <a:lvl5pPr marL="1602000" indent="-234000" algn="l" defTabSz="457200" rtl="0" eaLnBrk="1" latinLnBrk="0" hangingPunct="1">
-              <a:lnSpc>
-                <a:spcPct val="100000"/>
-              </a:lnSpc>
-              <a:spcBef>
-                <a:spcPct val="20000"/>
-              </a:spcBef>
-              <a:spcAft>
-                <a:spcPts val="600"/>
-              </a:spcAft>
-              <a:buClr>
-                <a:schemeClr val="accent1"/>
-              </a:buClr>
-              <a:buSzPct val="92000"/>
-              <a:buFont typeface="Wingdings 2" panose="05020102010507070707" pitchFamily="18" charset="2"/>
-              <a:buChar char=""/>
-              <a:defRPr sz="1200" kern="1200">
-                <a:solidFill>
-                  <a:schemeClr val="tx1">
-                    <a:lumMod val="75000"/>
-                    <a:lumOff val="25000"/>
-                  </a:schemeClr>
-                </a:solidFill>
-                <a:latin typeface="+mn-lt"/>
-                <a:ea typeface="+mn-ea"/>
-                <a:cs typeface="+mn-cs"/>
-              </a:defRPr>
-            </a:lvl5pPr>
-            <a:lvl6pPr marL="1900000" indent="-228600" algn="l" defTabSz="457200" rtl="0" eaLnBrk="1" latinLnBrk="0" hangingPunct="1">
-              <a:spcBef>
-                <a:spcPct val="20000"/>
-              </a:spcBef>
-              <a:spcAft>
-                <a:spcPts val="600"/>
-              </a:spcAft>
-              <a:buClr>
-                <a:schemeClr val="accent2"/>
-              </a:buClr>
-              <a:buSzPct val="92000"/>
-              <a:buFont typeface="Wingdings 2" panose="05020102010507070707" pitchFamily="18" charset="2"/>
-              <a:buChar char=""/>
-              <a:defRPr sz="1200" kern="1200">
-                <a:solidFill>
-                  <a:schemeClr val="tx2"/>
-                </a:solidFill>
-                <a:latin typeface="+mn-lt"/>
-                <a:ea typeface="+mn-ea"/>
-                <a:cs typeface="+mn-cs"/>
-              </a:defRPr>
-            </a:lvl6pPr>
-            <a:lvl7pPr marL="2200000" indent="-228600" algn="l" defTabSz="457200" rtl="0" eaLnBrk="1" latinLnBrk="0" hangingPunct="1">
-              <a:spcBef>
-                <a:spcPct val="20000"/>
-              </a:spcBef>
-              <a:spcAft>
-                <a:spcPts val="600"/>
-              </a:spcAft>
-              <a:buClr>
-                <a:schemeClr val="accent2"/>
-              </a:buClr>
-              <a:buSzPct val="92000"/>
-              <a:buFont typeface="Wingdings 2" panose="05020102010507070707" pitchFamily="18" charset="2"/>
-              <a:buChar char=""/>
-              <a:defRPr sz="1200" kern="1200">
-                <a:solidFill>
-                  <a:schemeClr val="tx2"/>
-                </a:solidFill>
-                <a:latin typeface="+mn-lt"/>
-                <a:ea typeface="+mn-ea"/>
-                <a:cs typeface="+mn-cs"/>
-              </a:defRPr>
-            </a:lvl7pPr>
-            <a:lvl8pPr marL="2500000" indent="-228600" algn="l" defTabSz="457200" rtl="0" eaLnBrk="1" latinLnBrk="0" hangingPunct="1">
-              <a:spcBef>
-                <a:spcPct val="20000"/>
-              </a:spcBef>
-              <a:spcAft>
-                <a:spcPts val="600"/>
-              </a:spcAft>
-              <a:buClr>
-                <a:schemeClr val="accent2"/>
-              </a:buClr>
-              <a:buSzPct val="92000"/>
-              <a:buFont typeface="Wingdings 2" panose="05020102010507070707" pitchFamily="18" charset="2"/>
-              <a:buChar char=""/>
-              <a:defRPr sz="1200" kern="1200">
-                <a:solidFill>
-                  <a:schemeClr val="tx2"/>
-                </a:solidFill>
-                <a:latin typeface="+mn-lt"/>
-                <a:ea typeface="+mn-ea"/>
-                <a:cs typeface="+mn-cs"/>
-              </a:defRPr>
-            </a:lvl8pPr>
-            <a:lvl9pPr marL="2800000" indent="-228600" algn="l" defTabSz="457200" rtl="0" eaLnBrk="1" latinLnBrk="0" hangingPunct="1">
-              <a:spcBef>
-                <a:spcPct val="20000"/>
-              </a:spcBef>
-              <a:spcAft>
-                <a:spcPts val="600"/>
-              </a:spcAft>
-              <a:buClr>
-                <a:schemeClr val="accent2"/>
-              </a:buClr>
-              <a:buSzPct val="92000"/>
-              <a:buFont typeface="Wingdings 2" panose="05020102010507070707" pitchFamily="18" charset="2"/>
-              <a:buChar char=""/>
-              <a:defRPr sz="1200" kern="1200">
-                <a:solidFill>
-                  <a:schemeClr val="tx2"/>
-                </a:solidFill>
-                <a:latin typeface="+mn-lt"/>
-                <a:ea typeface="+mn-ea"/>
-                <a:cs typeface="+mn-cs"/>
-              </a:defRPr>
-            </a:lvl9pPr>
-          </a:lstStyle>
-          <a:p>
-            <a:pPr marL="0" indent="0">
-              <a:buFont typeface="Wingdings 2" panose="05020102010507070707" pitchFamily="18" charset="2"/>
-              <a:buNone/>
-            </a:pPr>
-            <a:r>
-              <a:rPr lang="en-US" sz="2800" dirty="0"/>
-              <a:t>4. Transform independent variable </a:t>
-            </a:r>
-          </a:p>
-        </p:txBody>
-      </p:sp>
-      <mc:AlternateContent xmlns:mc="http://schemas.openxmlformats.org/markup-compatibility/2006" xmlns:a14="http://schemas.microsoft.com/office/drawing/2010/main">
-        <mc:Choice Requires="a14">
-          <p:sp>
-            <p:nvSpPr>
-              <p:cNvPr id="10" name="TextBox 9">
-                <a:extLst>
-                  <a:ext uri="{FF2B5EF4-FFF2-40B4-BE49-F238E27FC236}">
-                    <a16:creationId xmlns:a16="http://schemas.microsoft.com/office/drawing/2014/main" id="{10F1E241-E22F-43E9-BE8A-A0EBBED66D19}"/>
-                  </a:ext>
-                </a:extLst>
-              </p:cNvPr>
-              <p:cNvSpPr txBox="1"/>
-              <p:nvPr/>
-            </p:nvSpPr>
-            <p:spPr>
-              <a:xfrm>
-                <a:off x="3099954" y="4474651"/>
-                <a:ext cx="6096000" cy="1117998"/>
-              </a:xfrm>
-              <a:prstGeom prst="rect">
-                <a:avLst/>
-              </a:prstGeom>
-              <a:noFill/>
-            </p:spPr>
-            <p:txBody>
-              <a:bodyPr wrap="square">
-                <a:spAutoFit/>
-              </a:bodyPr>
-              <a:lstStyle/>
-              <a:p>
-                <a:pPr/>
-                <a14:m>
-                  <m:oMathPara xmlns:m="http://schemas.openxmlformats.org/officeDocument/2006/math">
-                    <m:oMathParaPr>
-                      <m:jc m:val="centerGroup"/>
-                    </m:oMathParaPr>
-                    <m:oMath xmlns:m="http://schemas.openxmlformats.org/officeDocument/2006/math">
-                      <m:sSup>
-                        <m:sSupPr>
-                          <m:ctrlPr>
-                            <a:rPr lang="en-US" sz="1800" b="0" i="1" smtClean="0">
-                              <a:latin typeface="Cambria Math" panose="02040503050406030204" pitchFamily="18" charset="0"/>
-                            </a:rPr>
-                          </m:ctrlPr>
-                        </m:sSupPr>
-                        <m:e>
-                          <m:r>
-                            <a:rPr lang="en-US" sz="1800" b="0" i="1" smtClean="0">
-                              <a:latin typeface="Cambria Math" panose="02040503050406030204" pitchFamily="18" charset="0"/>
-                            </a:rPr>
-                            <m:t>𝑌</m:t>
-                          </m:r>
-                        </m:e>
-                        <m:sup>
-                          <m:r>
-                            <a:rPr lang="en-US" sz="1800" b="0" i="1" smtClean="0">
-                              <a:latin typeface="Cambria Math" panose="02040503050406030204" pitchFamily="18" charset="0"/>
-                            </a:rPr>
-                            <m:t>𝜆</m:t>
-                          </m:r>
-                        </m:sup>
-                      </m:sSup>
-                      <m:r>
-                        <a:rPr lang="en-US" sz="1800" b="0" i="1" smtClean="0">
-                          <a:latin typeface="Cambria Math" panose="02040503050406030204" pitchFamily="18" charset="0"/>
-                        </a:rPr>
-                        <m:t>=</m:t>
-                      </m:r>
-                      <m:d>
-                        <m:dPr>
-                          <m:begChr m:val="{"/>
-                          <m:endChr m:val=""/>
-                          <m:ctrlPr>
-                            <a:rPr lang="en-US" sz="1800" b="0" i="1" smtClean="0">
-                              <a:latin typeface="Cambria Math" panose="02040503050406030204" pitchFamily="18" charset="0"/>
-                            </a:rPr>
-                          </m:ctrlPr>
-                        </m:dPr>
-                        <m:e>
-                          <m:eqArr>
-                            <m:eqArrPr>
-                              <m:ctrlPr>
-                                <a:rPr lang="en-US" sz="1800" b="0" i="1" smtClean="0">
-                                  <a:latin typeface="Cambria Math" panose="02040503050406030204" pitchFamily="18" charset="0"/>
-                                </a:rPr>
-                              </m:ctrlPr>
-                            </m:eqArrPr>
-                            <m:e>
-                              <m:f>
-                                <m:fPr>
-                                  <m:ctrlPr>
-                                    <a:rPr lang="en-US" sz="1800" b="0" i="1" smtClean="0">
-                                      <a:latin typeface="Cambria Math" panose="02040503050406030204" pitchFamily="18" charset="0"/>
-                                    </a:rPr>
-                                  </m:ctrlPr>
-                                </m:fPr>
-                                <m:num>
-                                  <m:sSup>
-                                    <m:sSupPr>
-                                      <m:ctrlPr>
-                                        <a:rPr lang="en-US" sz="1800" b="0" i="1" smtClean="0">
-                                          <a:latin typeface="Cambria Math" panose="02040503050406030204" pitchFamily="18" charset="0"/>
-                                        </a:rPr>
-                                      </m:ctrlPr>
-                                    </m:sSupPr>
-                                    <m:e>
-                                      <m:r>
-                                        <a:rPr lang="en-US" sz="1800" b="0" i="1" smtClean="0">
-                                          <a:latin typeface="Cambria Math" panose="02040503050406030204" pitchFamily="18" charset="0"/>
-                                        </a:rPr>
-                                        <m:t>𝑌</m:t>
-                                      </m:r>
-                                    </m:e>
-                                    <m:sup>
-                                      <m:r>
-                                        <a:rPr lang="en-US" sz="1800" b="0" i="1" smtClean="0">
-                                          <a:latin typeface="Cambria Math" panose="02040503050406030204" pitchFamily="18" charset="0"/>
-                                        </a:rPr>
-                                        <m:t>𝜆</m:t>
-                                      </m:r>
-                                    </m:sup>
-                                  </m:sSup>
-                                  <m:r>
-                                    <a:rPr lang="en-US" sz="1800" b="0" i="1" smtClean="0">
-                                      <a:latin typeface="Cambria Math" panose="02040503050406030204" pitchFamily="18" charset="0"/>
-                                    </a:rPr>
-                                    <m:t> −1</m:t>
-                                  </m:r>
-                                </m:num>
-                                <m:den>
-                                  <m:r>
-                                    <a:rPr lang="en-US" sz="1800" b="0" i="1" smtClean="0">
-                                      <a:latin typeface="Cambria Math" panose="02040503050406030204" pitchFamily="18" charset="0"/>
-                                    </a:rPr>
-                                    <m:t>𝑌</m:t>
-                                  </m:r>
-                                </m:den>
-                              </m:f>
-                              <m:r>
-                                <a:rPr lang="en-US" sz="1800" b="0" i="1" smtClean="0">
-                                  <a:latin typeface="Cambria Math" panose="02040503050406030204" pitchFamily="18" charset="0"/>
-                                </a:rPr>
-                                <m:t> ,  </m:t>
-                              </m:r>
-                              <m:r>
-                                <a:rPr lang="en-US" sz="1800" b="0" i="1" smtClean="0">
-                                  <a:latin typeface="Cambria Math" panose="02040503050406030204" pitchFamily="18" charset="0"/>
-                                </a:rPr>
-                                <m:t>𝑤h𝑒𝑟𝑒</m:t>
-                              </m:r>
-                              <m:r>
-                                <a:rPr lang="en-US" sz="1800" b="0" i="1" smtClean="0">
-                                  <a:latin typeface="Cambria Math" panose="02040503050406030204" pitchFamily="18" charset="0"/>
-                                </a:rPr>
-                                <m:t> </m:t>
-                              </m:r>
-                              <m:r>
-                                <a:rPr lang="en-US" sz="1800" b="0" i="1" smtClean="0">
-                                  <a:latin typeface="Cambria Math" panose="02040503050406030204" pitchFamily="18" charset="0"/>
-                                </a:rPr>
-                                <m:t>𝜆</m:t>
-                              </m:r>
-                              <m:r>
-                                <a:rPr lang="en-US" sz="1800" b="0" i="1" smtClean="0">
-                                  <a:latin typeface="Cambria Math" panose="02040503050406030204" pitchFamily="18" charset="0"/>
-                                  <a:ea typeface="Cambria Math" panose="02040503050406030204" pitchFamily="18" charset="0"/>
-                                </a:rPr>
-                                <m:t>≠0</m:t>
-                              </m:r>
-                              <m:r>
-                                <a:rPr lang="en-US" sz="1800" b="0" i="1" smtClean="0">
-                                  <a:latin typeface="Cambria Math" panose="02040503050406030204" pitchFamily="18" charset="0"/>
-                                </a:rPr>
-                                <m:t> </m:t>
-                              </m:r>
-                            </m:e>
-                            <m:e>
-                              <m:func>
-                                <m:funcPr>
-                                  <m:ctrlPr>
-                                    <a:rPr lang="en-US" sz="1800" b="0" i="1" smtClean="0">
-                                      <a:latin typeface="Cambria Math" panose="02040503050406030204" pitchFamily="18" charset="0"/>
-                                    </a:rPr>
-                                  </m:ctrlPr>
-                                </m:funcPr>
-                                <m:fName>
-                                  <m:r>
-                                    <m:rPr>
-                                      <m:sty m:val="p"/>
-                                    </m:rPr>
-                                    <a:rPr lang="en-US" sz="1800" b="0" i="0" smtClean="0">
-                                      <a:latin typeface="Cambria Math" panose="02040503050406030204" pitchFamily="18" charset="0"/>
-                                    </a:rPr>
-                                    <m:t>log</m:t>
-                                  </m:r>
-                                </m:fName>
-                                <m:e>
-                                  <m:d>
-                                    <m:dPr>
-                                      <m:ctrlPr>
-                                        <a:rPr lang="en-US" sz="1800" b="0" i="1" smtClean="0">
-                                          <a:latin typeface="Cambria Math" panose="02040503050406030204" pitchFamily="18" charset="0"/>
-                                        </a:rPr>
-                                      </m:ctrlPr>
-                                    </m:dPr>
-                                    <m:e>
-                                      <m:r>
-                                        <a:rPr lang="en-US" sz="1800" b="0" i="1" smtClean="0">
-                                          <a:latin typeface="Cambria Math" panose="02040503050406030204" pitchFamily="18" charset="0"/>
-                                        </a:rPr>
-                                        <m:t>𝑌</m:t>
-                                      </m:r>
-                                    </m:e>
-                                  </m:d>
-                                </m:e>
-                              </m:func>
-                              <m:r>
-                                <a:rPr lang="en-US" sz="1800" b="0" i="1" smtClean="0">
-                                  <a:latin typeface="Cambria Math" panose="02040503050406030204" pitchFamily="18" charset="0"/>
-                                </a:rPr>
-                                <m:t>,  </m:t>
-                              </m:r>
-                              <m:r>
-                                <a:rPr lang="en-US" sz="1800" b="0" i="1" smtClean="0">
-                                  <a:latin typeface="Cambria Math" panose="02040503050406030204" pitchFamily="18" charset="0"/>
-                                </a:rPr>
-                                <m:t>𝑤h𝑒𝑟𝑒</m:t>
-                              </m:r>
-                              <m:r>
-                                <a:rPr lang="en-US" sz="1800" b="0" i="1" smtClean="0">
-                                  <a:latin typeface="Cambria Math" panose="02040503050406030204" pitchFamily="18" charset="0"/>
-                                </a:rPr>
-                                <m:t> </m:t>
-                              </m:r>
-                              <m:r>
-                                <a:rPr lang="en-US" sz="1800" b="0" i="1" smtClean="0">
-                                  <a:latin typeface="Cambria Math" panose="02040503050406030204" pitchFamily="18" charset="0"/>
-                                </a:rPr>
-                                <m:t>𝜆</m:t>
-                              </m:r>
-                              <m:r>
-                                <a:rPr lang="en-US" sz="1800" b="0" i="1" smtClean="0">
-                                  <a:latin typeface="Cambria Math" panose="02040503050406030204" pitchFamily="18" charset="0"/>
-                                </a:rPr>
-                                <m:t>=0</m:t>
-                              </m:r>
-                            </m:e>
-                          </m:eqArr>
-                        </m:e>
-                      </m:d>
-                    </m:oMath>
-                  </m:oMathPara>
-                </a14:m>
-                <a:endParaRPr lang="en-US" dirty="0"/>
-              </a:p>
-            </p:txBody>
-          </p:sp>
-        </mc:Choice>
-        <mc:Fallback xmlns="">
-          <p:sp>
-            <p:nvSpPr>
-              <p:cNvPr id="10" name="TextBox 9">
-                <a:extLst>
-                  <a:ext uri="{FF2B5EF4-FFF2-40B4-BE49-F238E27FC236}">
-                    <a16:creationId xmlns:a16="http://schemas.microsoft.com/office/drawing/2014/main" id="{10F1E241-E22F-43E9-BE8A-A0EBBED66D19}"/>
-                  </a:ext>
-                </a:extLst>
-              </p:cNvPr>
-              <p:cNvSpPr txBox="1">
-                <a:spLocks noRot="1" noChangeAspect="1" noMove="1" noResize="1" noEditPoints="1" noAdjustHandles="1" noChangeArrowheads="1" noChangeShapeType="1" noTextEdit="1"/>
-              </p:cNvSpPr>
-              <p:nvPr/>
-            </p:nvSpPr>
-            <p:spPr>
-              <a:xfrm>
-                <a:off x="3099954" y="4474651"/>
-                <a:ext cx="6096000" cy="1117998"/>
-              </a:xfrm>
-              <a:prstGeom prst="rect">
-                <a:avLst/>
-              </a:prstGeom>
-              <a:blipFill>
-                <a:blip r:embed="rId3"/>
-                <a:stretch>
-                  <a:fillRect/>
-                </a:stretch>
-              </a:blipFill>
-            </p:spPr>
-            <p:txBody>
-              <a:bodyPr/>
-              <a:lstStyle/>
-              <a:p>
-                <a:r>
-                  <a:rPr lang="en-US">
-                    <a:noFill/>
-                  </a:rPr>
-                  <a:t> </a:t>
-                </a:r>
-              </a:p>
-            </p:txBody>
-          </p:sp>
-        </mc:Fallback>
-      </mc:AlternateContent>
-    </p:spTree>
-    <p:extLst>
-      <p:ext uri="{BB962C8B-B14F-4D97-AF65-F5344CB8AC3E}">
-        <p14:creationId xmlns:p14="http://schemas.microsoft.com/office/powerpoint/2010/main" val="3241336244"/>
-      </p:ext>
-    </p:extLst>
-  </p:cSld>
-  <p:clrMapOvr>
-    <a:masterClrMapping/>
-  </p:clrMapOvr>
-</p:sld>
-</file>
-
-<file path=ppt/slides/slide39.xml><?xml version="1.0" encoding="utf-8"?>
-<p:sld xmlns:a="http://schemas.openxmlformats.org/drawingml/2006/main" xmlns:r="http://schemas.openxmlformats.org/officeDocument/2006/relationships" xmlns:p="http://schemas.openxmlformats.org/presentationml/2006/main">
-  <p:cSld>
-    <p:spTree>
-      <p:nvGrpSpPr>
-        <p:cNvPr id="1" name=""/>
-        <p:cNvGrpSpPr/>
-        <p:nvPr/>
-      </p:nvGrpSpPr>
-      <p:grpSpPr>
-        <a:xfrm>
-          <a:off x="0" y="0"/>
-          <a:ext cx="0" cy="0"/>
-          <a:chOff x="0" y="0"/>
-          <a:chExt cx="0" cy="0"/>
-        </a:xfrm>
-      </p:grpSpPr>
-      <mc:AlternateContent xmlns:mc="http://schemas.openxmlformats.org/markup-compatibility/2006" xmlns:a14="http://schemas.microsoft.com/office/drawing/2010/main">
-        <mc:Choice Requires="a14">
-          <p:sp>
-            <p:nvSpPr>
-              <p:cNvPr id="3" name="Content Placeholder 2">
-                <a:extLst>
-                  <a:ext uri="{FF2B5EF4-FFF2-40B4-BE49-F238E27FC236}">
-                    <a16:creationId xmlns:a16="http://schemas.microsoft.com/office/drawing/2014/main" id="{D6A5DC0C-A825-994C-E018-6D81AB247A10}"/>
-                  </a:ext>
-                </a:extLst>
-              </p:cNvPr>
-              <p:cNvSpPr>
-                <a:spLocks noGrp="1"/>
-              </p:cNvSpPr>
-              <p:nvPr>
-                <p:ph idx="1"/>
-              </p:nvPr>
-            </p:nvSpPr>
-            <p:spPr/>
-            <p:txBody>
-              <a:bodyPr/>
-              <a:lstStyle/>
-              <a:p>
-                <a:pPr marL="0" indent="0">
-                  <a:buNone/>
-                </a:pPr>
-                <a14:m>
-                  <m:oMathPara xmlns:m="http://schemas.openxmlformats.org/officeDocument/2006/math">
-                    <m:oMathParaPr>
-                      <m:jc m:val="centerGroup"/>
-                    </m:oMathParaPr>
-                    <m:oMath xmlns:m="http://schemas.openxmlformats.org/officeDocument/2006/math">
-                      <m:sSup>
-                        <m:sSupPr>
-                          <m:ctrlPr>
-                            <a:rPr lang="en-US" b="0" i="1" smtClean="0">
-                              <a:latin typeface="Cambria Math" panose="02040503050406030204" pitchFamily="18" charset="0"/>
-                            </a:rPr>
-                          </m:ctrlPr>
-                        </m:sSupPr>
-                        <m:e>
-                          <m:r>
-                            <a:rPr lang="en-US" b="0" i="1" smtClean="0">
-                              <a:latin typeface="Cambria Math" panose="02040503050406030204" pitchFamily="18" charset="0"/>
-                            </a:rPr>
-                            <m:t>𝑌</m:t>
-                          </m:r>
-                        </m:e>
-                        <m:sup>
-                          <m:r>
-                            <a:rPr lang="en-US" b="0" i="1" smtClean="0">
-                              <a:latin typeface="Cambria Math" panose="02040503050406030204" pitchFamily="18" charset="0"/>
-                            </a:rPr>
-                            <m:t>𝜆</m:t>
-                          </m:r>
-                        </m:sup>
-                      </m:sSup>
-                      <m:r>
-                        <a:rPr lang="en-US" b="0" i="1" smtClean="0">
-                          <a:latin typeface="Cambria Math" panose="02040503050406030204" pitchFamily="18" charset="0"/>
-                        </a:rPr>
-                        <m:t>= </m:t>
-                      </m:r>
-                    </m:oMath>
-                  </m:oMathPara>
-                </a14:m>
-                <a:endParaRPr lang="en-US" dirty="0"/>
-              </a:p>
-            </p:txBody>
-          </p:sp>
-        </mc:Choice>
-        <mc:Fallback xmlns="">
-          <p:sp>
-            <p:nvSpPr>
-              <p:cNvPr id="3" name="Content Placeholder 2">
-                <a:extLst>
-                  <a:ext uri="{FF2B5EF4-FFF2-40B4-BE49-F238E27FC236}">
-                    <a16:creationId xmlns:a16="http://schemas.microsoft.com/office/drawing/2014/main" id="{D6A5DC0C-A825-994C-E018-6D81AB247A10}"/>
-                  </a:ext>
-                </a:extLst>
-              </p:cNvPr>
-              <p:cNvSpPr>
-                <a:spLocks noGrp="1" noRot="1" noChangeAspect="1" noMove="1" noResize="1" noEditPoints="1" noAdjustHandles="1" noChangeArrowheads="1" noChangeShapeType="1" noTextEdit="1"/>
-              </p:cNvSpPr>
-              <p:nvPr>
-                <p:ph idx="1"/>
-              </p:nvPr>
-            </p:nvSpPr>
-            <p:spPr>
-              <a:blipFill>
-                <a:blip r:embed="rId2"/>
-                <a:stretch>
-                  <a:fillRect/>
-                </a:stretch>
-              </a:blipFill>
-            </p:spPr>
-            <p:txBody>
-              <a:bodyPr/>
-              <a:lstStyle/>
-              <a:p>
-                <a:r>
-                  <a:rPr lang="en-US">
-                    <a:noFill/>
-                  </a:rPr>
-                  <a:t> </a:t>
-                </a:r>
-              </a:p>
-            </p:txBody>
-          </p:sp>
-        </mc:Fallback>
-      </mc:AlternateContent>
-      <p:sp>
-        <p:nvSpPr>
-          <p:cNvPr id="4" name="Content Placeholder 2">
-            <a:extLst>
-              <a:ext uri="{FF2B5EF4-FFF2-40B4-BE49-F238E27FC236}">
-                <a16:creationId xmlns:a16="http://schemas.microsoft.com/office/drawing/2014/main" id="{009EF893-A3B8-4805-4162-33FFA0933C2B}"/>
-              </a:ext>
-            </a:extLst>
-          </p:cNvPr>
-          <p:cNvSpPr txBox="1">
-            <a:spLocks/>
-          </p:cNvSpPr>
-          <p:nvPr/>
-        </p:nvSpPr>
-        <p:spPr>
-          <a:xfrm>
-            <a:off x="581191" y="595192"/>
-            <a:ext cx="11029615" cy="755627"/>
-          </a:xfrm>
-          <a:prstGeom prst="rect">
-            <a:avLst/>
-          </a:prstGeom>
-        </p:spPr>
-        <p:txBody>
-          <a:bodyPr vert="horz" lIns="91440" tIns="45720" rIns="91440" bIns="45720" rtlCol="0" anchor="ctr">
-            <a:normAutofit/>
-          </a:bodyPr>
-          <a:lstStyle>
-            <a:lvl1pPr marL="306000" indent="-306000" algn="l" defTabSz="457200" rtl="0" eaLnBrk="1" latinLnBrk="0" hangingPunct="1">
-              <a:lnSpc>
-                <a:spcPct val="100000"/>
-              </a:lnSpc>
-              <a:spcBef>
-                <a:spcPct val="20000"/>
-              </a:spcBef>
-              <a:spcAft>
-                <a:spcPts val="600"/>
-              </a:spcAft>
-              <a:buClr>
-                <a:schemeClr val="accent1"/>
-              </a:buClr>
-              <a:buSzPct val="92000"/>
-              <a:buFont typeface="Wingdings 2" panose="05020102010507070707" pitchFamily="18" charset="2"/>
-              <a:buChar char=""/>
-              <a:defRPr sz="1800" kern="1200">
-                <a:solidFill>
-                  <a:schemeClr val="tx1">
-                    <a:lumMod val="75000"/>
-                    <a:lumOff val="25000"/>
-                  </a:schemeClr>
-                </a:solidFill>
-                <a:latin typeface="+mn-lt"/>
-                <a:ea typeface="+mn-ea"/>
-                <a:cs typeface="+mn-cs"/>
-              </a:defRPr>
-            </a:lvl1pPr>
-            <a:lvl2pPr marL="630000" indent="-306000" algn="l" defTabSz="457200" rtl="0" eaLnBrk="1" latinLnBrk="0" hangingPunct="1">
-              <a:lnSpc>
-                <a:spcPct val="100000"/>
-              </a:lnSpc>
-              <a:spcBef>
-                <a:spcPct val="20000"/>
-              </a:spcBef>
-              <a:spcAft>
-                <a:spcPts val="600"/>
-              </a:spcAft>
-              <a:buClr>
-                <a:schemeClr val="accent1"/>
-              </a:buClr>
-              <a:buSzPct val="92000"/>
-              <a:buFont typeface="Wingdings 2" panose="05020102010507070707" pitchFamily="18" charset="2"/>
-              <a:buChar char=""/>
-              <a:defRPr sz="1600" kern="1200">
-                <a:solidFill>
-                  <a:schemeClr val="tx1">
-                    <a:lumMod val="75000"/>
-                    <a:lumOff val="25000"/>
-                  </a:schemeClr>
-                </a:solidFill>
-                <a:latin typeface="+mn-lt"/>
-                <a:ea typeface="+mn-ea"/>
-                <a:cs typeface="+mn-cs"/>
-              </a:defRPr>
-            </a:lvl2pPr>
-            <a:lvl3pPr marL="900000" indent="-270000" algn="l" defTabSz="457200" rtl="0" eaLnBrk="1" latinLnBrk="0" hangingPunct="1">
-              <a:lnSpc>
-                <a:spcPct val="100000"/>
-              </a:lnSpc>
-              <a:spcBef>
-                <a:spcPct val="20000"/>
-              </a:spcBef>
-              <a:spcAft>
-                <a:spcPts val="600"/>
-              </a:spcAft>
-              <a:buClr>
-                <a:schemeClr val="accent1"/>
-              </a:buClr>
-              <a:buSzPct val="92000"/>
-              <a:buFont typeface="Wingdings 2" panose="05020102010507070707" pitchFamily="18" charset="2"/>
-              <a:buChar char=""/>
-              <a:defRPr sz="1400" kern="1200">
-                <a:solidFill>
-                  <a:schemeClr val="tx1">
-                    <a:lumMod val="75000"/>
-                    <a:lumOff val="25000"/>
-                  </a:schemeClr>
-                </a:solidFill>
-                <a:latin typeface="+mn-lt"/>
-                <a:ea typeface="+mn-ea"/>
-                <a:cs typeface="+mn-cs"/>
-              </a:defRPr>
-            </a:lvl3pPr>
-            <a:lvl4pPr marL="1242000" indent="-234000" algn="l" defTabSz="457200" rtl="0" eaLnBrk="1" latinLnBrk="0" hangingPunct="1">
-              <a:lnSpc>
-                <a:spcPct val="100000"/>
-              </a:lnSpc>
-              <a:spcBef>
-                <a:spcPct val="20000"/>
-              </a:spcBef>
-              <a:spcAft>
-                <a:spcPts val="600"/>
-              </a:spcAft>
-              <a:buClr>
-                <a:schemeClr val="accent1"/>
-              </a:buClr>
-              <a:buSzPct val="92000"/>
-              <a:buFont typeface="Wingdings 2" panose="05020102010507070707" pitchFamily="18" charset="2"/>
-              <a:buChar char=""/>
-              <a:defRPr sz="1200" kern="1200">
-                <a:solidFill>
-                  <a:schemeClr val="tx1">
-                    <a:lumMod val="75000"/>
-                    <a:lumOff val="25000"/>
-                  </a:schemeClr>
-                </a:solidFill>
-                <a:latin typeface="+mn-lt"/>
-                <a:ea typeface="+mn-ea"/>
-                <a:cs typeface="+mn-cs"/>
-              </a:defRPr>
-            </a:lvl4pPr>
-            <a:lvl5pPr marL="1602000" indent="-234000" algn="l" defTabSz="457200" rtl="0" eaLnBrk="1" latinLnBrk="0" hangingPunct="1">
-              <a:lnSpc>
-                <a:spcPct val="100000"/>
-              </a:lnSpc>
-              <a:spcBef>
-                <a:spcPct val="20000"/>
-              </a:spcBef>
-              <a:spcAft>
-                <a:spcPts val="600"/>
-              </a:spcAft>
-              <a:buClr>
-                <a:schemeClr val="accent1"/>
-              </a:buClr>
-              <a:buSzPct val="92000"/>
-              <a:buFont typeface="Wingdings 2" panose="05020102010507070707" pitchFamily="18" charset="2"/>
-              <a:buChar char=""/>
-              <a:defRPr sz="1200" kern="1200">
-                <a:solidFill>
-                  <a:schemeClr val="tx1">
-                    <a:lumMod val="75000"/>
-                    <a:lumOff val="25000"/>
-                  </a:schemeClr>
-                </a:solidFill>
-                <a:latin typeface="+mn-lt"/>
-                <a:ea typeface="+mn-ea"/>
-                <a:cs typeface="+mn-cs"/>
-              </a:defRPr>
-            </a:lvl5pPr>
-            <a:lvl6pPr marL="1900000" indent="-228600" algn="l" defTabSz="457200" rtl="0" eaLnBrk="1" latinLnBrk="0" hangingPunct="1">
-              <a:spcBef>
-                <a:spcPct val="20000"/>
-              </a:spcBef>
-              <a:spcAft>
-                <a:spcPts val="600"/>
-              </a:spcAft>
-              <a:buClr>
-                <a:schemeClr val="accent2"/>
-              </a:buClr>
-              <a:buSzPct val="92000"/>
-              <a:buFont typeface="Wingdings 2" panose="05020102010507070707" pitchFamily="18" charset="2"/>
-              <a:buChar char=""/>
-              <a:defRPr sz="1200" kern="1200">
-                <a:solidFill>
-                  <a:schemeClr val="tx2"/>
-                </a:solidFill>
-                <a:latin typeface="+mn-lt"/>
-                <a:ea typeface="+mn-ea"/>
-                <a:cs typeface="+mn-cs"/>
-              </a:defRPr>
-            </a:lvl6pPr>
-            <a:lvl7pPr marL="2200000" indent="-228600" algn="l" defTabSz="457200" rtl="0" eaLnBrk="1" latinLnBrk="0" hangingPunct="1">
-              <a:spcBef>
-                <a:spcPct val="20000"/>
-              </a:spcBef>
-              <a:spcAft>
-                <a:spcPts val="600"/>
-              </a:spcAft>
-              <a:buClr>
-                <a:schemeClr val="accent2"/>
-              </a:buClr>
-              <a:buSzPct val="92000"/>
-              <a:buFont typeface="Wingdings 2" panose="05020102010507070707" pitchFamily="18" charset="2"/>
-              <a:buChar char=""/>
-              <a:defRPr sz="1200" kern="1200">
-                <a:solidFill>
-                  <a:schemeClr val="tx2"/>
-                </a:solidFill>
-                <a:latin typeface="+mn-lt"/>
-                <a:ea typeface="+mn-ea"/>
-                <a:cs typeface="+mn-cs"/>
-              </a:defRPr>
-            </a:lvl7pPr>
-            <a:lvl8pPr marL="2500000" indent="-228600" algn="l" defTabSz="457200" rtl="0" eaLnBrk="1" latinLnBrk="0" hangingPunct="1">
-              <a:spcBef>
-                <a:spcPct val="20000"/>
-              </a:spcBef>
-              <a:spcAft>
-                <a:spcPts val="600"/>
-              </a:spcAft>
-              <a:buClr>
-                <a:schemeClr val="accent2"/>
-              </a:buClr>
-              <a:buSzPct val="92000"/>
-              <a:buFont typeface="Wingdings 2" panose="05020102010507070707" pitchFamily="18" charset="2"/>
-              <a:buChar char=""/>
-              <a:defRPr sz="1200" kern="1200">
-                <a:solidFill>
-                  <a:schemeClr val="tx2"/>
-                </a:solidFill>
-                <a:latin typeface="+mn-lt"/>
-                <a:ea typeface="+mn-ea"/>
-                <a:cs typeface="+mn-cs"/>
-              </a:defRPr>
-            </a:lvl8pPr>
-            <a:lvl9pPr marL="2800000" indent="-228600" algn="l" defTabSz="457200" rtl="0" eaLnBrk="1" latinLnBrk="0" hangingPunct="1">
-              <a:spcBef>
-                <a:spcPct val="20000"/>
-              </a:spcBef>
-              <a:spcAft>
-                <a:spcPts val="600"/>
-              </a:spcAft>
-              <a:buClr>
-                <a:schemeClr val="accent2"/>
-              </a:buClr>
-              <a:buSzPct val="92000"/>
-              <a:buFont typeface="Wingdings 2" panose="05020102010507070707" pitchFamily="18" charset="2"/>
-              <a:buChar char=""/>
-              <a:defRPr sz="1200" kern="1200">
-                <a:solidFill>
-                  <a:schemeClr val="tx2"/>
-                </a:solidFill>
-                <a:latin typeface="+mn-lt"/>
-                <a:ea typeface="+mn-ea"/>
-                <a:cs typeface="+mn-cs"/>
-              </a:defRPr>
-            </a:lvl9pPr>
-          </a:lstStyle>
-          <a:p>
-            <a:pPr marL="0" indent="0">
-              <a:buFont typeface="Wingdings 2" panose="05020102010507070707" pitchFamily="18" charset="2"/>
-              <a:buNone/>
-            </a:pPr>
-            <a:r>
-              <a:rPr lang="en-US" sz="2800" dirty="0"/>
-              <a:t>5. Model in the Transformed System</a:t>
-            </a:r>
-          </a:p>
-        </p:txBody>
-      </p:sp>
-    </p:spTree>
-    <p:extLst>
-      <p:ext uri="{BB962C8B-B14F-4D97-AF65-F5344CB8AC3E}">
-        <p14:creationId xmlns:p14="http://schemas.microsoft.com/office/powerpoint/2010/main" val="3213651445"/>
-      </p:ext>
-    </p:extLst>
-  </p:cSld>
-  <p:clrMapOvr>
-    <a:masterClrMapping/>
-  </p:clrMapOvr>
 </p:sld>
 </file>
 
@@ -28059,7 +25718,7 @@
                 <a16:creationId xmlns:a16="http://schemas.microsoft.com/office/drawing/2014/main" id="{A112547E-198B-9E05-0675-1FBFFDF268DA}"/>
               </a:ext>
               <a:ext uri="{C183D7F6-B498-43B3-948B-1728B52AA6E4}">
-                <adec:decorative xmlns:adec="http://schemas.microsoft.com/office/drawing/2017/decorative" val="1"/>
+                <adec:decorative xmlns:adec="http://schemas.microsoft.com/office/drawing/2017/decorative" xmlns="" val="1"/>
               </a:ext>
             </a:extLst>
           </p:cNvPr>
@@ -28150,7 +25809,7 @@
                 <a16:creationId xmlns:a16="http://schemas.microsoft.com/office/drawing/2014/main" id="{A6C02608-FE1F-FD6B-9F6F-B4C30768B4C9}"/>
               </a:ext>
               <a:ext uri="{C183D7F6-B498-43B3-948B-1728B52AA6E4}">
-                <adec:decorative xmlns:adec="http://schemas.microsoft.com/office/drawing/2017/decorative" val="1"/>
+                <adec:decorative xmlns:adec="http://schemas.microsoft.com/office/drawing/2017/decorative" xmlns="" val="1"/>
               </a:ext>
             </a:extLst>
           </p:cNvPr>
@@ -28241,7 +25900,7 @@
                 <a16:creationId xmlns:a16="http://schemas.microsoft.com/office/drawing/2014/main" id="{12E9E75F-1C63-096E-7E14-9BE2D342A1ED}"/>
               </a:ext>
               <a:ext uri="{C183D7F6-B498-43B3-948B-1728B52AA6E4}">
-                <adec:decorative xmlns:adec="http://schemas.microsoft.com/office/drawing/2017/decorative" val="1"/>
+                <adec:decorative xmlns:adec="http://schemas.microsoft.com/office/drawing/2017/decorative" xmlns="" val="1"/>
               </a:ext>
             </a:extLst>
           </p:cNvPr>
@@ -28332,7 +25991,7 @@
                 <a16:creationId xmlns:a16="http://schemas.microsoft.com/office/drawing/2014/main" id="{183AF455-7B4F-55F8-D6B1-2B568C88E8E0}"/>
               </a:ext>
               <a:ext uri="{C183D7F6-B498-43B3-948B-1728B52AA6E4}">
-                <adec:decorative xmlns:adec="http://schemas.microsoft.com/office/drawing/2017/decorative" val="1"/>
+                <adec:decorative xmlns:adec="http://schemas.microsoft.com/office/drawing/2017/decorative" xmlns="" val="1"/>
               </a:ext>
             </a:extLst>
           </p:cNvPr>
@@ -28423,7 +26082,7 @@
                 <a16:creationId xmlns:a16="http://schemas.microsoft.com/office/drawing/2014/main" id="{A0756C1F-C446-CA3F-DAE7-152750B514F1}"/>
               </a:ext>
               <a:ext uri="{C183D7F6-B498-43B3-948B-1728B52AA6E4}">
-                <adec:decorative xmlns:adec="http://schemas.microsoft.com/office/drawing/2017/decorative" val="1"/>
+                <adec:decorative xmlns:adec="http://schemas.microsoft.com/office/drawing/2017/decorative" xmlns="" val="1"/>
               </a:ext>
             </a:extLst>
           </p:cNvPr>
@@ -28512,7 +26171,7 @@
                 <a16:creationId xmlns:a16="http://schemas.microsoft.com/office/drawing/2014/main" id="{220888DF-7DB4-1AEF-E4AF-3927999299BC}"/>
               </a:ext>
               <a:ext uri="{C183D7F6-B498-43B3-948B-1728B52AA6E4}">
-                <adec:decorative xmlns:adec="http://schemas.microsoft.com/office/drawing/2017/decorative" val="1"/>
+                <adec:decorative xmlns:adec="http://schemas.microsoft.com/office/drawing/2017/decorative" xmlns="" val="1"/>
               </a:ext>
             </a:extLst>
           </p:cNvPr>
@@ -28603,7 +26262,7 @@
                 <a16:creationId xmlns:a16="http://schemas.microsoft.com/office/drawing/2014/main" id="{3F390241-4877-3308-BA74-05531D4D2555}"/>
               </a:ext>
               <a:ext uri="{C183D7F6-B498-43B3-948B-1728B52AA6E4}">
-                <adec:decorative xmlns:adec="http://schemas.microsoft.com/office/drawing/2017/decorative" val="1"/>
+                <adec:decorative xmlns:adec="http://schemas.microsoft.com/office/drawing/2017/decorative" xmlns="" val="1"/>
               </a:ext>
             </a:extLst>
           </p:cNvPr>
@@ -28736,7 +26395,7 @@
                 <a16:creationId xmlns:a16="http://schemas.microsoft.com/office/drawing/2014/main" id="{0D6AF533-F0C8-5AC9-93C3-6606EF7122A9}"/>
               </a:ext>
               <a:ext uri="{C183D7F6-B498-43B3-948B-1728B52AA6E4}">
-                <adec:decorative xmlns:adec="http://schemas.microsoft.com/office/drawing/2017/decorative" val="1"/>
+                <adec:decorative xmlns:adec="http://schemas.microsoft.com/office/drawing/2017/decorative" xmlns="" val="1"/>
               </a:ext>
             </a:extLst>
           </p:cNvPr>
@@ -28976,8 +26635,8 @@
           </a:p>
         </p:txBody>
       </p:sp>
-      <mc:AlternateContent xmlns:mc="http://schemas.openxmlformats.org/markup-compatibility/2006">
-        <mc:Choice xmlns:a14="http://schemas.microsoft.com/office/drawing/2010/main" Requires="a14">
+      <mc:AlternateContent xmlns:mc="http://schemas.openxmlformats.org/markup-compatibility/2006" xmlns:a14="http://schemas.microsoft.com/office/drawing/2010/main">
+        <mc:Choice Requires="a14">
           <p:sp>
             <p:nvSpPr>
               <p:cNvPr id="3" name="Content Placeholder 2">
@@ -29290,18 +26949,24 @@
                     <m:sSub>
                       <m:sSubPr>
                         <m:ctrlPr>
-                          <a:rPr lang="en-US" sz="2000"/>
+                          <a:rPr lang="en-US" sz="2000" i="1">
+                            <a:latin typeface="Cambria Math" panose="02040503050406030204" pitchFamily="18" charset="0"/>
+                          </a:rPr>
                         </m:ctrlPr>
                       </m:sSubPr>
                       <m:e>
                         <m:r>
-                          <a:rPr lang="en-US" sz="2000"/>
+                          <a:rPr lang="en-US" sz="2000">
+                            <a:latin typeface="Cambria Math" panose="02040503050406030204" pitchFamily="18" charset="0"/>
+                          </a:rPr>
                           <m:t>𝜀</m:t>
                         </m:r>
                       </m:e>
                       <m:sub>
                         <m:r>
-                          <a:rPr lang="en-US" sz="2000"/>
+                          <a:rPr lang="en-US" sz="2000">
+                            <a:latin typeface="Cambria Math" panose="02040503050406030204" pitchFamily="18" charset="0"/>
+                          </a:rPr>
                           <m:t>𝑖</m:t>
                         </m:r>
                       </m:sub>
@@ -29315,7 +26980,9 @@
                 <a14:m>
                   <m:oMath xmlns:m="http://schemas.openxmlformats.org/officeDocument/2006/math">
                     <m:r>
-                      <a:rPr lang="en-US" sz="2000"/>
+                      <a:rPr lang="en-US" sz="2000">
+                        <a:latin typeface="Cambria Math" panose="02040503050406030204" pitchFamily="18" charset="0"/>
+                      </a:rPr>
                       <m:t>𝑖</m:t>
                     </m:r>
                   </m:oMath>
@@ -29883,7 +27550,7 @@
             </p:txBody>
           </p:sp>
         </mc:Choice>
-        <mc:Fallback>
+        <mc:Fallback xmlns="">
           <p:sp>
             <p:nvSpPr>
               <p:cNvPr id="3" name="Content Placeholder 2">
@@ -30439,7 +28106,7 @@
                 <a16:creationId xmlns:a16="http://schemas.microsoft.com/office/drawing/2014/main" id="{54B744F6-8839-076D-8745-F4FE628328DE}"/>
               </a:ext>
               <a:ext uri="{C183D7F6-B498-43B3-948B-1728B52AA6E4}">
-                <adec:decorative xmlns:adec="http://schemas.microsoft.com/office/drawing/2017/decorative" val="1"/>
+                <adec:decorative xmlns:adec="http://schemas.microsoft.com/office/drawing/2017/decorative" xmlns="" val="1"/>
               </a:ext>
             </a:extLst>
           </p:cNvPr>
@@ -30530,7 +28197,7 @@
                 <a16:creationId xmlns:a16="http://schemas.microsoft.com/office/drawing/2014/main" id="{25F6329E-41CD-091A-19FA-6F133FC6F26E}"/>
               </a:ext>
               <a:ext uri="{C183D7F6-B498-43B3-948B-1728B52AA6E4}">
-                <adec:decorative xmlns:adec="http://schemas.microsoft.com/office/drawing/2017/decorative" val="1"/>
+                <adec:decorative xmlns:adec="http://schemas.microsoft.com/office/drawing/2017/decorative" xmlns="" val="1"/>
               </a:ext>
             </a:extLst>
           </p:cNvPr>
@@ -30621,7 +28288,7 @@
                 <a16:creationId xmlns:a16="http://schemas.microsoft.com/office/drawing/2014/main" id="{43FDABB0-A263-9EAD-24EC-95B7129EAACD}"/>
               </a:ext>
               <a:ext uri="{C183D7F6-B498-43B3-948B-1728B52AA6E4}">
-                <adec:decorative xmlns:adec="http://schemas.microsoft.com/office/drawing/2017/decorative" val="1"/>
+                <adec:decorative xmlns:adec="http://schemas.microsoft.com/office/drawing/2017/decorative" xmlns="" val="1"/>
               </a:ext>
             </a:extLst>
           </p:cNvPr>
@@ -30712,7 +28379,7 @@
                 <a16:creationId xmlns:a16="http://schemas.microsoft.com/office/drawing/2014/main" id="{0345D31F-C993-9943-A688-E669A0AFF57C}"/>
               </a:ext>
               <a:ext uri="{C183D7F6-B498-43B3-948B-1728B52AA6E4}">
-                <adec:decorative xmlns:adec="http://schemas.microsoft.com/office/drawing/2017/decorative" val="1"/>
+                <adec:decorative xmlns:adec="http://schemas.microsoft.com/office/drawing/2017/decorative" xmlns="" val="1"/>
               </a:ext>
             </a:extLst>
           </p:cNvPr>
@@ -30803,7 +28470,7 @@
                 <a16:creationId xmlns:a16="http://schemas.microsoft.com/office/drawing/2014/main" id="{CDCB8611-4505-C38F-6DE1-AC9F71907D3F}"/>
               </a:ext>
               <a:ext uri="{C183D7F6-B498-43B3-948B-1728B52AA6E4}">
-                <adec:decorative xmlns:adec="http://schemas.microsoft.com/office/drawing/2017/decorative" val="1"/>
+                <adec:decorative xmlns:adec="http://schemas.microsoft.com/office/drawing/2017/decorative" xmlns="" val="1"/>
               </a:ext>
             </a:extLst>
           </p:cNvPr>
@@ -30892,7 +28559,7 @@
                 <a16:creationId xmlns:a16="http://schemas.microsoft.com/office/drawing/2014/main" id="{0EB42D87-8C15-FD2F-FEA4-5496B5879A82}"/>
               </a:ext>
               <a:ext uri="{C183D7F6-B498-43B3-948B-1728B52AA6E4}">
-                <adec:decorative xmlns:adec="http://schemas.microsoft.com/office/drawing/2017/decorative" val="1"/>
+                <adec:decorative xmlns:adec="http://schemas.microsoft.com/office/drawing/2017/decorative" xmlns="" val="1"/>
               </a:ext>
             </a:extLst>
           </p:cNvPr>
@@ -30983,7 +28650,7 @@
                 <a16:creationId xmlns:a16="http://schemas.microsoft.com/office/drawing/2014/main" id="{93B862DD-278B-0512-D575-ADF35962BC72}"/>
               </a:ext>
               <a:ext uri="{C183D7F6-B498-43B3-948B-1728B52AA6E4}">
-                <adec:decorative xmlns:adec="http://schemas.microsoft.com/office/drawing/2017/decorative" val="1"/>
+                <adec:decorative xmlns:adec="http://schemas.microsoft.com/office/drawing/2017/decorative" xmlns="" val="1"/>
               </a:ext>
             </a:extLst>
           </p:cNvPr>
@@ -31132,7 +28799,7 @@
                 <a16:creationId xmlns:a16="http://schemas.microsoft.com/office/drawing/2014/main" id="{3F180155-DCCB-CEDA-22CD-FF6EB27CC8F2}"/>
               </a:ext>
               <a:ext uri="{C183D7F6-B498-43B3-948B-1728B52AA6E4}">
-                <adec:decorative xmlns:adec="http://schemas.microsoft.com/office/drawing/2017/decorative" val="1"/>
+                <adec:decorative xmlns:adec="http://schemas.microsoft.com/office/drawing/2017/decorative" xmlns="" val="1"/>
               </a:ext>
             </a:extLst>
           </p:cNvPr>
@@ -31811,8 +29478,8 @@
           </a:ln>
         </p:spPr>
       </p:pic>
-      <mc:AlternateContent xmlns:mc="http://schemas.openxmlformats.org/markup-compatibility/2006">
-        <mc:Choice xmlns:a14="http://schemas.microsoft.com/office/drawing/2010/main" Requires="a14">
+      <mc:AlternateContent xmlns:mc="http://schemas.openxmlformats.org/markup-compatibility/2006" xmlns:a14="http://schemas.microsoft.com/office/drawing/2010/main">
+        <mc:Choice Requires="a14">
           <p:sp>
             <p:nvSpPr>
               <p:cNvPr id="9" name="TextBox 8">
@@ -31955,7 +29622,7 @@
             </p:txBody>
           </p:sp>
         </mc:Choice>
-        <mc:Fallback>
+        <mc:Fallback xmlns="">
           <p:sp>
             <p:nvSpPr>
               <p:cNvPr id="9" name="TextBox 8">
@@ -32035,8 +29702,8 @@
           </a:p>
         </p:txBody>
       </p:sp>
-      <mc:AlternateContent xmlns:mc="http://schemas.openxmlformats.org/markup-compatibility/2006">
-        <mc:Choice xmlns:a14="http://schemas.microsoft.com/office/drawing/2010/main" Requires="a14">
+      <mc:AlternateContent xmlns:mc="http://schemas.openxmlformats.org/markup-compatibility/2006" xmlns:a14="http://schemas.microsoft.com/office/drawing/2010/main">
+        <mc:Choice Requires="a14">
           <p:sp>
             <p:nvSpPr>
               <p:cNvPr id="3" name="TextBox 2">
@@ -32065,6 +29732,7 @@
               </a:bodyPr>
               <a:lstStyle/>
               <a:p>
+                <a:pPr/>
                 <a14:m>
                   <m:oMathPara xmlns:m="http://schemas.openxmlformats.org/officeDocument/2006/math">
                     <m:oMathParaPr>
@@ -32220,7 +29888,7 @@
             </p:txBody>
           </p:sp>
         </mc:Choice>
-        <mc:Fallback>
+        <mc:Fallback xmlns="">
           <p:sp>
             <p:nvSpPr>
               <p:cNvPr id="3" name="TextBox 2">
